--- a/LaraKrautmacher_RenéWiskow_ElenaKirsch_ITManagement.pptx
+++ b/LaraKrautmacher_RenéWiskow_ElenaKirsch_ITManagement.pptx
@@ -5,15 +5,21 @@
     <p:sldMasterId id="2147483648" r:id="rId1"/>
   </p:sldMasterIdLst>
   <p:notesMasterIdLst>
-    <p:notesMasterId r:id="rId5"/>
+    <p:notesMasterId r:id="rId11"/>
   </p:notesMasterIdLst>
   <p:handoutMasterIdLst>
-    <p:handoutMasterId r:id="rId6"/>
+    <p:handoutMasterId r:id="rId12"/>
   </p:handoutMasterIdLst>
   <p:sldIdLst>
     <p:sldId id="256" r:id="rId2"/>
     <p:sldId id="257" r:id="rId3"/>
     <p:sldId id="258" r:id="rId4"/>
+    <p:sldId id="259" r:id="rId5"/>
+    <p:sldId id="260" r:id="rId6"/>
+    <p:sldId id="262" r:id="rId7"/>
+    <p:sldId id="263" r:id="rId8"/>
+    <p:sldId id="264" r:id="rId9"/>
+    <p:sldId id="265" r:id="rId10"/>
   </p:sldIdLst>
   <p:sldSz cx="12192000" cy="6858000"/>
   <p:notesSz cx="6858000" cy="9144000"/>
@@ -120,6 +126,12 @@
             <p14:sldId id="256"/>
             <p14:sldId id="257"/>
             <p14:sldId id="258"/>
+            <p14:sldId id="259"/>
+            <p14:sldId id="260"/>
+            <p14:sldId id="262"/>
+            <p14:sldId id="263"/>
+            <p14:sldId id="264"/>
+            <p14:sldId id="265"/>
           </p14:sldIdLst>
         </p14:section>
       </p14:sectionLst>
@@ -132,6 +144,5472 @@
     </p:ext>
   </p:extLst>
 </p:presentation>
+</file>
+
+<file path=ppt/diagrams/colors1.xml><?xml version="1.0" encoding="utf-8"?>
+<dgm:colorsDef xmlns:dgm="http://schemas.openxmlformats.org/drawingml/2006/diagram" xmlns:a="http://schemas.openxmlformats.org/drawingml/2006/main" uniqueId="urn:microsoft.com/office/officeart/2005/8/colors/accent4_2">
+  <dgm:title val=""/>
+  <dgm:desc val=""/>
+  <dgm:catLst>
+    <dgm:cat type="accent4" pri="11200"/>
+  </dgm:catLst>
+  <dgm:styleLbl name="node0">
+    <dgm:fillClrLst meth="repeat">
+      <a:schemeClr val="accent4"/>
+    </dgm:fillClrLst>
+    <dgm:linClrLst meth="repeat">
+      <a:schemeClr val="lt1"/>
+    </dgm:linClrLst>
+    <dgm:effectClrLst/>
+    <dgm:txLinClrLst/>
+    <dgm:txFillClrLst/>
+    <dgm:txEffectClrLst/>
+  </dgm:styleLbl>
+  <dgm:styleLbl name="node1">
+    <dgm:fillClrLst meth="repeat">
+      <a:schemeClr val="accent4"/>
+    </dgm:fillClrLst>
+    <dgm:linClrLst meth="repeat">
+      <a:schemeClr val="lt1"/>
+    </dgm:linClrLst>
+    <dgm:effectClrLst/>
+    <dgm:txLinClrLst/>
+    <dgm:txFillClrLst/>
+    <dgm:txEffectClrLst/>
+  </dgm:styleLbl>
+  <dgm:styleLbl name="alignNode1">
+    <dgm:fillClrLst meth="repeat">
+      <a:schemeClr val="accent4"/>
+    </dgm:fillClrLst>
+    <dgm:linClrLst meth="repeat">
+      <a:schemeClr val="accent4"/>
+    </dgm:linClrLst>
+    <dgm:effectClrLst/>
+    <dgm:txLinClrLst/>
+    <dgm:txFillClrLst/>
+    <dgm:txEffectClrLst/>
+  </dgm:styleLbl>
+  <dgm:styleLbl name="lnNode1">
+    <dgm:fillClrLst meth="repeat">
+      <a:schemeClr val="accent4"/>
+    </dgm:fillClrLst>
+    <dgm:linClrLst meth="repeat">
+      <a:schemeClr val="lt1"/>
+    </dgm:linClrLst>
+    <dgm:effectClrLst/>
+    <dgm:txLinClrLst/>
+    <dgm:txFillClrLst/>
+    <dgm:txEffectClrLst/>
+  </dgm:styleLbl>
+  <dgm:styleLbl name="vennNode1">
+    <dgm:fillClrLst meth="repeat">
+      <a:schemeClr val="accent4">
+        <a:alpha val="50000"/>
+      </a:schemeClr>
+    </dgm:fillClrLst>
+    <dgm:linClrLst meth="repeat">
+      <a:schemeClr val="lt1"/>
+    </dgm:linClrLst>
+    <dgm:effectClrLst/>
+    <dgm:txLinClrLst/>
+    <dgm:txFillClrLst/>
+    <dgm:txEffectClrLst/>
+  </dgm:styleLbl>
+  <dgm:styleLbl name="node2">
+    <dgm:fillClrLst meth="repeat">
+      <a:schemeClr val="accent4"/>
+    </dgm:fillClrLst>
+    <dgm:linClrLst meth="repeat">
+      <a:schemeClr val="lt1"/>
+    </dgm:linClrLst>
+    <dgm:effectClrLst/>
+    <dgm:txLinClrLst/>
+    <dgm:txFillClrLst/>
+    <dgm:txEffectClrLst/>
+  </dgm:styleLbl>
+  <dgm:styleLbl name="node3">
+    <dgm:fillClrLst meth="repeat">
+      <a:schemeClr val="accent4"/>
+    </dgm:fillClrLst>
+    <dgm:linClrLst meth="repeat">
+      <a:schemeClr val="lt1"/>
+    </dgm:linClrLst>
+    <dgm:effectClrLst/>
+    <dgm:txLinClrLst/>
+    <dgm:txFillClrLst/>
+    <dgm:txEffectClrLst/>
+  </dgm:styleLbl>
+  <dgm:styleLbl name="node4">
+    <dgm:fillClrLst meth="repeat">
+      <a:schemeClr val="accent4"/>
+    </dgm:fillClrLst>
+    <dgm:linClrLst meth="repeat">
+      <a:schemeClr val="lt1"/>
+    </dgm:linClrLst>
+    <dgm:effectClrLst/>
+    <dgm:txLinClrLst/>
+    <dgm:txFillClrLst/>
+    <dgm:txEffectClrLst/>
+  </dgm:styleLbl>
+  <dgm:styleLbl name="fgImgPlace1">
+    <dgm:fillClrLst meth="repeat">
+      <a:schemeClr val="accent4">
+        <a:tint val="50000"/>
+      </a:schemeClr>
+    </dgm:fillClrLst>
+    <dgm:linClrLst meth="repeat">
+      <a:schemeClr val="lt1"/>
+    </dgm:linClrLst>
+    <dgm:effectClrLst/>
+    <dgm:txLinClrLst/>
+    <dgm:txFillClrLst meth="repeat">
+      <a:schemeClr val="lt1"/>
+    </dgm:txFillClrLst>
+    <dgm:txEffectClrLst/>
+  </dgm:styleLbl>
+  <dgm:styleLbl name="alignImgPlace1">
+    <dgm:fillClrLst meth="repeat">
+      <a:schemeClr val="accent4">
+        <a:tint val="50000"/>
+      </a:schemeClr>
+    </dgm:fillClrLst>
+    <dgm:linClrLst meth="repeat">
+      <a:schemeClr val="lt1"/>
+    </dgm:linClrLst>
+    <dgm:effectClrLst/>
+    <dgm:txLinClrLst/>
+    <dgm:txFillClrLst meth="repeat">
+      <a:schemeClr val="lt1"/>
+    </dgm:txFillClrLst>
+    <dgm:txEffectClrLst/>
+  </dgm:styleLbl>
+  <dgm:styleLbl name="bgImgPlace1">
+    <dgm:fillClrLst meth="repeat">
+      <a:schemeClr val="accent4">
+        <a:tint val="50000"/>
+      </a:schemeClr>
+    </dgm:fillClrLst>
+    <dgm:linClrLst meth="repeat">
+      <a:schemeClr val="lt1"/>
+    </dgm:linClrLst>
+    <dgm:effectClrLst/>
+    <dgm:txLinClrLst/>
+    <dgm:txFillClrLst meth="repeat">
+      <a:schemeClr val="lt1"/>
+    </dgm:txFillClrLst>
+    <dgm:txEffectClrLst/>
+  </dgm:styleLbl>
+  <dgm:styleLbl name="sibTrans2D1">
+    <dgm:fillClrLst meth="repeat">
+      <a:schemeClr val="accent4">
+        <a:tint val="60000"/>
+      </a:schemeClr>
+    </dgm:fillClrLst>
+    <dgm:linClrLst meth="repeat">
+      <a:schemeClr val="accent4">
+        <a:tint val="60000"/>
+      </a:schemeClr>
+    </dgm:linClrLst>
+    <dgm:effectClrLst/>
+    <dgm:txLinClrLst/>
+    <dgm:txFillClrLst/>
+    <dgm:txEffectClrLst/>
+  </dgm:styleLbl>
+  <dgm:styleLbl name="fgSibTrans2D1">
+    <dgm:fillClrLst meth="repeat">
+      <a:schemeClr val="accent4">
+        <a:tint val="60000"/>
+      </a:schemeClr>
+    </dgm:fillClrLst>
+    <dgm:linClrLst meth="repeat">
+      <a:schemeClr val="accent4">
+        <a:tint val="60000"/>
+      </a:schemeClr>
+    </dgm:linClrLst>
+    <dgm:effectClrLst/>
+    <dgm:txLinClrLst/>
+    <dgm:txFillClrLst/>
+    <dgm:txEffectClrLst/>
+  </dgm:styleLbl>
+  <dgm:styleLbl name="bgSibTrans2D1">
+    <dgm:fillClrLst meth="repeat">
+      <a:schemeClr val="accent4">
+        <a:tint val="60000"/>
+      </a:schemeClr>
+    </dgm:fillClrLst>
+    <dgm:linClrLst meth="repeat">
+      <a:schemeClr val="accent4">
+        <a:tint val="60000"/>
+      </a:schemeClr>
+    </dgm:linClrLst>
+    <dgm:effectClrLst/>
+    <dgm:txLinClrLst/>
+    <dgm:txFillClrLst/>
+    <dgm:txEffectClrLst/>
+  </dgm:styleLbl>
+  <dgm:styleLbl name="sibTrans1D1">
+    <dgm:fillClrLst meth="repeat">
+      <a:schemeClr val="accent4"/>
+    </dgm:fillClrLst>
+    <dgm:linClrLst meth="repeat">
+      <a:schemeClr val="accent4"/>
+    </dgm:linClrLst>
+    <dgm:effectClrLst/>
+    <dgm:txLinClrLst/>
+    <dgm:txFillClrLst meth="repeat">
+      <a:schemeClr val="tx1"/>
+    </dgm:txFillClrLst>
+    <dgm:txEffectClrLst/>
+  </dgm:styleLbl>
+  <dgm:styleLbl name="callout">
+    <dgm:fillClrLst meth="repeat">
+      <a:schemeClr val="accent4"/>
+    </dgm:fillClrLst>
+    <dgm:linClrLst meth="repeat">
+      <a:schemeClr val="accent4">
+        <a:tint val="50000"/>
+      </a:schemeClr>
+    </dgm:linClrLst>
+    <dgm:effectClrLst/>
+    <dgm:txLinClrLst/>
+    <dgm:txFillClrLst meth="repeat">
+      <a:schemeClr val="tx1"/>
+    </dgm:txFillClrLst>
+    <dgm:txEffectClrLst/>
+  </dgm:styleLbl>
+  <dgm:styleLbl name="asst0">
+    <dgm:fillClrLst meth="repeat">
+      <a:schemeClr val="accent4"/>
+    </dgm:fillClrLst>
+    <dgm:linClrLst meth="repeat">
+      <a:schemeClr val="lt1"/>
+    </dgm:linClrLst>
+    <dgm:effectClrLst/>
+    <dgm:txLinClrLst/>
+    <dgm:txFillClrLst/>
+    <dgm:txEffectClrLst/>
+  </dgm:styleLbl>
+  <dgm:styleLbl name="asst1">
+    <dgm:fillClrLst meth="repeat">
+      <a:schemeClr val="accent4"/>
+    </dgm:fillClrLst>
+    <dgm:linClrLst meth="repeat">
+      <a:schemeClr val="lt1"/>
+    </dgm:linClrLst>
+    <dgm:effectClrLst/>
+    <dgm:txLinClrLst/>
+    <dgm:txFillClrLst/>
+    <dgm:txEffectClrLst/>
+  </dgm:styleLbl>
+  <dgm:styleLbl name="asst2">
+    <dgm:fillClrLst meth="repeat">
+      <a:schemeClr val="accent4"/>
+    </dgm:fillClrLst>
+    <dgm:linClrLst meth="repeat">
+      <a:schemeClr val="lt1"/>
+    </dgm:linClrLst>
+    <dgm:effectClrLst/>
+    <dgm:txLinClrLst/>
+    <dgm:txFillClrLst/>
+    <dgm:txEffectClrLst/>
+  </dgm:styleLbl>
+  <dgm:styleLbl name="asst3">
+    <dgm:fillClrLst meth="repeat">
+      <a:schemeClr val="accent4"/>
+    </dgm:fillClrLst>
+    <dgm:linClrLst meth="repeat">
+      <a:schemeClr val="lt1"/>
+    </dgm:linClrLst>
+    <dgm:effectClrLst/>
+    <dgm:txLinClrLst/>
+    <dgm:txFillClrLst/>
+    <dgm:txEffectClrLst/>
+  </dgm:styleLbl>
+  <dgm:styleLbl name="asst4">
+    <dgm:fillClrLst meth="repeat">
+      <a:schemeClr val="accent4"/>
+    </dgm:fillClrLst>
+    <dgm:linClrLst meth="repeat">
+      <a:schemeClr val="lt1"/>
+    </dgm:linClrLst>
+    <dgm:effectClrLst/>
+    <dgm:txLinClrLst/>
+    <dgm:txFillClrLst/>
+    <dgm:txEffectClrLst/>
+  </dgm:styleLbl>
+  <dgm:styleLbl name="parChTrans2D1">
+    <dgm:fillClrLst meth="repeat">
+      <a:schemeClr val="accent4">
+        <a:tint val="60000"/>
+      </a:schemeClr>
+    </dgm:fillClrLst>
+    <dgm:linClrLst meth="repeat">
+      <a:schemeClr val="accent4">
+        <a:tint val="60000"/>
+      </a:schemeClr>
+    </dgm:linClrLst>
+    <dgm:effectClrLst/>
+    <dgm:txLinClrLst/>
+    <dgm:txFillClrLst meth="repeat">
+      <a:schemeClr val="lt1"/>
+    </dgm:txFillClrLst>
+    <dgm:txEffectClrLst/>
+  </dgm:styleLbl>
+  <dgm:styleLbl name="parChTrans2D2">
+    <dgm:fillClrLst meth="repeat">
+      <a:schemeClr val="accent4"/>
+    </dgm:fillClrLst>
+    <dgm:linClrLst meth="repeat">
+      <a:schemeClr val="accent4"/>
+    </dgm:linClrLst>
+    <dgm:effectClrLst/>
+    <dgm:txLinClrLst/>
+    <dgm:txFillClrLst meth="repeat">
+      <a:schemeClr val="lt1"/>
+    </dgm:txFillClrLst>
+    <dgm:txEffectClrLst/>
+  </dgm:styleLbl>
+  <dgm:styleLbl name="parChTrans2D3">
+    <dgm:fillClrLst meth="repeat">
+      <a:schemeClr val="accent4"/>
+    </dgm:fillClrLst>
+    <dgm:linClrLst meth="repeat">
+      <a:schemeClr val="accent4"/>
+    </dgm:linClrLst>
+    <dgm:effectClrLst/>
+    <dgm:txLinClrLst/>
+    <dgm:txFillClrLst meth="repeat">
+      <a:schemeClr val="lt1"/>
+    </dgm:txFillClrLst>
+    <dgm:txEffectClrLst/>
+  </dgm:styleLbl>
+  <dgm:styleLbl name="parChTrans2D4">
+    <dgm:fillClrLst meth="repeat">
+      <a:schemeClr val="accent4"/>
+    </dgm:fillClrLst>
+    <dgm:linClrLst meth="repeat">
+      <a:schemeClr val="accent4"/>
+    </dgm:linClrLst>
+    <dgm:effectClrLst/>
+    <dgm:txLinClrLst/>
+    <dgm:txFillClrLst meth="repeat">
+      <a:schemeClr val="lt1"/>
+    </dgm:txFillClrLst>
+    <dgm:txEffectClrLst/>
+  </dgm:styleLbl>
+  <dgm:styleLbl name="parChTrans1D1">
+    <dgm:fillClrLst meth="repeat">
+      <a:schemeClr val="accent4"/>
+    </dgm:fillClrLst>
+    <dgm:linClrLst meth="repeat">
+      <a:schemeClr val="accent4">
+        <a:shade val="60000"/>
+      </a:schemeClr>
+    </dgm:linClrLst>
+    <dgm:effectClrLst/>
+    <dgm:txLinClrLst/>
+    <dgm:txFillClrLst meth="repeat">
+      <a:schemeClr val="tx1"/>
+    </dgm:txFillClrLst>
+    <dgm:txEffectClrLst/>
+  </dgm:styleLbl>
+  <dgm:styleLbl name="parChTrans1D2">
+    <dgm:fillClrLst meth="repeat">
+      <a:schemeClr val="accent4"/>
+    </dgm:fillClrLst>
+    <dgm:linClrLst meth="repeat">
+      <a:schemeClr val="accent4">
+        <a:shade val="60000"/>
+      </a:schemeClr>
+    </dgm:linClrLst>
+    <dgm:effectClrLst/>
+    <dgm:txLinClrLst/>
+    <dgm:txFillClrLst meth="repeat">
+      <a:schemeClr val="tx1"/>
+    </dgm:txFillClrLst>
+    <dgm:txEffectClrLst/>
+  </dgm:styleLbl>
+  <dgm:styleLbl name="parChTrans1D3">
+    <dgm:fillClrLst meth="repeat">
+      <a:schemeClr val="accent4"/>
+    </dgm:fillClrLst>
+    <dgm:linClrLst meth="repeat">
+      <a:schemeClr val="accent4">
+        <a:shade val="80000"/>
+      </a:schemeClr>
+    </dgm:linClrLst>
+    <dgm:effectClrLst/>
+    <dgm:txLinClrLst/>
+    <dgm:txFillClrLst meth="repeat">
+      <a:schemeClr val="tx1"/>
+    </dgm:txFillClrLst>
+    <dgm:txEffectClrLst/>
+  </dgm:styleLbl>
+  <dgm:styleLbl name="parChTrans1D4">
+    <dgm:fillClrLst meth="repeat">
+      <a:schemeClr val="accent4"/>
+    </dgm:fillClrLst>
+    <dgm:linClrLst meth="repeat">
+      <a:schemeClr val="accent4">
+        <a:shade val="80000"/>
+      </a:schemeClr>
+    </dgm:linClrLst>
+    <dgm:effectClrLst/>
+    <dgm:txLinClrLst/>
+    <dgm:txFillClrLst meth="repeat">
+      <a:schemeClr val="tx1"/>
+    </dgm:txFillClrLst>
+    <dgm:txEffectClrLst/>
+  </dgm:styleLbl>
+  <dgm:styleLbl name="fgAcc1">
+    <dgm:fillClrLst meth="repeat">
+      <a:schemeClr val="lt1">
+        <a:alpha val="90000"/>
+      </a:schemeClr>
+    </dgm:fillClrLst>
+    <dgm:linClrLst meth="repeat">
+      <a:schemeClr val="accent4"/>
+    </dgm:linClrLst>
+    <dgm:effectClrLst/>
+    <dgm:txLinClrLst/>
+    <dgm:txFillClrLst meth="repeat">
+      <a:schemeClr val="dk1"/>
+    </dgm:txFillClrLst>
+    <dgm:txEffectClrLst/>
+  </dgm:styleLbl>
+  <dgm:styleLbl name="conFgAcc1">
+    <dgm:fillClrLst meth="repeat">
+      <a:schemeClr val="lt1">
+        <a:alpha val="90000"/>
+      </a:schemeClr>
+    </dgm:fillClrLst>
+    <dgm:linClrLst meth="repeat">
+      <a:schemeClr val="accent4"/>
+    </dgm:linClrLst>
+    <dgm:effectClrLst/>
+    <dgm:txLinClrLst/>
+    <dgm:txFillClrLst meth="repeat">
+      <a:schemeClr val="dk1"/>
+    </dgm:txFillClrLst>
+    <dgm:txEffectClrLst/>
+  </dgm:styleLbl>
+  <dgm:styleLbl name="alignAcc1">
+    <dgm:fillClrLst meth="repeat">
+      <a:schemeClr val="lt1">
+        <a:alpha val="90000"/>
+      </a:schemeClr>
+    </dgm:fillClrLst>
+    <dgm:linClrLst meth="repeat">
+      <a:schemeClr val="accent4"/>
+    </dgm:linClrLst>
+    <dgm:effectClrLst/>
+    <dgm:txLinClrLst/>
+    <dgm:txFillClrLst meth="repeat">
+      <a:schemeClr val="dk1"/>
+    </dgm:txFillClrLst>
+    <dgm:txEffectClrLst/>
+  </dgm:styleLbl>
+  <dgm:styleLbl name="trAlignAcc1">
+    <dgm:fillClrLst meth="repeat">
+      <a:schemeClr val="lt1">
+        <a:alpha val="40000"/>
+      </a:schemeClr>
+    </dgm:fillClrLst>
+    <dgm:linClrLst meth="repeat">
+      <a:schemeClr val="accent4"/>
+    </dgm:linClrLst>
+    <dgm:effectClrLst/>
+    <dgm:txLinClrLst/>
+    <dgm:txFillClrLst meth="repeat">
+      <a:schemeClr val="dk1"/>
+    </dgm:txFillClrLst>
+    <dgm:txEffectClrLst/>
+  </dgm:styleLbl>
+  <dgm:styleLbl name="bgAcc1">
+    <dgm:fillClrLst meth="repeat">
+      <a:schemeClr val="lt1">
+        <a:alpha val="90000"/>
+      </a:schemeClr>
+    </dgm:fillClrLst>
+    <dgm:linClrLst meth="repeat">
+      <a:schemeClr val="accent4"/>
+    </dgm:linClrLst>
+    <dgm:effectClrLst/>
+    <dgm:txLinClrLst/>
+    <dgm:txFillClrLst meth="repeat">
+      <a:schemeClr val="dk1"/>
+    </dgm:txFillClrLst>
+    <dgm:txEffectClrLst/>
+  </dgm:styleLbl>
+  <dgm:styleLbl name="solidFgAcc1">
+    <dgm:fillClrLst meth="repeat">
+      <a:schemeClr val="lt1"/>
+    </dgm:fillClrLst>
+    <dgm:linClrLst meth="repeat">
+      <a:schemeClr val="accent4"/>
+    </dgm:linClrLst>
+    <dgm:effectClrLst/>
+    <dgm:txLinClrLst/>
+    <dgm:txFillClrLst meth="repeat">
+      <a:schemeClr val="dk1"/>
+    </dgm:txFillClrLst>
+    <dgm:txEffectClrLst/>
+  </dgm:styleLbl>
+  <dgm:styleLbl name="solidAlignAcc1">
+    <dgm:fillClrLst meth="repeat">
+      <a:schemeClr val="lt1"/>
+    </dgm:fillClrLst>
+    <dgm:linClrLst meth="repeat">
+      <a:schemeClr val="accent4"/>
+    </dgm:linClrLst>
+    <dgm:effectClrLst/>
+    <dgm:txLinClrLst/>
+    <dgm:txFillClrLst meth="repeat">
+      <a:schemeClr val="dk1"/>
+    </dgm:txFillClrLst>
+    <dgm:txEffectClrLst/>
+  </dgm:styleLbl>
+  <dgm:styleLbl name="solidBgAcc1">
+    <dgm:fillClrLst meth="repeat">
+      <a:schemeClr val="lt1"/>
+    </dgm:fillClrLst>
+    <dgm:linClrLst meth="repeat">
+      <a:schemeClr val="accent4"/>
+    </dgm:linClrLst>
+    <dgm:effectClrLst/>
+    <dgm:txLinClrLst/>
+    <dgm:txFillClrLst meth="repeat">
+      <a:schemeClr val="dk1"/>
+    </dgm:txFillClrLst>
+    <dgm:txEffectClrLst/>
+  </dgm:styleLbl>
+  <dgm:styleLbl name="fgAccFollowNode1">
+    <dgm:fillClrLst meth="repeat">
+      <a:schemeClr val="accent4">
+        <a:alpha val="90000"/>
+        <a:tint val="40000"/>
+      </a:schemeClr>
+    </dgm:fillClrLst>
+    <dgm:linClrLst meth="repeat">
+      <a:schemeClr val="accent4">
+        <a:alpha val="90000"/>
+        <a:tint val="40000"/>
+      </a:schemeClr>
+    </dgm:linClrLst>
+    <dgm:effectClrLst/>
+    <dgm:txLinClrLst/>
+    <dgm:txFillClrLst meth="repeat">
+      <a:schemeClr val="dk1"/>
+    </dgm:txFillClrLst>
+    <dgm:txEffectClrLst/>
+  </dgm:styleLbl>
+  <dgm:styleLbl name="alignAccFollowNode1">
+    <dgm:fillClrLst meth="repeat">
+      <a:schemeClr val="accent4">
+        <a:alpha val="90000"/>
+        <a:tint val="40000"/>
+      </a:schemeClr>
+    </dgm:fillClrLst>
+    <dgm:linClrLst meth="repeat">
+      <a:schemeClr val="accent4">
+        <a:alpha val="90000"/>
+        <a:tint val="40000"/>
+      </a:schemeClr>
+    </dgm:linClrLst>
+    <dgm:effectClrLst/>
+    <dgm:txLinClrLst/>
+    <dgm:txFillClrLst meth="repeat">
+      <a:schemeClr val="dk1"/>
+    </dgm:txFillClrLst>
+    <dgm:txEffectClrLst/>
+  </dgm:styleLbl>
+  <dgm:styleLbl name="bgAccFollowNode1">
+    <dgm:fillClrLst meth="repeat">
+      <a:schemeClr val="accent4">
+        <a:alpha val="90000"/>
+        <a:tint val="40000"/>
+      </a:schemeClr>
+    </dgm:fillClrLst>
+    <dgm:linClrLst meth="repeat">
+      <a:schemeClr val="accent4">
+        <a:alpha val="90000"/>
+        <a:tint val="40000"/>
+      </a:schemeClr>
+    </dgm:linClrLst>
+    <dgm:effectClrLst/>
+    <dgm:txLinClrLst/>
+    <dgm:txFillClrLst meth="repeat">
+      <a:schemeClr val="dk1"/>
+    </dgm:txFillClrLst>
+    <dgm:txEffectClrLst/>
+  </dgm:styleLbl>
+  <dgm:styleLbl name="fgAcc0">
+    <dgm:fillClrLst meth="repeat">
+      <a:schemeClr val="lt1">
+        <a:alpha val="90000"/>
+      </a:schemeClr>
+    </dgm:fillClrLst>
+    <dgm:linClrLst meth="repeat">
+      <a:schemeClr val="accent4"/>
+    </dgm:linClrLst>
+    <dgm:effectClrLst/>
+    <dgm:txLinClrLst/>
+    <dgm:txFillClrLst meth="repeat">
+      <a:schemeClr val="dk1"/>
+    </dgm:txFillClrLst>
+    <dgm:txEffectClrLst/>
+  </dgm:styleLbl>
+  <dgm:styleLbl name="fgAcc2">
+    <dgm:fillClrLst meth="repeat">
+      <a:schemeClr val="lt1">
+        <a:alpha val="90000"/>
+      </a:schemeClr>
+    </dgm:fillClrLst>
+    <dgm:linClrLst meth="repeat">
+      <a:schemeClr val="accent4"/>
+    </dgm:linClrLst>
+    <dgm:effectClrLst/>
+    <dgm:txLinClrLst/>
+    <dgm:txFillClrLst meth="repeat">
+      <a:schemeClr val="dk1"/>
+    </dgm:txFillClrLst>
+    <dgm:txEffectClrLst/>
+  </dgm:styleLbl>
+  <dgm:styleLbl name="fgAcc3">
+    <dgm:fillClrLst meth="repeat">
+      <a:schemeClr val="lt1">
+        <a:alpha val="90000"/>
+      </a:schemeClr>
+    </dgm:fillClrLst>
+    <dgm:linClrLst meth="repeat">
+      <a:schemeClr val="accent4"/>
+    </dgm:linClrLst>
+    <dgm:effectClrLst/>
+    <dgm:txLinClrLst/>
+    <dgm:txFillClrLst meth="repeat">
+      <a:schemeClr val="dk1"/>
+    </dgm:txFillClrLst>
+    <dgm:txEffectClrLst/>
+  </dgm:styleLbl>
+  <dgm:styleLbl name="fgAcc4">
+    <dgm:fillClrLst meth="repeat">
+      <a:schemeClr val="lt1">
+        <a:alpha val="90000"/>
+      </a:schemeClr>
+    </dgm:fillClrLst>
+    <dgm:linClrLst meth="repeat">
+      <a:schemeClr val="accent4"/>
+    </dgm:linClrLst>
+    <dgm:effectClrLst/>
+    <dgm:txLinClrLst/>
+    <dgm:txFillClrLst meth="repeat">
+      <a:schemeClr val="dk1"/>
+    </dgm:txFillClrLst>
+    <dgm:txEffectClrLst/>
+  </dgm:styleLbl>
+  <dgm:styleLbl name="bgShp">
+    <dgm:fillClrLst meth="repeat">
+      <a:schemeClr val="accent4">
+        <a:tint val="40000"/>
+      </a:schemeClr>
+    </dgm:fillClrLst>
+    <dgm:linClrLst meth="repeat">
+      <a:schemeClr val="accent4"/>
+    </dgm:linClrLst>
+    <dgm:effectClrLst/>
+    <dgm:txLinClrLst/>
+    <dgm:txFillClrLst meth="repeat">
+      <a:schemeClr val="dk1"/>
+    </dgm:txFillClrLst>
+    <dgm:txEffectClrLst/>
+  </dgm:styleLbl>
+  <dgm:styleLbl name="dkBgShp">
+    <dgm:fillClrLst meth="repeat">
+      <a:schemeClr val="accent4">
+        <a:shade val="80000"/>
+      </a:schemeClr>
+    </dgm:fillClrLst>
+    <dgm:linClrLst meth="repeat">
+      <a:schemeClr val="accent4"/>
+    </dgm:linClrLst>
+    <dgm:effectClrLst/>
+    <dgm:txLinClrLst/>
+    <dgm:txFillClrLst meth="repeat">
+      <a:schemeClr val="lt1"/>
+    </dgm:txFillClrLst>
+    <dgm:txEffectClrLst/>
+  </dgm:styleLbl>
+  <dgm:styleLbl name="trBgShp">
+    <dgm:fillClrLst meth="repeat">
+      <a:schemeClr val="accent4">
+        <a:tint val="50000"/>
+        <a:alpha val="40000"/>
+      </a:schemeClr>
+    </dgm:fillClrLst>
+    <dgm:linClrLst meth="repeat">
+      <a:schemeClr val="accent4"/>
+    </dgm:linClrLst>
+    <dgm:effectClrLst/>
+    <dgm:txLinClrLst/>
+    <dgm:txFillClrLst meth="repeat">
+      <a:schemeClr val="lt1"/>
+    </dgm:txFillClrLst>
+    <dgm:txEffectClrLst/>
+  </dgm:styleLbl>
+  <dgm:styleLbl name="fgShp">
+    <dgm:fillClrLst meth="repeat">
+      <a:schemeClr val="accent4">
+        <a:tint val="60000"/>
+      </a:schemeClr>
+    </dgm:fillClrLst>
+    <dgm:linClrLst meth="repeat">
+      <a:schemeClr val="lt1"/>
+    </dgm:linClrLst>
+    <dgm:effectClrLst/>
+    <dgm:txLinClrLst/>
+    <dgm:txFillClrLst meth="repeat">
+      <a:schemeClr val="dk1"/>
+    </dgm:txFillClrLst>
+    <dgm:txEffectClrLst/>
+  </dgm:styleLbl>
+  <dgm:styleLbl name="revTx">
+    <dgm:fillClrLst meth="repeat">
+      <a:schemeClr val="lt1">
+        <a:alpha val="0"/>
+      </a:schemeClr>
+    </dgm:fillClrLst>
+    <dgm:linClrLst meth="repeat">
+      <a:schemeClr val="dk1">
+        <a:alpha val="0"/>
+      </a:schemeClr>
+    </dgm:linClrLst>
+    <dgm:effectClrLst/>
+    <dgm:txLinClrLst/>
+    <dgm:txFillClrLst meth="repeat">
+      <a:schemeClr val="tx1"/>
+    </dgm:txFillClrLst>
+    <dgm:txEffectClrLst/>
+  </dgm:styleLbl>
+</dgm:colorsDef>
+</file>
+
+<file path=ppt/diagrams/colors2.xml><?xml version="1.0" encoding="utf-8"?>
+<dgm:colorsDef xmlns:dgm="http://schemas.openxmlformats.org/drawingml/2006/diagram" xmlns:a="http://schemas.openxmlformats.org/drawingml/2006/main" uniqueId="urn:microsoft.com/office/officeart/2005/8/colors/accent4_2">
+  <dgm:title val=""/>
+  <dgm:desc val=""/>
+  <dgm:catLst>
+    <dgm:cat type="accent4" pri="11200"/>
+  </dgm:catLst>
+  <dgm:styleLbl name="node0">
+    <dgm:fillClrLst meth="repeat">
+      <a:schemeClr val="accent4"/>
+    </dgm:fillClrLst>
+    <dgm:linClrLst meth="repeat">
+      <a:schemeClr val="lt1"/>
+    </dgm:linClrLst>
+    <dgm:effectClrLst/>
+    <dgm:txLinClrLst/>
+    <dgm:txFillClrLst/>
+    <dgm:txEffectClrLst/>
+  </dgm:styleLbl>
+  <dgm:styleLbl name="node1">
+    <dgm:fillClrLst meth="repeat">
+      <a:schemeClr val="accent4"/>
+    </dgm:fillClrLst>
+    <dgm:linClrLst meth="repeat">
+      <a:schemeClr val="lt1"/>
+    </dgm:linClrLst>
+    <dgm:effectClrLst/>
+    <dgm:txLinClrLst/>
+    <dgm:txFillClrLst/>
+    <dgm:txEffectClrLst/>
+  </dgm:styleLbl>
+  <dgm:styleLbl name="alignNode1">
+    <dgm:fillClrLst meth="repeat">
+      <a:schemeClr val="accent4"/>
+    </dgm:fillClrLst>
+    <dgm:linClrLst meth="repeat">
+      <a:schemeClr val="accent4"/>
+    </dgm:linClrLst>
+    <dgm:effectClrLst/>
+    <dgm:txLinClrLst/>
+    <dgm:txFillClrLst/>
+    <dgm:txEffectClrLst/>
+  </dgm:styleLbl>
+  <dgm:styleLbl name="lnNode1">
+    <dgm:fillClrLst meth="repeat">
+      <a:schemeClr val="accent4"/>
+    </dgm:fillClrLst>
+    <dgm:linClrLst meth="repeat">
+      <a:schemeClr val="lt1"/>
+    </dgm:linClrLst>
+    <dgm:effectClrLst/>
+    <dgm:txLinClrLst/>
+    <dgm:txFillClrLst/>
+    <dgm:txEffectClrLst/>
+  </dgm:styleLbl>
+  <dgm:styleLbl name="vennNode1">
+    <dgm:fillClrLst meth="repeat">
+      <a:schemeClr val="accent4">
+        <a:alpha val="50000"/>
+      </a:schemeClr>
+    </dgm:fillClrLst>
+    <dgm:linClrLst meth="repeat">
+      <a:schemeClr val="lt1"/>
+    </dgm:linClrLst>
+    <dgm:effectClrLst/>
+    <dgm:txLinClrLst/>
+    <dgm:txFillClrLst/>
+    <dgm:txEffectClrLst/>
+  </dgm:styleLbl>
+  <dgm:styleLbl name="node2">
+    <dgm:fillClrLst meth="repeat">
+      <a:schemeClr val="accent4"/>
+    </dgm:fillClrLst>
+    <dgm:linClrLst meth="repeat">
+      <a:schemeClr val="lt1"/>
+    </dgm:linClrLst>
+    <dgm:effectClrLst/>
+    <dgm:txLinClrLst/>
+    <dgm:txFillClrLst/>
+    <dgm:txEffectClrLst/>
+  </dgm:styleLbl>
+  <dgm:styleLbl name="node3">
+    <dgm:fillClrLst meth="repeat">
+      <a:schemeClr val="accent4"/>
+    </dgm:fillClrLst>
+    <dgm:linClrLst meth="repeat">
+      <a:schemeClr val="lt1"/>
+    </dgm:linClrLst>
+    <dgm:effectClrLst/>
+    <dgm:txLinClrLst/>
+    <dgm:txFillClrLst/>
+    <dgm:txEffectClrLst/>
+  </dgm:styleLbl>
+  <dgm:styleLbl name="node4">
+    <dgm:fillClrLst meth="repeat">
+      <a:schemeClr val="accent4"/>
+    </dgm:fillClrLst>
+    <dgm:linClrLst meth="repeat">
+      <a:schemeClr val="lt1"/>
+    </dgm:linClrLst>
+    <dgm:effectClrLst/>
+    <dgm:txLinClrLst/>
+    <dgm:txFillClrLst/>
+    <dgm:txEffectClrLst/>
+  </dgm:styleLbl>
+  <dgm:styleLbl name="fgImgPlace1">
+    <dgm:fillClrLst meth="repeat">
+      <a:schemeClr val="accent4">
+        <a:tint val="50000"/>
+      </a:schemeClr>
+    </dgm:fillClrLst>
+    <dgm:linClrLst meth="repeat">
+      <a:schemeClr val="lt1"/>
+    </dgm:linClrLst>
+    <dgm:effectClrLst/>
+    <dgm:txLinClrLst/>
+    <dgm:txFillClrLst meth="repeat">
+      <a:schemeClr val="lt1"/>
+    </dgm:txFillClrLst>
+    <dgm:txEffectClrLst/>
+  </dgm:styleLbl>
+  <dgm:styleLbl name="alignImgPlace1">
+    <dgm:fillClrLst meth="repeat">
+      <a:schemeClr val="accent4">
+        <a:tint val="50000"/>
+      </a:schemeClr>
+    </dgm:fillClrLst>
+    <dgm:linClrLst meth="repeat">
+      <a:schemeClr val="lt1"/>
+    </dgm:linClrLst>
+    <dgm:effectClrLst/>
+    <dgm:txLinClrLst/>
+    <dgm:txFillClrLst meth="repeat">
+      <a:schemeClr val="lt1"/>
+    </dgm:txFillClrLst>
+    <dgm:txEffectClrLst/>
+  </dgm:styleLbl>
+  <dgm:styleLbl name="bgImgPlace1">
+    <dgm:fillClrLst meth="repeat">
+      <a:schemeClr val="accent4">
+        <a:tint val="50000"/>
+      </a:schemeClr>
+    </dgm:fillClrLst>
+    <dgm:linClrLst meth="repeat">
+      <a:schemeClr val="lt1"/>
+    </dgm:linClrLst>
+    <dgm:effectClrLst/>
+    <dgm:txLinClrLst/>
+    <dgm:txFillClrLst meth="repeat">
+      <a:schemeClr val="lt1"/>
+    </dgm:txFillClrLst>
+    <dgm:txEffectClrLst/>
+  </dgm:styleLbl>
+  <dgm:styleLbl name="sibTrans2D1">
+    <dgm:fillClrLst meth="repeat">
+      <a:schemeClr val="accent4">
+        <a:tint val="60000"/>
+      </a:schemeClr>
+    </dgm:fillClrLst>
+    <dgm:linClrLst meth="repeat">
+      <a:schemeClr val="accent4">
+        <a:tint val="60000"/>
+      </a:schemeClr>
+    </dgm:linClrLst>
+    <dgm:effectClrLst/>
+    <dgm:txLinClrLst/>
+    <dgm:txFillClrLst/>
+    <dgm:txEffectClrLst/>
+  </dgm:styleLbl>
+  <dgm:styleLbl name="fgSibTrans2D1">
+    <dgm:fillClrLst meth="repeat">
+      <a:schemeClr val="accent4">
+        <a:tint val="60000"/>
+      </a:schemeClr>
+    </dgm:fillClrLst>
+    <dgm:linClrLst meth="repeat">
+      <a:schemeClr val="accent4">
+        <a:tint val="60000"/>
+      </a:schemeClr>
+    </dgm:linClrLst>
+    <dgm:effectClrLst/>
+    <dgm:txLinClrLst/>
+    <dgm:txFillClrLst/>
+    <dgm:txEffectClrLst/>
+  </dgm:styleLbl>
+  <dgm:styleLbl name="bgSibTrans2D1">
+    <dgm:fillClrLst meth="repeat">
+      <a:schemeClr val="accent4">
+        <a:tint val="60000"/>
+      </a:schemeClr>
+    </dgm:fillClrLst>
+    <dgm:linClrLst meth="repeat">
+      <a:schemeClr val="accent4">
+        <a:tint val="60000"/>
+      </a:schemeClr>
+    </dgm:linClrLst>
+    <dgm:effectClrLst/>
+    <dgm:txLinClrLst/>
+    <dgm:txFillClrLst/>
+    <dgm:txEffectClrLst/>
+  </dgm:styleLbl>
+  <dgm:styleLbl name="sibTrans1D1">
+    <dgm:fillClrLst meth="repeat">
+      <a:schemeClr val="accent4"/>
+    </dgm:fillClrLst>
+    <dgm:linClrLst meth="repeat">
+      <a:schemeClr val="accent4"/>
+    </dgm:linClrLst>
+    <dgm:effectClrLst/>
+    <dgm:txLinClrLst/>
+    <dgm:txFillClrLst meth="repeat">
+      <a:schemeClr val="tx1"/>
+    </dgm:txFillClrLst>
+    <dgm:txEffectClrLst/>
+  </dgm:styleLbl>
+  <dgm:styleLbl name="callout">
+    <dgm:fillClrLst meth="repeat">
+      <a:schemeClr val="accent4"/>
+    </dgm:fillClrLst>
+    <dgm:linClrLst meth="repeat">
+      <a:schemeClr val="accent4">
+        <a:tint val="50000"/>
+      </a:schemeClr>
+    </dgm:linClrLst>
+    <dgm:effectClrLst/>
+    <dgm:txLinClrLst/>
+    <dgm:txFillClrLst meth="repeat">
+      <a:schemeClr val="tx1"/>
+    </dgm:txFillClrLst>
+    <dgm:txEffectClrLst/>
+  </dgm:styleLbl>
+  <dgm:styleLbl name="asst0">
+    <dgm:fillClrLst meth="repeat">
+      <a:schemeClr val="accent4"/>
+    </dgm:fillClrLst>
+    <dgm:linClrLst meth="repeat">
+      <a:schemeClr val="lt1"/>
+    </dgm:linClrLst>
+    <dgm:effectClrLst/>
+    <dgm:txLinClrLst/>
+    <dgm:txFillClrLst/>
+    <dgm:txEffectClrLst/>
+  </dgm:styleLbl>
+  <dgm:styleLbl name="asst1">
+    <dgm:fillClrLst meth="repeat">
+      <a:schemeClr val="accent4"/>
+    </dgm:fillClrLst>
+    <dgm:linClrLst meth="repeat">
+      <a:schemeClr val="lt1"/>
+    </dgm:linClrLst>
+    <dgm:effectClrLst/>
+    <dgm:txLinClrLst/>
+    <dgm:txFillClrLst/>
+    <dgm:txEffectClrLst/>
+  </dgm:styleLbl>
+  <dgm:styleLbl name="asst2">
+    <dgm:fillClrLst meth="repeat">
+      <a:schemeClr val="accent4"/>
+    </dgm:fillClrLst>
+    <dgm:linClrLst meth="repeat">
+      <a:schemeClr val="lt1"/>
+    </dgm:linClrLst>
+    <dgm:effectClrLst/>
+    <dgm:txLinClrLst/>
+    <dgm:txFillClrLst/>
+    <dgm:txEffectClrLst/>
+  </dgm:styleLbl>
+  <dgm:styleLbl name="asst3">
+    <dgm:fillClrLst meth="repeat">
+      <a:schemeClr val="accent4"/>
+    </dgm:fillClrLst>
+    <dgm:linClrLst meth="repeat">
+      <a:schemeClr val="lt1"/>
+    </dgm:linClrLst>
+    <dgm:effectClrLst/>
+    <dgm:txLinClrLst/>
+    <dgm:txFillClrLst/>
+    <dgm:txEffectClrLst/>
+  </dgm:styleLbl>
+  <dgm:styleLbl name="asst4">
+    <dgm:fillClrLst meth="repeat">
+      <a:schemeClr val="accent4"/>
+    </dgm:fillClrLst>
+    <dgm:linClrLst meth="repeat">
+      <a:schemeClr val="lt1"/>
+    </dgm:linClrLst>
+    <dgm:effectClrLst/>
+    <dgm:txLinClrLst/>
+    <dgm:txFillClrLst/>
+    <dgm:txEffectClrLst/>
+  </dgm:styleLbl>
+  <dgm:styleLbl name="parChTrans2D1">
+    <dgm:fillClrLst meth="repeat">
+      <a:schemeClr val="accent4">
+        <a:tint val="60000"/>
+      </a:schemeClr>
+    </dgm:fillClrLst>
+    <dgm:linClrLst meth="repeat">
+      <a:schemeClr val="accent4">
+        <a:tint val="60000"/>
+      </a:schemeClr>
+    </dgm:linClrLst>
+    <dgm:effectClrLst/>
+    <dgm:txLinClrLst/>
+    <dgm:txFillClrLst meth="repeat">
+      <a:schemeClr val="lt1"/>
+    </dgm:txFillClrLst>
+    <dgm:txEffectClrLst/>
+  </dgm:styleLbl>
+  <dgm:styleLbl name="parChTrans2D2">
+    <dgm:fillClrLst meth="repeat">
+      <a:schemeClr val="accent4"/>
+    </dgm:fillClrLst>
+    <dgm:linClrLst meth="repeat">
+      <a:schemeClr val="accent4"/>
+    </dgm:linClrLst>
+    <dgm:effectClrLst/>
+    <dgm:txLinClrLst/>
+    <dgm:txFillClrLst meth="repeat">
+      <a:schemeClr val="lt1"/>
+    </dgm:txFillClrLst>
+    <dgm:txEffectClrLst/>
+  </dgm:styleLbl>
+  <dgm:styleLbl name="parChTrans2D3">
+    <dgm:fillClrLst meth="repeat">
+      <a:schemeClr val="accent4"/>
+    </dgm:fillClrLst>
+    <dgm:linClrLst meth="repeat">
+      <a:schemeClr val="accent4"/>
+    </dgm:linClrLst>
+    <dgm:effectClrLst/>
+    <dgm:txLinClrLst/>
+    <dgm:txFillClrLst meth="repeat">
+      <a:schemeClr val="lt1"/>
+    </dgm:txFillClrLst>
+    <dgm:txEffectClrLst/>
+  </dgm:styleLbl>
+  <dgm:styleLbl name="parChTrans2D4">
+    <dgm:fillClrLst meth="repeat">
+      <a:schemeClr val="accent4"/>
+    </dgm:fillClrLst>
+    <dgm:linClrLst meth="repeat">
+      <a:schemeClr val="accent4"/>
+    </dgm:linClrLst>
+    <dgm:effectClrLst/>
+    <dgm:txLinClrLst/>
+    <dgm:txFillClrLst meth="repeat">
+      <a:schemeClr val="lt1"/>
+    </dgm:txFillClrLst>
+    <dgm:txEffectClrLst/>
+  </dgm:styleLbl>
+  <dgm:styleLbl name="parChTrans1D1">
+    <dgm:fillClrLst meth="repeat">
+      <a:schemeClr val="accent4"/>
+    </dgm:fillClrLst>
+    <dgm:linClrLst meth="repeat">
+      <a:schemeClr val="accent4">
+        <a:shade val="60000"/>
+      </a:schemeClr>
+    </dgm:linClrLst>
+    <dgm:effectClrLst/>
+    <dgm:txLinClrLst/>
+    <dgm:txFillClrLst meth="repeat">
+      <a:schemeClr val="tx1"/>
+    </dgm:txFillClrLst>
+    <dgm:txEffectClrLst/>
+  </dgm:styleLbl>
+  <dgm:styleLbl name="parChTrans1D2">
+    <dgm:fillClrLst meth="repeat">
+      <a:schemeClr val="accent4"/>
+    </dgm:fillClrLst>
+    <dgm:linClrLst meth="repeat">
+      <a:schemeClr val="accent4">
+        <a:shade val="60000"/>
+      </a:schemeClr>
+    </dgm:linClrLst>
+    <dgm:effectClrLst/>
+    <dgm:txLinClrLst/>
+    <dgm:txFillClrLst meth="repeat">
+      <a:schemeClr val="tx1"/>
+    </dgm:txFillClrLst>
+    <dgm:txEffectClrLst/>
+  </dgm:styleLbl>
+  <dgm:styleLbl name="parChTrans1D3">
+    <dgm:fillClrLst meth="repeat">
+      <a:schemeClr val="accent4"/>
+    </dgm:fillClrLst>
+    <dgm:linClrLst meth="repeat">
+      <a:schemeClr val="accent4">
+        <a:shade val="80000"/>
+      </a:schemeClr>
+    </dgm:linClrLst>
+    <dgm:effectClrLst/>
+    <dgm:txLinClrLst/>
+    <dgm:txFillClrLst meth="repeat">
+      <a:schemeClr val="tx1"/>
+    </dgm:txFillClrLst>
+    <dgm:txEffectClrLst/>
+  </dgm:styleLbl>
+  <dgm:styleLbl name="parChTrans1D4">
+    <dgm:fillClrLst meth="repeat">
+      <a:schemeClr val="accent4"/>
+    </dgm:fillClrLst>
+    <dgm:linClrLst meth="repeat">
+      <a:schemeClr val="accent4">
+        <a:shade val="80000"/>
+      </a:schemeClr>
+    </dgm:linClrLst>
+    <dgm:effectClrLst/>
+    <dgm:txLinClrLst/>
+    <dgm:txFillClrLst meth="repeat">
+      <a:schemeClr val="tx1"/>
+    </dgm:txFillClrLst>
+    <dgm:txEffectClrLst/>
+  </dgm:styleLbl>
+  <dgm:styleLbl name="fgAcc1">
+    <dgm:fillClrLst meth="repeat">
+      <a:schemeClr val="lt1">
+        <a:alpha val="90000"/>
+      </a:schemeClr>
+    </dgm:fillClrLst>
+    <dgm:linClrLst meth="repeat">
+      <a:schemeClr val="accent4"/>
+    </dgm:linClrLst>
+    <dgm:effectClrLst/>
+    <dgm:txLinClrLst/>
+    <dgm:txFillClrLst meth="repeat">
+      <a:schemeClr val="dk1"/>
+    </dgm:txFillClrLst>
+    <dgm:txEffectClrLst/>
+  </dgm:styleLbl>
+  <dgm:styleLbl name="conFgAcc1">
+    <dgm:fillClrLst meth="repeat">
+      <a:schemeClr val="lt1">
+        <a:alpha val="90000"/>
+      </a:schemeClr>
+    </dgm:fillClrLst>
+    <dgm:linClrLst meth="repeat">
+      <a:schemeClr val="accent4"/>
+    </dgm:linClrLst>
+    <dgm:effectClrLst/>
+    <dgm:txLinClrLst/>
+    <dgm:txFillClrLst meth="repeat">
+      <a:schemeClr val="dk1"/>
+    </dgm:txFillClrLst>
+    <dgm:txEffectClrLst/>
+  </dgm:styleLbl>
+  <dgm:styleLbl name="alignAcc1">
+    <dgm:fillClrLst meth="repeat">
+      <a:schemeClr val="lt1">
+        <a:alpha val="90000"/>
+      </a:schemeClr>
+    </dgm:fillClrLst>
+    <dgm:linClrLst meth="repeat">
+      <a:schemeClr val="accent4"/>
+    </dgm:linClrLst>
+    <dgm:effectClrLst/>
+    <dgm:txLinClrLst/>
+    <dgm:txFillClrLst meth="repeat">
+      <a:schemeClr val="dk1"/>
+    </dgm:txFillClrLst>
+    <dgm:txEffectClrLst/>
+  </dgm:styleLbl>
+  <dgm:styleLbl name="trAlignAcc1">
+    <dgm:fillClrLst meth="repeat">
+      <a:schemeClr val="lt1">
+        <a:alpha val="40000"/>
+      </a:schemeClr>
+    </dgm:fillClrLst>
+    <dgm:linClrLst meth="repeat">
+      <a:schemeClr val="accent4"/>
+    </dgm:linClrLst>
+    <dgm:effectClrLst/>
+    <dgm:txLinClrLst/>
+    <dgm:txFillClrLst meth="repeat">
+      <a:schemeClr val="dk1"/>
+    </dgm:txFillClrLst>
+    <dgm:txEffectClrLst/>
+  </dgm:styleLbl>
+  <dgm:styleLbl name="bgAcc1">
+    <dgm:fillClrLst meth="repeat">
+      <a:schemeClr val="lt1">
+        <a:alpha val="90000"/>
+      </a:schemeClr>
+    </dgm:fillClrLst>
+    <dgm:linClrLst meth="repeat">
+      <a:schemeClr val="accent4"/>
+    </dgm:linClrLst>
+    <dgm:effectClrLst/>
+    <dgm:txLinClrLst/>
+    <dgm:txFillClrLst meth="repeat">
+      <a:schemeClr val="dk1"/>
+    </dgm:txFillClrLst>
+    <dgm:txEffectClrLst/>
+  </dgm:styleLbl>
+  <dgm:styleLbl name="solidFgAcc1">
+    <dgm:fillClrLst meth="repeat">
+      <a:schemeClr val="lt1"/>
+    </dgm:fillClrLst>
+    <dgm:linClrLst meth="repeat">
+      <a:schemeClr val="accent4"/>
+    </dgm:linClrLst>
+    <dgm:effectClrLst/>
+    <dgm:txLinClrLst/>
+    <dgm:txFillClrLst meth="repeat">
+      <a:schemeClr val="dk1"/>
+    </dgm:txFillClrLst>
+    <dgm:txEffectClrLst/>
+  </dgm:styleLbl>
+  <dgm:styleLbl name="solidAlignAcc1">
+    <dgm:fillClrLst meth="repeat">
+      <a:schemeClr val="lt1"/>
+    </dgm:fillClrLst>
+    <dgm:linClrLst meth="repeat">
+      <a:schemeClr val="accent4"/>
+    </dgm:linClrLst>
+    <dgm:effectClrLst/>
+    <dgm:txLinClrLst/>
+    <dgm:txFillClrLst meth="repeat">
+      <a:schemeClr val="dk1"/>
+    </dgm:txFillClrLst>
+    <dgm:txEffectClrLst/>
+  </dgm:styleLbl>
+  <dgm:styleLbl name="solidBgAcc1">
+    <dgm:fillClrLst meth="repeat">
+      <a:schemeClr val="lt1"/>
+    </dgm:fillClrLst>
+    <dgm:linClrLst meth="repeat">
+      <a:schemeClr val="accent4"/>
+    </dgm:linClrLst>
+    <dgm:effectClrLst/>
+    <dgm:txLinClrLst/>
+    <dgm:txFillClrLst meth="repeat">
+      <a:schemeClr val="dk1"/>
+    </dgm:txFillClrLst>
+    <dgm:txEffectClrLst/>
+  </dgm:styleLbl>
+  <dgm:styleLbl name="fgAccFollowNode1">
+    <dgm:fillClrLst meth="repeat">
+      <a:schemeClr val="accent4">
+        <a:alpha val="90000"/>
+        <a:tint val="40000"/>
+      </a:schemeClr>
+    </dgm:fillClrLst>
+    <dgm:linClrLst meth="repeat">
+      <a:schemeClr val="accent4">
+        <a:alpha val="90000"/>
+        <a:tint val="40000"/>
+      </a:schemeClr>
+    </dgm:linClrLst>
+    <dgm:effectClrLst/>
+    <dgm:txLinClrLst/>
+    <dgm:txFillClrLst meth="repeat">
+      <a:schemeClr val="dk1"/>
+    </dgm:txFillClrLst>
+    <dgm:txEffectClrLst/>
+  </dgm:styleLbl>
+  <dgm:styleLbl name="alignAccFollowNode1">
+    <dgm:fillClrLst meth="repeat">
+      <a:schemeClr val="accent4">
+        <a:alpha val="90000"/>
+        <a:tint val="40000"/>
+      </a:schemeClr>
+    </dgm:fillClrLst>
+    <dgm:linClrLst meth="repeat">
+      <a:schemeClr val="accent4">
+        <a:alpha val="90000"/>
+        <a:tint val="40000"/>
+      </a:schemeClr>
+    </dgm:linClrLst>
+    <dgm:effectClrLst/>
+    <dgm:txLinClrLst/>
+    <dgm:txFillClrLst meth="repeat">
+      <a:schemeClr val="dk1"/>
+    </dgm:txFillClrLst>
+    <dgm:txEffectClrLst/>
+  </dgm:styleLbl>
+  <dgm:styleLbl name="bgAccFollowNode1">
+    <dgm:fillClrLst meth="repeat">
+      <a:schemeClr val="accent4">
+        <a:alpha val="90000"/>
+        <a:tint val="40000"/>
+      </a:schemeClr>
+    </dgm:fillClrLst>
+    <dgm:linClrLst meth="repeat">
+      <a:schemeClr val="accent4">
+        <a:alpha val="90000"/>
+        <a:tint val="40000"/>
+      </a:schemeClr>
+    </dgm:linClrLst>
+    <dgm:effectClrLst/>
+    <dgm:txLinClrLst/>
+    <dgm:txFillClrLst meth="repeat">
+      <a:schemeClr val="dk1"/>
+    </dgm:txFillClrLst>
+    <dgm:txEffectClrLst/>
+  </dgm:styleLbl>
+  <dgm:styleLbl name="fgAcc0">
+    <dgm:fillClrLst meth="repeat">
+      <a:schemeClr val="lt1">
+        <a:alpha val="90000"/>
+      </a:schemeClr>
+    </dgm:fillClrLst>
+    <dgm:linClrLst meth="repeat">
+      <a:schemeClr val="accent4"/>
+    </dgm:linClrLst>
+    <dgm:effectClrLst/>
+    <dgm:txLinClrLst/>
+    <dgm:txFillClrLst meth="repeat">
+      <a:schemeClr val="dk1"/>
+    </dgm:txFillClrLst>
+    <dgm:txEffectClrLst/>
+  </dgm:styleLbl>
+  <dgm:styleLbl name="fgAcc2">
+    <dgm:fillClrLst meth="repeat">
+      <a:schemeClr val="lt1">
+        <a:alpha val="90000"/>
+      </a:schemeClr>
+    </dgm:fillClrLst>
+    <dgm:linClrLst meth="repeat">
+      <a:schemeClr val="accent4"/>
+    </dgm:linClrLst>
+    <dgm:effectClrLst/>
+    <dgm:txLinClrLst/>
+    <dgm:txFillClrLst meth="repeat">
+      <a:schemeClr val="dk1"/>
+    </dgm:txFillClrLst>
+    <dgm:txEffectClrLst/>
+  </dgm:styleLbl>
+  <dgm:styleLbl name="fgAcc3">
+    <dgm:fillClrLst meth="repeat">
+      <a:schemeClr val="lt1">
+        <a:alpha val="90000"/>
+      </a:schemeClr>
+    </dgm:fillClrLst>
+    <dgm:linClrLst meth="repeat">
+      <a:schemeClr val="accent4"/>
+    </dgm:linClrLst>
+    <dgm:effectClrLst/>
+    <dgm:txLinClrLst/>
+    <dgm:txFillClrLst meth="repeat">
+      <a:schemeClr val="dk1"/>
+    </dgm:txFillClrLst>
+    <dgm:txEffectClrLst/>
+  </dgm:styleLbl>
+  <dgm:styleLbl name="fgAcc4">
+    <dgm:fillClrLst meth="repeat">
+      <a:schemeClr val="lt1">
+        <a:alpha val="90000"/>
+      </a:schemeClr>
+    </dgm:fillClrLst>
+    <dgm:linClrLst meth="repeat">
+      <a:schemeClr val="accent4"/>
+    </dgm:linClrLst>
+    <dgm:effectClrLst/>
+    <dgm:txLinClrLst/>
+    <dgm:txFillClrLst meth="repeat">
+      <a:schemeClr val="dk1"/>
+    </dgm:txFillClrLst>
+    <dgm:txEffectClrLst/>
+  </dgm:styleLbl>
+  <dgm:styleLbl name="bgShp">
+    <dgm:fillClrLst meth="repeat">
+      <a:schemeClr val="accent4">
+        <a:tint val="40000"/>
+      </a:schemeClr>
+    </dgm:fillClrLst>
+    <dgm:linClrLst meth="repeat">
+      <a:schemeClr val="accent4"/>
+    </dgm:linClrLst>
+    <dgm:effectClrLst/>
+    <dgm:txLinClrLst/>
+    <dgm:txFillClrLst meth="repeat">
+      <a:schemeClr val="dk1"/>
+    </dgm:txFillClrLst>
+    <dgm:txEffectClrLst/>
+  </dgm:styleLbl>
+  <dgm:styleLbl name="dkBgShp">
+    <dgm:fillClrLst meth="repeat">
+      <a:schemeClr val="accent4">
+        <a:shade val="80000"/>
+      </a:schemeClr>
+    </dgm:fillClrLst>
+    <dgm:linClrLst meth="repeat">
+      <a:schemeClr val="accent4"/>
+    </dgm:linClrLst>
+    <dgm:effectClrLst/>
+    <dgm:txLinClrLst/>
+    <dgm:txFillClrLst meth="repeat">
+      <a:schemeClr val="lt1"/>
+    </dgm:txFillClrLst>
+    <dgm:txEffectClrLst/>
+  </dgm:styleLbl>
+  <dgm:styleLbl name="trBgShp">
+    <dgm:fillClrLst meth="repeat">
+      <a:schemeClr val="accent4">
+        <a:tint val="50000"/>
+        <a:alpha val="40000"/>
+      </a:schemeClr>
+    </dgm:fillClrLst>
+    <dgm:linClrLst meth="repeat">
+      <a:schemeClr val="accent4"/>
+    </dgm:linClrLst>
+    <dgm:effectClrLst/>
+    <dgm:txLinClrLst/>
+    <dgm:txFillClrLst meth="repeat">
+      <a:schemeClr val="lt1"/>
+    </dgm:txFillClrLst>
+    <dgm:txEffectClrLst/>
+  </dgm:styleLbl>
+  <dgm:styleLbl name="fgShp">
+    <dgm:fillClrLst meth="repeat">
+      <a:schemeClr val="accent4">
+        <a:tint val="60000"/>
+      </a:schemeClr>
+    </dgm:fillClrLst>
+    <dgm:linClrLst meth="repeat">
+      <a:schemeClr val="lt1"/>
+    </dgm:linClrLst>
+    <dgm:effectClrLst/>
+    <dgm:txLinClrLst/>
+    <dgm:txFillClrLst meth="repeat">
+      <a:schemeClr val="dk1"/>
+    </dgm:txFillClrLst>
+    <dgm:txEffectClrLst/>
+  </dgm:styleLbl>
+  <dgm:styleLbl name="revTx">
+    <dgm:fillClrLst meth="repeat">
+      <a:schemeClr val="lt1">
+        <a:alpha val="0"/>
+      </a:schemeClr>
+    </dgm:fillClrLst>
+    <dgm:linClrLst meth="repeat">
+      <a:schemeClr val="dk1">
+        <a:alpha val="0"/>
+      </a:schemeClr>
+    </dgm:linClrLst>
+    <dgm:effectClrLst/>
+    <dgm:txLinClrLst/>
+    <dgm:txFillClrLst meth="repeat">
+      <a:schemeClr val="tx1"/>
+    </dgm:txFillClrLst>
+    <dgm:txEffectClrLst/>
+  </dgm:styleLbl>
+</dgm:colorsDef>
+</file>
+
+<file path=ppt/diagrams/data1.xml><?xml version="1.0" encoding="utf-8"?>
+<dgm:dataModel xmlns:dgm="http://schemas.openxmlformats.org/drawingml/2006/diagram" xmlns:a="http://schemas.openxmlformats.org/drawingml/2006/main">
+  <dgm:ptLst>
+    <dgm:pt modelId="{F635F254-6FF7-44BD-8DF5-33903F979E0C}" type="doc">
+      <dgm:prSet loTypeId="urn:microsoft.com/office/officeart/2009/3/layout/StepUpProcess" loCatId="process" qsTypeId="urn:microsoft.com/office/officeart/2005/8/quickstyle/simple1" qsCatId="simple" csTypeId="urn:microsoft.com/office/officeart/2005/8/colors/accent4_2" csCatId="accent4" phldr="1"/>
+      <dgm:spPr/>
+      <dgm:t>
+        <a:bodyPr/>
+        <a:lstStyle/>
+        <a:p>
+          <a:endParaRPr lang="de-DE"/>
+        </a:p>
+      </dgm:t>
+    </dgm:pt>
+    <dgm:pt modelId="{198D802A-0E85-433A-A54F-3782CF9EC143}">
+      <dgm:prSet phldrT="[Text]"/>
+      <dgm:spPr/>
+      <dgm:t>
+        <a:bodyPr/>
+        <a:lstStyle/>
+        <a:p>
+          <a:r>
+            <a:rPr lang="de-DE" dirty="0"/>
+            <a:t>Frameworks</a:t>
+          </a:r>
+        </a:p>
+      </dgm:t>
+    </dgm:pt>
+    <dgm:pt modelId="{BE5045E5-6289-4052-B3A7-F7B6BCAA0CF3}" type="parTrans" cxnId="{075D9785-D704-4895-B80F-9269FA9715DC}">
+      <dgm:prSet/>
+      <dgm:spPr/>
+      <dgm:t>
+        <a:bodyPr/>
+        <a:lstStyle/>
+        <a:p>
+          <a:endParaRPr lang="de-DE"/>
+        </a:p>
+      </dgm:t>
+    </dgm:pt>
+    <dgm:pt modelId="{DF6829B3-A65A-4DA5-8627-B20C2B35C536}" type="sibTrans" cxnId="{075D9785-D704-4895-B80F-9269FA9715DC}">
+      <dgm:prSet/>
+      <dgm:spPr/>
+      <dgm:t>
+        <a:bodyPr/>
+        <a:lstStyle/>
+        <a:p>
+          <a:endParaRPr lang="de-DE"/>
+        </a:p>
+      </dgm:t>
+    </dgm:pt>
+    <dgm:pt modelId="{CABCC930-C662-40C8-8169-7598A3711AE0}">
+      <dgm:prSet phldrT="[Text]"/>
+      <dgm:spPr/>
+      <dgm:t>
+        <a:bodyPr/>
+        <a:lstStyle/>
+        <a:p>
+          <a:r>
+            <a:rPr lang="de-DE" dirty="0"/>
+            <a:t>Richtlinien</a:t>
+          </a:r>
+        </a:p>
+      </dgm:t>
+    </dgm:pt>
+    <dgm:pt modelId="{2CD6E1A4-6761-4BF7-8709-CE588191FAB0}" type="parTrans" cxnId="{FBE51F87-CD07-4D0E-B3BF-345EE2F0521F}">
+      <dgm:prSet/>
+      <dgm:spPr/>
+      <dgm:t>
+        <a:bodyPr/>
+        <a:lstStyle/>
+        <a:p>
+          <a:endParaRPr lang="de-DE"/>
+        </a:p>
+      </dgm:t>
+    </dgm:pt>
+    <dgm:pt modelId="{73A13104-137E-459F-A785-89CC989201EE}" type="sibTrans" cxnId="{FBE51F87-CD07-4D0E-B3BF-345EE2F0521F}">
+      <dgm:prSet/>
+      <dgm:spPr/>
+      <dgm:t>
+        <a:bodyPr/>
+        <a:lstStyle/>
+        <a:p>
+          <a:endParaRPr lang="de-DE"/>
+        </a:p>
+      </dgm:t>
+    </dgm:pt>
+    <dgm:pt modelId="{69856CE3-1618-4447-AA9B-5D6E42DC526D}">
+      <dgm:prSet phldrT="[Text]"/>
+      <dgm:spPr/>
+      <dgm:t>
+        <a:bodyPr/>
+        <a:lstStyle/>
+        <a:p>
+          <a:r>
+            <a:rPr lang="de-DE" dirty="0"/>
+            <a:t>Festlegung Werten, Regeln und Verhaltensweisen</a:t>
+          </a:r>
+        </a:p>
+      </dgm:t>
+    </dgm:pt>
+    <dgm:pt modelId="{BAFFB0D3-93CC-45E4-BE9C-F0E55946A1FD}" type="parTrans" cxnId="{118910F5-56C5-4582-ADA8-4281FE23CEAF}">
+      <dgm:prSet/>
+      <dgm:spPr/>
+      <dgm:t>
+        <a:bodyPr/>
+        <a:lstStyle/>
+        <a:p>
+          <a:endParaRPr lang="de-DE"/>
+        </a:p>
+      </dgm:t>
+    </dgm:pt>
+    <dgm:pt modelId="{B8C2F519-F229-4891-A17D-318F89092B7C}" type="sibTrans" cxnId="{118910F5-56C5-4582-ADA8-4281FE23CEAF}">
+      <dgm:prSet/>
+      <dgm:spPr/>
+      <dgm:t>
+        <a:bodyPr/>
+        <a:lstStyle/>
+        <a:p>
+          <a:endParaRPr lang="de-DE"/>
+        </a:p>
+      </dgm:t>
+    </dgm:pt>
+    <dgm:pt modelId="{22FFE78B-556C-4AFA-A54D-054DFD5ACDE3}" type="pres">
+      <dgm:prSet presAssocID="{F635F254-6FF7-44BD-8DF5-33903F979E0C}" presName="rootnode" presStyleCnt="0">
+        <dgm:presLayoutVars>
+          <dgm:chMax/>
+          <dgm:chPref/>
+          <dgm:dir/>
+          <dgm:animLvl val="lvl"/>
+        </dgm:presLayoutVars>
+      </dgm:prSet>
+      <dgm:spPr/>
+    </dgm:pt>
+    <dgm:pt modelId="{B6355D7D-74D4-4802-BE5C-C11223766E46}" type="pres">
+      <dgm:prSet presAssocID="{198D802A-0E85-433A-A54F-3782CF9EC143}" presName="composite" presStyleCnt="0"/>
+      <dgm:spPr/>
+    </dgm:pt>
+    <dgm:pt modelId="{D600A189-BA03-467E-94FC-FA83C62ACFEF}" type="pres">
+      <dgm:prSet presAssocID="{198D802A-0E85-433A-A54F-3782CF9EC143}" presName="LShape" presStyleLbl="alignNode1" presStyleIdx="0" presStyleCnt="5"/>
+      <dgm:spPr/>
+    </dgm:pt>
+    <dgm:pt modelId="{1FE5A4EA-D78A-4BD4-AA8C-C4C945219388}" type="pres">
+      <dgm:prSet presAssocID="{198D802A-0E85-433A-A54F-3782CF9EC143}" presName="ParentText" presStyleLbl="revTx" presStyleIdx="0" presStyleCnt="3">
+        <dgm:presLayoutVars>
+          <dgm:chMax val="0"/>
+          <dgm:chPref val="0"/>
+          <dgm:bulletEnabled val="1"/>
+        </dgm:presLayoutVars>
+      </dgm:prSet>
+      <dgm:spPr/>
+    </dgm:pt>
+    <dgm:pt modelId="{1E1CD867-00DC-4299-A839-0FDF1CCD72F0}" type="pres">
+      <dgm:prSet presAssocID="{198D802A-0E85-433A-A54F-3782CF9EC143}" presName="Triangle" presStyleLbl="alignNode1" presStyleIdx="1" presStyleCnt="5"/>
+      <dgm:spPr/>
+    </dgm:pt>
+    <dgm:pt modelId="{4D03D057-C36B-411C-8C6C-C2D1BADECFCA}" type="pres">
+      <dgm:prSet presAssocID="{DF6829B3-A65A-4DA5-8627-B20C2B35C536}" presName="sibTrans" presStyleCnt="0"/>
+      <dgm:spPr/>
+    </dgm:pt>
+    <dgm:pt modelId="{9E2ED508-57F8-4B0B-AB56-D94F6A298131}" type="pres">
+      <dgm:prSet presAssocID="{DF6829B3-A65A-4DA5-8627-B20C2B35C536}" presName="space" presStyleCnt="0"/>
+      <dgm:spPr/>
+    </dgm:pt>
+    <dgm:pt modelId="{C7E7DC61-6466-4213-A8A9-CF7BCBF856C2}" type="pres">
+      <dgm:prSet presAssocID="{CABCC930-C662-40C8-8169-7598A3711AE0}" presName="composite" presStyleCnt="0"/>
+      <dgm:spPr/>
+    </dgm:pt>
+    <dgm:pt modelId="{B5B4064B-4315-467E-8625-421FE5C3489A}" type="pres">
+      <dgm:prSet presAssocID="{CABCC930-C662-40C8-8169-7598A3711AE0}" presName="LShape" presStyleLbl="alignNode1" presStyleIdx="2" presStyleCnt="5" custLinFactNeighborX="100" custLinFactNeighborY="2482"/>
+      <dgm:spPr/>
+    </dgm:pt>
+    <dgm:pt modelId="{66B9C720-E78D-46EF-AA5D-8F53D615A994}" type="pres">
+      <dgm:prSet presAssocID="{CABCC930-C662-40C8-8169-7598A3711AE0}" presName="ParentText" presStyleLbl="revTx" presStyleIdx="1" presStyleCnt="3">
+        <dgm:presLayoutVars>
+          <dgm:chMax val="0"/>
+          <dgm:chPref val="0"/>
+          <dgm:bulletEnabled val="1"/>
+        </dgm:presLayoutVars>
+      </dgm:prSet>
+      <dgm:spPr/>
+    </dgm:pt>
+    <dgm:pt modelId="{ABE58F2E-7E98-4449-843F-F23B09F79366}" type="pres">
+      <dgm:prSet presAssocID="{CABCC930-C662-40C8-8169-7598A3711AE0}" presName="Triangle" presStyleLbl="alignNode1" presStyleIdx="3" presStyleCnt="5"/>
+      <dgm:spPr/>
+    </dgm:pt>
+    <dgm:pt modelId="{1E053099-F340-46D0-91A9-7975116CDC1E}" type="pres">
+      <dgm:prSet presAssocID="{73A13104-137E-459F-A785-89CC989201EE}" presName="sibTrans" presStyleCnt="0"/>
+      <dgm:spPr/>
+    </dgm:pt>
+    <dgm:pt modelId="{DA81D931-38A9-41D7-8A4A-26F6BC5F1AD9}" type="pres">
+      <dgm:prSet presAssocID="{73A13104-137E-459F-A785-89CC989201EE}" presName="space" presStyleCnt="0"/>
+      <dgm:spPr/>
+    </dgm:pt>
+    <dgm:pt modelId="{B8099DB3-FA27-449F-B043-2E8B1EB675A9}" type="pres">
+      <dgm:prSet presAssocID="{69856CE3-1618-4447-AA9B-5D6E42DC526D}" presName="composite" presStyleCnt="0"/>
+      <dgm:spPr/>
+    </dgm:pt>
+    <dgm:pt modelId="{DE413F0D-11D1-44FA-BA69-58D0D8410DFA}" type="pres">
+      <dgm:prSet presAssocID="{69856CE3-1618-4447-AA9B-5D6E42DC526D}" presName="LShape" presStyleLbl="alignNode1" presStyleIdx="4" presStyleCnt="5"/>
+      <dgm:spPr/>
+    </dgm:pt>
+    <dgm:pt modelId="{E3E2D7DF-83B3-4218-9096-DA250EF9B683}" type="pres">
+      <dgm:prSet presAssocID="{69856CE3-1618-4447-AA9B-5D6E42DC526D}" presName="ParentText" presStyleLbl="revTx" presStyleIdx="2" presStyleCnt="3">
+        <dgm:presLayoutVars>
+          <dgm:chMax val="0"/>
+          <dgm:chPref val="0"/>
+          <dgm:bulletEnabled val="1"/>
+        </dgm:presLayoutVars>
+      </dgm:prSet>
+      <dgm:spPr/>
+    </dgm:pt>
+  </dgm:ptLst>
+  <dgm:cxnLst>
+    <dgm:cxn modelId="{57F87910-FBEC-47F2-A871-355C9A89D5D2}" type="presOf" srcId="{F635F254-6FF7-44BD-8DF5-33903F979E0C}" destId="{22FFE78B-556C-4AFA-A54D-054DFD5ACDE3}" srcOrd="0" destOrd="0" presId="urn:microsoft.com/office/officeart/2009/3/layout/StepUpProcess"/>
+    <dgm:cxn modelId="{075D9785-D704-4895-B80F-9269FA9715DC}" srcId="{F635F254-6FF7-44BD-8DF5-33903F979E0C}" destId="{198D802A-0E85-433A-A54F-3782CF9EC143}" srcOrd="0" destOrd="0" parTransId="{BE5045E5-6289-4052-B3A7-F7B6BCAA0CF3}" sibTransId="{DF6829B3-A65A-4DA5-8627-B20C2B35C536}"/>
+    <dgm:cxn modelId="{FBE51F87-CD07-4D0E-B3BF-345EE2F0521F}" srcId="{F635F254-6FF7-44BD-8DF5-33903F979E0C}" destId="{CABCC930-C662-40C8-8169-7598A3711AE0}" srcOrd="1" destOrd="0" parTransId="{2CD6E1A4-6761-4BF7-8709-CE588191FAB0}" sibTransId="{73A13104-137E-459F-A785-89CC989201EE}"/>
+    <dgm:cxn modelId="{DDB7AAB7-38E9-4152-9D3A-D50F22E4DA91}" type="presOf" srcId="{CABCC930-C662-40C8-8169-7598A3711AE0}" destId="{66B9C720-E78D-46EF-AA5D-8F53D615A994}" srcOrd="0" destOrd="0" presId="urn:microsoft.com/office/officeart/2009/3/layout/StepUpProcess"/>
+    <dgm:cxn modelId="{4FFFAFDD-7916-4592-9F44-25FE0B9B207B}" type="presOf" srcId="{69856CE3-1618-4447-AA9B-5D6E42DC526D}" destId="{E3E2D7DF-83B3-4218-9096-DA250EF9B683}" srcOrd="0" destOrd="0" presId="urn:microsoft.com/office/officeart/2009/3/layout/StepUpProcess"/>
+    <dgm:cxn modelId="{A76FDBF1-F11D-4182-8C05-472B792A5EAC}" type="presOf" srcId="{198D802A-0E85-433A-A54F-3782CF9EC143}" destId="{1FE5A4EA-D78A-4BD4-AA8C-C4C945219388}" srcOrd="0" destOrd="0" presId="urn:microsoft.com/office/officeart/2009/3/layout/StepUpProcess"/>
+    <dgm:cxn modelId="{118910F5-56C5-4582-ADA8-4281FE23CEAF}" srcId="{F635F254-6FF7-44BD-8DF5-33903F979E0C}" destId="{69856CE3-1618-4447-AA9B-5D6E42DC526D}" srcOrd="2" destOrd="0" parTransId="{BAFFB0D3-93CC-45E4-BE9C-F0E55946A1FD}" sibTransId="{B8C2F519-F229-4891-A17D-318F89092B7C}"/>
+    <dgm:cxn modelId="{79F2767A-9E32-4941-8785-A14BA8A4073F}" type="presParOf" srcId="{22FFE78B-556C-4AFA-A54D-054DFD5ACDE3}" destId="{B6355D7D-74D4-4802-BE5C-C11223766E46}" srcOrd="0" destOrd="0" presId="urn:microsoft.com/office/officeart/2009/3/layout/StepUpProcess"/>
+    <dgm:cxn modelId="{95BAB95B-B9CC-4F89-A311-109E3EB5C1F7}" type="presParOf" srcId="{B6355D7D-74D4-4802-BE5C-C11223766E46}" destId="{D600A189-BA03-467E-94FC-FA83C62ACFEF}" srcOrd="0" destOrd="0" presId="urn:microsoft.com/office/officeart/2009/3/layout/StepUpProcess"/>
+    <dgm:cxn modelId="{5A6B0DC2-907B-4C02-8088-62D8F66B2C94}" type="presParOf" srcId="{B6355D7D-74D4-4802-BE5C-C11223766E46}" destId="{1FE5A4EA-D78A-4BD4-AA8C-C4C945219388}" srcOrd="1" destOrd="0" presId="urn:microsoft.com/office/officeart/2009/3/layout/StepUpProcess"/>
+    <dgm:cxn modelId="{12C5CD24-FDD0-4229-91D8-1CFE5852424C}" type="presParOf" srcId="{B6355D7D-74D4-4802-BE5C-C11223766E46}" destId="{1E1CD867-00DC-4299-A839-0FDF1CCD72F0}" srcOrd="2" destOrd="0" presId="urn:microsoft.com/office/officeart/2009/3/layout/StepUpProcess"/>
+    <dgm:cxn modelId="{A1ECD105-5AE9-4CFD-AB7F-C3C47951B548}" type="presParOf" srcId="{22FFE78B-556C-4AFA-A54D-054DFD5ACDE3}" destId="{4D03D057-C36B-411C-8C6C-C2D1BADECFCA}" srcOrd="1" destOrd="0" presId="urn:microsoft.com/office/officeart/2009/3/layout/StepUpProcess"/>
+    <dgm:cxn modelId="{AC297D1F-B006-4E6F-BBE3-F131E2B39073}" type="presParOf" srcId="{4D03D057-C36B-411C-8C6C-C2D1BADECFCA}" destId="{9E2ED508-57F8-4B0B-AB56-D94F6A298131}" srcOrd="0" destOrd="0" presId="urn:microsoft.com/office/officeart/2009/3/layout/StepUpProcess"/>
+    <dgm:cxn modelId="{900F14E0-98ED-4C83-9592-59D4B296D72E}" type="presParOf" srcId="{22FFE78B-556C-4AFA-A54D-054DFD5ACDE3}" destId="{C7E7DC61-6466-4213-A8A9-CF7BCBF856C2}" srcOrd="2" destOrd="0" presId="urn:microsoft.com/office/officeart/2009/3/layout/StepUpProcess"/>
+    <dgm:cxn modelId="{C10C1067-ECEE-4F34-A140-C3337E456AA8}" type="presParOf" srcId="{C7E7DC61-6466-4213-A8A9-CF7BCBF856C2}" destId="{B5B4064B-4315-467E-8625-421FE5C3489A}" srcOrd="0" destOrd="0" presId="urn:microsoft.com/office/officeart/2009/3/layout/StepUpProcess"/>
+    <dgm:cxn modelId="{E3051C39-ADD2-4002-BBA2-B97D24112F93}" type="presParOf" srcId="{C7E7DC61-6466-4213-A8A9-CF7BCBF856C2}" destId="{66B9C720-E78D-46EF-AA5D-8F53D615A994}" srcOrd="1" destOrd="0" presId="urn:microsoft.com/office/officeart/2009/3/layout/StepUpProcess"/>
+    <dgm:cxn modelId="{6E2C2F11-73BC-40CD-B9C8-34D1317F9A09}" type="presParOf" srcId="{C7E7DC61-6466-4213-A8A9-CF7BCBF856C2}" destId="{ABE58F2E-7E98-4449-843F-F23B09F79366}" srcOrd="2" destOrd="0" presId="urn:microsoft.com/office/officeart/2009/3/layout/StepUpProcess"/>
+    <dgm:cxn modelId="{33CD2A2B-E73E-440B-9886-385F4C8AD06D}" type="presParOf" srcId="{22FFE78B-556C-4AFA-A54D-054DFD5ACDE3}" destId="{1E053099-F340-46D0-91A9-7975116CDC1E}" srcOrd="3" destOrd="0" presId="urn:microsoft.com/office/officeart/2009/3/layout/StepUpProcess"/>
+    <dgm:cxn modelId="{6C8FC0DB-7C74-4E8E-8B6D-453527DCB2B2}" type="presParOf" srcId="{1E053099-F340-46D0-91A9-7975116CDC1E}" destId="{DA81D931-38A9-41D7-8A4A-26F6BC5F1AD9}" srcOrd="0" destOrd="0" presId="urn:microsoft.com/office/officeart/2009/3/layout/StepUpProcess"/>
+    <dgm:cxn modelId="{D4AC3E42-9D2F-41D1-8F94-D5567E61A779}" type="presParOf" srcId="{22FFE78B-556C-4AFA-A54D-054DFD5ACDE3}" destId="{B8099DB3-FA27-449F-B043-2E8B1EB675A9}" srcOrd="4" destOrd="0" presId="urn:microsoft.com/office/officeart/2009/3/layout/StepUpProcess"/>
+    <dgm:cxn modelId="{32B316CA-22CB-444B-AB36-4522DB361290}" type="presParOf" srcId="{B8099DB3-FA27-449F-B043-2E8B1EB675A9}" destId="{DE413F0D-11D1-44FA-BA69-58D0D8410DFA}" srcOrd="0" destOrd="0" presId="urn:microsoft.com/office/officeart/2009/3/layout/StepUpProcess"/>
+    <dgm:cxn modelId="{D6506DE1-977A-4B05-A496-CB566D3229D1}" type="presParOf" srcId="{B8099DB3-FA27-449F-B043-2E8B1EB675A9}" destId="{E3E2D7DF-83B3-4218-9096-DA250EF9B683}" srcOrd="1" destOrd="0" presId="urn:microsoft.com/office/officeart/2009/3/layout/StepUpProcess"/>
+  </dgm:cxnLst>
+  <dgm:bg/>
+  <dgm:whole/>
+  <dgm:extLst>
+    <a:ext uri="http://schemas.microsoft.com/office/drawing/2008/diagram">
+      <dsp:dataModelExt xmlns:dsp="http://schemas.microsoft.com/office/drawing/2008/diagram" relId="rId7" minVer="http://schemas.openxmlformats.org/drawingml/2006/diagram"/>
+    </a:ext>
+  </dgm:extLst>
+</dgm:dataModel>
+</file>
+
+<file path=ppt/diagrams/data2.xml><?xml version="1.0" encoding="utf-8"?>
+<dgm:dataModel xmlns:dgm="http://schemas.openxmlformats.org/drawingml/2006/diagram" xmlns:a="http://schemas.openxmlformats.org/drawingml/2006/main">
+  <dgm:ptLst>
+    <dgm:pt modelId="{54197BA7-FF7F-442F-A064-D5DC1EBECBBE}" type="doc">
+      <dgm:prSet loTypeId="urn:microsoft.com/office/officeart/2005/8/layout/process1" loCatId="process" qsTypeId="urn:microsoft.com/office/officeart/2005/8/quickstyle/simple1" qsCatId="simple" csTypeId="urn:microsoft.com/office/officeart/2005/8/colors/accent4_2" csCatId="accent4" phldr="1"/>
+      <dgm:spPr/>
+      <dgm:t>
+        <a:bodyPr/>
+        <a:lstStyle/>
+        <a:p>
+          <a:endParaRPr lang="de-DE"/>
+        </a:p>
+      </dgm:t>
+    </dgm:pt>
+    <dgm:pt modelId="{8A1FBD0B-E311-4C6C-BF55-7B8A6E2591E9}">
+      <dgm:prSet phldrT="[Text]"/>
+      <dgm:spPr/>
+      <dgm:t>
+        <a:bodyPr/>
+        <a:lstStyle/>
+        <a:p>
+          <a:r>
+            <a:rPr lang="de-DE" dirty="0"/>
+            <a:t>Management</a:t>
+          </a:r>
+        </a:p>
+      </dgm:t>
+    </dgm:pt>
+    <dgm:pt modelId="{FF98C27E-81E7-4C14-A07C-ED61B021776F}" type="parTrans" cxnId="{9F4D365C-C2E2-4864-A19D-9FE4A6F56550}">
+      <dgm:prSet/>
+      <dgm:spPr/>
+      <dgm:t>
+        <a:bodyPr/>
+        <a:lstStyle/>
+        <a:p>
+          <a:endParaRPr lang="de-DE"/>
+        </a:p>
+      </dgm:t>
+    </dgm:pt>
+    <dgm:pt modelId="{9776A3DD-8487-4A6C-B5BA-620672C6FFB6}" type="sibTrans" cxnId="{9F4D365C-C2E2-4864-A19D-9FE4A6F56550}">
+      <dgm:prSet/>
+      <dgm:spPr/>
+      <dgm:t>
+        <a:bodyPr/>
+        <a:lstStyle/>
+        <a:p>
+          <a:endParaRPr lang="de-DE"/>
+        </a:p>
+      </dgm:t>
+    </dgm:pt>
+    <dgm:pt modelId="{451BEFFF-CAFB-49E5-AFEA-8740B14B61E1}">
+      <dgm:prSet phldrT="[Text]"/>
+      <dgm:spPr/>
+      <dgm:t>
+        <a:bodyPr/>
+        <a:lstStyle/>
+        <a:p>
+          <a:r>
+            <a:rPr lang="de-DE" dirty="0"/>
+            <a:t>IT Management</a:t>
+          </a:r>
+        </a:p>
+      </dgm:t>
+    </dgm:pt>
+    <dgm:pt modelId="{5842834D-6A32-495C-A39A-893F946F282E}" type="parTrans" cxnId="{01752ADA-4013-49F9-87DE-DB58FA63B4D5}">
+      <dgm:prSet/>
+      <dgm:spPr/>
+      <dgm:t>
+        <a:bodyPr/>
+        <a:lstStyle/>
+        <a:p>
+          <a:endParaRPr lang="de-DE"/>
+        </a:p>
+      </dgm:t>
+    </dgm:pt>
+    <dgm:pt modelId="{62AFC9E6-A1CD-4BEF-8D5B-F5053C2BED4B}" type="sibTrans" cxnId="{01752ADA-4013-49F9-87DE-DB58FA63B4D5}">
+      <dgm:prSet/>
+      <dgm:spPr/>
+      <dgm:t>
+        <a:bodyPr/>
+        <a:lstStyle/>
+        <a:p>
+          <a:endParaRPr lang="de-DE"/>
+        </a:p>
+      </dgm:t>
+    </dgm:pt>
+    <dgm:pt modelId="{F0CBF378-871C-4994-8411-BB15F4B1527D}">
+      <dgm:prSet/>
+      <dgm:spPr/>
+      <dgm:t>
+        <a:bodyPr/>
+        <a:lstStyle/>
+        <a:p>
+          <a:r>
+            <a:rPr lang="de-DE"/>
+            <a:t>IT Service Management</a:t>
+          </a:r>
+          <a:endParaRPr lang="de-DE" dirty="0"/>
+        </a:p>
+      </dgm:t>
+    </dgm:pt>
+    <dgm:pt modelId="{FE2ADA8A-191E-47E8-BCB8-5B1448666A80}" type="parTrans" cxnId="{EE663DED-FA41-4037-8BF1-158E84227A0D}">
+      <dgm:prSet/>
+      <dgm:spPr/>
+      <dgm:t>
+        <a:bodyPr/>
+        <a:lstStyle/>
+        <a:p>
+          <a:endParaRPr lang="de-DE"/>
+        </a:p>
+      </dgm:t>
+    </dgm:pt>
+    <dgm:pt modelId="{D04FB702-FB24-4C4C-95D5-CB5EACBD66C8}" type="sibTrans" cxnId="{EE663DED-FA41-4037-8BF1-158E84227A0D}">
+      <dgm:prSet/>
+      <dgm:spPr/>
+      <dgm:t>
+        <a:bodyPr/>
+        <a:lstStyle/>
+        <a:p>
+          <a:endParaRPr lang="de-DE"/>
+        </a:p>
+      </dgm:t>
+    </dgm:pt>
+    <dgm:pt modelId="{E169CF01-391F-4CE9-A936-950C74131E5A}">
+      <dgm:prSet/>
+      <dgm:spPr/>
+      <dgm:t>
+        <a:bodyPr/>
+        <a:lstStyle/>
+        <a:p>
+          <a:r>
+            <a:rPr lang="de-DE" dirty="0"/>
+            <a:t>ISO/IEC 2000</a:t>
+          </a:r>
+        </a:p>
+      </dgm:t>
+    </dgm:pt>
+    <dgm:pt modelId="{54E03001-4ACB-4D80-AF21-2A7281511841}" type="parTrans" cxnId="{031785CF-6696-473A-BEC4-54E93461A54F}">
+      <dgm:prSet/>
+      <dgm:spPr/>
+      <dgm:t>
+        <a:bodyPr/>
+        <a:lstStyle/>
+        <a:p>
+          <a:endParaRPr lang="de-DE"/>
+        </a:p>
+      </dgm:t>
+    </dgm:pt>
+    <dgm:pt modelId="{40AD9B6E-291C-4A28-B9FB-71919549B5EC}" type="sibTrans" cxnId="{031785CF-6696-473A-BEC4-54E93461A54F}">
+      <dgm:prSet/>
+      <dgm:spPr/>
+      <dgm:t>
+        <a:bodyPr/>
+        <a:lstStyle/>
+        <a:p>
+          <a:endParaRPr lang="de-DE"/>
+        </a:p>
+      </dgm:t>
+    </dgm:pt>
+    <dgm:pt modelId="{72CF60FC-D1EA-4391-A44C-F4B6455F23C7}" type="pres">
+      <dgm:prSet presAssocID="{54197BA7-FF7F-442F-A064-D5DC1EBECBBE}" presName="Name0" presStyleCnt="0">
+        <dgm:presLayoutVars>
+          <dgm:dir/>
+          <dgm:resizeHandles val="exact"/>
+        </dgm:presLayoutVars>
+      </dgm:prSet>
+      <dgm:spPr/>
+    </dgm:pt>
+    <dgm:pt modelId="{36EE8C6D-9AA0-4EE1-86F9-DB2D2E4F0F29}" type="pres">
+      <dgm:prSet presAssocID="{8A1FBD0B-E311-4C6C-BF55-7B8A6E2591E9}" presName="node" presStyleLbl="node1" presStyleIdx="0" presStyleCnt="4" custScaleX="84420" custScaleY="97523" custLinFactNeighborX="-827" custLinFactNeighborY="45">
+        <dgm:presLayoutVars>
+          <dgm:bulletEnabled val="1"/>
+        </dgm:presLayoutVars>
+      </dgm:prSet>
+      <dgm:spPr/>
+    </dgm:pt>
+    <dgm:pt modelId="{3501AD7D-AB64-4DC5-BB02-FE57E0BFA706}" type="pres">
+      <dgm:prSet presAssocID="{9776A3DD-8487-4A6C-B5BA-620672C6FFB6}" presName="sibTrans" presStyleLbl="sibTrans2D1" presStyleIdx="0" presStyleCnt="3"/>
+      <dgm:spPr/>
+    </dgm:pt>
+    <dgm:pt modelId="{07CE9D4C-5D36-4380-ACB5-1F4F14201DAB}" type="pres">
+      <dgm:prSet presAssocID="{9776A3DD-8487-4A6C-B5BA-620672C6FFB6}" presName="connectorText" presStyleLbl="sibTrans2D1" presStyleIdx="0" presStyleCnt="3"/>
+      <dgm:spPr/>
+    </dgm:pt>
+    <dgm:pt modelId="{08673AF8-4711-4153-AD5F-329EF9372DAC}" type="pres">
+      <dgm:prSet presAssocID="{451BEFFF-CAFB-49E5-AFEA-8740B14B61E1}" presName="node" presStyleLbl="node1" presStyleIdx="1" presStyleCnt="4" custScaleX="90049" custScaleY="90985">
+        <dgm:presLayoutVars>
+          <dgm:bulletEnabled val="1"/>
+        </dgm:presLayoutVars>
+      </dgm:prSet>
+      <dgm:spPr/>
+    </dgm:pt>
+    <dgm:pt modelId="{043DA333-4A22-45B7-8336-5B563B1627BF}" type="pres">
+      <dgm:prSet presAssocID="{62AFC9E6-A1CD-4BEF-8D5B-F5053C2BED4B}" presName="sibTrans" presStyleLbl="sibTrans2D1" presStyleIdx="1" presStyleCnt="3"/>
+      <dgm:spPr/>
+    </dgm:pt>
+    <dgm:pt modelId="{B5F095C1-0773-455D-B632-AB0E0D303DA6}" type="pres">
+      <dgm:prSet presAssocID="{62AFC9E6-A1CD-4BEF-8D5B-F5053C2BED4B}" presName="connectorText" presStyleLbl="sibTrans2D1" presStyleIdx="1" presStyleCnt="3"/>
+      <dgm:spPr/>
+    </dgm:pt>
+    <dgm:pt modelId="{21B31B7C-78A5-4D14-8F8B-8F9BB162F2C5}" type="pres">
+      <dgm:prSet presAssocID="{F0CBF378-871C-4994-8411-BB15F4B1527D}" presName="node" presStyleLbl="node1" presStyleIdx="2" presStyleCnt="4">
+        <dgm:presLayoutVars>
+          <dgm:bulletEnabled val="1"/>
+        </dgm:presLayoutVars>
+      </dgm:prSet>
+      <dgm:spPr/>
+    </dgm:pt>
+    <dgm:pt modelId="{FA6C90B7-3D36-4711-AD7F-6DE129D5B45A}" type="pres">
+      <dgm:prSet presAssocID="{D04FB702-FB24-4C4C-95D5-CB5EACBD66C8}" presName="sibTrans" presStyleLbl="sibTrans2D1" presStyleIdx="2" presStyleCnt="3"/>
+      <dgm:spPr/>
+    </dgm:pt>
+    <dgm:pt modelId="{A7FD1213-15C4-4D6D-B2DC-FD44DC94895D}" type="pres">
+      <dgm:prSet presAssocID="{D04FB702-FB24-4C4C-95D5-CB5EACBD66C8}" presName="connectorText" presStyleLbl="sibTrans2D1" presStyleIdx="2" presStyleCnt="3"/>
+      <dgm:spPr/>
+    </dgm:pt>
+    <dgm:pt modelId="{7319EE50-B1F6-4875-8CFC-3DC2B1ADD8A5}" type="pres">
+      <dgm:prSet presAssocID="{E169CF01-391F-4CE9-A936-950C74131E5A}" presName="node" presStyleLbl="node1" presStyleIdx="3" presStyleCnt="4">
+        <dgm:presLayoutVars>
+          <dgm:bulletEnabled val="1"/>
+        </dgm:presLayoutVars>
+      </dgm:prSet>
+      <dgm:spPr/>
+    </dgm:pt>
+  </dgm:ptLst>
+  <dgm:cxnLst>
+    <dgm:cxn modelId="{9F4D365C-C2E2-4864-A19D-9FE4A6F56550}" srcId="{54197BA7-FF7F-442F-A064-D5DC1EBECBBE}" destId="{8A1FBD0B-E311-4C6C-BF55-7B8A6E2591E9}" srcOrd="0" destOrd="0" parTransId="{FF98C27E-81E7-4C14-A07C-ED61B021776F}" sibTransId="{9776A3DD-8487-4A6C-B5BA-620672C6FFB6}"/>
+    <dgm:cxn modelId="{849B885D-0793-4F28-B173-E831DB1467FE}" type="presOf" srcId="{62AFC9E6-A1CD-4BEF-8D5B-F5053C2BED4B}" destId="{043DA333-4A22-45B7-8336-5B563B1627BF}" srcOrd="0" destOrd="0" presId="urn:microsoft.com/office/officeart/2005/8/layout/process1"/>
+    <dgm:cxn modelId="{AFD48048-D368-44E1-92D7-37388AB5262E}" type="presOf" srcId="{54197BA7-FF7F-442F-A064-D5DC1EBECBBE}" destId="{72CF60FC-D1EA-4391-A44C-F4B6455F23C7}" srcOrd="0" destOrd="0" presId="urn:microsoft.com/office/officeart/2005/8/layout/process1"/>
+    <dgm:cxn modelId="{2E51478F-453A-45C0-886D-0C01633A68F1}" type="presOf" srcId="{D04FB702-FB24-4C4C-95D5-CB5EACBD66C8}" destId="{A7FD1213-15C4-4D6D-B2DC-FD44DC94895D}" srcOrd="1" destOrd="0" presId="urn:microsoft.com/office/officeart/2005/8/layout/process1"/>
+    <dgm:cxn modelId="{B1EBAB99-83D3-4719-8595-E88C9CB8090E}" type="presOf" srcId="{F0CBF378-871C-4994-8411-BB15F4B1527D}" destId="{21B31B7C-78A5-4D14-8F8B-8F9BB162F2C5}" srcOrd="0" destOrd="0" presId="urn:microsoft.com/office/officeart/2005/8/layout/process1"/>
+    <dgm:cxn modelId="{781706A2-75BC-4270-995B-03CCF6AB51D7}" type="presOf" srcId="{451BEFFF-CAFB-49E5-AFEA-8740B14B61E1}" destId="{08673AF8-4711-4153-AD5F-329EF9372DAC}" srcOrd="0" destOrd="0" presId="urn:microsoft.com/office/officeart/2005/8/layout/process1"/>
+    <dgm:cxn modelId="{CFAE51B5-864D-402F-9C37-048DA8C97893}" type="presOf" srcId="{62AFC9E6-A1CD-4BEF-8D5B-F5053C2BED4B}" destId="{B5F095C1-0773-455D-B632-AB0E0D303DA6}" srcOrd="1" destOrd="0" presId="urn:microsoft.com/office/officeart/2005/8/layout/process1"/>
+    <dgm:cxn modelId="{031785CF-6696-473A-BEC4-54E93461A54F}" srcId="{54197BA7-FF7F-442F-A064-D5DC1EBECBBE}" destId="{E169CF01-391F-4CE9-A936-950C74131E5A}" srcOrd="3" destOrd="0" parTransId="{54E03001-4ACB-4D80-AF21-2A7281511841}" sibTransId="{40AD9B6E-291C-4A28-B9FB-71919549B5EC}"/>
+    <dgm:cxn modelId="{C5D2C4D2-7A16-4F69-ADFC-CD1FE156EBC2}" type="presOf" srcId="{8A1FBD0B-E311-4C6C-BF55-7B8A6E2591E9}" destId="{36EE8C6D-9AA0-4EE1-86F9-DB2D2E4F0F29}" srcOrd="0" destOrd="0" presId="urn:microsoft.com/office/officeart/2005/8/layout/process1"/>
+    <dgm:cxn modelId="{78D21FDA-1CD4-4166-81CA-BBD50B592169}" type="presOf" srcId="{9776A3DD-8487-4A6C-B5BA-620672C6FFB6}" destId="{07CE9D4C-5D36-4380-ACB5-1F4F14201DAB}" srcOrd="1" destOrd="0" presId="urn:microsoft.com/office/officeart/2005/8/layout/process1"/>
+    <dgm:cxn modelId="{01752ADA-4013-49F9-87DE-DB58FA63B4D5}" srcId="{54197BA7-FF7F-442F-A064-D5DC1EBECBBE}" destId="{451BEFFF-CAFB-49E5-AFEA-8740B14B61E1}" srcOrd="1" destOrd="0" parTransId="{5842834D-6A32-495C-A39A-893F946F282E}" sibTransId="{62AFC9E6-A1CD-4BEF-8D5B-F5053C2BED4B}"/>
+    <dgm:cxn modelId="{100467E0-16D9-46AE-93F1-6D8888D7C0FC}" type="presOf" srcId="{E169CF01-391F-4CE9-A936-950C74131E5A}" destId="{7319EE50-B1F6-4875-8CFC-3DC2B1ADD8A5}" srcOrd="0" destOrd="0" presId="urn:microsoft.com/office/officeart/2005/8/layout/process1"/>
+    <dgm:cxn modelId="{68DD55E4-9AB3-468E-A755-45DE6F65D396}" type="presOf" srcId="{9776A3DD-8487-4A6C-B5BA-620672C6FFB6}" destId="{3501AD7D-AB64-4DC5-BB02-FE57E0BFA706}" srcOrd="0" destOrd="0" presId="urn:microsoft.com/office/officeart/2005/8/layout/process1"/>
+    <dgm:cxn modelId="{EE663DED-FA41-4037-8BF1-158E84227A0D}" srcId="{54197BA7-FF7F-442F-A064-D5DC1EBECBBE}" destId="{F0CBF378-871C-4994-8411-BB15F4B1527D}" srcOrd="2" destOrd="0" parTransId="{FE2ADA8A-191E-47E8-BCB8-5B1448666A80}" sibTransId="{D04FB702-FB24-4C4C-95D5-CB5EACBD66C8}"/>
+    <dgm:cxn modelId="{410FC3F2-8CBE-43F7-A6CA-0392599007E9}" type="presOf" srcId="{D04FB702-FB24-4C4C-95D5-CB5EACBD66C8}" destId="{FA6C90B7-3D36-4711-AD7F-6DE129D5B45A}" srcOrd="0" destOrd="0" presId="urn:microsoft.com/office/officeart/2005/8/layout/process1"/>
+    <dgm:cxn modelId="{71FBB597-16A3-4879-9174-9951A805A749}" type="presParOf" srcId="{72CF60FC-D1EA-4391-A44C-F4B6455F23C7}" destId="{36EE8C6D-9AA0-4EE1-86F9-DB2D2E4F0F29}" srcOrd="0" destOrd="0" presId="urn:microsoft.com/office/officeart/2005/8/layout/process1"/>
+    <dgm:cxn modelId="{1BAA5D9A-1900-4F4F-A75A-67B87EB08E0D}" type="presParOf" srcId="{72CF60FC-D1EA-4391-A44C-F4B6455F23C7}" destId="{3501AD7D-AB64-4DC5-BB02-FE57E0BFA706}" srcOrd="1" destOrd="0" presId="urn:microsoft.com/office/officeart/2005/8/layout/process1"/>
+    <dgm:cxn modelId="{F56CBC49-3B17-4E19-ABE5-51693E1713C8}" type="presParOf" srcId="{3501AD7D-AB64-4DC5-BB02-FE57E0BFA706}" destId="{07CE9D4C-5D36-4380-ACB5-1F4F14201DAB}" srcOrd="0" destOrd="0" presId="urn:microsoft.com/office/officeart/2005/8/layout/process1"/>
+    <dgm:cxn modelId="{1CA68630-F654-49BB-96C0-90430034F873}" type="presParOf" srcId="{72CF60FC-D1EA-4391-A44C-F4B6455F23C7}" destId="{08673AF8-4711-4153-AD5F-329EF9372DAC}" srcOrd="2" destOrd="0" presId="urn:microsoft.com/office/officeart/2005/8/layout/process1"/>
+    <dgm:cxn modelId="{3DEF1B7B-FEC3-4CDF-A8F4-D4F989C885C9}" type="presParOf" srcId="{72CF60FC-D1EA-4391-A44C-F4B6455F23C7}" destId="{043DA333-4A22-45B7-8336-5B563B1627BF}" srcOrd="3" destOrd="0" presId="urn:microsoft.com/office/officeart/2005/8/layout/process1"/>
+    <dgm:cxn modelId="{98D24971-760F-4D5E-BB14-0576C069E0BD}" type="presParOf" srcId="{043DA333-4A22-45B7-8336-5B563B1627BF}" destId="{B5F095C1-0773-455D-B632-AB0E0D303DA6}" srcOrd="0" destOrd="0" presId="urn:microsoft.com/office/officeart/2005/8/layout/process1"/>
+    <dgm:cxn modelId="{98338118-4557-43B6-8F39-5E5F17FE2EC8}" type="presParOf" srcId="{72CF60FC-D1EA-4391-A44C-F4B6455F23C7}" destId="{21B31B7C-78A5-4D14-8F8B-8F9BB162F2C5}" srcOrd="4" destOrd="0" presId="urn:microsoft.com/office/officeart/2005/8/layout/process1"/>
+    <dgm:cxn modelId="{152A1BE0-F236-4AC9-83CB-2EDF8B4F5A7D}" type="presParOf" srcId="{72CF60FC-D1EA-4391-A44C-F4B6455F23C7}" destId="{FA6C90B7-3D36-4711-AD7F-6DE129D5B45A}" srcOrd="5" destOrd="0" presId="urn:microsoft.com/office/officeart/2005/8/layout/process1"/>
+    <dgm:cxn modelId="{42EB637F-C24B-4F98-8A5C-1C3D79E596F0}" type="presParOf" srcId="{FA6C90B7-3D36-4711-AD7F-6DE129D5B45A}" destId="{A7FD1213-15C4-4D6D-B2DC-FD44DC94895D}" srcOrd="0" destOrd="0" presId="urn:microsoft.com/office/officeart/2005/8/layout/process1"/>
+    <dgm:cxn modelId="{51C55506-2F16-4EDC-9619-21FCCC45ED02}" type="presParOf" srcId="{72CF60FC-D1EA-4391-A44C-F4B6455F23C7}" destId="{7319EE50-B1F6-4875-8CFC-3DC2B1ADD8A5}" srcOrd="6" destOrd="0" presId="urn:microsoft.com/office/officeart/2005/8/layout/process1"/>
+  </dgm:cxnLst>
+  <dgm:bg/>
+  <dgm:whole/>
+  <dgm:extLst>
+    <a:ext uri="http://schemas.microsoft.com/office/drawing/2008/diagram">
+      <dsp:dataModelExt xmlns:dsp="http://schemas.microsoft.com/office/drawing/2008/diagram" relId="rId6" minVer="http://schemas.openxmlformats.org/drawingml/2006/diagram"/>
+    </a:ext>
+  </dgm:extLst>
+</dgm:dataModel>
+</file>
+
+<file path=ppt/diagrams/drawing1.xml><?xml version="1.0" encoding="utf-8"?>
+<dsp:drawing xmlns:dgm="http://schemas.openxmlformats.org/drawingml/2006/diagram" xmlns:dsp="http://schemas.microsoft.com/office/drawing/2008/diagram" xmlns:a="http://schemas.openxmlformats.org/drawingml/2006/main">
+  <dsp:spTree>
+    <dsp:nvGrpSpPr>
+      <dsp:cNvPr id="0" name=""/>
+      <dsp:cNvGrpSpPr/>
+    </dsp:nvGrpSpPr>
+    <dsp:grpSpPr/>
+    <dsp:sp modelId="{D600A189-BA03-467E-94FC-FA83C62ACFEF}">
+      <dsp:nvSpPr>
+        <dsp:cNvPr id="0" name=""/>
+        <dsp:cNvSpPr/>
+      </dsp:nvSpPr>
+      <dsp:spPr>
+        <a:xfrm rot="5400000">
+          <a:off x="507673" y="1770520"/>
+          <a:ext cx="1519334" cy="2528139"/>
+        </a:xfrm>
+        <a:prstGeom prst="corner">
+          <a:avLst>
+            <a:gd name="adj1" fmla="val 16120"/>
+            <a:gd name="adj2" fmla="val 16110"/>
+          </a:avLst>
+        </a:prstGeom>
+        <a:solidFill>
+          <a:schemeClr val="accent4">
+            <a:hueOff val="0"/>
+            <a:satOff val="0"/>
+            <a:lumOff val="0"/>
+            <a:alphaOff val="0"/>
+          </a:schemeClr>
+        </a:solidFill>
+        <a:ln w="12700" cap="flat" cmpd="sng" algn="ctr">
+          <a:solidFill>
+            <a:schemeClr val="accent4">
+              <a:hueOff val="0"/>
+              <a:satOff val="0"/>
+              <a:lumOff val="0"/>
+              <a:alphaOff val="0"/>
+            </a:schemeClr>
+          </a:solidFill>
+          <a:prstDash val="solid"/>
+          <a:miter lim="800000"/>
+        </a:ln>
+        <a:effectLst/>
+      </dsp:spPr>
+      <dsp:style>
+        <a:lnRef idx="2">
+          <a:scrgbClr r="0" g="0" b="0"/>
+        </a:lnRef>
+        <a:fillRef idx="1">
+          <a:scrgbClr r="0" g="0" b="0"/>
+        </a:fillRef>
+        <a:effectRef idx="0">
+          <a:scrgbClr r="0" g="0" b="0"/>
+        </a:effectRef>
+        <a:fontRef idx="minor">
+          <a:schemeClr val="lt1"/>
+        </a:fontRef>
+      </dsp:style>
+    </dsp:sp>
+    <dsp:sp modelId="{1FE5A4EA-D78A-4BD4-AA8C-C4C945219388}">
+      <dsp:nvSpPr>
+        <dsp:cNvPr id="0" name=""/>
+        <dsp:cNvSpPr/>
+      </dsp:nvSpPr>
+      <dsp:spPr>
+        <a:xfrm>
+          <a:off x="254058" y="2525889"/>
+          <a:ext cx="2282418" cy="2000673"/>
+        </a:xfrm>
+        <a:prstGeom prst="rect">
+          <a:avLst/>
+        </a:prstGeom>
+        <a:noFill/>
+        <a:ln>
+          <a:noFill/>
+        </a:ln>
+        <a:effectLst/>
+      </dsp:spPr>
+      <dsp:style>
+        <a:lnRef idx="0">
+          <a:scrgbClr r="0" g="0" b="0"/>
+        </a:lnRef>
+        <a:fillRef idx="0">
+          <a:scrgbClr r="0" g="0" b="0"/>
+        </a:fillRef>
+        <a:effectRef idx="0">
+          <a:scrgbClr r="0" g="0" b="0"/>
+        </a:effectRef>
+        <a:fontRef idx="minor"/>
+      </dsp:style>
+      <dsp:txBody>
+        <a:bodyPr spcFirstLastPara="0" vert="horz" wrap="square" lIns="87630" tIns="87630" rIns="87630" bIns="87630" numCol="1" spcCol="1270" anchor="t" anchorCtr="0">
+          <a:noAutofit/>
+        </a:bodyPr>
+        <a:lstStyle/>
+        <a:p>
+          <a:pPr marL="0" lvl="0" indent="0" algn="l" defTabSz="1022350">
+            <a:lnSpc>
+              <a:spcPct val="90000"/>
+            </a:lnSpc>
+            <a:spcBef>
+              <a:spcPct val="0"/>
+            </a:spcBef>
+            <a:spcAft>
+              <a:spcPct val="35000"/>
+            </a:spcAft>
+            <a:buNone/>
+          </a:pPr>
+          <a:r>
+            <a:rPr lang="de-DE" sz="2300" kern="1200" dirty="0"/>
+            <a:t>Frameworks</a:t>
+          </a:r>
+        </a:p>
+      </dsp:txBody>
+      <dsp:txXfrm>
+        <a:off x="254058" y="2525889"/>
+        <a:ext cx="2282418" cy="2000673"/>
+      </dsp:txXfrm>
+    </dsp:sp>
+    <dsp:sp modelId="{1E1CD867-00DC-4299-A839-0FDF1CCD72F0}">
+      <dsp:nvSpPr>
+        <dsp:cNvPr id="0" name=""/>
+        <dsp:cNvSpPr/>
+      </dsp:nvSpPr>
+      <dsp:spPr>
+        <a:xfrm>
+          <a:off x="2105832" y="1584396"/>
+          <a:ext cx="430644" cy="430644"/>
+        </a:xfrm>
+        <a:prstGeom prst="triangle">
+          <a:avLst>
+            <a:gd name="adj" fmla="val 100000"/>
+          </a:avLst>
+        </a:prstGeom>
+        <a:solidFill>
+          <a:schemeClr val="accent4">
+            <a:hueOff val="0"/>
+            <a:satOff val="0"/>
+            <a:lumOff val="0"/>
+            <a:alphaOff val="0"/>
+          </a:schemeClr>
+        </a:solidFill>
+        <a:ln w="12700" cap="flat" cmpd="sng" algn="ctr">
+          <a:solidFill>
+            <a:schemeClr val="accent4">
+              <a:hueOff val="0"/>
+              <a:satOff val="0"/>
+              <a:lumOff val="0"/>
+              <a:alphaOff val="0"/>
+            </a:schemeClr>
+          </a:solidFill>
+          <a:prstDash val="solid"/>
+          <a:miter lim="800000"/>
+        </a:ln>
+        <a:effectLst/>
+      </dsp:spPr>
+      <dsp:style>
+        <a:lnRef idx="2">
+          <a:scrgbClr r="0" g="0" b="0"/>
+        </a:lnRef>
+        <a:fillRef idx="1">
+          <a:scrgbClr r="0" g="0" b="0"/>
+        </a:fillRef>
+        <a:effectRef idx="0">
+          <a:scrgbClr r="0" g="0" b="0"/>
+        </a:effectRef>
+        <a:fontRef idx="minor">
+          <a:schemeClr val="lt1"/>
+        </a:fontRef>
+      </dsp:style>
+    </dsp:sp>
+    <dsp:sp modelId="{B5B4064B-4315-467E-8625-421FE5C3489A}">
+      <dsp:nvSpPr>
+        <dsp:cNvPr id="0" name=""/>
+        <dsp:cNvSpPr/>
+      </dsp:nvSpPr>
+      <dsp:spPr>
+        <a:xfrm rot="5400000">
+          <a:off x="3304327" y="1116821"/>
+          <a:ext cx="1519334" cy="2528139"/>
+        </a:xfrm>
+        <a:prstGeom prst="corner">
+          <a:avLst>
+            <a:gd name="adj1" fmla="val 16120"/>
+            <a:gd name="adj2" fmla="val 16110"/>
+          </a:avLst>
+        </a:prstGeom>
+        <a:solidFill>
+          <a:schemeClr val="accent4">
+            <a:hueOff val="0"/>
+            <a:satOff val="0"/>
+            <a:lumOff val="0"/>
+            <a:alphaOff val="0"/>
+          </a:schemeClr>
+        </a:solidFill>
+        <a:ln w="12700" cap="flat" cmpd="sng" algn="ctr">
+          <a:solidFill>
+            <a:schemeClr val="accent4">
+              <a:hueOff val="0"/>
+              <a:satOff val="0"/>
+              <a:lumOff val="0"/>
+              <a:alphaOff val="0"/>
+            </a:schemeClr>
+          </a:solidFill>
+          <a:prstDash val="solid"/>
+          <a:miter lim="800000"/>
+        </a:ln>
+        <a:effectLst/>
+      </dsp:spPr>
+      <dsp:style>
+        <a:lnRef idx="2">
+          <a:scrgbClr r="0" g="0" b="0"/>
+        </a:lnRef>
+        <a:fillRef idx="1">
+          <a:scrgbClr r="0" g="0" b="0"/>
+        </a:fillRef>
+        <a:effectRef idx="0">
+          <a:scrgbClr r="0" g="0" b="0"/>
+        </a:effectRef>
+        <a:fontRef idx="minor">
+          <a:schemeClr val="lt1"/>
+        </a:fontRef>
+      </dsp:style>
+    </dsp:sp>
+    <dsp:sp modelId="{66B9C720-E78D-46EF-AA5D-8F53D615A994}">
+      <dsp:nvSpPr>
+        <dsp:cNvPr id="0" name=""/>
+        <dsp:cNvSpPr/>
+      </dsp:nvSpPr>
+      <dsp:spPr>
+        <a:xfrm>
+          <a:off x="3048184" y="1834480"/>
+          <a:ext cx="2282418" cy="2000673"/>
+        </a:xfrm>
+        <a:prstGeom prst="rect">
+          <a:avLst/>
+        </a:prstGeom>
+        <a:noFill/>
+        <a:ln>
+          <a:noFill/>
+        </a:ln>
+        <a:effectLst/>
+      </dsp:spPr>
+      <dsp:style>
+        <a:lnRef idx="0">
+          <a:scrgbClr r="0" g="0" b="0"/>
+        </a:lnRef>
+        <a:fillRef idx="0">
+          <a:scrgbClr r="0" g="0" b="0"/>
+        </a:fillRef>
+        <a:effectRef idx="0">
+          <a:scrgbClr r="0" g="0" b="0"/>
+        </a:effectRef>
+        <a:fontRef idx="minor"/>
+      </dsp:style>
+      <dsp:txBody>
+        <a:bodyPr spcFirstLastPara="0" vert="horz" wrap="square" lIns="87630" tIns="87630" rIns="87630" bIns="87630" numCol="1" spcCol="1270" anchor="t" anchorCtr="0">
+          <a:noAutofit/>
+        </a:bodyPr>
+        <a:lstStyle/>
+        <a:p>
+          <a:pPr marL="0" lvl="0" indent="0" algn="l" defTabSz="1022350">
+            <a:lnSpc>
+              <a:spcPct val="90000"/>
+            </a:lnSpc>
+            <a:spcBef>
+              <a:spcPct val="0"/>
+            </a:spcBef>
+            <a:spcAft>
+              <a:spcPct val="35000"/>
+            </a:spcAft>
+            <a:buNone/>
+          </a:pPr>
+          <a:r>
+            <a:rPr lang="de-DE" sz="2300" kern="1200" dirty="0"/>
+            <a:t>Richtlinien</a:t>
+          </a:r>
+        </a:p>
+      </dsp:txBody>
+      <dsp:txXfrm>
+        <a:off x="3048184" y="1834480"/>
+        <a:ext cx="2282418" cy="2000673"/>
+      </dsp:txXfrm>
+    </dsp:sp>
+    <dsp:sp modelId="{ABE58F2E-7E98-4449-843F-F23B09F79366}">
+      <dsp:nvSpPr>
+        <dsp:cNvPr id="0" name=""/>
+        <dsp:cNvSpPr/>
+      </dsp:nvSpPr>
+      <dsp:spPr>
+        <a:xfrm>
+          <a:off x="4899957" y="892986"/>
+          <a:ext cx="430644" cy="430644"/>
+        </a:xfrm>
+        <a:prstGeom prst="triangle">
+          <a:avLst>
+            <a:gd name="adj" fmla="val 100000"/>
+          </a:avLst>
+        </a:prstGeom>
+        <a:solidFill>
+          <a:schemeClr val="accent4">
+            <a:hueOff val="0"/>
+            <a:satOff val="0"/>
+            <a:lumOff val="0"/>
+            <a:alphaOff val="0"/>
+          </a:schemeClr>
+        </a:solidFill>
+        <a:ln w="12700" cap="flat" cmpd="sng" algn="ctr">
+          <a:solidFill>
+            <a:schemeClr val="accent4">
+              <a:hueOff val="0"/>
+              <a:satOff val="0"/>
+              <a:lumOff val="0"/>
+              <a:alphaOff val="0"/>
+            </a:schemeClr>
+          </a:solidFill>
+          <a:prstDash val="solid"/>
+          <a:miter lim="800000"/>
+        </a:ln>
+        <a:effectLst/>
+      </dsp:spPr>
+      <dsp:style>
+        <a:lnRef idx="2">
+          <a:scrgbClr r="0" g="0" b="0"/>
+        </a:lnRef>
+        <a:fillRef idx="1">
+          <a:scrgbClr r="0" g="0" b="0"/>
+        </a:fillRef>
+        <a:effectRef idx="0">
+          <a:scrgbClr r="0" g="0" b="0"/>
+        </a:effectRef>
+        <a:fontRef idx="minor">
+          <a:schemeClr val="lt1"/>
+        </a:fontRef>
+      </dsp:style>
+    </dsp:sp>
+    <dsp:sp modelId="{DE413F0D-11D1-44FA-BA69-58D0D8410DFA}">
+      <dsp:nvSpPr>
+        <dsp:cNvPr id="0" name=""/>
+        <dsp:cNvSpPr/>
+      </dsp:nvSpPr>
+      <dsp:spPr>
+        <a:xfrm rot="5400000">
+          <a:off x="6095925" y="387702"/>
+          <a:ext cx="1519334" cy="2528139"/>
+        </a:xfrm>
+        <a:prstGeom prst="corner">
+          <a:avLst>
+            <a:gd name="adj1" fmla="val 16120"/>
+            <a:gd name="adj2" fmla="val 16110"/>
+          </a:avLst>
+        </a:prstGeom>
+        <a:solidFill>
+          <a:schemeClr val="accent4">
+            <a:hueOff val="0"/>
+            <a:satOff val="0"/>
+            <a:lumOff val="0"/>
+            <a:alphaOff val="0"/>
+          </a:schemeClr>
+        </a:solidFill>
+        <a:ln w="12700" cap="flat" cmpd="sng" algn="ctr">
+          <a:solidFill>
+            <a:schemeClr val="accent4">
+              <a:hueOff val="0"/>
+              <a:satOff val="0"/>
+              <a:lumOff val="0"/>
+              <a:alphaOff val="0"/>
+            </a:schemeClr>
+          </a:solidFill>
+          <a:prstDash val="solid"/>
+          <a:miter lim="800000"/>
+        </a:ln>
+        <a:effectLst/>
+      </dsp:spPr>
+      <dsp:style>
+        <a:lnRef idx="2">
+          <a:scrgbClr r="0" g="0" b="0"/>
+        </a:lnRef>
+        <a:fillRef idx="1">
+          <a:scrgbClr r="0" g="0" b="0"/>
+        </a:fillRef>
+        <a:effectRef idx="0">
+          <a:scrgbClr r="0" g="0" b="0"/>
+        </a:effectRef>
+        <a:fontRef idx="minor">
+          <a:schemeClr val="lt1"/>
+        </a:fontRef>
+      </dsp:style>
+    </dsp:sp>
+    <dsp:sp modelId="{E3E2D7DF-83B3-4218-9096-DA250EF9B683}">
+      <dsp:nvSpPr>
+        <dsp:cNvPr id="0" name=""/>
+        <dsp:cNvSpPr/>
+      </dsp:nvSpPr>
+      <dsp:spPr>
+        <a:xfrm>
+          <a:off x="5842310" y="1143070"/>
+          <a:ext cx="2282418" cy="2000673"/>
+        </a:xfrm>
+        <a:prstGeom prst="rect">
+          <a:avLst/>
+        </a:prstGeom>
+        <a:noFill/>
+        <a:ln>
+          <a:noFill/>
+        </a:ln>
+        <a:effectLst/>
+      </dsp:spPr>
+      <dsp:style>
+        <a:lnRef idx="0">
+          <a:scrgbClr r="0" g="0" b="0"/>
+        </a:lnRef>
+        <a:fillRef idx="0">
+          <a:scrgbClr r="0" g="0" b="0"/>
+        </a:fillRef>
+        <a:effectRef idx="0">
+          <a:scrgbClr r="0" g="0" b="0"/>
+        </a:effectRef>
+        <a:fontRef idx="minor"/>
+      </dsp:style>
+      <dsp:txBody>
+        <a:bodyPr spcFirstLastPara="0" vert="horz" wrap="square" lIns="87630" tIns="87630" rIns="87630" bIns="87630" numCol="1" spcCol="1270" anchor="t" anchorCtr="0">
+          <a:noAutofit/>
+        </a:bodyPr>
+        <a:lstStyle/>
+        <a:p>
+          <a:pPr marL="0" lvl="0" indent="0" algn="l" defTabSz="1022350">
+            <a:lnSpc>
+              <a:spcPct val="90000"/>
+            </a:lnSpc>
+            <a:spcBef>
+              <a:spcPct val="0"/>
+            </a:spcBef>
+            <a:spcAft>
+              <a:spcPct val="35000"/>
+            </a:spcAft>
+            <a:buNone/>
+          </a:pPr>
+          <a:r>
+            <a:rPr lang="de-DE" sz="2300" kern="1200" dirty="0"/>
+            <a:t>Festlegung Werten, Regeln und Verhaltensweisen</a:t>
+          </a:r>
+        </a:p>
+      </dsp:txBody>
+      <dsp:txXfrm>
+        <a:off x="5842310" y="1143070"/>
+        <a:ext cx="2282418" cy="2000673"/>
+      </dsp:txXfrm>
+    </dsp:sp>
+  </dsp:spTree>
+</dsp:drawing>
+</file>
+
+<file path=ppt/diagrams/drawing2.xml><?xml version="1.0" encoding="utf-8"?>
+<dsp:drawing xmlns:dgm="http://schemas.openxmlformats.org/drawingml/2006/diagram" xmlns:dsp="http://schemas.microsoft.com/office/drawing/2008/diagram" xmlns:a="http://schemas.openxmlformats.org/drawingml/2006/main">
+  <dsp:spTree>
+    <dsp:nvGrpSpPr>
+      <dsp:cNvPr id="0" name=""/>
+      <dsp:cNvGrpSpPr/>
+    </dsp:nvGrpSpPr>
+    <dsp:grpSpPr/>
+    <dsp:sp modelId="{36EE8C6D-9AA0-4EE1-86F9-DB2D2E4F0F29}">
+      <dsp:nvSpPr>
+        <dsp:cNvPr id="0" name=""/>
+        <dsp:cNvSpPr/>
+      </dsp:nvSpPr>
+      <dsp:spPr>
+        <a:xfrm>
+          <a:off x="0" y="1537534"/>
+          <a:ext cx="1843019" cy="1277447"/>
+        </a:xfrm>
+        <a:prstGeom prst="roundRect">
+          <a:avLst>
+            <a:gd name="adj" fmla="val 10000"/>
+          </a:avLst>
+        </a:prstGeom>
+        <a:solidFill>
+          <a:schemeClr val="accent4">
+            <a:hueOff val="0"/>
+            <a:satOff val="0"/>
+            <a:lumOff val="0"/>
+            <a:alphaOff val="0"/>
+          </a:schemeClr>
+        </a:solidFill>
+        <a:ln w="12700" cap="flat" cmpd="sng" algn="ctr">
+          <a:solidFill>
+            <a:schemeClr val="lt1">
+              <a:hueOff val="0"/>
+              <a:satOff val="0"/>
+              <a:lumOff val="0"/>
+              <a:alphaOff val="0"/>
+            </a:schemeClr>
+          </a:solidFill>
+          <a:prstDash val="solid"/>
+          <a:miter lim="800000"/>
+        </a:ln>
+        <a:effectLst/>
+      </dsp:spPr>
+      <dsp:style>
+        <a:lnRef idx="2">
+          <a:scrgbClr r="0" g="0" b="0"/>
+        </a:lnRef>
+        <a:fillRef idx="1">
+          <a:scrgbClr r="0" g="0" b="0"/>
+        </a:fillRef>
+        <a:effectRef idx="0">
+          <a:scrgbClr r="0" g="0" b="0"/>
+        </a:effectRef>
+        <a:fontRef idx="minor">
+          <a:schemeClr val="lt1"/>
+        </a:fontRef>
+      </dsp:style>
+      <dsp:txBody>
+        <a:bodyPr spcFirstLastPara="0" vert="horz" wrap="square" lIns="87630" tIns="87630" rIns="87630" bIns="87630" numCol="1" spcCol="1270" anchor="ctr" anchorCtr="0">
+          <a:noAutofit/>
+        </a:bodyPr>
+        <a:lstStyle/>
+        <a:p>
+          <a:pPr marL="0" lvl="0" indent="0" algn="ctr" defTabSz="1022350">
+            <a:lnSpc>
+              <a:spcPct val="90000"/>
+            </a:lnSpc>
+            <a:spcBef>
+              <a:spcPct val="0"/>
+            </a:spcBef>
+            <a:spcAft>
+              <a:spcPct val="35000"/>
+            </a:spcAft>
+            <a:buNone/>
+          </a:pPr>
+          <a:r>
+            <a:rPr lang="de-DE" sz="2300" kern="1200" dirty="0"/>
+            <a:t>Management</a:t>
+          </a:r>
+        </a:p>
+      </dsp:txBody>
+      <dsp:txXfrm>
+        <a:off x="37415" y="1574949"/>
+        <a:ext cx="1768189" cy="1202617"/>
+      </dsp:txXfrm>
+    </dsp:sp>
+    <dsp:sp modelId="{3501AD7D-AB64-4DC5-BB02-FE57E0BFA706}">
+      <dsp:nvSpPr>
+        <dsp:cNvPr id="0" name=""/>
+        <dsp:cNvSpPr/>
+      </dsp:nvSpPr>
+      <dsp:spPr>
+        <a:xfrm rot="21599271">
+          <a:off x="2061927" y="1905255"/>
+          <a:ext cx="464084" cy="541422"/>
+        </a:xfrm>
+        <a:prstGeom prst="rightArrow">
+          <a:avLst>
+            <a:gd name="adj1" fmla="val 60000"/>
+            <a:gd name="adj2" fmla="val 50000"/>
+          </a:avLst>
+        </a:prstGeom>
+        <a:solidFill>
+          <a:schemeClr val="accent4">
+            <a:tint val="60000"/>
+            <a:hueOff val="0"/>
+            <a:satOff val="0"/>
+            <a:lumOff val="0"/>
+            <a:alphaOff val="0"/>
+          </a:schemeClr>
+        </a:solidFill>
+        <a:ln>
+          <a:noFill/>
+        </a:ln>
+        <a:effectLst/>
+      </dsp:spPr>
+      <dsp:style>
+        <a:lnRef idx="0">
+          <a:scrgbClr r="0" g="0" b="0"/>
+        </a:lnRef>
+        <a:fillRef idx="1">
+          <a:scrgbClr r="0" g="0" b="0"/>
+        </a:fillRef>
+        <a:effectRef idx="0">
+          <a:scrgbClr r="0" g="0" b="0"/>
+        </a:effectRef>
+        <a:fontRef idx="minor">
+          <a:schemeClr val="lt1"/>
+        </a:fontRef>
+      </dsp:style>
+      <dsp:txBody>
+        <a:bodyPr spcFirstLastPara="0" vert="horz" wrap="square" lIns="0" tIns="0" rIns="0" bIns="0" numCol="1" spcCol="1270" anchor="ctr" anchorCtr="0">
+          <a:noAutofit/>
+        </a:bodyPr>
+        <a:lstStyle/>
+        <a:p>
+          <a:pPr marL="0" lvl="0" indent="0" algn="ctr" defTabSz="844550">
+            <a:lnSpc>
+              <a:spcPct val="90000"/>
+            </a:lnSpc>
+            <a:spcBef>
+              <a:spcPct val="0"/>
+            </a:spcBef>
+            <a:spcAft>
+              <a:spcPct val="35000"/>
+            </a:spcAft>
+            <a:buNone/>
+          </a:pPr>
+          <a:endParaRPr lang="de-DE" sz="1900" kern="1200"/>
+        </a:p>
+      </dsp:txBody>
+      <dsp:txXfrm>
+        <a:off x="2061927" y="2013554"/>
+        <a:ext cx="324859" cy="324854"/>
+      </dsp:txXfrm>
+    </dsp:sp>
+    <dsp:sp modelId="{08673AF8-4711-4153-AD5F-329EF9372DAC}">
+      <dsp:nvSpPr>
+        <dsp:cNvPr id="0" name=""/>
+        <dsp:cNvSpPr/>
+      </dsp:nvSpPr>
+      <dsp:spPr>
+        <a:xfrm>
+          <a:off x="2718650" y="1579765"/>
+          <a:ext cx="1965909" cy="1191806"/>
+        </a:xfrm>
+        <a:prstGeom prst="roundRect">
+          <a:avLst>
+            <a:gd name="adj" fmla="val 10000"/>
+          </a:avLst>
+        </a:prstGeom>
+        <a:solidFill>
+          <a:schemeClr val="accent4">
+            <a:hueOff val="0"/>
+            <a:satOff val="0"/>
+            <a:lumOff val="0"/>
+            <a:alphaOff val="0"/>
+          </a:schemeClr>
+        </a:solidFill>
+        <a:ln w="12700" cap="flat" cmpd="sng" algn="ctr">
+          <a:solidFill>
+            <a:schemeClr val="lt1">
+              <a:hueOff val="0"/>
+              <a:satOff val="0"/>
+              <a:lumOff val="0"/>
+              <a:alphaOff val="0"/>
+            </a:schemeClr>
+          </a:solidFill>
+          <a:prstDash val="solid"/>
+          <a:miter lim="800000"/>
+        </a:ln>
+        <a:effectLst/>
+      </dsp:spPr>
+      <dsp:style>
+        <a:lnRef idx="2">
+          <a:scrgbClr r="0" g="0" b="0"/>
+        </a:lnRef>
+        <a:fillRef idx="1">
+          <a:scrgbClr r="0" g="0" b="0"/>
+        </a:fillRef>
+        <a:effectRef idx="0">
+          <a:scrgbClr r="0" g="0" b="0"/>
+        </a:effectRef>
+        <a:fontRef idx="minor">
+          <a:schemeClr val="lt1"/>
+        </a:fontRef>
+      </dsp:style>
+      <dsp:txBody>
+        <a:bodyPr spcFirstLastPara="0" vert="horz" wrap="square" lIns="87630" tIns="87630" rIns="87630" bIns="87630" numCol="1" spcCol="1270" anchor="ctr" anchorCtr="0">
+          <a:noAutofit/>
+        </a:bodyPr>
+        <a:lstStyle/>
+        <a:p>
+          <a:pPr marL="0" lvl="0" indent="0" algn="ctr" defTabSz="1022350">
+            <a:lnSpc>
+              <a:spcPct val="90000"/>
+            </a:lnSpc>
+            <a:spcBef>
+              <a:spcPct val="0"/>
+            </a:spcBef>
+            <a:spcAft>
+              <a:spcPct val="35000"/>
+            </a:spcAft>
+            <a:buNone/>
+          </a:pPr>
+          <a:r>
+            <a:rPr lang="de-DE" sz="2300" kern="1200" dirty="0"/>
+            <a:t>IT Management</a:t>
+          </a:r>
+        </a:p>
+      </dsp:txBody>
+      <dsp:txXfrm>
+        <a:off x="2753557" y="1614672"/>
+        <a:ext cx="1896095" cy="1121992"/>
+      </dsp:txXfrm>
+    </dsp:sp>
+    <dsp:sp modelId="{043DA333-4A22-45B7-8336-5B563B1627BF}">
+      <dsp:nvSpPr>
+        <dsp:cNvPr id="0" name=""/>
+        <dsp:cNvSpPr/>
+      </dsp:nvSpPr>
+      <dsp:spPr>
+        <a:xfrm>
+          <a:off x="4902875" y="1904957"/>
+          <a:ext cx="462828" cy="541422"/>
+        </a:xfrm>
+        <a:prstGeom prst="rightArrow">
+          <a:avLst>
+            <a:gd name="adj1" fmla="val 60000"/>
+            <a:gd name="adj2" fmla="val 50000"/>
+          </a:avLst>
+        </a:prstGeom>
+        <a:solidFill>
+          <a:schemeClr val="accent4">
+            <a:tint val="60000"/>
+            <a:hueOff val="0"/>
+            <a:satOff val="0"/>
+            <a:lumOff val="0"/>
+            <a:alphaOff val="0"/>
+          </a:schemeClr>
+        </a:solidFill>
+        <a:ln>
+          <a:noFill/>
+        </a:ln>
+        <a:effectLst/>
+      </dsp:spPr>
+      <dsp:style>
+        <a:lnRef idx="0">
+          <a:scrgbClr r="0" g="0" b="0"/>
+        </a:lnRef>
+        <a:fillRef idx="1">
+          <a:scrgbClr r="0" g="0" b="0"/>
+        </a:fillRef>
+        <a:effectRef idx="0">
+          <a:scrgbClr r="0" g="0" b="0"/>
+        </a:effectRef>
+        <a:fontRef idx="minor">
+          <a:schemeClr val="lt1"/>
+        </a:fontRef>
+      </dsp:style>
+      <dsp:txBody>
+        <a:bodyPr spcFirstLastPara="0" vert="horz" wrap="square" lIns="0" tIns="0" rIns="0" bIns="0" numCol="1" spcCol="1270" anchor="ctr" anchorCtr="0">
+          <a:noAutofit/>
+        </a:bodyPr>
+        <a:lstStyle/>
+        <a:p>
+          <a:pPr marL="0" lvl="0" indent="0" algn="ctr" defTabSz="844550">
+            <a:lnSpc>
+              <a:spcPct val="90000"/>
+            </a:lnSpc>
+            <a:spcBef>
+              <a:spcPct val="0"/>
+            </a:spcBef>
+            <a:spcAft>
+              <a:spcPct val="35000"/>
+            </a:spcAft>
+            <a:buNone/>
+          </a:pPr>
+          <a:endParaRPr lang="de-DE" sz="1900" kern="1200"/>
+        </a:p>
+      </dsp:txBody>
+      <dsp:txXfrm>
+        <a:off x="4902875" y="2013241"/>
+        <a:ext cx="323980" cy="324854"/>
+      </dsp:txXfrm>
+    </dsp:sp>
+    <dsp:sp modelId="{21B31B7C-78A5-4D14-8F8B-8F9BB162F2C5}">
+      <dsp:nvSpPr>
+        <dsp:cNvPr id="0" name=""/>
+        <dsp:cNvSpPr/>
+      </dsp:nvSpPr>
+      <dsp:spPr>
+        <a:xfrm>
+          <a:off x="5557821" y="1520721"/>
+          <a:ext cx="2183155" cy="1309893"/>
+        </a:xfrm>
+        <a:prstGeom prst="roundRect">
+          <a:avLst>
+            <a:gd name="adj" fmla="val 10000"/>
+          </a:avLst>
+        </a:prstGeom>
+        <a:solidFill>
+          <a:schemeClr val="accent4">
+            <a:hueOff val="0"/>
+            <a:satOff val="0"/>
+            <a:lumOff val="0"/>
+            <a:alphaOff val="0"/>
+          </a:schemeClr>
+        </a:solidFill>
+        <a:ln w="12700" cap="flat" cmpd="sng" algn="ctr">
+          <a:solidFill>
+            <a:schemeClr val="lt1">
+              <a:hueOff val="0"/>
+              <a:satOff val="0"/>
+              <a:lumOff val="0"/>
+              <a:alphaOff val="0"/>
+            </a:schemeClr>
+          </a:solidFill>
+          <a:prstDash val="solid"/>
+          <a:miter lim="800000"/>
+        </a:ln>
+        <a:effectLst/>
+      </dsp:spPr>
+      <dsp:style>
+        <a:lnRef idx="2">
+          <a:scrgbClr r="0" g="0" b="0"/>
+        </a:lnRef>
+        <a:fillRef idx="1">
+          <a:scrgbClr r="0" g="0" b="0"/>
+        </a:fillRef>
+        <a:effectRef idx="0">
+          <a:scrgbClr r="0" g="0" b="0"/>
+        </a:effectRef>
+        <a:fontRef idx="minor">
+          <a:schemeClr val="lt1"/>
+        </a:fontRef>
+      </dsp:style>
+      <dsp:txBody>
+        <a:bodyPr spcFirstLastPara="0" vert="horz" wrap="square" lIns="87630" tIns="87630" rIns="87630" bIns="87630" numCol="1" spcCol="1270" anchor="ctr" anchorCtr="0">
+          <a:noAutofit/>
+        </a:bodyPr>
+        <a:lstStyle/>
+        <a:p>
+          <a:pPr marL="0" lvl="0" indent="0" algn="ctr" defTabSz="1022350">
+            <a:lnSpc>
+              <a:spcPct val="90000"/>
+            </a:lnSpc>
+            <a:spcBef>
+              <a:spcPct val="0"/>
+            </a:spcBef>
+            <a:spcAft>
+              <a:spcPct val="35000"/>
+            </a:spcAft>
+            <a:buNone/>
+          </a:pPr>
+          <a:r>
+            <a:rPr lang="de-DE" sz="2300" kern="1200"/>
+            <a:t>IT Service Management</a:t>
+          </a:r>
+          <a:endParaRPr lang="de-DE" sz="2300" kern="1200" dirty="0"/>
+        </a:p>
+      </dsp:txBody>
+      <dsp:txXfrm>
+        <a:off x="5596186" y="1559086"/>
+        <a:ext cx="2106425" cy="1233163"/>
+      </dsp:txXfrm>
+    </dsp:sp>
+    <dsp:sp modelId="{FA6C90B7-3D36-4711-AD7F-6DE129D5B45A}">
+      <dsp:nvSpPr>
+        <dsp:cNvPr id="0" name=""/>
+        <dsp:cNvSpPr/>
+      </dsp:nvSpPr>
+      <dsp:spPr>
+        <a:xfrm>
+          <a:off x="7959292" y="1904957"/>
+          <a:ext cx="462828" cy="541422"/>
+        </a:xfrm>
+        <a:prstGeom prst="rightArrow">
+          <a:avLst>
+            <a:gd name="adj1" fmla="val 60000"/>
+            <a:gd name="adj2" fmla="val 50000"/>
+          </a:avLst>
+        </a:prstGeom>
+        <a:solidFill>
+          <a:schemeClr val="accent4">
+            <a:tint val="60000"/>
+            <a:hueOff val="0"/>
+            <a:satOff val="0"/>
+            <a:lumOff val="0"/>
+            <a:alphaOff val="0"/>
+          </a:schemeClr>
+        </a:solidFill>
+        <a:ln>
+          <a:noFill/>
+        </a:ln>
+        <a:effectLst/>
+      </dsp:spPr>
+      <dsp:style>
+        <a:lnRef idx="0">
+          <a:scrgbClr r="0" g="0" b="0"/>
+        </a:lnRef>
+        <a:fillRef idx="1">
+          <a:scrgbClr r="0" g="0" b="0"/>
+        </a:fillRef>
+        <a:effectRef idx="0">
+          <a:scrgbClr r="0" g="0" b="0"/>
+        </a:effectRef>
+        <a:fontRef idx="minor">
+          <a:schemeClr val="lt1"/>
+        </a:fontRef>
+      </dsp:style>
+      <dsp:txBody>
+        <a:bodyPr spcFirstLastPara="0" vert="horz" wrap="square" lIns="0" tIns="0" rIns="0" bIns="0" numCol="1" spcCol="1270" anchor="ctr" anchorCtr="0">
+          <a:noAutofit/>
+        </a:bodyPr>
+        <a:lstStyle/>
+        <a:p>
+          <a:pPr marL="0" lvl="0" indent="0" algn="ctr" defTabSz="844550">
+            <a:lnSpc>
+              <a:spcPct val="90000"/>
+            </a:lnSpc>
+            <a:spcBef>
+              <a:spcPct val="0"/>
+            </a:spcBef>
+            <a:spcAft>
+              <a:spcPct val="35000"/>
+            </a:spcAft>
+            <a:buNone/>
+          </a:pPr>
+          <a:endParaRPr lang="de-DE" sz="1900" kern="1200"/>
+        </a:p>
+      </dsp:txBody>
+      <dsp:txXfrm>
+        <a:off x="7959292" y="2013241"/>
+        <a:ext cx="323980" cy="324854"/>
+      </dsp:txXfrm>
+    </dsp:sp>
+    <dsp:sp modelId="{7319EE50-B1F6-4875-8CFC-3DC2B1ADD8A5}">
+      <dsp:nvSpPr>
+        <dsp:cNvPr id="0" name=""/>
+        <dsp:cNvSpPr/>
+      </dsp:nvSpPr>
+      <dsp:spPr>
+        <a:xfrm>
+          <a:off x="8614239" y="1520721"/>
+          <a:ext cx="2183155" cy="1309893"/>
+        </a:xfrm>
+        <a:prstGeom prst="roundRect">
+          <a:avLst>
+            <a:gd name="adj" fmla="val 10000"/>
+          </a:avLst>
+        </a:prstGeom>
+        <a:solidFill>
+          <a:schemeClr val="accent4">
+            <a:hueOff val="0"/>
+            <a:satOff val="0"/>
+            <a:lumOff val="0"/>
+            <a:alphaOff val="0"/>
+          </a:schemeClr>
+        </a:solidFill>
+        <a:ln w="12700" cap="flat" cmpd="sng" algn="ctr">
+          <a:solidFill>
+            <a:schemeClr val="lt1">
+              <a:hueOff val="0"/>
+              <a:satOff val="0"/>
+              <a:lumOff val="0"/>
+              <a:alphaOff val="0"/>
+            </a:schemeClr>
+          </a:solidFill>
+          <a:prstDash val="solid"/>
+          <a:miter lim="800000"/>
+        </a:ln>
+        <a:effectLst/>
+      </dsp:spPr>
+      <dsp:style>
+        <a:lnRef idx="2">
+          <a:scrgbClr r="0" g="0" b="0"/>
+        </a:lnRef>
+        <a:fillRef idx="1">
+          <a:scrgbClr r="0" g="0" b="0"/>
+        </a:fillRef>
+        <a:effectRef idx="0">
+          <a:scrgbClr r="0" g="0" b="0"/>
+        </a:effectRef>
+        <a:fontRef idx="minor">
+          <a:schemeClr val="lt1"/>
+        </a:fontRef>
+      </dsp:style>
+      <dsp:txBody>
+        <a:bodyPr spcFirstLastPara="0" vert="horz" wrap="square" lIns="87630" tIns="87630" rIns="87630" bIns="87630" numCol="1" spcCol="1270" anchor="ctr" anchorCtr="0">
+          <a:noAutofit/>
+        </a:bodyPr>
+        <a:lstStyle/>
+        <a:p>
+          <a:pPr marL="0" lvl="0" indent="0" algn="ctr" defTabSz="1022350">
+            <a:lnSpc>
+              <a:spcPct val="90000"/>
+            </a:lnSpc>
+            <a:spcBef>
+              <a:spcPct val="0"/>
+            </a:spcBef>
+            <a:spcAft>
+              <a:spcPct val="35000"/>
+            </a:spcAft>
+            <a:buNone/>
+          </a:pPr>
+          <a:r>
+            <a:rPr lang="de-DE" sz="2300" kern="1200" dirty="0"/>
+            <a:t>ISO/IEC 2000</a:t>
+          </a:r>
+        </a:p>
+      </dsp:txBody>
+      <dsp:txXfrm>
+        <a:off x="8652604" y="1559086"/>
+        <a:ext cx="2106425" cy="1233163"/>
+      </dsp:txXfrm>
+    </dsp:sp>
+  </dsp:spTree>
+</dsp:drawing>
+</file>
+
+<file path=ppt/diagrams/layout1.xml><?xml version="1.0" encoding="utf-8"?>
+<dgm:layoutDef xmlns:dgm="http://schemas.openxmlformats.org/drawingml/2006/diagram" xmlns:a="http://schemas.openxmlformats.org/drawingml/2006/main" uniqueId="urn:microsoft.com/office/officeart/2009/3/layout/StepUpProcess">
+  <dgm:title val=""/>
+  <dgm:desc val=""/>
+  <dgm:catLst>
+    <dgm:cat type="process" pri="1300"/>
+  </dgm:catLst>
+  <dgm:sampData>
+    <dgm:dataModel>
+      <dgm:ptLst>
+        <dgm:pt modelId="0" type="doc"/>
+        <dgm:pt modelId="10">
+          <dgm:prSet phldr="1"/>
+        </dgm:pt>
+        <dgm:pt modelId="20">
+          <dgm:prSet phldr="1"/>
+        </dgm:pt>
+        <dgm:pt modelId="30">
+          <dgm:prSet phldr="1"/>
+        </dgm:pt>
+      </dgm:ptLst>
+      <dgm:cxnLst>
+        <dgm:cxn modelId="60" srcId="0" destId="10" srcOrd="0" destOrd="0"/>
+        <dgm:cxn modelId="70" srcId="0" destId="20" srcOrd="1" destOrd="0"/>
+        <dgm:cxn modelId="80" srcId="0" destId="30" srcOrd="2" destOrd="0"/>
+      </dgm:cxnLst>
+      <dgm:bg/>
+      <dgm:whole/>
+    </dgm:dataModel>
+  </dgm:sampData>
+  <dgm:styleData>
+    <dgm:dataModel>
+      <dgm:ptLst>
+        <dgm:pt modelId="0" type="doc"/>
+        <dgm:pt modelId="10">
+          <dgm:prSet phldr="1"/>
+        </dgm:pt>
+        <dgm:pt modelId="20">
+          <dgm:prSet phldr="1"/>
+        </dgm:pt>
+      </dgm:ptLst>
+      <dgm:cxnLst>
+        <dgm:cxn modelId="60" srcId="0" destId="10" srcOrd="0" destOrd="0"/>
+        <dgm:cxn modelId="70" srcId="0" destId="20" srcOrd="1" destOrd="0"/>
+      </dgm:cxnLst>
+      <dgm:bg/>
+      <dgm:whole/>
+    </dgm:dataModel>
+  </dgm:styleData>
+  <dgm:clrData>
+    <dgm:dataModel>
+      <dgm:ptLst>
+        <dgm:pt modelId="0" type="doc"/>
+        <dgm:pt modelId="10">
+          <dgm:prSet phldr="1"/>
+        </dgm:pt>
+        <dgm:pt modelId="20">
+          <dgm:prSet phldr="1"/>
+        </dgm:pt>
+        <dgm:pt modelId="30">
+          <dgm:prSet phldr="1"/>
+        </dgm:pt>
+        <dgm:pt modelId="40">
+          <dgm:prSet phldr="1"/>
+        </dgm:pt>
+      </dgm:ptLst>
+      <dgm:cxnLst>
+        <dgm:cxn modelId="60" srcId="0" destId="10" srcOrd="0" destOrd="0"/>
+        <dgm:cxn modelId="70" srcId="0" destId="20" srcOrd="1" destOrd="0"/>
+        <dgm:cxn modelId="80" srcId="0" destId="30" srcOrd="2" destOrd="0"/>
+        <dgm:cxn modelId="90" srcId="0" destId="40" srcOrd="3" destOrd="0"/>
+      </dgm:cxnLst>
+      <dgm:bg/>
+      <dgm:whole/>
+    </dgm:dataModel>
+  </dgm:clrData>
+  <dgm:layoutNode name="rootnode">
+    <dgm:varLst>
+      <dgm:chMax/>
+      <dgm:chPref/>
+      <dgm:dir/>
+      <dgm:animLvl val="lvl"/>
+    </dgm:varLst>
+    <dgm:choose name="Name0">
+      <dgm:if name="Name1" func="var" arg="dir" op="equ" val="norm">
+        <dgm:alg type="snake">
+          <dgm:param type="grDir" val="bL"/>
+          <dgm:param type="flowDir" val="row"/>
+          <dgm:param type="off" val="off"/>
+          <dgm:param type="bkpt" val="fixed"/>
+          <dgm:param type="bkPtFixedVal" val="1"/>
+        </dgm:alg>
+      </dgm:if>
+      <dgm:else name="Name2">
+        <dgm:alg type="snake">
+          <dgm:param type="grDir" val="bR"/>
+          <dgm:param type="flowDir" val="row"/>
+          <dgm:param type="off" val="off"/>
+          <dgm:param type="bkpt" val="fixed"/>
+          <dgm:param type="bkPtFixedVal" val="1"/>
+        </dgm:alg>
+      </dgm:else>
+    </dgm:choose>
+    <dgm:shape xmlns:r="http://schemas.openxmlformats.org/officeDocument/2006/relationships" r:blip="">
+      <dgm:adjLst/>
+    </dgm:shape>
+    <dgm:constrLst>
+      <dgm:constr type="alignOff" forName="rootnode" val="1"/>
+      <dgm:constr type="primFontSz" for="des" ptType="node" op="equ" val="65"/>
+      <dgm:constr type="w" for="ch" forName="composite" refType="w"/>
+      <dgm:constr type="h" for="ch" forName="composite" refType="h"/>
+      <dgm:constr type="sp" refType="h" refFor="ch" refForName="composite" op="equ" fact="-0.765"/>
+      <dgm:constr type="w" for="ch" forName="sibTrans" refType="w" fact="0.103"/>
+      <dgm:constr type="h" for="ch" forName="sibTrans" refType="h" fact="0.103"/>
+    </dgm:constrLst>
+    <dgm:forEach name="nodesForEach" axis="ch" ptType="node">
+      <dgm:layoutNode name="composite">
+        <dgm:alg type="composite">
+          <dgm:param type="ar" val="0.861"/>
+        </dgm:alg>
+        <dgm:shape xmlns:r="http://schemas.openxmlformats.org/officeDocument/2006/relationships" r:blip="">
+          <dgm:adjLst/>
+        </dgm:shape>
+        <dgm:choose name="Name3">
+          <dgm:if name="Name4" func="var" arg="dir" op="equ" val="norm">
+            <dgm:constrLst>
+              <dgm:constr type="l" for="ch" forName="LShape" refType="w" fact="0"/>
+              <dgm:constr type="t" for="ch" forName="LShape" refType="h" fact="0.2347"/>
+              <dgm:constr type="w" for="ch" forName="LShape" refType="w" fact="0.998"/>
+              <dgm:constr type="h" for="ch" forName="LShape" refType="h" fact="0.5164"/>
+              <dgm:constr type="r" for="ch" forName="ParentText" refType="w"/>
+              <dgm:constr type="t" for="ch" forName="ParentText" refType="h" fact="0.32"/>
+              <dgm:constr type="w" for="ch" forName="ParentText" refType="w" fact="0.901"/>
+              <dgm:constr type="h" for="ch" forName="ParentText" refType="h" fact="0.68"/>
+              <dgm:constr type="l" for="ch" forName="Triangle" refType="w" fact="0.83"/>
+              <dgm:constr type="t" for="ch" forName="Triangle" refType="h" fact="0"/>
+              <dgm:constr type="w" for="ch" forName="Triangle" refType="w" fact="0.17"/>
+              <dgm:constr type="h" for="ch" forName="Triangle" refType="w" refFor="ch" refForName="Triangle"/>
+            </dgm:constrLst>
+          </dgm:if>
+          <dgm:else name="Name5">
+            <dgm:constrLst>
+              <dgm:constr type="l" for="ch" forName="LShape" refType="w" fact="0.002"/>
+              <dgm:constr type="t" for="ch" forName="LShape" refType="h" fact="0.2347"/>
+              <dgm:constr type="w" for="ch" forName="LShape" refType="w"/>
+              <dgm:constr type="h" for="ch" forName="LShape" refType="h" fact="0.5164"/>
+              <dgm:constr type="l" for="ch" forName="ParentText" refType="w" fact="0"/>
+              <dgm:constr type="t" for="ch" forName="ParentText" refType="h" fact="0.32"/>
+              <dgm:constr type="w" for="ch" forName="ParentText" refType="w" fact="0.902"/>
+              <dgm:constr type="h" for="ch" forName="ParentText" refType="h" fact="0.68"/>
+              <dgm:constr type="l" for="ch" forName="Triangle" refType="w" fact="0"/>
+              <dgm:constr type="t" for="ch" forName="Triangle" refType="h" fact="0"/>
+              <dgm:constr type="w" for="ch" forName="Triangle" refType="w" fact="0.17"/>
+              <dgm:constr type="h" for="ch" forName="Triangle" refType="w" refFor="ch" refForName="Triangle"/>
+            </dgm:constrLst>
+          </dgm:else>
+        </dgm:choose>
+        <dgm:layoutNode name="LShape" styleLbl="alignNode1">
+          <dgm:alg type="sp"/>
+          <dgm:choose name="Name6">
+            <dgm:if name="Name7" func="var" arg="dir" op="equ" val="norm">
+              <dgm:shape xmlns:r="http://schemas.openxmlformats.org/officeDocument/2006/relationships" rot="90" type="corner" r:blip="">
+                <dgm:adjLst>
+                  <dgm:adj idx="1" val="0.1612"/>
+                  <dgm:adj idx="2" val="0.1611"/>
+                </dgm:adjLst>
+              </dgm:shape>
+            </dgm:if>
+            <dgm:else name="Name8">
+              <dgm:shape xmlns:r="http://schemas.openxmlformats.org/officeDocument/2006/relationships" rot="180" type="corner" r:blip="">
+                <dgm:adjLst>
+                  <dgm:adj idx="1" val="0.1612"/>
+                  <dgm:adj idx="2" val="0.1611"/>
+                </dgm:adjLst>
+              </dgm:shape>
+            </dgm:else>
+          </dgm:choose>
+          <dgm:presOf/>
+        </dgm:layoutNode>
+        <dgm:layoutNode name="ParentText" styleLbl="revTx">
+          <dgm:varLst>
+            <dgm:chMax val="0"/>
+            <dgm:chPref val="0"/>
+            <dgm:bulletEnabled val="1"/>
+          </dgm:varLst>
+          <dgm:alg type="tx">
+            <dgm:param type="parTxLTRAlign" val="l"/>
+            <dgm:param type="txAnchorVert" val="t"/>
+          </dgm:alg>
+          <dgm:shape xmlns:r="http://schemas.openxmlformats.org/officeDocument/2006/relationships" type="rect" r:blip="">
+            <dgm:adjLst/>
+          </dgm:shape>
+          <dgm:presOf axis="desOrSelf" ptType="node"/>
+          <dgm:constrLst>
+            <dgm:constr type="lMarg" refType="primFontSz" fact="0.3"/>
+            <dgm:constr type="rMarg" refType="primFontSz" fact="0.3"/>
+            <dgm:constr type="tMarg" refType="primFontSz" fact="0.3"/>
+            <dgm:constr type="bMarg" refType="primFontSz" fact="0.3"/>
+          </dgm:constrLst>
+          <dgm:ruleLst>
+            <dgm:rule type="primFontSz" val="5" fact="NaN" max="NaN"/>
+          </dgm:ruleLst>
+        </dgm:layoutNode>
+        <dgm:choose name="Name9">
+          <dgm:if name="Name10" axis="followSib" ptType="node" func="cnt" op="gte" val="1">
+            <dgm:layoutNode name="Triangle" styleLbl="alignNode1">
+              <dgm:alg type="sp"/>
+              <dgm:choose name="Name11">
+                <dgm:if name="Name12" func="var" arg="dir" op="equ" val="norm">
+                  <dgm:shape xmlns:r="http://schemas.openxmlformats.org/officeDocument/2006/relationships" type="triangle" r:blip="">
+                    <dgm:adjLst>
+                      <dgm:adj idx="1" val="1"/>
+                    </dgm:adjLst>
+                  </dgm:shape>
+                </dgm:if>
+                <dgm:else name="Name13">
+                  <dgm:shape xmlns:r="http://schemas.openxmlformats.org/officeDocument/2006/relationships" rot="90" type="triangle" r:blip="">
+                    <dgm:adjLst>
+                      <dgm:adj idx="1" val="1"/>
+                    </dgm:adjLst>
+                  </dgm:shape>
+                </dgm:else>
+              </dgm:choose>
+              <dgm:presOf/>
+            </dgm:layoutNode>
+          </dgm:if>
+          <dgm:else name="Name14"/>
+        </dgm:choose>
+      </dgm:layoutNode>
+      <dgm:forEach name="sibTransForEach" axis="followSib" ptType="sibTrans" cnt="1">
+        <dgm:layoutNode name="sibTrans">
+          <dgm:alg type="composite">
+            <dgm:param type="ar" val="0.861"/>
+          </dgm:alg>
+          <dgm:constrLst>
+            <dgm:constr type="w" for="ch" forName="space" refType="w"/>
+            <dgm:constr type="h" for="ch" forName="space" refType="w"/>
+          </dgm:constrLst>
+          <dgm:layoutNode name="space" styleLbl="alignNode1">
+            <dgm:alg type="sp"/>
+            <dgm:shape xmlns:r="http://schemas.openxmlformats.org/officeDocument/2006/relationships" r:blip="">
+              <dgm:adjLst/>
+            </dgm:shape>
+            <dgm:presOf/>
+          </dgm:layoutNode>
+        </dgm:layoutNode>
+      </dgm:forEach>
+    </dgm:forEach>
+  </dgm:layoutNode>
+</dgm:layoutDef>
+</file>
+
+<file path=ppt/diagrams/layout2.xml><?xml version="1.0" encoding="utf-8"?>
+<dgm:layoutDef xmlns:dgm="http://schemas.openxmlformats.org/drawingml/2006/diagram" xmlns:a="http://schemas.openxmlformats.org/drawingml/2006/main" uniqueId="urn:microsoft.com/office/officeart/2005/8/layout/process1">
+  <dgm:title val=""/>
+  <dgm:desc val=""/>
+  <dgm:catLst>
+    <dgm:cat type="process" pri="1000"/>
+    <dgm:cat type="convert" pri="15000"/>
+  </dgm:catLst>
+  <dgm:sampData useDef="1">
+    <dgm:dataModel>
+      <dgm:ptLst/>
+      <dgm:bg/>
+      <dgm:whole/>
+    </dgm:dataModel>
+  </dgm:sampData>
+  <dgm:styleData>
+    <dgm:dataModel>
+      <dgm:ptLst>
+        <dgm:pt modelId="0" type="doc"/>
+        <dgm:pt modelId="1"/>
+        <dgm:pt modelId="2"/>
+      </dgm:ptLst>
+      <dgm:cxnLst>
+        <dgm:cxn modelId="3" srcId="0" destId="1" srcOrd="0" destOrd="0"/>
+        <dgm:cxn modelId="4" srcId="0" destId="2" srcOrd="1" destOrd="0"/>
+      </dgm:cxnLst>
+      <dgm:bg/>
+      <dgm:whole/>
+    </dgm:dataModel>
+  </dgm:styleData>
+  <dgm:clrData>
+    <dgm:dataModel>
+      <dgm:ptLst>
+        <dgm:pt modelId="0" type="doc"/>
+        <dgm:pt modelId="1"/>
+        <dgm:pt modelId="2"/>
+        <dgm:pt modelId="3"/>
+        <dgm:pt modelId="4"/>
+      </dgm:ptLst>
+      <dgm:cxnLst>
+        <dgm:cxn modelId="5" srcId="0" destId="1" srcOrd="0" destOrd="0"/>
+        <dgm:cxn modelId="6" srcId="0" destId="2" srcOrd="1" destOrd="0"/>
+        <dgm:cxn modelId="7" srcId="0" destId="3" srcOrd="2" destOrd="0"/>
+        <dgm:cxn modelId="8" srcId="0" destId="4" srcOrd="3" destOrd="0"/>
+      </dgm:cxnLst>
+      <dgm:bg/>
+      <dgm:whole/>
+    </dgm:dataModel>
+  </dgm:clrData>
+  <dgm:layoutNode name="Name0">
+    <dgm:varLst>
+      <dgm:dir/>
+      <dgm:resizeHandles val="exact"/>
+    </dgm:varLst>
+    <dgm:choose name="Name1">
+      <dgm:if name="Name2" func="var" arg="dir" op="equ" val="norm">
+        <dgm:alg type="lin"/>
+      </dgm:if>
+      <dgm:else name="Name3">
+        <dgm:alg type="lin">
+          <dgm:param type="linDir" val="fromR"/>
+        </dgm:alg>
+      </dgm:else>
+    </dgm:choose>
+    <dgm:shape xmlns:r="http://schemas.openxmlformats.org/officeDocument/2006/relationships" r:blip="">
+      <dgm:adjLst/>
+    </dgm:shape>
+    <dgm:presOf/>
+    <dgm:constrLst>
+      <dgm:constr type="w" for="ch" ptType="node" refType="w"/>
+      <dgm:constr type="h" for="ch" ptType="node" op="equ"/>
+      <dgm:constr type="primFontSz" for="ch" ptType="node" op="equ" val="65"/>
+      <dgm:constr type="w" for="ch" ptType="sibTrans" refType="w" refFor="ch" refPtType="node" op="equ" fact="0.4"/>
+      <dgm:constr type="h" for="ch" ptType="sibTrans" op="equ"/>
+      <dgm:constr type="primFontSz" for="des" forName="connectorText" op="equ" val="55"/>
+      <dgm:constr type="primFontSz" for="des" forName="connectorText" refType="primFontSz" refFor="ch" refPtType="node" op="lte" fact="0.8"/>
+    </dgm:constrLst>
+    <dgm:ruleLst/>
+    <dgm:forEach name="nodesForEach" axis="ch" ptType="node">
+      <dgm:layoutNode name="node">
+        <dgm:varLst>
+          <dgm:bulletEnabled val="1"/>
+        </dgm:varLst>
+        <dgm:alg type="tx"/>
+        <dgm:shape xmlns:r="http://schemas.openxmlformats.org/officeDocument/2006/relationships" type="roundRect" r:blip="">
+          <dgm:adjLst>
+            <dgm:adj idx="1" val="0.1"/>
+          </dgm:adjLst>
+        </dgm:shape>
+        <dgm:presOf axis="desOrSelf" ptType="node"/>
+        <dgm:constrLst>
+          <dgm:constr type="h" refType="w" fact="0.6"/>
+          <dgm:constr type="tMarg" refType="primFontSz" fact="0.3"/>
+          <dgm:constr type="bMarg" refType="primFontSz" fact="0.3"/>
+          <dgm:constr type="lMarg" refType="primFontSz" fact="0.3"/>
+          <dgm:constr type="rMarg" refType="primFontSz" fact="0.3"/>
+        </dgm:constrLst>
+        <dgm:ruleLst>
+          <dgm:rule type="primFontSz" val="18" fact="NaN" max="NaN"/>
+          <dgm:rule type="h" val="NaN" fact="1.5" max="NaN"/>
+          <dgm:rule type="primFontSz" val="5" fact="NaN" max="NaN"/>
+          <dgm:rule type="h" val="INF" fact="NaN" max="NaN"/>
+        </dgm:ruleLst>
+      </dgm:layoutNode>
+      <dgm:forEach name="sibTransForEach" axis="followSib" ptType="sibTrans" cnt="1">
+        <dgm:layoutNode name="sibTrans">
+          <dgm:alg type="conn">
+            <dgm:param type="begPts" val="auto"/>
+            <dgm:param type="endPts" val="auto"/>
+          </dgm:alg>
+          <dgm:shape xmlns:r="http://schemas.openxmlformats.org/officeDocument/2006/relationships" type="conn" r:blip="">
+            <dgm:adjLst/>
+          </dgm:shape>
+          <dgm:presOf axis="self"/>
+          <dgm:constrLst>
+            <dgm:constr type="h" refType="w" fact="0.62"/>
+            <dgm:constr type="connDist"/>
+            <dgm:constr type="begPad" refType="connDist" fact="0.25"/>
+            <dgm:constr type="endPad" refType="connDist" fact="0.22"/>
+          </dgm:constrLst>
+          <dgm:ruleLst/>
+          <dgm:layoutNode name="connectorText">
+            <dgm:alg type="tx">
+              <dgm:param type="autoTxRot" val="grav"/>
+            </dgm:alg>
+            <dgm:shape xmlns:r="http://schemas.openxmlformats.org/officeDocument/2006/relationships" type="conn" r:blip="" hideGeom="1">
+              <dgm:adjLst/>
+            </dgm:shape>
+            <dgm:presOf axis="self"/>
+            <dgm:constrLst>
+              <dgm:constr type="lMarg"/>
+              <dgm:constr type="rMarg"/>
+              <dgm:constr type="tMarg"/>
+              <dgm:constr type="bMarg"/>
+            </dgm:constrLst>
+            <dgm:ruleLst>
+              <dgm:rule type="primFontSz" val="5" fact="NaN" max="NaN"/>
+            </dgm:ruleLst>
+          </dgm:layoutNode>
+        </dgm:layoutNode>
+      </dgm:forEach>
+    </dgm:forEach>
+  </dgm:layoutNode>
+</dgm:layoutDef>
+</file>
+
+<file path=ppt/diagrams/quickStyle1.xml><?xml version="1.0" encoding="utf-8"?>
+<dgm:styleDef xmlns:dgm="http://schemas.openxmlformats.org/drawingml/2006/diagram" xmlns:a="http://schemas.openxmlformats.org/drawingml/2006/main" uniqueId="urn:microsoft.com/office/officeart/2005/8/quickstyle/simple1">
+  <dgm:title val=""/>
+  <dgm:desc val=""/>
+  <dgm:catLst>
+    <dgm:cat type="simple" pri="10100"/>
+  </dgm:catLst>
+  <dgm:scene3d>
+    <a:camera prst="orthographicFront"/>
+    <a:lightRig rig="threePt" dir="t"/>
+  </dgm:scene3d>
+  <dgm:styleLbl name="node0">
+    <dgm:scene3d>
+      <a:camera prst="orthographicFront"/>
+      <a:lightRig rig="threePt" dir="t"/>
+    </dgm:scene3d>
+    <dgm:sp3d/>
+    <dgm:txPr/>
+    <dgm:style>
+      <a:lnRef idx="2">
+        <a:scrgbClr r="0" g="0" b="0"/>
+      </a:lnRef>
+      <a:fillRef idx="1">
+        <a:scrgbClr r="0" g="0" b="0"/>
+      </a:fillRef>
+      <a:effectRef idx="0">
+        <a:scrgbClr r="0" g="0" b="0"/>
+      </a:effectRef>
+      <a:fontRef idx="minor">
+        <a:schemeClr val="lt1"/>
+      </a:fontRef>
+    </dgm:style>
+  </dgm:styleLbl>
+  <dgm:styleLbl name="lnNode1">
+    <dgm:scene3d>
+      <a:camera prst="orthographicFront"/>
+      <a:lightRig rig="threePt" dir="t"/>
+    </dgm:scene3d>
+    <dgm:sp3d/>
+    <dgm:txPr/>
+    <dgm:style>
+      <a:lnRef idx="2">
+        <a:scrgbClr r="0" g="0" b="0"/>
+      </a:lnRef>
+      <a:fillRef idx="1">
+        <a:scrgbClr r="0" g="0" b="0"/>
+      </a:fillRef>
+      <a:effectRef idx="0">
+        <a:scrgbClr r="0" g="0" b="0"/>
+      </a:effectRef>
+      <a:fontRef idx="minor">
+        <a:schemeClr val="lt1"/>
+      </a:fontRef>
+    </dgm:style>
+  </dgm:styleLbl>
+  <dgm:styleLbl name="vennNode1">
+    <dgm:scene3d>
+      <a:camera prst="orthographicFront"/>
+      <a:lightRig rig="threePt" dir="t"/>
+    </dgm:scene3d>
+    <dgm:sp3d/>
+    <dgm:txPr/>
+    <dgm:style>
+      <a:lnRef idx="2">
+        <a:scrgbClr r="0" g="0" b="0"/>
+      </a:lnRef>
+      <a:fillRef idx="1">
+        <a:scrgbClr r="0" g="0" b="0"/>
+      </a:fillRef>
+      <a:effectRef idx="0">
+        <a:scrgbClr r="0" g="0" b="0"/>
+      </a:effectRef>
+      <a:fontRef idx="minor">
+        <a:schemeClr val="tx1"/>
+      </a:fontRef>
+    </dgm:style>
+  </dgm:styleLbl>
+  <dgm:styleLbl name="alignNode1">
+    <dgm:scene3d>
+      <a:camera prst="orthographicFront"/>
+      <a:lightRig rig="threePt" dir="t"/>
+    </dgm:scene3d>
+    <dgm:sp3d/>
+    <dgm:txPr/>
+    <dgm:style>
+      <a:lnRef idx="2">
+        <a:scrgbClr r="0" g="0" b="0"/>
+      </a:lnRef>
+      <a:fillRef idx="1">
+        <a:scrgbClr r="0" g="0" b="0"/>
+      </a:fillRef>
+      <a:effectRef idx="0">
+        <a:scrgbClr r="0" g="0" b="0"/>
+      </a:effectRef>
+      <a:fontRef idx="minor">
+        <a:schemeClr val="lt1"/>
+      </a:fontRef>
+    </dgm:style>
+  </dgm:styleLbl>
+  <dgm:styleLbl name="node1">
+    <dgm:scene3d>
+      <a:camera prst="orthographicFront"/>
+      <a:lightRig rig="threePt" dir="t"/>
+    </dgm:scene3d>
+    <dgm:sp3d/>
+    <dgm:txPr/>
+    <dgm:style>
+      <a:lnRef idx="2">
+        <a:scrgbClr r="0" g="0" b="0"/>
+      </a:lnRef>
+      <a:fillRef idx="1">
+        <a:scrgbClr r="0" g="0" b="0"/>
+      </a:fillRef>
+      <a:effectRef idx="0">
+        <a:scrgbClr r="0" g="0" b="0"/>
+      </a:effectRef>
+      <a:fontRef idx="minor">
+        <a:schemeClr val="lt1"/>
+      </a:fontRef>
+    </dgm:style>
+  </dgm:styleLbl>
+  <dgm:styleLbl name="node2">
+    <dgm:scene3d>
+      <a:camera prst="orthographicFront"/>
+      <a:lightRig rig="threePt" dir="t"/>
+    </dgm:scene3d>
+    <dgm:sp3d/>
+    <dgm:txPr/>
+    <dgm:style>
+      <a:lnRef idx="2">
+        <a:scrgbClr r="0" g="0" b="0"/>
+      </a:lnRef>
+      <a:fillRef idx="1">
+        <a:scrgbClr r="0" g="0" b="0"/>
+      </a:fillRef>
+      <a:effectRef idx="0">
+        <a:scrgbClr r="0" g="0" b="0"/>
+      </a:effectRef>
+      <a:fontRef idx="minor">
+        <a:schemeClr val="lt1"/>
+      </a:fontRef>
+    </dgm:style>
+  </dgm:styleLbl>
+  <dgm:styleLbl name="node3">
+    <dgm:scene3d>
+      <a:camera prst="orthographicFront"/>
+      <a:lightRig rig="threePt" dir="t"/>
+    </dgm:scene3d>
+    <dgm:sp3d/>
+    <dgm:txPr/>
+    <dgm:style>
+      <a:lnRef idx="2">
+        <a:scrgbClr r="0" g="0" b="0"/>
+      </a:lnRef>
+      <a:fillRef idx="1">
+        <a:scrgbClr r="0" g="0" b="0"/>
+      </a:fillRef>
+      <a:effectRef idx="0">
+        <a:scrgbClr r="0" g="0" b="0"/>
+      </a:effectRef>
+      <a:fontRef idx="minor">
+        <a:schemeClr val="lt1"/>
+      </a:fontRef>
+    </dgm:style>
+  </dgm:styleLbl>
+  <dgm:styleLbl name="node4">
+    <dgm:scene3d>
+      <a:camera prst="orthographicFront"/>
+      <a:lightRig rig="threePt" dir="t"/>
+    </dgm:scene3d>
+    <dgm:sp3d/>
+    <dgm:txPr/>
+    <dgm:style>
+      <a:lnRef idx="2">
+        <a:scrgbClr r="0" g="0" b="0"/>
+      </a:lnRef>
+      <a:fillRef idx="1">
+        <a:scrgbClr r="0" g="0" b="0"/>
+      </a:fillRef>
+      <a:effectRef idx="0">
+        <a:scrgbClr r="0" g="0" b="0"/>
+      </a:effectRef>
+      <a:fontRef idx="minor">
+        <a:schemeClr val="lt1"/>
+      </a:fontRef>
+    </dgm:style>
+  </dgm:styleLbl>
+  <dgm:styleLbl name="fgImgPlace1">
+    <dgm:scene3d>
+      <a:camera prst="orthographicFront"/>
+      <a:lightRig rig="threePt" dir="t"/>
+    </dgm:scene3d>
+    <dgm:sp3d/>
+    <dgm:txPr/>
+    <dgm:style>
+      <a:lnRef idx="2">
+        <a:scrgbClr r="0" g="0" b="0"/>
+      </a:lnRef>
+      <a:fillRef idx="1">
+        <a:scrgbClr r="0" g="0" b="0"/>
+      </a:fillRef>
+      <a:effectRef idx="0">
+        <a:scrgbClr r="0" g="0" b="0"/>
+      </a:effectRef>
+      <a:fontRef idx="minor"/>
+    </dgm:style>
+  </dgm:styleLbl>
+  <dgm:styleLbl name="alignImgPlace1">
+    <dgm:scene3d>
+      <a:camera prst="orthographicFront"/>
+      <a:lightRig rig="threePt" dir="t"/>
+    </dgm:scene3d>
+    <dgm:sp3d/>
+    <dgm:txPr/>
+    <dgm:style>
+      <a:lnRef idx="2">
+        <a:scrgbClr r="0" g="0" b="0"/>
+      </a:lnRef>
+      <a:fillRef idx="1">
+        <a:scrgbClr r="0" g="0" b="0"/>
+      </a:fillRef>
+      <a:effectRef idx="0">
+        <a:scrgbClr r="0" g="0" b="0"/>
+      </a:effectRef>
+      <a:fontRef idx="minor"/>
+    </dgm:style>
+  </dgm:styleLbl>
+  <dgm:styleLbl name="bgImgPlace1">
+    <dgm:scene3d>
+      <a:camera prst="orthographicFront"/>
+      <a:lightRig rig="threePt" dir="t"/>
+    </dgm:scene3d>
+    <dgm:sp3d/>
+    <dgm:txPr/>
+    <dgm:style>
+      <a:lnRef idx="2">
+        <a:scrgbClr r="0" g="0" b="0"/>
+      </a:lnRef>
+      <a:fillRef idx="1">
+        <a:scrgbClr r="0" g="0" b="0"/>
+      </a:fillRef>
+      <a:effectRef idx="0">
+        <a:scrgbClr r="0" g="0" b="0"/>
+      </a:effectRef>
+      <a:fontRef idx="minor"/>
+    </dgm:style>
+  </dgm:styleLbl>
+  <dgm:styleLbl name="sibTrans2D1">
+    <dgm:scene3d>
+      <a:camera prst="orthographicFront"/>
+      <a:lightRig rig="threePt" dir="t"/>
+    </dgm:scene3d>
+    <dgm:sp3d/>
+    <dgm:txPr/>
+    <dgm:style>
+      <a:lnRef idx="0">
+        <a:scrgbClr r="0" g="0" b="0"/>
+      </a:lnRef>
+      <a:fillRef idx="1">
+        <a:scrgbClr r="0" g="0" b="0"/>
+      </a:fillRef>
+      <a:effectRef idx="0">
+        <a:scrgbClr r="0" g="0" b="0"/>
+      </a:effectRef>
+      <a:fontRef idx="minor">
+        <a:schemeClr val="lt1"/>
+      </a:fontRef>
+    </dgm:style>
+  </dgm:styleLbl>
+  <dgm:styleLbl name="fgSibTrans2D1">
+    <dgm:scene3d>
+      <a:camera prst="orthographicFront"/>
+      <a:lightRig rig="threePt" dir="t"/>
+    </dgm:scene3d>
+    <dgm:sp3d/>
+    <dgm:txPr/>
+    <dgm:style>
+      <a:lnRef idx="0">
+        <a:scrgbClr r="0" g="0" b="0"/>
+      </a:lnRef>
+      <a:fillRef idx="1">
+        <a:scrgbClr r="0" g="0" b="0"/>
+      </a:fillRef>
+      <a:effectRef idx="0">
+        <a:scrgbClr r="0" g="0" b="0"/>
+      </a:effectRef>
+      <a:fontRef idx="minor">
+        <a:schemeClr val="lt1"/>
+      </a:fontRef>
+    </dgm:style>
+  </dgm:styleLbl>
+  <dgm:styleLbl name="bgSibTrans2D1">
+    <dgm:scene3d>
+      <a:camera prst="orthographicFront"/>
+      <a:lightRig rig="threePt" dir="t"/>
+    </dgm:scene3d>
+    <dgm:sp3d/>
+    <dgm:txPr/>
+    <dgm:style>
+      <a:lnRef idx="0">
+        <a:scrgbClr r="0" g="0" b="0"/>
+      </a:lnRef>
+      <a:fillRef idx="1">
+        <a:scrgbClr r="0" g="0" b="0"/>
+      </a:fillRef>
+      <a:effectRef idx="0">
+        <a:scrgbClr r="0" g="0" b="0"/>
+      </a:effectRef>
+      <a:fontRef idx="minor">
+        <a:schemeClr val="lt1"/>
+      </a:fontRef>
+    </dgm:style>
+  </dgm:styleLbl>
+  <dgm:styleLbl name="sibTrans1D1">
+    <dgm:scene3d>
+      <a:camera prst="orthographicFront"/>
+      <a:lightRig rig="threePt" dir="t"/>
+    </dgm:scene3d>
+    <dgm:sp3d/>
+    <dgm:txPr/>
+    <dgm:style>
+      <a:lnRef idx="1">
+        <a:scrgbClr r="0" g="0" b="0"/>
+      </a:lnRef>
+      <a:fillRef idx="0">
+        <a:scrgbClr r="0" g="0" b="0"/>
+      </a:fillRef>
+      <a:effectRef idx="0">
+        <a:scrgbClr r="0" g="0" b="0"/>
+      </a:effectRef>
+      <a:fontRef idx="minor"/>
+    </dgm:style>
+  </dgm:styleLbl>
+  <dgm:styleLbl name="callout">
+    <dgm:scene3d>
+      <a:camera prst="orthographicFront"/>
+      <a:lightRig rig="threePt" dir="t"/>
+    </dgm:scene3d>
+    <dgm:sp3d/>
+    <dgm:txPr/>
+    <dgm:style>
+      <a:lnRef idx="2">
+        <a:scrgbClr r="0" g="0" b="0"/>
+      </a:lnRef>
+      <a:fillRef idx="1">
+        <a:scrgbClr r="0" g="0" b="0"/>
+      </a:fillRef>
+      <a:effectRef idx="0">
+        <a:scrgbClr r="0" g="0" b="0"/>
+      </a:effectRef>
+      <a:fontRef idx="minor"/>
+    </dgm:style>
+  </dgm:styleLbl>
+  <dgm:styleLbl name="asst0">
+    <dgm:scene3d>
+      <a:camera prst="orthographicFront"/>
+      <a:lightRig rig="threePt" dir="t"/>
+    </dgm:scene3d>
+    <dgm:sp3d/>
+    <dgm:txPr/>
+    <dgm:style>
+      <a:lnRef idx="2">
+        <a:scrgbClr r="0" g="0" b="0"/>
+      </a:lnRef>
+      <a:fillRef idx="1">
+        <a:scrgbClr r="0" g="0" b="0"/>
+      </a:fillRef>
+      <a:effectRef idx="0">
+        <a:scrgbClr r="0" g="0" b="0"/>
+      </a:effectRef>
+      <a:fontRef idx="minor">
+        <a:schemeClr val="lt1"/>
+      </a:fontRef>
+    </dgm:style>
+  </dgm:styleLbl>
+  <dgm:styleLbl name="asst1">
+    <dgm:scene3d>
+      <a:camera prst="orthographicFront"/>
+      <a:lightRig rig="threePt" dir="t"/>
+    </dgm:scene3d>
+    <dgm:sp3d/>
+    <dgm:txPr/>
+    <dgm:style>
+      <a:lnRef idx="2">
+        <a:scrgbClr r="0" g="0" b="0"/>
+      </a:lnRef>
+      <a:fillRef idx="1">
+        <a:scrgbClr r="0" g="0" b="0"/>
+      </a:fillRef>
+      <a:effectRef idx="0">
+        <a:scrgbClr r="0" g="0" b="0"/>
+      </a:effectRef>
+      <a:fontRef idx="minor">
+        <a:schemeClr val="lt1"/>
+      </a:fontRef>
+    </dgm:style>
+  </dgm:styleLbl>
+  <dgm:styleLbl name="asst2">
+    <dgm:scene3d>
+      <a:camera prst="orthographicFront"/>
+      <a:lightRig rig="threePt" dir="t"/>
+    </dgm:scene3d>
+    <dgm:sp3d/>
+    <dgm:txPr/>
+    <dgm:style>
+      <a:lnRef idx="2">
+        <a:scrgbClr r="0" g="0" b="0"/>
+      </a:lnRef>
+      <a:fillRef idx="1">
+        <a:scrgbClr r="0" g="0" b="0"/>
+      </a:fillRef>
+      <a:effectRef idx="0">
+        <a:scrgbClr r="0" g="0" b="0"/>
+      </a:effectRef>
+      <a:fontRef idx="minor">
+        <a:schemeClr val="lt1"/>
+      </a:fontRef>
+    </dgm:style>
+  </dgm:styleLbl>
+  <dgm:styleLbl name="asst3">
+    <dgm:scene3d>
+      <a:camera prst="orthographicFront"/>
+      <a:lightRig rig="threePt" dir="t"/>
+    </dgm:scene3d>
+    <dgm:sp3d/>
+    <dgm:txPr/>
+    <dgm:style>
+      <a:lnRef idx="2">
+        <a:scrgbClr r="0" g="0" b="0"/>
+      </a:lnRef>
+      <a:fillRef idx="1">
+        <a:scrgbClr r="0" g="0" b="0"/>
+      </a:fillRef>
+      <a:effectRef idx="0">
+        <a:scrgbClr r="0" g="0" b="0"/>
+      </a:effectRef>
+      <a:fontRef idx="minor">
+        <a:schemeClr val="lt1"/>
+      </a:fontRef>
+    </dgm:style>
+  </dgm:styleLbl>
+  <dgm:styleLbl name="asst4">
+    <dgm:scene3d>
+      <a:camera prst="orthographicFront"/>
+      <a:lightRig rig="threePt" dir="t"/>
+    </dgm:scene3d>
+    <dgm:sp3d/>
+    <dgm:txPr/>
+    <dgm:style>
+      <a:lnRef idx="2">
+        <a:scrgbClr r="0" g="0" b="0"/>
+      </a:lnRef>
+      <a:fillRef idx="1">
+        <a:scrgbClr r="0" g="0" b="0"/>
+      </a:fillRef>
+      <a:effectRef idx="0">
+        <a:scrgbClr r="0" g="0" b="0"/>
+      </a:effectRef>
+      <a:fontRef idx="minor">
+        <a:schemeClr val="lt1"/>
+      </a:fontRef>
+    </dgm:style>
+  </dgm:styleLbl>
+  <dgm:styleLbl name="parChTrans2D1">
+    <dgm:scene3d>
+      <a:camera prst="orthographicFront"/>
+      <a:lightRig rig="threePt" dir="t"/>
+    </dgm:scene3d>
+    <dgm:sp3d/>
+    <dgm:txPr/>
+    <dgm:style>
+      <a:lnRef idx="2">
+        <a:scrgbClr r="0" g="0" b="0"/>
+      </a:lnRef>
+      <a:fillRef idx="1">
+        <a:scrgbClr r="0" g="0" b="0"/>
+      </a:fillRef>
+      <a:effectRef idx="0">
+        <a:scrgbClr r="0" g="0" b="0"/>
+      </a:effectRef>
+      <a:fontRef idx="minor">
+        <a:schemeClr val="lt1"/>
+      </a:fontRef>
+    </dgm:style>
+  </dgm:styleLbl>
+  <dgm:styleLbl name="parChTrans2D2">
+    <dgm:scene3d>
+      <a:camera prst="orthographicFront"/>
+      <a:lightRig rig="threePt" dir="t"/>
+    </dgm:scene3d>
+    <dgm:sp3d/>
+    <dgm:txPr/>
+    <dgm:style>
+      <a:lnRef idx="2">
+        <a:scrgbClr r="0" g="0" b="0"/>
+      </a:lnRef>
+      <a:fillRef idx="1">
+        <a:scrgbClr r="0" g="0" b="0"/>
+      </a:fillRef>
+      <a:effectRef idx="0">
+        <a:scrgbClr r="0" g="0" b="0"/>
+      </a:effectRef>
+      <a:fontRef idx="minor">
+        <a:schemeClr val="lt1"/>
+      </a:fontRef>
+    </dgm:style>
+  </dgm:styleLbl>
+  <dgm:styleLbl name="parChTrans2D3">
+    <dgm:scene3d>
+      <a:camera prst="orthographicFront"/>
+      <a:lightRig rig="threePt" dir="t"/>
+    </dgm:scene3d>
+    <dgm:sp3d/>
+    <dgm:txPr/>
+    <dgm:style>
+      <a:lnRef idx="2">
+        <a:scrgbClr r="0" g="0" b="0"/>
+      </a:lnRef>
+      <a:fillRef idx="1">
+        <a:scrgbClr r="0" g="0" b="0"/>
+      </a:fillRef>
+      <a:effectRef idx="0">
+        <a:scrgbClr r="0" g="0" b="0"/>
+      </a:effectRef>
+      <a:fontRef idx="minor">
+        <a:schemeClr val="lt1"/>
+      </a:fontRef>
+    </dgm:style>
+  </dgm:styleLbl>
+  <dgm:styleLbl name="parChTrans2D4">
+    <dgm:scene3d>
+      <a:camera prst="orthographicFront"/>
+      <a:lightRig rig="threePt" dir="t"/>
+    </dgm:scene3d>
+    <dgm:sp3d/>
+    <dgm:txPr/>
+    <dgm:style>
+      <a:lnRef idx="2">
+        <a:scrgbClr r="0" g="0" b="0"/>
+      </a:lnRef>
+      <a:fillRef idx="1">
+        <a:scrgbClr r="0" g="0" b="0"/>
+      </a:fillRef>
+      <a:effectRef idx="0">
+        <a:scrgbClr r="0" g="0" b="0"/>
+      </a:effectRef>
+      <a:fontRef idx="minor">
+        <a:schemeClr val="lt1"/>
+      </a:fontRef>
+    </dgm:style>
+  </dgm:styleLbl>
+  <dgm:styleLbl name="parChTrans1D1">
+    <dgm:scene3d>
+      <a:camera prst="orthographicFront"/>
+      <a:lightRig rig="threePt" dir="t"/>
+    </dgm:scene3d>
+    <dgm:sp3d/>
+    <dgm:txPr/>
+    <dgm:style>
+      <a:lnRef idx="2">
+        <a:scrgbClr r="0" g="0" b="0"/>
+      </a:lnRef>
+      <a:fillRef idx="0">
+        <a:scrgbClr r="0" g="0" b="0"/>
+      </a:fillRef>
+      <a:effectRef idx="0">
+        <a:scrgbClr r="0" g="0" b="0"/>
+      </a:effectRef>
+      <a:fontRef idx="minor"/>
+    </dgm:style>
+  </dgm:styleLbl>
+  <dgm:styleLbl name="parChTrans1D2">
+    <dgm:scene3d>
+      <a:camera prst="orthographicFront"/>
+      <a:lightRig rig="threePt" dir="t"/>
+    </dgm:scene3d>
+    <dgm:sp3d/>
+    <dgm:txPr/>
+    <dgm:style>
+      <a:lnRef idx="2">
+        <a:scrgbClr r="0" g="0" b="0"/>
+      </a:lnRef>
+      <a:fillRef idx="0">
+        <a:scrgbClr r="0" g="0" b="0"/>
+      </a:fillRef>
+      <a:effectRef idx="0">
+        <a:scrgbClr r="0" g="0" b="0"/>
+      </a:effectRef>
+      <a:fontRef idx="minor"/>
+    </dgm:style>
+  </dgm:styleLbl>
+  <dgm:styleLbl name="parChTrans1D3">
+    <dgm:scene3d>
+      <a:camera prst="orthographicFront"/>
+      <a:lightRig rig="threePt" dir="t"/>
+    </dgm:scene3d>
+    <dgm:sp3d/>
+    <dgm:txPr/>
+    <dgm:style>
+      <a:lnRef idx="2">
+        <a:scrgbClr r="0" g="0" b="0"/>
+      </a:lnRef>
+      <a:fillRef idx="0">
+        <a:scrgbClr r="0" g="0" b="0"/>
+      </a:fillRef>
+      <a:effectRef idx="0">
+        <a:scrgbClr r="0" g="0" b="0"/>
+      </a:effectRef>
+      <a:fontRef idx="minor"/>
+    </dgm:style>
+  </dgm:styleLbl>
+  <dgm:styleLbl name="parChTrans1D4">
+    <dgm:scene3d>
+      <a:camera prst="orthographicFront"/>
+      <a:lightRig rig="threePt" dir="t"/>
+    </dgm:scene3d>
+    <dgm:sp3d/>
+    <dgm:txPr/>
+    <dgm:style>
+      <a:lnRef idx="2">
+        <a:scrgbClr r="0" g="0" b="0"/>
+      </a:lnRef>
+      <a:fillRef idx="0">
+        <a:scrgbClr r="0" g="0" b="0"/>
+      </a:fillRef>
+      <a:effectRef idx="0">
+        <a:scrgbClr r="0" g="0" b="0"/>
+      </a:effectRef>
+      <a:fontRef idx="minor"/>
+    </dgm:style>
+  </dgm:styleLbl>
+  <dgm:styleLbl name="fgAcc1">
+    <dgm:scene3d>
+      <a:camera prst="orthographicFront"/>
+      <a:lightRig rig="threePt" dir="t"/>
+    </dgm:scene3d>
+    <dgm:sp3d/>
+    <dgm:txPr/>
+    <dgm:style>
+      <a:lnRef idx="2">
+        <a:scrgbClr r="0" g="0" b="0"/>
+      </a:lnRef>
+      <a:fillRef idx="1">
+        <a:scrgbClr r="0" g="0" b="0"/>
+      </a:fillRef>
+      <a:effectRef idx="0">
+        <a:scrgbClr r="0" g="0" b="0"/>
+      </a:effectRef>
+      <a:fontRef idx="minor"/>
+    </dgm:style>
+  </dgm:styleLbl>
+  <dgm:styleLbl name="conFgAcc1">
+    <dgm:scene3d>
+      <a:camera prst="orthographicFront"/>
+      <a:lightRig rig="threePt" dir="t"/>
+    </dgm:scene3d>
+    <dgm:sp3d/>
+    <dgm:txPr/>
+    <dgm:style>
+      <a:lnRef idx="2">
+        <a:scrgbClr r="0" g="0" b="0"/>
+      </a:lnRef>
+      <a:fillRef idx="1">
+        <a:scrgbClr r="0" g="0" b="0"/>
+      </a:fillRef>
+      <a:effectRef idx="0">
+        <a:scrgbClr r="0" g="0" b="0"/>
+      </a:effectRef>
+      <a:fontRef idx="minor"/>
+    </dgm:style>
+  </dgm:styleLbl>
+  <dgm:styleLbl name="alignAcc1">
+    <dgm:scene3d>
+      <a:camera prst="orthographicFront"/>
+      <a:lightRig rig="threePt" dir="t"/>
+    </dgm:scene3d>
+    <dgm:sp3d/>
+    <dgm:txPr/>
+    <dgm:style>
+      <a:lnRef idx="2">
+        <a:scrgbClr r="0" g="0" b="0"/>
+      </a:lnRef>
+      <a:fillRef idx="1">
+        <a:scrgbClr r="0" g="0" b="0"/>
+      </a:fillRef>
+      <a:effectRef idx="0">
+        <a:scrgbClr r="0" g="0" b="0"/>
+      </a:effectRef>
+      <a:fontRef idx="minor"/>
+    </dgm:style>
+  </dgm:styleLbl>
+  <dgm:styleLbl name="trAlignAcc1">
+    <dgm:scene3d>
+      <a:camera prst="orthographicFront"/>
+      <a:lightRig rig="threePt" dir="t"/>
+    </dgm:scene3d>
+    <dgm:sp3d/>
+    <dgm:txPr/>
+    <dgm:style>
+      <a:lnRef idx="1">
+        <a:scrgbClr r="0" g="0" b="0"/>
+      </a:lnRef>
+      <a:fillRef idx="1">
+        <a:scrgbClr r="0" g="0" b="0"/>
+      </a:fillRef>
+      <a:effectRef idx="0">
+        <a:scrgbClr r="0" g="0" b="0"/>
+      </a:effectRef>
+      <a:fontRef idx="minor"/>
+    </dgm:style>
+  </dgm:styleLbl>
+  <dgm:styleLbl name="bgAcc1">
+    <dgm:scene3d>
+      <a:camera prst="orthographicFront"/>
+      <a:lightRig rig="threePt" dir="t"/>
+    </dgm:scene3d>
+    <dgm:sp3d/>
+    <dgm:txPr/>
+    <dgm:style>
+      <a:lnRef idx="2">
+        <a:scrgbClr r="0" g="0" b="0"/>
+      </a:lnRef>
+      <a:fillRef idx="1">
+        <a:scrgbClr r="0" g="0" b="0"/>
+      </a:fillRef>
+      <a:effectRef idx="0">
+        <a:scrgbClr r="0" g="0" b="0"/>
+      </a:effectRef>
+      <a:fontRef idx="minor"/>
+    </dgm:style>
+  </dgm:styleLbl>
+  <dgm:styleLbl name="solidFgAcc1">
+    <dgm:scene3d>
+      <a:camera prst="orthographicFront"/>
+      <a:lightRig rig="threePt" dir="t"/>
+    </dgm:scene3d>
+    <dgm:sp3d/>
+    <dgm:txPr/>
+    <dgm:style>
+      <a:lnRef idx="2">
+        <a:scrgbClr r="0" g="0" b="0"/>
+      </a:lnRef>
+      <a:fillRef idx="1">
+        <a:scrgbClr r="0" g="0" b="0"/>
+      </a:fillRef>
+      <a:effectRef idx="0">
+        <a:scrgbClr r="0" g="0" b="0"/>
+      </a:effectRef>
+      <a:fontRef idx="minor"/>
+    </dgm:style>
+  </dgm:styleLbl>
+  <dgm:styleLbl name="solidAlignAcc1">
+    <dgm:scene3d>
+      <a:camera prst="orthographicFront"/>
+      <a:lightRig rig="threePt" dir="t"/>
+    </dgm:scene3d>
+    <dgm:sp3d/>
+    <dgm:txPr/>
+    <dgm:style>
+      <a:lnRef idx="2">
+        <a:scrgbClr r="0" g="0" b="0"/>
+      </a:lnRef>
+      <a:fillRef idx="1">
+        <a:scrgbClr r="0" g="0" b="0"/>
+      </a:fillRef>
+      <a:effectRef idx="0">
+        <a:scrgbClr r="0" g="0" b="0"/>
+      </a:effectRef>
+      <a:fontRef idx="minor"/>
+    </dgm:style>
+  </dgm:styleLbl>
+  <dgm:styleLbl name="solidBgAcc1">
+    <dgm:scene3d>
+      <a:camera prst="orthographicFront"/>
+      <a:lightRig rig="threePt" dir="t"/>
+    </dgm:scene3d>
+    <dgm:sp3d/>
+    <dgm:txPr/>
+    <dgm:style>
+      <a:lnRef idx="2">
+        <a:scrgbClr r="0" g="0" b="0"/>
+      </a:lnRef>
+      <a:fillRef idx="1">
+        <a:scrgbClr r="0" g="0" b="0"/>
+      </a:fillRef>
+      <a:effectRef idx="0">
+        <a:scrgbClr r="0" g="0" b="0"/>
+      </a:effectRef>
+      <a:fontRef idx="minor"/>
+    </dgm:style>
+  </dgm:styleLbl>
+  <dgm:styleLbl name="fgAccFollowNode1">
+    <dgm:scene3d>
+      <a:camera prst="orthographicFront"/>
+      <a:lightRig rig="threePt" dir="t"/>
+    </dgm:scene3d>
+    <dgm:sp3d/>
+    <dgm:txPr/>
+    <dgm:style>
+      <a:lnRef idx="2">
+        <a:scrgbClr r="0" g="0" b="0"/>
+      </a:lnRef>
+      <a:fillRef idx="1">
+        <a:scrgbClr r="0" g="0" b="0"/>
+      </a:fillRef>
+      <a:effectRef idx="0">
+        <a:scrgbClr r="0" g="0" b="0"/>
+      </a:effectRef>
+      <a:fontRef idx="minor"/>
+    </dgm:style>
+  </dgm:styleLbl>
+  <dgm:styleLbl name="alignAccFollowNode1">
+    <dgm:scene3d>
+      <a:camera prst="orthographicFront"/>
+      <a:lightRig rig="threePt" dir="t"/>
+    </dgm:scene3d>
+    <dgm:sp3d/>
+    <dgm:txPr/>
+    <dgm:style>
+      <a:lnRef idx="2">
+        <a:scrgbClr r="0" g="0" b="0"/>
+      </a:lnRef>
+      <a:fillRef idx="1">
+        <a:scrgbClr r="0" g="0" b="0"/>
+      </a:fillRef>
+      <a:effectRef idx="0">
+        <a:scrgbClr r="0" g="0" b="0"/>
+      </a:effectRef>
+      <a:fontRef idx="minor"/>
+    </dgm:style>
+  </dgm:styleLbl>
+  <dgm:styleLbl name="bgAccFollowNode1">
+    <dgm:scene3d>
+      <a:camera prst="orthographicFront"/>
+      <a:lightRig rig="threePt" dir="t"/>
+    </dgm:scene3d>
+    <dgm:sp3d/>
+    <dgm:txPr/>
+    <dgm:style>
+      <a:lnRef idx="2">
+        <a:scrgbClr r="0" g="0" b="0"/>
+      </a:lnRef>
+      <a:fillRef idx="1">
+        <a:scrgbClr r="0" g="0" b="0"/>
+      </a:fillRef>
+      <a:effectRef idx="0">
+        <a:scrgbClr r="0" g="0" b="0"/>
+      </a:effectRef>
+      <a:fontRef idx="minor"/>
+    </dgm:style>
+  </dgm:styleLbl>
+  <dgm:styleLbl name="fgAcc0">
+    <dgm:scene3d>
+      <a:camera prst="orthographicFront"/>
+      <a:lightRig rig="threePt" dir="t"/>
+    </dgm:scene3d>
+    <dgm:sp3d/>
+    <dgm:txPr/>
+    <dgm:style>
+      <a:lnRef idx="2">
+        <a:scrgbClr r="0" g="0" b="0"/>
+      </a:lnRef>
+      <a:fillRef idx="1">
+        <a:scrgbClr r="0" g="0" b="0"/>
+      </a:fillRef>
+      <a:effectRef idx="0">
+        <a:scrgbClr r="0" g="0" b="0"/>
+      </a:effectRef>
+      <a:fontRef idx="minor"/>
+    </dgm:style>
+  </dgm:styleLbl>
+  <dgm:styleLbl name="fgAcc2">
+    <dgm:scene3d>
+      <a:camera prst="orthographicFront"/>
+      <a:lightRig rig="threePt" dir="t"/>
+    </dgm:scene3d>
+    <dgm:sp3d/>
+    <dgm:txPr/>
+    <dgm:style>
+      <a:lnRef idx="2">
+        <a:scrgbClr r="0" g="0" b="0"/>
+      </a:lnRef>
+      <a:fillRef idx="1">
+        <a:scrgbClr r="0" g="0" b="0"/>
+      </a:fillRef>
+      <a:effectRef idx="0">
+        <a:scrgbClr r="0" g="0" b="0"/>
+      </a:effectRef>
+      <a:fontRef idx="minor"/>
+    </dgm:style>
+  </dgm:styleLbl>
+  <dgm:styleLbl name="fgAcc3">
+    <dgm:scene3d>
+      <a:camera prst="orthographicFront"/>
+      <a:lightRig rig="threePt" dir="t"/>
+    </dgm:scene3d>
+    <dgm:sp3d/>
+    <dgm:txPr/>
+    <dgm:style>
+      <a:lnRef idx="2">
+        <a:scrgbClr r="0" g="0" b="0"/>
+      </a:lnRef>
+      <a:fillRef idx="1">
+        <a:scrgbClr r="0" g="0" b="0"/>
+      </a:fillRef>
+      <a:effectRef idx="0">
+        <a:scrgbClr r="0" g="0" b="0"/>
+      </a:effectRef>
+      <a:fontRef idx="minor"/>
+    </dgm:style>
+  </dgm:styleLbl>
+  <dgm:styleLbl name="fgAcc4">
+    <dgm:scene3d>
+      <a:camera prst="orthographicFront"/>
+      <a:lightRig rig="threePt" dir="t"/>
+    </dgm:scene3d>
+    <dgm:sp3d/>
+    <dgm:txPr/>
+    <dgm:style>
+      <a:lnRef idx="2">
+        <a:scrgbClr r="0" g="0" b="0"/>
+      </a:lnRef>
+      <a:fillRef idx="1">
+        <a:scrgbClr r="0" g="0" b="0"/>
+      </a:fillRef>
+      <a:effectRef idx="0">
+        <a:scrgbClr r="0" g="0" b="0"/>
+      </a:effectRef>
+      <a:fontRef idx="minor"/>
+    </dgm:style>
+  </dgm:styleLbl>
+  <dgm:styleLbl name="bgShp">
+    <dgm:scene3d>
+      <a:camera prst="orthographicFront"/>
+      <a:lightRig rig="threePt" dir="t"/>
+    </dgm:scene3d>
+    <dgm:sp3d/>
+    <dgm:txPr/>
+    <dgm:style>
+      <a:lnRef idx="0">
+        <a:scrgbClr r="0" g="0" b="0"/>
+      </a:lnRef>
+      <a:fillRef idx="1">
+        <a:scrgbClr r="0" g="0" b="0"/>
+      </a:fillRef>
+      <a:effectRef idx="0">
+        <a:scrgbClr r="0" g="0" b="0"/>
+      </a:effectRef>
+      <a:fontRef idx="minor"/>
+    </dgm:style>
+  </dgm:styleLbl>
+  <dgm:styleLbl name="dkBgShp">
+    <dgm:scene3d>
+      <a:camera prst="orthographicFront"/>
+      <a:lightRig rig="threePt" dir="t"/>
+    </dgm:scene3d>
+    <dgm:sp3d/>
+    <dgm:txPr/>
+    <dgm:style>
+      <a:lnRef idx="0">
+        <a:scrgbClr r="0" g="0" b="0"/>
+      </a:lnRef>
+      <a:fillRef idx="1">
+        <a:scrgbClr r="0" g="0" b="0"/>
+      </a:fillRef>
+      <a:effectRef idx="0">
+        <a:scrgbClr r="0" g="0" b="0"/>
+      </a:effectRef>
+      <a:fontRef idx="minor"/>
+    </dgm:style>
+  </dgm:styleLbl>
+  <dgm:styleLbl name="trBgShp">
+    <dgm:scene3d>
+      <a:camera prst="orthographicFront"/>
+      <a:lightRig rig="threePt" dir="t"/>
+    </dgm:scene3d>
+    <dgm:sp3d/>
+    <dgm:txPr/>
+    <dgm:style>
+      <a:lnRef idx="0">
+        <a:scrgbClr r="0" g="0" b="0"/>
+      </a:lnRef>
+      <a:fillRef idx="1">
+        <a:scrgbClr r="0" g="0" b="0"/>
+      </a:fillRef>
+      <a:effectRef idx="0">
+        <a:scrgbClr r="0" g="0" b="0"/>
+      </a:effectRef>
+      <a:fontRef idx="minor"/>
+    </dgm:style>
+  </dgm:styleLbl>
+  <dgm:styleLbl name="fgShp">
+    <dgm:scene3d>
+      <a:camera prst="orthographicFront"/>
+      <a:lightRig rig="threePt" dir="t"/>
+    </dgm:scene3d>
+    <dgm:sp3d/>
+    <dgm:txPr/>
+    <dgm:style>
+      <a:lnRef idx="2">
+        <a:scrgbClr r="0" g="0" b="0"/>
+      </a:lnRef>
+      <a:fillRef idx="1">
+        <a:scrgbClr r="0" g="0" b="0"/>
+      </a:fillRef>
+      <a:effectRef idx="0">
+        <a:scrgbClr r="0" g="0" b="0"/>
+      </a:effectRef>
+      <a:fontRef idx="minor"/>
+    </dgm:style>
+  </dgm:styleLbl>
+  <dgm:styleLbl name="revTx">
+    <dgm:scene3d>
+      <a:camera prst="orthographicFront"/>
+      <a:lightRig rig="threePt" dir="t"/>
+    </dgm:scene3d>
+    <dgm:sp3d/>
+    <dgm:txPr/>
+    <dgm:style>
+      <a:lnRef idx="0">
+        <a:scrgbClr r="0" g="0" b="0"/>
+      </a:lnRef>
+      <a:fillRef idx="0">
+        <a:scrgbClr r="0" g="0" b="0"/>
+      </a:fillRef>
+      <a:effectRef idx="0">
+        <a:scrgbClr r="0" g="0" b="0"/>
+      </a:effectRef>
+      <a:fontRef idx="minor"/>
+    </dgm:style>
+  </dgm:styleLbl>
+</dgm:styleDef>
+</file>
+
+<file path=ppt/diagrams/quickStyle2.xml><?xml version="1.0" encoding="utf-8"?>
+<dgm:styleDef xmlns:dgm="http://schemas.openxmlformats.org/drawingml/2006/diagram" xmlns:a="http://schemas.openxmlformats.org/drawingml/2006/main" uniqueId="urn:microsoft.com/office/officeart/2005/8/quickstyle/simple1">
+  <dgm:title val=""/>
+  <dgm:desc val=""/>
+  <dgm:catLst>
+    <dgm:cat type="simple" pri="10100"/>
+  </dgm:catLst>
+  <dgm:scene3d>
+    <a:camera prst="orthographicFront"/>
+    <a:lightRig rig="threePt" dir="t"/>
+  </dgm:scene3d>
+  <dgm:styleLbl name="node0">
+    <dgm:scene3d>
+      <a:camera prst="orthographicFront"/>
+      <a:lightRig rig="threePt" dir="t"/>
+    </dgm:scene3d>
+    <dgm:sp3d/>
+    <dgm:txPr/>
+    <dgm:style>
+      <a:lnRef idx="2">
+        <a:scrgbClr r="0" g="0" b="0"/>
+      </a:lnRef>
+      <a:fillRef idx="1">
+        <a:scrgbClr r="0" g="0" b="0"/>
+      </a:fillRef>
+      <a:effectRef idx="0">
+        <a:scrgbClr r="0" g="0" b="0"/>
+      </a:effectRef>
+      <a:fontRef idx="minor">
+        <a:schemeClr val="lt1"/>
+      </a:fontRef>
+    </dgm:style>
+  </dgm:styleLbl>
+  <dgm:styleLbl name="lnNode1">
+    <dgm:scene3d>
+      <a:camera prst="orthographicFront"/>
+      <a:lightRig rig="threePt" dir="t"/>
+    </dgm:scene3d>
+    <dgm:sp3d/>
+    <dgm:txPr/>
+    <dgm:style>
+      <a:lnRef idx="2">
+        <a:scrgbClr r="0" g="0" b="0"/>
+      </a:lnRef>
+      <a:fillRef idx="1">
+        <a:scrgbClr r="0" g="0" b="0"/>
+      </a:fillRef>
+      <a:effectRef idx="0">
+        <a:scrgbClr r="0" g="0" b="0"/>
+      </a:effectRef>
+      <a:fontRef idx="minor">
+        <a:schemeClr val="lt1"/>
+      </a:fontRef>
+    </dgm:style>
+  </dgm:styleLbl>
+  <dgm:styleLbl name="vennNode1">
+    <dgm:scene3d>
+      <a:camera prst="orthographicFront"/>
+      <a:lightRig rig="threePt" dir="t"/>
+    </dgm:scene3d>
+    <dgm:sp3d/>
+    <dgm:txPr/>
+    <dgm:style>
+      <a:lnRef idx="2">
+        <a:scrgbClr r="0" g="0" b="0"/>
+      </a:lnRef>
+      <a:fillRef idx="1">
+        <a:scrgbClr r="0" g="0" b="0"/>
+      </a:fillRef>
+      <a:effectRef idx="0">
+        <a:scrgbClr r="0" g="0" b="0"/>
+      </a:effectRef>
+      <a:fontRef idx="minor">
+        <a:schemeClr val="tx1"/>
+      </a:fontRef>
+    </dgm:style>
+  </dgm:styleLbl>
+  <dgm:styleLbl name="alignNode1">
+    <dgm:scene3d>
+      <a:camera prst="orthographicFront"/>
+      <a:lightRig rig="threePt" dir="t"/>
+    </dgm:scene3d>
+    <dgm:sp3d/>
+    <dgm:txPr/>
+    <dgm:style>
+      <a:lnRef idx="2">
+        <a:scrgbClr r="0" g="0" b="0"/>
+      </a:lnRef>
+      <a:fillRef idx="1">
+        <a:scrgbClr r="0" g="0" b="0"/>
+      </a:fillRef>
+      <a:effectRef idx="0">
+        <a:scrgbClr r="0" g="0" b="0"/>
+      </a:effectRef>
+      <a:fontRef idx="minor">
+        <a:schemeClr val="lt1"/>
+      </a:fontRef>
+    </dgm:style>
+  </dgm:styleLbl>
+  <dgm:styleLbl name="node1">
+    <dgm:scene3d>
+      <a:camera prst="orthographicFront"/>
+      <a:lightRig rig="threePt" dir="t"/>
+    </dgm:scene3d>
+    <dgm:sp3d/>
+    <dgm:txPr/>
+    <dgm:style>
+      <a:lnRef idx="2">
+        <a:scrgbClr r="0" g="0" b="0"/>
+      </a:lnRef>
+      <a:fillRef idx="1">
+        <a:scrgbClr r="0" g="0" b="0"/>
+      </a:fillRef>
+      <a:effectRef idx="0">
+        <a:scrgbClr r="0" g="0" b="0"/>
+      </a:effectRef>
+      <a:fontRef idx="minor">
+        <a:schemeClr val="lt1"/>
+      </a:fontRef>
+    </dgm:style>
+  </dgm:styleLbl>
+  <dgm:styleLbl name="node2">
+    <dgm:scene3d>
+      <a:camera prst="orthographicFront"/>
+      <a:lightRig rig="threePt" dir="t"/>
+    </dgm:scene3d>
+    <dgm:sp3d/>
+    <dgm:txPr/>
+    <dgm:style>
+      <a:lnRef idx="2">
+        <a:scrgbClr r="0" g="0" b="0"/>
+      </a:lnRef>
+      <a:fillRef idx="1">
+        <a:scrgbClr r="0" g="0" b="0"/>
+      </a:fillRef>
+      <a:effectRef idx="0">
+        <a:scrgbClr r="0" g="0" b="0"/>
+      </a:effectRef>
+      <a:fontRef idx="minor">
+        <a:schemeClr val="lt1"/>
+      </a:fontRef>
+    </dgm:style>
+  </dgm:styleLbl>
+  <dgm:styleLbl name="node3">
+    <dgm:scene3d>
+      <a:camera prst="orthographicFront"/>
+      <a:lightRig rig="threePt" dir="t"/>
+    </dgm:scene3d>
+    <dgm:sp3d/>
+    <dgm:txPr/>
+    <dgm:style>
+      <a:lnRef idx="2">
+        <a:scrgbClr r="0" g="0" b="0"/>
+      </a:lnRef>
+      <a:fillRef idx="1">
+        <a:scrgbClr r="0" g="0" b="0"/>
+      </a:fillRef>
+      <a:effectRef idx="0">
+        <a:scrgbClr r="0" g="0" b="0"/>
+      </a:effectRef>
+      <a:fontRef idx="minor">
+        <a:schemeClr val="lt1"/>
+      </a:fontRef>
+    </dgm:style>
+  </dgm:styleLbl>
+  <dgm:styleLbl name="node4">
+    <dgm:scene3d>
+      <a:camera prst="orthographicFront"/>
+      <a:lightRig rig="threePt" dir="t"/>
+    </dgm:scene3d>
+    <dgm:sp3d/>
+    <dgm:txPr/>
+    <dgm:style>
+      <a:lnRef idx="2">
+        <a:scrgbClr r="0" g="0" b="0"/>
+      </a:lnRef>
+      <a:fillRef idx="1">
+        <a:scrgbClr r="0" g="0" b="0"/>
+      </a:fillRef>
+      <a:effectRef idx="0">
+        <a:scrgbClr r="0" g="0" b="0"/>
+      </a:effectRef>
+      <a:fontRef idx="minor">
+        <a:schemeClr val="lt1"/>
+      </a:fontRef>
+    </dgm:style>
+  </dgm:styleLbl>
+  <dgm:styleLbl name="fgImgPlace1">
+    <dgm:scene3d>
+      <a:camera prst="orthographicFront"/>
+      <a:lightRig rig="threePt" dir="t"/>
+    </dgm:scene3d>
+    <dgm:sp3d/>
+    <dgm:txPr/>
+    <dgm:style>
+      <a:lnRef idx="2">
+        <a:scrgbClr r="0" g="0" b="0"/>
+      </a:lnRef>
+      <a:fillRef idx="1">
+        <a:scrgbClr r="0" g="0" b="0"/>
+      </a:fillRef>
+      <a:effectRef idx="0">
+        <a:scrgbClr r="0" g="0" b="0"/>
+      </a:effectRef>
+      <a:fontRef idx="minor"/>
+    </dgm:style>
+  </dgm:styleLbl>
+  <dgm:styleLbl name="alignImgPlace1">
+    <dgm:scene3d>
+      <a:camera prst="orthographicFront"/>
+      <a:lightRig rig="threePt" dir="t"/>
+    </dgm:scene3d>
+    <dgm:sp3d/>
+    <dgm:txPr/>
+    <dgm:style>
+      <a:lnRef idx="2">
+        <a:scrgbClr r="0" g="0" b="0"/>
+      </a:lnRef>
+      <a:fillRef idx="1">
+        <a:scrgbClr r="0" g="0" b="0"/>
+      </a:fillRef>
+      <a:effectRef idx="0">
+        <a:scrgbClr r="0" g="0" b="0"/>
+      </a:effectRef>
+      <a:fontRef idx="minor"/>
+    </dgm:style>
+  </dgm:styleLbl>
+  <dgm:styleLbl name="bgImgPlace1">
+    <dgm:scene3d>
+      <a:camera prst="orthographicFront"/>
+      <a:lightRig rig="threePt" dir="t"/>
+    </dgm:scene3d>
+    <dgm:sp3d/>
+    <dgm:txPr/>
+    <dgm:style>
+      <a:lnRef idx="2">
+        <a:scrgbClr r="0" g="0" b="0"/>
+      </a:lnRef>
+      <a:fillRef idx="1">
+        <a:scrgbClr r="0" g="0" b="0"/>
+      </a:fillRef>
+      <a:effectRef idx="0">
+        <a:scrgbClr r="0" g="0" b="0"/>
+      </a:effectRef>
+      <a:fontRef idx="minor"/>
+    </dgm:style>
+  </dgm:styleLbl>
+  <dgm:styleLbl name="sibTrans2D1">
+    <dgm:scene3d>
+      <a:camera prst="orthographicFront"/>
+      <a:lightRig rig="threePt" dir="t"/>
+    </dgm:scene3d>
+    <dgm:sp3d/>
+    <dgm:txPr/>
+    <dgm:style>
+      <a:lnRef idx="0">
+        <a:scrgbClr r="0" g="0" b="0"/>
+      </a:lnRef>
+      <a:fillRef idx="1">
+        <a:scrgbClr r="0" g="0" b="0"/>
+      </a:fillRef>
+      <a:effectRef idx="0">
+        <a:scrgbClr r="0" g="0" b="0"/>
+      </a:effectRef>
+      <a:fontRef idx="minor">
+        <a:schemeClr val="lt1"/>
+      </a:fontRef>
+    </dgm:style>
+  </dgm:styleLbl>
+  <dgm:styleLbl name="fgSibTrans2D1">
+    <dgm:scene3d>
+      <a:camera prst="orthographicFront"/>
+      <a:lightRig rig="threePt" dir="t"/>
+    </dgm:scene3d>
+    <dgm:sp3d/>
+    <dgm:txPr/>
+    <dgm:style>
+      <a:lnRef idx="0">
+        <a:scrgbClr r="0" g="0" b="0"/>
+      </a:lnRef>
+      <a:fillRef idx="1">
+        <a:scrgbClr r="0" g="0" b="0"/>
+      </a:fillRef>
+      <a:effectRef idx="0">
+        <a:scrgbClr r="0" g="0" b="0"/>
+      </a:effectRef>
+      <a:fontRef idx="minor">
+        <a:schemeClr val="lt1"/>
+      </a:fontRef>
+    </dgm:style>
+  </dgm:styleLbl>
+  <dgm:styleLbl name="bgSibTrans2D1">
+    <dgm:scene3d>
+      <a:camera prst="orthographicFront"/>
+      <a:lightRig rig="threePt" dir="t"/>
+    </dgm:scene3d>
+    <dgm:sp3d/>
+    <dgm:txPr/>
+    <dgm:style>
+      <a:lnRef idx="0">
+        <a:scrgbClr r="0" g="0" b="0"/>
+      </a:lnRef>
+      <a:fillRef idx="1">
+        <a:scrgbClr r="0" g="0" b="0"/>
+      </a:fillRef>
+      <a:effectRef idx="0">
+        <a:scrgbClr r="0" g="0" b="0"/>
+      </a:effectRef>
+      <a:fontRef idx="minor">
+        <a:schemeClr val="lt1"/>
+      </a:fontRef>
+    </dgm:style>
+  </dgm:styleLbl>
+  <dgm:styleLbl name="sibTrans1D1">
+    <dgm:scene3d>
+      <a:camera prst="orthographicFront"/>
+      <a:lightRig rig="threePt" dir="t"/>
+    </dgm:scene3d>
+    <dgm:sp3d/>
+    <dgm:txPr/>
+    <dgm:style>
+      <a:lnRef idx="1">
+        <a:scrgbClr r="0" g="0" b="0"/>
+      </a:lnRef>
+      <a:fillRef idx="0">
+        <a:scrgbClr r="0" g="0" b="0"/>
+      </a:fillRef>
+      <a:effectRef idx="0">
+        <a:scrgbClr r="0" g="0" b="0"/>
+      </a:effectRef>
+      <a:fontRef idx="minor"/>
+    </dgm:style>
+  </dgm:styleLbl>
+  <dgm:styleLbl name="callout">
+    <dgm:scene3d>
+      <a:camera prst="orthographicFront"/>
+      <a:lightRig rig="threePt" dir="t"/>
+    </dgm:scene3d>
+    <dgm:sp3d/>
+    <dgm:txPr/>
+    <dgm:style>
+      <a:lnRef idx="2">
+        <a:scrgbClr r="0" g="0" b="0"/>
+      </a:lnRef>
+      <a:fillRef idx="1">
+        <a:scrgbClr r="0" g="0" b="0"/>
+      </a:fillRef>
+      <a:effectRef idx="0">
+        <a:scrgbClr r="0" g="0" b="0"/>
+      </a:effectRef>
+      <a:fontRef idx="minor"/>
+    </dgm:style>
+  </dgm:styleLbl>
+  <dgm:styleLbl name="asst0">
+    <dgm:scene3d>
+      <a:camera prst="orthographicFront"/>
+      <a:lightRig rig="threePt" dir="t"/>
+    </dgm:scene3d>
+    <dgm:sp3d/>
+    <dgm:txPr/>
+    <dgm:style>
+      <a:lnRef idx="2">
+        <a:scrgbClr r="0" g="0" b="0"/>
+      </a:lnRef>
+      <a:fillRef idx="1">
+        <a:scrgbClr r="0" g="0" b="0"/>
+      </a:fillRef>
+      <a:effectRef idx="0">
+        <a:scrgbClr r="0" g="0" b="0"/>
+      </a:effectRef>
+      <a:fontRef idx="minor">
+        <a:schemeClr val="lt1"/>
+      </a:fontRef>
+    </dgm:style>
+  </dgm:styleLbl>
+  <dgm:styleLbl name="asst1">
+    <dgm:scene3d>
+      <a:camera prst="orthographicFront"/>
+      <a:lightRig rig="threePt" dir="t"/>
+    </dgm:scene3d>
+    <dgm:sp3d/>
+    <dgm:txPr/>
+    <dgm:style>
+      <a:lnRef idx="2">
+        <a:scrgbClr r="0" g="0" b="0"/>
+      </a:lnRef>
+      <a:fillRef idx="1">
+        <a:scrgbClr r="0" g="0" b="0"/>
+      </a:fillRef>
+      <a:effectRef idx="0">
+        <a:scrgbClr r="0" g="0" b="0"/>
+      </a:effectRef>
+      <a:fontRef idx="minor">
+        <a:schemeClr val="lt1"/>
+      </a:fontRef>
+    </dgm:style>
+  </dgm:styleLbl>
+  <dgm:styleLbl name="asst2">
+    <dgm:scene3d>
+      <a:camera prst="orthographicFront"/>
+      <a:lightRig rig="threePt" dir="t"/>
+    </dgm:scene3d>
+    <dgm:sp3d/>
+    <dgm:txPr/>
+    <dgm:style>
+      <a:lnRef idx="2">
+        <a:scrgbClr r="0" g="0" b="0"/>
+      </a:lnRef>
+      <a:fillRef idx="1">
+        <a:scrgbClr r="0" g="0" b="0"/>
+      </a:fillRef>
+      <a:effectRef idx="0">
+        <a:scrgbClr r="0" g="0" b="0"/>
+      </a:effectRef>
+      <a:fontRef idx="minor">
+        <a:schemeClr val="lt1"/>
+      </a:fontRef>
+    </dgm:style>
+  </dgm:styleLbl>
+  <dgm:styleLbl name="asst3">
+    <dgm:scene3d>
+      <a:camera prst="orthographicFront"/>
+      <a:lightRig rig="threePt" dir="t"/>
+    </dgm:scene3d>
+    <dgm:sp3d/>
+    <dgm:txPr/>
+    <dgm:style>
+      <a:lnRef idx="2">
+        <a:scrgbClr r="0" g="0" b="0"/>
+      </a:lnRef>
+      <a:fillRef idx="1">
+        <a:scrgbClr r="0" g="0" b="0"/>
+      </a:fillRef>
+      <a:effectRef idx="0">
+        <a:scrgbClr r="0" g="0" b="0"/>
+      </a:effectRef>
+      <a:fontRef idx="minor">
+        <a:schemeClr val="lt1"/>
+      </a:fontRef>
+    </dgm:style>
+  </dgm:styleLbl>
+  <dgm:styleLbl name="asst4">
+    <dgm:scene3d>
+      <a:camera prst="orthographicFront"/>
+      <a:lightRig rig="threePt" dir="t"/>
+    </dgm:scene3d>
+    <dgm:sp3d/>
+    <dgm:txPr/>
+    <dgm:style>
+      <a:lnRef idx="2">
+        <a:scrgbClr r="0" g="0" b="0"/>
+      </a:lnRef>
+      <a:fillRef idx="1">
+        <a:scrgbClr r="0" g="0" b="0"/>
+      </a:fillRef>
+      <a:effectRef idx="0">
+        <a:scrgbClr r="0" g="0" b="0"/>
+      </a:effectRef>
+      <a:fontRef idx="minor">
+        <a:schemeClr val="lt1"/>
+      </a:fontRef>
+    </dgm:style>
+  </dgm:styleLbl>
+  <dgm:styleLbl name="parChTrans2D1">
+    <dgm:scene3d>
+      <a:camera prst="orthographicFront"/>
+      <a:lightRig rig="threePt" dir="t"/>
+    </dgm:scene3d>
+    <dgm:sp3d/>
+    <dgm:txPr/>
+    <dgm:style>
+      <a:lnRef idx="2">
+        <a:scrgbClr r="0" g="0" b="0"/>
+      </a:lnRef>
+      <a:fillRef idx="1">
+        <a:scrgbClr r="0" g="0" b="0"/>
+      </a:fillRef>
+      <a:effectRef idx="0">
+        <a:scrgbClr r="0" g="0" b="0"/>
+      </a:effectRef>
+      <a:fontRef idx="minor">
+        <a:schemeClr val="lt1"/>
+      </a:fontRef>
+    </dgm:style>
+  </dgm:styleLbl>
+  <dgm:styleLbl name="parChTrans2D2">
+    <dgm:scene3d>
+      <a:camera prst="orthographicFront"/>
+      <a:lightRig rig="threePt" dir="t"/>
+    </dgm:scene3d>
+    <dgm:sp3d/>
+    <dgm:txPr/>
+    <dgm:style>
+      <a:lnRef idx="2">
+        <a:scrgbClr r="0" g="0" b="0"/>
+      </a:lnRef>
+      <a:fillRef idx="1">
+        <a:scrgbClr r="0" g="0" b="0"/>
+      </a:fillRef>
+      <a:effectRef idx="0">
+        <a:scrgbClr r="0" g="0" b="0"/>
+      </a:effectRef>
+      <a:fontRef idx="minor">
+        <a:schemeClr val="lt1"/>
+      </a:fontRef>
+    </dgm:style>
+  </dgm:styleLbl>
+  <dgm:styleLbl name="parChTrans2D3">
+    <dgm:scene3d>
+      <a:camera prst="orthographicFront"/>
+      <a:lightRig rig="threePt" dir="t"/>
+    </dgm:scene3d>
+    <dgm:sp3d/>
+    <dgm:txPr/>
+    <dgm:style>
+      <a:lnRef idx="2">
+        <a:scrgbClr r="0" g="0" b="0"/>
+      </a:lnRef>
+      <a:fillRef idx="1">
+        <a:scrgbClr r="0" g="0" b="0"/>
+      </a:fillRef>
+      <a:effectRef idx="0">
+        <a:scrgbClr r="0" g="0" b="0"/>
+      </a:effectRef>
+      <a:fontRef idx="minor">
+        <a:schemeClr val="lt1"/>
+      </a:fontRef>
+    </dgm:style>
+  </dgm:styleLbl>
+  <dgm:styleLbl name="parChTrans2D4">
+    <dgm:scene3d>
+      <a:camera prst="orthographicFront"/>
+      <a:lightRig rig="threePt" dir="t"/>
+    </dgm:scene3d>
+    <dgm:sp3d/>
+    <dgm:txPr/>
+    <dgm:style>
+      <a:lnRef idx="2">
+        <a:scrgbClr r="0" g="0" b="0"/>
+      </a:lnRef>
+      <a:fillRef idx="1">
+        <a:scrgbClr r="0" g="0" b="0"/>
+      </a:fillRef>
+      <a:effectRef idx="0">
+        <a:scrgbClr r="0" g="0" b="0"/>
+      </a:effectRef>
+      <a:fontRef idx="minor">
+        <a:schemeClr val="lt1"/>
+      </a:fontRef>
+    </dgm:style>
+  </dgm:styleLbl>
+  <dgm:styleLbl name="parChTrans1D1">
+    <dgm:scene3d>
+      <a:camera prst="orthographicFront"/>
+      <a:lightRig rig="threePt" dir="t"/>
+    </dgm:scene3d>
+    <dgm:sp3d/>
+    <dgm:txPr/>
+    <dgm:style>
+      <a:lnRef idx="2">
+        <a:scrgbClr r="0" g="0" b="0"/>
+      </a:lnRef>
+      <a:fillRef idx="0">
+        <a:scrgbClr r="0" g="0" b="0"/>
+      </a:fillRef>
+      <a:effectRef idx="0">
+        <a:scrgbClr r="0" g="0" b="0"/>
+      </a:effectRef>
+      <a:fontRef idx="minor"/>
+    </dgm:style>
+  </dgm:styleLbl>
+  <dgm:styleLbl name="parChTrans1D2">
+    <dgm:scene3d>
+      <a:camera prst="orthographicFront"/>
+      <a:lightRig rig="threePt" dir="t"/>
+    </dgm:scene3d>
+    <dgm:sp3d/>
+    <dgm:txPr/>
+    <dgm:style>
+      <a:lnRef idx="2">
+        <a:scrgbClr r="0" g="0" b="0"/>
+      </a:lnRef>
+      <a:fillRef idx="0">
+        <a:scrgbClr r="0" g="0" b="0"/>
+      </a:fillRef>
+      <a:effectRef idx="0">
+        <a:scrgbClr r="0" g="0" b="0"/>
+      </a:effectRef>
+      <a:fontRef idx="minor"/>
+    </dgm:style>
+  </dgm:styleLbl>
+  <dgm:styleLbl name="parChTrans1D3">
+    <dgm:scene3d>
+      <a:camera prst="orthographicFront"/>
+      <a:lightRig rig="threePt" dir="t"/>
+    </dgm:scene3d>
+    <dgm:sp3d/>
+    <dgm:txPr/>
+    <dgm:style>
+      <a:lnRef idx="2">
+        <a:scrgbClr r="0" g="0" b="0"/>
+      </a:lnRef>
+      <a:fillRef idx="0">
+        <a:scrgbClr r="0" g="0" b="0"/>
+      </a:fillRef>
+      <a:effectRef idx="0">
+        <a:scrgbClr r="0" g="0" b="0"/>
+      </a:effectRef>
+      <a:fontRef idx="minor"/>
+    </dgm:style>
+  </dgm:styleLbl>
+  <dgm:styleLbl name="parChTrans1D4">
+    <dgm:scene3d>
+      <a:camera prst="orthographicFront"/>
+      <a:lightRig rig="threePt" dir="t"/>
+    </dgm:scene3d>
+    <dgm:sp3d/>
+    <dgm:txPr/>
+    <dgm:style>
+      <a:lnRef idx="2">
+        <a:scrgbClr r="0" g="0" b="0"/>
+      </a:lnRef>
+      <a:fillRef idx="0">
+        <a:scrgbClr r="0" g="0" b="0"/>
+      </a:fillRef>
+      <a:effectRef idx="0">
+        <a:scrgbClr r="0" g="0" b="0"/>
+      </a:effectRef>
+      <a:fontRef idx="minor"/>
+    </dgm:style>
+  </dgm:styleLbl>
+  <dgm:styleLbl name="fgAcc1">
+    <dgm:scene3d>
+      <a:camera prst="orthographicFront"/>
+      <a:lightRig rig="threePt" dir="t"/>
+    </dgm:scene3d>
+    <dgm:sp3d/>
+    <dgm:txPr/>
+    <dgm:style>
+      <a:lnRef idx="2">
+        <a:scrgbClr r="0" g="0" b="0"/>
+      </a:lnRef>
+      <a:fillRef idx="1">
+        <a:scrgbClr r="0" g="0" b="0"/>
+      </a:fillRef>
+      <a:effectRef idx="0">
+        <a:scrgbClr r="0" g="0" b="0"/>
+      </a:effectRef>
+      <a:fontRef idx="minor"/>
+    </dgm:style>
+  </dgm:styleLbl>
+  <dgm:styleLbl name="conFgAcc1">
+    <dgm:scene3d>
+      <a:camera prst="orthographicFront"/>
+      <a:lightRig rig="threePt" dir="t"/>
+    </dgm:scene3d>
+    <dgm:sp3d/>
+    <dgm:txPr/>
+    <dgm:style>
+      <a:lnRef idx="2">
+        <a:scrgbClr r="0" g="0" b="0"/>
+      </a:lnRef>
+      <a:fillRef idx="1">
+        <a:scrgbClr r="0" g="0" b="0"/>
+      </a:fillRef>
+      <a:effectRef idx="0">
+        <a:scrgbClr r="0" g="0" b="0"/>
+      </a:effectRef>
+      <a:fontRef idx="minor"/>
+    </dgm:style>
+  </dgm:styleLbl>
+  <dgm:styleLbl name="alignAcc1">
+    <dgm:scene3d>
+      <a:camera prst="orthographicFront"/>
+      <a:lightRig rig="threePt" dir="t"/>
+    </dgm:scene3d>
+    <dgm:sp3d/>
+    <dgm:txPr/>
+    <dgm:style>
+      <a:lnRef idx="2">
+        <a:scrgbClr r="0" g="0" b="0"/>
+      </a:lnRef>
+      <a:fillRef idx="1">
+        <a:scrgbClr r="0" g="0" b="0"/>
+      </a:fillRef>
+      <a:effectRef idx="0">
+        <a:scrgbClr r="0" g="0" b="0"/>
+      </a:effectRef>
+      <a:fontRef idx="minor"/>
+    </dgm:style>
+  </dgm:styleLbl>
+  <dgm:styleLbl name="trAlignAcc1">
+    <dgm:scene3d>
+      <a:camera prst="orthographicFront"/>
+      <a:lightRig rig="threePt" dir="t"/>
+    </dgm:scene3d>
+    <dgm:sp3d/>
+    <dgm:txPr/>
+    <dgm:style>
+      <a:lnRef idx="1">
+        <a:scrgbClr r="0" g="0" b="0"/>
+      </a:lnRef>
+      <a:fillRef idx="1">
+        <a:scrgbClr r="0" g="0" b="0"/>
+      </a:fillRef>
+      <a:effectRef idx="0">
+        <a:scrgbClr r="0" g="0" b="0"/>
+      </a:effectRef>
+      <a:fontRef idx="minor"/>
+    </dgm:style>
+  </dgm:styleLbl>
+  <dgm:styleLbl name="bgAcc1">
+    <dgm:scene3d>
+      <a:camera prst="orthographicFront"/>
+      <a:lightRig rig="threePt" dir="t"/>
+    </dgm:scene3d>
+    <dgm:sp3d/>
+    <dgm:txPr/>
+    <dgm:style>
+      <a:lnRef idx="2">
+        <a:scrgbClr r="0" g="0" b="0"/>
+      </a:lnRef>
+      <a:fillRef idx="1">
+        <a:scrgbClr r="0" g="0" b="0"/>
+      </a:fillRef>
+      <a:effectRef idx="0">
+        <a:scrgbClr r="0" g="0" b="0"/>
+      </a:effectRef>
+      <a:fontRef idx="minor"/>
+    </dgm:style>
+  </dgm:styleLbl>
+  <dgm:styleLbl name="solidFgAcc1">
+    <dgm:scene3d>
+      <a:camera prst="orthographicFront"/>
+      <a:lightRig rig="threePt" dir="t"/>
+    </dgm:scene3d>
+    <dgm:sp3d/>
+    <dgm:txPr/>
+    <dgm:style>
+      <a:lnRef idx="2">
+        <a:scrgbClr r="0" g="0" b="0"/>
+      </a:lnRef>
+      <a:fillRef idx="1">
+        <a:scrgbClr r="0" g="0" b="0"/>
+      </a:fillRef>
+      <a:effectRef idx="0">
+        <a:scrgbClr r="0" g="0" b="0"/>
+      </a:effectRef>
+      <a:fontRef idx="minor"/>
+    </dgm:style>
+  </dgm:styleLbl>
+  <dgm:styleLbl name="solidAlignAcc1">
+    <dgm:scene3d>
+      <a:camera prst="orthographicFront"/>
+      <a:lightRig rig="threePt" dir="t"/>
+    </dgm:scene3d>
+    <dgm:sp3d/>
+    <dgm:txPr/>
+    <dgm:style>
+      <a:lnRef idx="2">
+        <a:scrgbClr r="0" g="0" b="0"/>
+      </a:lnRef>
+      <a:fillRef idx="1">
+        <a:scrgbClr r="0" g="0" b="0"/>
+      </a:fillRef>
+      <a:effectRef idx="0">
+        <a:scrgbClr r="0" g="0" b="0"/>
+      </a:effectRef>
+      <a:fontRef idx="minor"/>
+    </dgm:style>
+  </dgm:styleLbl>
+  <dgm:styleLbl name="solidBgAcc1">
+    <dgm:scene3d>
+      <a:camera prst="orthographicFront"/>
+      <a:lightRig rig="threePt" dir="t"/>
+    </dgm:scene3d>
+    <dgm:sp3d/>
+    <dgm:txPr/>
+    <dgm:style>
+      <a:lnRef idx="2">
+        <a:scrgbClr r="0" g="0" b="0"/>
+      </a:lnRef>
+      <a:fillRef idx="1">
+        <a:scrgbClr r="0" g="0" b="0"/>
+      </a:fillRef>
+      <a:effectRef idx="0">
+        <a:scrgbClr r="0" g="0" b="0"/>
+      </a:effectRef>
+      <a:fontRef idx="minor"/>
+    </dgm:style>
+  </dgm:styleLbl>
+  <dgm:styleLbl name="fgAccFollowNode1">
+    <dgm:scene3d>
+      <a:camera prst="orthographicFront"/>
+      <a:lightRig rig="threePt" dir="t"/>
+    </dgm:scene3d>
+    <dgm:sp3d/>
+    <dgm:txPr/>
+    <dgm:style>
+      <a:lnRef idx="2">
+        <a:scrgbClr r="0" g="0" b="0"/>
+      </a:lnRef>
+      <a:fillRef idx="1">
+        <a:scrgbClr r="0" g="0" b="0"/>
+      </a:fillRef>
+      <a:effectRef idx="0">
+        <a:scrgbClr r="0" g="0" b="0"/>
+      </a:effectRef>
+      <a:fontRef idx="minor"/>
+    </dgm:style>
+  </dgm:styleLbl>
+  <dgm:styleLbl name="alignAccFollowNode1">
+    <dgm:scene3d>
+      <a:camera prst="orthographicFront"/>
+      <a:lightRig rig="threePt" dir="t"/>
+    </dgm:scene3d>
+    <dgm:sp3d/>
+    <dgm:txPr/>
+    <dgm:style>
+      <a:lnRef idx="2">
+        <a:scrgbClr r="0" g="0" b="0"/>
+      </a:lnRef>
+      <a:fillRef idx="1">
+        <a:scrgbClr r="0" g="0" b="0"/>
+      </a:fillRef>
+      <a:effectRef idx="0">
+        <a:scrgbClr r="0" g="0" b="0"/>
+      </a:effectRef>
+      <a:fontRef idx="minor"/>
+    </dgm:style>
+  </dgm:styleLbl>
+  <dgm:styleLbl name="bgAccFollowNode1">
+    <dgm:scene3d>
+      <a:camera prst="orthographicFront"/>
+      <a:lightRig rig="threePt" dir="t"/>
+    </dgm:scene3d>
+    <dgm:sp3d/>
+    <dgm:txPr/>
+    <dgm:style>
+      <a:lnRef idx="2">
+        <a:scrgbClr r="0" g="0" b="0"/>
+      </a:lnRef>
+      <a:fillRef idx="1">
+        <a:scrgbClr r="0" g="0" b="0"/>
+      </a:fillRef>
+      <a:effectRef idx="0">
+        <a:scrgbClr r="0" g="0" b="0"/>
+      </a:effectRef>
+      <a:fontRef idx="minor"/>
+    </dgm:style>
+  </dgm:styleLbl>
+  <dgm:styleLbl name="fgAcc0">
+    <dgm:scene3d>
+      <a:camera prst="orthographicFront"/>
+      <a:lightRig rig="threePt" dir="t"/>
+    </dgm:scene3d>
+    <dgm:sp3d/>
+    <dgm:txPr/>
+    <dgm:style>
+      <a:lnRef idx="2">
+        <a:scrgbClr r="0" g="0" b="0"/>
+      </a:lnRef>
+      <a:fillRef idx="1">
+        <a:scrgbClr r="0" g="0" b="0"/>
+      </a:fillRef>
+      <a:effectRef idx="0">
+        <a:scrgbClr r="0" g="0" b="0"/>
+      </a:effectRef>
+      <a:fontRef idx="minor"/>
+    </dgm:style>
+  </dgm:styleLbl>
+  <dgm:styleLbl name="fgAcc2">
+    <dgm:scene3d>
+      <a:camera prst="orthographicFront"/>
+      <a:lightRig rig="threePt" dir="t"/>
+    </dgm:scene3d>
+    <dgm:sp3d/>
+    <dgm:txPr/>
+    <dgm:style>
+      <a:lnRef idx="2">
+        <a:scrgbClr r="0" g="0" b="0"/>
+      </a:lnRef>
+      <a:fillRef idx="1">
+        <a:scrgbClr r="0" g="0" b="0"/>
+      </a:fillRef>
+      <a:effectRef idx="0">
+        <a:scrgbClr r="0" g="0" b="0"/>
+      </a:effectRef>
+      <a:fontRef idx="minor"/>
+    </dgm:style>
+  </dgm:styleLbl>
+  <dgm:styleLbl name="fgAcc3">
+    <dgm:scene3d>
+      <a:camera prst="orthographicFront"/>
+      <a:lightRig rig="threePt" dir="t"/>
+    </dgm:scene3d>
+    <dgm:sp3d/>
+    <dgm:txPr/>
+    <dgm:style>
+      <a:lnRef idx="2">
+        <a:scrgbClr r="0" g="0" b="0"/>
+      </a:lnRef>
+      <a:fillRef idx="1">
+        <a:scrgbClr r="0" g="0" b="0"/>
+      </a:fillRef>
+      <a:effectRef idx="0">
+        <a:scrgbClr r="0" g="0" b="0"/>
+      </a:effectRef>
+      <a:fontRef idx="minor"/>
+    </dgm:style>
+  </dgm:styleLbl>
+  <dgm:styleLbl name="fgAcc4">
+    <dgm:scene3d>
+      <a:camera prst="orthographicFront"/>
+      <a:lightRig rig="threePt" dir="t"/>
+    </dgm:scene3d>
+    <dgm:sp3d/>
+    <dgm:txPr/>
+    <dgm:style>
+      <a:lnRef idx="2">
+        <a:scrgbClr r="0" g="0" b="0"/>
+      </a:lnRef>
+      <a:fillRef idx="1">
+        <a:scrgbClr r="0" g="0" b="0"/>
+      </a:fillRef>
+      <a:effectRef idx="0">
+        <a:scrgbClr r="0" g="0" b="0"/>
+      </a:effectRef>
+      <a:fontRef idx="minor"/>
+    </dgm:style>
+  </dgm:styleLbl>
+  <dgm:styleLbl name="bgShp">
+    <dgm:scene3d>
+      <a:camera prst="orthographicFront"/>
+      <a:lightRig rig="threePt" dir="t"/>
+    </dgm:scene3d>
+    <dgm:sp3d/>
+    <dgm:txPr/>
+    <dgm:style>
+      <a:lnRef idx="0">
+        <a:scrgbClr r="0" g="0" b="0"/>
+      </a:lnRef>
+      <a:fillRef idx="1">
+        <a:scrgbClr r="0" g="0" b="0"/>
+      </a:fillRef>
+      <a:effectRef idx="0">
+        <a:scrgbClr r="0" g="0" b="0"/>
+      </a:effectRef>
+      <a:fontRef idx="minor"/>
+    </dgm:style>
+  </dgm:styleLbl>
+  <dgm:styleLbl name="dkBgShp">
+    <dgm:scene3d>
+      <a:camera prst="orthographicFront"/>
+      <a:lightRig rig="threePt" dir="t"/>
+    </dgm:scene3d>
+    <dgm:sp3d/>
+    <dgm:txPr/>
+    <dgm:style>
+      <a:lnRef idx="0">
+        <a:scrgbClr r="0" g="0" b="0"/>
+      </a:lnRef>
+      <a:fillRef idx="1">
+        <a:scrgbClr r="0" g="0" b="0"/>
+      </a:fillRef>
+      <a:effectRef idx="0">
+        <a:scrgbClr r="0" g="0" b="0"/>
+      </a:effectRef>
+      <a:fontRef idx="minor"/>
+    </dgm:style>
+  </dgm:styleLbl>
+  <dgm:styleLbl name="trBgShp">
+    <dgm:scene3d>
+      <a:camera prst="orthographicFront"/>
+      <a:lightRig rig="threePt" dir="t"/>
+    </dgm:scene3d>
+    <dgm:sp3d/>
+    <dgm:txPr/>
+    <dgm:style>
+      <a:lnRef idx="0">
+        <a:scrgbClr r="0" g="0" b="0"/>
+      </a:lnRef>
+      <a:fillRef idx="1">
+        <a:scrgbClr r="0" g="0" b="0"/>
+      </a:fillRef>
+      <a:effectRef idx="0">
+        <a:scrgbClr r="0" g="0" b="0"/>
+      </a:effectRef>
+      <a:fontRef idx="minor"/>
+    </dgm:style>
+  </dgm:styleLbl>
+  <dgm:styleLbl name="fgShp">
+    <dgm:scene3d>
+      <a:camera prst="orthographicFront"/>
+      <a:lightRig rig="threePt" dir="t"/>
+    </dgm:scene3d>
+    <dgm:sp3d/>
+    <dgm:txPr/>
+    <dgm:style>
+      <a:lnRef idx="2">
+        <a:scrgbClr r="0" g="0" b="0"/>
+      </a:lnRef>
+      <a:fillRef idx="1">
+        <a:scrgbClr r="0" g="0" b="0"/>
+      </a:fillRef>
+      <a:effectRef idx="0">
+        <a:scrgbClr r="0" g="0" b="0"/>
+      </a:effectRef>
+      <a:fontRef idx="minor"/>
+    </dgm:style>
+  </dgm:styleLbl>
+  <dgm:styleLbl name="revTx">
+    <dgm:scene3d>
+      <a:camera prst="orthographicFront"/>
+      <a:lightRig rig="threePt" dir="t"/>
+    </dgm:scene3d>
+    <dgm:sp3d/>
+    <dgm:txPr/>
+    <dgm:style>
+      <a:lnRef idx="0">
+        <a:scrgbClr r="0" g="0" b="0"/>
+      </a:lnRef>
+      <a:fillRef idx="0">
+        <a:scrgbClr r="0" g="0" b="0"/>
+      </a:fillRef>
+      <a:effectRef idx="0">
+        <a:scrgbClr r="0" g="0" b="0"/>
+      </a:effectRef>
+      <a:fontRef idx="minor"/>
+    </dgm:style>
+  </dgm:styleLbl>
+</dgm:styleDef>
 </file>
 
 <file path=ppt/handoutMasters/handoutMaster1.xml><?xml version="1.0" encoding="utf-8"?>
@@ -228,7 +5706,7 @@
           <a:p>
             <a:fld id="{56582AD4-AFC5-4F78-BE42-251407AF6580}" type="datetimeFigureOut">
               <a:rPr lang="de-DE" smtClean="0"/>
-              <a:t>24.06.2021</a:t>
+              <a:t>27.06.2021</a:t>
             </a:fld>
             <a:endParaRPr lang="de-DE"/>
           </a:p>
@@ -405,7 +5883,7 @@
           <a:p>
             <a:fld id="{83EF91D2-BBC4-44F5-BB54-BE64C3EEF80C}" type="datetimeFigureOut">
               <a:rPr lang="de-DE" smtClean="0"/>
-              <a:t>24.06.2021</a:t>
+              <a:t>27.06.2021</a:t>
             </a:fld>
             <a:endParaRPr lang="de-DE"/>
           </a:p>
@@ -672,6 +6150,255 @@
 </p:notesMaster>
 </file>
 
+<file path=ppt/notesSlides/notesSlide1.xml><?xml version="1.0" encoding="utf-8"?>
+<p:notes xmlns:a="http://schemas.openxmlformats.org/drawingml/2006/main" xmlns:r="http://schemas.openxmlformats.org/officeDocument/2006/relationships" xmlns:p="http://schemas.openxmlformats.org/presentationml/2006/main">
+  <p:cSld>
+    <p:spTree>
+      <p:nvGrpSpPr>
+        <p:cNvPr id="1" name=""/>
+        <p:cNvGrpSpPr/>
+        <p:nvPr/>
+      </p:nvGrpSpPr>
+      <p:grpSpPr>
+        <a:xfrm>
+          <a:off x="0" y="0"/>
+          <a:ext cx="0" cy="0"/>
+          <a:chOff x="0" y="0"/>
+          <a:chExt cx="0" cy="0"/>
+        </a:xfrm>
+      </p:grpSpPr>
+      <p:sp>
+        <p:nvSpPr>
+          <p:cNvPr id="2" name="Folienbildplatzhalter 1"/>
+          <p:cNvSpPr>
+            <a:spLocks noGrp="1" noRot="1" noChangeAspect="1"/>
+          </p:cNvSpPr>
+          <p:nvPr>
+            <p:ph type="sldImg"/>
+          </p:nvPr>
+        </p:nvSpPr>
+        <p:spPr/>
+      </p:sp>
+      <p:sp>
+        <p:nvSpPr>
+          <p:cNvPr id="3" name="Notizenplatzhalter 2"/>
+          <p:cNvSpPr>
+            <a:spLocks noGrp="1"/>
+          </p:cNvSpPr>
+          <p:nvPr>
+            <p:ph type="body" idx="1"/>
+          </p:nvPr>
+        </p:nvSpPr>
+        <p:spPr/>
+        <p:txBody>
+          <a:bodyPr/>
+          <a:lstStyle/>
+          <a:p>
+            <a:endParaRPr lang="de-DE" dirty="0"/>
+          </a:p>
+        </p:txBody>
+      </p:sp>
+      <p:sp>
+        <p:nvSpPr>
+          <p:cNvPr id="4" name="Foliennummernplatzhalter 3"/>
+          <p:cNvSpPr>
+            <a:spLocks noGrp="1"/>
+          </p:cNvSpPr>
+          <p:nvPr>
+            <p:ph type="sldNum" sz="quarter" idx="5"/>
+          </p:nvPr>
+        </p:nvSpPr>
+        <p:spPr/>
+        <p:txBody>
+          <a:bodyPr/>
+          <a:lstStyle/>
+          <a:p>
+            <a:fld id="{FBCCBC5E-3270-4F5A-BC57-D221939605CD}" type="slidenum">
+              <a:rPr lang="de-DE" smtClean="0"/>
+              <a:t>2</a:t>
+            </a:fld>
+            <a:endParaRPr lang="de-DE"/>
+          </a:p>
+        </p:txBody>
+      </p:sp>
+    </p:spTree>
+    <p:extLst>
+      <p:ext uri="{BB962C8B-B14F-4D97-AF65-F5344CB8AC3E}">
+        <p14:creationId xmlns:p14="http://schemas.microsoft.com/office/powerpoint/2010/main" val="3300082601"/>
+      </p:ext>
+    </p:extLst>
+  </p:cSld>
+  <p:clrMapOvr>
+    <a:masterClrMapping/>
+  </p:clrMapOvr>
+</p:notes>
+</file>
+
+<file path=ppt/notesSlides/notesSlide2.xml><?xml version="1.0" encoding="utf-8"?>
+<p:notes xmlns:a="http://schemas.openxmlformats.org/drawingml/2006/main" xmlns:r="http://schemas.openxmlformats.org/officeDocument/2006/relationships" xmlns:p="http://schemas.openxmlformats.org/presentationml/2006/main">
+  <p:cSld>
+    <p:spTree>
+      <p:nvGrpSpPr>
+        <p:cNvPr id="1" name=""/>
+        <p:cNvGrpSpPr/>
+        <p:nvPr/>
+      </p:nvGrpSpPr>
+      <p:grpSpPr>
+        <a:xfrm>
+          <a:off x="0" y="0"/>
+          <a:ext cx="0" cy="0"/>
+          <a:chOff x="0" y="0"/>
+          <a:chExt cx="0" cy="0"/>
+        </a:xfrm>
+      </p:grpSpPr>
+      <p:sp>
+        <p:nvSpPr>
+          <p:cNvPr id="2" name="Folienbildplatzhalter 1"/>
+          <p:cNvSpPr>
+            <a:spLocks noGrp="1" noRot="1" noChangeAspect="1"/>
+          </p:cNvSpPr>
+          <p:nvPr>
+            <p:ph type="sldImg"/>
+          </p:nvPr>
+        </p:nvSpPr>
+        <p:spPr/>
+      </p:sp>
+      <p:sp>
+        <p:nvSpPr>
+          <p:cNvPr id="3" name="Notizenplatzhalter 2"/>
+          <p:cNvSpPr>
+            <a:spLocks noGrp="1"/>
+          </p:cNvSpPr>
+          <p:nvPr>
+            <p:ph type="body" idx="1"/>
+          </p:nvPr>
+        </p:nvSpPr>
+        <p:spPr/>
+        <p:txBody>
+          <a:bodyPr/>
+          <a:lstStyle/>
+          <a:p>
+            <a:pPr algn="l"/>
+            <a:r>
+              <a:rPr lang="de-DE" sz="1800" b="0" i="0" u="none" strike="noStrike" baseline="0" dirty="0">
+                <a:latin typeface="LinLibertineT"/>
+              </a:rPr>
+              <a:t>Damit Frameworks die</a:t>
+            </a:r>
+          </a:p>
+          <a:p>
+            <a:pPr algn="l"/>
+            <a:r>
+              <a:rPr lang="de-DE" sz="1800" b="0" i="0" u="none" strike="noStrike" baseline="0" dirty="0">
+                <a:latin typeface="LinLibertineT"/>
+              </a:rPr>
+              <a:t>Verbesserung der Qualität eines Unternehmens und dessen Produkte,</a:t>
+            </a:r>
+          </a:p>
+          <a:p>
+            <a:pPr algn="l"/>
+            <a:r>
+              <a:rPr lang="de-DE" sz="1800" b="0" i="0" u="none" strike="noStrike" baseline="0" dirty="0">
+                <a:latin typeface="LinLibertineT"/>
+              </a:rPr>
+              <a:t>Dienstleistungen und Prozesse unterstützen können, müssen</a:t>
+            </a:r>
+          </a:p>
+          <a:p>
+            <a:pPr algn="l"/>
+            <a:r>
+              <a:rPr lang="de-DE" sz="1800" b="0" i="0" u="none" strike="noStrike" baseline="0" dirty="0">
+                <a:latin typeface="LinLibertineT"/>
+              </a:rPr>
+              <a:t>die Organisationen Richtlinien verfassen, die </a:t>
+            </a:r>
+            <a:r>
+              <a:rPr lang="de-DE" sz="1800" b="0" i="0" u="none" strike="noStrike" baseline="0" dirty="0" err="1">
+                <a:latin typeface="LinLibertineT"/>
+              </a:rPr>
+              <a:t>dieWerte</a:t>
+            </a:r>
+            <a:r>
+              <a:rPr lang="de-DE" sz="1800" b="0" i="0" u="none" strike="noStrike" baseline="0" dirty="0">
+                <a:latin typeface="LinLibertineT"/>
+              </a:rPr>
+              <a:t>, Regeln und</a:t>
+            </a:r>
+          </a:p>
+          <a:p>
+            <a:pPr algn="l"/>
+            <a:r>
+              <a:rPr lang="de-DE" sz="1800" b="0" i="0" u="none" strike="noStrike" baseline="0" dirty="0">
+                <a:latin typeface="LinLibertineT"/>
+              </a:rPr>
+              <a:t>gewünschten Verhaltensweisen im Unternehmen festlegen</a:t>
+            </a:r>
+            <a:endParaRPr lang="de-DE" b="1" dirty="0"/>
+          </a:p>
+          <a:p>
+            <a:pPr marL="0" marR="0" lvl="0" indent="0" algn="l" defTabSz="914400" rtl="0" eaLnBrk="1" fontAlgn="auto" latinLnBrk="0" hangingPunct="1">
+              <a:lnSpc>
+                <a:spcPct val="100000"/>
+              </a:lnSpc>
+              <a:spcBef>
+                <a:spcPts val="0"/>
+              </a:spcBef>
+              <a:spcAft>
+                <a:spcPts val="0"/>
+              </a:spcAft>
+              <a:buClrTx/>
+              <a:buSzTx/>
+              <a:buFontTx/>
+              <a:buNone/>
+              <a:tabLst/>
+              <a:defRPr/>
+            </a:pPr>
+            <a:r>
+              <a:rPr lang="de-DE" b="1" dirty="0"/>
+              <a:t>Umsetzung von  Qualität in Unternehmen</a:t>
+            </a:r>
+          </a:p>
+          <a:p>
+            <a:endParaRPr lang="de-DE" dirty="0"/>
+          </a:p>
+        </p:txBody>
+      </p:sp>
+      <p:sp>
+        <p:nvSpPr>
+          <p:cNvPr id="4" name="Foliennummernplatzhalter 3"/>
+          <p:cNvSpPr>
+            <a:spLocks noGrp="1"/>
+          </p:cNvSpPr>
+          <p:nvPr>
+            <p:ph type="sldNum" sz="quarter" idx="5"/>
+          </p:nvPr>
+        </p:nvSpPr>
+        <p:spPr/>
+        <p:txBody>
+          <a:bodyPr/>
+          <a:lstStyle/>
+          <a:p>
+            <a:fld id="{FBCCBC5E-3270-4F5A-BC57-D221939605CD}" type="slidenum">
+              <a:rPr lang="de-DE" smtClean="0"/>
+              <a:t>5</a:t>
+            </a:fld>
+            <a:endParaRPr lang="de-DE"/>
+          </a:p>
+        </p:txBody>
+      </p:sp>
+    </p:spTree>
+    <p:extLst>
+      <p:ext uri="{BB962C8B-B14F-4D97-AF65-F5344CB8AC3E}">
+        <p14:creationId xmlns:p14="http://schemas.microsoft.com/office/powerpoint/2010/main" val="3183768408"/>
+      </p:ext>
+    </p:extLst>
+  </p:cSld>
+  <p:clrMapOvr>
+    <a:masterClrMapping/>
+  </p:clrMapOvr>
+</p:notes>
+</file>
+
 <file path=ppt/slideLayouts/slideLayout1.xml><?xml version="1.0" encoding="utf-8"?>
 <p:sldLayout xmlns:a="http://schemas.openxmlformats.org/drawingml/2006/main" xmlns:r="http://schemas.openxmlformats.org/officeDocument/2006/relationships" xmlns:p="http://schemas.openxmlformats.org/presentationml/2006/main" preserve="1" userDrawn="1">
   <p:cSld name="Titelfolie">
@@ -721,19 +6448,13 @@
                 <a:solidFill>
                   <a:schemeClr val="accent4"/>
                 </a:solidFill>
-                <a:effectLst>
-                  <a:outerShdw blurRad="50800" dist="50800" dir="2400000" algn="ctr" rotWithShape="0">
-                    <a:srgbClr val="000000">
-                      <a:alpha val="43137"/>
-                    </a:srgbClr>
-                  </a:outerShdw>
-                </a:effectLst>
+                <a:effectLst/>
               </a:defRPr>
             </a:lvl1pPr>
           </a:lstStyle>
           <a:p>
             <a:r>
-              <a:rPr lang="de-DE"/>
+              <a:rPr lang="de-DE" dirty="0"/>
               <a:t>Mastertitelformat bearbeiten</a:t>
             </a:r>
           </a:p>
@@ -772,13 +6493,7 @@
                 <a:solidFill>
                   <a:schemeClr val="accent4"/>
                 </a:solidFill>
-                <a:effectLst>
-                  <a:outerShdw blurRad="50800" dist="50800" dir="2400000" algn="ctr" rotWithShape="0">
-                    <a:srgbClr val="000000">
-                      <a:alpha val="43137"/>
-                    </a:srgbClr>
-                  </a:outerShdw>
-                </a:effectLst>
+                <a:effectLst/>
                 <a:latin typeface="+mj-lt"/>
               </a:defRPr>
             </a:lvl1pPr>
@@ -817,7 +6532,7 @@
           </a:lstStyle>
           <a:p>
             <a:r>
-              <a:rPr lang="de-DE"/>
+              <a:rPr lang="de-DE" dirty="0"/>
               <a:t>Master-Untertitelformat bearbeiten</a:t>
             </a:r>
           </a:p>
@@ -923,13 +6638,7 @@
             <a:lvl1pPr marL="0" indent="0">
               <a:buNone/>
               <a:defRPr sz="2400">
-                <a:effectLst>
-                  <a:outerShdw blurRad="50800" dist="50800" dir="2400000" algn="ctr" rotWithShape="0">
-                    <a:srgbClr val="000000">
-                      <a:alpha val="43137"/>
-                    </a:srgbClr>
-                  </a:outerShdw>
-                </a:effectLst>
+                <a:effectLst/>
                 <a:latin typeface="+mj-lt"/>
               </a:defRPr>
             </a:lvl1pPr>
@@ -957,7 +6666,7 @@
           <a:p>
             <a:pPr lvl="0"/>
             <a:r>
-              <a:rPr lang="de-DE"/>
+              <a:rPr lang="de-DE" dirty="0"/>
               <a:t>Mastertextformat bearbeiten</a:t>
             </a:r>
           </a:p>
@@ -991,13 +6700,7 @@
             <a:lvl1pPr marL="0" indent="0">
               <a:buNone/>
               <a:defRPr sz="2400">
-                <a:effectLst>
-                  <a:outerShdw blurRad="50800" dist="50800" dir="2400000" algn="ctr" rotWithShape="0">
-                    <a:srgbClr val="000000">
-                      <a:alpha val="43137"/>
-                    </a:srgbClr>
-                  </a:outerShdw>
-                </a:effectLst>
+                <a:effectLst/>
                 <a:latin typeface="+mj-lt"/>
               </a:defRPr>
             </a:lvl1pPr>
@@ -1005,7 +6708,7 @@
           <a:p>
             <a:pPr lvl="0"/>
             <a:r>
-              <a:rPr lang="de-DE"/>
+              <a:rPr lang="de-DE" dirty="0"/>
               <a:t>Mastertextformat bearbeiten</a:t>
             </a:r>
           </a:p>
@@ -1034,7 +6737,7 @@
           <a:p>
             <a:fld id="{FD5332E8-B613-4923-9B82-C04AF66D01B0}" type="datetime1">
               <a:rPr lang="de-DE" smtClean="0"/>
-              <a:t>24.06.2021</a:t>
+              <a:t>27.06.2021</a:t>
             </a:fld>
             <a:endParaRPr lang="de-DE"/>
           </a:p>
@@ -1162,13 +6865,7 @@
                 <a:solidFill>
                   <a:schemeClr val="accent4"/>
                 </a:solidFill>
-                <a:effectLst>
-                  <a:outerShdw blurRad="50800" dist="50800" dir="2400000" algn="ctr" rotWithShape="0">
-                    <a:srgbClr val="000000">
-                      <a:alpha val="43137"/>
-                    </a:srgbClr>
-                  </a:outerShdw>
-                </a:effectLst>
+                <a:effectLst/>
                 <a:latin typeface="+mj-lt"/>
                 <a:ea typeface="+mj-ea"/>
                 <a:cs typeface="+mj-cs"/>
@@ -1177,7 +6874,7 @@
           </a:lstStyle>
           <a:p>
             <a:r>
-              <a:rPr lang="de-DE"/>
+              <a:rPr lang="de-DE" dirty="0"/>
               <a:t>Mastertitelformat bearbeiten</a:t>
             </a:r>
           </a:p>
@@ -1263,7 +6960,7 @@
           <a:p>
             <a:fld id="{733E855F-06AD-43F9-81A2-496A849F867C}" type="datetime1">
               <a:rPr lang="de-DE" smtClean="0"/>
-              <a:t>24.06.2021</a:t>
+              <a:t>27.06.2021</a:t>
             </a:fld>
             <a:endParaRPr lang="de-DE"/>
           </a:p>
@@ -1396,13 +7093,7 @@
                 <a:solidFill>
                   <a:schemeClr val="accent4"/>
                 </a:solidFill>
-                <a:effectLst>
-                  <a:outerShdw blurRad="50800" dist="50800" dir="2400000" algn="ctr" rotWithShape="0">
-                    <a:srgbClr val="000000">
-                      <a:alpha val="43137"/>
-                    </a:srgbClr>
-                  </a:outerShdw>
-                </a:effectLst>
+                <a:effectLst/>
                 <a:latin typeface="+mj-lt"/>
                 <a:ea typeface="+mj-ea"/>
                 <a:cs typeface="+mj-cs"/>
@@ -1411,7 +7102,7 @@
           </a:lstStyle>
           <a:p>
             <a:r>
-              <a:rPr lang="de-DE"/>
+              <a:rPr lang="de-DE" dirty="0"/>
               <a:t>Mastertitelformat bearbeiten</a:t>
             </a:r>
           </a:p>
@@ -1502,7 +7193,7 @@
           <a:p>
             <a:fld id="{814228DF-DFAD-4AEC-8949-26FBE059D6DF}" type="datetime1">
               <a:rPr lang="de-DE" smtClean="0"/>
-              <a:t>24.06.2021</a:t>
+              <a:t>27.06.2021</a:t>
             </a:fld>
             <a:endParaRPr lang="de-DE"/>
           </a:p>
@@ -1632,19 +7323,13 @@
                 <a:solidFill>
                   <a:schemeClr val="accent4"/>
                 </a:solidFill>
-                <a:effectLst>
-                  <a:outerShdw blurRad="50800" dist="50800" dir="2400000" algn="ctr" rotWithShape="0">
-                    <a:srgbClr val="000000">
-                      <a:alpha val="43137"/>
-                    </a:srgbClr>
-                  </a:outerShdw>
-                </a:effectLst>
+                <a:effectLst/>
               </a:defRPr>
             </a:lvl1pPr>
           </a:lstStyle>
           <a:p>
             <a:r>
-              <a:rPr lang="de-DE"/>
+              <a:rPr lang="de-DE" dirty="0"/>
               <a:t>Mastertitelformat bearbeiten</a:t>
             </a:r>
           </a:p>
@@ -1730,7 +7415,7 @@
           <a:p>
             <a:fld id="{E59088F5-CBD1-44C3-809D-45DB2EE2134D}" type="datetime1">
               <a:rPr lang="de-DE" smtClean="0"/>
-              <a:t>24.06.2021</a:t>
+              <a:t>27.06.2021</a:t>
             </a:fld>
             <a:endParaRPr lang="de-DE"/>
           </a:p>
@@ -1956,19 +7641,13 @@
                 <a:solidFill>
                   <a:schemeClr val="accent4"/>
                 </a:solidFill>
-                <a:effectLst>
-                  <a:outerShdw blurRad="50800" dist="50800" dir="2400000" algn="ctr" rotWithShape="0">
-                    <a:srgbClr val="000000">
-                      <a:alpha val="43137"/>
-                    </a:srgbClr>
-                  </a:outerShdw>
-                </a:effectLst>
+                <a:effectLst/>
               </a:defRPr>
             </a:lvl1pPr>
           </a:lstStyle>
           <a:p>
             <a:r>
-              <a:rPr lang="de-DE"/>
+              <a:rPr lang="de-DE" dirty="0"/>
               <a:t>Mastertitelformat bearbeiten</a:t>
             </a:r>
           </a:p>
@@ -2130,7 +7809,7 @@
           <a:p>
             <a:fld id="{A3EDFE8D-444E-4600-A3F4-B9BA664D1AD8}" type="datetime1">
               <a:rPr lang="de-DE" smtClean="0"/>
-              <a:t>24.06.2021</a:t>
+              <a:t>27.06.2021</a:t>
             </a:fld>
             <a:endParaRPr lang="de-DE"/>
           </a:p>
@@ -2258,19 +7937,13 @@
                 <a:solidFill>
                   <a:schemeClr val="accent4"/>
                 </a:solidFill>
-                <a:effectLst>
-                  <a:outerShdw blurRad="50800" dist="50800" dir="2400000" algn="ctr" rotWithShape="0">
-                    <a:srgbClr val="000000">
-                      <a:alpha val="43137"/>
-                    </a:srgbClr>
-                  </a:outerShdw>
-                </a:effectLst>
+                <a:effectLst/>
               </a:defRPr>
             </a:lvl1pPr>
           </a:lstStyle>
           <a:p>
             <a:r>
-              <a:rPr lang="de-DE"/>
+              <a:rPr lang="de-DE" dirty="0"/>
               <a:t>Mastertitelformat bearbeiten</a:t>
             </a:r>
           </a:p>
@@ -2423,7 +8096,7 @@
           <a:p>
             <a:fld id="{FB6DBAB9-40E6-4EC7-A3D7-65FFC3231677}" type="datetime1">
               <a:rPr lang="de-DE" smtClean="0"/>
-              <a:t>24.06.2021</a:t>
+              <a:t>27.06.2021</a:t>
             </a:fld>
             <a:endParaRPr lang="de-DE"/>
           </a:p>
@@ -2556,13 +8229,7 @@
                 <a:solidFill>
                   <a:schemeClr val="accent4"/>
                 </a:solidFill>
-                <a:effectLst>
-                  <a:outerShdw blurRad="50800" dist="50800" dir="2400000" algn="ctr" rotWithShape="0">
-                    <a:srgbClr val="000000">
-                      <a:alpha val="43137"/>
-                    </a:srgbClr>
-                  </a:outerShdw>
-                </a:effectLst>
+                <a:effectLst/>
                 <a:latin typeface="+mj-lt"/>
                 <a:ea typeface="+mj-ea"/>
                 <a:cs typeface="+mj-cs"/>
@@ -2571,7 +8238,7 @@
           </a:lstStyle>
           <a:p>
             <a:r>
-              <a:rPr lang="de-DE"/>
+              <a:rPr lang="de-DE" dirty="0"/>
               <a:t>Mastertitelformat bearbeiten</a:t>
             </a:r>
           </a:p>
@@ -2866,7 +8533,7 @@
           <a:p>
             <a:fld id="{67412E0F-39BC-4C67-AE51-9200C1DAE275}" type="datetime1">
               <a:rPr lang="de-DE" smtClean="0"/>
-              <a:t>24.06.2021</a:t>
+              <a:t>27.06.2021</a:t>
             </a:fld>
             <a:endParaRPr lang="de-DE"/>
           </a:p>
@@ -2994,13 +8661,7 @@
                 <a:solidFill>
                   <a:schemeClr val="accent4"/>
                 </a:solidFill>
-                <a:effectLst>
-                  <a:outerShdw blurRad="50800" dist="50800" dir="2400000" algn="ctr" rotWithShape="0">
-                    <a:srgbClr val="000000">
-                      <a:alpha val="43137"/>
-                    </a:srgbClr>
-                  </a:outerShdw>
-                </a:effectLst>
+                <a:effectLst/>
                 <a:latin typeface="+mj-lt"/>
                 <a:ea typeface="+mj-ea"/>
                 <a:cs typeface="+mj-cs"/>
@@ -3009,7 +8670,7 @@
           </a:lstStyle>
           <a:p>
             <a:r>
-              <a:rPr lang="de-DE"/>
+              <a:rPr lang="de-DE" dirty="0"/>
               <a:t>Mastertitelformat bearbeiten</a:t>
             </a:r>
           </a:p>
@@ -3038,7 +8699,7 @@
           <a:p>
             <a:fld id="{987F63AA-5109-46E5-BADA-E819FC655CE5}" type="datetime1">
               <a:rPr lang="de-DE" smtClean="0"/>
-              <a:t>24.06.2021</a:t>
+              <a:t>27.06.2021</a:t>
             </a:fld>
             <a:endParaRPr lang="de-DE"/>
           </a:p>
@@ -3164,7 +8825,7 @@
           <a:p>
             <a:fld id="{C465B7F2-313D-4AE4-9F8F-C1AF621F20F1}" type="datetime1">
               <a:rPr lang="de-DE" smtClean="0"/>
-              <a:t>24.06.2021</a:t>
+              <a:t>27.06.2021</a:t>
             </a:fld>
             <a:endParaRPr lang="de-DE"/>
           </a:p>
@@ -3297,19 +8958,13 @@
                 <a:solidFill>
                   <a:schemeClr val="accent4"/>
                 </a:solidFill>
-                <a:effectLst>
-                  <a:outerShdw blurRad="50800" dist="50800" dir="2400000" algn="ctr" rotWithShape="0">
-                    <a:srgbClr val="000000">
-                      <a:alpha val="43137"/>
-                    </a:srgbClr>
-                  </a:outerShdw>
-                </a:effectLst>
+                <a:effectLst/>
               </a:defRPr>
             </a:lvl1pPr>
           </a:lstStyle>
           <a:p>
             <a:r>
-              <a:rPr lang="de-DE"/>
+              <a:rPr lang="de-DE" dirty="0"/>
               <a:t>Mastertitelformat bearbeiten</a:t>
             </a:r>
           </a:p>
@@ -3499,7 +9154,7 @@
           <a:p>
             <a:fld id="{C47B1923-7A0F-45E0-A742-1A8B843086F3}" type="datetime1">
               <a:rPr lang="de-DE" smtClean="0"/>
-              <a:t>24.06.2021</a:t>
+              <a:t>27.06.2021</a:t>
             </a:fld>
             <a:endParaRPr lang="de-DE"/>
           </a:p>
@@ -3628,12 +9283,14 @@
           <a:bodyPr anchor="b"/>
           <a:lstStyle>
             <a:lvl1pPr>
-              <a:defRPr sz="3200"/>
+              <a:defRPr sz="3200">
+                <a:effectLst/>
+              </a:defRPr>
             </a:lvl1pPr>
           </a:lstStyle>
           <a:p>
             <a:r>
-              <a:rPr lang="de-DE"/>
+              <a:rPr lang="de-DE" dirty="0"/>
               <a:t>Mastertitelformat bearbeiten</a:t>
             </a:r>
           </a:p>
@@ -3800,7 +9457,7 @@
           <a:p>
             <a:fld id="{F9458C77-2F51-4EB9-B0EE-4B025C87D7DD}" type="datetime1">
               <a:rPr lang="de-DE" smtClean="0"/>
-              <a:t>24.06.2021</a:t>
+              <a:t>27.06.2021</a:t>
             </a:fld>
             <a:endParaRPr lang="de-DE"/>
           </a:p>
@@ -3940,7 +9597,7 @@
           <a:lstStyle/>
           <a:p>
             <a:r>
-              <a:rPr lang="de-DE"/>
+              <a:rPr lang="de-DE" dirty="0"/>
               <a:t>Mastertitelformat bearbeiten</a:t>
             </a:r>
           </a:p>
@@ -4054,7 +9711,7 @@
           <a:p>
             <a:fld id="{1B7C79C9-716B-4E3C-86FB-D2E355D3EC67}" type="datetime1">
               <a:rPr lang="de-DE" smtClean="0"/>
-              <a:t>24.06.2021</a:t>
+              <a:t>27.06.2021</a:t>
             </a:fld>
             <a:endParaRPr lang="de-DE"/>
           </a:p>
@@ -4227,13 +9884,7 @@
           <a:solidFill>
             <a:schemeClr val="accent4"/>
           </a:solidFill>
-          <a:effectLst>
-            <a:outerShdw blurRad="50800" dist="50800" dir="2400000" algn="ctr" rotWithShape="0">
-              <a:srgbClr val="000000">
-                <a:alpha val="43137"/>
-              </a:srgbClr>
-            </a:outerShdw>
-          </a:effectLst>
+          <a:effectLst/>
           <a:latin typeface="+mj-lt"/>
           <a:ea typeface="+mj-ea"/>
           <a:cs typeface="+mj-cs"/>
@@ -4549,8 +10200,14 @@
           <a:lstStyle/>
           <a:p>
             <a:r>
+              <a:rPr lang="de-DE" dirty="0">
+                <a:effectLst/>
+              </a:rPr>
+              <a:t>Qualitätssicherung</a:t>
+            </a:r>
+            <a:r>
               <a:rPr lang="de-DE" dirty="0"/>
-              <a:t>Qualitätssicherung in ITIL</a:t>
+              <a:t> in ITIL</a:t>
             </a:r>
           </a:p>
         </p:txBody>
@@ -4667,7 +10324,7 @@
           <a:p>
             <a:fld id="{FD5332E8-B613-4923-9B82-C04AF66D01B0}" type="datetime1">
               <a:rPr lang="de-DE" smtClean="0"/>
-              <a:t>24.06.2021</a:t>
+              <a:t>27.06.2021</a:t>
             </a:fld>
             <a:endParaRPr lang="de-DE"/>
           </a:p>
@@ -4784,7 +10441,7 @@
         </p:nvSpPr>
         <p:spPr>
           <a:xfrm>
-            <a:off x="4884263" y="2766218"/>
+            <a:off x="4667447" y="2323158"/>
             <a:ext cx="2423474" cy="1325563"/>
           </a:xfrm>
         </p:spPr>
@@ -4793,7 +10450,9 @@
           <a:lstStyle/>
           <a:p>
             <a:r>
-              <a:rPr lang="de-DE" dirty="0"/>
+              <a:rPr lang="de-DE" dirty="0">
+                <a:effectLst/>
+              </a:rPr>
               <a:t>Einstieg</a:t>
             </a:r>
           </a:p>
@@ -4822,7 +10481,7 @@
           <a:p>
             <a:fld id="{E59088F5-CBD1-44C3-809D-45DB2EE2134D}" type="datetime1">
               <a:rPr lang="de-DE" smtClean="0"/>
-              <a:t>24.06.2021</a:t>
+              <a:t>27.06.2021</a:t>
             </a:fld>
             <a:endParaRPr lang="de-DE"/>
           </a:p>
@@ -4909,7 +10568,9 @@
           <a:lstStyle/>
           <a:p>
             <a:r>
-              <a:rPr lang="de-DE" dirty="0"/>
+              <a:rPr lang="de-DE" dirty="0">
+                <a:effectLst/>
+              </a:rPr>
               <a:t>Gliederung</a:t>
             </a:r>
           </a:p>
@@ -4940,6 +10601,12 @@
           <a:p>
             <a:r>
               <a:rPr lang="de-DE" dirty="0"/>
+              <a:t>Qualität und IT Management</a:t>
+            </a:r>
+          </a:p>
+          <a:p>
+            <a:r>
+              <a:rPr lang="de-DE" dirty="0"/>
               <a:t>Grundlagen </a:t>
             </a:r>
           </a:p>
@@ -5127,13 +10794,6 @@
               <a:t>Service Validierung</a:t>
             </a:r>
             <a:endParaRPr lang="de-DE" dirty="0"/>
-          </a:p>
-          <a:p>
-            <a:pPr lvl="1"/>
-            <a:r>
-              <a:rPr lang="de-DE" dirty="0"/>
-              <a:t>Testplanung- und Durchführung </a:t>
-            </a:r>
           </a:p>
           <a:p>
             <a:pPr marL="228600" lvl="2">
@@ -5171,7 +10831,7 @@
           <a:p>
             <a:fld id="{E59088F5-CBD1-44C3-809D-45DB2EE2134D}" type="datetime1">
               <a:rPr lang="de-DE" smtClean="0"/>
-              <a:t>24.06.2021</a:t>
+              <a:t>27.06.2021</a:t>
             </a:fld>
             <a:endParaRPr lang="de-DE"/>
           </a:p>
@@ -5210,6 +10870,1063 @@
     <p:extLst>
       <p:ext uri="{BB962C8B-B14F-4D97-AF65-F5344CB8AC3E}">
         <p14:creationId xmlns:p14="http://schemas.microsoft.com/office/powerpoint/2010/main" val="4053967708"/>
+      </p:ext>
+    </p:extLst>
+  </p:cSld>
+  <p:clrMapOvr>
+    <a:masterClrMapping/>
+  </p:clrMapOvr>
+</p:sld>
+</file>
+
+<file path=ppt/slides/slide4.xml><?xml version="1.0" encoding="utf-8"?>
+<p:sld xmlns:a="http://schemas.openxmlformats.org/drawingml/2006/main" xmlns:r="http://schemas.openxmlformats.org/officeDocument/2006/relationships" xmlns:p="http://schemas.openxmlformats.org/presentationml/2006/main">
+  <p:cSld>
+    <p:spTree>
+      <p:nvGrpSpPr>
+        <p:cNvPr id="1" name=""/>
+        <p:cNvGrpSpPr/>
+        <p:nvPr/>
+      </p:nvGrpSpPr>
+      <p:grpSpPr>
+        <a:xfrm>
+          <a:off x="0" y="0"/>
+          <a:ext cx="0" cy="0"/>
+          <a:chOff x="0" y="0"/>
+          <a:chExt cx="0" cy="0"/>
+        </a:xfrm>
+      </p:grpSpPr>
+      <p:sp>
+        <p:nvSpPr>
+          <p:cNvPr id="2" name="Titel 1">
+            <a:extLst>
+              <a:ext uri="{FF2B5EF4-FFF2-40B4-BE49-F238E27FC236}">
+                <a16:creationId xmlns:a16="http://schemas.microsoft.com/office/drawing/2014/main" id="{6214CF4D-1592-4AF2-AE5D-07333F69F278}"/>
+              </a:ext>
+            </a:extLst>
+          </p:cNvPr>
+          <p:cNvSpPr>
+            <a:spLocks noGrp="1"/>
+          </p:cNvSpPr>
+          <p:nvPr>
+            <p:ph type="title"/>
+          </p:nvPr>
+        </p:nvSpPr>
+        <p:spPr/>
+        <p:txBody>
+          <a:bodyPr/>
+          <a:lstStyle/>
+          <a:p>
+            <a:r>
+              <a:rPr lang="de-DE" dirty="0"/>
+              <a:t>Qualität und IT Management I</a:t>
+            </a:r>
+          </a:p>
+        </p:txBody>
+      </p:sp>
+      <p:sp>
+        <p:nvSpPr>
+          <p:cNvPr id="3" name="Inhaltsplatzhalter 2">
+            <a:extLst>
+              <a:ext uri="{FF2B5EF4-FFF2-40B4-BE49-F238E27FC236}">
+                <a16:creationId xmlns:a16="http://schemas.microsoft.com/office/drawing/2014/main" id="{9BDAFB1F-016F-4231-B554-DC44F04DE820}"/>
+              </a:ext>
+            </a:extLst>
+          </p:cNvPr>
+          <p:cNvSpPr>
+            <a:spLocks noGrp="1"/>
+          </p:cNvSpPr>
+          <p:nvPr>
+            <p:ph idx="1"/>
+          </p:nvPr>
+        </p:nvSpPr>
+        <p:spPr/>
+        <p:txBody>
+          <a:bodyPr/>
+          <a:lstStyle/>
+          <a:p>
+            <a:pPr marL="0" indent="0" algn="l">
+              <a:buNone/>
+            </a:pPr>
+            <a:r>
+              <a:rPr lang="de-DE" b="1" dirty="0"/>
+              <a:t>Allgemein: </a:t>
+            </a:r>
+          </a:p>
+          <a:p>
+            <a:pPr marL="0" indent="0" algn="l">
+              <a:buNone/>
+            </a:pPr>
+            <a:r>
+              <a:rPr lang="de-DE" dirty="0"/>
+              <a:t>Qualität  - </a:t>
+            </a:r>
+            <a:r>
+              <a:rPr lang="de-DE" sz="2800" b="0" i="0" u="none" strike="noStrike" baseline="0" dirty="0">
+                <a:latin typeface="LinLibertineT"/>
+              </a:rPr>
+              <a:t>Beschaffenheit oder Eigenschaft einer Sache oder Person</a:t>
+            </a:r>
+          </a:p>
+          <a:p>
+            <a:pPr marL="0" indent="0" algn="l">
+              <a:buNone/>
+            </a:pPr>
+            <a:endParaRPr lang="de-DE" dirty="0">
+              <a:latin typeface="LinLibertineT"/>
+            </a:endParaRPr>
+          </a:p>
+          <a:p>
+            <a:pPr marL="0" indent="0" algn="l">
+              <a:buNone/>
+            </a:pPr>
+            <a:r>
+              <a:rPr lang="de-DE" b="1" dirty="0">
+                <a:latin typeface="LinLibertineT"/>
+              </a:rPr>
+              <a:t>Wirtschaft: </a:t>
+            </a:r>
+          </a:p>
+          <a:p>
+            <a:pPr marL="0" indent="0" algn="l">
+              <a:buNone/>
+            </a:pPr>
+            <a:r>
+              <a:rPr lang="de-DE" dirty="0"/>
+              <a:t>Qualität - Wert oder die Güte einer Sach- oder Dienstleistung aus Sicht des Anwenders/der Anwenderin</a:t>
+            </a:r>
+          </a:p>
+          <a:p>
+            <a:pPr marL="0" indent="0" algn="l">
+              <a:buNone/>
+            </a:pPr>
+            <a:endParaRPr lang="de-DE" dirty="0"/>
+          </a:p>
+          <a:p>
+            <a:pPr marL="0" indent="0" algn="l">
+              <a:buNone/>
+            </a:pPr>
+            <a:r>
+              <a:rPr lang="de-DE" b="1" dirty="0"/>
+              <a:t>ISO 9000:2015</a:t>
+            </a:r>
+          </a:p>
+          <a:p>
+            <a:pPr marL="0" indent="0" algn="l">
+              <a:buNone/>
+            </a:pPr>
+            <a:endParaRPr lang="de-DE" dirty="0"/>
+          </a:p>
+        </p:txBody>
+      </p:sp>
+      <p:sp>
+        <p:nvSpPr>
+          <p:cNvPr id="4" name="Datumsplatzhalter 3">
+            <a:extLst>
+              <a:ext uri="{FF2B5EF4-FFF2-40B4-BE49-F238E27FC236}">
+                <a16:creationId xmlns:a16="http://schemas.microsoft.com/office/drawing/2014/main" id="{E2B5A70E-EBC8-4955-A98C-98F5AE555F10}"/>
+              </a:ext>
+            </a:extLst>
+          </p:cNvPr>
+          <p:cNvSpPr>
+            <a:spLocks noGrp="1"/>
+          </p:cNvSpPr>
+          <p:nvPr>
+            <p:ph type="dt" sz="half" idx="10"/>
+          </p:nvPr>
+        </p:nvSpPr>
+        <p:spPr/>
+        <p:txBody>
+          <a:bodyPr/>
+          <a:lstStyle/>
+          <a:p>
+            <a:fld id="{E59088F5-CBD1-44C3-809D-45DB2EE2134D}" type="datetime1">
+              <a:rPr lang="de-DE" smtClean="0"/>
+              <a:t>27.06.2021</a:t>
+            </a:fld>
+            <a:endParaRPr lang="de-DE"/>
+          </a:p>
+        </p:txBody>
+      </p:sp>
+      <p:sp>
+        <p:nvSpPr>
+          <p:cNvPr id="5" name="Foliennummernplatzhalter 4">
+            <a:extLst>
+              <a:ext uri="{FF2B5EF4-FFF2-40B4-BE49-F238E27FC236}">
+                <a16:creationId xmlns:a16="http://schemas.microsoft.com/office/drawing/2014/main" id="{C232DEB8-3DDD-4C6E-98EA-29870685D6D0}"/>
+              </a:ext>
+            </a:extLst>
+          </p:cNvPr>
+          <p:cNvSpPr>
+            <a:spLocks noGrp="1"/>
+          </p:cNvSpPr>
+          <p:nvPr>
+            <p:ph type="sldNum" sz="quarter" idx="12"/>
+          </p:nvPr>
+        </p:nvSpPr>
+        <p:spPr/>
+        <p:txBody>
+          <a:bodyPr/>
+          <a:lstStyle/>
+          <a:p>
+            <a:fld id="{AE1E1EB3-B919-4771-A43C-7C8BA70B36D7}" type="slidenum">
+              <a:rPr lang="de-DE" smtClean="0"/>
+              <a:t>4</a:t>
+            </a:fld>
+            <a:endParaRPr lang="de-DE"/>
+          </a:p>
+        </p:txBody>
+      </p:sp>
+    </p:spTree>
+    <p:extLst>
+      <p:ext uri="{BB962C8B-B14F-4D97-AF65-F5344CB8AC3E}">
+        <p14:creationId xmlns:p14="http://schemas.microsoft.com/office/powerpoint/2010/main" val="797735503"/>
+      </p:ext>
+    </p:extLst>
+  </p:cSld>
+  <p:clrMapOvr>
+    <a:masterClrMapping/>
+  </p:clrMapOvr>
+</p:sld>
+</file>
+
+<file path=ppt/slides/slide5.xml><?xml version="1.0" encoding="utf-8"?>
+<p:sld xmlns:a="http://schemas.openxmlformats.org/drawingml/2006/main" xmlns:r="http://schemas.openxmlformats.org/officeDocument/2006/relationships" xmlns:p="http://schemas.openxmlformats.org/presentationml/2006/main">
+  <p:cSld>
+    <p:spTree>
+      <p:nvGrpSpPr>
+        <p:cNvPr id="1" name=""/>
+        <p:cNvGrpSpPr/>
+        <p:nvPr/>
+      </p:nvGrpSpPr>
+      <p:grpSpPr>
+        <a:xfrm>
+          <a:off x="0" y="0"/>
+          <a:ext cx="0" cy="0"/>
+          <a:chOff x="0" y="0"/>
+          <a:chExt cx="0" cy="0"/>
+        </a:xfrm>
+      </p:grpSpPr>
+      <p:sp>
+        <p:nvSpPr>
+          <p:cNvPr id="2" name="Titel 1">
+            <a:extLst>
+              <a:ext uri="{FF2B5EF4-FFF2-40B4-BE49-F238E27FC236}">
+                <a16:creationId xmlns:a16="http://schemas.microsoft.com/office/drawing/2014/main" id="{CBDBF0C2-9D7E-4C35-B486-C745847DA1CF}"/>
+              </a:ext>
+            </a:extLst>
+          </p:cNvPr>
+          <p:cNvSpPr>
+            <a:spLocks noGrp="1"/>
+          </p:cNvSpPr>
+          <p:nvPr>
+            <p:ph type="title"/>
+          </p:nvPr>
+        </p:nvSpPr>
+        <p:spPr/>
+        <p:txBody>
+          <a:bodyPr/>
+          <a:lstStyle/>
+          <a:p>
+            <a:r>
+              <a:rPr lang="de-DE" dirty="0"/>
+              <a:t>Qualität und IT Management II</a:t>
+            </a:r>
+          </a:p>
+        </p:txBody>
+      </p:sp>
+      <p:sp>
+        <p:nvSpPr>
+          <p:cNvPr id="4" name="Datumsplatzhalter 3">
+            <a:extLst>
+              <a:ext uri="{FF2B5EF4-FFF2-40B4-BE49-F238E27FC236}">
+                <a16:creationId xmlns:a16="http://schemas.microsoft.com/office/drawing/2014/main" id="{80835AD9-B1E4-4497-A35F-4AE26CD724B6}"/>
+              </a:ext>
+            </a:extLst>
+          </p:cNvPr>
+          <p:cNvSpPr>
+            <a:spLocks noGrp="1"/>
+          </p:cNvSpPr>
+          <p:nvPr>
+            <p:ph type="dt" sz="half" idx="10"/>
+          </p:nvPr>
+        </p:nvSpPr>
+        <p:spPr/>
+        <p:txBody>
+          <a:bodyPr/>
+          <a:lstStyle/>
+          <a:p>
+            <a:fld id="{E59088F5-CBD1-44C3-809D-45DB2EE2134D}" type="datetime1">
+              <a:rPr lang="de-DE" smtClean="0"/>
+              <a:t>27.06.2021</a:t>
+            </a:fld>
+            <a:endParaRPr lang="de-DE"/>
+          </a:p>
+        </p:txBody>
+      </p:sp>
+      <p:sp>
+        <p:nvSpPr>
+          <p:cNvPr id="5" name="Foliennummernplatzhalter 4">
+            <a:extLst>
+              <a:ext uri="{FF2B5EF4-FFF2-40B4-BE49-F238E27FC236}">
+                <a16:creationId xmlns:a16="http://schemas.microsoft.com/office/drawing/2014/main" id="{C9D03483-0C7F-4DA7-A3BD-9433C780876E}"/>
+              </a:ext>
+            </a:extLst>
+          </p:cNvPr>
+          <p:cNvSpPr>
+            <a:spLocks noGrp="1"/>
+          </p:cNvSpPr>
+          <p:nvPr>
+            <p:ph type="sldNum" sz="quarter" idx="12"/>
+          </p:nvPr>
+        </p:nvSpPr>
+        <p:spPr/>
+        <p:txBody>
+          <a:bodyPr/>
+          <a:lstStyle/>
+          <a:p>
+            <a:fld id="{AE1E1EB3-B919-4771-A43C-7C8BA70B36D7}" type="slidenum">
+              <a:rPr lang="de-DE" smtClean="0"/>
+              <a:t>5</a:t>
+            </a:fld>
+            <a:endParaRPr lang="de-DE"/>
+          </a:p>
+        </p:txBody>
+      </p:sp>
+      <p:graphicFrame>
+        <p:nvGraphicFramePr>
+          <p:cNvPr id="6" name="Diagramm 5">
+            <a:extLst>
+              <a:ext uri="{FF2B5EF4-FFF2-40B4-BE49-F238E27FC236}">
+                <a16:creationId xmlns:a16="http://schemas.microsoft.com/office/drawing/2014/main" id="{845B05A4-FA79-4292-A9BA-E86BD20895A5}"/>
+              </a:ext>
+            </a:extLst>
+          </p:cNvPr>
+          <p:cNvGraphicFramePr/>
+          <p:nvPr>
+            <p:extLst>
+              <p:ext uri="{D42A27DB-BD31-4B8C-83A1-F6EECF244321}">
+                <p14:modId xmlns:p14="http://schemas.microsoft.com/office/powerpoint/2010/main" val="2271655080"/>
+              </p:ext>
+            </p:extLst>
+          </p:nvPr>
+        </p:nvGraphicFramePr>
+        <p:xfrm>
+          <a:off x="2174200" y="1310499"/>
+          <a:ext cx="8128000" cy="5418667"/>
+        </p:xfrm>
+        <a:graphic>
+          <a:graphicData uri="http://schemas.openxmlformats.org/drawingml/2006/diagram">
+            <dgm:relIds xmlns:dgm="http://schemas.openxmlformats.org/drawingml/2006/diagram" xmlns:r="http://schemas.openxmlformats.org/officeDocument/2006/relationships" r:dm="rId3" r:lo="rId4" r:qs="rId5" r:cs="rId6"/>
+          </a:graphicData>
+        </a:graphic>
+      </p:graphicFrame>
+    </p:spTree>
+    <p:extLst>
+      <p:ext uri="{BB962C8B-B14F-4D97-AF65-F5344CB8AC3E}">
+        <p14:creationId xmlns:p14="http://schemas.microsoft.com/office/powerpoint/2010/main" val="3959971834"/>
+      </p:ext>
+    </p:extLst>
+  </p:cSld>
+  <p:clrMapOvr>
+    <a:masterClrMapping/>
+  </p:clrMapOvr>
+</p:sld>
+</file>
+
+<file path=ppt/slides/slide6.xml><?xml version="1.0" encoding="utf-8"?>
+<p:sld xmlns:a="http://schemas.openxmlformats.org/drawingml/2006/main" xmlns:r="http://schemas.openxmlformats.org/officeDocument/2006/relationships" xmlns:p="http://schemas.openxmlformats.org/presentationml/2006/main">
+  <p:cSld>
+    <p:spTree>
+      <p:nvGrpSpPr>
+        <p:cNvPr id="1" name=""/>
+        <p:cNvGrpSpPr/>
+        <p:nvPr/>
+      </p:nvGrpSpPr>
+      <p:grpSpPr>
+        <a:xfrm>
+          <a:off x="0" y="0"/>
+          <a:ext cx="0" cy="0"/>
+          <a:chOff x="0" y="0"/>
+          <a:chExt cx="0" cy="0"/>
+        </a:xfrm>
+      </p:grpSpPr>
+      <p:sp>
+        <p:nvSpPr>
+          <p:cNvPr id="2" name="Titel 1">
+            <a:extLst>
+              <a:ext uri="{FF2B5EF4-FFF2-40B4-BE49-F238E27FC236}">
+                <a16:creationId xmlns:a16="http://schemas.microsoft.com/office/drawing/2014/main" id="{A77A6FFA-BF39-4B59-AE45-906081F28975}"/>
+              </a:ext>
+            </a:extLst>
+          </p:cNvPr>
+          <p:cNvSpPr>
+            <a:spLocks noGrp="1"/>
+          </p:cNvSpPr>
+          <p:nvPr>
+            <p:ph type="title"/>
+          </p:nvPr>
+        </p:nvSpPr>
+        <p:spPr/>
+        <p:txBody>
+          <a:bodyPr/>
+          <a:lstStyle/>
+          <a:p>
+            <a:r>
+              <a:rPr lang="de-DE" dirty="0"/>
+              <a:t>Qualität und IT Management III</a:t>
+            </a:r>
+          </a:p>
+        </p:txBody>
+      </p:sp>
+      <p:sp>
+        <p:nvSpPr>
+          <p:cNvPr id="4" name="Datumsplatzhalter 3">
+            <a:extLst>
+              <a:ext uri="{FF2B5EF4-FFF2-40B4-BE49-F238E27FC236}">
+                <a16:creationId xmlns:a16="http://schemas.microsoft.com/office/drawing/2014/main" id="{B9D8D3D8-1078-405A-A037-B98F54231E58}"/>
+              </a:ext>
+            </a:extLst>
+          </p:cNvPr>
+          <p:cNvSpPr>
+            <a:spLocks noGrp="1"/>
+          </p:cNvSpPr>
+          <p:nvPr>
+            <p:ph type="dt" sz="half" idx="10"/>
+          </p:nvPr>
+        </p:nvSpPr>
+        <p:spPr/>
+        <p:txBody>
+          <a:bodyPr/>
+          <a:lstStyle/>
+          <a:p>
+            <a:fld id="{E59088F5-CBD1-44C3-809D-45DB2EE2134D}" type="datetime1">
+              <a:rPr lang="de-DE" smtClean="0"/>
+              <a:t>27.06.2021</a:t>
+            </a:fld>
+            <a:endParaRPr lang="de-DE"/>
+          </a:p>
+        </p:txBody>
+      </p:sp>
+      <p:sp>
+        <p:nvSpPr>
+          <p:cNvPr id="5" name="Foliennummernplatzhalter 4">
+            <a:extLst>
+              <a:ext uri="{FF2B5EF4-FFF2-40B4-BE49-F238E27FC236}">
+                <a16:creationId xmlns:a16="http://schemas.microsoft.com/office/drawing/2014/main" id="{10804715-3C4E-40A5-AF12-1C79DE51037C}"/>
+              </a:ext>
+            </a:extLst>
+          </p:cNvPr>
+          <p:cNvSpPr>
+            <a:spLocks noGrp="1"/>
+          </p:cNvSpPr>
+          <p:nvPr>
+            <p:ph type="sldNum" sz="quarter" idx="12"/>
+          </p:nvPr>
+        </p:nvSpPr>
+        <p:spPr/>
+        <p:txBody>
+          <a:bodyPr/>
+          <a:lstStyle/>
+          <a:p>
+            <a:fld id="{AE1E1EB3-B919-4771-A43C-7C8BA70B36D7}" type="slidenum">
+              <a:rPr lang="de-DE" smtClean="0"/>
+              <a:t>6</a:t>
+            </a:fld>
+            <a:endParaRPr lang="de-DE"/>
+          </a:p>
+        </p:txBody>
+      </p:sp>
+      <p:sp>
+        <p:nvSpPr>
+          <p:cNvPr id="8" name="Inhaltsplatzhalter 7">
+            <a:extLst>
+              <a:ext uri="{FF2B5EF4-FFF2-40B4-BE49-F238E27FC236}">
+                <a16:creationId xmlns:a16="http://schemas.microsoft.com/office/drawing/2014/main" id="{679B467E-8BD1-459D-90F5-2DB0FB91D0D3}"/>
+              </a:ext>
+            </a:extLst>
+          </p:cNvPr>
+          <p:cNvSpPr>
+            <a:spLocks noGrp="1"/>
+          </p:cNvSpPr>
+          <p:nvPr>
+            <p:ph idx="1"/>
+          </p:nvPr>
+        </p:nvSpPr>
+        <p:spPr/>
+        <p:txBody>
+          <a:bodyPr/>
+          <a:lstStyle/>
+          <a:p>
+            <a:endParaRPr lang="de-DE"/>
+          </a:p>
+        </p:txBody>
+      </p:sp>
+      <p:graphicFrame>
+        <p:nvGraphicFramePr>
+          <p:cNvPr id="9" name="Inhaltsplatzhalter 5">
+            <a:extLst>
+              <a:ext uri="{FF2B5EF4-FFF2-40B4-BE49-F238E27FC236}">
+                <a16:creationId xmlns:a16="http://schemas.microsoft.com/office/drawing/2014/main" id="{A9E206AF-E34B-41CD-A38A-6210CA4C078C}"/>
+              </a:ext>
+            </a:extLst>
+          </p:cNvPr>
+          <p:cNvGraphicFramePr>
+            <a:graphicFrameLocks/>
+          </p:cNvGraphicFramePr>
+          <p:nvPr>
+            <p:extLst>
+              <p:ext uri="{D42A27DB-BD31-4B8C-83A1-F6EECF244321}">
+                <p14:modId xmlns:p14="http://schemas.microsoft.com/office/powerpoint/2010/main" val="885414835"/>
+              </p:ext>
+            </p:extLst>
+          </p:nvPr>
+        </p:nvGraphicFramePr>
+        <p:xfrm>
+          <a:off x="838200" y="1817688"/>
+          <a:ext cx="10799763" cy="4351337"/>
+        </p:xfrm>
+        <a:graphic>
+          <a:graphicData uri="http://schemas.openxmlformats.org/drawingml/2006/diagram">
+            <dgm:relIds xmlns:dgm="http://schemas.openxmlformats.org/drawingml/2006/diagram" xmlns:r="http://schemas.openxmlformats.org/officeDocument/2006/relationships" r:dm="rId2" r:lo="rId3" r:qs="rId4" r:cs="rId5"/>
+          </a:graphicData>
+        </a:graphic>
+      </p:graphicFrame>
+    </p:spTree>
+    <p:extLst>
+      <p:ext uri="{BB962C8B-B14F-4D97-AF65-F5344CB8AC3E}">
+        <p14:creationId xmlns:p14="http://schemas.microsoft.com/office/powerpoint/2010/main" val="2071437888"/>
+      </p:ext>
+    </p:extLst>
+  </p:cSld>
+  <p:clrMapOvr>
+    <a:masterClrMapping/>
+  </p:clrMapOvr>
+</p:sld>
+</file>
+
+<file path=ppt/slides/slide7.xml><?xml version="1.0" encoding="utf-8"?>
+<p:sld xmlns:a="http://schemas.openxmlformats.org/drawingml/2006/main" xmlns:r="http://schemas.openxmlformats.org/officeDocument/2006/relationships" xmlns:p="http://schemas.openxmlformats.org/presentationml/2006/main">
+  <p:cSld>
+    <p:spTree>
+      <p:nvGrpSpPr>
+        <p:cNvPr id="1" name=""/>
+        <p:cNvGrpSpPr/>
+        <p:nvPr/>
+      </p:nvGrpSpPr>
+      <p:grpSpPr>
+        <a:xfrm>
+          <a:off x="0" y="0"/>
+          <a:ext cx="0" cy="0"/>
+          <a:chOff x="0" y="0"/>
+          <a:chExt cx="0" cy="0"/>
+        </a:xfrm>
+      </p:grpSpPr>
+      <p:sp>
+        <p:nvSpPr>
+          <p:cNvPr id="2" name="Titel 1">
+            <a:extLst>
+              <a:ext uri="{FF2B5EF4-FFF2-40B4-BE49-F238E27FC236}">
+                <a16:creationId xmlns:a16="http://schemas.microsoft.com/office/drawing/2014/main" id="{2DA27244-F10B-4BFF-966B-424C22818D28}"/>
+              </a:ext>
+            </a:extLst>
+          </p:cNvPr>
+          <p:cNvSpPr>
+            <a:spLocks noGrp="1"/>
+          </p:cNvSpPr>
+          <p:nvPr>
+            <p:ph type="title"/>
+          </p:nvPr>
+        </p:nvSpPr>
+        <p:spPr/>
+        <p:txBody>
+          <a:bodyPr/>
+          <a:lstStyle/>
+          <a:p>
+            <a:r>
+              <a:rPr lang="de-DE" dirty="0"/>
+              <a:t>Qualität und IT Management IV - ITSM </a:t>
+            </a:r>
+          </a:p>
+        </p:txBody>
+      </p:sp>
+      <p:sp>
+        <p:nvSpPr>
+          <p:cNvPr id="3" name="Inhaltsplatzhalter 2">
+            <a:extLst>
+              <a:ext uri="{FF2B5EF4-FFF2-40B4-BE49-F238E27FC236}">
+                <a16:creationId xmlns:a16="http://schemas.microsoft.com/office/drawing/2014/main" id="{7D72570D-7116-4AAE-8743-5418480FC413}"/>
+              </a:ext>
+            </a:extLst>
+          </p:cNvPr>
+          <p:cNvSpPr>
+            <a:spLocks noGrp="1"/>
+          </p:cNvSpPr>
+          <p:nvPr>
+            <p:ph idx="1"/>
+          </p:nvPr>
+        </p:nvSpPr>
+        <p:spPr/>
+        <p:txBody>
+          <a:bodyPr/>
+          <a:lstStyle/>
+          <a:p>
+            <a:pPr marL="0" indent="0">
+              <a:buNone/>
+            </a:pPr>
+            <a:r>
+              <a:rPr lang="de-DE" dirty="0"/>
+              <a:t>Reihe von Richtlinien und Praktiken </a:t>
+            </a:r>
+            <a:r>
+              <a:rPr lang="de-DE" dirty="0">
+                <a:sym typeface="Wingdings" panose="05000000000000000000" pitchFamily="2" charset="2"/>
+              </a:rPr>
+              <a:t> Implementierung</a:t>
+            </a:r>
+            <a:r>
+              <a:rPr lang="de-DE" dirty="0"/>
+              <a:t>, Bereitstellung + Verwaltung von IT-Services</a:t>
+            </a:r>
+          </a:p>
+          <a:p>
+            <a:pPr marL="0" indent="0">
+              <a:buNone/>
+            </a:pPr>
+            <a:endParaRPr lang="de-DE" dirty="0"/>
+          </a:p>
+          <a:p>
+            <a:pPr marL="0" indent="0">
+              <a:buNone/>
+            </a:pPr>
+            <a:r>
+              <a:rPr lang="de-DE" b="1" dirty="0"/>
+              <a:t>Fokus: </a:t>
+            </a:r>
+          </a:p>
+          <a:p>
+            <a:pPr marL="0" indent="0">
+              <a:buNone/>
+            </a:pPr>
+            <a:r>
+              <a:rPr lang="de-DE" dirty="0"/>
+              <a:t>erklärten Bedürfnissen der Endnutzer*innen und den definierten Zielen des Unternehmens</a:t>
+            </a:r>
+          </a:p>
+        </p:txBody>
+      </p:sp>
+      <p:sp>
+        <p:nvSpPr>
+          <p:cNvPr id="4" name="Datumsplatzhalter 3">
+            <a:extLst>
+              <a:ext uri="{FF2B5EF4-FFF2-40B4-BE49-F238E27FC236}">
+                <a16:creationId xmlns:a16="http://schemas.microsoft.com/office/drawing/2014/main" id="{B2E23435-0D04-468F-8A7C-FFB9F979B819}"/>
+              </a:ext>
+            </a:extLst>
+          </p:cNvPr>
+          <p:cNvSpPr>
+            <a:spLocks noGrp="1"/>
+          </p:cNvSpPr>
+          <p:nvPr>
+            <p:ph type="dt" sz="half" idx="10"/>
+          </p:nvPr>
+        </p:nvSpPr>
+        <p:spPr/>
+        <p:txBody>
+          <a:bodyPr/>
+          <a:lstStyle/>
+          <a:p>
+            <a:fld id="{E59088F5-CBD1-44C3-809D-45DB2EE2134D}" type="datetime1">
+              <a:rPr lang="de-DE" smtClean="0"/>
+              <a:t>27.06.2021</a:t>
+            </a:fld>
+            <a:endParaRPr lang="de-DE"/>
+          </a:p>
+        </p:txBody>
+      </p:sp>
+      <p:sp>
+        <p:nvSpPr>
+          <p:cNvPr id="5" name="Foliennummernplatzhalter 4">
+            <a:extLst>
+              <a:ext uri="{FF2B5EF4-FFF2-40B4-BE49-F238E27FC236}">
+                <a16:creationId xmlns:a16="http://schemas.microsoft.com/office/drawing/2014/main" id="{C6593C62-B97E-4CA0-BEDA-2F9DB2F32891}"/>
+              </a:ext>
+            </a:extLst>
+          </p:cNvPr>
+          <p:cNvSpPr>
+            <a:spLocks noGrp="1"/>
+          </p:cNvSpPr>
+          <p:nvPr>
+            <p:ph type="sldNum" sz="quarter" idx="12"/>
+          </p:nvPr>
+        </p:nvSpPr>
+        <p:spPr/>
+        <p:txBody>
+          <a:bodyPr/>
+          <a:lstStyle/>
+          <a:p>
+            <a:fld id="{AE1E1EB3-B919-4771-A43C-7C8BA70B36D7}" type="slidenum">
+              <a:rPr lang="de-DE" smtClean="0"/>
+              <a:t>7</a:t>
+            </a:fld>
+            <a:endParaRPr lang="de-DE"/>
+          </a:p>
+        </p:txBody>
+      </p:sp>
+    </p:spTree>
+    <p:extLst>
+      <p:ext uri="{BB962C8B-B14F-4D97-AF65-F5344CB8AC3E}">
+        <p14:creationId xmlns:p14="http://schemas.microsoft.com/office/powerpoint/2010/main" val="956326040"/>
+      </p:ext>
+    </p:extLst>
+  </p:cSld>
+  <p:clrMapOvr>
+    <a:masterClrMapping/>
+  </p:clrMapOvr>
+</p:sld>
+</file>
+
+<file path=ppt/slides/slide8.xml><?xml version="1.0" encoding="utf-8"?>
+<p:sld xmlns:a="http://schemas.openxmlformats.org/drawingml/2006/main" xmlns:r="http://schemas.openxmlformats.org/officeDocument/2006/relationships" xmlns:p="http://schemas.openxmlformats.org/presentationml/2006/main">
+  <p:cSld>
+    <p:spTree>
+      <p:nvGrpSpPr>
+        <p:cNvPr id="1" name=""/>
+        <p:cNvGrpSpPr/>
+        <p:nvPr/>
+      </p:nvGrpSpPr>
+      <p:grpSpPr>
+        <a:xfrm>
+          <a:off x="0" y="0"/>
+          <a:ext cx="0" cy="0"/>
+          <a:chOff x="0" y="0"/>
+          <a:chExt cx="0" cy="0"/>
+        </a:xfrm>
+      </p:grpSpPr>
+      <p:sp>
+        <p:nvSpPr>
+          <p:cNvPr id="2" name="Titel 1">
+            <a:extLst>
+              <a:ext uri="{FF2B5EF4-FFF2-40B4-BE49-F238E27FC236}">
+                <a16:creationId xmlns:a16="http://schemas.microsoft.com/office/drawing/2014/main" id="{2EB1A020-0E46-4BDB-9336-ACD90232ED55}"/>
+              </a:ext>
+            </a:extLst>
+          </p:cNvPr>
+          <p:cNvSpPr>
+            <a:spLocks noGrp="1"/>
+          </p:cNvSpPr>
+          <p:nvPr>
+            <p:ph type="title"/>
+          </p:nvPr>
+        </p:nvSpPr>
+        <p:spPr/>
+        <p:txBody>
+          <a:bodyPr/>
+          <a:lstStyle/>
+          <a:p>
+            <a:r>
+              <a:rPr lang="de-DE" dirty="0"/>
+              <a:t>Qualität und IT Management V – ITSM und ITIL</a:t>
+            </a:r>
+          </a:p>
+        </p:txBody>
+      </p:sp>
+      <p:sp>
+        <p:nvSpPr>
+          <p:cNvPr id="3" name="Inhaltsplatzhalter 2">
+            <a:extLst>
+              <a:ext uri="{FF2B5EF4-FFF2-40B4-BE49-F238E27FC236}">
+                <a16:creationId xmlns:a16="http://schemas.microsoft.com/office/drawing/2014/main" id="{B0A5C620-D01C-48C4-ADB7-595BB7286641}"/>
+              </a:ext>
+            </a:extLst>
+          </p:cNvPr>
+          <p:cNvSpPr>
+            <a:spLocks noGrp="1"/>
+          </p:cNvSpPr>
+          <p:nvPr>
+            <p:ph idx="1"/>
+          </p:nvPr>
+        </p:nvSpPr>
+        <p:spPr/>
+        <p:txBody>
+          <a:bodyPr/>
+          <a:lstStyle/>
+          <a:p>
+            <a:pPr marL="0" indent="0">
+              <a:buNone/>
+            </a:pPr>
+            <a:r>
+              <a:rPr lang="de-DE" dirty="0"/>
+              <a:t>Implementierung und Dokumentation </a:t>
+            </a:r>
+            <a:r>
+              <a:rPr lang="de-DE" dirty="0">
+                <a:sym typeface="Wingdings" panose="05000000000000000000" pitchFamily="2" charset="2"/>
+              </a:rPr>
+              <a:t> Information Technology</a:t>
+            </a:r>
+          </a:p>
+          <a:p>
+            <a:pPr marL="0" indent="0">
+              <a:buNone/>
+            </a:pPr>
+            <a:r>
+              <a:rPr lang="de-DE" dirty="0">
+                <a:sym typeface="Wingdings" panose="05000000000000000000" pitchFamily="2" charset="2"/>
+              </a:rPr>
+              <a:t>Infrastructure Library (ITIL)</a:t>
+            </a:r>
+          </a:p>
+          <a:p>
+            <a:pPr marL="0" indent="0">
+              <a:buNone/>
+            </a:pPr>
+            <a:endParaRPr lang="de-DE" dirty="0">
+              <a:sym typeface="Wingdings" panose="05000000000000000000" pitchFamily="2" charset="2"/>
+            </a:endParaRPr>
+          </a:p>
+          <a:p>
+            <a:pPr marL="0" indent="0" algn="l">
+              <a:buNone/>
+            </a:pPr>
+            <a:r>
+              <a:rPr lang="de-DE" b="1" dirty="0"/>
+              <a:t>ITIL </a:t>
+            </a:r>
+          </a:p>
+          <a:p>
+            <a:pPr marL="0" indent="0" algn="l">
+              <a:buNone/>
+            </a:pPr>
+            <a:r>
+              <a:rPr lang="de-DE" dirty="0"/>
+              <a:t>Rahmenbedingungen </a:t>
+            </a:r>
+            <a:r>
+              <a:rPr lang="de-DE" dirty="0">
+                <a:sym typeface="Wingdings" panose="05000000000000000000" pitchFamily="2" charset="2"/>
+              </a:rPr>
+              <a:t> </a:t>
+            </a:r>
+            <a:r>
+              <a:rPr lang="de-DE" dirty="0"/>
+              <a:t>Services optimal auf die Anforderung aus dem Business abzustimmen + regelmäßig auf die beste Unterstützung der Geschäftsprozesse zu überprüfen</a:t>
+            </a:r>
+            <a:endParaRPr lang="de-DE" dirty="0">
+              <a:sym typeface="Wingdings" panose="05000000000000000000" pitchFamily="2" charset="2"/>
+            </a:endParaRPr>
+          </a:p>
+          <a:p>
+            <a:pPr marL="0" indent="0">
+              <a:buNone/>
+            </a:pPr>
+            <a:endParaRPr lang="de-DE" dirty="0"/>
+          </a:p>
+        </p:txBody>
+      </p:sp>
+      <p:sp>
+        <p:nvSpPr>
+          <p:cNvPr id="4" name="Datumsplatzhalter 3">
+            <a:extLst>
+              <a:ext uri="{FF2B5EF4-FFF2-40B4-BE49-F238E27FC236}">
+                <a16:creationId xmlns:a16="http://schemas.microsoft.com/office/drawing/2014/main" id="{8F98D8A4-E90E-41A4-8D64-8131F5B87F69}"/>
+              </a:ext>
+            </a:extLst>
+          </p:cNvPr>
+          <p:cNvSpPr>
+            <a:spLocks noGrp="1"/>
+          </p:cNvSpPr>
+          <p:nvPr>
+            <p:ph type="dt" sz="half" idx="10"/>
+          </p:nvPr>
+        </p:nvSpPr>
+        <p:spPr/>
+        <p:txBody>
+          <a:bodyPr/>
+          <a:lstStyle/>
+          <a:p>
+            <a:fld id="{E59088F5-CBD1-44C3-809D-45DB2EE2134D}" type="datetime1">
+              <a:rPr lang="de-DE" smtClean="0"/>
+              <a:t>27.06.2021</a:t>
+            </a:fld>
+            <a:endParaRPr lang="de-DE"/>
+          </a:p>
+        </p:txBody>
+      </p:sp>
+      <p:sp>
+        <p:nvSpPr>
+          <p:cNvPr id="5" name="Foliennummernplatzhalter 4">
+            <a:extLst>
+              <a:ext uri="{FF2B5EF4-FFF2-40B4-BE49-F238E27FC236}">
+                <a16:creationId xmlns:a16="http://schemas.microsoft.com/office/drawing/2014/main" id="{52E1591B-B573-4132-9A5B-0F2329B2BBC9}"/>
+              </a:ext>
+            </a:extLst>
+          </p:cNvPr>
+          <p:cNvSpPr>
+            <a:spLocks noGrp="1"/>
+          </p:cNvSpPr>
+          <p:nvPr>
+            <p:ph type="sldNum" sz="quarter" idx="12"/>
+          </p:nvPr>
+        </p:nvSpPr>
+        <p:spPr/>
+        <p:txBody>
+          <a:bodyPr/>
+          <a:lstStyle/>
+          <a:p>
+            <a:fld id="{AE1E1EB3-B919-4771-A43C-7C8BA70B36D7}" type="slidenum">
+              <a:rPr lang="de-DE" smtClean="0"/>
+              <a:t>8</a:t>
+            </a:fld>
+            <a:endParaRPr lang="de-DE"/>
+          </a:p>
+        </p:txBody>
+      </p:sp>
+    </p:spTree>
+    <p:extLst>
+      <p:ext uri="{BB962C8B-B14F-4D97-AF65-F5344CB8AC3E}">
+        <p14:creationId xmlns:p14="http://schemas.microsoft.com/office/powerpoint/2010/main" val="489244736"/>
+      </p:ext>
+    </p:extLst>
+  </p:cSld>
+  <p:clrMapOvr>
+    <a:masterClrMapping/>
+  </p:clrMapOvr>
+</p:sld>
+</file>
+
+<file path=ppt/slides/slide9.xml><?xml version="1.0" encoding="utf-8"?>
+<p:sld xmlns:a="http://schemas.openxmlformats.org/drawingml/2006/main" xmlns:r="http://schemas.openxmlformats.org/officeDocument/2006/relationships" xmlns:p="http://schemas.openxmlformats.org/presentationml/2006/main">
+  <p:cSld>
+    <p:spTree>
+      <p:nvGrpSpPr>
+        <p:cNvPr id="1" name=""/>
+        <p:cNvGrpSpPr/>
+        <p:nvPr/>
+      </p:nvGrpSpPr>
+      <p:grpSpPr>
+        <a:xfrm>
+          <a:off x="0" y="0"/>
+          <a:ext cx="0" cy="0"/>
+          <a:chOff x="0" y="0"/>
+          <a:chExt cx="0" cy="0"/>
+        </a:xfrm>
+      </p:grpSpPr>
+      <p:sp>
+        <p:nvSpPr>
+          <p:cNvPr id="2" name="Titel 1">
+            <a:extLst>
+              <a:ext uri="{FF2B5EF4-FFF2-40B4-BE49-F238E27FC236}">
+                <a16:creationId xmlns:a16="http://schemas.microsoft.com/office/drawing/2014/main" id="{780AD03F-F580-4593-AEB0-EE3CEC81E5B3}"/>
+              </a:ext>
+            </a:extLst>
+          </p:cNvPr>
+          <p:cNvSpPr>
+            <a:spLocks noGrp="1"/>
+          </p:cNvSpPr>
+          <p:nvPr>
+            <p:ph type="title"/>
+          </p:nvPr>
+        </p:nvSpPr>
+        <p:spPr/>
+        <p:txBody>
+          <a:bodyPr/>
+          <a:lstStyle/>
+          <a:p>
+            <a:r>
+              <a:rPr lang="de-DE" dirty="0"/>
+              <a:t>Grundlagen - ITIL I</a:t>
+            </a:r>
+          </a:p>
+        </p:txBody>
+      </p:sp>
+      <p:sp>
+        <p:nvSpPr>
+          <p:cNvPr id="3" name="Inhaltsplatzhalter 2">
+            <a:extLst>
+              <a:ext uri="{FF2B5EF4-FFF2-40B4-BE49-F238E27FC236}">
+                <a16:creationId xmlns:a16="http://schemas.microsoft.com/office/drawing/2014/main" id="{AFF254F4-82A2-4E31-9729-727C2ACF0A9B}"/>
+              </a:ext>
+            </a:extLst>
+          </p:cNvPr>
+          <p:cNvSpPr>
+            <a:spLocks noGrp="1"/>
+          </p:cNvSpPr>
+          <p:nvPr>
+            <p:ph idx="1"/>
+          </p:nvPr>
+        </p:nvSpPr>
+        <p:spPr/>
+        <p:txBody>
+          <a:bodyPr/>
+          <a:lstStyle/>
+          <a:p>
+            <a:endParaRPr lang="de-DE" dirty="0"/>
+          </a:p>
+        </p:txBody>
+      </p:sp>
+      <p:sp>
+        <p:nvSpPr>
+          <p:cNvPr id="4" name="Datumsplatzhalter 3">
+            <a:extLst>
+              <a:ext uri="{FF2B5EF4-FFF2-40B4-BE49-F238E27FC236}">
+                <a16:creationId xmlns:a16="http://schemas.microsoft.com/office/drawing/2014/main" id="{7A5C2B4C-5C35-49B6-BA78-D1CC21575909}"/>
+              </a:ext>
+            </a:extLst>
+          </p:cNvPr>
+          <p:cNvSpPr>
+            <a:spLocks noGrp="1"/>
+          </p:cNvSpPr>
+          <p:nvPr>
+            <p:ph type="dt" sz="half" idx="10"/>
+          </p:nvPr>
+        </p:nvSpPr>
+        <p:spPr/>
+        <p:txBody>
+          <a:bodyPr/>
+          <a:lstStyle/>
+          <a:p>
+            <a:fld id="{E59088F5-CBD1-44C3-809D-45DB2EE2134D}" type="datetime1">
+              <a:rPr lang="de-DE" smtClean="0"/>
+              <a:t>27.06.2021</a:t>
+            </a:fld>
+            <a:endParaRPr lang="de-DE"/>
+          </a:p>
+        </p:txBody>
+      </p:sp>
+      <p:sp>
+        <p:nvSpPr>
+          <p:cNvPr id="5" name="Foliennummernplatzhalter 4">
+            <a:extLst>
+              <a:ext uri="{FF2B5EF4-FFF2-40B4-BE49-F238E27FC236}">
+                <a16:creationId xmlns:a16="http://schemas.microsoft.com/office/drawing/2014/main" id="{7AF583B8-41B8-471D-8761-CA5938370AD1}"/>
+              </a:ext>
+            </a:extLst>
+          </p:cNvPr>
+          <p:cNvSpPr>
+            <a:spLocks noGrp="1"/>
+          </p:cNvSpPr>
+          <p:nvPr>
+            <p:ph type="sldNum" sz="quarter" idx="12"/>
+          </p:nvPr>
+        </p:nvSpPr>
+        <p:spPr/>
+        <p:txBody>
+          <a:bodyPr/>
+          <a:lstStyle/>
+          <a:p>
+            <a:fld id="{AE1E1EB3-B919-4771-A43C-7C8BA70B36D7}" type="slidenum">
+              <a:rPr lang="de-DE" smtClean="0"/>
+              <a:t>9</a:t>
+            </a:fld>
+            <a:endParaRPr lang="de-DE"/>
+          </a:p>
+        </p:txBody>
+      </p:sp>
+    </p:spTree>
+    <p:extLst>
+      <p:ext uri="{BB962C8B-B14F-4D97-AF65-F5344CB8AC3E}">
+        <p14:creationId xmlns:p14="http://schemas.microsoft.com/office/powerpoint/2010/main" val="1025619684"/>
       </p:ext>
     </p:extLst>
   </p:cSld>

--- a/LaraKrautmacher_RenéWiskow_ElenaKirsch_ITManagement.pptx
+++ b/LaraKrautmacher_RenéWiskow_ElenaKirsch_ITManagement.pptx
@@ -5,10 +5,10 @@
     <p:sldMasterId id="2147483648" r:id="rId1"/>
   </p:sldMasterIdLst>
   <p:notesMasterIdLst>
-    <p:notesMasterId r:id="rId11"/>
+    <p:notesMasterId r:id="rId17"/>
   </p:notesMasterIdLst>
   <p:handoutMasterIdLst>
-    <p:handoutMasterId r:id="rId12"/>
+    <p:handoutMasterId r:id="rId18"/>
   </p:handoutMasterIdLst>
   <p:sldIdLst>
     <p:sldId id="256" r:id="rId2"/>
@@ -19,7 +19,13 @@
     <p:sldId id="262" r:id="rId7"/>
     <p:sldId id="263" r:id="rId8"/>
     <p:sldId id="264" r:id="rId9"/>
-    <p:sldId id="265" r:id="rId10"/>
+    <p:sldId id="266" r:id="rId10"/>
+    <p:sldId id="265" r:id="rId11"/>
+    <p:sldId id="268" r:id="rId12"/>
+    <p:sldId id="269" r:id="rId13"/>
+    <p:sldId id="270" r:id="rId14"/>
+    <p:sldId id="271" r:id="rId15"/>
+    <p:sldId id="272" r:id="rId16"/>
   </p:sldIdLst>
   <p:sldSz cx="12192000" cy="6858000"/>
   <p:notesSz cx="6858000" cy="9144000"/>
@@ -131,7 +137,13 @@
             <p14:sldId id="262"/>
             <p14:sldId id="263"/>
             <p14:sldId id="264"/>
+            <p14:sldId id="266"/>
             <p14:sldId id="265"/>
+            <p14:sldId id="268"/>
+            <p14:sldId id="269"/>
+            <p14:sldId id="270"/>
+            <p14:sldId id="271"/>
+            <p14:sldId id="272"/>
           </p14:sldIdLst>
         </p14:section>
       </p14:sectionLst>
@@ -894,6 +906,753 @@
 </file>
 
 <file path=ppt/diagrams/colors2.xml><?xml version="1.0" encoding="utf-8"?>
+<dgm:colorsDef xmlns:dgm="http://schemas.openxmlformats.org/drawingml/2006/diagram" xmlns:a="http://schemas.openxmlformats.org/drawingml/2006/main" uniqueId="urn:microsoft.com/office/officeart/2005/8/colors/accent4_2">
+  <dgm:title val=""/>
+  <dgm:desc val=""/>
+  <dgm:catLst>
+    <dgm:cat type="accent4" pri="11200"/>
+  </dgm:catLst>
+  <dgm:styleLbl name="node0">
+    <dgm:fillClrLst meth="repeat">
+      <a:schemeClr val="accent4"/>
+    </dgm:fillClrLst>
+    <dgm:linClrLst meth="repeat">
+      <a:schemeClr val="lt1"/>
+    </dgm:linClrLst>
+    <dgm:effectClrLst/>
+    <dgm:txLinClrLst/>
+    <dgm:txFillClrLst/>
+    <dgm:txEffectClrLst/>
+  </dgm:styleLbl>
+  <dgm:styleLbl name="node1">
+    <dgm:fillClrLst meth="repeat">
+      <a:schemeClr val="accent4"/>
+    </dgm:fillClrLst>
+    <dgm:linClrLst meth="repeat">
+      <a:schemeClr val="lt1"/>
+    </dgm:linClrLst>
+    <dgm:effectClrLst/>
+    <dgm:txLinClrLst/>
+    <dgm:txFillClrLst/>
+    <dgm:txEffectClrLst/>
+  </dgm:styleLbl>
+  <dgm:styleLbl name="alignNode1">
+    <dgm:fillClrLst meth="repeat">
+      <a:schemeClr val="accent4"/>
+    </dgm:fillClrLst>
+    <dgm:linClrLst meth="repeat">
+      <a:schemeClr val="accent4"/>
+    </dgm:linClrLst>
+    <dgm:effectClrLst/>
+    <dgm:txLinClrLst/>
+    <dgm:txFillClrLst/>
+    <dgm:txEffectClrLst/>
+  </dgm:styleLbl>
+  <dgm:styleLbl name="lnNode1">
+    <dgm:fillClrLst meth="repeat">
+      <a:schemeClr val="accent4"/>
+    </dgm:fillClrLst>
+    <dgm:linClrLst meth="repeat">
+      <a:schemeClr val="lt1"/>
+    </dgm:linClrLst>
+    <dgm:effectClrLst/>
+    <dgm:txLinClrLst/>
+    <dgm:txFillClrLst/>
+    <dgm:txEffectClrLst/>
+  </dgm:styleLbl>
+  <dgm:styleLbl name="vennNode1">
+    <dgm:fillClrLst meth="repeat">
+      <a:schemeClr val="accent4">
+        <a:alpha val="50000"/>
+      </a:schemeClr>
+    </dgm:fillClrLst>
+    <dgm:linClrLst meth="repeat">
+      <a:schemeClr val="lt1"/>
+    </dgm:linClrLst>
+    <dgm:effectClrLst/>
+    <dgm:txLinClrLst/>
+    <dgm:txFillClrLst/>
+    <dgm:txEffectClrLst/>
+  </dgm:styleLbl>
+  <dgm:styleLbl name="node2">
+    <dgm:fillClrLst meth="repeat">
+      <a:schemeClr val="accent4"/>
+    </dgm:fillClrLst>
+    <dgm:linClrLst meth="repeat">
+      <a:schemeClr val="lt1"/>
+    </dgm:linClrLst>
+    <dgm:effectClrLst/>
+    <dgm:txLinClrLst/>
+    <dgm:txFillClrLst/>
+    <dgm:txEffectClrLst/>
+  </dgm:styleLbl>
+  <dgm:styleLbl name="node3">
+    <dgm:fillClrLst meth="repeat">
+      <a:schemeClr val="accent4"/>
+    </dgm:fillClrLst>
+    <dgm:linClrLst meth="repeat">
+      <a:schemeClr val="lt1"/>
+    </dgm:linClrLst>
+    <dgm:effectClrLst/>
+    <dgm:txLinClrLst/>
+    <dgm:txFillClrLst/>
+    <dgm:txEffectClrLst/>
+  </dgm:styleLbl>
+  <dgm:styleLbl name="node4">
+    <dgm:fillClrLst meth="repeat">
+      <a:schemeClr val="accent4"/>
+    </dgm:fillClrLst>
+    <dgm:linClrLst meth="repeat">
+      <a:schemeClr val="lt1"/>
+    </dgm:linClrLst>
+    <dgm:effectClrLst/>
+    <dgm:txLinClrLst/>
+    <dgm:txFillClrLst/>
+    <dgm:txEffectClrLst/>
+  </dgm:styleLbl>
+  <dgm:styleLbl name="fgImgPlace1">
+    <dgm:fillClrLst meth="repeat">
+      <a:schemeClr val="accent4">
+        <a:tint val="50000"/>
+      </a:schemeClr>
+    </dgm:fillClrLst>
+    <dgm:linClrLst meth="repeat">
+      <a:schemeClr val="lt1"/>
+    </dgm:linClrLst>
+    <dgm:effectClrLst/>
+    <dgm:txLinClrLst/>
+    <dgm:txFillClrLst meth="repeat">
+      <a:schemeClr val="lt1"/>
+    </dgm:txFillClrLst>
+    <dgm:txEffectClrLst/>
+  </dgm:styleLbl>
+  <dgm:styleLbl name="alignImgPlace1">
+    <dgm:fillClrLst meth="repeat">
+      <a:schemeClr val="accent4">
+        <a:tint val="50000"/>
+      </a:schemeClr>
+    </dgm:fillClrLst>
+    <dgm:linClrLst meth="repeat">
+      <a:schemeClr val="lt1"/>
+    </dgm:linClrLst>
+    <dgm:effectClrLst/>
+    <dgm:txLinClrLst/>
+    <dgm:txFillClrLst meth="repeat">
+      <a:schemeClr val="lt1"/>
+    </dgm:txFillClrLst>
+    <dgm:txEffectClrLst/>
+  </dgm:styleLbl>
+  <dgm:styleLbl name="bgImgPlace1">
+    <dgm:fillClrLst meth="repeat">
+      <a:schemeClr val="accent4">
+        <a:tint val="50000"/>
+      </a:schemeClr>
+    </dgm:fillClrLst>
+    <dgm:linClrLst meth="repeat">
+      <a:schemeClr val="lt1"/>
+    </dgm:linClrLst>
+    <dgm:effectClrLst/>
+    <dgm:txLinClrLst/>
+    <dgm:txFillClrLst meth="repeat">
+      <a:schemeClr val="lt1"/>
+    </dgm:txFillClrLst>
+    <dgm:txEffectClrLst/>
+  </dgm:styleLbl>
+  <dgm:styleLbl name="sibTrans2D1">
+    <dgm:fillClrLst meth="repeat">
+      <a:schemeClr val="accent4">
+        <a:tint val="60000"/>
+      </a:schemeClr>
+    </dgm:fillClrLst>
+    <dgm:linClrLst meth="repeat">
+      <a:schemeClr val="accent4">
+        <a:tint val="60000"/>
+      </a:schemeClr>
+    </dgm:linClrLst>
+    <dgm:effectClrLst/>
+    <dgm:txLinClrLst/>
+    <dgm:txFillClrLst/>
+    <dgm:txEffectClrLst/>
+  </dgm:styleLbl>
+  <dgm:styleLbl name="fgSibTrans2D1">
+    <dgm:fillClrLst meth="repeat">
+      <a:schemeClr val="accent4">
+        <a:tint val="60000"/>
+      </a:schemeClr>
+    </dgm:fillClrLst>
+    <dgm:linClrLst meth="repeat">
+      <a:schemeClr val="accent4">
+        <a:tint val="60000"/>
+      </a:schemeClr>
+    </dgm:linClrLst>
+    <dgm:effectClrLst/>
+    <dgm:txLinClrLst/>
+    <dgm:txFillClrLst/>
+    <dgm:txEffectClrLst/>
+  </dgm:styleLbl>
+  <dgm:styleLbl name="bgSibTrans2D1">
+    <dgm:fillClrLst meth="repeat">
+      <a:schemeClr val="accent4">
+        <a:tint val="60000"/>
+      </a:schemeClr>
+    </dgm:fillClrLst>
+    <dgm:linClrLst meth="repeat">
+      <a:schemeClr val="accent4">
+        <a:tint val="60000"/>
+      </a:schemeClr>
+    </dgm:linClrLst>
+    <dgm:effectClrLst/>
+    <dgm:txLinClrLst/>
+    <dgm:txFillClrLst/>
+    <dgm:txEffectClrLst/>
+  </dgm:styleLbl>
+  <dgm:styleLbl name="sibTrans1D1">
+    <dgm:fillClrLst meth="repeat">
+      <a:schemeClr val="accent4"/>
+    </dgm:fillClrLst>
+    <dgm:linClrLst meth="repeat">
+      <a:schemeClr val="accent4"/>
+    </dgm:linClrLst>
+    <dgm:effectClrLst/>
+    <dgm:txLinClrLst/>
+    <dgm:txFillClrLst meth="repeat">
+      <a:schemeClr val="tx1"/>
+    </dgm:txFillClrLst>
+    <dgm:txEffectClrLst/>
+  </dgm:styleLbl>
+  <dgm:styleLbl name="callout">
+    <dgm:fillClrLst meth="repeat">
+      <a:schemeClr val="accent4"/>
+    </dgm:fillClrLst>
+    <dgm:linClrLst meth="repeat">
+      <a:schemeClr val="accent4">
+        <a:tint val="50000"/>
+      </a:schemeClr>
+    </dgm:linClrLst>
+    <dgm:effectClrLst/>
+    <dgm:txLinClrLst/>
+    <dgm:txFillClrLst meth="repeat">
+      <a:schemeClr val="tx1"/>
+    </dgm:txFillClrLst>
+    <dgm:txEffectClrLst/>
+  </dgm:styleLbl>
+  <dgm:styleLbl name="asst0">
+    <dgm:fillClrLst meth="repeat">
+      <a:schemeClr val="accent4"/>
+    </dgm:fillClrLst>
+    <dgm:linClrLst meth="repeat">
+      <a:schemeClr val="lt1"/>
+    </dgm:linClrLst>
+    <dgm:effectClrLst/>
+    <dgm:txLinClrLst/>
+    <dgm:txFillClrLst/>
+    <dgm:txEffectClrLst/>
+  </dgm:styleLbl>
+  <dgm:styleLbl name="asst1">
+    <dgm:fillClrLst meth="repeat">
+      <a:schemeClr val="accent4"/>
+    </dgm:fillClrLst>
+    <dgm:linClrLst meth="repeat">
+      <a:schemeClr val="lt1"/>
+    </dgm:linClrLst>
+    <dgm:effectClrLst/>
+    <dgm:txLinClrLst/>
+    <dgm:txFillClrLst/>
+    <dgm:txEffectClrLst/>
+  </dgm:styleLbl>
+  <dgm:styleLbl name="asst2">
+    <dgm:fillClrLst meth="repeat">
+      <a:schemeClr val="accent4"/>
+    </dgm:fillClrLst>
+    <dgm:linClrLst meth="repeat">
+      <a:schemeClr val="lt1"/>
+    </dgm:linClrLst>
+    <dgm:effectClrLst/>
+    <dgm:txLinClrLst/>
+    <dgm:txFillClrLst/>
+    <dgm:txEffectClrLst/>
+  </dgm:styleLbl>
+  <dgm:styleLbl name="asst3">
+    <dgm:fillClrLst meth="repeat">
+      <a:schemeClr val="accent4"/>
+    </dgm:fillClrLst>
+    <dgm:linClrLst meth="repeat">
+      <a:schemeClr val="lt1"/>
+    </dgm:linClrLst>
+    <dgm:effectClrLst/>
+    <dgm:txLinClrLst/>
+    <dgm:txFillClrLst/>
+    <dgm:txEffectClrLst/>
+  </dgm:styleLbl>
+  <dgm:styleLbl name="asst4">
+    <dgm:fillClrLst meth="repeat">
+      <a:schemeClr val="accent4"/>
+    </dgm:fillClrLst>
+    <dgm:linClrLst meth="repeat">
+      <a:schemeClr val="lt1"/>
+    </dgm:linClrLst>
+    <dgm:effectClrLst/>
+    <dgm:txLinClrLst/>
+    <dgm:txFillClrLst/>
+    <dgm:txEffectClrLst/>
+  </dgm:styleLbl>
+  <dgm:styleLbl name="parChTrans2D1">
+    <dgm:fillClrLst meth="repeat">
+      <a:schemeClr val="accent4">
+        <a:tint val="60000"/>
+      </a:schemeClr>
+    </dgm:fillClrLst>
+    <dgm:linClrLst meth="repeat">
+      <a:schemeClr val="accent4">
+        <a:tint val="60000"/>
+      </a:schemeClr>
+    </dgm:linClrLst>
+    <dgm:effectClrLst/>
+    <dgm:txLinClrLst/>
+    <dgm:txFillClrLst meth="repeat">
+      <a:schemeClr val="lt1"/>
+    </dgm:txFillClrLst>
+    <dgm:txEffectClrLst/>
+  </dgm:styleLbl>
+  <dgm:styleLbl name="parChTrans2D2">
+    <dgm:fillClrLst meth="repeat">
+      <a:schemeClr val="accent4"/>
+    </dgm:fillClrLst>
+    <dgm:linClrLst meth="repeat">
+      <a:schemeClr val="accent4"/>
+    </dgm:linClrLst>
+    <dgm:effectClrLst/>
+    <dgm:txLinClrLst/>
+    <dgm:txFillClrLst meth="repeat">
+      <a:schemeClr val="lt1"/>
+    </dgm:txFillClrLst>
+    <dgm:txEffectClrLst/>
+  </dgm:styleLbl>
+  <dgm:styleLbl name="parChTrans2D3">
+    <dgm:fillClrLst meth="repeat">
+      <a:schemeClr val="accent4"/>
+    </dgm:fillClrLst>
+    <dgm:linClrLst meth="repeat">
+      <a:schemeClr val="accent4"/>
+    </dgm:linClrLst>
+    <dgm:effectClrLst/>
+    <dgm:txLinClrLst/>
+    <dgm:txFillClrLst meth="repeat">
+      <a:schemeClr val="lt1"/>
+    </dgm:txFillClrLst>
+    <dgm:txEffectClrLst/>
+  </dgm:styleLbl>
+  <dgm:styleLbl name="parChTrans2D4">
+    <dgm:fillClrLst meth="repeat">
+      <a:schemeClr val="accent4"/>
+    </dgm:fillClrLst>
+    <dgm:linClrLst meth="repeat">
+      <a:schemeClr val="accent4"/>
+    </dgm:linClrLst>
+    <dgm:effectClrLst/>
+    <dgm:txLinClrLst/>
+    <dgm:txFillClrLst meth="repeat">
+      <a:schemeClr val="lt1"/>
+    </dgm:txFillClrLst>
+    <dgm:txEffectClrLst/>
+  </dgm:styleLbl>
+  <dgm:styleLbl name="parChTrans1D1">
+    <dgm:fillClrLst meth="repeat">
+      <a:schemeClr val="accent4"/>
+    </dgm:fillClrLst>
+    <dgm:linClrLst meth="repeat">
+      <a:schemeClr val="accent4">
+        <a:shade val="60000"/>
+      </a:schemeClr>
+    </dgm:linClrLst>
+    <dgm:effectClrLst/>
+    <dgm:txLinClrLst/>
+    <dgm:txFillClrLst meth="repeat">
+      <a:schemeClr val="tx1"/>
+    </dgm:txFillClrLst>
+    <dgm:txEffectClrLst/>
+  </dgm:styleLbl>
+  <dgm:styleLbl name="parChTrans1D2">
+    <dgm:fillClrLst meth="repeat">
+      <a:schemeClr val="accent4"/>
+    </dgm:fillClrLst>
+    <dgm:linClrLst meth="repeat">
+      <a:schemeClr val="accent4">
+        <a:shade val="60000"/>
+      </a:schemeClr>
+    </dgm:linClrLst>
+    <dgm:effectClrLst/>
+    <dgm:txLinClrLst/>
+    <dgm:txFillClrLst meth="repeat">
+      <a:schemeClr val="tx1"/>
+    </dgm:txFillClrLst>
+    <dgm:txEffectClrLst/>
+  </dgm:styleLbl>
+  <dgm:styleLbl name="parChTrans1D3">
+    <dgm:fillClrLst meth="repeat">
+      <a:schemeClr val="accent4"/>
+    </dgm:fillClrLst>
+    <dgm:linClrLst meth="repeat">
+      <a:schemeClr val="accent4">
+        <a:shade val="80000"/>
+      </a:schemeClr>
+    </dgm:linClrLst>
+    <dgm:effectClrLst/>
+    <dgm:txLinClrLst/>
+    <dgm:txFillClrLst meth="repeat">
+      <a:schemeClr val="tx1"/>
+    </dgm:txFillClrLst>
+    <dgm:txEffectClrLst/>
+  </dgm:styleLbl>
+  <dgm:styleLbl name="parChTrans1D4">
+    <dgm:fillClrLst meth="repeat">
+      <a:schemeClr val="accent4"/>
+    </dgm:fillClrLst>
+    <dgm:linClrLst meth="repeat">
+      <a:schemeClr val="accent4">
+        <a:shade val="80000"/>
+      </a:schemeClr>
+    </dgm:linClrLst>
+    <dgm:effectClrLst/>
+    <dgm:txLinClrLst/>
+    <dgm:txFillClrLst meth="repeat">
+      <a:schemeClr val="tx1"/>
+    </dgm:txFillClrLst>
+    <dgm:txEffectClrLst/>
+  </dgm:styleLbl>
+  <dgm:styleLbl name="fgAcc1">
+    <dgm:fillClrLst meth="repeat">
+      <a:schemeClr val="lt1">
+        <a:alpha val="90000"/>
+      </a:schemeClr>
+    </dgm:fillClrLst>
+    <dgm:linClrLst meth="repeat">
+      <a:schemeClr val="accent4"/>
+    </dgm:linClrLst>
+    <dgm:effectClrLst/>
+    <dgm:txLinClrLst/>
+    <dgm:txFillClrLst meth="repeat">
+      <a:schemeClr val="dk1"/>
+    </dgm:txFillClrLst>
+    <dgm:txEffectClrLst/>
+  </dgm:styleLbl>
+  <dgm:styleLbl name="conFgAcc1">
+    <dgm:fillClrLst meth="repeat">
+      <a:schemeClr val="lt1">
+        <a:alpha val="90000"/>
+      </a:schemeClr>
+    </dgm:fillClrLst>
+    <dgm:linClrLst meth="repeat">
+      <a:schemeClr val="accent4"/>
+    </dgm:linClrLst>
+    <dgm:effectClrLst/>
+    <dgm:txLinClrLst/>
+    <dgm:txFillClrLst meth="repeat">
+      <a:schemeClr val="dk1"/>
+    </dgm:txFillClrLst>
+    <dgm:txEffectClrLst/>
+  </dgm:styleLbl>
+  <dgm:styleLbl name="alignAcc1">
+    <dgm:fillClrLst meth="repeat">
+      <a:schemeClr val="lt1">
+        <a:alpha val="90000"/>
+      </a:schemeClr>
+    </dgm:fillClrLst>
+    <dgm:linClrLst meth="repeat">
+      <a:schemeClr val="accent4"/>
+    </dgm:linClrLst>
+    <dgm:effectClrLst/>
+    <dgm:txLinClrLst/>
+    <dgm:txFillClrLst meth="repeat">
+      <a:schemeClr val="dk1"/>
+    </dgm:txFillClrLst>
+    <dgm:txEffectClrLst/>
+  </dgm:styleLbl>
+  <dgm:styleLbl name="trAlignAcc1">
+    <dgm:fillClrLst meth="repeat">
+      <a:schemeClr val="lt1">
+        <a:alpha val="40000"/>
+      </a:schemeClr>
+    </dgm:fillClrLst>
+    <dgm:linClrLst meth="repeat">
+      <a:schemeClr val="accent4"/>
+    </dgm:linClrLst>
+    <dgm:effectClrLst/>
+    <dgm:txLinClrLst/>
+    <dgm:txFillClrLst meth="repeat">
+      <a:schemeClr val="dk1"/>
+    </dgm:txFillClrLst>
+    <dgm:txEffectClrLst/>
+  </dgm:styleLbl>
+  <dgm:styleLbl name="bgAcc1">
+    <dgm:fillClrLst meth="repeat">
+      <a:schemeClr val="lt1">
+        <a:alpha val="90000"/>
+      </a:schemeClr>
+    </dgm:fillClrLst>
+    <dgm:linClrLst meth="repeat">
+      <a:schemeClr val="accent4"/>
+    </dgm:linClrLst>
+    <dgm:effectClrLst/>
+    <dgm:txLinClrLst/>
+    <dgm:txFillClrLst meth="repeat">
+      <a:schemeClr val="dk1"/>
+    </dgm:txFillClrLst>
+    <dgm:txEffectClrLst/>
+  </dgm:styleLbl>
+  <dgm:styleLbl name="solidFgAcc1">
+    <dgm:fillClrLst meth="repeat">
+      <a:schemeClr val="lt1"/>
+    </dgm:fillClrLst>
+    <dgm:linClrLst meth="repeat">
+      <a:schemeClr val="accent4"/>
+    </dgm:linClrLst>
+    <dgm:effectClrLst/>
+    <dgm:txLinClrLst/>
+    <dgm:txFillClrLst meth="repeat">
+      <a:schemeClr val="dk1"/>
+    </dgm:txFillClrLst>
+    <dgm:txEffectClrLst/>
+  </dgm:styleLbl>
+  <dgm:styleLbl name="solidAlignAcc1">
+    <dgm:fillClrLst meth="repeat">
+      <a:schemeClr val="lt1"/>
+    </dgm:fillClrLst>
+    <dgm:linClrLst meth="repeat">
+      <a:schemeClr val="accent4"/>
+    </dgm:linClrLst>
+    <dgm:effectClrLst/>
+    <dgm:txLinClrLst/>
+    <dgm:txFillClrLst meth="repeat">
+      <a:schemeClr val="dk1"/>
+    </dgm:txFillClrLst>
+    <dgm:txEffectClrLst/>
+  </dgm:styleLbl>
+  <dgm:styleLbl name="solidBgAcc1">
+    <dgm:fillClrLst meth="repeat">
+      <a:schemeClr val="lt1"/>
+    </dgm:fillClrLst>
+    <dgm:linClrLst meth="repeat">
+      <a:schemeClr val="accent4"/>
+    </dgm:linClrLst>
+    <dgm:effectClrLst/>
+    <dgm:txLinClrLst/>
+    <dgm:txFillClrLst meth="repeat">
+      <a:schemeClr val="dk1"/>
+    </dgm:txFillClrLst>
+    <dgm:txEffectClrLst/>
+  </dgm:styleLbl>
+  <dgm:styleLbl name="fgAccFollowNode1">
+    <dgm:fillClrLst meth="repeat">
+      <a:schemeClr val="accent4">
+        <a:alpha val="90000"/>
+        <a:tint val="40000"/>
+      </a:schemeClr>
+    </dgm:fillClrLst>
+    <dgm:linClrLst meth="repeat">
+      <a:schemeClr val="accent4">
+        <a:alpha val="90000"/>
+        <a:tint val="40000"/>
+      </a:schemeClr>
+    </dgm:linClrLst>
+    <dgm:effectClrLst/>
+    <dgm:txLinClrLst/>
+    <dgm:txFillClrLst meth="repeat">
+      <a:schemeClr val="dk1"/>
+    </dgm:txFillClrLst>
+    <dgm:txEffectClrLst/>
+  </dgm:styleLbl>
+  <dgm:styleLbl name="alignAccFollowNode1">
+    <dgm:fillClrLst meth="repeat">
+      <a:schemeClr val="accent4">
+        <a:alpha val="90000"/>
+        <a:tint val="40000"/>
+      </a:schemeClr>
+    </dgm:fillClrLst>
+    <dgm:linClrLst meth="repeat">
+      <a:schemeClr val="accent4">
+        <a:alpha val="90000"/>
+        <a:tint val="40000"/>
+      </a:schemeClr>
+    </dgm:linClrLst>
+    <dgm:effectClrLst/>
+    <dgm:txLinClrLst/>
+    <dgm:txFillClrLst meth="repeat">
+      <a:schemeClr val="dk1"/>
+    </dgm:txFillClrLst>
+    <dgm:txEffectClrLst/>
+  </dgm:styleLbl>
+  <dgm:styleLbl name="bgAccFollowNode1">
+    <dgm:fillClrLst meth="repeat">
+      <a:schemeClr val="accent4">
+        <a:alpha val="90000"/>
+        <a:tint val="40000"/>
+      </a:schemeClr>
+    </dgm:fillClrLst>
+    <dgm:linClrLst meth="repeat">
+      <a:schemeClr val="accent4">
+        <a:alpha val="90000"/>
+        <a:tint val="40000"/>
+      </a:schemeClr>
+    </dgm:linClrLst>
+    <dgm:effectClrLst/>
+    <dgm:txLinClrLst/>
+    <dgm:txFillClrLst meth="repeat">
+      <a:schemeClr val="dk1"/>
+    </dgm:txFillClrLst>
+    <dgm:txEffectClrLst/>
+  </dgm:styleLbl>
+  <dgm:styleLbl name="fgAcc0">
+    <dgm:fillClrLst meth="repeat">
+      <a:schemeClr val="lt1">
+        <a:alpha val="90000"/>
+      </a:schemeClr>
+    </dgm:fillClrLst>
+    <dgm:linClrLst meth="repeat">
+      <a:schemeClr val="accent4"/>
+    </dgm:linClrLst>
+    <dgm:effectClrLst/>
+    <dgm:txLinClrLst/>
+    <dgm:txFillClrLst meth="repeat">
+      <a:schemeClr val="dk1"/>
+    </dgm:txFillClrLst>
+    <dgm:txEffectClrLst/>
+  </dgm:styleLbl>
+  <dgm:styleLbl name="fgAcc2">
+    <dgm:fillClrLst meth="repeat">
+      <a:schemeClr val="lt1">
+        <a:alpha val="90000"/>
+      </a:schemeClr>
+    </dgm:fillClrLst>
+    <dgm:linClrLst meth="repeat">
+      <a:schemeClr val="accent4"/>
+    </dgm:linClrLst>
+    <dgm:effectClrLst/>
+    <dgm:txLinClrLst/>
+    <dgm:txFillClrLst meth="repeat">
+      <a:schemeClr val="dk1"/>
+    </dgm:txFillClrLst>
+    <dgm:txEffectClrLst/>
+  </dgm:styleLbl>
+  <dgm:styleLbl name="fgAcc3">
+    <dgm:fillClrLst meth="repeat">
+      <a:schemeClr val="lt1">
+        <a:alpha val="90000"/>
+      </a:schemeClr>
+    </dgm:fillClrLst>
+    <dgm:linClrLst meth="repeat">
+      <a:schemeClr val="accent4"/>
+    </dgm:linClrLst>
+    <dgm:effectClrLst/>
+    <dgm:txLinClrLst/>
+    <dgm:txFillClrLst meth="repeat">
+      <a:schemeClr val="dk1"/>
+    </dgm:txFillClrLst>
+    <dgm:txEffectClrLst/>
+  </dgm:styleLbl>
+  <dgm:styleLbl name="fgAcc4">
+    <dgm:fillClrLst meth="repeat">
+      <a:schemeClr val="lt1">
+        <a:alpha val="90000"/>
+      </a:schemeClr>
+    </dgm:fillClrLst>
+    <dgm:linClrLst meth="repeat">
+      <a:schemeClr val="accent4"/>
+    </dgm:linClrLst>
+    <dgm:effectClrLst/>
+    <dgm:txLinClrLst/>
+    <dgm:txFillClrLst meth="repeat">
+      <a:schemeClr val="dk1"/>
+    </dgm:txFillClrLst>
+    <dgm:txEffectClrLst/>
+  </dgm:styleLbl>
+  <dgm:styleLbl name="bgShp">
+    <dgm:fillClrLst meth="repeat">
+      <a:schemeClr val="accent4">
+        <a:tint val="40000"/>
+      </a:schemeClr>
+    </dgm:fillClrLst>
+    <dgm:linClrLst meth="repeat">
+      <a:schemeClr val="accent4"/>
+    </dgm:linClrLst>
+    <dgm:effectClrLst/>
+    <dgm:txLinClrLst/>
+    <dgm:txFillClrLst meth="repeat">
+      <a:schemeClr val="dk1"/>
+    </dgm:txFillClrLst>
+    <dgm:txEffectClrLst/>
+  </dgm:styleLbl>
+  <dgm:styleLbl name="dkBgShp">
+    <dgm:fillClrLst meth="repeat">
+      <a:schemeClr val="accent4">
+        <a:shade val="80000"/>
+      </a:schemeClr>
+    </dgm:fillClrLst>
+    <dgm:linClrLst meth="repeat">
+      <a:schemeClr val="accent4"/>
+    </dgm:linClrLst>
+    <dgm:effectClrLst/>
+    <dgm:txLinClrLst/>
+    <dgm:txFillClrLst meth="repeat">
+      <a:schemeClr val="lt1"/>
+    </dgm:txFillClrLst>
+    <dgm:txEffectClrLst/>
+  </dgm:styleLbl>
+  <dgm:styleLbl name="trBgShp">
+    <dgm:fillClrLst meth="repeat">
+      <a:schemeClr val="accent4">
+        <a:tint val="50000"/>
+        <a:alpha val="40000"/>
+      </a:schemeClr>
+    </dgm:fillClrLst>
+    <dgm:linClrLst meth="repeat">
+      <a:schemeClr val="accent4"/>
+    </dgm:linClrLst>
+    <dgm:effectClrLst/>
+    <dgm:txLinClrLst/>
+    <dgm:txFillClrLst meth="repeat">
+      <a:schemeClr val="lt1"/>
+    </dgm:txFillClrLst>
+    <dgm:txEffectClrLst/>
+  </dgm:styleLbl>
+  <dgm:styleLbl name="fgShp">
+    <dgm:fillClrLst meth="repeat">
+      <a:schemeClr val="accent4">
+        <a:tint val="60000"/>
+      </a:schemeClr>
+    </dgm:fillClrLst>
+    <dgm:linClrLst meth="repeat">
+      <a:schemeClr val="lt1"/>
+    </dgm:linClrLst>
+    <dgm:effectClrLst/>
+    <dgm:txLinClrLst/>
+    <dgm:txFillClrLst meth="repeat">
+      <a:schemeClr val="dk1"/>
+    </dgm:txFillClrLst>
+    <dgm:txEffectClrLst/>
+  </dgm:styleLbl>
+  <dgm:styleLbl name="revTx">
+    <dgm:fillClrLst meth="repeat">
+      <a:schemeClr val="lt1">
+        <a:alpha val="0"/>
+      </a:schemeClr>
+    </dgm:fillClrLst>
+    <dgm:linClrLst meth="repeat">
+      <a:schemeClr val="dk1">
+        <a:alpha val="0"/>
+      </a:schemeClr>
+    </dgm:linClrLst>
+    <dgm:effectClrLst/>
+    <dgm:txLinClrLst/>
+    <dgm:txFillClrLst meth="repeat">
+      <a:schemeClr val="tx1"/>
+    </dgm:txFillClrLst>
+    <dgm:txEffectClrLst/>
+  </dgm:styleLbl>
+</dgm:colorsDef>
+</file>
+
+<file path=ppt/diagrams/colors3.xml><?xml version="1.0" encoding="utf-8"?>
 <dgm:colorsDef xmlns:dgm="http://schemas.openxmlformats.org/drawingml/2006/diagram" xmlns:a="http://schemas.openxmlformats.org/drawingml/2006/main" uniqueId="urn:microsoft.com/office/officeart/2005/8/colors/accent4_2">
   <dgm:title val=""/>
   <dgm:desc val=""/>
@@ -2137,6 +2896,511 @@
     <dgm:cxn modelId="{152A1BE0-F236-4AC9-83CB-2EDF8B4F5A7D}" type="presParOf" srcId="{72CF60FC-D1EA-4391-A44C-F4B6455F23C7}" destId="{FA6C90B7-3D36-4711-AD7F-6DE129D5B45A}" srcOrd="5" destOrd="0" presId="urn:microsoft.com/office/officeart/2005/8/layout/process1"/>
     <dgm:cxn modelId="{42EB637F-C24B-4F98-8A5C-1C3D79E596F0}" type="presParOf" srcId="{FA6C90B7-3D36-4711-AD7F-6DE129D5B45A}" destId="{A7FD1213-15C4-4D6D-B2DC-FD44DC94895D}" srcOrd="0" destOrd="0" presId="urn:microsoft.com/office/officeart/2005/8/layout/process1"/>
     <dgm:cxn modelId="{51C55506-2F16-4EDC-9619-21FCCC45ED02}" type="presParOf" srcId="{72CF60FC-D1EA-4391-A44C-F4B6455F23C7}" destId="{7319EE50-B1F6-4875-8CFC-3DC2B1ADD8A5}" srcOrd="6" destOrd="0" presId="urn:microsoft.com/office/officeart/2005/8/layout/process1"/>
+  </dgm:cxnLst>
+  <dgm:bg/>
+  <dgm:whole/>
+  <dgm:extLst>
+    <a:ext uri="http://schemas.microsoft.com/office/drawing/2008/diagram">
+      <dsp:dataModelExt xmlns:dsp="http://schemas.microsoft.com/office/drawing/2008/diagram" relId="rId6" minVer="http://schemas.openxmlformats.org/drawingml/2006/diagram"/>
+    </a:ext>
+  </dgm:extLst>
+</dgm:dataModel>
+</file>
+
+<file path=ppt/diagrams/data3.xml><?xml version="1.0" encoding="utf-8"?>
+<dgm:dataModel xmlns:dgm="http://schemas.openxmlformats.org/drawingml/2006/diagram" xmlns:a="http://schemas.openxmlformats.org/drawingml/2006/main">
+  <dgm:ptLst>
+    <dgm:pt modelId="{86E366C0-7EC9-43BA-BB47-68E18A3B6EEE}" type="doc">
+      <dgm:prSet loTypeId="urn:microsoft.com/office/officeart/2005/8/layout/process3" loCatId="process" qsTypeId="urn:microsoft.com/office/officeart/2005/8/quickstyle/simple1" qsCatId="simple" csTypeId="urn:microsoft.com/office/officeart/2005/8/colors/accent4_2" csCatId="accent4" phldr="1"/>
+      <dgm:spPr/>
+      <dgm:t>
+        <a:bodyPr/>
+        <a:lstStyle/>
+        <a:p>
+          <a:endParaRPr lang="de-DE"/>
+        </a:p>
+      </dgm:t>
+    </dgm:pt>
+    <dgm:pt modelId="{DEE21650-5B3C-486D-AAE0-B729AB69A80D}">
+      <dgm:prSet phldrT="[Text]"/>
+      <dgm:spPr/>
+      <dgm:t>
+        <a:bodyPr/>
+        <a:lstStyle/>
+        <a:p>
+          <a:r>
+            <a:rPr lang="de-DE" dirty="0"/>
+            <a:t>Grundhaltung: Geschäftsprozessorientierung</a:t>
+          </a:r>
+        </a:p>
+      </dgm:t>
+    </dgm:pt>
+    <dgm:pt modelId="{A9F006AD-1545-4CE7-97CF-8C08F9E65992}" type="parTrans" cxnId="{1E38A1CB-398D-4C8F-86D4-41C8D0BA7ADC}">
+      <dgm:prSet/>
+      <dgm:spPr/>
+      <dgm:t>
+        <a:bodyPr/>
+        <a:lstStyle/>
+        <a:p>
+          <a:endParaRPr lang="de-DE"/>
+        </a:p>
+      </dgm:t>
+    </dgm:pt>
+    <dgm:pt modelId="{06D36CD2-9AB5-4FDF-8356-A911DBCCD54C}" type="sibTrans" cxnId="{1E38A1CB-398D-4C8F-86D4-41C8D0BA7ADC}">
+      <dgm:prSet/>
+      <dgm:spPr/>
+      <dgm:t>
+        <a:bodyPr/>
+        <a:lstStyle/>
+        <a:p>
+          <a:endParaRPr lang="de-DE"/>
+        </a:p>
+      </dgm:t>
+    </dgm:pt>
+    <dgm:pt modelId="{64E91EBE-F34A-44DD-9E86-A98A34004A4E}">
+      <dgm:prSet phldrT="[Text]"/>
+      <dgm:spPr/>
+      <dgm:t>
+        <a:bodyPr/>
+        <a:lstStyle/>
+        <a:p>
+          <a:pPr>
+            <a:buNone/>
+          </a:pPr>
+          <a:r>
+            <a:rPr lang="de-DE" dirty="0"/>
+            <a:t> Alle betrieblichen Aktivitäten = Kombination einzelner oder verschiedener Prozesse </a:t>
+          </a:r>
+        </a:p>
+      </dgm:t>
+    </dgm:pt>
+    <dgm:pt modelId="{45A3EE76-4991-4F9C-9ECB-4DB9DFB13697}" type="parTrans" cxnId="{01529110-54B1-4DBC-960E-54E0C1661781}">
+      <dgm:prSet/>
+      <dgm:spPr/>
+      <dgm:t>
+        <a:bodyPr/>
+        <a:lstStyle/>
+        <a:p>
+          <a:endParaRPr lang="de-DE"/>
+        </a:p>
+      </dgm:t>
+    </dgm:pt>
+    <dgm:pt modelId="{1D72C666-23DA-4192-9DE5-86225ED69E84}" type="sibTrans" cxnId="{01529110-54B1-4DBC-960E-54E0C1661781}">
+      <dgm:prSet/>
+      <dgm:spPr/>
+      <dgm:t>
+        <a:bodyPr/>
+        <a:lstStyle/>
+        <a:p>
+          <a:endParaRPr lang="de-DE"/>
+        </a:p>
+      </dgm:t>
+    </dgm:pt>
+    <dgm:pt modelId="{DC2ECCAC-74BC-41ED-BA2F-31C574F29665}">
+      <dgm:prSet phldrT="[Text]"/>
+      <dgm:spPr/>
+      <dgm:t>
+        <a:bodyPr/>
+        <a:lstStyle/>
+        <a:p>
+          <a:r>
+            <a:rPr lang="de-DE" dirty="0"/>
+            <a:t>Erreichen der Grundhaltung</a:t>
+          </a:r>
+        </a:p>
+      </dgm:t>
+    </dgm:pt>
+    <dgm:pt modelId="{428048F8-4258-4743-9624-3B8CB23A0919}" type="parTrans" cxnId="{CA6047EB-8CC1-40C5-BA20-5C924ACC8D57}">
+      <dgm:prSet/>
+      <dgm:spPr/>
+      <dgm:t>
+        <a:bodyPr/>
+        <a:lstStyle/>
+        <a:p>
+          <a:endParaRPr lang="de-DE"/>
+        </a:p>
+      </dgm:t>
+    </dgm:pt>
+    <dgm:pt modelId="{EEB7CC66-86BB-40CF-99CB-DD5E29174BC4}" type="sibTrans" cxnId="{CA6047EB-8CC1-40C5-BA20-5C924ACC8D57}">
+      <dgm:prSet/>
+      <dgm:spPr/>
+      <dgm:t>
+        <a:bodyPr/>
+        <a:lstStyle/>
+        <a:p>
+          <a:endParaRPr lang="de-DE"/>
+        </a:p>
+      </dgm:t>
+    </dgm:pt>
+    <dgm:pt modelId="{A7172B78-C6BF-4060-B4F0-793416416E84}">
+      <dgm:prSet phldrT="[Text]"/>
+      <dgm:spPr/>
+      <dgm:t>
+        <a:bodyPr/>
+        <a:lstStyle/>
+        <a:p>
+          <a:r>
+            <a:rPr lang="de-DE" dirty="0"/>
+            <a:t>Ziele definieren, an denen sich die Erbringung der IT-Services ausrichtet</a:t>
+          </a:r>
+        </a:p>
+      </dgm:t>
+    </dgm:pt>
+    <dgm:pt modelId="{3DD362D3-291E-4546-8405-C90E32329BD8}" type="parTrans" cxnId="{0D4BE70B-6D2C-4C88-8B9D-314C90E0455B}">
+      <dgm:prSet/>
+      <dgm:spPr/>
+      <dgm:t>
+        <a:bodyPr/>
+        <a:lstStyle/>
+        <a:p>
+          <a:endParaRPr lang="de-DE"/>
+        </a:p>
+      </dgm:t>
+    </dgm:pt>
+    <dgm:pt modelId="{5AF96839-1E8E-486B-81F6-D689C314B090}" type="sibTrans" cxnId="{0D4BE70B-6D2C-4C88-8B9D-314C90E0455B}">
+      <dgm:prSet/>
+      <dgm:spPr/>
+      <dgm:t>
+        <a:bodyPr/>
+        <a:lstStyle/>
+        <a:p>
+          <a:endParaRPr lang="de-DE"/>
+        </a:p>
+      </dgm:t>
+    </dgm:pt>
+    <dgm:pt modelId="{C8997EF4-38ED-42FD-B709-70A11A56D25A}">
+      <dgm:prSet phldrT="[Text]"/>
+      <dgm:spPr/>
+      <dgm:t>
+        <a:bodyPr/>
+        <a:lstStyle/>
+        <a:p>
+          <a:r>
+            <a:rPr lang="de-DE" dirty="0"/>
+            <a:t>Definierten Ziele erreichen</a:t>
+          </a:r>
+        </a:p>
+      </dgm:t>
+    </dgm:pt>
+    <dgm:pt modelId="{AA15C294-D324-4964-9D25-1BC043DA10CE}" type="parTrans" cxnId="{899C4BEC-9541-4449-A47C-7898C588CBAE}">
+      <dgm:prSet/>
+      <dgm:spPr/>
+      <dgm:t>
+        <a:bodyPr/>
+        <a:lstStyle/>
+        <a:p>
+          <a:endParaRPr lang="de-DE"/>
+        </a:p>
+      </dgm:t>
+    </dgm:pt>
+    <dgm:pt modelId="{FA215E70-D41B-4F38-B023-0E91C907FA75}" type="sibTrans" cxnId="{899C4BEC-9541-4449-A47C-7898C588CBAE}">
+      <dgm:prSet/>
+      <dgm:spPr/>
+      <dgm:t>
+        <a:bodyPr/>
+        <a:lstStyle/>
+        <a:p>
+          <a:endParaRPr lang="de-DE"/>
+        </a:p>
+      </dgm:t>
+    </dgm:pt>
+    <dgm:pt modelId="{F1080057-FBB2-48CE-AFB6-C7AE0F98BF9E}">
+      <dgm:prSet phldrT="[Text]"/>
+      <dgm:spPr/>
+      <dgm:t>
+        <a:bodyPr/>
+        <a:lstStyle/>
+        <a:p>
+          <a:r>
+            <a:rPr lang="de-DE" dirty="0"/>
+            <a:t>Möglichkeiten IT-Organisation + Anforderungen des Kunden/der Kundin über  zu erbringenden Services müssen deckungsgleich</a:t>
+          </a:r>
+        </a:p>
+      </dgm:t>
+    </dgm:pt>
+    <dgm:pt modelId="{7FFF0A33-04C2-4A4D-A8A8-CB827F0D9E7C}" type="parTrans" cxnId="{CCF037EE-0634-45E0-B767-6FB823BDDC59}">
+      <dgm:prSet/>
+      <dgm:spPr/>
+      <dgm:t>
+        <a:bodyPr/>
+        <a:lstStyle/>
+        <a:p>
+          <a:endParaRPr lang="de-DE"/>
+        </a:p>
+      </dgm:t>
+    </dgm:pt>
+    <dgm:pt modelId="{9AD0561B-659E-46A9-8743-E6B49746D671}" type="sibTrans" cxnId="{CCF037EE-0634-45E0-B767-6FB823BDDC59}">
+      <dgm:prSet/>
+      <dgm:spPr/>
+      <dgm:t>
+        <a:bodyPr/>
+        <a:lstStyle/>
+        <a:p>
+          <a:endParaRPr lang="de-DE"/>
+        </a:p>
+      </dgm:t>
+    </dgm:pt>
+    <dgm:pt modelId="{DFE39D63-A1E2-4840-9245-C9356A74E9EA}">
+      <dgm:prSet phldrT="[Text]"/>
+      <dgm:spPr/>
+      <dgm:t>
+        <a:bodyPr/>
+        <a:lstStyle/>
+        <a:p>
+          <a:r>
+            <a:rPr lang="de-DE" dirty="0"/>
+            <a:t>ITIL</a:t>
+          </a:r>
+        </a:p>
+      </dgm:t>
+    </dgm:pt>
+    <dgm:pt modelId="{229FF89F-475E-4D5C-AFAA-266D45E5D2BA}" type="parTrans" cxnId="{C45F5FF8-43E9-4C0F-ABD5-6E842E9B6C2D}">
+      <dgm:prSet/>
+      <dgm:spPr/>
+      <dgm:t>
+        <a:bodyPr/>
+        <a:lstStyle/>
+        <a:p>
+          <a:endParaRPr lang="de-DE"/>
+        </a:p>
+      </dgm:t>
+    </dgm:pt>
+    <dgm:pt modelId="{9B0722B0-E6CE-4AE7-AB9A-C8B27F25AD81}" type="sibTrans" cxnId="{C45F5FF8-43E9-4C0F-ABD5-6E842E9B6C2D}">
+      <dgm:prSet/>
+      <dgm:spPr/>
+      <dgm:t>
+        <a:bodyPr/>
+        <a:lstStyle/>
+        <a:p>
+          <a:endParaRPr lang="de-DE"/>
+        </a:p>
+      </dgm:t>
+    </dgm:pt>
+    <dgm:pt modelId="{07DFA1D1-378C-4B9F-945C-3CBA03B985FA}">
+      <dgm:prSet phldrT="[Text]"/>
+      <dgm:spPr/>
+      <dgm:t>
+        <a:bodyPr/>
+        <a:lstStyle/>
+        <a:p>
+          <a:r>
+            <a:rPr lang="de-DE" dirty="0"/>
+            <a:t>Identifizierung des Kundenbedarfs + der entsprechenden Gestaltung des Services</a:t>
+          </a:r>
+        </a:p>
+      </dgm:t>
+    </dgm:pt>
+    <dgm:pt modelId="{4B896240-06E8-4236-9268-FA19EE6F4456}" type="parTrans" cxnId="{665F7999-AE26-415C-B6A4-90C288CF7F0E}">
+      <dgm:prSet/>
+      <dgm:spPr/>
+      <dgm:t>
+        <a:bodyPr/>
+        <a:lstStyle/>
+        <a:p>
+          <a:endParaRPr lang="de-DE"/>
+        </a:p>
+      </dgm:t>
+    </dgm:pt>
+    <dgm:pt modelId="{55759DD9-C055-49BB-B465-C00DD24461F3}" type="sibTrans" cxnId="{665F7999-AE26-415C-B6A4-90C288CF7F0E}">
+      <dgm:prSet/>
+      <dgm:spPr/>
+      <dgm:t>
+        <a:bodyPr/>
+        <a:lstStyle/>
+        <a:p>
+          <a:endParaRPr lang="de-DE"/>
+        </a:p>
+      </dgm:t>
+    </dgm:pt>
+    <dgm:pt modelId="{9D5681AF-C995-41A0-AE5A-B7BBA27877BF}" type="pres">
+      <dgm:prSet presAssocID="{86E366C0-7EC9-43BA-BB47-68E18A3B6EEE}" presName="linearFlow" presStyleCnt="0">
+        <dgm:presLayoutVars>
+          <dgm:dir/>
+          <dgm:animLvl val="lvl"/>
+          <dgm:resizeHandles val="exact"/>
+        </dgm:presLayoutVars>
+      </dgm:prSet>
+      <dgm:spPr/>
+    </dgm:pt>
+    <dgm:pt modelId="{1A8B2673-2BE3-4495-885F-68CD74DA3D58}" type="pres">
+      <dgm:prSet presAssocID="{DEE21650-5B3C-486D-AAE0-B729AB69A80D}" presName="composite" presStyleCnt="0"/>
+      <dgm:spPr/>
+    </dgm:pt>
+    <dgm:pt modelId="{B4411120-1924-4672-9E71-162365CE21F5}" type="pres">
+      <dgm:prSet presAssocID="{DEE21650-5B3C-486D-AAE0-B729AB69A80D}" presName="parTx" presStyleLbl="node1" presStyleIdx="0" presStyleCnt="4">
+        <dgm:presLayoutVars>
+          <dgm:chMax val="0"/>
+          <dgm:chPref val="0"/>
+          <dgm:bulletEnabled val="1"/>
+        </dgm:presLayoutVars>
+      </dgm:prSet>
+      <dgm:spPr/>
+    </dgm:pt>
+    <dgm:pt modelId="{26511BCF-8FBA-42DA-A5DD-822BEB43123C}" type="pres">
+      <dgm:prSet presAssocID="{DEE21650-5B3C-486D-AAE0-B729AB69A80D}" presName="parSh" presStyleLbl="node1" presStyleIdx="0" presStyleCnt="4"/>
+      <dgm:spPr/>
+    </dgm:pt>
+    <dgm:pt modelId="{12ED9F81-9BFB-4605-9318-48F44914C88B}" type="pres">
+      <dgm:prSet presAssocID="{DEE21650-5B3C-486D-AAE0-B729AB69A80D}" presName="desTx" presStyleLbl="fgAcc1" presStyleIdx="0" presStyleCnt="4">
+        <dgm:presLayoutVars>
+          <dgm:bulletEnabled val="1"/>
+        </dgm:presLayoutVars>
+      </dgm:prSet>
+      <dgm:spPr/>
+    </dgm:pt>
+    <dgm:pt modelId="{6CA173A9-F570-4B28-A2AF-67FD57FB16EE}" type="pres">
+      <dgm:prSet presAssocID="{06D36CD2-9AB5-4FDF-8356-A911DBCCD54C}" presName="sibTrans" presStyleLbl="sibTrans2D1" presStyleIdx="0" presStyleCnt="3"/>
+      <dgm:spPr/>
+    </dgm:pt>
+    <dgm:pt modelId="{3E045C67-71E3-4BA4-87D3-7D694895A22B}" type="pres">
+      <dgm:prSet presAssocID="{06D36CD2-9AB5-4FDF-8356-A911DBCCD54C}" presName="connTx" presStyleLbl="sibTrans2D1" presStyleIdx="0" presStyleCnt="3"/>
+      <dgm:spPr/>
+    </dgm:pt>
+    <dgm:pt modelId="{4C1AC26E-01AE-4B82-A1DA-F372FC5D63AC}" type="pres">
+      <dgm:prSet presAssocID="{DC2ECCAC-74BC-41ED-BA2F-31C574F29665}" presName="composite" presStyleCnt="0"/>
+      <dgm:spPr/>
+    </dgm:pt>
+    <dgm:pt modelId="{6B3BB2D6-23BC-49A1-92E0-467FF00F1E5A}" type="pres">
+      <dgm:prSet presAssocID="{DC2ECCAC-74BC-41ED-BA2F-31C574F29665}" presName="parTx" presStyleLbl="node1" presStyleIdx="0" presStyleCnt="4">
+        <dgm:presLayoutVars>
+          <dgm:chMax val="0"/>
+          <dgm:chPref val="0"/>
+          <dgm:bulletEnabled val="1"/>
+        </dgm:presLayoutVars>
+      </dgm:prSet>
+      <dgm:spPr/>
+    </dgm:pt>
+    <dgm:pt modelId="{BB9DDF85-5D4C-4D80-BB2C-568071338953}" type="pres">
+      <dgm:prSet presAssocID="{DC2ECCAC-74BC-41ED-BA2F-31C574F29665}" presName="parSh" presStyleLbl="node1" presStyleIdx="1" presStyleCnt="4"/>
+      <dgm:spPr/>
+    </dgm:pt>
+    <dgm:pt modelId="{713EDC15-0AC9-4D87-B558-067CEAAF4F7F}" type="pres">
+      <dgm:prSet presAssocID="{DC2ECCAC-74BC-41ED-BA2F-31C574F29665}" presName="desTx" presStyleLbl="fgAcc1" presStyleIdx="1" presStyleCnt="4">
+        <dgm:presLayoutVars>
+          <dgm:bulletEnabled val="1"/>
+        </dgm:presLayoutVars>
+      </dgm:prSet>
+      <dgm:spPr/>
+    </dgm:pt>
+    <dgm:pt modelId="{1C5C689B-E665-42C8-8B19-D6D65C7C4708}" type="pres">
+      <dgm:prSet presAssocID="{EEB7CC66-86BB-40CF-99CB-DD5E29174BC4}" presName="sibTrans" presStyleLbl="sibTrans2D1" presStyleIdx="1" presStyleCnt="3"/>
+      <dgm:spPr/>
+    </dgm:pt>
+    <dgm:pt modelId="{30338767-0CF6-431A-BA92-5543DEA203F8}" type="pres">
+      <dgm:prSet presAssocID="{EEB7CC66-86BB-40CF-99CB-DD5E29174BC4}" presName="connTx" presStyleLbl="sibTrans2D1" presStyleIdx="1" presStyleCnt="3"/>
+      <dgm:spPr/>
+    </dgm:pt>
+    <dgm:pt modelId="{2DFC3991-1C13-49D1-BDDA-1CAAAA84E9B0}" type="pres">
+      <dgm:prSet presAssocID="{C8997EF4-38ED-42FD-B709-70A11A56D25A}" presName="composite" presStyleCnt="0"/>
+      <dgm:spPr/>
+    </dgm:pt>
+    <dgm:pt modelId="{4EC0BB8C-F6EE-4296-B591-247EF57AE1D9}" type="pres">
+      <dgm:prSet presAssocID="{C8997EF4-38ED-42FD-B709-70A11A56D25A}" presName="parTx" presStyleLbl="node1" presStyleIdx="1" presStyleCnt="4">
+        <dgm:presLayoutVars>
+          <dgm:chMax val="0"/>
+          <dgm:chPref val="0"/>
+          <dgm:bulletEnabled val="1"/>
+        </dgm:presLayoutVars>
+      </dgm:prSet>
+      <dgm:spPr/>
+    </dgm:pt>
+    <dgm:pt modelId="{89D6469F-24D5-4E6B-89C8-A02391A0688A}" type="pres">
+      <dgm:prSet presAssocID="{C8997EF4-38ED-42FD-B709-70A11A56D25A}" presName="parSh" presStyleLbl="node1" presStyleIdx="2" presStyleCnt="4"/>
+      <dgm:spPr/>
+    </dgm:pt>
+    <dgm:pt modelId="{39AD405B-D0CC-4F24-8085-FCF754F40327}" type="pres">
+      <dgm:prSet presAssocID="{C8997EF4-38ED-42FD-B709-70A11A56D25A}" presName="desTx" presStyleLbl="fgAcc1" presStyleIdx="2" presStyleCnt="4">
+        <dgm:presLayoutVars>
+          <dgm:bulletEnabled val="1"/>
+        </dgm:presLayoutVars>
+      </dgm:prSet>
+      <dgm:spPr/>
+    </dgm:pt>
+    <dgm:pt modelId="{3B1C153F-E5AF-4FA9-B517-4F888CDE4F48}" type="pres">
+      <dgm:prSet presAssocID="{FA215E70-D41B-4F38-B023-0E91C907FA75}" presName="sibTrans" presStyleLbl="sibTrans2D1" presStyleIdx="2" presStyleCnt="3"/>
+      <dgm:spPr/>
+    </dgm:pt>
+    <dgm:pt modelId="{57896B0F-257D-4FE7-A3C5-174FA0159CE3}" type="pres">
+      <dgm:prSet presAssocID="{FA215E70-D41B-4F38-B023-0E91C907FA75}" presName="connTx" presStyleLbl="sibTrans2D1" presStyleIdx="2" presStyleCnt="3"/>
+      <dgm:spPr/>
+    </dgm:pt>
+    <dgm:pt modelId="{0DD5C806-0AC3-4909-8DF0-ECE8BF0C7E50}" type="pres">
+      <dgm:prSet presAssocID="{DFE39D63-A1E2-4840-9245-C9356A74E9EA}" presName="composite" presStyleCnt="0"/>
+      <dgm:spPr/>
+    </dgm:pt>
+    <dgm:pt modelId="{3FEA0D86-7ED3-4993-A5FC-5C17A511E589}" type="pres">
+      <dgm:prSet presAssocID="{DFE39D63-A1E2-4840-9245-C9356A74E9EA}" presName="parTx" presStyleLbl="node1" presStyleIdx="2" presStyleCnt="4">
+        <dgm:presLayoutVars>
+          <dgm:chMax val="0"/>
+          <dgm:chPref val="0"/>
+          <dgm:bulletEnabled val="1"/>
+        </dgm:presLayoutVars>
+      </dgm:prSet>
+      <dgm:spPr/>
+    </dgm:pt>
+    <dgm:pt modelId="{A0674EE4-BDD0-413A-9FA8-BB85DA7BDBC1}" type="pres">
+      <dgm:prSet presAssocID="{DFE39D63-A1E2-4840-9245-C9356A74E9EA}" presName="parSh" presStyleLbl="node1" presStyleIdx="3" presStyleCnt="4"/>
+      <dgm:spPr/>
+    </dgm:pt>
+    <dgm:pt modelId="{7520260D-1F63-4032-9D56-869A58750737}" type="pres">
+      <dgm:prSet presAssocID="{DFE39D63-A1E2-4840-9245-C9356A74E9EA}" presName="desTx" presStyleLbl="fgAcc1" presStyleIdx="3" presStyleCnt="4">
+        <dgm:presLayoutVars>
+          <dgm:bulletEnabled val="1"/>
+        </dgm:presLayoutVars>
+      </dgm:prSet>
+      <dgm:spPr/>
+    </dgm:pt>
+  </dgm:ptLst>
+  <dgm:cxnLst>
+    <dgm:cxn modelId="{8BE2A804-2A9D-456F-8EB5-CFC9E7C1F523}" type="presOf" srcId="{EEB7CC66-86BB-40CF-99CB-DD5E29174BC4}" destId="{30338767-0CF6-431A-BA92-5543DEA203F8}" srcOrd="1" destOrd="0" presId="urn:microsoft.com/office/officeart/2005/8/layout/process3"/>
+    <dgm:cxn modelId="{0D4BE70B-6D2C-4C88-8B9D-314C90E0455B}" srcId="{DC2ECCAC-74BC-41ED-BA2F-31C574F29665}" destId="{A7172B78-C6BF-4060-B4F0-793416416E84}" srcOrd="0" destOrd="0" parTransId="{3DD362D3-291E-4546-8405-C90E32329BD8}" sibTransId="{5AF96839-1E8E-486B-81F6-D689C314B090}"/>
+    <dgm:cxn modelId="{565A660C-0F61-4124-8B9B-53095D4F7F74}" type="presOf" srcId="{C8997EF4-38ED-42FD-B709-70A11A56D25A}" destId="{4EC0BB8C-F6EE-4296-B591-247EF57AE1D9}" srcOrd="0" destOrd="0" presId="urn:microsoft.com/office/officeart/2005/8/layout/process3"/>
+    <dgm:cxn modelId="{01529110-54B1-4DBC-960E-54E0C1661781}" srcId="{DEE21650-5B3C-486D-AAE0-B729AB69A80D}" destId="{64E91EBE-F34A-44DD-9E86-A98A34004A4E}" srcOrd="0" destOrd="0" parTransId="{45A3EE76-4991-4F9C-9ECB-4DB9DFB13697}" sibTransId="{1D72C666-23DA-4192-9DE5-86225ED69E84}"/>
+    <dgm:cxn modelId="{5701002A-44A5-4765-86D9-1DDCBF71BD52}" type="presOf" srcId="{A7172B78-C6BF-4060-B4F0-793416416E84}" destId="{713EDC15-0AC9-4D87-B558-067CEAAF4F7F}" srcOrd="0" destOrd="0" presId="urn:microsoft.com/office/officeart/2005/8/layout/process3"/>
+    <dgm:cxn modelId="{1663822B-9903-4B77-BC34-F989DDAB539E}" type="presOf" srcId="{07DFA1D1-378C-4B9F-945C-3CBA03B985FA}" destId="{7520260D-1F63-4032-9D56-869A58750737}" srcOrd="0" destOrd="0" presId="urn:microsoft.com/office/officeart/2005/8/layout/process3"/>
+    <dgm:cxn modelId="{05B5BC4A-A281-4AD3-8C3C-F16B82546E2C}" type="presOf" srcId="{DC2ECCAC-74BC-41ED-BA2F-31C574F29665}" destId="{6B3BB2D6-23BC-49A1-92E0-467FF00F1E5A}" srcOrd="0" destOrd="0" presId="urn:microsoft.com/office/officeart/2005/8/layout/process3"/>
+    <dgm:cxn modelId="{73A50E71-0210-4A6E-8B60-31786EAAEE5F}" type="presOf" srcId="{06D36CD2-9AB5-4FDF-8356-A911DBCCD54C}" destId="{6CA173A9-F570-4B28-A2AF-67FD57FB16EE}" srcOrd="0" destOrd="0" presId="urn:microsoft.com/office/officeart/2005/8/layout/process3"/>
+    <dgm:cxn modelId="{9411A272-B141-4F24-875B-0E253C68C38D}" type="presOf" srcId="{06D36CD2-9AB5-4FDF-8356-A911DBCCD54C}" destId="{3E045C67-71E3-4BA4-87D3-7D694895A22B}" srcOrd="1" destOrd="0" presId="urn:microsoft.com/office/officeart/2005/8/layout/process3"/>
+    <dgm:cxn modelId="{6F929453-4826-4027-9679-4AE82659D25C}" type="presOf" srcId="{C8997EF4-38ED-42FD-B709-70A11A56D25A}" destId="{89D6469F-24D5-4E6B-89C8-A02391A0688A}" srcOrd="1" destOrd="0" presId="urn:microsoft.com/office/officeart/2005/8/layout/process3"/>
+    <dgm:cxn modelId="{3F374778-3FB1-462E-89A4-75F0E7F41AB7}" type="presOf" srcId="{DEE21650-5B3C-486D-AAE0-B729AB69A80D}" destId="{26511BCF-8FBA-42DA-A5DD-822BEB43123C}" srcOrd="1" destOrd="0" presId="urn:microsoft.com/office/officeart/2005/8/layout/process3"/>
+    <dgm:cxn modelId="{153DF38D-ACC6-4547-BBD9-00B0E46CC3B6}" type="presOf" srcId="{DC2ECCAC-74BC-41ED-BA2F-31C574F29665}" destId="{BB9DDF85-5D4C-4D80-BB2C-568071338953}" srcOrd="1" destOrd="0" presId="urn:microsoft.com/office/officeart/2005/8/layout/process3"/>
+    <dgm:cxn modelId="{CDAD0493-2E56-4457-A1F7-B81F91B21B49}" type="presOf" srcId="{DFE39D63-A1E2-4840-9245-C9356A74E9EA}" destId="{A0674EE4-BDD0-413A-9FA8-BB85DA7BDBC1}" srcOrd="1" destOrd="0" presId="urn:microsoft.com/office/officeart/2005/8/layout/process3"/>
+    <dgm:cxn modelId="{665F7999-AE26-415C-B6A4-90C288CF7F0E}" srcId="{DFE39D63-A1E2-4840-9245-C9356A74E9EA}" destId="{07DFA1D1-378C-4B9F-945C-3CBA03B985FA}" srcOrd="0" destOrd="0" parTransId="{4B896240-06E8-4236-9268-FA19EE6F4456}" sibTransId="{55759DD9-C055-49BB-B465-C00DD24461F3}"/>
+    <dgm:cxn modelId="{FFFA7A9A-87B9-4C16-80FF-C4AF958B5FDB}" type="presOf" srcId="{F1080057-FBB2-48CE-AFB6-C7AE0F98BF9E}" destId="{39AD405B-D0CC-4F24-8085-FCF754F40327}" srcOrd="0" destOrd="0" presId="urn:microsoft.com/office/officeart/2005/8/layout/process3"/>
+    <dgm:cxn modelId="{07C23F9F-1072-447A-9546-98D93FB30589}" type="presOf" srcId="{DEE21650-5B3C-486D-AAE0-B729AB69A80D}" destId="{B4411120-1924-4672-9E71-162365CE21F5}" srcOrd="0" destOrd="0" presId="urn:microsoft.com/office/officeart/2005/8/layout/process3"/>
+    <dgm:cxn modelId="{638546A4-B373-429F-941B-A30C2EBA84B4}" type="presOf" srcId="{86E366C0-7EC9-43BA-BB47-68E18A3B6EEE}" destId="{9D5681AF-C995-41A0-AE5A-B7BBA27877BF}" srcOrd="0" destOrd="0" presId="urn:microsoft.com/office/officeart/2005/8/layout/process3"/>
+    <dgm:cxn modelId="{1E38A1CB-398D-4C8F-86D4-41C8D0BA7ADC}" srcId="{86E366C0-7EC9-43BA-BB47-68E18A3B6EEE}" destId="{DEE21650-5B3C-486D-AAE0-B729AB69A80D}" srcOrd="0" destOrd="0" parTransId="{A9F006AD-1545-4CE7-97CF-8C08F9E65992}" sibTransId="{06D36CD2-9AB5-4FDF-8356-A911DBCCD54C}"/>
+    <dgm:cxn modelId="{B0DF5BCD-40E2-4618-B869-59F144D644F4}" type="presOf" srcId="{64E91EBE-F34A-44DD-9E86-A98A34004A4E}" destId="{12ED9F81-9BFB-4605-9318-48F44914C88B}" srcOrd="0" destOrd="0" presId="urn:microsoft.com/office/officeart/2005/8/layout/process3"/>
+    <dgm:cxn modelId="{9A7F3DD1-06DD-4C19-97F1-BF63A5AFF6CA}" type="presOf" srcId="{DFE39D63-A1E2-4840-9245-C9356A74E9EA}" destId="{3FEA0D86-7ED3-4993-A5FC-5C17A511E589}" srcOrd="0" destOrd="0" presId="urn:microsoft.com/office/officeart/2005/8/layout/process3"/>
+    <dgm:cxn modelId="{768BE6D8-E459-4362-A031-347EDA762B54}" type="presOf" srcId="{FA215E70-D41B-4F38-B023-0E91C907FA75}" destId="{3B1C153F-E5AF-4FA9-B517-4F888CDE4F48}" srcOrd="0" destOrd="0" presId="urn:microsoft.com/office/officeart/2005/8/layout/process3"/>
+    <dgm:cxn modelId="{CA6047EB-8CC1-40C5-BA20-5C924ACC8D57}" srcId="{86E366C0-7EC9-43BA-BB47-68E18A3B6EEE}" destId="{DC2ECCAC-74BC-41ED-BA2F-31C574F29665}" srcOrd="1" destOrd="0" parTransId="{428048F8-4258-4743-9624-3B8CB23A0919}" sibTransId="{EEB7CC66-86BB-40CF-99CB-DD5E29174BC4}"/>
+    <dgm:cxn modelId="{F2C213EC-391C-4918-B200-E1E0DFF2BF94}" type="presOf" srcId="{EEB7CC66-86BB-40CF-99CB-DD5E29174BC4}" destId="{1C5C689B-E665-42C8-8B19-D6D65C7C4708}" srcOrd="0" destOrd="0" presId="urn:microsoft.com/office/officeart/2005/8/layout/process3"/>
+    <dgm:cxn modelId="{899C4BEC-9541-4449-A47C-7898C588CBAE}" srcId="{86E366C0-7EC9-43BA-BB47-68E18A3B6EEE}" destId="{C8997EF4-38ED-42FD-B709-70A11A56D25A}" srcOrd="2" destOrd="0" parTransId="{AA15C294-D324-4964-9D25-1BC043DA10CE}" sibTransId="{FA215E70-D41B-4F38-B023-0E91C907FA75}"/>
+    <dgm:cxn modelId="{CCF037EE-0634-45E0-B767-6FB823BDDC59}" srcId="{C8997EF4-38ED-42FD-B709-70A11A56D25A}" destId="{F1080057-FBB2-48CE-AFB6-C7AE0F98BF9E}" srcOrd="0" destOrd="0" parTransId="{7FFF0A33-04C2-4A4D-A8A8-CB827F0D9E7C}" sibTransId="{9AD0561B-659E-46A9-8743-E6B49746D671}"/>
+    <dgm:cxn modelId="{2D4A59EF-F03E-4D34-A192-59050C7CFAA5}" type="presOf" srcId="{FA215E70-D41B-4F38-B023-0E91C907FA75}" destId="{57896B0F-257D-4FE7-A3C5-174FA0159CE3}" srcOrd="1" destOrd="0" presId="urn:microsoft.com/office/officeart/2005/8/layout/process3"/>
+    <dgm:cxn modelId="{C45F5FF8-43E9-4C0F-ABD5-6E842E9B6C2D}" srcId="{86E366C0-7EC9-43BA-BB47-68E18A3B6EEE}" destId="{DFE39D63-A1E2-4840-9245-C9356A74E9EA}" srcOrd="3" destOrd="0" parTransId="{229FF89F-475E-4D5C-AFAA-266D45E5D2BA}" sibTransId="{9B0722B0-E6CE-4AE7-AB9A-C8B27F25AD81}"/>
+    <dgm:cxn modelId="{C6DB503F-0494-4AF9-827A-D1115EC7B099}" type="presParOf" srcId="{9D5681AF-C995-41A0-AE5A-B7BBA27877BF}" destId="{1A8B2673-2BE3-4495-885F-68CD74DA3D58}" srcOrd="0" destOrd="0" presId="urn:microsoft.com/office/officeart/2005/8/layout/process3"/>
+    <dgm:cxn modelId="{2FEC3DD4-5E7C-429F-BB48-A678A9F53B18}" type="presParOf" srcId="{1A8B2673-2BE3-4495-885F-68CD74DA3D58}" destId="{B4411120-1924-4672-9E71-162365CE21F5}" srcOrd="0" destOrd="0" presId="urn:microsoft.com/office/officeart/2005/8/layout/process3"/>
+    <dgm:cxn modelId="{B20CB74E-F8DE-4EDF-85EF-8D8D0D269FF0}" type="presParOf" srcId="{1A8B2673-2BE3-4495-885F-68CD74DA3D58}" destId="{26511BCF-8FBA-42DA-A5DD-822BEB43123C}" srcOrd="1" destOrd="0" presId="urn:microsoft.com/office/officeart/2005/8/layout/process3"/>
+    <dgm:cxn modelId="{113C56DE-B51B-47AE-94F9-379A9BF6BC42}" type="presParOf" srcId="{1A8B2673-2BE3-4495-885F-68CD74DA3D58}" destId="{12ED9F81-9BFB-4605-9318-48F44914C88B}" srcOrd="2" destOrd="0" presId="urn:microsoft.com/office/officeart/2005/8/layout/process3"/>
+    <dgm:cxn modelId="{4D5BBBED-5AD4-42AC-8AFE-266DE4147625}" type="presParOf" srcId="{9D5681AF-C995-41A0-AE5A-B7BBA27877BF}" destId="{6CA173A9-F570-4B28-A2AF-67FD57FB16EE}" srcOrd="1" destOrd="0" presId="urn:microsoft.com/office/officeart/2005/8/layout/process3"/>
+    <dgm:cxn modelId="{E666B842-A80B-46EB-9008-133A7E445EA0}" type="presParOf" srcId="{6CA173A9-F570-4B28-A2AF-67FD57FB16EE}" destId="{3E045C67-71E3-4BA4-87D3-7D694895A22B}" srcOrd="0" destOrd="0" presId="urn:microsoft.com/office/officeart/2005/8/layout/process3"/>
+    <dgm:cxn modelId="{7EF5CA4F-C2B6-4088-8762-77654D18D6A7}" type="presParOf" srcId="{9D5681AF-C995-41A0-AE5A-B7BBA27877BF}" destId="{4C1AC26E-01AE-4B82-A1DA-F372FC5D63AC}" srcOrd="2" destOrd="0" presId="urn:microsoft.com/office/officeart/2005/8/layout/process3"/>
+    <dgm:cxn modelId="{8CB9C1A0-6C83-4376-B68B-ADC9B51328FA}" type="presParOf" srcId="{4C1AC26E-01AE-4B82-A1DA-F372FC5D63AC}" destId="{6B3BB2D6-23BC-49A1-92E0-467FF00F1E5A}" srcOrd="0" destOrd="0" presId="urn:microsoft.com/office/officeart/2005/8/layout/process3"/>
+    <dgm:cxn modelId="{DA29F314-36EB-4BE5-9FC9-4884368796B9}" type="presParOf" srcId="{4C1AC26E-01AE-4B82-A1DA-F372FC5D63AC}" destId="{BB9DDF85-5D4C-4D80-BB2C-568071338953}" srcOrd="1" destOrd="0" presId="urn:microsoft.com/office/officeart/2005/8/layout/process3"/>
+    <dgm:cxn modelId="{86AE592B-1E33-4BAF-B2DE-74B608576DA3}" type="presParOf" srcId="{4C1AC26E-01AE-4B82-A1DA-F372FC5D63AC}" destId="{713EDC15-0AC9-4D87-B558-067CEAAF4F7F}" srcOrd="2" destOrd="0" presId="urn:microsoft.com/office/officeart/2005/8/layout/process3"/>
+    <dgm:cxn modelId="{F63FBF8E-8617-472D-9830-F4B3736B8BAA}" type="presParOf" srcId="{9D5681AF-C995-41A0-AE5A-B7BBA27877BF}" destId="{1C5C689B-E665-42C8-8B19-D6D65C7C4708}" srcOrd="3" destOrd="0" presId="urn:microsoft.com/office/officeart/2005/8/layout/process3"/>
+    <dgm:cxn modelId="{711F0052-23FF-4921-9CA4-2E7444C49EB5}" type="presParOf" srcId="{1C5C689B-E665-42C8-8B19-D6D65C7C4708}" destId="{30338767-0CF6-431A-BA92-5543DEA203F8}" srcOrd="0" destOrd="0" presId="urn:microsoft.com/office/officeart/2005/8/layout/process3"/>
+    <dgm:cxn modelId="{2B111D5A-145E-4EC2-AC19-5D9B4B6A5901}" type="presParOf" srcId="{9D5681AF-C995-41A0-AE5A-B7BBA27877BF}" destId="{2DFC3991-1C13-49D1-BDDA-1CAAAA84E9B0}" srcOrd="4" destOrd="0" presId="urn:microsoft.com/office/officeart/2005/8/layout/process3"/>
+    <dgm:cxn modelId="{B96E3BE9-88E4-49DA-ADB7-8CF40DB0487A}" type="presParOf" srcId="{2DFC3991-1C13-49D1-BDDA-1CAAAA84E9B0}" destId="{4EC0BB8C-F6EE-4296-B591-247EF57AE1D9}" srcOrd="0" destOrd="0" presId="urn:microsoft.com/office/officeart/2005/8/layout/process3"/>
+    <dgm:cxn modelId="{C02EF392-17C2-4ADB-9DC1-94938FE7F8B4}" type="presParOf" srcId="{2DFC3991-1C13-49D1-BDDA-1CAAAA84E9B0}" destId="{89D6469F-24D5-4E6B-89C8-A02391A0688A}" srcOrd="1" destOrd="0" presId="urn:microsoft.com/office/officeart/2005/8/layout/process3"/>
+    <dgm:cxn modelId="{E56C5A4E-B60B-457D-AB42-9A055FFD680C}" type="presParOf" srcId="{2DFC3991-1C13-49D1-BDDA-1CAAAA84E9B0}" destId="{39AD405B-D0CC-4F24-8085-FCF754F40327}" srcOrd="2" destOrd="0" presId="urn:microsoft.com/office/officeart/2005/8/layout/process3"/>
+    <dgm:cxn modelId="{08CD9B26-B6AD-4EEF-A69E-787013C0AF67}" type="presParOf" srcId="{9D5681AF-C995-41A0-AE5A-B7BBA27877BF}" destId="{3B1C153F-E5AF-4FA9-B517-4F888CDE4F48}" srcOrd="5" destOrd="0" presId="urn:microsoft.com/office/officeart/2005/8/layout/process3"/>
+    <dgm:cxn modelId="{B775D8BB-AE26-4AFE-B564-B500974B20D4}" type="presParOf" srcId="{3B1C153F-E5AF-4FA9-B517-4F888CDE4F48}" destId="{57896B0F-257D-4FE7-A3C5-174FA0159CE3}" srcOrd="0" destOrd="0" presId="urn:microsoft.com/office/officeart/2005/8/layout/process3"/>
+    <dgm:cxn modelId="{00262B23-74A6-422D-BB58-692D7F439745}" type="presParOf" srcId="{9D5681AF-C995-41A0-AE5A-B7BBA27877BF}" destId="{0DD5C806-0AC3-4909-8DF0-ECE8BF0C7E50}" srcOrd="6" destOrd="0" presId="urn:microsoft.com/office/officeart/2005/8/layout/process3"/>
+    <dgm:cxn modelId="{A7AB869D-E308-4255-AFED-DA542FC71633}" type="presParOf" srcId="{0DD5C806-0AC3-4909-8DF0-ECE8BF0C7E50}" destId="{3FEA0D86-7ED3-4993-A5FC-5C17A511E589}" srcOrd="0" destOrd="0" presId="urn:microsoft.com/office/officeart/2005/8/layout/process3"/>
+    <dgm:cxn modelId="{5C0A5CD5-0440-4CBB-8232-F737B4D8651A}" type="presParOf" srcId="{0DD5C806-0AC3-4909-8DF0-ECE8BF0C7E50}" destId="{A0674EE4-BDD0-413A-9FA8-BB85DA7BDBC1}" srcOrd="1" destOrd="0" presId="urn:microsoft.com/office/officeart/2005/8/layout/process3"/>
+    <dgm:cxn modelId="{5F6C1A36-592F-4B76-BF59-D501483954EF}" type="presParOf" srcId="{0DD5C806-0AC3-4909-8DF0-ECE8BF0C7E50}" destId="{7520260D-1F63-4032-9D56-869A58750737}" srcOrd="2" destOrd="0" presId="urn:microsoft.com/office/officeart/2005/8/layout/process3"/>
   </dgm:cxnLst>
   <dgm:bg/>
   <dgm:whole/>
@@ -3146,6 +4410,864 @@
 </dsp:drawing>
 </file>
 
+<file path=ppt/diagrams/drawing3.xml><?xml version="1.0" encoding="utf-8"?>
+<dsp:drawing xmlns:dgm="http://schemas.openxmlformats.org/drawingml/2006/diagram" xmlns:dsp="http://schemas.microsoft.com/office/drawing/2008/diagram" xmlns:a="http://schemas.openxmlformats.org/drawingml/2006/main">
+  <dsp:spTree>
+    <dsp:nvGrpSpPr>
+      <dsp:cNvPr id="0" name=""/>
+      <dsp:cNvGrpSpPr/>
+    </dsp:nvGrpSpPr>
+    <dsp:grpSpPr/>
+    <dsp:sp modelId="{26511BCF-8FBA-42DA-A5DD-822BEB43123C}">
+      <dsp:nvSpPr>
+        <dsp:cNvPr id="0" name=""/>
+        <dsp:cNvSpPr/>
+      </dsp:nvSpPr>
+      <dsp:spPr>
+        <a:xfrm>
+          <a:off x="1426" y="1452114"/>
+          <a:ext cx="1792322" cy="592848"/>
+        </a:xfrm>
+        <a:prstGeom prst="roundRect">
+          <a:avLst>
+            <a:gd name="adj" fmla="val 10000"/>
+          </a:avLst>
+        </a:prstGeom>
+        <a:solidFill>
+          <a:schemeClr val="accent4">
+            <a:hueOff val="0"/>
+            <a:satOff val="0"/>
+            <a:lumOff val="0"/>
+            <a:alphaOff val="0"/>
+          </a:schemeClr>
+        </a:solidFill>
+        <a:ln w="12700" cap="flat" cmpd="sng" algn="ctr">
+          <a:solidFill>
+            <a:schemeClr val="lt1">
+              <a:hueOff val="0"/>
+              <a:satOff val="0"/>
+              <a:lumOff val="0"/>
+              <a:alphaOff val="0"/>
+            </a:schemeClr>
+          </a:solidFill>
+          <a:prstDash val="solid"/>
+          <a:miter lim="800000"/>
+        </a:ln>
+        <a:effectLst/>
+      </dsp:spPr>
+      <dsp:style>
+        <a:lnRef idx="2">
+          <a:scrgbClr r="0" g="0" b="0"/>
+        </a:lnRef>
+        <a:fillRef idx="1">
+          <a:scrgbClr r="0" g="0" b="0"/>
+        </a:fillRef>
+        <a:effectRef idx="0">
+          <a:scrgbClr r="0" g="0" b="0"/>
+        </a:effectRef>
+        <a:fontRef idx="minor">
+          <a:schemeClr val="lt1"/>
+        </a:fontRef>
+      </dsp:style>
+      <dsp:txBody>
+        <a:bodyPr spcFirstLastPara="0" vert="horz" wrap="square" lIns="71120" tIns="71120" rIns="71120" bIns="38100" numCol="1" spcCol="1270" anchor="t" anchorCtr="0">
+          <a:noAutofit/>
+        </a:bodyPr>
+        <a:lstStyle/>
+        <a:p>
+          <a:pPr marL="0" lvl="0" indent="0" algn="l" defTabSz="444500">
+            <a:lnSpc>
+              <a:spcPct val="90000"/>
+            </a:lnSpc>
+            <a:spcBef>
+              <a:spcPct val="0"/>
+            </a:spcBef>
+            <a:spcAft>
+              <a:spcPct val="35000"/>
+            </a:spcAft>
+            <a:buNone/>
+          </a:pPr>
+          <a:r>
+            <a:rPr lang="de-DE" sz="1000" kern="1200" dirty="0"/>
+            <a:t>Grundhaltung: Geschäftsprozessorientierung</a:t>
+          </a:r>
+        </a:p>
+      </dsp:txBody>
+      <dsp:txXfrm>
+        <a:off x="1426" y="1452114"/>
+        <a:ext cx="1792322" cy="395232"/>
+      </dsp:txXfrm>
+    </dsp:sp>
+    <dsp:sp modelId="{12ED9F81-9BFB-4605-9318-48F44914C88B}">
+      <dsp:nvSpPr>
+        <dsp:cNvPr id="0" name=""/>
+        <dsp:cNvSpPr/>
+      </dsp:nvSpPr>
+      <dsp:spPr>
+        <a:xfrm>
+          <a:off x="368528" y="1847347"/>
+          <a:ext cx="1792322" cy="1051875"/>
+        </a:xfrm>
+        <a:prstGeom prst="roundRect">
+          <a:avLst>
+            <a:gd name="adj" fmla="val 10000"/>
+          </a:avLst>
+        </a:prstGeom>
+        <a:solidFill>
+          <a:schemeClr val="lt1">
+            <a:alpha val="90000"/>
+            <a:hueOff val="0"/>
+            <a:satOff val="0"/>
+            <a:lumOff val="0"/>
+            <a:alphaOff val="0"/>
+          </a:schemeClr>
+        </a:solidFill>
+        <a:ln w="12700" cap="flat" cmpd="sng" algn="ctr">
+          <a:solidFill>
+            <a:schemeClr val="accent4">
+              <a:hueOff val="0"/>
+              <a:satOff val="0"/>
+              <a:lumOff val="0"/>
+              <a:alphaOff val="0"/>
+            </a:schemeClr>
+          </a:solidFill>
+          <a:prstDash val="solid"/>
+          <a:miter lim="800000"/>
+        </a:ln>
+        <a:effectLst/>
+      </dsp:spPr>
+      <dsp:style>
+        <a:lnRef idx="2">
+          <a:scrgbClr r="0" g="0" b="0"/>
+        </a:lnRef>
+        <a:fillRef idx="1">
+          <a:scrgbClr r="0" g="0" b="0"/>
+        </a:fillRef>
+        <a:effectRef idx="0">
+          <a:scrgbClr r="0" g="0" b="0"/>
+        </a:effectRef>
+        <a:fontRef idx="minor"/>
+      </dsp:style>
+      <dsp:txBody>
+        <a:bodyPr spcFirstLastPara="0" vert="horz" wrap="square" lIns="71120" tIns="71120" rIns="71120" bIns="71120" numCol="1" spcCol="1270" anchor="t" anchorCtr="0">
+          <a:noAutofit/>
+        </a:bodyPr>
+        <a:lstStyle/>
+        <a:p>
+          <a:pPr marL="57150" lvl="1" indent="-57150" algn="l" defTabSz="444500">
+            <a:lnSpc>
+              <a:spcPct val="90000"/>
+            </a:lnSpc>
+            <a:spcBef>
+              <a:spcPct val="0"/>
+            </a:spcBef>
+            <a:spcAft>
+              <a:spcPct val="15000"/>
+            </a:spcAft>
+            <a:buNone/>
+          </a:pPr>
+          <a:r>
+            <a:rPr lang="de-DE" sz="1000" kern="1200" dirty="0"/>
+            <a:t> Alle betrieblichen Aktivitäten = Kombination einzelner oder verschiedener Prozesse </a:t>
+          </a:r>
+        </a:p>
+      </dsp:txBody>
+      <dsp:txXfrm>
+        <a:off x="399336" y="1878155"/>
+        <a:ext cx="1730706" cy="990259"/>
+      </dsp:txXfrm>
+    </dsp:sp>
+    <dsp:sp modelId="{6CA173A9-F570-4B28-A2AF-67FD57FB16EE}">
+      <dsp:nvSpPr>
+        <dsp:cNvPr id="0" name=""/>
+        <dsp:cNvSpPr/>
+      </dsp:nvSpPr>
+      <dsp:spPr>
+        <a:xfrm>
+          <a:off x="2065458" y="1426612"/>
+          <a:ext cx="576024" cy="446236"/>
+        </a:xfrm>
+        <a:prstGeom prst="rightArrow">
+          <a:avLst>
+            <a:gd name="adj1" fmla="val 60000"/>
+            <a:gd name="adj2" fmla="val 50000"/>
+          </a:avLst>
+        </a:prstGeom>
+        <a:solidFill>
+          <a:schemeClr val="accent4">
+            <a:tint val="60000"/>
+            <a:hueOff val="0"/>
+            <a:satOff val="0"/>
+            <a:lumOff val="0"/>
+            <a:alphaOff val="0"/>
+          </a:schemeClr>
+        </a:solidFill>
+        <a:ln>
+          <a:noFill/>
+        </a:ln>
+        <a:effectLst/>
+      </dsp:spPr>
+      <dsp:style>
+        <a:lnRef idx="0">
+          <a:scrgbClr r="0" g="0" b="0"/>
+        </a:lnRef>
+        <a:fillRef idx="1">
+          <a:scrgbClr r="0" g="0" b="0"/>
+        </a:fillRef>
+        <a:effectRef idx="0">
+          <a:scrgbClr r="0" g="0" b="0"/>
+        </a:effectRef>
+        <a:fontRef idx="minor">
+          <a:schemeClr val="lt1"/>
+        </a:fontRef>
+      </dsp:style>
+      <dsp:txBody>
+        <a:bodyPr spcFirstLastPara="0" vert="horz" wrap="square" lIns="0" tIns="0" rIns="0" bIns="0" numCol="1" spcCol="1270" anchor="ctr" anchorCtr="0">
+          <a:noAutofit/>
+        </a:bodyPr>
+        <a:lstStyle/>
+        <a:p>
+          <a:pPr marL="0" lvl="0" indent="0" algn="ctr" defTabSz="355600">
+            <a:lnSpc>
+              <a:spcPct val="90000"/>
+            </a:lnSpc>
+            <a:spcBef>
+              <a:spcPct val="0"/>
+            </a:spcBef>
+            <a:spcAft>
+              <a:spcPct val="35000"/>
+            </a:spcAft>
+            <a:buNone/>
+          </a:pPr>
+          <a:endParaRPr lang="de-DE" sz="800" kern="1200"/>
+        </a:p>
+      </dsp:txBody>
+      <dsp:txXfrm>
+        <a:off x="2065458" y="1515859"/>
+        <a:ext cx="442153" cy="267742"/>
+      </dsp:txXfrm>
+    </dsp:sp>
+    <dsp:sp modelId="{BB9DDF85-5D4C-4D80-BB2C-568071338953}">
+      <dsp:nvSpPr>
+        <dsp:cNvPr id="0" name=""/>
+        <dsp:cNvSpPr/>
+      </dsp:nvSpPr>
+      <dsp:spPr>
+        <a:xfrm>
+          <a:off x="2880588" y="1452114"/>
+          <a:ext cx="1792322" cy="592848"/>
+        </a:xfrm>
+        <a:prstGeom prst="roundRect">
+          <a:avLst>
+            <a:gd name="adj" fmla="val 10000"/>
+          </a:avLst>
+        </a:prstGeom>
+        <a:solidFill>
+          <a:schemeClr val="accent4">
+            <a:hueOff val="0"/>
+            <a:satOff val="0"/>
+            <a:lumOff val="0"/>
+            <a:alphaOff val="0"/>
+          </a:schemeClr>
+        </a:solidFill>
+        <a:ln w="12700" cap="flat" cmpd="sng" algn="ctr">
+          <a:solidFill>
+            <a:schemeClr val="lt1">
+              <a:hueOff val="0"/>
+              <a:satOff val="0"/>
+              <a:lumOff val="0"/>
+              <a:alphaOff val="0"/>
+            </a:schemeClr>
+          </a:solidFill>
+          <a:prstDash val="solid"/>
+          <a:miter lim="800000"/>
+        </a:ln>
+        <a:effectLst/>
+      </dsp:spPr>
+      <dsp:style>
+        <a:lnRef idx="2">
+          <a:scrgbClr r="0" g="0" b="0"/>
+        </a:lnRef>
+        <a:fillRef idx="1">
+          <a:scrgbClr r="0" g="0" b="0"/>
+        </a:fillRef>
+        <a:effectRef idx="0">
+          <a:scrgbClr r="0" g="0" b="0"/>
+        </a:effectRef>
+        <a:fontRef idx="minor">
+          <a:schemeClr val="lt1"/>
+        </a:fontRef>
+      </dsp:style>
+      <dsp:txBody>
+        <a:bodyPr spcFirstLastPara="0" vert="horz" wrap="square" lIns="71120" tIns="71120" rIns="71120" bIns="38100" numCol="1" spcCol="1270" anchor="t" anchorCtr="0">
+          <a:noAutofit/>
+        </a:bodyPr>
+        <a:lstStyle/>
+        <a:p>
+          <a:pPr marL="0" lvl="0" indent="0" algn="l" defTabSz="444500">
+            <a:lnSpc>
+              <a:spcPct val="90000"/>
+            </a:lnSpc>
+            <a:spcBef>
+              <a:spcPct val="0"/>
+            </a:spcBef>
+            <a:spcAft>
+              <a:spcPct val="35000"/>
+            </a:spcAft>
+            <a:buNone/>
+          </a:pPr>
+          <a:r>
+            <a:rPr lang="de-DE" sz="1000" kern="1200" dirty="0"/>
+            <a:t>Erreichen der Grundhaltung</a:t>
+          </a:r>
+        </a:p>
+      </dsp:txBody>
+      <dsp:txXfrm>
+        <a:off x="2880588" y="1452114"/>
+        <a:ext cx="1792322" cy="395232"/>
+      </dsp:txXfrm>
+    </dsp:sp>
+    <dsp:sp modelId="{713EDC15-0AC9-4D87-B558-067CEAAF4F7F}">
+      <dsp:nvSpPr>
+        <dsp:cNvPr id="0" name=""/>
+        <dsp:cNvSpPr/>
+      </dsp:nvSpPr>
+      <dsp:spPr>
+        <a:xfrm>
+          <a:off x="3247690" y="1847347"/>
+          <a:ext cx="1792322" cy="1051875"/>
+        </a:xfrm>
+        <a:prstGeom prst="roundRect">
+          <a:avLst>
+            <a:gd name="adj" fmla="val 10000"/>
+          </a:avLst>
+        </a:prstGeom>
+        <a:solidFill>
+          <a:schemeClr val="lt1">
+            <a:alpha val="90000"/>
+            <a:hueOff val="0"/>
+            <a:satOff val="0"/>
+            <a:lumOff val="0"/>
+            <a:alphaOff val="0"/>
+          </a:schemeClr>
+        </a:solidFill>
+        <a:ln w="12700" cap="flat" cmpd="sng" algn="ctr">
+          <a:solidFill>
+            <a:schemeClr val="accent4">
+              <a:hueOff val="0"/>
+              <a:satOff val="0"/>
+              <a:lumOff val="0"/>
+              <a:alphaOff val="0"/>
+            </a:schemeClr>
+          </a:solidFill>
+          <a:prstDash val="solid"/>
+          <a:miter lim="800000"/>
+        </a:ln>
+        <a:effectLst/>
+      </dsp:spPr>
+      <dsp:style>
+        <a:lnRef idx="2">
+          <a:scrgbClr r="0" g="0" b="0"/>
+        </a:lnRef>
+        <a:fillRef idx="1">
+          <a:scrgbClr r="0" g="0" b="0"/>
+        </a:fillRef>
+        <a:effectRef idx="0">
+          <a:scrgbClr r="0" g="0" b="0"/>
+        </a:effectRef>
+        <a:fontRef idx="minor"/>
+      </dsp:style>
+      <dsp:txBody>
+        <a:bodyPr spcFirstLastPara="0" vert="horz" wrap="square" lIns="71120" tIns="71120" rIns="71120" bIns="71120" numCol="1" spcCol="1270" anchor="t" anchorCtr="0">
+          <a:noAutofit/>
+        </a:bodyPr>
+        <a:lstStyle/>
+        <a:p>
+          <a:pPr marL="57150" lvl="1" indent="-57150" algn="l" defTabSz="444500">
+            <a:lnSpc>
+              <a:spcPct val="90000"/>
+            </a:lnSpc>
+            <a:spcBef>
+              <a:spcPct val="0"/>
+            </a:spcBef>
+            <a:spcAft>
+              <a:spcPct val="15000"/>
+            </a:spcAft>
+            <a:buChar char="•"/>
+          </a:pPr>
+          <a:r>
+            <a:rPr lang="de-DE" sz="1000" kern="1200" dirty="0"/>
+            <a:t>Ziele definieren, an denen sich die Erbringung der IT-Services ausrichtet</a:t>
+          </a:r>
+        </a:p>
+      </dsp:txBody>
+      <dsp:txXfrm>
+        <a:off x="3278498" y="1878155"/>
+        <a:ext cx="1730706" cy="990259"/>
+      </dsp:txXfrm>
+    </dsp:sp>
+    <dsp:sp modelId="{1C5C689B-E665-42C8-8B19-D6D65C7C4708}">
+      <dsp:nvSpPr>
+        <dsp:cNvPr id="0" name=""/>
+        <dsp:cNvSpPr/>
+      </dsp:nvSpPr>
+      <dsp:spPr>
+        <a:xfrm>
+          <a:off x="4944620" y="1426612"/>
+          <a:ext cx="576024" cy="446236"/>
+        </a:xfrm>
+        <a:prstGeom prst="rightArrow">
+          <a:avLst>
+            <a:gd name="adj1" fmla="val 60000"/>
+            <a:gd name="adj2" fmla="val 50000"/>
+          </a:avLst>
+        </a:prstGeom>
+        <a:solidFill>
+          <a:schemeClr val="accent4">
+            <a:tint val="60000"/>
+            <a:hueOff val="0"/>
+            <a:satOff val="0"/>
+            <a:lumOff val="0"/>
+            <a:alphaOff val="0"/>
+          </a:schemeClr>
+        </a:solidFill>
+        <a:ln>
+          <a:noFill/>
+        </a:ln>
+        <a:effectLst/>
+      </dsp:spPr>
+      <dsp:style>
+        <a:lnRef idx="0">
+          <a:scrgbClr r="0" g="0" b="0"/>
+        </a:lnRef>
+        <a:fillRef idx="1">
+          <a:scrgbClr r="0" g="0" b="0"/>
+        </a:fillRef>
+        <a:effectRef idx="0">
+          <a:scrgbClr r="0" g="0" b="0"/>
+        </a:effectRef>
+        <a:fontRef idx="minor">
+          <a:schemeClr val="lt1"/>
+        </a:fontRef>
+      </dsp:style>
+      <dsp:txBody>
+        <a:bodyPr spcFirstLastPara="0" vert="horz" wrap="square" lIns="0" tIns="0" rIns="0" bIns="0" numCol="1" spcCol="1270" anchor="ctr" anchorCtr="0">
+          <a:noAutofit/>
+        </a:bodyPr>
+        <a:lstStyle/>
+        <a:p>
+          <a:pPr marL="0" lvl="0" indent="0" algn="ctr" defTabSz="355600">
+            <a:lnSpc>
+              <a:spcPct val="90000"/>
+            </a:lnSpc>
+            <a:spcBef>
+              <a:spcPct val="0"/>
+            </a:spcBef>
+            <a:spcAft>
+              <a:spcPct val="35000"/>
+            </a:spcAft>
+            <a:buNone/>
+          </a:pPr>
+          <a:endParaRPr lang="de-DE" sz="800" kern="1200"/>
+        </a:p>
+      </dsp:txBody>
+      <dsp:txXfrm>
+        <a:off x="4944620" y="1515859"/>
+        <a:ext cx="442153" cy="267742"/>
+      </dsp:txXfrm>
+    </dsp:sp>
+    <dsp:sp modelId="{89D6469F-24D5-4E6B-89C8-A02391A0688A}">
+      <dsp:nvSpPr>
+        <dsp:cNvPr id="0" name=""/>
+        <dsp:cNvSpPr/>
+      </dsp:nvSpPr>
+      <dsp:spPr>
+        <a:xfrm>
+          <a:off x="5759749" y="1452114"/>
+          <a:ext cx="1792322" cy="592848"/>
+        </a:xfrm>
+        <a:prstGeom prst="roundRect">
+          <a:avLst>
+            <a:gd name="adj" fmla="val 10000"/>
+          </a:avLst>
+        </a:prstGeom>
+        <a:solidFill>
+          <a:schemeClr val="accent4">
+            <a:hueOff val="0"/>
+            <a:satOff val="0"/>
+            <a:lumOff val="0"/>
+            <a:alphaOff val="0"/>
+          </a:schemeClr>
+        </a:solidFill>
+        <a:ln w="12700" cap="flat" cmpd="sng" algn="ctr">
+          <a:solidFill>
+            <a:schemeClr val="lt1">
+              <a:hueOff val="0"/>
+              <a:satOff val="0"/>
+              <a:lumOff val="0"/>
+              <a:alphaOff val="0"/>
+            </a:schemeClr>
+          </a:solidFill>
+          <a:prstDash val="solid"/>
+          <a:miter lim="800000"/>
+        </a:ln>
+        <a:effectLst/>
+      </dsp:spPr>
+      <dsp:style>
+        <a:lnRef idx="2">
+          <a:scrgbClr r="0" g="0" b="0"/>
+        </a:lnRef>
+        <a:fillRef idx="1">
+          <a:scrgbClr r="0" g="0" b="0"/>
+        </a:fillRef>
+        <a:effectRef idx="0">
+          <a:scrgbClr r="0" g="0" b="0"/>
+        </a:effectRef>
+        <a:fontRef idx="minor">
+          <a:schemeClr val="lt1"/>
+        </a:fontRef>
+      </dsp:style>
+      <dsp:txBody>
+        <a:bodyPr spcFirstLastPara="0" vert="horz" wrap="square" lIns="71120" tIns="71120" rIns="71120" bIns="38100" numCol="1" spcCol="1270" anchor="t" anchorCtr="0">
+          <a:noAutofit/>
+        </a:bodyPr>
+        <a:lstStyle/>
+        <a:p>
+          <a:pPr marL="0" lvl="0" indent="0" algn="l" defTabSz="444500">
+            <a:lnSpc>
+              <a:spcPct val="90000"/>
+            </a:lnSpc>
+            <a:spcBef>
+              <a:spcPct val="0"/>
+            </a:spcBef>
+            <a:spcAft>
+              <a:spcPct val="35000"/>
+            </a:spcAft>
+            <a:buNone/>
+          </a:pPr>
+          <a:r>
+            <a:rPr lang="de-DE" sz="1000" kern="1200" dirty="0"/>
+            <a:t>Definierten Ziele erreichen</a:t>
+          </a:r>
+        </a:p>
+      </dsp:txBody>
+      <dsp:txXfrm>
+        <a:off x="5759749" y="1452114"/>
+        <a:ext cx="1792322" cy="395232"/>
+      </dsp:txXfrm>
+    </dsp:sp>
+    <dsp:sp modelId="{39AD405B-D0CC-4F24-8085-FCF754F40327}">
+      <dsp:nvSpPr>
+        <dsp:cNvPr id="0" name=""/>
+        <dsp:cNvSpPr/>
+      </dsp:nvSpPr>
+      <dsp:spPr>
+        <a:xfrm>
+          <a:off x="6126852" y="1847347"/>
+          <a:ext cx="1792322" cy="1051875"/>
+        </a:xfrm>
+        <a:prstGeom prst="roundRect">
+          <a:avLst>
+            <a:gd name="adj" fmla="val 10000"/>
+          </a:avLst>
+        </a:prstGeom>
+        <a:solidFill>
+          <a:schemeClr val="lt1">
+            <a:alpha val="90000"/>
+            <a:hueOff val="0"/>
+            <a:satOff val="0"/>
+            <a:lumOff val="0"/>
+            <a:alphaOff val="0"/>
+          </a:schemeClr>
+        </a:solidFill>
+        <a:ln w="12700" cap="flat" cmpd="sng" algn="ctr">
+          <a:solidFill>
+            <a:schemeClr val="accent4">
+              <a:hueOff val="0"/>
+              <a:satOff val="0"/>
+              <a:lumOff val="0"/>
+              <a:alphaOff val="0"/>
+            </a:schemeClr>
+          </a:solidFill>
+          <a:prstDash val="solid"/>
+          <a:miter lim="800000"/>
+        </a:ln>
+        <a:effectLst/>
+      </dsp:spPr>
+      <dsp:style>
+        <a:lnRef idx="2">
+          <a:scrgbClr r="0" g="0" b="0"/>
+        </a:lnRef>
+        <a:fillRef idx="1">
+          <a:scrgbClr r="0" g="0" b="0"/>
+        </a:fillRef>
+        <a:effectRef idx="0">
+          <a:scrgbClr r="0" g="0" b="0"/>
+        </a:effectRef>
+        <a:fontRef idx="minor"/>
+      </dsp:style>
+      <dsp:txBody>
+        <a:bodyPr spcFirstLastPara="0" vert="horz" wrap="square" lIns="71120" tIns="71120" rIns="71120" bIns="71120" numCol="1" spcCol="1270" anchor="t" anchorCtr="0">
+          <a:noAutofit/>
+        </a:bodyPr>
+        <a:lstStyle/>
+        <a:p>
+          <a:pPr marL="57150" lvl="1" indent="-57150" algn="l" defTabSz="444500">
+            <a:lnSpc>
+              <a:spcPct val="90000"/>
+            </a:lnSpc>
+            <a:spcBef>
+              <a:spcPct val="0"/>
+            </a:spcBef>
+            <a:spcAft>
+              <a:spcPct val="15000"/>
+            </a:spcAft>
+            <a:buChar char="•"/>
+          </a:pPr>
+          <a:r>
+            <a:rPr lang="de-DE" sz="1000" kern="1200" dirty="0"/>
+            <a:t>Möglichkeiten IT-Organisation + Anforderungen des Kunden/der Kundin über  zu erbringenden Services müssen deckungsgleich</a:t>
+          </a:r>
+        </a:p>
+      </dsp:txBody>
+      <dsp:txXfrm>
+        <a:off x="6157660" y="1878155"/>
+        <a:ext cx="1730706" cy="990259"/>
+      </dsp:txXfrm>
+    </dsp:sp>
+    <dsp:sp modelId="{3B1C153F-E5AF-4FA9-B517-4F888CDE4F48}">
+      <dsp:nvSpPr>
+        <dsp:cNvPr id="0" name=""/>
+        <dsp:cNvSpPr/>
+      </dsp:nvSpPr>
+      <dsp:spPr>
+        <a:xfrm>
+          <a:off x="7823782" y="1426612"/>
+          <a:ext cx="576024" cy="446236"/>
+        </a:xfrm>
+        <a:prstGeom prst="rightArrow">
+          <a:avLst>
+            <a:gd name="adj1" fmla="val 60000"/>
+            <a:gd name="adj2" fmla="val 50000"/>
+          </a:avLst>
+        </a:prstGeom>
+        <a:solidFill>
+          <a:schemeClr val="accent4">
+            <a:tint val="60000"/>
+            <a:hueOff val="0"/>
+            <a:satOff val="0"/>
+            <a:lumOff val="0"/>
+            <a:alphaOff val="0"/>
+          </a:schemeClr>
+        </a:solidFill>
+        <a:ln>
+          <a:noFill/>
+        </a:ln>
+        <a:effectLst/>
+      </dsp:spPr>
+      <dsp:style>
+        <a:lnRef idx="0">
+          <a:scrgbClr r="0" g="0" b="0"/>
+        </a:lnRef>
+        <a:fillRef idx="1">
+          <a:scrgbClr r="0" g="0" b="0"/>
+        </a:fillRef>
+        <a:effectRef idx="0">
+          <a:scrgbClr r="0" g="0" b="0"/>
+        </a:effectRef>
+        <a:fontRef idx="minor">
+          <a:schemeClr val="lt1"/>
+        </a:fontRef>
+      </dsp:style>
+      <dsp:txBody>
+        <a:bodyPr spcFirstLastPara="0" vert="horz" wrap="square" lIns="0" tIns="0" rIns="0" bIns="0" numCol="1" spcCol="1270" anchor="ctr" anchorCtr="0">
+          <a:noAutofit/>
+        </a:bodyPr>
+        <a:lstStyle/>
+        <a:p>
+          <a:pPr marL="0" lvl="0" indent="0" algn="ctr" defTabSz="355600">
+            <a:lnSpc>
+              <a:spcPct val="90000"/>
+            </a:lnSpc>
+            <a:spcBef>
+              <a:spcPct val="0"/>
+            </a:spcBef>
+            <a:spcAft>
+              <a:spcPct val="35000"/>
+            </a:spcAft>
+            <a:buNone/>
+          </a:pPr>
+          <a:endParaRPr lang="de-DE" sz="800" kern="1200"/>
+        </a:p>
+      </dsp:txBody>
+      <dsp:txXfrm>
+        <a:off x="7823782" y="1515859"/>
+        <a:ext cx="442153" cy="267742"/>
+      </dsp:txXfrm>
+    </dsp:sp>
+    <dsp:sp modelId="{A0674EE4-BDD0-413A-9FA8-BB85DA7BDBC1}">
+      <dsp:nvSpPr>
+        <dsp:cNvPr id="0" name=""/>
+        <dsp:cNvSpPr/>
+      </dsp:nvSpPr>
+      <dsp:spPr>
+        <a:xfrm>
+          <a:off x="8638911" y="1452114"/>
+          <a:ext cx="1792322" cy="592848"/>
+        </a:xfrm>
+        <a:prstGeom prst="roundRect">
+          <a:avLst>
+            <a:gd name="adj" fmla="val 10000"/>
+          </a:avLst>
+        </a:prstGeom>
+        <a:solidFill>
+          <a:schemeClr val="accent4">
+            <a:hueOff val="0"/>
+            <a:satOff val="0"/>
+            <a:lumOff val="0"/>
+            <a:alphaOff val="0"/>
+          </a:schemeClr>
+        </a:solidFill>
+        <a:ln w="12700" cap="flat" cmpd="sng" algn="ctr">
+          <a:solidFill>
+            <a:schemeClr val="lt1">
+              <a:hueOff val="0"/>
+              <a:satOff val="0"/>
+              <a:lumOff val="0"/>
+              <a:alphaOff val="0"/>
+            </a:schemeClr>
+          </a:solidFill>
+          <a:prstDash val="solid"/>
+          <a:miter lim="800000"/>
+        </a:ln>
+        <a:effectLst/>
+      </dsp:spPr>
+      <dsp:style>
+        <a:lnRef idx="2">
+          <a:scrgbClr r="0" g="0" b="0"/>
+        </a:lnRef>
+        <a:fillRef idx="1">
+          <a:scrgbClr r="0" g="0" b="0"/>
+        </a:fillRef>
+        <a:effectRef idx="0">
+          <a:scrgbClr r="0" g="0" b="0"/>
+        </a:effectRef>
+        <a:fontRef idx="minor">
+          <a:schemeClr val="lt1"/>
+        </a:fontRef>
+      </dsp:style>
+      <dsp:txBody>
+        <a:bodyPr spcFirstLastPara="0" vert="horz" wrap="square" lIns="71120" tIns="71120" rIns="71120" bIns="38100" numCol="1" spcCol="1270" anchor="t" anchorCtr="0">
+          <a:noAutofit/>
+        </a:bodyPr>
+        <a:lstStyle/>
+        <a:p>
+          <a:pPr marL="0" lvl="0" indent="0" algn="l" defTabSz="444500">
+            <a:lnSpc>
+              <a:spcPct val="90000"/>
+            </a:lnSpc>
+            <a:spcBef>
+              <a:spcPct val="0"/>
+            </a:spcBef>
+            <a:spcAft>
+              <a:spcPct val="35000"/>
+            </a:spcAft>
+            <a:buNone/>
+          </a:pPr>
+          <a:r>
+            <a:rPr lang="de-DE" sz="1000" kern="1200" dirty="0"/>
+            <a:t>ITIL</a:t>
+          </a:r>
+        </a:p>
+      </dsp:txBody>
+      <dsp:txXfrm>
+        <a:off x="8638911" y="1452114"/>
+        <a:ext cx="1792322" cy="395232"/>
+      </dsp:txXfrm>
+    </dsp:sp>
+    <dsp:sp modelId="{7520260D-1F63-4032-9D56-869A58750737}">
+      <dsp:nvSpPr>
+        <dsp:cNvPr id="0" name=""/>
+        <dsp:cNvSpPr/>
+      </dsp:nvSpPr>
+      <dsp:spPr>
+        <a:xfrm>
+          <a:off x="9006013" y="1847347"/>
+          <a:ext cx="1792322" cy="1051875"/>
+        </a:xfrm>
+        <a:prstGeom prst="roundRect">
+          <a:avLst>
+            <a:gd name="adj" fmla="val 10000"/>
+          </a:avLst>
+        </a:prstGeom>
+        <a:solidFill>
+          <a:schemeClr val="lt1">
+            <a:alpha val="90000"/>
+            <a:hueOff val="0"/>
+            <a:satOff val="0"/>
+            <a:lumOff val="0"/>
+            <a:alphaOff val="0"/>
+          </a:schemeClr>
+        </a:solidFill>
+        <a:ln w="12700" cap="flat" cmpd="sng" algn="ctr">
+          <a:solidFill>
+            <a:schemeClr val="accent4">
+              <a:hueOff val="0"/>
+              <a:satOff val="0"/>
+              <a:lumOff val="0"/>
+              <a:alphaOff val="0"/>
+            </a:schemeClr>
+          </a:solidFill>
+          <a:prstDash val="solid"/>
+          <a:miter lim="800000"/>
+        </a:ln>
+        <a:effectLst/>
+      </dsp:spPr>
+      <dsp:style>
+        <a:lnRef idx="2">
+          <a:scrgbClr r="0" g="0" b="0"/>
+        </a:lnRef>
+        <a:fillRef idx="1">
+          <a:scrgbClr r="0" g="0" b="0"/>
+        </a:fillRef>
+        <a:effectRef idx="0">
+          <a:scrgbClr r="0" g="0" b="0"/>
+        </a:effectRef>
+        <a:fontRef idx="minor"/>
+      </dsp:style>
+      <dsp:txBody>
+        <a:bodyPr spcFirstLastPara="0" vert="horz" wrap="square" lIns="71120" tIns="71120" rIns="71120" bIns="71120" numCol="1" spcCol="1270" anchor="t" anchorCtr="0">
+          <a:noAutofit/>
+        </a:bodyPr>
+        <a:lstStyle/>
+        <a:p>
+          <a:pPr marL="57150" lvl="1" indent="-57150" algn="l" defTabSz="444500">
+            <a:lnSpc>
+              <a:spcPct val="90000"/>
+            </a:lnSpc>
+            <a:spcBef>
+              <a:spcPct val="0"/>
+            </a:spcBef>
+            <a:spcAft>
+              <a:spcPct val="15000"/>
+            </a:spcAft>
+            <a:buChar char="•"/>
+          </a:pPr>
+          <a:r>
+            <a:rPr lang="de-DE" sz="1000" kern="1200" dirty="0"/>
+            <a:t>Identifizierung des Kundenbedarfs + der entsprechenden Gestaltung des Services</a:t>
+          </a:r>
+        </a:p>
+      </dsp:txBody>
+      <dsp:txXfrm>
+        <a:off x="9036821" y="1878155"/>
+        <a:ext cx="1730706" cy="990259"/>
+      </dsp:txXfrm>
+    </dsp:sp>
+  </dsp:spTree>
+</dsp:drawing>
+</file>
+
 <file path=ppt/diagrams/layout1.xml><?xml version="1.0" encoding="utf-8"?>
 <dgm:layoutDef xmlns:dgm="http://schemas.openxmlformats.org/drawingml/2006/diagram" xmlns:a="http://schemas.openxmlformats.org/drawingml/2006/main" uniqueId="urn:microsoft.com/office/officeart/2009/3/layout/StepUpProcess">
   <dgm:title val=""/>
@@ -3544,6 +5666,307 @@
 </dgm:layoutDef>
 </file>
 
+<file path=ppt/diagrams/layout3.xml><?xml version="1.0" encoding="utf-8"?>
+<dgm:layoutDef xmlns:dgm="http://schemas.openxmlformats.org/drawingml/2006/diagram" xmlns:a="http://schemas.openxmlformats.org/drawingml/2006/main" uniqueId="urn:microsoft.com/office/officeart/2005/8/layout/process3">
+  <dgm:title val=""/>
+  <dgm:desc val=""/>
+  <dgm:catLst>
+    <dgm:cat type="process" pri="2000"/>
+  </dgm:catLst>
+  <dgm:sampData>
+    <dgm:dataModel>
+      <dgm:ptLst>
+        <dgm:pt modelId="0" type="doc"/>
+        <dgm:pt modelId="1">
+          <dgm:prSet phldr="1"/>
+        </dgm:pt>
+        <dgm:pt modelId="11">
+          <dgm:prSet phldr="1"/>
+        </dgm:pt>
+        <dgm:pt modelId="2">
+          <dgm:prSet phldr="1"/>
+        </dgm:pt>
+        <dgm:pt modelId="21">
+          <dgm:prSet phldr="1"/>
+        </dgm:pt>
+        <dgm:pt modelId="3">
+          <dgm:prSet phldr="1"/>
+        </dgm:pt>
+        <dgm:pt modelId="31">
+          <dgm:prSet phldr="1"/>
+        </dgm:pt>
+      </dgm:ptLst>
+      <dgm:cxnLst>
+        <dgm:cxn modelId="4" srcId="0" destId="1" srcOrd="0" destOrd="0"/>
+        <dgm:cxn modelId="5" srcId="0" destId="2" srcOrd="1" destOrd="0"/>
+        <dgm:cxn modelId="6" srcId="0" destId="3" srcOrd="3" destOrd="0"/>
+        <dgm:cxn modelId="12" srcId="1" destId="11" srcOrd="0" destOrd="0"/>
+        <dgm:cxn modelId="23" srcId="2" destId="21" srcOrd="0" destOrd="0"/>
+        <dgm:cxn modelId="34" srcId="3" destId="31" srcOrd="0" destOrd="0"/>
+      </dgm:cxnLst>
+      <dgm:bg/>
+      <dgm:whole/>
+    </dgm:dataModel>
+  </dgm:sampData>
+  <dgm:styleData>
+    <dgm:dataModel>
+      <dgm:ptLst>
+        <dgm:pt modelId="0" type="doc"/>
+        <dgm:pt modelId="1">
+          <dgm:prSet phldr="1"/>
+        </dgm:pt>
+        <dgm:pt modelId="11">
+          <dgm:prSet phldr="1"/>
+        </dgm:pt>
+        <dgm:pt modelId="2">
+          <dgm:prSet phldr="1"/>
+        </dgm:pt>
+        <dgm:pt modelId="21">
+          <dgm:prSet phldr="1"/>
+        </dgm:pt>
+      </dgm:ptLst>
+      <dgm:cxnLst>
+        <dgm:cxn modelId="4" srcId="0" destId="1" srcOrd="0" destOrd="0"/>
+        <dgm:cxn modelId="5" srcId="0" destId="2" srcOrd="1" destOrd="0"/>
+        <dgm:cxn modelId="13" srcId="1" destId="11" srcOrd="0" destOrd="0"/>
+        <dgm:cxn modelId="23" srcId="2" destId="21" srcOrd="0" destOrd="0"/>
+      </dgm:cxnLst>
+      <dgm:bg/>
+      <dgm:whole/>
+    </dgm:dataModel>
+  </dgm:styleData>
+  <dgm:clrData>
+    <dgm:dataModel>
+      <dgm:ptLst>
+        <dgm:pt modelId="0" type="doc"/>
+        <dgm:pt modelId="1">
+          <dgm:prSet phldr="1"/>
+        </dgm:pt>
+        <dgm:pt modelId="11">
+          <dgm:prSet phldr="1"/>
+        </dgm:pt>
+        <dgm:pt modelId="2">
+          <dgm:prSet phldr="1"/>
+        </dgm:pt>
+        <dgm:pt modelId="21">
+          <dgm:prSet phldr="1"/>
+        </dgm:pt>
+        <dgm:pt modelId="3">
+          <dgm:prSet phldr="1"/>
+        </dgm:pt>
+        <dgm:pt modelId="31">
+          <dgm:prSet phldr="1"/>
+        </dgm:pt>
+        <dgm:pt modelId="4">
+          <dgm:prSet phldr="1"/>
+        </dgm:pt>
+        <dgm:pt modelId="41">
+          <dgm:prSet phldr="1"/>
+        </dgm:pt>
+      </dgm:ptLst>
+      <dgm:cxnLst>
+        <dgm:cxn modelId="5" srcId="0" destId="1" srcOrd="0" destOrd="0"/>
+        <dgm:cxn modelId="6" srcId="0" destId="2" srcOrd="1" destOrd="0"/>
+        <dgm:cxn modelId="7" srcId="0" destId="3" srcOrd="2" destOrd="0"/>
+        <dgm:cxn modelId="8" srcId="0" destId="4" srcOrd="3" destOrd="0"/>
+        <dgm:cxn modelId="13" srcId="1" destId="11" srcOrd="0" destOrd="0"/>
+        <dgm:cxn modelId="23" srcId="2" destId="21" srcOrd="0" destOrd="0"/>
+        <dgm:cxn modelId="33" srcId="3" destId="31" srcOrd="0" destOrd="0"/>
+        <dgm:cxn modelId="43" srcId="4" destId="41" srcOrd="0" destOrd="0"/>
+      </dgm:cxnLst>
+      <dgm:bg/>
+      <dgm:whole/>
+    </dgm:dataModel>
+  </dgm:clrData>
+  <dgm:layoutNode name="linearFlow">
+    <dgm:varLst>
+      <dgm:dir/>
+      <dgm:animLvl val="lvl"/>
+      <dgm:resizeHandles val="exact"/>
+    </dgm:varLst>
+    <dgm:choose name="Name0">
+      <dgm:if name="Name1" func="var" arg="dir" op="equ" val="norm">
+        <dgm:alg type="lin"/>
+      </dgm:if>
+      <dgm:else name="Name2">
+        <dgm:alg type="lin">
+          <dgm:param type="linDir" val="fromR"/>
+        </dgm:alg>
+      </dgm:else>
+    </dgm:choose>
+    <dgm:shape xmlns:r="http://schemas.openxmlformats.org/officeDocument/2006/relationships" r:blip="">
+      <dgm:adjLst/>
+    </dgm:shape>
+    <dgm:presOf/>
+    <dgm:constrLst>
+      <dgm:constr type="w" for="ch" forName="composite" refType="w"/>
+      <dgm:constr type="w" for="ch" ptType="sibTrans" refType="w" refFor="ch" refForName="composite" fact="0.3333"/>
+      <dgm:constr type="w" for="des" forName="parTx"/>
+      <dgm:constr type="h" for="des" forName="parTx" op="equ"/>
+      <dgm:constr type="h" for="des" forName="parSh" op="equ"/>
+      <dgm:constr type="w" for="des" forName="desTx"/>
+      <dgm:constr type="h" for="des" forName="desTx" op="equ"/>
+      <dgm:constr type="w" for="des" forName="parSh"/>
+      <dgm:constr type="primFontSz" for="des" forName="parTx" val="65"/>
+      <dgm:constr type="secFontSz" for="des" forName="desTx" refType="primFontSz" refFor="des" refForName="parTx" op="equ"/>
+      <dgm:constr type="primFontSz" for="des" forName="connTx" refType="primFontSz" refFor="des" refForName="parTx" fact="0.8"/>
+      <dgm:constr type="primFontSz" for="des" forName="connTx" refType="primFontSz" refFor="des" refForName="parTx" op="lte" fact="0.8"/>
+      <dgm:constr type="h" for="des" forName="parTx" refType="primFontSz" refFor="des" refForName="parTx" fact="0.8"/>
+      <dgm:constr type="h" for="des" forName="parSh" refType="primFontSz" refFor="des" refForName="parTx" fact="1.2"/>
+      <dgm:constr type="h" for="des" forName="desTx" refType="primFontSz" refFor="des" refForName="parTx" fact="1.6"/>
+      <dgm:constr type="h" for="des" forName="parSh" refType="h" refFor="des" refForName="parTx" op="lte" fact="1.5"/>
+      <dgm:constr type="h" for="des" forName="parSh" refType="h" refFor="des" refForName="parTx" op="gte" fact="1.5"/>
+    </dgm:constrLst>
+    <dgm:ruleLst>
+      <dgm:rule type="w" for="ch" forName="composite" val="0" fact="NaN" max="NaN"/>
+      <dgm:rule type="primFontSz" for="des" forName="parTx" val="5" fact="NaN" max="NaN"/>
+    </dgm:ruleLst>
+    <dgm:forEach name="Name3" axis="ch" ptType="node">
+      <dgm:layoutNode name="composite">
+        <dgm:alg type="composite"/>
+        <dgm:shape xmlns:r="http://schemas.openxmlformats.org/officeDocument/2006/relationships" r:blip="">
+          <dgm:adjLst/>
+        </dgm:shape>
+        <dgm:presOf/>
+        <dgm:choose name="Name4">
+          <dgm:if name="Name5" func="var" arg="dir" op="equ" val="norm">
+            <dgm:constrLst>
+              <dgm:constr type="h" refType="w" fact="1000"/>
+              <dgm:constr type="l" for="ch" forName="parTx"/>
+              <dgm:constr type="w" for="ch" forName="parTx" refType="w" fact="0.83"/>
+              <dgm:constr type="t" for="ch" forName="parTx"/>
+              <dgm:constr type="l" for="ch" forName="parSh"/>
+              <dgm:constr type="w" for="ch" forName="parSh" refType="w" refFor="ch" refForName="parTx"/>
+              <dgm:constr type="t" for="ch" forName="parSh"/>
+              <dgm:constr type="l" for="ch" forName="desTx" refType="w" fact="0.17"/>
+              <dgm:constr type="w" for="ch" forName="desTx" refType="w" refFor="ch" refForName="parTx"/>
+              <dgm:constr type="t" for="ch" forName="desTx" refType="h" refFor="ch" refForName="parTx"/>
+            </dgm:constrLst>
+          </dgm:if>
+          <dgm:else name="Name6">
+            <dgm:constrLst>
+              <dgm:constr type="h" refType="w" fact="1000"/>
+              <dgm:constr type="l" for="ch" forName="parTx" refType="w" fact="0.17"/>
+              <dgm:constr type="w" for="ch" forName="parTx" refType="w" fact="0.83"/>
+              <dgm:constr type="t" for="ch" forName="parTx"/>
+              <dgm:constr type="l" for="ch" forName="parSh" refType="w" fact="0.15"/>
+              <dgm:constr type="w" for="ch" forName="parSh" refType="w" refFor="ch" refForName="parTx"/>
+              <dgm:constr type="t" for="ch" forName="parSh"/>
+              <dgm:constr type="l" for="ch" forName="desTx"/>
+              <dgm:constr type="w" for="ch" forName="desTx" refType="w" refFor="ch" refForName="parTx"/>
+              <dgm:constr type="t" for="ch" forName="desTx" refType="h" refFor="ch" refForName="parTx"/>
+            </dgm:constrLst>
+          </dgm:else>
+        </dgm:choose>
+        <dgm:ruleLst>
+          <dgm:rule type="h" val="INF" fact="NaN" max="NaN"/>
+        </dgm:ruleLst>
+        <dgm:layoutNode name="parTx">
+          <dgm:varLst>
+            <dgm:chMax val="0"/>
+            <dgm:chPref val="0"/>
+            <dgm:bulletEnabled val="1"/>
+          </dgm:varLst>
+          <dgm:alg type="tx">
+            <dgm:param type="parTxLTRAlign" val="l"/>
+            <dgm:param type="parTxRTLAlign" val="r"/>
+            <dgm:param type="txAnchorVert" val="t"/>
+          </dgm:alg>
+          <dgm:shape xmlns:r="http://schemas.openxmlformats.org/officeDocument/2006/relationships" type="rect" r:blip="" zOrderOff="1" hideGeom="1">
+            <dgm:adjLst>
+              <dgm:adj idx="1" val="0.1"/>
+            </dgm:adjLst>
+          </dgm:shape>
+          <dgm:presOf axis="self" ptType="node"/>
+          <dgm:constrLst>
+            <dgm:constr type="h" refType="w" op="lte" fact="0.4"/>
+            <dgm:constr type="bMarg" refType="primFontSz" fact="0.3"/>
+            <dgm:constr type="h"/>
+          </dgm:constrLst>
+          <dgm:ruleLst>
+            <dgm:rule type="h" val="INF" fact="NaN" max="NaN"/>
+          </dgm:ruleLst>
+        </dgm:layoutNode>
+        <dgm:layoutNode name="parSh">
+          <dgm:alg type="sp"/>
+          <dgm:shape xmlns:r="http://schemas.openxmlformats.org/officeDocument/2006/relationships" type="roundRect" r:blip="">
+            <dgm:adjLst>
+              <dgm:adj idx="1" val="0.1"/>
+            </dgm:adjLst>
+          </dgm:shape>
+          <dgm:presOf axis="self" ptType="node"/>
+          <dgm:constrLst>
+            <dgm:constr type="h"/>
+          </dgm:constrLst>
+          <dgm:ruleLst/>
+        </dgm:layoutNode>
+        <dgm:layoutNode name="desTx" styleLbl="fgAcc1">
+          <dgm:varLst>
+            <dgm:bulletEnabled val="1"/>
+          </dgm:varLst>
+          <dgm:alg type="tx">
+            <dgm:param type="stBulletLvl" val="1"/>
+          </dgm:alg>
+          <dgm:shape xmlns:r="http://schemas.openxmlformats.org/officeDocument/2006/relationships" type="roundRect" r:blip="">
+            <dgm:adjLst>
+              <dgm:adj idx="1" val="0.1"/>
+            </dgm:adjLst>
+          </dgm:shape>
+          <dgm:presOf axis="des" ptType="node"/>
+          <dgm:constrLst>
+            <dgm:constr type="secFontSz" val="65"/>
+            <dgm:constr type="primFontSz" refType="secFontSz"/>
+            <dgm:constr type="h"/>
+          </dgm:constrLst>
+          <dgm:ruleLst>
+            <dgm:rule type="h" val="INF" fact="NaN" max="NaN"/>
+          </dgm:ruleLst>
+        </dgm:layoutNode>
+      </dgm:layoutNode>
+      <dgm:forEach name="sibTransForEach" axis="followSib" ptType="sibTrans" cnt="1">
+        <dgm:layoutNode name="sibTrans">
+          <dgm:alg type="conn">
+            <dgm:param type="begPts" val="auto"/>
+            <dgm:param type="endPts" val="auto"/>
+            <dgm:param type="srcNode" val="parTx"/>
+            <dgm:param type="dstNode" val="parTx"/>
+          </dgm:alg>
+          <dgm:shape xmlns:r="http://schemas.openxmlformats.org/officeDocument/2006/relationships" type="conn" r:blip="">
+            <dgm:adjLst/>
+          </dgm:shape>
+          <dgm:presOf axis="self"/>
+          <dgm:constrLst>
+            <dgm:constr type="h" refType="w" fact="0.62"/>
+            <dgm:constr type="connDist"/>
+            <dgm:constr type="begPad" refType="connDist" fact="0.25"/>
+            <dgm:constr type="endPad" refType="connDist" fact="0.22"/>
+          </dgm:constrLst>
+          <dgm:ruleLst/>
+          <dgm:layoutNode name="connTx">
+            <dgm:alg type="tx">
+              <dgm:param type="autoTxRot" val="grav"/>
+            </dgm:alg>
+            <dgm:shape xmlns:r="http://schemas.openxmlformats.org/officeDocument/2006/relationships" type="conn" r:blip="" hideGeom="1">
+              <dgm:adjLst/>
+            </dgm:shape>
+            <dgm:presOf axis="self"/>
+            <dgm:constrLst>
+              <dgm:constr type="lMarg"/>
+              <dgm:constr type="rMarg"/>
+              <dgm:constr type="tMarg"/>
+              <dgm:constr type="bMarg"/>
+            </dgm:constrLst>
+            <dgm:ruleLst>
+              <dgm:rule type="primFontSz" val="5" fact="NaN" max="NaN"/>
+            </dgm:ruleLst>
+          </dgm:layoutNode>
+        </dgm:layoutNode>
+      </dgm:forEach>
+    </dgm:forEach>
+  </dgm:layoutNode>
+</dgm:layoutDef>
+</file>
+
 <file path=ppt/diagrams/quickStyle1.xml><?xml version="1.0" encoding="utf-8"?>
 <dgm:styleDef xmlns:dgm="http://schemas.openxmlformats.org/drawingml/2006/diagram" xmlns:a="http://schemas.openxmlformats.org/drawingml/2006/main" uniqueId="urn:microsoft.com/office/officeart/2005/8/quickstyle/simple1">
   <dgm:title val=""/>
@@ -4579,6 +7002,1040 @@
 </file>
 
 <file path=ppt/diagrams/quickStyle2.xml><?xml version="1.0" encoding="utf-8"?>
+<dgm:styleDef xmlns:dgm="http://schemas.openxmlformats.org/drawingml/2006/diagram" xmlns:a="http://schemas.openxmlformats.org/drawingml/2006/main" uniqueId="urn:microsoft.com/office/officeart/2005/8/quickstyle/simple1">
+  <dgm:title val=""/>
+  <dgm:desc val=""/>
+  <dgm:catLst>
+    <dgm:cat type="simple" pri="10100"/>
+  </dgm:catLst>
+  <dgm:scene3d>
+    <a:camera prst="orthographicFront"/>
+    <a:lightRig rig="threePt" dir="t"/>
+  </dgm:scene3d>
+  <dgm:styleLbl name="node0">
+    <dgm:scene3d>
+      <a:camera prst="orthographicFront"/>
+      <a:lightRig rig="threePt" dir="t"/>
+    </dgm:scene3d>
+    <dgm:sp3d/>
+    <dgm:txPr/>
+    <dgm:style>
+      <a:lnRef idx="2">
+        <a:scrgbClr r="0" g="0" b="0"/>
+      </a:lnRef>
+      <a:fillRef idx="1">
+        <a:scrgbClr r="0" g="0" b="0"/>
+      </a:fillRef>
+      <a:effectRef idx="0">
+        <a:scrgbClr r="0" g="0" b="0"/>
+      </a:effectRef>
+      <a:fontRef idx="minor">
+        <a:schemeClr val="lt1"/>
+      </a:fontRef>
+    </dgm:style>
+  </dgm:styleLbl>
+  <dgm:styleLbl name="lnNode1">
+    <dgm:scene3d>
+      <a:camera prst="orthographicFront"/>
+      <a:lightRig rig="threePt" dir="t"/>
+    </dgm:scene3d>
+    <dgm:sp3d/>
+    <dgm:txPr/>
+    <dgm:style>
+      <a:lnRef idx="2">
+        <a:scrgbClr r="0" g="0" b="0"/>
+      </a:lnRef>
+      <a:fillRef idx="1">
+        <a:scrgbClr r="0" g="0" b="0"/>
+      </a:fillRef>
+      <a:effectRef idx="0">
+        <a:scrgbClr r="0" g="0" b="0"/>
+      </a:effectRef>
+      <a:fontRef idx="minor">
+        <a:schemeClr val="lt1"/>
+      </a:fontRef>
+    </dgm:style>
+  </dgm:styleLbl>
+  <dgm:styleLbl name="vennNode1">
+    <dgm:scene3d>
+      <a:camera prst="orthographicFront"/>
+      <a:lightRig rig="threePt" dir="t"/>
+    </dgm:scene3d>
+    <dgm:sp3d/>
+    <dgm:txPr/>
+    <dgm:style>
+      <a:lnRef idx="2">
+        <a:scrgbClr r="0" g="0" b="0"/>
+      </a:lnRef>
+      <a:fillRef idx="1">
+        <a:scrgbClr r="0" g="0" b="0"/>
+      </a:fillRef>
+      <a:effectRef idx="0">
+        <a:scrgbClr r="0" g="0" b="0"/>
+      </a:effectRef>
+      <a:fontRef idx="minor">
+        <a:schemeClr val="tx1"/>
+      </a:fontRef>
+    </dgm:style>
+  </dgm:styleLbl>
+  <dgm:styleLbl name="alignNode1">
+    <dgm:scene3d>
+      <a:camera prst="orthographicFront"/>
+      <a:lightRig rig="threePt" dir="t"/>
+    </dgm:scene3d>
+    <dgm:sp3d/>
+    <dgm:txPr/>
+    <dgm:style>
+      <a:lnRef idx="2">
+        <a:scrgbClr r="0" g="0" b="0"/>
+      </a:lnRef>
+      <a:fillRef idx="1">
+        <a:scrgbClr r="0" g="0" b="0"/>
+      </a:fillRef>
+      <a:effectRef idx="0">
+        <a:scrgbClr r="0" g="0" b="0"/>
+      </a:effectRef>
+      <a:fontRef idx="minor">
+        <a:schemeClr val="lt1"/>
+      </a:fontRef>
+    </dgm:style>
+  </dgm:styleLbl>
+  <dgm:styleLbl name="node1">
+    <dgm:scene3d>
+      <a:camera prst="orthographicFront"/>
+      <a:lightRig rig="threePt" dir="t"/>
+    </dgm:scene3d>
+    <dgm:sp3d/>
+    <dgm:txPr/>
+    <dgm:style>
+      <a:lnRef idx="2">
+        <a:scrgbClr r="0" g="0" b="0"/>
+      </a:lnRef>
+      <a:fillRef idx="1">
+        <a:scrgbClr r="0" g="0" b="0"/>
+      </a:fillRef>
+      <a:effectRef idx="0">
+        <a:scrgbClr r="0" g="0" b="0"/>
+      </a:effectRef>
+      <a:fontRef idx="minor">
+        <a:schemeClr val="lt1"/>
+      </a:fontRef>
+    </dgm:style>
+  </dgm:styleLbl>
+  <dgm:styleLbl name="node2">
+    <dgm:scene3d>
+      <a:camera prst="orthographicFront"/>
+      <a:lightRig rig="threePt" dir="t"/>
+    </dgm:scene3d>
+    <dgm:sp3d/>
+    <dgm:txPr/>
+    <dgm:style>
+      <a:lnRef idx="2">
+        <a:scrgbClr r="0" g="0" b="0"/>
+      </a:lnRef>
+      <a:fillRef idx="1">
+        <a:scrgbClr r="0" g="0" b="0"/>
+      </a:fillRef>
+      <a:effectRef idx="0">
+        <a:scrgbClr r="0" g="0" b="0"/>
+      </a:effectRef>
+      <a:fontRef idx="minor">
+        <a:schemeClr val="lt1"/>
+      </a:fontRef>
+    </dgm:style>
+  </dgm:styleLbl>
+  <dgm:styleLbl name="node3">
+    <dgm:scene3d>
+      <a:camera prst="orthographicFront"/>
+      <a:lightRig rig="threePt" dir="t"/>
+    </dgm:scene3d>
+    <dgm:sp3d/>
+    <dgm:txPr/>
+    <dgm:style>
+      <a:lnRef idx="2">
+        <a:scrgbClr r="0" g="0" b="0"/>
+      </a:lnRef>
+      <a:fillRef idx="1">
+        <a:scrgbClr r="0" g="0" b="0"/>
+      </a:fillRef>
+      <a:effectRef idx="0">
+        <a:scrgbClr r="0" g="0" b="0"/>
+      </a:effectRef>
+      <a:fontRef idx="minor">
+        <a:schemeClr val="lt1"/>
+      </a:fontRef>
+    </dgm:style>
+  </dgm:styleLbl>
+  <dgm:styleLbl name="node4">
+    <dgm:scene3d>
+      <a:camera prst="orthographicFront"/>
+      <a:lightRig rig="threePt" dir="t"/>
+    </dgm:scene3d>
+    <dgm:sp3d/>
+    <dgm:txPr/>
+    <dgm:style>
+      <a:lnRef idx="2">
+        <a:scrgbClr r="0" g="0" b="0"/>
+      </a:lnRef>
+      <a:fillRef idx="1">
+        <a:scrgbClr r="0" g="0" b="0"/>
+      </a:fillRef>
+      <a:effectRef idx="0">
+        <a:scrgbClr r="0" g="0" b="0"/>
+      </a:effectRef>
+      <a:fontRef idx="minor">
+        <a:schemeClr val="lt1"/>
+      </a:fontRef>
+    </dgm:style>
+  </dgm:styleLbl>
+  <dgm:styleLbl name="fgImgPlace1">
+    <dgm:scene3d>
+      <a:camera prst="orthographicFront"/>
+      <a:lightRig rig="threePt" dir="t"/>
+    </dgm:scene3d>
+    <dgm:sp3d/>
+    <dgm:txPr/>
+    <dgm:style>
+      <a:lnRef idx="2">
+        <a:scrgbClr r="0" g="0" b="0"/>
+      </a:lnRef>
+      <a:fillRef idx="1">
+        <a:scrgbClr r="0" g="0" b="0"/>
+      </a:fillRef>
+      <a:effectRef idx="0">
+        <a:scrgbClr r="0" g="0" b="0"/>
+      </a:effectRef>
+      <a:fontRef idx="minor"/>
+    </dgm:style>
+  </dgm:styleLbl>
+  <dgm:styleLbl name="alignImgPlace1">
+    <dgm:scene3d>
+      <a:camera prst="orthographicFront"/>
+      <a:lightRig rig="threePt" dir="t"/>
+    </dgm:scene3d>
+    <dgm:sp3d/>
+    <dgm:txPr/>
+    <dgm:style>
+      <a:lnRef idx="2">
+        <a:scrgbClr r="0" g="0" b="0"/>
+      </a:lnRef>
+      <a:fillRef idx="1">
+        <a:scrgbClr r="0" g="0" b="0"/>
+      </a:fillRef>
+      <a:effectRef idx="0">
+        <a:scrgbClr r="0" g="0" b="0"/>
+      </a:effectRef>
+      <a:fontRef idx="minor"/>
+    </dgm:style>
+  </dgm:styleLbl>
+  <dgm:styleLbl name="bgImgPlace1">
+    <dgm:scene3d>
+      <a:camera prst="orthographicFront"/>
+      <a:lightRig rig="threePt" dir="t"/>
+    </dgm:scene3d>
+    <dgm:sp3d/>
+    <dgm:txPr/>
+    <dgm:style>
+      <a:lnRef idx="2">
+        <a:scrgbClr r="0" g="0" b="0"/>
+      </a:lnRef>
+      <a:fillRef idx="1">
+        <a:scrgbClr r="0" g="0" b="0"/>
+      </a:fillRef>
+      <a:effectRef idx="0">
+        <a:scrgbClr r="0" g="0" b="0"/>
+      </a:effectRef>
+      <a:fontRef idx="minor"/>
+    </dgm:style>
+  </dgm:styleLbl>
+  <dgm:styleLbl name="sibTrans2D1">
+    <dgm:scene3d>
+      <a:camera prst="orthographicFront"/>
+      <a:lightRig rig="threePt" dir="t"/>
+    </dgm:scene3d>
+    <dgm:sp3d/>
+    <dgm:txPr/>
+    <dgm:style>
+      <a:lnRef idx="0">
+        <a:scrgbClr r="0" g="0" b="0"/>
+      </a:lnRef>
+      <a:fillRef idx="1">
+        <a:scrgbClr r="0" g="0" b="0"/>
+      </a:fillRef>
+      <a:effectRef idx="0">
+        <a:scrgbClr r="0" g="0" b="0"/>
+      </a:effectRef>
+      <a:fontRef idx="minor">
+        <a:schemeClr val="lt1"/>
+      </a:fontRef>
+    </dgm:style>
+  </dgm:styleLbl>
+  <dgm:styleLbl name="fgSibTrans2D1">
+    <dgm:scene3d>
+      <a:camera prst="orthographicFront"/>
+      <a:lightRig rig="threePt" dir="t"/>
+    </dgm:scene3d>
+    <dgm:sp3d/>
+    <dgm:txPr/>
+    <dgm:style>
+      <a:lnRef idx="0">
+        <a:scrgbClr r="0" g="0" b="0"/>
+      </a:lnRef>
+      <a:fillRef idx="1">
+        <a:scrgbClr r="0" g="0" b="0"/>
+      </a:fillRef>
+      <a:effectRef idx="0">
+        <a:scrgbClr r="0" g="0" b="0"/>
+      </a:effectRef>
+      <a:fontRef idx="minor">
+        <a:schemeClr val="lt1"/>
+      </a:fontRef>
+    </dgm:style>
+  </dgm:styleLbl>
+  <dgm:styleLbl name="bgSibTrans2D1">
+    <dgm:scene3d>
+      <a:camera prst="orthographicFront"/>
+      <a:lightRig rig="threePt" dir="t"/>
+    </dgm:scene3d>
+    <dgm:sp3d/>
+    <dgm:txPr/>
+    <dgm:style>
+      <a:lnRef idx="0">
+        <a:scrgbClr r="0" g="0" b="0"/>
+      </a:lnRef>
+      <a:fillRef idx="1">
+        <a:scrgbClr r="0" g="0" b="0"/>
+      </a:fillRef>
+      <a:effectRef idx="0">
+        <a:scrgbClr r="0" g="0" b="0"/>
+      </a:effectRef>
+      <a:fontRef idx="minor">
+        <a:schemeClr val="lt1"/>
+      </a:fontRef>
+    </dgm:style>
+  </dgm:styleLbl>
+  <dgm:styleLbl name="sibTrans1D1">
+    <dgm:scene3d>
+      <a:camera prst="orthographicFront"/>
+      <a:lightRig rig="threePt" dir="t"/>
+    </dgm:scene3d>
+    <dgm:sp3d/>
+    <dgm:txPr/>
+    <dgm:style>
+      <a:lnRef idx="1">
+        <a:scrgbClr r="0" g="0" b="0"/>
+      </a:lnRef>
+      <a:fillRef idx="0">
+        <a:scrgbClr r="0" g="0" b="0"/>
+      </a:fillRef>
+      <a:effectRef idx="0">
+        <a:scrgbClr r="0" g="0" b="0"/>
+      </a:effectRef>
+      <a:fontRef idx="minor"/>
+    </dgm:style>
+  </dgm:styleLbl>
+  <dgm:styleLbl name="callout">
+    <dgm:scene3d>
+      <a:camera prst="orthographicFront"/>
+      <a:lightRig rig="threePt" dir="t"/>
+    </dgm:scene3d>
+    <dgm:sp3d/>
+    <dgm:txPr/>
+    <dgm:style>
+      <a:lnRef idx="2">
+        <a:scrgbClr r="0" g="0" b="0"/>
+      </a:lnRef>
+      <a:fillRef idx="1">
+        <a:scrgbClr r="0" g="0" b="0"/>
+      </a:fillRef>
+      <a:effectRef idx="0">
+        <a:scrgbClr r="0" g="0" b="0"/>
+      </a:effectRef>
+      <a:fontRef idx="minor"/>
+    </dgm:style>
+  </dgm:styleLbl>
+  <dgm:styleLbl name="asst0">
+    <dgm:scene3d>
+      <a:camera prst="orthographicFront"/>
+      <a:lightRig rig="threePt" dir="t"/>
+    </dgm:scene3d>
+    <dgm:sp3d/>
+    <dgm:txPr/>
+    <dgm:style>
+      <a:lnRef idx="2">
+        <a:scrgbClr r="0" g="0" b="0"/>
+      </a:lnRef>
+      <a:fillRef idx="1">
+        <a:scrgbClr r="0" g="0" b="0"/>
+      </a:fillRef>
+      <a:effectRef idx="0">
+        <a:scrgbClr r="0" g="0" b="0"/>
+      </a:effectRef>
+      <a:fontRef idx="minor">
+        <a:schemeClr val="lt1"/>
+      </a:fontRef>
+    </dgm:style>
+  </dgm:styleLbl>
+  <dgm:styleLbl name="asst1">
+    <dgm:scene3d>
+      <a:camera prst="orthographicFront"/>
+      <a:lightRig rig="threePt" dir="t"/>
+    </dgm:scene3d>
+    <dgm:sp3d/>
+    <dgm:txPr/>
+    <dgm:style>
+      <a:lnRef idx="2">
+        <a:scrgbClr r="0" g="0" b="0"/>
+      </a:lnRef>
+      <a:fillRef idx="1">
+        <a:scrgbClr r="0" g="0" b="0"/>
+      </a:fillRef>
+      <a:effectRef idx="0">
+        <a:scrgbClr r="0" g="0" b="0"/>
+      </a:effectRef>
+      <a:fontRef idx="minor">
+        <a:schemeClr val="lt1"/>
+      </a:fontRef>
+    </dgm:style>
+  </dgm:styleLbl>
+  <dgm:styleLbl name="asst2">
+    <dgm:scene3d>
+      <a:camera prst="orthographicFront"/>
+      <a:lightRig rig="threePt" dir="t"/>
+    </dgm:scene3d>
+    <dgm:sp3d/>
+    <dgm:txPr/>
+    <dgm:style>
+      <a:lnRef idx="2">
+        <a:scrgbClr r="0" g="0" b="0"/>
+      </a:lnRef>
+      <a:fillRef idx="1">
+        <a:scrgbClr r="0" g="0" b="0"/>
+      </a:fillRef>
+      <a:effectRef idx="0">
+        <a:scrgbClr r="0" g="0" b="0"/>
+      </a:effectRef>
+      <a:fontRef idx="minor">
+        <a:schemeClr val="lt1"/>
+      </a:fontRef>
+    </dgm:style>
+  </dgm:styleLbl>
+  <dgm:styleLbl name="asst3">
+    <dgm:scene3d>
+      <a:camera prst="orthographicFront"/>
+      <a:lightRig rig="threePt" dir="t"/>
+    </dgm:scene3d>
+    <dgm:sp3d/>
+    <dgm:txPr/>
+    <dgm:style>
+      <a:lnRef idx="2">
+        <a:scrgbClr r="0" g="0" b="0"/>
+      </a:lnRef>
+      <a:fillRef idx="1">
+        <a:scrgbClr r="0" g="0" b="0"/>
+      </a:fillRef>
+      <a:effectRef idx="0">
+        <a:scrgbClr r="0" g="0" b="0"/>
+      </a:effectRef>
+      <a:fontRef idx="minor">
+        <a:schemeClr val="lt1"/>
+      </a:fontRef>
+    </dgm:style>
+  </dgm:styleLbl>
+  <dgm:styleLbl name="asst4">
+    <dgm:scene3d>
+      <a:camera prst="orthographicFront"/>
+      <a:lightRig rig="threePt" dir="t"/>
+    </dgm:scene3d>
+    <dgm:sp3d/>
+    <dgm:txPr/>
+    <dgm:style>
+      <a:lnRef idx="2">
+        <a:scrgbClr r="0" g="0" b="0"/>
+      </a:lnRef>
+      <a:fillRef idx="1">
+        <a:scrgbClr r="0" g="0" b="0"/>
+      </a:fillRef>
+      <a:effectRef idx="0">
+        <a:scrgbClr r="0" g="0" b="0"/>
+      </a:effectRef>
+      <a:fontRef idx="minor">
+        <a:schemeClr val="lt1"/>
+      </a:fontRef>
+    </dgm:style>
+  </dgm:styleLbl>
+  <dgm:styleLbl name="parChTrans2D1">
+    <dgm:scene3d>
+      <a:camera prst="orthographicFront"/>
+      <a:lightRig rig="threePt" dir="t"/>
+    </dgm:scene3d>
+    <dgm:sp3d/>
+    <dgm:txPr/>
+    <dgm:style>
+      <a:lnRef idx="2">
+        <a:scrgbClr r="0" g="0" b="0"/>
+      </a:lnRef>
+      <a:fillRef idx="1">
+        <a:scrgbClr r="0" g="0" b="0"/>
+      </a:fillRef>
+      <a:effectRef idx="0">
+        <a:scrgbClr r="0" g="0" b="0"/>
+      </a:effectRef>
+      <a:fontRef idx="minor">
+        <a:schemeClr val="lt1"/>
+      </a:fontRef>
+    </dgm:style>
+  </dgm:styleLbl>
+  <dgm:styleLbl name="parChTrans2D2">
+    <dgm:scene3d>
+      <a:camera prst="orthographicFront"/>
+      <a:lightRig rig="threePt" dir="t"/>
+    </dgm:scene3d>
+    <dgm:sp3d/>
+    <dgm:txPr/>
+    <dgm:style>
+      <a:lnRef idx="2">
+        <a:scrgbClr r="0" g="0" b="0"/>
+      </a:lnRef>
+      <a:fillRef idx="1">
+        <a:scrgbClr r="0" g="0" b="0"/>
+      </a:fillRef>
+      <a:effectRef idx="0">
+        <a:scrgbClr r="0" g="0" b="0"/>
+      </a:effectRef>
+      <a:fontRef idx="minor">
+        <a:schemeClr val="lt1"/>
+      </a:fontRef>
+    </dgm:style>
+  </dgm:styleLbl>
+  <dgm:styleLbl name="parChTrans2D3">
+    <dgm:scene3d>
+      <a:camera prst="orthographicFront"/>
+      <a:lightRig rig="threePt" dir="t"/>
+    </dgm:scene3d>
+    <dgm:sp3d/>
+    <dgm:txPr/>
+    <dgm:style>
+      <a:lnRef idx="2">
+        <a:scrgbClr r="0" g="0" b="0"/>
+      </a:lnRef>
+      <a:fillRef idx="1">
+        <a:scrgbClr r="0" g="0" b="0"/>
+      </a:fillRef>
+      <a:effectRef idx="0">
+        <a:scrgbClr r="0" g="0" b="0"/>
+      </a:effectRef>
+      <a:fontRef idx="minor">
+        <a:schemeClr val="lt1"/>
+      </a:fontRef>
+    </dgm:style>
+  </dgm:styleLbl>
+  <dgm:styleLbl name="parChTrans2D4">
+    <dgm:scene3d>
+      <a:camera prst="orthographicFront"/>
+      <a:lightRig rig="threePt" dir="t"/>
+    </dgm:scene3d>
+    <dgm:sp3d/>
+    <dgm:txPr/>
+    <dgm:style>
+      <a:lnRef idx="2">
+        <a:scrgbClr r="0" g="0" b="0"/>
+      </a:lnRef>
+      <a:fillRef idx="1">
+        <a:scrgbClr r="0" g="0" b="0"/>
+      </a:fillRef>
+      <a:effectRef idx="0">
+        <a:scrgbClr r="0" g="0" b="0"/>
+      </a:effectRef>
+      <a:fontRef idx="minor">
+        <a:schemeClr val="lt1"/>
+      </a:fontRef>
+    </dgm:style>
+  </dgm:styleLbl>
+  <dgm:styleLbl name="parChTrans1D1">
+    <dgm:scene3d>
+      <a:camera prst="orthographicFront"/>
+      <a:lightRig rig="threePt" dir="t"/>
+    </dgm:scene3d>
+    <dgm:sp3d/>
+    <dgm:txPr/>
+    <dgm:style>
+      <a:lnRef idx="2">
+        <a:scrgbClr r="0" g="0" b="0"/>
+      </a:lnRef>
+      <a:fillRef idx="0">
+        <a:scrgbClr r="0" g="0" b="0"/>
+      </a:fillRef>
+      <a:effectRef idx="0">
+        <a:scrgbClr r="0" g="0" b="0"/>
+      </a:effectRef>
+      <a:fontRef idx="minor"/>
+    </dgm:style>
+  </dgm:styleLbl>
+  <dgm:styleLbl name="parChTrans1D2">
+    <dgm:scene3d>
+      <a:camera prst="orthographicFront"/>
+      <a:lightRig rig="threePt" dir="t"/>
+    </dgm:scene3d>
+    <dgm:sp3d/>
+    <dgm:txPr/>
+    <dgm:style>
+      <a:lnRef idx="2">
+        <a:scrgbClr r="0" g="0" b="0"/>
+      </a:lnRef>
+      <a:fillRef idx="0">
+        <a:scrgbClr r="0" g="0" b="0"/>
+      </a:fillRef>
+      <a:effectRef idx="0">
+        <a:scrgbClr r="0" g="0" b="0"/>
+      </a:effectRef>
+      <a:fontRef idx="minor"/>
+    </dgm:style>
+  </dgm:styleLbl>
+  <dgm:styleLbl name="parChTrans1D3">
+    <dgm:scene3d>
+      <a:camera prst="orthographicFront"/>
+      <a:lightRig rig="threePt" dir="t"/>
+    </dgm:scene3d>
+    <dgm:sp3d/>
+    <dgm:txPr/>
+    <dgm:style>
+      <a:lnRef idx="2">
+        <a:scrgbClr r="0" g="0" b="0"/>
+      </a:lnRef>
+      <a:fillRef idx="0">
+        <a:scrgbClr r="0" g="0" b="0"/>
+      </a:fillRef>
+      <a:effectRef idx="0">
+        <a:scrgbClr r="0" g="0" b="0"/>
+      </a:effectRef>
+      <a:fontRef idx="minor"/>
+    </dgm:style>
+  </dgm:styleLbl>
+  <dgm:styleLbl name="parChTrans1D4">
+    <dgm:scene3d>
+      <a:camera prst="orthographicFront"/>
+      <a:lightRig rig="threePt" dir="t"/>
+    </dgm:scene3d>
+    <dgm:sp3d/>
+    <dgm:txPr/>
+    <dgm:style>
+      <a:lnRef idx="2">
+        <a:scrgbClr r="0" g="0" b="0"/>
+      </a:lnRef>
+      <a:fillRef idx="0">
+        <a:scrgbClr r="0" g="0" b="0"/>
+      </a:fillRef>
+      <a:effectRef idx="0">
+        <a:scrgbClr r="0" g="0" b="0"/>
+      </a:effectRef>
+      <a:fontRef idx="minor"/>
+    </dgm:style>
+  </dgm:styleLbl>
+  <dgm:styleLbl name="fgAcc1">
+    <dgm:scene3d>
+      <a:camera prst="orthographicFront"/>
+      <a:lightRig rig="threePt" dir="t"/>
+    </dgm:scene3d>
+    <dgm:sp3d/>
+    <dgm:txPr/>
+    <dgm:style>
+      <a:lnRef idx="2">
+        <a:scrgbClr r="0" g="0" b="0"/>
+      </a:lnRef>
+      <a:fillRef idx="1">
+        <a:scrgbClr r="0" g="0" b="0"/>
+      </a:fillRef>
+      <a:effectRef idx="0">
+        <a:scrgbClr r="0" g="0" b="0"/>
+      </a:effectRef>
+      <a:fontRef idx="minor"/>
+    </dgm:style>
+  </dgm:styleLbl>
+  <dgm:styleLbl name="conFgAcc1">
+    <dgm:scene3d>
+      <a:camera prst="orthographicFront"/>
+      <a:lightRig rig="threePt" dir="t"/>
+    </dgm:scene3d>
+    <dgm:sp3d/>
+    <dgm:txPr/>
+    <dgm:style>
+      <a:lnRef idx="2">
+        <a:scrgbClr r="0" g="0" b="0"/>
+      </a:lnRef>
+      <a:fillRef idx="1">
+        <a:scrgbClr r="0" g="0" b="0"/>
+      </a:fillRef>
+      <a:effectRef idx="0">
+        <a:scrgbClr r="0" g="0" b="0"/>
+      </a:effectRef>
+      <a:fontRef idx="minor"/>
+    </dgm:style>
+  </dgm:styleLbl>
+  <dgm:styleLbl name="alignAcc1">
+    <dgm:scene3d>
+      <a:camera prst="orthographicFront"/>
+      <a:lightRig rig="threePt" dir="t"/>
+    </dgm:scene3d>
+    <dgm:sp3d/>
+    <dgm:txPr/>
+    <dgm:style>
+      <a:lnRef idx="2">
+        <a:scrgbClr r="0" g="0" b="0"/>
+      </a:lnRef>
+      <a:fillRef idx="1">
+        <a:scrgbClr r="0" g="0" b="0"/>
+      </a:fillRef>
+      <a:effectRef idx="0">
+        <a:scrgbClr r="0" g="0" b="0"/>
+      </a:effectRef>
+      <a:fontRef idx="minor"/>
+    </dgm:style>
+  </dgm:styleLbl>
+  <dgm:styleLbl name="trAlignAcc1">
+    <dgm:scene3d>
+      <a:camera prst="orthographicFront"/>
+      <a:lightRig rig="threePt" dir="t"/>
+    </dgm:scene3d>
+    <dgm:sp3d/>
+    <dgm:txPr/>
+    <dgm:style>
+      <a:lnRef idx="1">
+        <a:scrgbClr r="0" g="0" b="0"/>
+      </a:lnRef>
+      <a:fillRef idx="1">
+        <a:scrgbClr r="0" g="0" b="0"/>
+      </a:fillRef>
+      <a:effectRef idx="0">
+        <a:scrgbClr r="0" g="0" b="0"/>
+      </a:effectRef>
+      <a:fontRef idx="minor"/>
+    </dgm:style>
+  </dgm:styleLbl>
+  <dgm:styleLbl name="bgAcc1">
+    <dgm:scene3d>
+      <a:camera prst="orthographicFront"/>
+      <a:lightRig rig="threePt" dir="t"/>
+    </dgm:scene3d>
+    <dgm:sp3d/>
+    <dgm:txPr/>
+    <dgm:style>
+      <a:lnRef idx="2">
+        <a:scrgbClr r="0" g="0" b="0"/>
+      </a:lnRef>
+      <a:fillRef idx="1">
+        <a:scrgbClr r="0" g="0" b="0"/>
+      </a:fillRef>
+      <a:effectRef idx="0">
+        <a:scrgbClr r="0" g="0" b="0"/>
+      </a:effectRef>
+      <a:fontRef idx="minor"/>
+    </dgm:style>
+  </dgm:styleLbl>
+  <dgm:styleLbl name="solidFgAcc1">
+    <dgm:scene3d>
+      <a:camera prst="orthographicFront"/>
+      <a:lightRig rig="threePt" dir="t"/>
+    </dgm:scene3d>
+    <dgm:sp3d/>
+    <dgm:txPr/>
+    <dgm:style>
+      <a:lnRef idx="2">
+        <a:scrgbClr r="0" g="0" b="0"/>
+      </a:lnRef>
+      <a:fillRef idx="1">
+        <a:scrgbClr r="0" g="0" b="0"/>
+      </a:fillRef>
+      <a:effectRef idx="0">
+        <a:scrgbClr r="0" g="0" b="0"/>
+      </a:effectRef>
+      <a:fontRef idx="minor"/>
+    </dgm:style>
+  </dgm:styleLbl>
+  <dgm:styleLbl name="solidAlignAcc1">
+    <dgm:scene3d>
+      <a:camera prst="orthographicFront"/>
+      <a:lightRig rig="threePt" dir="t"/>
+    </dgm:scene3d>
+    <dgm:sp3d/>
+    <dgm:txPr/>
+    <dgm:style>
+      <a:lnRef idx="2">
+        <a:scrgbClr r="0" g="0" b="0"/>
+      </a:lnRef>
+      <a:fillRef idx="1">
+        <a:scrgbClr r="0" g="0" b="0"/>
+      </a:fillRef>
+      <a:effectRef idx="0">
+        <a:scrgbClr r="0" g="0" b="0"/>
+      </a:effectRef>
+      <a:fontRef idx="minor"/>
+    </dgm:style>
+  </dgm:styleLbl>
+  <dgm:styleLbl name="solidBgAcc1">
+    <dgm:scene3d>
+      <a:camera prst="orthographicFront"/>
+      <a:lightRig rig="threePt" dir="t"/>
+    </dgm:scene3d>
+    <dgm:sp3d/>
+    <dgm:txPr/>
+    <dgm:style>
+      <a:lnRef idx="2">
+        <a:scrgbClr r="0" g="0" b="0"/>
+      </a:lnRef>
+      <a:fillRef idx="1">
+        <a:scrgbClr r="0" g="0" b="0"/>
+      </a:fillRef>
+      <a:effectRef idx="0">
+        <a:scrgbClr r="0" g="0" b="0"/>
+      </a:effectRef>
+      <a:fontRef idx="minor"/>
+    </dgm:style>
+  </dgm:styleLbl>
+  <dgm:styleLbl name="fgAccFollowNode1">
+    <dgm:scene3d>
+      <a:camera prst="orthographicFront"/>
+      <a:lightRig rig="threePt" dir="t"/>
+    </dgm:scene3d>
+    <dgm:sp3d/>
+    <dgm:txPr/>
+    <dgm:style>
+      <a:lnRef idx="2">
+        <a:scrgbClr r="0" g="0" b="0"/>
+      </a:lnRef>
+      <a:fillRef idx="1">
+        <a:scrgbClr r="0" g="0" b="0"/>
+      </a:fillRef>
+      <a:effectRef idx="0">
+        <a:scrgbClr r="0" g="0" b="0"/>
+      </a:effectRef>
+      <a:fontRef idx="minor"/>
+    </dgm:style>
+  </dgm:styleLbl>
+  <dgm:styleLbl name="alignAccFollowNode1">
+    <dgm:scene3d>
+      <a:camera prst="orthographicFront"/>
+      <a:lightRig rig="threePt" dir="t"/>
+    </dgm:scene3d>
+    <dgm:sp3d/>
+    <dgm:txPr/>
+    <dgm:style>
+      <a:lnRef idx="2">
+        <a:scrgbClr r="0" g="0" b="0"/>
+      </a:lnRef>
+      <a:fillRef idx="1">
+        <a:scrgbClr r="0" g="0" b="0"/>
+      </a:fillRef>
+      <a:effectRef idx="0">
+        <a:scrgbClr r="0" g="0" b="0"/>
+      </a:effectRef>
+      <a:fontRef idx="minor"/>
+    </dgm:style>
+  </dgm:styleLbl>
+  <dgm:styleLbl name="bgAccFollowNode1">
+    <dgm:scene3d>
+      <a:camera prst="orthographicFront"/>
+      <a:lightRig rig="threePt" dir="t"/>
+    </dgm:scene3d>
+    <dgm:sp3d/>
+    <dgm:txPr/>
+    <dgm:style>
+      <a:lnRef idx="2">
+        <a:scrgbClr r="0" g="0" b="0"/>
+      </a:lnRef>
+      <a:fillRef idx="1">
+        <a:scrgbClr r="0" g="0" b="0"/>
+      </a:fillRef>
+      <a:effectRef idx="0">
+        <a:scrgbClr r="0" g="0" b="0"/>
+      </a:effectRef>
+      <a:fontRef idx="minor"/>
+    </dgm:style>
+  </dgm:styleLbl>
+  <dgm:styleLbl name="fgAcc0">
+    <dgm:scene3d>
+      <a:camera prst="orthographicFront"/>
+      <a:lightRig rig="threePt" dir="t"/>
+    </dgm:scene3d>
+    <dgm:sp3d/>
+    <dgm:txPr/>
+    <dgm:style>
+      <a:lnRef idx="2">
+        <a:scrgbClr r="0" g="0" b="0"/>
+      </a:lnRef>
+      <a:fillRef idx="1">
+        <a:scrgbClr r="0" g="0" b="0"/>
+      </a:fillRef>
+      <a:effectRef idx="0">
+        <a:scrgbClr r="0" g="0" b="0"/>
+      </a:effectRef>
+      <a:fontRef idx="minor"/>
+    </dgm:style>
+  </dgm:styleLbl>
+  <dgm:styleLbl name="fgAcc2">
+    <dgm:scene3d>
+      <a:camera prst="orthographicFront"/>
+      <a:lightRig rig="threePt" dir="t"/>
+    </dgm:scene3d>
+    <dgm:sp3d/>
+    <dgm:txPr/>
+    <dgm:style>
+      <a:lnRef idx="2">
+        <a:scrgbClr r="0" g="0" b="0"/>
+      </a:lnRef>
+      <a:fillRef idx="1">
+        <a:scrgbClr r="0" g="0" b="0"/>
+      </a:fillRef>
+      <a:effectRef idx="0">
+        <a:scrgbClr r="0" g="0" b="0"/>
+      </a:effectRef>
+      <a:fontRef idx="minor"/>
+    </dgm:style>
+  </dgm:styleLbl>
+  <dgm:styleLbl name="fgAcc3">
+    <dgm:scene3d>
+      <a:camera prst="orthographicFront"/>
+      <a:lightRig rig="threePt" dir="t"/>
+    </dgm:scene3d>
+    <dgm:sp3d/>
+    <dgm:txPr/>
+    <dgm:style>
+      <a:lnRef idx="2">
+        <a:scrgbClr r="0" g="0" b="0"/>
+      </a:lnRef>
+      <a:fillRef idx="1">
+        <a:scrgbClr r="0" g="0" b="0"/>
+      </a:fillRef>
+      <a:effectRef idx="0">
+        <a:scrgbClr r="0" g="0" b="0"/>
+      </a:effectRef>
+      <a:fontRef idx="minor"/>
+    </dgm:style>
+  </dgm:styleLbl>
+  <dgm:styleLbl name="fgAcc4">
+    <dgm:scene3d>
+      <a:camera prst="orthographicFront"/>
+      <a:lightRig rig="threePt" dir="t"/>
+    </dgm:scene3d>
+    <dgm:sp3d/>
+    <dgm:txPr/>
+    <dgm:style>
+      <a:lnRef idx="2">
+        <a:scrgbClr r="0" g="0" b="0"/>
+      </a:lnRef>
+      <a:fillRef idx="1">
+        <a:scrgbClr r="0" g="0" b="0"/>
+      </a:fillRef>
+      <a:effectRef idx="0">
+        <a:scrgbClr r="0" g="0" b="0"/>
+      </a:effectRef>
+      <a:fontRef idx="minor"/>
+    </dgm:style>
+  </dgm:styleLbl>
+  <dgm:styleLbl name="bgShp">
+    <dgm:scene3d>
+      <a:camera prst="orthographicFront"/>
+      <a:lightRig rig="threePt" dir="t"/>
+    </dgm:scene3d>
+    <dgm:sp3d/>
+    <dgm:txPr/>
+    <dgm:style>
+      <a:lnRef idx="0">
+        <a:scrgbClr r="0" g="0" b="0"/>
+      </a:lnRef>
+      <a:fillRef idx="1">
+        <a:scrgbClr r="0" g="0" b="0"/>
+      </a:fillRef>
+      <a:effectRef idx="0">
+        <a:scrgbClr r="0" g="0" b="0"/>
+      </a:effectRef>
+      <a:fontRef idx="minor"/>
+    </dgm:style>
+  </dgm:styleLbl>
+  <dgm:styleLbl name="dkBgShp">
+    <dgm:scene3d>
+      <a:camera prst="orthographicFront"/>
+      <a:lightRig rig="threePt" dir="t"/>
+    </dgm:scene3d>
+    <dgm:sp3d/>
+    <dgm:txPr/>
+    <dgm:style>
+      <a:lnRef idx="0">
+        <a:scrgbClr r="0" g="0" b="0"/>
+      </a:lnRef>
+      <a:fillRef idx="1">
+        <a:scrgbClr r="0" g="0" b="0"/>
+      </a:fillRef>
+      <a:effectRef idx="0">
+        <a:scrgbClr r="0" g="0" b="0"/>
+      </a:effectRef>
+      <a:fontRef idx="minor"/>
+    </dgm:style>
+  </dgm:styleLbl>
+  <dgm:styleLbl name="trBgShp">
+    <dgm:scene3d>
+      <a:camera prst="orthographicFront"/>
+      <a:lightRig rig="threePt" dir="t"/>
+    </dgm:scene3d>
+    <dgm:sp3d/>
+    <dgm:txPr/>
+    <dgm:style>
+      <a:lnRef idx="0">
+        <a:scrgbClr r="0" g="0" b="0"/>
+      </a:lnRef>
+      <a:fillRef idx="1">
+        <a:scrgbClr r="0" g="0" b="0"/>
+      </a:fillRef>
+      <a:effectRef idx="0">
+        <a:scrgbClr r="0" g="0" b="0"/>
+      </a:effectRef>
+      <a:fontRef idx="minor"/>
+    </dgm:style>
+  </dgm:styleLbl>
+  <dgm:styleLbl name="fgShp">
+    <dgm:scene3d>
+      <a:camera prst="orthographicFront"/>
+      <a:lightRig rig="threePt" dir="t"/>
+    </dgm:scene3d>
+    <dgm:sp3d/>
+    <dgm:txPr/>
+    <dgm:style>
+      <a:lnRef idx="2">
+        <a:scrgbClr r="0" g="0" b="0"/>
+      </a:lnRef>
+      <a:fillRef idx="1">
+        <a:scrgbClr r="0" g="0" b="0"/>
+      </a:fillRef>
+      <a:effectRef idx="0">
+        <a:scrgbClr r="0" g="0" b="0"/>
+      </a:effectRef>
+      <a:fontRef idx="minor"/>
+    </dgm:style>
+  </dgm:styleLbl>
+  <dgm:styleLbl name="revTx">
+    <dgm:scene3d>
+      <a:camera prst="orthographicFront"/>
+      <a:lightRig rig="threePt" dir="t"/>
+    </dgm:scene3d>
+    <dgm:sp3d/>
+    <dgm:txPr/>
+    <dgm:style>
+      <a:lnRef idx="0">
+        <a:scrgbClr r="0" g="0" b="0"/>
+      </a:lnRef>
+      <a:fillRef idx="0">
+        <a:scrgbClr r="0" g="0" b="0"/>
+      </a:fillRef>
+      <a:effectRef idx="0">
+        <a:scrgbClr r="0" g="0" b="0"/>
+      </a:effectRef>
+      <a:fontRef idx="minor"/>
+    </dgm:style>
+  </dgm:styleLbl>
+</dgm:styleDef>
+</file>
+
+<file path=ppt/diagrams/quickStyle3.xml><?xml version="1.0" encoding="utf-8"?>
 <dgm:styleDef xmlns:dgm="http://schemas.openxmlformats.org/drawingml/2006/diagram" xmlns:a="http://schemas.openxmlformats.org/drawingml/2006/main" uniqueId="urn:microsoft.com/office/officeart/2005/8/quickstyle/simple1">
   <dgm:title val=""/>
   <dgm:desc val=""/>
@@ -10406,6 +13863,1653 @@
 </p:sld>
 </file>
 
+<file path=ppt/slides/slide10.xml><?xml version="1.0" encoding="utf-8"?>
+<p:sld xmlns:a="http://schemas.openxmlformats.org/drawingml/2006/main" xmlns:r="http://schemas.openxmlformats.org/officeDocument/2006/relationships" xmlns:p="http://schemas.openxmlformats.org/presentationml/2006/main">
+  <p:cSld>
+    <p:spTree>
+      <p:nvGrpSpPr>
+        <p:cNvPr id="1" name=""/>
+        <p:cNvGrpSpPr/>
+        <p:nvPr/>
+      </p:nvGrpSpPr>
+      <p:grpSpPr>
+        <a:xfrm>
+          <a:off x="0" y="0"/>
+          <a:ext cx="0" cy="0"/>
+          <a:chOff x="0" y="0"/>
+          <a:chExt cx="0" cy="0"/>
+        </a:xfrm>
+      </p:grpSpPr>
+      <p:sp>
+        <p:nvSpPr>
+          <p:cNvPr id="2" name="Titel 1">
+            <a:extLst>
+              <a:ext uri="{FF2B5EF4-FFF2-40B4-BE49-F238E27FC236}">
+                <a16:creationId xmlns:a16="http://schemas.microsoft.com/office/drawing/2014/main" id="{780AD03F-F580-4593-AEB0-EE3CEC81E5B3}"/>
+              </a:ext>
+            </a:extLst>
+          </p:cNvPr>
+          <p:cNvSpPr>
+            <a:spLocks noGrp="1"/>
+          </p:cNvSpPr>
+          <p:nvPr>
+            <p:ph type="title"/>
+          </p:nvPr>
+        </p:nvSpPr>
+        <p:spPr/>
+        <p:txBody>
+          <a:bodyPr/>
+          <a:lstStyle/>
+          <a:p>
+            <a:r>
+              <a:rPr lang="de-DE" dirty="0"/>
+              <a:t>Grundlagen - ITIL II / II</a:t>
+            </a:r>
+          </a:p>
+        </p:txBody>
+      </p:sp>
+      <p:sp>
+        <p:nvSpPr>
+          <p:cNvPr id="3" name="Inhaltsplatzhalter 2">
+            <a:extLst>
+              <a:ext uri="{FF2B5EF4-FFF2-40B4-BE49-F238E27FC236}">
+                <a16:creationId xmlns:a16="http://schemas.microsoft.com/office/drawing/2014/main" id="{AFF254F4-82A2-4E31-9729-727C2ACF0A9B}"/>
+              </a:ext>
+            </a:extLst>
+          </p:cNvPr>
+          <p:cNvSpPr>
+            <a:spLocks noGrp="1"/>
+          </p:cNvSpPr>
+          <p:nvPr>
+            <p:ph idx="1"/>
+          </p:nvPr>
+        </p:nvSpPr>
+        <p:spPr/>
+        <p:txBody>
+          <a:bodyPr/>
+          <a:lstStyle/>
+          <a:p>
+            <a:r>
+              <a:rPr lang="de-DE" dirty="0"/>
+              <a:t>Allgemeines Framework </a:t>
+            </a:r>
+          </a:p>
+          <a:p>
+            <a:endParaRPr lang="de-DE" dirty="0"/>
+          </a:p>
+          <a:p>
+            <a:r>
+              <a:rPr lang="de-DE" dirty="0"/>
+              <a:t>Ziel ITIL:</a:t>
+            </a:r>
+          </a:p>
+          <a:p>
+            <a:pPr lvl="1"/>
+            <a:r>
+              <a:rPr lang="de-DE" sz="1800" b="0" i="0" u="none" strike="noStrike" baseline="0" dirty="0">
+                <a:latin typeface="LinLibertineT"/>
+              </a:rPr>
+              <a:t>Erfahrungen aus der Welt des IT-Service-Managements aufzuschreiben </a:t>
+            </a:r>
+            <a:r>
+              <a:rPr lang="de-DE" sz="1800" b="0" i="0" u="none" strike="noStrike" baseline="0" dirty="0">
+                <a:latin typeface="LinLibertineT"/>
+                <a:sym typeface="Wingdings" panose="05000000000000000000" pitchFamily="2" charset="2"/>
+              </a:rPr>
+              <a:t> </a:t>
+            </a:r>
+            <a:r>
+              <a:rPr lang="de-DE" sz="1800" b="0" i="0" u="none" strike="noStrike" baseline="0" dirty="0">
+                <a:latin typeface="LinLibertineT"/>
+              </a:rPr>
+              <a:t>generalisieren</a:t>
+            </a:r>
+          </a:p>
+          <a:p>
+            <a:pPr lvl="1"/>
+            <a:r>
+              <a:rPr lang="de-DE" sz="1800" b="0" i="0" u="none" strike="noStrike" baseline="0" dirty="0">
+                <a:latin typeface="LinLibertineT"/>
+              </a:rPr>
+              <a:t>Erfahrungen aus anderen Bereichen ergänzen</a:t>
+            </a:r>
+          </a:p>
+          <a:p>
+            <a:pPr lvl="1"/>
+            <a:r>
+              <a:rPr lang="de-DE" sz="1800" dirty="0">
+                <a:latin typeface="LinLibertineT"/>
+              </a:rPr>
+              <a:t>Services sollen im Rahmen von ITIL optimal auf Anforderungen aus dem Geschäft abgestimmt sein + regelmäßig </a:t>
+            </a:r>
+            <a:r>
+              <a:rPr lang="de-DE" sz="1800">
+                <a:latin typeface="LinLibertineT"/>
+              </a:rPr>
+              <a:t>darauf überprüft</a:t>
+            </a:r>
+          </a:p>
+          <a:p>
+            <a:pPr lvl="1"/>
+            <a:endParaRPr lang="de-DE" sz="1800" dirty="0">
+              <a:latin typeface="LinLibertineT"/>
+            </a:endParaRPr>
+          </a:p>
+          <a:p>
+            <a:pPr algn="l"/>
+            <a:r>
+              <a:rPr lang="de-DE" dirty="0"/>
+              <a:t>prozessorientiert arbeitet und unabhängig ist von Hierarchien</a:t>
+            </a:r>
+          </a:p>
+        </p:txBody>
+      </p:sp>
+      <p:sp>
+        <p:nvSpPr>
+          <p:cNvPr id="4" name="Datumsplatzhalter 3">
+            <a:extLst>
+              <a:ext uri="{FF2B5EF4-FFF2-40B4-BE49-F238E27FC236}">
+                <a16:creationId xmlns:a16="http://schemas.microsoft.com/office/drawing/2014/main" id="{7A5C2B4C-5C35-49B6-BA78-D1CC21575909}"/>
+              </a:ext>
+            </a:extLst>
+          </p:cNvPr>
+          <p:cNvSpPr>
+            <a:spLocks noGrp="1"/>
+          </p:cNvSpPr>
+          <p:nvPr>
+            <p:ph type="dt" sz="half" idx="10"/>
+          </p:nvPr>
+        </p:nvSpPr>
+        <p:spPr/>
+        <p:txBody>
+          <a:bodyPr/>
+          <a:lstStyle/>
+          <a:p>
+            <a:fld id="{E59088F5-CBD1-44C3-809D-45DB2EE2134D}" type="datetime1">
+              <a:rPr lang="de-DE" smtClean="0"/>
+              <a:t>27.06.2021</a:t>
+            </a:fld>
+            <a:endParaRPr lang="de-DE"/>
+          </a:p>
+        </p:txBody>
+      </p:sp>
+      <p:sp>
+        <p:nvSpPr>
+          <p:cNvPr id="5" name="Foliennummernplatzhalter 4">
+            <a:extLst>
+              <a:ext uri="{FF2B5EF4-FFF2-40B4-BE49-F238E27FC236}">
+                <a16:creationId xmlns:a16="http://schemas.microsoft.com/office/drawing/2014/main" id="{7AF583B8-41B8-471D-8761-CA5938370AD1}"/>
+              </a:ext>
+            </a:extLst>
+          </p:cNvPr>
+          <p:cNvSpPr>
+            <a:spLocks noGrp="1"/>
+          </p:cNvSpPr>
+          <p:nvPr>
+            <p:ph type="sldNum" sz="quarter" idx="12"/>
+          </p:nvPr>
+        </p:nvSpPr>
+        <p:spPr/>
+        <p:txBody>
+          <a:bodyPr/>
+          <a:lstStyle/>
+          <a:p>
+            <a:fld id="{AE1E1EB3-B919-4771-A43C-7C8BA70B36D7}" type="slidenum">
+              <a:rPr lang="de-DE" smtClean="0"/>
+              <a:t>10</a:t>
+            </a:fld>
+            <a:endParaRPr lang="de-DE"/>
+          </a:p>
+        </p:txBody>
+      </p:sp>
+      <p:sp>
+        <p:nvSpPr>
+          <p:cNvPr id="6" name="Textfeld 5">
+            <a:extLst>
+              <a:ext uri="{FF2B5EF4-FFF2-40B4-BE49-F238E27FC236}">
+                <a16:creationId xmlns:a16="http://schemas.microsoft.com/office/drawing/2014/main" id="{5AD87737-2255-450D-B1A6-00CE5C284515}"/>
+              </a:ext>
+            </a:extLst>
+          </p:cNvPr>
+          <p:cNvSpPr txBox="1"/>
+          <p:nvPr/>
+        </p:nvSpPr>
+        <p:spPr>
+          <a:xfrm>
+            <a:off x="10352085" y="5622244"/>
+            <a:ext cx="6094428" cy="369332"/>
+          </a:xfrm>
+          <a:prstGeom prst="rect">
+            <a:avLst/>
+          </a:prstGeom>
+          <a:noFill/>
+        </p:spPr>
+        <p:txBody>
+          <a:bodyPr wrap="square">
+            <a:spAutoFit/>
+          </a:bodyPr>
+          <a:lstStyle/>
+          <a:p>
+            <a:r>
+              <a:rPr lang="de-DE" sz="1800" dirty="0"/>
+              <a:t>[3],[7]</a:t>
+            </a:r>
+            <a:endParaRPr lang="de-DE" dirty="0"/>
+          </a:p>
+        </p:txBody>
+      </p:sp>
+    </p:spTree>
+    <p:extLst>
+      <p:ext uri="{BB962C8B-B14F-4D97-AF65-F5344CB8AC3E}">
+        <p14:creationId xmlns:p14="http://schemas.microsoft.com/office/powerpoint/2010/main" val="1025619684"/>
+      </p:ext>
+    </p:extLst>
+  </p:cSld>
+  <p:clrMapOvr>
+    <a:masterClrMapping/>
+  </p:clrMapOvr>
+</p:sld>
+</file>
+
+<file path=ppt/slides/slide11.xml><?xml version="1.0" encoding="utf-8"?>
+<p:sld xmlns:a="http://schemas.openxmlformats.org/drawingml/2006/main" xmlns:r="http://schemas.openxmlformats.org/officeDocument/2006/relationships" xmlns:p="http://schemas.openxmlformats.org/presentationml/2006/main">
+  <p:cSld>
+    <p:spTree>
+      <p:nvGrpSpPr>
+        <p:cNvPr id="1" name=""/>
+        <p:cNvGrpSpPr/>
+        <p:nvPr/>
+      </p:nvGrpSpPr>
+      <p:grpSpPr>
+        <a:xfrm>
+          <a:off x="0" y="0"/>
+          <a:ext cx="0" cy="0"/>
+          <a:chOff x="0" y="0"/>
+          <a:chExt cx="0" cy="0"/>
+        </a:xfrm>
+      </p:grpSpPr>
+      <p:sp>
+        <p:nvSpPr>
+          <p:cNvPr id="2" name="Titel 1">
+            <a:extLst>
+              <a:ext uri="{FF2B5EF4-FFF2-40B4-BE49-F238E27FC236}">
+                <a16:creationId xmlns:a16="http://schemas.microsoft.com/office/drawing/2014/main" id="{99B02C2A-2B8E-4EB3-A59B-0BC919ABFB58}"/>
+              </a:ext>
+            </a:extLst>
+          </p:cNvPr>
+          <p:cNvSpPr>
+            <a:spLocks noGrp="1"/>
+          </p:cNvSpPr>
+          <p:nvPr>
+            <p:ph type="title"/>
+          </p:nvPr>
+        </p:nvSpPr>
+        <p:spPr/>
+        <p:txBody>
+          <a:bodyPr/>
+          <a:lstStyle/>
+          <a:p>
+            <a:r>
+              <a:rPr lang="de-DE" dirty="0"/>
+              <a:t>Grundlagen - ITIL  - Service Lifecycle – I / II</a:t>
+            </a:r>
+          </a:p>
+        </p:txBody>
+      </p:sp>
+      <p:pic>
+        <p:nvPicPr>
+          <p:cNvPr id="7" name="Inhaltsplatzhalter 6">
+            <a:extLst>
+              <a:ext uri="{FF2B5EF4-FFF2-40B4-BE49-F238E27FC236}">
+                <a16:creationId xmlns:a16="http://schemas.microsoft.com/office/drawing/2014/main" id="{DFDD6E90-4DDC-4BE9-AD14-A0D90E1488DD}"/>
+              </a:ext>
+            </a:extLst>
+          </p:cNvPr>
+          <p:cNvPicPr>
+            <a:picLocks noGrp="1" noChangeAspect="1"/>
+          </p:cNvPicPr>
+          <p:nvPr>
+            <p:ph idx="1"/>
+          </p:nvPr>
+        </p:nvPicPr>
+        <p:blipFill>
+          <a:blip r:embed="rId2">
+            <a:extLst>
+              <a:ext uri="{28A0092B-C50C-407E-A947-70E740481C1C}">
+                <a14:useLocalDpi xmlns:a14="http://schemas.microsoft.com/office/drawing/2010/main" val="0"/>
+              </a:ext>
+            </a:extLst>
+          </a:blip>
+          <a:stretch>
+            <a:fillRect/>
+          </a:stretch>
+        </p:blipFill>
+        <p:spPr>
+          <a:xfrm>
+            <a:off x="3661800" y="1582018"/>
+            <a:ext cx="4948800" cy="4351337"/>
+          </a:xfrm>
+        </p:spPr>
+      </p:pic>
+      <p:sp>
+        <p:nvSpPr>
+          <p:cNvPr id="4" name="Datumsplatzhalter 3">
+            <a:extLst>
+              <a:ext uri="{FF2B5EF4-FFF2-40B4-BE49-F238E27FC236}">
+                <a16:creationId xmlns:a16="http://schemas.microsoft.com/office/drawing/2014/main" id="{F70F44C6-9DFC-4695-9045-A610F316E054}"/>
+              </a:ext>
+            </a:extLst>
+          </p:cNvPr>
+          <p:cNvSpPr>
+            <a:spLocks noGrp="1"/>
+          </p:cNvSpPr>
+          <p:nvPr>
+            <p:ph type="dt" sz="half" idx="10"/>
+          </p:nvPr>
+        </p:nvSpPr>
+        <p:spPr/>
+        <p:txBody>
+          <a:bodyPr/>
+          <a:lstStyle/>
+          <a:p>
+            <a:fld id="{E59088F5-CBD1-44C3-809D-45DB2EE2134D}" type="datetime1">
+              <a:rPr lang="de-DE" smtClean="0"/>
+              <a:t>27.06.2021</a:t>
+            </a:fld>
+            <a:endParaRPr lang="de-DE"/>
+          </a:p>
+        </p:txBody>
+      </p:sp>
+      <p:sp>
+        <p:nvSpPr>
+          <p:cNvPr id="5" name="Foliennummernplatzhalter 4">
+            <a:extLst>
+              <a:ext uri="{FF2B5EF4-FFF2-40B4-BE49-F238E27FC236}">
+                <a16:creationId xmlns:a16="http://schemas.microsoft.com/office/drawing/2014/main" id="{2E5792FB-D4A2-4214-93B0-EF3DDA9B7CB0}"/>
+              </a:ext>
+            </a:extLst>
+          </p:cNvPr>
+          <p:cNvSpPr>
+            <a:spLocks noGrp="1"/>
+          </p:cNvSpPr>
+          <p:nvPr>
+            <p:ph type="sldNum" sz="quarter" idx="12"/>
+          </p:nvPr>
+        </p:nvSpPr>
+        <p:spPr/>
+        <p:txBody>
+          <a:bodyPr/>
+          <a:lstStyle/>
+          <a:p>
+            <a:fld id="{AE1E1EB3-B919-4771-A43C-7C8BA70B36D7}" type="slidenum">
+              <a:rPr lang="de-DE" smtClean="0"/>
+              <a:t>11</a:t>
+            </a:fld>
+            <a:endParaRPr lang="de-DE"/>
+          </a:p>
+        </p:txBody>
+      </p:sp>
+      <p:sp>
+        <p:nvSpPr>
+          <p:cNvPr id="8" name="Textfeld 7">
+            <a:extLst>
+              <a:ext uri="{FF2B5EF4-FFF2-40B4-BE49-F238E27FC236}">
+                <a16:creationId xmlns:a16="http://schemas.microsoft.com/office/drawing/2014/main" id="{97D26B02-686B-4FBE-8113-9D3E59198629}"/>
+              </a:ext>
+            </a:extLst>
+          </p:cNvPr>
+          <p:cNvSpPr txBox="1"/>
+          <p:nvPr/>
+        </p:nvSpPr>
+        <p:spPr>
+          <a:xfrm>
+            <a:off x="10352085" y="5622244"/>
+            <a:ext cx="6094428" cy="369332"/>
+          </a:xfrm>
+          <a:prstGeom prst="rect">
+            <a:avLst/>
+          </a:prstGeom>
+          <a:noFill/>
+        </p:spPr>
+        <p:txBody>
+          <a:bodyPr wrap="square">
+            <a:spAutoFit/>
+          </a:bodyPr>
+          <a:lstStyle/>
+          <a:p>
+            <a:r>
+              <a:rPr lang="de-DE" sz="1800" dirty="0"/>
+              <a:t>[3]</a:t>
+            </a:r>
+            <a:endParaRPr lang="de-DE" dirty="0"/>
+          </a:p>
+        </p:txBody>
+      </p:sp>
+    </p:spTree>
+    <p:extLst>
+      <p:ext uri="{BB962C8B-B14F-4D97-AF65-F5344CB8AC3E}">
+        <p14:creationId xmlns:p14="http://schemas.microsoft.com/office/powerpoint/2010/main" val="60960409"/>
+      </p:ext>
+    </p:extLst>
+  </p:cSld>
+  <p:clrMapOvr>
+    <a:masterClrMapping/>
+  </p:clrMapOvr>
+</p:sld>
+</file>
+
+<file path=ppt/slides/slide12.xml><?xml version="1.0" encoding="utf-8"?>
+<p:sld xmlns:a="http://schemas.openxmlformats.org/drawingml/2006/main" xmlns:r="http://schemas.openxmlformats.org/officeDocument/2006/relationships" xmlns:p="http://schemas.openxmlformats.org/presentationml/2006/main">
+  <p:cSld>
+    <p:spTree>
+      <p:nvGrpSpPr>
+        <p:cNvPr id="1" name=""/>
+        <p:cNvGrpSpPr/>
+        <p:nvPr/>
+      </p:nvGrpSpPr>
+      <p:grpSpPr>
+        <a:xfrm>
+          <a:off x="0" y="0"/>
+          <a:ext cx="0" cy="0"/>
+          <a:chOff x="0" y="0"/>
+          <a:chExt cx="0" cy="0"/>
+        </a:xfrm>
+      </p:grpSpPr>
+      <p:sp>
+        <p:nvSpPr>
+          <p:cNvPr id="2" name="Titel 1">
+            <a:extLst>
+              <a:ext uri="{FF2B5EF4-FFF2-40B4-BE49-F238E27FC236}">
+                <a16:creationId xmlns:a16="http://schemas.microsoft.com/office/drawing/2014/main" id="{1BBF0C73-E69D-46E9-A6F5-06F32000842D}"/>
+              </a:ext>
+            </a:extLst>
+          </p:cNvPr>
+          <p:cNvSpPr>
+            <a:spLocks noGrp="1"/>
+          </p:cNvSpPr>
+          <p:nvPr>
+            <p:ph type="title"/>
+          </p:nvPr>
+        </p:nvSpPr>
+        <p:spPr/>
+        <p:txBody>
+          <a:bodyPr/>
+          <a:lstStyle/>
+          <a:p>
+            <a:r>
+              <a:rPr lang="de-DE" dirty="0"/>
+              <a:t>Grundlagen - ITIL  - Service Lifecycle – II / II</a:t>
+            </a:r>
+          </a:p>
+        </p:txBody>
+      </p:sp>
+      <p:pic>
+        <p:nvPicPr>
+          <p:cNvPr id="7" name="Inhaltsplatzhalter 6">
+            <a:extLst>
+              <a:ext uri="{FF2B5EF4-FFF2-40B4-BE49-F238E27FC236}">
+                <a16:creationId xmlns:a16="http://schemas.microsoft.com/office/drawing/2014/main" id="{148394B1-BBF7-4433-B6C8-6F23B99DAF83}"/>
+              </a:ext>
+            </a:extLst>
+          </p:cNvPr>
+          <p:cNvPicPr>
+            <a:picLocks noGrp="1" noChangeAspect="1"/>
+          </p:cNvPicPr>
+          <p:nvPr>
+            <p:ph idx="1"/>
+          </p:nvPr>
+        </p:nvPicPr>
+        <p:blipFill>
+          <a:blip r:embed="rId2">
+            <a:extLst>
+              <a:ext uri="{28A0092B-C50C-407E-A947-70E740481C1C}">
+                <a14:useLocalDpi xmlns:a14="http://schemas.microsoft.com/office/drawing/2010/main" val="0"/>
+              </a:ext>
+            </a:extLst>
+          </a:blip>
+          <a:stretch>
+            <a:fillRect/>
+          </a:stretch>
+        </p:blipFill>
+        <p:spPr>
+          <a:xfrm>
+            <a:off x="4286093" y="1954806"/>
+            <a:ext cx="3619814" cy="3718882"/>
+          </a:xfrm>
+        </p:spPr>
+      </p:pic>
+      <p:sp>
+        <p:nvSpPr>
+          <p:cNvPr id="4" name="Datumsplatzhalter 3">
+            <a:extLst>
+              <a:ext uri="{FF2B5EF4-FFF2-40B4-BE49-F238E27FC236}">
+                <a16:creationId xmlns:a16="http://schemas.microsoft.com/office/drawing/2014/main" id="{73E909EB-5585-411D-8D5A-6095B1AEBEB2}"/>
+              </a:ext>
+            </a:extLst>
+          </p:cNvPr>
+          <p:cNvSpPr>
+            <a:spLocks noGrp="1"/>
+          </p:cNvSpPr>
+          <p:nvPr>
+            <p:ph type="dt" sz="half" idx="10"/>
+          </p:nvPr>
+        </p:nvSpPr>
+        <p:spPr/>
+        <p:txBody>
+          <a:bodyPr/>
+          <a:lstStyle/>
+          <a:p>
+            <a:fld id="{E59088F5-CBD1-44C3-809D-45DB2EE2134D}" type="datetime1">
+              <a:rPr lang="de-DE" smtClean="0"/>
+              <a:t>27.06.2021</a:t>
+            </a:fld>
+            <a:endParaRPr lang="de-DE"/>
+          </a:p>
+        </p:txBody>
+      </p:sp>
+      <p:sp>
+        <p:nvSpPr>
+          <p:cNvPr id="5" name="Foliennummernplatzhalter 4">
+            <a:extLst>
+              <a:ext uri="{FF2B5EF4-FFF2-40B4-BE49-F238E27FC236}">
+                <a16:creationId xmlns:a16="http://schemas.microsoft.com/office/drawing/2014/main" id="{37253A7F-CC30-4344-8E6A-3372DAB55BF6}"/>
+              </a:ext>
+            </a:extLst>
+          </p:cNvPr>
+          <p:cNvSpPr>
+            <a:spLocks noGrp="1"/>
+          </p:cNvSpPr>
+          <p:nvPr>
+            <p:ph type="sldNum" sz="quarter" idx="12"/>
+          </p:nvPr>
+        </p:nvSpPr>
+        <p:spPr/>
+        <p:txBody>
+          <a:bodyPr/>
+          <a:lstStyle/>
+          <a:p>
+            <a:fld id="{AE1E1EB3-B919-4771-A43C-7C8BA70B36D7}" type="slidenum">
+              <a:rPr lang="de-DE" smtClean="0"/>
+              <a:t>12</a:t>
+            </a:fld>
+            <a:endParaRPr lang="de-DE"/>
+          </a:p>
+        </p:txBody>
+      </p:sp>
+      <p:sp>
+        <p:nvSpPr>
+          <p:cNvPr id="8" name="Textfeld 7">
+            <a:extLst>
+              <a:ext uri="{FF2B5EF4-FFF2-40B4-BE49-F238E27FC236}">
+                <a16:creationId xmlns:a16="http://schemas.microsoft.com/office/drawing/2014/main" id="{B3F645CF-EC0F-4D9D-92D0-A1CD2CACCE6E}"/>
+              </a:ext>
+            </a:extLst>
+          </p:cNvPr>
+          <p:cNvSpPr txBox="1"/>
+          <p:nvPr/>
+        </p:nvSpPr>
+        <p:spPr>
+          <a:xfrm>
+            <a:off x="10352085" y="5622244"/>
+            <a:ext cx="6094428" cy="369332"/>
+          </a:xfrm>
+          <a:prstGeom prst="rect">
+            <a:avLst/>
+          </a:prstGeom>
+          <a:noFill/>
+        </p:spPr>
+        <p:txBody>
+          <a:bodyPr wrap="square">
+            <a:spAutoFit/>
+          </a:bodyPr>
+          <a:lstStyle/>
+          <a:p>
+            <a:r>
+              <a:rPr lang="de-DE" sz="1800" dirty="0"/>
+              <a:t>[3]</a:t>
+            </a:r>
+            <a:endParaRPr lang="de-DE" dirty="0"/>
+          </a:p>
+        </p:txBody>
+      </p:sp>
+    </p:spTree>
+    <p:extLst>
+      <p:ext uri="{BB962C8B-B14F-4D97-AF65-F5344CB8AC3E}">
+        <p14:creationId xmlns:p14="http://schemas.microsoft.com/office/powerpoint/2010/main" val="257372971"/>
+      </p:ext>
+    </p:extLst>
+  </p:cSld>
+  <p:clrMapOvr>
+    <a:masterClrMapping/>
+  </p:clrMapOvr>
+</p:sld>
+</file>
+
+<file path=ppt/slides/slide13.xml><?xml version="1.0" encoding="utf-8"?>
+<p:sld xmlns:a="http://schemas.openxmlformats.org/drawingml/2006/main" xmlns:r="http://schemas.openxmlformats.org/officeDocument/2006/relationships" xmlns:p="http://schemas.openxmlformats.org/presentationml/2006/main">
+  <p:cSld>
+    <p:spTree>
+      <p:nvGrpSpPr>
+        <p:cNvPr id="1" name=""/>
+        <p:cNvGrpSpPr/>
+        <p:nvPr/>
+      </p:nvGrpSpPr>
+      <p:grpSpPr>
+        <a:xfrm>
+          <a:off x="0" y="0"/>
+          <a:ext cx="0" cy="0"/>
+          <a:chOff x="0" y="0"/>
+          <a:chExt cx="0" cy="0"/>
+        </a:xfrm>
+      </p:grpSpPr>
+      <p:sp>
+        <p:nvSpPr>
+          <p:cNvPr id="2" name="Titel 1">
+            <a:extLst>
+              <a:ext uri="{FF2B5EF4-FFF2-40B4-BE49-F238E27FC236}">
+                <a16:creationId xmlns:a16="http://schemas.microsoft.com/office/drawing/2014/main" id="{8AE08546-4656-41A0-91C3-1ABE0805174E}"/>
+              </a:ext>
+            </a:extLst>
+          </p:cNvPr>
+          <p:cNvSpPr>
+            <a:spLocks noGrp="1"/>
+          </p:cNvSpPr>
+          <p:nvPr>
+            <p:ph type="title"/>
+          </p:nvPr>
+        </p:nvSpPr>
+        <p:spPr/>
+        <p:txBody>
+          <a:bodyPr/>
+          <a:lstStyle/>
+          <a:p>
+            <a:r>
+              <a:rPr lang="de-DE" dirty="0"/>
+              <a:t>Grundlagen - ITIL  - Rollen im Service Lifecycle – I / I</a:t>
+            </a:r>
+          </a:p>
+        </p:txBody>
+      </p:sp>
+      <p:sp>
+        <p:nvSpPr>
+          <p:cNvPr id="3" name="Inhaltsplatzhalter 2">
+            <a:extLst>
+              <a:ext uri="{FF2B5EF4-FFF2-40B4-BE49-F238E27FC236}">
+                <a16:creationId xmlns:a16="http://schemas.microsoft.com/office/drawing/2014/main" id="{42BFF853-85DA-40F8-A7F0-F9A0A0CD1E24}"/>
+              </a:ext>
+            </a:extLst>
+          </p:cNvPr>
+          <p:cNvSpPr>
+            <a:spLocks noGrp="1"/>
+          </p:cNvSpPr>
+          <p:nvPr>
+            <p:ph idx="1"/>
+          </p:nvPr>
+        </p:nvSpPr>
+        <p:spPr/>
+        <p:txBody>
+          <a:bodyPr/>
+          <a:lstStyle/>
+          <a:p>
+            <a:r>
+              <a:rPr lang="de-DE" dirty="0"/>
+              <a:t>Service </a:t>
+            </a:r>
+            <a:r>
+              <a:rPr lang="de-DE" dirty="0" err="1"/>
+              <a:t>Owner</a:t>
+            </a:r>
+            <a:endParaRPr lang="de-DE" dirty="0"/>
+          </a:p>
+          <a:p>
+            <a:endParaRPr lang="de-DE" dirty="0"/>
+          </a:p>
+          <a:p>
+            <a:r>
+              <a:rPr lang="de-DE" dirty="0" err="1"/>
+              <a:t>Process</a:t>
+            </a:r>
+            <a:r>
+              <a:rPr lang="de-DE" dirty="0"/>
+              <a:t> </a:t>
+            </a:r>
+            <a:r>
+              <a:rPr lang="de-DE" dirty="0" err="1"/>
+              <a:t>Owner</a:t>
+            </a:r>
+            <a:endParaRPr lang="de-DE" dirty="0"/>
+          </a:p>
+          <a:p>
+            <a:endParaRPr lang="de-DE" dirty="0"/>
+          </a:p>
+          <a:p>
+            <a:r>
+              <a:rPr lang="de-DE" dirty="0" err="1"/>
+              <a:t>Process</a:t>
+            </a:r>
+            <a:r>
+              <a:rPr lang="de-DE" dirty="0"/>
+              <a:t> Manager</a:t>
+            </a:r>
+          </a:p>
+          <a:p>
+            <a:endParaRPr lang="de-DE" dirty="0"/>
+          </a:p>
+          <a:p>
+            <a:r>
+              <a:rPr lang="de-DE" dirty="0" err="1"/>
+              <a:t>Process</a:t>
+            </a:r>
+            <a:r>
+              <a:rPr lang="de-DE" dirty="0"/>
+              <a:t> </a:t>
+            </a:r>
+            <a:r>
+              <a:rPr lang="de-DE" dirty="0" err="1"/>
+              <a:t>Practitioner</a:t>
+            </a:r>
+            <a:endParaRPr lang="de-DE" dirty="0"/>
+          </a:p>
+        </p:txBody>
+      </p:sp>
+      <p:sp>
+        <p:nvSpPr>
+          <p:cNvPr id="4" name="Datumsplatzhalter 3">
+            <a:extLst>
+              <a:ext uri="{FF2B5EF4-FFF2-40B4-BE49-F238E27FC236}">
+                <a16:creationId xmlns:a16="http://schemas.microsoft.com/office/drawing/2014/main" id="{5BA5B140-6506-452D-B029-BD0BE2AD9052}"/>
+              </a:ext>
+            </a:extLst>
+          </p:cNvPr>
+          <p:cNvSpPr>
+            <a:spLocks noGrp="1"/>
+          </p:cNvSpPr>
+          <p:nvPr>
+            <p:ph type="dt" sz="half" idx="10"/>
+          </p:nvPr>
+        </p:nvSpPr>
+        <p:spPr/>
+        <p:txBody>
+          <a:bodyPr/>
+          <a:lstStyle/>
+          <a:p>
+            <a:fld id="{E59088F5-CBD1-44C3-809D-45DB2EE2134D}" type="datetime1">
+              <a:rPr lang="de-DE" smtClean="0"/>
+              <a:t>27.06.2021</a:t>
+            </a:fld>
+            <a:endParaRPr lang="de-DE"/>
+          </a:p>
+        </p:txBody>
+      </p:sp>
+      <p:sp>
+        <p:nvSpPr>
+          <p:cNvPr id="5" name="Foliennummernplatzhalter 4">
+            <a:extLst>
+              <a:ext uri="{FF2B5EF4-FFF2-40B4-BE49-F238E27FC236}">
+                <a16:creationId xmlns:a16="http://schemas.microsoft.com/office/drawing/2014/main" id="{8B35FBE7-8B97-4A68-941E-659DD09B7E28}"/>
+              </a:ext>
+            </a:extLst>
+          </p:cNvPr>
+          <p:cNvSpPr>
+            <a:spLocks noGrp="1"/>
+          </p:cNvSpPr>
+          <p:nvPr>
+            <p:ph type="sldNum" sz="quarter" idx="12"/>
+          </p:nvPr>
+        </p:nvSpPr>
+        <p:spPr/>
+        <p:txBody>
+          <a:bodyPr/>
+          <a:lstStyle/>
+          <a:p>
+            <a:fld id="{AE1E1EB3-B919-4771-A43C-7C8BA70B36D7}" type="slidenum">
+              <a:rPr lang="de-DE" smtClean="0"/>
+              <a:t>13</a:t>
+            </a:fld>
+            <a:endParaRPr lang="de-DE"/>
+          </a:p>
+        </p:txBody>
+      </p:sp>
+      <p:sp>
+        <p:nvSpPr>
+          <p:cNvPr id="6" name="Textfeld 5">
+            <a:extLst>
+              <a:ext uri="{FF2B5EF4-FFF2-40B4-BE49-F238E27FC236}">
+                <a16:creationId xmlns:a16="http://schemas.microsoft.com/office/drawing/2014/main" id="{F86DFBBD-DC12-4EBD-92C4-F50CF3D78147}"/>
+              </a:ext>
+            </a:extLst>
+          </p:cNvPr>
+          <p:cNvSpPr txBox="1"/>
+          <p:nvPr/>
+        </p:nvSpPr>
+        <p:spPr>
+          <a:xfrm>
+            <a:off x="10352085" y="5622244"/>
+            <a:ext cx="6094428" cy="369332"/>
+          </a:xfrm>
+          <a:prstGeom prst="rect">
+            <a:avLst/>
+          </a:prstGeom>
+          <a:noFill/>
+        </p:spPr>
+        <p:txBody>
+          <a:bodyPr wrap="square">
+            <a:spAutoFit/>
+          </a:bodyPr>
+          <a:lstStyle/>
+          <a:p>
+            <a:r>
+              <a:rPr lang="de-DE" sz="1800" dirty="0"/>
+              <a:t>[3]</a:t>
+            </a:r>
+            <a:endParaRPr lang="de-DE" dirty="0"/>
+          </a:p>
+        </p:txBody>
+      </p:sp>
+    </p:spTree>
+    <p:extLst>
+      <p:ext uri="{BB962C8B-B14F-4D97-AF65-F5344CB8AC3E}">
+        <p14:creationId xmlns:p14="http://schemas.microsoft.com/office/powerpoint/2010/main" val="2803220665"/>
+      </p:ext>
+    </p:extLst>
+  </p:cSld>
+  <p:clrMapOvr>
+    <a:masterClrMapping/>
+  </p:clrMapOvr>
+</p:sld>
+</file>
+
+<file path=ppt/slides/slide14.xml><?xml version="1.0" encoding="utf-8"?>
+<p:sld xmlns:a="http://schemas.openxmlformats.org/drawingml/2006/main" xmlns:r="http://schemas.openxmlformats.org/officeDocument/2006/relationships" xmlns:p="http://schemas.openxmlformats.org/presentationml/2006/main">
+  <p:cSld>
+    <p:spTree>
+      <p:nvGrpSpPr>
+        <p:cNvPr id="1" name=""/>
+        <p:cNvGrpSpPr/>
+        <p:nvPr/>
+      </p:nvGrpSpPr>
+      <p:grpSpPr>
+        <a:xfrm>
+          <a:off x="0" y="0"/>
+          <a:ext cx="0" cy="0"/>
+          <a:chOff x="0" y="0"/>
+          <a:chExt cx="0" cy="0"/>
+        </a:xfrm>
+      </p:grpSpPr>
+      <p:sp>
+        <p:nvSpPr>
+          <p:cNvPr id="2" name="Titel 1">
+            <a:extLst>
+              <a:ext uri="{FF2B5EF4-FFF2-40B4-BE49-F238E27FC236}">
+                <a16:creationId xmlns:a16="http://schemas.microsoft.com/office/drawing/2014/main" id="{BB08E2D8-5CB5-4306-B254-FE10E6946FC9}"/>
+              </a:ext>
+            </a:extLst>
+          </p:cNvPr>
+          <p:cNvSpPr>
+            <a:spLocks noGrp="1"/>
+          </p:cNvSpPr>
+          <p:nvPr>
+            <p:ph type="title"/>
+          </p:nvPr>
+        </p:nvSpPr>
+        <p:spPr/>
+        <p:txBody>
+          <a:bodyPr/>
+          <a:lstStyle/>
+          <a:p>
+            <a:r>
+              <a:rPr lang="de-DE" dirty="0"/>
+              <a:t>Grundlagen - ITIL  - </a:t>
+            </a:r>
+            <a:r>
+              <a:rPr lang="de-DE" sz="4400" b="0" i="0" u="none" strike="noStrike" baseline="0" dirty="0">
+                <a:latin typeface="LinBiolinumTI"/>
+              </a:rPr>
+              <a:t>Key Performance </a:t>
+            </a:r>
+            <a:r>
+              <a:rPr lang="de-DE" sz="4400" b="0" i="0" u="none" strike="noStrike" baseline="0" dirty="0" err="1">
+                <a:latin typeface="LinBiolinumTI"/>
+              </a:rPr>
+              <a:t>Indicators</a:t>
+            </a:r>
+            <a:br>
+              <a:rPr lang="de-DE" sz="4400" dirty="0">
+                <a:latin typeface="LinBiolinumTI"/>
+              </a:rPr>
+            </a:br>
+            <a:r>
+              <a:rPr lang="de-DE" dirty="0"/>
+              <a:t>– I / I</a:t>
+            </a:r>
+          </a:p>
+        </p:txBody>
+      </p:sp>
+      <p:graphicFrame>
+        <p:nvGraphicFramePr>
+          <p:cNvPr id="7" name="Tabelle 7">
+            <a:extLst>
+              <a:ext uri="{FF2B5EF4-FFF2-40B4-BE49-F238E27FC236}">
+                <a16:creationId xmlns:a16="http://schemas.microsoft.com/office/drawing/2014/main" id="{61BF0E30-6964-4C31-9D44-3EDB8EC7DAEE}"/>
+              </a:ext>
+            </a:extLst>
+          </p:cNvPr>
+          <p:cNvGraphicFramePr>
+            <a:graphicFrameLocks noGrp="1"/>
+          </p:cNvGraphicFramePr>
+          <p:nvPr>
+            <p:ph idx="1"/>
+            <p:extLst>
+              <p:ext uri="{D42A27DB-BD31-4B8C-83A1-F6EECF244321}">
+                <p14:modId xmlns:p14="http://schemas.microsoft.com/office/powerpoint/2010/main" val="3109158604"/>
+              </p:ext>
+            </p:extLst>
+          </p:nvPr>
+        </p:nvGraphicFramePr>
+        <p:xfrm>
+          <a:off x="933254" y="2326736"/>
+          <a:ext cx="10704708" cy="2392680"/>
+        </p:xfrm>
+        <a:graphic>
+          <a:graphicData uri="http://schemas.openxmlformats.org/drawingml/2006/table">
+            <a:tbl>
+              <a:tblPr firstRow="1" bandRow="1">
+                <a:tableStyleId>{00A15C55-8517-42AA-B614-E9B94910E393}</a:tableStyleId>
+              </a:tblPr>
+              <a:tblGrid>
+                <a:gridCol w="5304827">
+                  <a:extLst>
+                    <a:ext uri="{9D8B030D-6E8A-4147-A177-3AD203B41FA5}">
+                      <a16:colId xmlns:a16="http://schemas.microsoft.com/office/drawing/2014/main" val="1850488805"/>
+                    </a:ext>
+                  </a:extLst>
+                </a:gridCol>
+                <a:gridCol w="5399881">
+                  <a:extLst>
+                    <a:ext uri="{9D8B030D-6E8A-4147-A177-3AD203B41FA5}">
+                      <a16:colId xmlns:a16="http://schemas.microsoft.com/office/drawing/2014/main" val="2350616536"/>
+                    </a:ext>
+                  </a:extLst>
+                </a:gridCol>
+              </a:tblGrid>
+              <a:tr h="370840">
+                <a:tc>
+                  <a:txBody>
+                    <a:bodyPr/>
+                    <a:lstStyle/>
+                    <a:p>
+                      <a:r>
+                        <a:rPr lang="de-DE" dirty="0"/>
+                        <a:t>Leistungskennzahlen</a:t>
+                      </a:r>
+                    </a:p>
+                  </a:txBody>
+                  <a:tcPr/>
+                </a:tc>
+                <a:tc>
+                  <a:txBody>
+                    <a:bodyPr/>
+                    <a:lstStyle/>
+                    <a:p>
+                      <a:r>
+                        <a:rPr lang="de-DE" dirty="0"/>
+                        <a:t>Definition</a:t>
+                      </a:r>
+                    </a:p>
+                  </a:txBody>
+                  <a:tcPr/>
+                </a:tc>
+                <a:extLst>
+                  <a:ext uri="{0D108BD9-81ED-4DB2-BD59-A6C34878D82A}">
+                    <a16:rowId xmlns:a16="http://schemas.microsoft.com/office/drawing/2014/main" val="2435024395"/>
+                  </a:ext>
+                </a:extLst>
+              </a:tr>
+              <a:tr h="370840">
+                <a:tc>
+                  <a:txBody>
+                    <a:bodyPr/>
+                    <a:lstStyle/>
+                    <a:p>
+                      <a:r>
+                        <a:rPr lang="de-DE" sz="1800" b="0" i="0" u="none" strike="noStrike" kern="1200" baseline="0" dirty="0">
+                          <a:solidFill>
+                            <a:schemeClr val="dk1"/>
+                          </a:solidFill>
+                          <a:latin typeface="+mn-lt"/>
+                          <a:ea typeface="+mn-ea"/>
+                          <a:cs typeface="+mn-cs"/>
+                        </a:rPr>
+                        <a:t>Anzahl geplanter neuer Services</a:t>
+                      </a:r>
+                      <a:endParaRPr lang="de-DE" dirty="0"/>
+                    </a:p>
+                  </a:txBody>
+                  <a:tcPr/>
+                </a:tc>
+                <a:tc>
+                  <a:txBody>
+                    <a:bodyPr/>
+                    <a:lstStyle/>
+                    <a:p>
+                      <a:r>
+                        <a:rPr lang="de-DE" dirty="0"/>
+                        <a:t>Anzahl neu entwickelter Services, die aufgrund</a:t>
+                      </a:r>
+                    </a:p>
+                    <a:p>
+                      <a:r>
+                        <a:rPr lang="de-DE" dirty="0"/>
+                        <a:t>eines strategischen Reviews initiiert worden sind</a:t>
+                      </a:r>
+                    </a:p>
+                  </a:txBody>
+                  <a:tcPr/>
+                </a:tc>
+                <a:extLst>
+                  <a:ext uri="{0D108BD9-81ED-4DB2-BD59-A6C34878D82A}">
+                    <a16:rowId xmlns:a16="http://schemas.microsoft.com/office/drawing/2014/main" val="4199742375"/>
+                  </a:ext>
+                </a:extLst>
+              </a:tr>
+              <a:tr h="370840">
+                <a:tc>
+                  <a:txBody>
+                    <a:bodyPr/>
+                    <a:lstStyle/>
+                    <a:p>
+                      <a:r>
+                        <a:rPr lang="de-DE" sz="1800" b="0" i="0" u="none" strike="noStrike" kern="1200" baseline="0" dirty="0">
+                          <a:solidFill>
+                            <a:schemeClr val="dk1"/>
+                          </a:solidFill>
+                          <a:latin typeface="+mn-lt"/>
+                          <a:ea typeface="+mn-ea"/>
+                          <a:cs typeface="+mn-cs"/>
+                        </a:rPr>
+                        <a:t>Anzahl von Neukunden</a:t>
+                      </a:r>
+                      <a:endParaRPr lang="de-DE" dirty="0"/>
+                    </a:p>
+                  </a:txBody>
+                  <a:tcPr/>
+                </a:tc>
+                <a:tc>
+                  <a:txBody>
+                    <a:bodyPr/>
+                    <a:lstStyle/>
+                    <a:p>
+                      <a:r>
+                        <a:rPr lang="de-DE" dirty="0"/>
+                        <a:t>Anzahl neu </a:t>
+                      </a:r>
+                      <a:r>
+                        <a:rPr lang="de-DE" sz="1800" b="0" i="0" u="none" strike="noStrike" kern="1200" baseline="0" dirty="0">
+                          <a:solidFill>
+                            <a:schemeClr val="dk1"/>
+                          </a:solidFill>
+                          <a:latin typeface="+mn-lt"/>
+                          <a:ea typeface="+mn-ea"/>
+                          <a:cs typeface="+mn-cs"/>
+                        </a:rPr>
+                        <a:t>gewonnener Kunden</a:t>
+                      </a:r>
+                      <a:endParaRPr lang="de-DE" dirty="0"/>
+                    </a:p>
+                  </a:txBody>
+                  <a:tcPr/>
+                </a:tc>
+                <a:extLst>
+                  <a:ext uri="{0D108BD9-81ED-4DB2-BD59-A6C34878D82A}">
+                    <a16:rowId xmlns:a16="http://schemas.microsoft.com/office/drawing/2014/main" val="2896605828"/>
+                  </a:ext>
+                </a:extLst>
+              </a:tr>
+              <a:tr h="370840">
+                <a:tc>
+                  <a:txBody>
+                    <a:bodyPr/>
+                    <a:lstStyle/>
+                    <a:p>
+                      <a:r>
+                        <a:rPr lang="de-DE" dirty="0"/>
+                        <a:t>Anzahl von </a:t>
+                      </a:r>
+                      <a:r>
+                        <a:rPr lang="de-DE" sz="1800" b="0" i="0" u="none" strike="noStrike" kern="1200" baseline="0" dirty="0">
+                          <a:solidFill>
+                            <a:schemeClr val="dk1"/>
+                          </a:solidFill>
+                          <a:latin typeface="+mn-lt"/>
+                          <a:ea typeface="+mn-ea"/>
+                          <a:cs typeface="+mn-cs"/>
+                        </a:rPr>
+                        <a:t>Kundenbeschwerden</a:t>
+                      </a:r>
+                      <a:endParaRPr lang="de-DE" dirty="0"/>
+                    </a:p>
+                  </a:txBody>
+                  <a:tcPr/>
+                </a:tc>
+                <a:tc>
+                  <a:txBody>
+                    <a:bodyPr/>
+                    <a:lstStyle/>
+                    <a:p>
+                      <a:r>
+                        <a:rPr lang="de-DE" dirty="0"/>
+                        <a:t>Anzahl der e</a:t>
+                      </a:r>
+                      <a:r>
+                        <a:rPr lang="de-DE" sz="1800" b="0" i="0" u="none" strike="noStrike" kern="1200" baseline="0" dirty="0">
+                          <a:solidFill>
+                            <a:schemeClr val="dk1"/>
+                          </a:solidFill>
+                          <a:latin typeface="+mn-lt"/>
+                          <a:ea typeface="+mn-ea"/>
+                          <a:cs typeface="+mn-cs"/>
+                        </a:rPr>
+                        <a:t>ingegangenen Kundenbeschwerden</a:t>
+                      </a:r>
+                      <a:endParaRPr lang="de-DE" dirty="0"/>
+                    </a:p>
+                  </a:txBody>
+                  <a:tcPr/>
+                </a:tc>
+                <a:extLst>
+                  <a:ext uri="{0D108BD9-81ED-4DB2-BD59-A6C34878D82A}">
+                    <a16:rowId xmlns:a16="http://schemas.microsoft.com/office/drawing/2014/main" val="3153931226"/>
+                  </a:ext>
+                </a:extLst>
+              </a:tr>
+              <a:tr h="370840">
+                <a:tc>
+                  <a:txBody>
+                    <a:bodyPr/>
+                    <a:lstStyle/>
+                    <a:p>
+                      <a:r>
+                        <a:rPr lang="de-DE" sz="1800" b="0" i="0" u="none" strike="noStrike" kern="1200" baseline="0" dirty="0">
+                          <a:solidFill>
+                            <a:schemeClr val="dk1"/>
+                          </a:solidFill>
+                          <a:latin typeface="+mn-lt"/>
+                          <a:ea typeface="+mn-ea"/>
+                          <a:cs typeface="+mn-cs"/>
+                        </a:rPr>
+                        <a:t>Einhaltung Projektressourcen</a:t>
+                      </a:r>
+                      <a:endParaRPr lang="de-DE" dirty="0"/>
+                    </a:p>
+                  </a:txBody>
+                  <a:tcPr/>
+                </a:tc>
+                <a:tc>
+                  <a:txBody>
+                    <a:bodyPr/>
+                    <a:lstStyle/>
+                    <a:p>
+                      <a:r>
+                        <a:rPr lang="de-DE" sz="1800" b="0" i="0" u="none" strike="noStrike" kern="1200" baseline="0" dirty="0">
+                          <a:solidFill>
+                            <a:schemeClr val="dk1"/>
+                          </a:solidFill>
+                          <a:latin typeface="+mn-lt"/>
+                          <a:ea typeface="+mn-ea"/>
+                          <a:cs typeface="+mn-cs"/>
+                        </a:rPr>
+                        <a:t>Anteil der Kosten, der die geplanten Projektkosten überschreitet</a:t>
+                      </a:r>
+                      <a:endParaRPr lang="de-DE" dirty="0"/>
+                    </a:p>
+                  </a:txBody>
+                  <a:tcPr/>
+                </a:tc>
+                <a:extLst>
+                  <a:ext uri="{0D108BD9-81ED-4DB2-BD59-A6C34878D82A}">
+                    <a16:rowId xmlns:a16="http://schemas.microsoft.com/office/drawing/2014/main" val="1652869305"/>
+                  </a:ext>
+                </a:extLst>
+              </a:tr>
+            </a:tbl>
+          </a:graphicData>
+        </a:graphic>
+      </p:graphicFrame>
+      <p:sp>
+        <p:nvSpPr>
+          <p:cNvPr id="4" name="Datumsplatzhalter 3">
+            <a:extLst>
+              <a:ext uri="{FF2B5EF4-FFF2-40B4-BE49-F238E27FC236}">
+                <a16:creationId xmlns:a16="http://schemas.microsoft.com/office/drawing/2014/main" id="{928BA913-6D30-486A-A28C-FD49A518D72F}"/>
+              </a:ext>
+            </a:extLst>
+          </p:cNvPr>
+          <p:cNvSpPr>
+            <a:spLocks noGrp="1"/>
+          </p:cNvSpPr>
+          <p:nvPr>
+            <p:ph type="dt" sz="half" idx="10"/>
+          </p:nvPr>
+        </p:nvSpPr>
+        <p:spPr/>
+        <p:txBody>
+          <a:bodyPr/>
+          <a:lstStyle/>
+          <a:p>
+            <a:fld id="{E59088F5-CBD1-44C3-809D-45DB2EE2134D}" type="datetime1">
+              <a:rPr lang="de-DE" smtClean="0"/>
+              <a:t>27.06.2021</a:t>
+            </a:fld>
+            <a:endParaRPr lang="de-DE"/>
+          </a:p>
+        </p:txBody>
+      </p:sp>
+      <p:sp>
+        <p:nvSpPr>
+          <p:cNvPr id="5" name="Foliennummernplatzhalter 4">
+            <a:extLst>
+              <a:ext uri="{FF2B5EF4-FFF2-40B4-BE49-F238E27FC236}">
+                <a16:creationId xmlns:a16="http://schemas.microsoft.com/office/drawing/2014/main" id="{4EFACD9B-DAD6-473D-9701-B89784965F0A}"/>
+              </a:ext>
+            </a:extLst>
+          </p:cNvPr>
+          <p:cNvSpPr>
+            <a:spLocks noGrp="1"/>
+          </p:cNvSpPr>
+          <p:nvPr>
+            <p:ph type="sldNum" sz="quarter" idx="12"/>
+          </p:nvPr>
+        </p:nvSpPr>
+        <p:spPr/>
+        <p:txBody>
+          <a:bodyPr/>
+          <a:lstStyle/>
+          <a:p>
+            <a:fld id="{AE1E1EB3-B919-4771-A43C-7C8BA70B36D7}" type="slidenum">
+              <a:rPr lang="de-DE" smtClean="0"/>
+              <a:t>14</a:t>
+            </a:fld>
+            <a:endParaRPr lang="de-DE"/>
+          </a:p>
+        </p:txBody>
+      </p:sp>
+      <p:sp>
+        <p:nvSpPr>
+          <p:cNvPr id="9" name="Textfeld 8">
+            <a:extLst>
+              <a:ext uri="{FF2B5EF4-FFF2-40B4-BE49-F238E27FC236}">
+                <a16:creationId xmlns:a16="http://schemas.microsoft.com/office/drawing/2014/main" id="{C66515B1-6C96-4080-B426-1C03EC15433A}"/>
+              </a:ext>
+            </a:extLst>
+          </p:cNvPr>
+          <p:cNvSpPr txBox="1"/>
+          <p:nvPr/>
+        </p:nvSpPr>
+        <p:spPr>
+          <a:xfrm>
+            <a:off x="10352085" y="5622244"/>
+            <a:ext cx="6094428" cy="369332"/>
+          </a:xfrm>
+          <a:prstGeom prst="rect">
+            <a:avLst/>
+          </a:prstGeom>
+          <a:noFill/>
+        </p:spPr>
+        <p:txBody>
+          <a:bodyPr wrap="square">
+            <a:spAutoFit/>
+          </a:bodyPr>
+          <a:lstStyle/>
+          <a:p>
+            <a:r>
+              <a:rPr lang="de-DE" sz="1800" dirty="0"/>
+              <a:t>[3]</a:t>
+            </a:r>
+            <a:endParaRPr lang="de-DE" dirty="0"/>
+          </a:p>
+        </p:txBody>
+      </p:sp>
+    </p:spTree>
+    <p:extLst>
+      <p:ext uri="{BB962C8B-B14F-4D97-AF65-F5344CB8AC3E}">
+        <p14:creationId xmlns:p14="http://schemas.microsoft.com/office/powerpoint/2010/main" val="2057272643"/>
+      </p:ext>
+    </p:extLst>
+  </p:cSld>
+  <p:clrMapOvr>
+    <a:masterClrMapping/>
+  </p:clrMapOvr>
+</p:sld>
+</file>
+
+<file path=ppt/slides/slide15.xml><?xml version="1.0" encoding="utf-8"?>
+<p:sld xmlns:a="http://schemas.openxmlformats.org/drawingml/2006/main" xmlns:r="http://schemas.openxmlformats.org/officeDocument/2006/relationships" xmlns:p="http://schemas.openxmlformats.org/presentationml/2006/main">
+  <p:cSld>
+    <p:spTree>
+      <p:nvGrpSpPr>
+        <p:cNvPr id="1" name=""/>
+        <p:cNvGrpSpPr/>
+        <p:nvPr/>
+      </p:nvGrpSpPr>
+      <p:grpSpPr>
+        <a:xfrm>
+          <a:off x="0" y="0"/>
+          <a:ext cx="0" cy="0"/>
+          <a:chOff x="0" y="0"/>
+          <a:chExt cx="0" cy="0"/>
+        </a:xfrm>
+      </p:grpSpPr>
+      <p:sp>
+        <p:nvSpPr>
+          <p:cNvPr id="2" name="Titel 1">
+            <a:extLst>
+              <a:ext uri="{FF2B5EF4-FFF2-40B4-BE49-F238E27FC236}">
+                <a16:creationId xmlns:a16="http://schemas.microsoft.com/office/drawing/2014/main" id="{ABD9C354-CB9B-42BC-8181-548A84ECFB93}"/>
+              </a:ext>
+            </a:extLst>
+          </p:cNvPr>
+          <p:cNvSpPr>
+            <a:spLocks noGrp="1"/>
+          </p:cNvSpPr>
+          <p:nvPr>
+            <p:ph type="title"/>
+          </p:nvPr>
+        </p:nvSpPr>
+        <p:spPr/>
+        <p:txBody>
+          <a:bodyPr/>
+          <a:lstStyle/>
+          <a:p>
+            <a:r>
+              <a:rPr lang="de-DE" dirty="0"/>
+              <a:t>Quellen </a:t>
+            </a:r>
+          </a:p>
+        </p:txBody>
+      </p:sp>
+      <p:sp>
+        <p:nvSpPr>
+          <p:cNvPr id="3" name="Inhaltsplatzhalter 2">
+            <a:extLst>
+              <a:ext uri="{FF2B5EF4-FFF2-40B4-BE49-F238E27FC236}">
+                <a16:creationId xmlns:a16="http://schemas.microsoft.com/office/drawing/2014/main" id="{AE8F722F-FFD7-4991-8F89-2128AE86C8B1}"/>
+              </a:ext>
+            </a:extLst>
+          </p:cNvPr>
+          <p:cNvSpPr>
+            <a:spLocks noGrp="1"/>
+          </p:cNvSpPr>
+          <p:nvPr>
+            <p:ph idx="1"/>
+          </p:nvPr>
+        </p:nvSpPr>
+        <p:spPr/>
+        <p:txBody>
+          <a:bodyPr/>
+          <a:lstStyle/>
+          <a:p>
+            <a:pPr marL="0" indent="0" algn="l">
+              <a:buNone/>
+            </a:pPr>
+            <a:r>
+              <a:rPr lang="de-DE" sz="1800" dirty="0">
+                <a:latin typeface="LinLibertineT"/>
+              </a:rPr>
+              <a:t>[1] </a:t>
+            </a:r>
+            <a:r>
+              <a:rPr lang="de-DE" sz="1800" b="0" i="0" u="none" strike="noStrike" baseline="0" dirty="0">
+                <a:latin typeface="LinLibertineT"/>
+              </a:rPr>
+              <a:t>https://www.duden.de/rechtschreibung/Qualitaet, Zugriff: 12.06.2021</a:t>
+            </a:r>
+          </a:p>
+          <a:p>
+            <a:pPr marL="0" indent="0" algn="l">
+              <a:buNone/>
+            </a:pPr>
+            <a:r>
+              <a:rPr lang="de-DE" sz="1800" dirty="0">
+                <a:latin typeface="LinLibertineT"/>
+              </a:rPr>
+              <a:t>[2] </a:t>
+            </a:r>
+            <a:r>
+              <a:rPr lang="de-DE" sz="1800" b="0" i="0" u="none" strike="noStrike" baseline="0" dirty="0">
+                <a:latin typeface="LinLibertineT"/>
+              </a:rPr>
+              <a:t>http://wirtschaftslexikon24.com/d/qualitaet/qualitaet.htm, Zugriff: 12.06.2021</a:t>
+            </a:r>
+          </a:p>
+          <a:p>
+            <a:pPr marL="0" indent="0">
+              <a:buNone/>
+            </a:pPr>
+            <a:r>
+              <a:rPr lang="de-DE" sz="1800" dirty="0">
+                <a:latin typeface="LinLibertineT"/>
+              </a:rPr>
+              <a:t>[3] </a:t>
+            </a:r>
+            <a:r>
+              <a:rPr lang="de-DE" sz="1800" b="0" i="0" u="none" strike="noStrike" baseline="0" dirty="0">
+                <a:latin typeface="LinLibertineT"/>
+              </a:rPr>
+              <a:t>Martin </a:t>
+            </a:r>
+            <a:r>
+              <a:rPr lang="de-DE" sz="1800" b="0" i="0" u="none" strike="noStrike" baseline="0" dirty="0" err="1">
+                <a:latin typeface="LinLibertineT"/>
+              </a:rPr>
+              <a:t>Beims</a:t>
+            </a:r>
+            <a:r>
+              <a:rPr lang="de-DE" sz="1800" b="0" i="0" u="none" strike="noStrike" baseline="0" dirty="0">
+                <a:latin typeface="LinLibertineT"/>
+              </a:rPr>
+              <a:t> and Michael Ziegenbein. 2015. </a:t>
+            </a:r>
+            <a:r>
+              <a:rPr lang="de-DE" sz="1800" b="0" i="0" u="none" strike="noStrike" baseline="0" dirty="0">
+                <a:latin typeface="LinLibertineTI"/>
+              </a:rPr>
+              <a:t>IT-Service-Management in der Praxis mit ITIL: Der Einsatz von ITIL Edition 2011, ISO/IEC 20000:2011, COBIT 5 und PRINCE2 </a:t>
+            </a:r>
+            <a:r>
+              <a:rPr lang="de-DE" sz="1800" b="0" i="0" u="none" strike="noStrike" baseline="0" dirty="0">
+                <a:latin typeface="LinLibertineT"/>
+              </a:rPr>
+              <a:t>(4., überarbeitete und erweiterte </a:t>
+            </a:r>
+            <a:r>
+              <a:rPr lang="de-DE" sz="1800" b="0" i="0" u="none" strike="noStrike" baseline="0" dirty="0" err="1">
+                <a:latin typeface="LinLibertineT"/>
+              </a:rPr>
+              <a:t>auflage</a:t>
+            </a:r>
+            <a:r>
+              <a:rPr lang="de-DE" sz="1800" b="0" i="0" u="none" strike="noStrike" baseline="0" dirty="0">
+                <a:latin typeface="LinLibertineT"/>
+              </a:rPr>
+              <a:t> </a:t>
+            </a:r>
+            <a:r>
+              <a:rPr lang="de-DE" sz="1800" b="0" i="0" u="none" strike="noStrike" baseline="0" dirty="0" err="1">
+                <a:latin typeface="LinLibertineT"/>
+              </a:rPr>
+              <a:t>ed</a:t>
+            </a:r>
+            <a:r>
+              <a:rPr lang="de-DE" sz="1800" b="0" i="0" u="none" strike="noStrike" baseline="0" dirty="0">
+                <a:latin typeface="LinLibertineT"/>
+              </a:rPr>
+              <a:t>.). Hanser, München.</a:t>
+            </a:r>
+          </a:p>
+          <a:p>
+            <a:pPr marL="0" indent="0" algn="l">
+              <a:buNone/>
+            </a:pPr>
+            <a:r>
+              <a:rPr lang="de-DE" sz="1800" dirty="0">
+                <a:latin typeface="LinLibertineT"/>
+              </a:rPr>
+              <a:t>[4] </a:t>
+            </a:r>
+            <a:r>
+              <a:rPr lang="de-DE" sz="1800" b="0" i="0" u="none" strike="noStrike" baseline="0" dirty="0">
+                <a:latin typeface="LinLibertineT"/>
+              </a:rPr>
+              <a:t>https://www.iso.org/standard/51986.html, Zugriff: 31.05.2021</a:t>
+            </a:r>
+          </a:p>
+          <a:p>
+            <a:pPr marL="0" indent="0" algn="l">
+              <a:buNone/>
+            </a:pPr>
+            <a:r>
+              <a:rPr lang="de-DE" sz="1800" dirty="0">
+                <a:latin typeface="LinLibertineT"/>
+              </a:rPr>
+              <a:t>[5] </a:t>
+            </a:r>
+            <a:r>
+              <a:rPr lang="de-DE" sz="1800" b="0" i="0" u="none" strike="noStrike" baseline="0" dirty="0">
+                <a:latin typeface="LinLibertineT"/>
+              </a:rPr>
+              <a:t>https://www.ibm.com/cloud/learn/it-service-managementtoc-what-is-it-CCWD9gs4, Zugriff: 31.05.2021</a:t>
+            </a:r>
+          </a:p>
+          <a:p>
+            <a:pPr marL="0" indent="0">
+              <a:buNone/>
+            </a:pPr>
+            <a:r>
+              <a:rPr lang="de-DE" sz="1800" dirty="0">
+                <a:latin typeface="LinLibertineT"/>
+              </a:rPr>
+              <a:t>[6] Karl-Michael Gauch. 22.03.2021. IT-Management: Einführung</a:t>
+            </a:r>
+          </a:p>
+          <a:p>
+            <a:pPr marL="0" indent="0">
+              <a:buNone/>
+            </a:pPr>
+            <a:r>
+              <a:rPr lang="de-DE" sz="1800" dirty="0">
+                <a:latin typeface="LinLibertineT"/>
+              </a:rPr>
+              <a:t>[7] </a:t>
+            </a:r>
+            <a:r>
+              <a:rPr lang="en-US" sz="1800" b="0" i="0" u="none" strike="noStrike" baseline="0" dirty="0">
+                <a:latin typeface="LinLibertineT"/>
+              </a:rPr>
+              <a:t>Karl-Michael </a:t>
+            </a:r>
+            <a:r>
+              <a:rPr lang="en-US" sz="1800" b="0" i="0" u="none" strike="noStrike" baseline="0" dirty="0" err="1">
+                <a:latin typeface="LinLibertineT"/>
+              </a:rPr>
+              <a:t>Gauch</a:t>
+            </a:r>
+            <a:r>
+              <a:rPr lang="en-US" sz="1800" b="0" i="0" u="none" strike="noStrike" baseline="0" dirty="0">
+                <a:latin typeface="LinLibertineT"/>
+              </a:rPr>
+              <a:t>. 24.03.2021. IT-Management: Introduction to ITIL.</a:t>
+            </a:r>
+            <a:endParaRPr lang="de-DE" sz="1800" dirty="0">
+              <a:latin typeface="LinLibertineT"/>
+            </a:endParaRPr>
+          </a:p>
+          <a:p>
+            <a:pPr marL="0" indent="0" algn="l">
+              <a:buNone/>
+            </a:pPr>
+            <a:endParaRPr lang="de-DE" sz="1800" b="0" i="0" u="none" strike="noStrike" baseline="0" dirty="0">
+              <a:latin typeface="LinLibertineT"/>
+            </a:endParaRPr>
+          </a:p>
+          <a:p>
+            <a:pPr marL="0" indent="0" algn="l">
+              <a:buNone/>
+            </a:pPr>
+            <a:endParaRPr lang="de-DE" dirty="0"/>
+          </a:p>
+        </p:txBody>
+      </p:sp>
+      <p:sp>
+        <p:nvSpPr>
+          <p:cNvPr id="4" name="Datumsplatzhalter 3">
+            <a:extLst>
+              <a:ext uri="{FF2B5EF4-FFF2-40B4-BE49-F238E27FC236}">
+                <a16:creationId xmlns:a16="http://schemas.microsoft.com/office/drawing/2014/main" id="{F2C165A7-AC1A-41F2-9717-6DCF639AB481}"/>
+              </a:ext>
+            </a:extLst>
+          </p:cNvPr>
+          <p:cNvSpPr>
+            <a:spLocks noGrp="1"/>
+          </p:cNvSpPr>
+          <p:nvPr>
+            <p:ph type="dt" sz="half" idx="10"/>
+          </p:nvPr>
+        </p:nvSpPr>
+        <p:spPr/>
+        <p:txBody>
+          <a:bodyPr/>
+          <a:lstStyle/>
+          <a:p>
+            <a:fld id="{E59088F5-CBD1-44C3-809D-45DB2EE2134D}" type="datetime1">
+              <a:rPr lang="de-DE" smtClean="0"/>
+              <a:t>27.06.2021</a:t>
+            </a:fld>
+            <a:endParaRPr lang="de-DE"/>
+          </a:p>
+        </p:txBody>
+      </p:sp>
+      <p:sp>
+        <p:nvSpPr>
+          <p:cNvPr id="5" name="Foliennummernplatzhalter 4">
+            <a:extLst>
+              <a:ext uri="{FF2B5EF4-FFF2-40B4-BE49-F238E27FC236}">
+                <a16:creationId xmlns:a16="http://schemas.microsoft.com/office/drawing/2014/main" id="{678C662F-8E4D-4CE5-BD57-B0DAAEBAE021}"/>
+              </a:ext>
+            </a:extLst>
+          </p:cNvPr>
+          <p:cNvSpPr>
+            <a:spLocks noGrp="1"/>
+          </p:cNvSpPr>
+          <p:nvPr>
+            <p:ph type="sldNum" sz="quarter" idx="12"/>
+          </p:nvPr>
+        </p:nvSpPr>
+        <p:spPr/>
+        <p:txBody>
+          <a:bodyPr/>
+          <a:lstStyle/>
+          <a:p>
+            <a:fld id="{AE1E1EB3-B919-4771-A43C-7C8BA70B36D7}" type="slidenum">
+              <a:rPr lang="de-DE" smtClean="0"/>
+              <a:t>15</a:t>
+            </a:fld>
+            <a:endParaRPr lang="de-DE"/>
+          </a:p>
+        </p:txBody>
+      </p:sp>
+    </p:spTree>
+    <p:extLst>
+      <p:ext uri="{BB962C8B-B14F-4D97-AF65-F5344CB8AC3E}">
+        <p14:creationId xmlns:p14="http://schemas.microsoft.com/office/powerpoint/2010/main" val="3538321384"/>
+      </p:ext>
+    </p:extLst>
+  </p:cSld>
+  <p:clrMapOvr>
+    <a:masterClrMapping/>
+  </p:clrMapOvr>
+</p:sld>
+</file>
+
 <file path=ppt/slides/slide2.xml><?xml version="1.0" encoding="utf-8"?>
 <p:sld xmlns:a="http://schemas.openxmlformats.org/drawingml/2006/main" xmlns:r="http://schemas.openxmlformats.org/officeDocument/2006/relationships" xmlns:p="http://schemas.openxmlformats.org/presentationml/2006/main">
   <p:cSld>
@@ -10919,7 +16023,7 @@
           <a:p>
             <a:r>
               <a:rPr lang="de-DE" dirty="0"/>
-              <a:t>Qualität und IT Management I</a:t>
+              <a:t>Qualität und IT Management I / V</a:t>
             </a:r>
           </a:p>
         </p:txBody>
@@ -10942,7 +16046,9 @@
         </p:nvSpPr>
         <p:spPr/>
         <p:txBody>
-          <a:bodyPr/>
+          <a:bodyPr>
+            <a:normAutofit lnSpcReduction="10000"/>
+          </a:bodyPr>
           <a:lstStyle/>
           <a:p>
             <a:pPr marL="0" indent="0" algn="l">
@@ -11015,6 +16121,14 @@
             <a:pPr marL="0" indent="0" algn="l">
               <a:buNone/>
             </a:pPr>
+            <a:r>
+              <a:rPr lang="de-DE" dirty="0"/>
+              <a:t>											</a:t>
+            </a:r>
+            <a:r>
+              <a:rPr lang="de-DE" sz="1600" dirty="0"/>
+              <a:t>[1], [2]</a:t>
+            </a:r>
             <a:endParaRPr lang="de-DE" dirty="0"/>
           </a:p>
         </p:txBody>
@@ -11130,7 +16244,7 @@
           <a:p>
             <a:r>
               <a:rPr lang="de-DE" dirty="0"/>
-              <a:t>Qualität und IT Management II</a:t>
+              <a:t>Qualität und IT Management II / V</a:t>
             </a:r>
           </a:p>
         </p:txBody>
@@ -11221,6 +16335,42 @@
           </a:graphicData>
         </a:graphic>
       </p:graphicFrame>
+      <p:sp>
+        <p:nvSpPr>
+          <p:cNvPr id="7" name="Textfeld 6">
+            <a:extLst>
+              <a:ext uri="{FF2B5EF4-FFF2-40B4-BE49-F238E27FC236}">
+                <a16:creationId xmlns:a16="http://schemas.microsoft.com/office/drawing/2014/main" id="{0CA8D214-63EF-4926-B9A4-F0E3F4080A4A}"/>
+              </a:ext>
+            </a:extLst>
+          </p:cNvPr>
+          <p:cNvSpPr txBox="1"/>
+          <p:nvPr/>
+        </p:nvSpPr>
+        <p:spPr>
+          <a:xfrm>
+            <a:off x="10381268" y="5622244"/>
+            <a:ext cx="6094428" cy="369332"/>
+          </a:xfrm>
+          <a:prstGeom prst="rect">
+            <a:avLst/>
+          </a:prstGeom>
+          <a:noFill/>
+        </p:spPr>
+        <p:txBody>
+          <a:bodyPr wrap="square">
+            <a:spAutoFit/>
+          </a:bodyPr>
+          <a:lstStyle/>
+          <a:p>
+            <a:r>
+              <a:rPr lang="de-DE" sz="1800" dirty="0"/>
+              <a:t>[3]</a:t>
+            </a:r>
+            <a:endParaRPr lang="de-DE" dirty="0"/>
+          </a:p>
+        </p:txBody>
+      </p:sp>
     </p:spTree>
     <p:extLst>
       <p:ext uri="{BB962C8B-B14F-4D97-AF65-F5344CB8AC3E}">
@@ -11274,7 +16424,7 @@
           <a:p>
             <a:r>
               <a:rPr lang="de-DE" dirty="0"/>
-              <a:t>Qualität und IT Management III</a:t>
+              <a:t>Qualität und IT Management III / V</a:t>
             </a:r>
           </a:p>
         </p:txBody>
@@ -11392,6 +16542,50 @@
           </a:graphicData>
         </a:graphic>
       </p:graphicFrame>
+      <p:sp>
+        <p:nvSpPr>
+          <p:cNvPr id="7" name="Textfeld 6">
+            <a:extLst>
+              <a:ext uri="{FF2B5EF4-FFF2-40B4-BE49-F238E27FC236}">
+                <a16:creationId xmlns:a16="http://schemas.microsoft.com/office/drawing/2014/main" id="{8F5B479B-3DB8-40DB-812B-3E7DBA19FFBB}"/>
+              </a:ext>
+            </a:extLst>
+          </p:cNvPr>
+          <p:cNvSpPr txBox="1"/>
+          <p:nvPr/>
+        </p:nvSpPr>
+        <p:spPr>
+          <a:xfrm>
+            <a:off x="10352085" y="5622244"/>
+            <a:ext cx="6094428" cy="369332"/>
+          </a:xfrm>
+          <a:prstGeom prst="rect">
+            <a:avLst/>
+          </a:prstGeom>
+          <a:noFill/>
+        </p:spPr>
+        <p:txBody>
+          <a:bodyPr wrap="square">
+            <a:spAutoFit/>
+          </a:bodyPr>
+          <a:lstStyle/>
+          <a:p>
+            <a:r>
+              <a:rPr lang="de-DE" sz="1800" dirty="0"/>
+              <a:t>[</a:t>
+            </a:r>
+            <a:r>
+              <a:rPr lang="de-DE" dirty="0"/>
+              <a:t>3</a:t>
+            </a:r>
+            <a:r>
+              <a:rPr lang="de-DE" sz="1800" dirty="0"/>
+              <a:t>],[4],[5]</a:t>
+            </a:r>
+            <a:endParaRPr lang="de-DE" dirty="0"/>
+          </a:p>
+        </p:txBody>
+      </p:sp>
     </p:spTree>
     <p:extLst>
       <p:ext uri="{BB962C8B-B14F-4D97-AF65-F5344CB8AC3E}">
@@ -11445,7 +16639,7 @@
           <a:p>
             <a:r>
               <a:rPr lang="de-DE" dirty="0"/>
-              <a:t>Qualität und IT Management IV - ITSM </a:t>
+              <a:t>Qualität und IT Management - ITSM - IV / V </a:t>
             </a:r>
           </a:p>
         </p:txBody>
@@ -11570,6 +16764,42 @@
               <a:t>7</a:t>
             </a:fld>
             <a:endParaRPr lang="de-DE"/>
+          </a:p>
+        </p:txBody>
+      </p:sp>
+      <p:sp>
+        <p:nvSpPr>
+          <p:cNvPr id="6" name="Textfeld 5">
+            <a:extLst>
+              <a:ext uri="{FF2B5EF4-FFF2-40B4-BE49-F238E27FC236}">
+                <a16:creationId xmlns:a16="http://schemas.microsoft.com/office/drawing/2014/main" id="{82473EDE-0D8C-4AC5-B39A-3D9733A1FD09}"/>
+              </a:ext>
+            </a:extLst>
+          </p:cNvPr>
+          <p:cNvSpPr txBox="1"/>
+          <p:nvPr/>
+        </p:nvSpPr>
+        <p:spPr>
+          <a:xfrm>
+            <a:off x="10352085" y="5622244"/>
+            <a:ext cx="6094428" cy="369332"/>
+          </a:xfrm>
+          <a:prstGeom prst="rect">
+            <a:avLst/>
+          </a:prstGeom>
+          <a:noFill/>
+        </p:spPr>
+        <p:txBody>
+          <a:bodyPr wrap="square">
+            <a:spAutoFit/>
+          </a:bodyPr>
+          <a:lstStyle/>
+          <a:p>
+            <a:r>
+              <a:rPr lang="de-DE" sz="1800" dirty="0"/>
+              <a:t>[5]</a:t>
+            </a:r>
+            <a:endParaRPr lang="de-DE" dirty="0"/>
           </a:p>
         </p:txBody>
       </p:sp>
@@ -11621,12 +16851,14 @@
         </p:nvSpPr>
         <p:spPr/>
         <p:txBody>
-          <a:bodyPr/>
+          <a:bodyPr>
+            <a:normAutofit/>
+          </a:bodyPr>
           <a:lstStyle/>
           <a:p>
             <a:r>
-              <a:rPr lang="de-DE" dirty="0"/>
-              <a:t>Qualität und IT Management V – ITSM und ITIL</a:t>
+              <a:rPr lang="de-DE" sz="4000" dirty="0"/>
+              <a:t>Qualität und IT Management – ITSM und ITIL - V / V </a:t>
             </a:r>
           </a:p>
         </p:txBody>
@@ -11779,6 +17011,42 @@
               <a:t>8</a:t>
             </a:fld>
             <a:endParaRPr lang="de-DE"/>
+          </a:p>
+        </p:txBody>
+      </p:sp>
+      <p:sp>
+        <p:nvSpPr>
+          <p:cNvPr id="6" name="Textfeld 5">
+            <a:extLst>
+              <a:ext uri="{FF2B5EF4-FFF2-40B4-BE49-F238E27FC236}">
+                <a16:creationId xmlns:a16="http://schemas.microsoft.com/office/drawing/2014/main" id="{27DD1CE1-75D3-46EF-AD21-96695F0F27CF}"/>
+              </a:ext>
+            </a:extLst>
+          </p:cNvPr>
+          <p:cNvSpPr txBox="1"/>
+          <p:nvPr/>
+        </p:nvSpPr>
+        <p:spPr>
+          <a:xfrm>
+            <a:off x="10352085" y="5622244"/>
+            <a:ext cx="6094428" cy="369332"/>
+          </a:xfrm>
+          <a:prstGeom prst="rect">
+            <a:avLst/>
+          </a:prstGeom>
+          <a:noFill/>
+        </p:spPr>
+        <p:txBody>
+          <a:bodyPr wrap="square">
+            <a:spAutoFit/>
+          </a:bodyPr>
+          <a:lstStyle/>
+          <a:p>
+            <a:r>
+              <a:rPr lang="de-DE" sz="1800" dirty="0"/>
+              <a:t>[3],[6]</a:t>
+            </a:r>
+            <a:endParaRPr lang="de-DE" dirty="0"/>
           </a:p>
         </p:txBody>
       </p:sp>
@@ -11817,7 +17085,7 @@
           <p:cNvPr id="2" name="Titel 1">
             <a:extLst>
               <a:ext uri="{FF2B5EF4-FFF2-40B4-BE49-F238E27FC236}">
-                <a16:creationId xmlns:a16="http://schemas.microsoft.com/office/drawing/2014/main" id="{780AD03F-F580-4593-AEB0-EE3CEC81E5B3}"/>
+                <a16:creationId xmlns:a16="http://schemas.microsoft.com/office/drawing/2014/main" id="{659AFE8C-9DF8-4C71-9B2C-5F387F66CE03}"/>
               </a:ext>
             </a:extLst>
           </p:cNvPr>
@@ -11835,42 +17103,48 @@
           <a:p>
             <a:r>
               <a:rPr lang="de-DE" dirty="0"/>
-              <a:t>Grundlagen - ITIL I</a:t>
+              <a:t>Grundlagen - ITIL I / II</a:t>
             </a:r>
           </a:p>
         </p:txBody>
       </p:sp>
-      <p:sp>
-        <p:nvSpPr>
-          <p:cNvPr id="3" name="Inhaltsplatzhalter 2">
+      <p:graphicFrame>
+        <p:nvGraphicFramePr>
+          <p:cNvPr id="6" name="Inhaltsplatzhalter 5">
             <a:extLst>
               <a:ext uri="{FF2B5EF4-FFF2-40B4-BE49-F238E27FC236}">
-                <a16:creationId xmlns:a16="http://schemas.microsoft.com/office/drawing/2014/main" id="{AFF254F4-82A2-4E31-9729-727C2ACF0A9B}"/>
+                <a16:creationId xmlns:a16="http://schemas.microsoft.com/office/drawing/2014/main" id="{A19526E4-5DB4-455A-97C5-C742C74C3FA6}"/>
               </a:ext>
             </a:extLst>
           </p:cNvPr>
-          <p:cNvSpPr>
-            <a:spLocks noGrp="1"/>
-          </p:cNvSpPr>
+          <p:cNvGraphicFramePr>
+            <a:graphicFrameLocks noGrp="1"/>
+          </p:cNvGraphicFramePr>
           <p:nvPr>
             <p:ph idx="1"/>
+            <p:extLst>
+              <p:ext uri="{D42A27DB-BD31-4B8C-83A1-F6EECF244321}">
+                <p14:modId xmlns:p14="http://schemas.microsoft.com/office/powerpoint/2010/main" val="3738597754"/>
+              </p:ext>
+            </p:extLst>
           </p:nvPr>
-        </p:nvSpPr>
-        <p:spPr/>
-        <p:txBody>
-          <a:bodyPr/>
-          <a:lstStyle/>
-          <a:p>
-            <a:endParaRPr lang="de-DE" dirty="0"/>
-          </a:p>
-        </p:txBody>
-      </p:sp>
+        </p:nvGraphicFramePr>
+        <p:xfrm>
+          <a:off x="838200" y="1817688"/>
+          <a:ext cx="10799763" cy="4351337"/>
+        </p:xfrm>
+        <a:graphic>
+          <a:graphicData uri="http://schemas.openxmlformats.org/drawingml/2006/diagram">
+            <dgm:relIds xmlns:dgm="http://schemas.openxmlformats.org/drawingml/2006/diagram" xmlns:r="http://schemas.openxmlformats.org/officeDocument/2006/relationships" r:dm="rId2" r:lo="rId3" r:qs="rId4" r:cs="rId5"/>
+          </a:graphicData>
+        </a:graphic>
+      </p:graphicFrame>
       <p:sp>
         <p:nvSpPr>
           <p:cNvPr id="4" name="Datumsplatzhalter 3">
             <a:extLst>
               <a:ext uri="{FF2B5EF4-FFF2-40B4-BE49-F238E27FC236}">
-                <a16:creationId xmlns:a16="http://schemas.microsoft.com/office/drawing/2014/main" id="{7A5C2B4C-5C35-49B6-BA78-D1CC21575909}"/>
+                <a16:creationId xmlns:a16="http://schemas.microsoft.com/office/drawing/2014/main" id="{244B0906-4041-4E9E-8AF8-05DCBE953DD8}"/>
               </a:ext>
             </a:extLst>
           </p:cNvPr>
@@ -11899,7 +17173,7 @@
           <p:cNvPr id="5" name="Foliennummernplatzhalter 4">
             <a:extLst>
               <a:ext uri="{FF2B5EF4-FFF2-40B4-BE49-F238E27FC236}">
-                <a16:creationId xmlns:a16="http://schemas.microsoft.com/office/drawing/2014/main" id="{7AF583B8-41B8-471D-8761-CA5938370AD1}"/>
+                <a16:creationId xmlns:a16="http://schemas.microsoft.com/office/drawing/2014/main" id="{8DEA8EE8-D7D1-42FD-825C-3C761176587E}"/>
               </a:ext>
             </a:extLst>
           </p:cNvPr>
@@ -11923,10 +17197,46 @@
           </a:p>
         </p:txBody>
       </p:sp>
+      <p:sp>
+        <p:nvSpPr>
+          <p:cNvPr id="7" name="Textfeld 6">
+            <a:extLst>
+              <a:ext uri="{FF2B5EF4-FFF2-40B4-BE49-F238E27FC236}">
+                <a16:creationId xmlns:a16="http://schemas.microsoft.com/office/drawing/2014/main" id="{7D523A8E-1D91-47E7-A7A1-8746A6645512}"/>
+              </a:ext>
+            </a:extLst>
+          </p:cNvPr>
+          <p:cNvSpPr txBox="1"/>
+          <p:nvPr/>
+        </p:nvSpPr>
+        <p:spPr>
+          <a:xfrm>
+            <a:off x="10352085" y="5622244"/>
+            <a:ext cx="6094428" cy="369332"/>
+          </a:xfrm>
+          <a:prstGeom prst="rect">
+            <a:avLst/>
+          </a:prstGeom>
+          <a:noFill/>
+        </p:spPr>
+        <p:txBody>
+          <a:bodyPr wrap="square">
+            <a:spAutoFit/>
+          </a:bodyPr>
+          <a:lstStyle/>
+          <a:p>
+            <a:r>
+              <a:rPr lang="de-DE" sz="1800" dirty="0"/>
+              <a:t>[3],[7]</a:t>
+            </a:r>
+            <a:endParaRPr lang="de-DE" dirty="0"/>
+          </a:p>
+        </p:txBody>
+      </p:sp>
     </p:spTree>
     <p:extLst>
       <p:ext uri="{BB962C8B-B14F-4D97-AF65-F5344CB8AC3E}">
-        <p14:creationId xmlns:p14="http://schemas.microsoft.com/office/powerpoint/2010/main" val="1025619684"/>
+        <p14:creationId xmlns:p14="http://schemas.microsoft.com/office/powerpoint/2010/main" val="3824863925"/>
       </p:ext>
     </p:extLst>
   </p:cSld>

--- a/LaraKrautmacher_RenéWiskow_ElenaKirsch_ITManagement.pptx
+++ b/LaraKrautmacher_RenéWiskow_ElenaKirsch_ITManagement.pptx
@@ -5,10 +5,10 @@
     <p:sldMasterId id="2147483648" r:id="rId1"/>
   </p:sldMasterIdLst>
   <p:notesMasterIdLst>
-    <p:notesMasterId r:id="rId17"/>
+    <p:notesMasterId r:id="rId34"/>
   </p:notesMasterIdLst>
   <p:handoutMasterIdLst>
-    <p:handoutMasterId r:id="rId18"/>
+    <p:handoutMasterId r:id="rId35"/>
   </p:handoutMasterIdLst>
   <p:sldIdLst>
     <p:sldId id="256" r:id="rId2"/>
@@ -25,7 +25,24 @@
     <p:sldId id="269" r:id="rId13"/>
     <p:sldId id="270" r:id="rId14"/>
     <p:sldId id="271" r:id="rId15"/>
-    <p:sldId id="272" r:id="rId16"/>
+    <p:sldId id="273" r:id="rId16"/>
+    <p:sldId id="274" r:id="rId17"/>
+    <p:sldId id="275" r:id="rId18"/>
+    <p:sldId id="276" r:id="rId19"/>
+    <p:sldId id="277" r:id="rId20"/>
+    <p:sldId id="278" r:id="rId21"/>
+    <p:sldId id="279" r:id="rId22"/>
+    <p:sldId id="280" r:id="rId23"/>
+    <p:sldId id="281" r:id="rId24"/>
+    <p:sldId id="282" r:id="rId25"/>
+    <p:sldId id="283" r:id="rId26"/>
+    <p:sldId id="284" r:id="rId27"/>
+    <p:sldId id="285" r:id="rId28"/>
+    <p:sldId id="286" r:id="rId29"/>
+    <p:sldId id="287" r:id="rId30"/>
+    <p:sldId id="289" r:id="rId31"/>
+    <p:sldId id="290" r:id="rId32"/>
+    <p:sldId id="272" r:id="rId33"/>
   </p:sldIdLst>
   <p:sldSz cx="12192000" cy="6858000"/>
   <p:notesSz cx="6858000" cy="9144000"/>
@@ -143,6 +160,23 @@
             <p14:sldId id="269"/>
             <p14:sldId id="270"/>
             <p14:sldId id="271"/>
+            <p14:sldId id="273"/>
+            <p14:sldId id="274"/>
+            <p14:sldId id="275"/>
+            <p14:sldId id="276"/>
+            <p14:sldId id="277"/>
+            <p14:sldId id="278"/>
+            <p14:sldId id="279"/>
+            <p14:sldId id="280"/>
+            <p14:sldId id="281"/>
+            <p14:sldId id="282"/>
+            <p14:sldId id="283"/>
+            <p14:sldId id="284"/>
+            <p14:sldId id="285"/>
+            <p14:sldId id="286"/>
+            <p14:sldId id="287"/>
+            <p14:sldId id="289"/>
+            <p14:sldId id="290"/>
             <p14:sldId id="272"/>
           </p14:sldIdLst>
         </p14:section>
@@ -9163,7 +9197,7 @@
           <a:p>
             <a:fld id="{56582AD4-AFC5-4F78-BE42-251407AF6580}" type="datetimeFigureOut">
               <a:rPr lang="de-DE" smtClean="0"/>
-              <a:t>27.06.2021</a:t>
+              <a:t>30.06.2021</a:t>
             </a:fld>
             <a:endParaRPr lang="de-DE"/>
           </a:p>
@@ -9340,7 +9374,7 @@
           <a:p>
             <a:fld id="{83EF91D2-BBC4-44F5-BB54-BE64C3EEF80C}" type="datetimeFigureOut">
               <a:rPr lang="de-DE" smtClean="0"/>
-              <a:t>27.06.2021</a:t>
+              <a:t>30.06.2021</a:t>
             </a:fld>
             <a:endParaRPr lang="de-DE"/>
           </a:p>
@@ -9691,6 +9725,846 @@
 </p:notes>
 </file>
 
+<file path=ppt/notesSlides/notesSlide10.xml><?xml version="1.0" encoding="utf-8"?>
+<p:notes xmlns:a="http://schemas.openxmlformats.org/drawingml/2006/main" xmlns:r="http://schemas.openxmlformats.org/officeDocument/2006/relationships" xmlns:p="http://schemas.openxmlformats.org/presentationml/2006/main">
+  <p:cSld>
+    <p:spTree>
+      <p:nvGrpSpPr>
+        <p:cNvPr id="1" name=""/>
+        <p:cNvGrpSpPr/>
+        <p:nvPr/>
+      </p:nvGrpSpPr>
+      <p:grpSpPr>
+        <a:xfrm>
+          <a:off x="0" y="0"/>
+          <a:ext cx="0" cy="0"/>
+          <a:chOff x="0" y="0"/>
+          <a:chExt cx="0" cy="0"/>
+        </a:xfrm>
+      </p:grpSpPr>
+      <p:sp>
+        <p:nvSpPr>
+          <p:cNvPr id="2" name="Folienbildplatzhalter 1"/>
+          <p:cNvSpPr>
+            <a:spLocks noGrp="1" noRot="1" noChangeAspect="1"/>
+          </p:cNvSpPr>
+          <p:nvPr>
+            <p:ph type="sldImg"/>
+          </p:nvPr>
+        </p:nvSpPr>
+        <p:spPr/>
+      </p:sp>
+      <p:sp>
+        <p:nvSpPr>
+          <p:cNvPr id="3" name="Notizenplatzhalter 2"/>
+          <p:cNvSpPr>
+            <a:spLocks noGrp="1"/>
+          </p:cNvSpPr>
+          <p:nvPr>
+            <p:ph type="body" idx="1"/>
+          </p:nvPr>
+        </p:nvSpPr>
+        <p:spPr/>
+        <p:txBody>
+          <a:bodyPr/>
+          <a:lstStyle/>
+          <a:p>
+            <a:endParaRPr lang="de-DE" dirty="0"/>
+          </a:p>
+        </p:txBody>
+      </p:sp>
+      <p:sp>
+        <p:nvSpPr>
+          <p:cNvPr id="4" name="Foliennummernplatzhalter 3"/>
+          <p:cNvSpPr>
+            <a:spLocks noGrp="1"/>
+          </p:cNvSpPr>
+          <p:nvPr>
+            <p:ph type="sldNum" sz="quarter" idx="5"/>
+          </p:nvPr>
+        </p:nvSpPr>
+        <p:spPr/>
+        <p:txBody>
+          <a:bodyPr/>
+          <a:lstStyle/>
+          <a:p>
+            <a:fld id="{FBCCBC5E-3270-4F5A-BC57-D221939605CD}" type="slidenum">
+              <a:rPr lang="de-DE" smtClean="0"/>
+              <a:t>22</a:t>
+            </a:fld>
+            <a:endParaRPr lang="de-DE"/>
+          </a:p>
+        </p:txBody>
+      </p:sp>
+    </p:spTree>
+    <p:extLst>
+      <p:ext uri="{BB962C8B-B14F-4D97-AF65-F5344CB8AC3E}">
+        <p14:creationId xmlns:p14="http://schemas.microsoft.com/office/powerpoint/2010/main" val="522141843"/>
+      </p:ext>
+    </p:extLst>
+  </p:cSld>
+  <p:clrMapOvr>
+    <a:masterClrMapping/>
+  </p:clrMapOvr>
+</p:notes>
+</file>
+
+<file path=ppt/notesSlides/notesSlide11.xml><?xml version="1.0" encoding="utf-8"?>
+<p:notes xmlns:a="http://schemas.openxmlformats.org/drawingml/2006/main" xmlns:r="http://schemas.openxmlformats.org/officeDocument/2006/relationships" xmlns:p="http://schemas.openxmlformats.org/presentationml/2006/main">
+  <p:cSld>
+    <p:spTree>
+      <p:nvGrpSpPr>
+        <p:cNvPr id="1" name=""/>
+        <p:cNvGrpSpPr/>
+        <p:nvPr/>
+      </p:nvGrpSpPr>
+      <p:grpSpPr>
+        <a:xfrm>
+          <a:off x="0" y="0"/>
+          <a:ext cx="0" cy="0"/>
+          <a:chOff x="0" y="0"/>
+          <a:chExt cx="0" cy="0"/>
+        </a:xfrm>
+      </p:grpSpPr>
+      <p:sp>
+        <p:nvSpPr>
+          <p:cNvPr id="2" name="Folienbildplatzhalter 1"/>
+          <p:cNvSpPr>
+            <a:spLocks noGrp="1" noRot="1" noChangeAspect="1"/>
+          </p:cNvSpPr>
+          <p:nvPr>
+            <p:ph type="sldImg"/>
+          </p:nvPr>
+        </p:nvSpPr>
+        <p:spPr/>
+      </p:sp>
+      <p:sp>
+        <p:nvSpPr>
+          <p:cNvPr id="3" name="Notizenplatzhalter 2"/>
+          <p:cNvSpPr>
+            <a:spLocks noGrp="1"/>
+          </p:cNvSpPr>
+          <p:nvPr>
+            <p:ph type="body" idx="1"/>
+          </p:nvPr>
+        </p:nvSpPr>
+        <p:spPr/>
+        <p:txBody>
+          <a:bodyPr/>
+          <a:lstStyle/>
+          <a:p>
+            <a:endParaRPr lang="de-DE" dirty="0"/>
+          </a:p>
+        </p:txBody>
+      </p:sp>
+      <p:sp>
+        <p:nvSpPr>
+          <p:cNvPr id="4" name="Foliennummernplatzhalter 3"/>
+          <p:cNvSpPr>
+            <a:spLocks noGrp="1"/>
+          </p:cNvSpPr>
+          <p:nvPr>
+            <p:ph type="sldNum" sz="quarter" idx="5"/>
+          </p:nvPr>
+        </p:nvSpPr>
+        <p:spPr/>
+        <p:txBody>
+          <a:bodyPr/>
+          <a:lstStyle/>
+          <a:p>
+            <a:fld id="{FBCCBC5E-3270-4F5A-BC57-D221939605CD}" type="slidenum">
+              <a:rPr lang="de-DE" smtClean="0"/>
+              <a:t>23</a:t>
+            </a:fld>
+            <a:endParaRPr lang="de-DE"/>
+          </a:p>
+        </p:txBody>
+      </p:sp>
+    </p:spTree>
+    <p:extLst>
+      <p:ext uri="{BB962C8B-B14F-4D97-AF65-F5344CB8AC3E}">
+        <p14:creationId xmlns:p14="http://schemas.microsoft.com/office/powerpoint/2010/main" val="2561647090"/>
+      </p:ext>
+    </p:extLst>
+  </p:cSld>
+  <p:clrMapOvr>
+    <a:masterClrMapping/>
+  </p:clrMapOvr>
+</p:notes>
+</file>
+
+<file path=ppt/notesSlides/notesSlide12.xml><?xml version="1.0" encoding="utf-8"?>
+<p:notes xmlns:a="http://schemas.openxmlformats.org/drawingml/2006/main" xmlns:r="http://schemas.openxmlformats.org/officeDocument/2006/relationships" xmlns:p="http://schemas.openxmlformats.org/presentationml/2006/main">
+  <p:cSld>
+    <p:spTree>
+      <p:nvGrpSpPr>
+        <p:cNvPr id="1" name=""/>
+        <p:cNvGrpSpPr/>
+        <p:nvPr/>
+      </p:nvGrpSpPr>
+      <p:grpSpPr>
+        <a:xfrm>
+          <a:off x="0" y="0"/>
+          <a:ext cx="0" cy="0"/>
+          <a:chOff x="0" y="0"/>
+          <a:chExt cx="0" cy="0"/>
+        </a:xfrm>
+      </p:grpSpPr>
+      <p:sp>
+        <p:nvSpPr>
+          <p:cNvPr id="2" name="Folienbildplatzhalter 1"/>
+          <p:cNvSpPr>
+            <a:spLocks noGrp="1" noRot="1" noChangeAspect="1"/>
+          </p:cNvSpPr>
+          <p:nvPr>
+            <p:ph type="sldImg"/>
+          </p:nvPr>
+        </p:nvSpPr>
+        <p:spPr/>
+      </p:sp>
+      <p:sp>
+        <p:nvSpPr>
+          <p:cNvPr id="3" name="Notizenplatzhalter 2"/>
+          <p:cNvSpPr>
+            <a:spLocks noGrp="1"/>
+          </p:cNvSpPr>
+          <p:nvPr>
+            <p:ph type="body" idx="1"/>
+          </p:nvPr>
+        </p:nvSpPr>
+        <p:spPr/>
+        <p:txBody>
+          <a:bodyPr/>
+          <a:lstStyle/>
+          <a:p>
+            <a:endParaRPr lang="de-DE" dirty="0"/>
+          </a:p>
+        </p:txBody>
+      </p:sp>
+      <p:sp>
+        <p:nvSpPr>
+          <p:cNvPr id="4" name="Foliennummernplatzhalter 3"/>
+          <p:cNvSpPr>
+            <a:spLocks noGrp="1"/>
+          </p:cNvSpPr>
+          <p:nvPr>
+            <p:ph type="sldNum" sz="quarter" idx="5"/>
+          </p:nvPr>
+        </p:nvSpPr>
+        <p:spPr/>
+        <p:txBody>
+          <a:bodyPr/>
+          <a:lstStyle/>
+          <a:p>
+            <a:fld id="{FBCCBC5E-3270-4F5A-BC57-D221939605CD}" type="slidenum">
+              <a:rPr lang="de-DE" smtClean="0"/>
+              <a:t>24</a:t>
+            </a:fld>
+            <a:endParaRPr lang="de-DE"/>
+          </a:p>
+        </p:txBody>
+      </p:sp>
+    </p:spTree>
+    <p:extLst>
+      <p:ext uri="{BB962C8B-B14F-4D97-AF65-F5344CB8AC3E}">
+        <p14:creationId xmlns:p14="http://schemas.microsoft.com/office/powerpoint/2010/main" val="2433356680"/>
+      </p:ext>
+    </p:extLst>
+  </p:cSld>
+  <p:clrMapOvr>
+    <a:masterClrMapping/>
+  </p:clrMapOvr>
+</p:notes>
+</file>
+
+<file path=ppt/notesSlides/notesSlide13.xml><?xml version="1.0" encoding="utf-8"?>
+<p:notes xmlns:a="http://schemas.openxmlformats.org/drawingml/2006/main" xmlns:r="http://schemas.openxmlformats.org/officeDocument/2006/relationships" xmlns:p="http://schemas.openxmlformats.org/presentationml/2006/main">
+  <p:cSld>
+    <p:spTree>
+      <p:nvGrpSpPr>
+        <p:cNvPr id="1" name=""/>
+        <p:cNvGrpSpPr/>
+        <p:nvPr/>
+      </p:nvGrpSpPr>
+      <p:grpSpPr>
+        <a:xfrm>
+          <a:off x="0" y="0"/>
+          <a:ext cx="0" cy="0"/>
+          <a:chOff x="0" y="0"/>
+          <a:chExt cx="0" cy="0"/>
+        </a:xfrm>
+      </p:grpSpPr>
+      <p:sp>
+        <p:nvSpPr>
+          <p:cNvPr id="2" name="Folienbildplatzhalter 1"/>
+          <p:cNvSpPr>
+            <a:spLocks noGrp="1" noRot="1" noChangeAspect="1"/>
+          </p:cNvSpPr>
+          <p:nvPr>
+            <p:ph type="sldImg"/>
+          </p:nvPr>
+        </p:nvSpPr>
+        <p:spPr/>
+      </p:sp>
+      <p:sp>
+        <p:nvSpPr>
+          <p:cNvPr id="3" name="Notizenplatzhalter 2"/>
+          <p:cNvSpPr>
+            <a:spLocks noGrp="1"/>
+          </p:cNvSpPr>
+          <p:nvPr>
+            <p:ph type="body" idx="1"/>
+          </p:nvPr>
+        </p:nvSpPr>
+        <p:spPr/>
+        <p:txBody>
+          <a:bodyPr/>
+          <a:lstStyle/>
+          <a:p>
+            <a:endParaRPr lang="de-DE" dirty="0"/>
+          </a:p>
+        </p:txBody>
+      </p:sp>
+      <p:sp>
+        <p:nvSpPr>
+          <p:cNvPr id="4" name="Foliennummernplatzhalter 3"/>
+          <p:cNvSpPr>
+            <a:spLocks noGrp="1"/>
+          </p:cNvSpPr>
+          <p:nvPr>
+            <p:ph type="sldNum" sz="quarter" idx="5"/>
+          </p:nvPr>
+        </p:nvSpPr>
+        <p:spPr/>
+        <p:txBody>
+          <a:bodyPr/>
+          <a:lstStyle/>
+          <a:p>
+            <a:fld id="{FBCCBC5E-3270-4F5A-BC57-D221939605CD}" type="slidenum">
+              <a:rPr lang="de-DE" smtClean="0"/>
+              <a:t>25</a:t>
+            </a:fld>
+            <a:endParaRPr lang="de-DE"/>
+          </a:p>
+        </p:txBody>
+      </p:sp>
+    </p:spTree>
+    <p:extLst>
+      <p:ext uri="{BB962C8B-B14F-4D97-AF65-F5344CB8AC3E}">
+        <p14:creationId xmlns:p14="http://schemas.microsoft.com/office/powerpoint/2010/main" val="366796312"/>
+      </p:ext>
+    </p:extLst>
+  </p:cSld>
+  <p:clrMapOvr>
+    <a:masterClrMapping/>
+  </p:clrMapOvr>
+</p:notes>
+</file>
+
+<file path=ppt/notesSlides/notesSlide14.xml><?xml version="1.0" encoding="utf-8"?>
+<p:notes xmlns:a="http://schemas.openxmlformats.org/drawingml/2006/main" xmlns:r="http://schemas.openxmlformats.org/officeDocument/2006/relationships" xmlns:p="http://schemas.openxmlformats.org/presentationml/2006/main">
+  <p:cSld>
+    <p:spTree>
+      <p:nvGrpSpPr>
+        <p:cNvPr id="1" name=""/>
+        <p:cNvGrpSpPr/>
+        <p:nvPr/>
+      </p:nvGrpSpPr>
+      <p:grpSpPr>
+        <a:xfrm>
+          <a:off x="0" y="0"/>
+          <a:ext cx="0" cy="0"/>
+          <a:chOff x="0" y="0"/>
+          <a:chExt cx="0" cy="0"/>
+        </a:xfrm>
+      </p:grpSpPr>
+      <p:sp>
+        <p:nvSpPr>
+          <p:cNvPr id="2" name="Folienbildplatzhalter 1"/>
+          <p:cNvSpPr>
+            <a:spLocks noGrp="1" noRot="1" noChangeAspect="1"/>
+          </p:cNvSpPr>
+          <p:nvPr>
+            <p:ph type="sldImg"/>
+          </p:nvPr>
+        </p:nvSpPr>
+        <p:spPr/>
+      </p:sp>
+      <p:sp>
+        <p:nvSpPr>
+          <p:cNvPr id="3" name="Notizenplatzhalter 2"/>
+          <p:cNvSpPr>
+            <a:spLocks noGrp="1"/>
+          </p:cNvSpPr>
+          <p:nvPr>
+            <p:ph type="body" idx="1"/>
+          </p:nvPr>
+        </p:nvSpPr>
+        <p:spPr/>
+        <p:txBody>
+          <a:bodyPr/>
+          <a:lstStyle/>
+          <a:p>
+            <a:endParaRPr lang="de-DE" dirty="0"/>
+          </a:p>
+        </p:txBody>
+      </p:sp>
+      <p:sp>
+        <p:nvSpPr>
+          <p:cNvPr id="4" name="Foliennummernplatzhalter 3"/>
+          <p:cNvSpPr>
+            <a:spLocks noGrp="1"/>
+          </p:cNvSpPr>
+          <p:nvPr>
+            <p:ph type="sldNum" sz="quarter" idx="5"/>
+          </p:nvPr>
+        </p:nvSpPr>
+        <p:spPr/>
+        <p:txBody>
+          <a:bodyPr/>
+          <a:lstStyle/>
+          <a:p>
+            <a:fld id="{FBCCBC5E-3270-4F5A-BC57-D221939605CD}" type="slidenum">
+              <a:rPr lang="de-DE" smtClean="0"/>
+              <a:t>26</a:t>
+            </a:fld>
+            <a:endParaRPr lang="de-DE"/>
+          </a:p>
+        </p:txBody>
+      </p:sp>
+    </p:spTree>
+    <p:extLst>
+      <p:ext uri="{BB962C8B-B14F-4D97-AF65-F5344CB8AC3E}">
+        <p14:creationId xmlns:p14="http://schemas.microsoft.com/office/powerpoint/2010/main" val="1119539724"/>
+      </p:ext>
+    </p:extLst>
+  </p:cSld>
+  <p:clrMapOvr>
+    <a:masterClrMapping/>
+  </p:clrMapOvr>
+</p:notes>
+</file>
+
+<file path=ppt/notesSlides/notesSlide15.xml><?xml version="1.0" encoding="utf-8"?>
+<p:notes xmlns:a="http://schemas.openxmlformats.org/drawingml/2006/main" xmlns:r="http://schemas.openxmlformats.org/officeDocument/2006/relationships" xmlns:p="http://schemas.openxmlformats.org/presentationml/2006/main">
+  <p:cSld>
+    <p:spTree>
+      <p:nvGrpSpPr>
+        <p:cNvPr id="1" name=""/>
+        <p:cNvGrpSpPr/>
+        <p:nvPr/>
+      </p:nvGrpSpPr>
+      <p:grpSpPr>
+        <a:xfrm>
+          <a:off x="0" y="0"/>
+          <a:ext cx="0" cy="0"/>
+          <a:chOff x="0" y="0"/>
+          <a:chExt cx="0" cy="0"/>
+        </a:xfrm>
+      </p:grpSpPr>
+      <p:sp>
+        <p:nvSpPr>
+          <p:cNvPr id="2" name="Folienbildplatzhalter 1"/>
+          <p:cNvSpPr>
+            <a:spLocks noGrp="1" noRot="1" noChangeAspect="1"/>
+          </p:cNvSpPr>
+          <p:nvPr>
+            <p:ph type="sldImg"/>
+          </p:nvPr>
+        </p:nvSpPr>
+        <p:spPr/>
+      </p:sp>
+      <p:sp>
+        <p:nvSpPr>
+          <p:cNvPr id="3" name="Notizenplatzhalter 2"/>
+          <p:cNvSpPr>
+            <a:spLocks noGrp="1"/>
+          </p:cNvSpPr>
+          <p:nvPr>
+            <p:ph type="body" idx="1"/>
+          </p:nvPr>
+        </p:nvSpPr>
+        <p:spPr/>
+        <p:txBody>
+          <a:bodyPr/>
+          <a:lstStyle/>
+          <a:p>
+            <a:endParaRPr lang="de-DE" dirty="0"/>
+          </a:p>
+        </p:txBody>
+      </p:sp>
+      <p:sp>
+        <p:nvSpPr>
+          <p:cNvPr id="4" name="Foliennummernplatzhalter 3"/>
+          <p:cNvSpPr>
+            <a:spLocks noGrp="1"/>
+          </p:cNvSpPr>
+          <p:nvPr>
+            <p:ph type="sldNum" sz="quarter" idx="5"/>
+          </p:nvPr>
+        </p:nvSpPr>
+        <p:spPr/>
+        <p:txBody>
+          <a:bodyPr/>
+          <a:lstStyle/>
+          <a:p>
+            <a:fld id="{FBCCBC5E-3270-4F5A-BC57-D221939605CD}" type="slidenum">
+              <a:rPr lang="de-DE" smtClean="0"/>
+              <a:t>27</a:t>
+            </a:fld>
+            <a:endParaRPr lang="de-DE"/>
+          </a:p>
+        </p:txBody>
+      </p:sp>
+    </p:spTree>
+    <p:extLst>
+      <p:ext uri="{BB962C8B-B14F-4D97-AF65-F5344CB8AC3E}">
+        <p14:creationId xmlns:p14="http://schemas.microsoft.com/office/powerpoint/2010/main" val="1116183108"/>
+      </p:ext>
+    </p:extLst>
+  </p:cSld>
+  <p:clrMapOvr>
+    <a:masterClrMapping/>
+  </p:clrMapOvr>
+</p:notes>
+</file>
+
+<file path=ppt/notesSlides/notesSlide16.xml><?xml version="1.0" encoding="utf-8"?>
+<p:notes xmlns:a="http://schemas.openxmlformats.org/drawingml/2006/main" xmlns:r="http://schemas.openxmlformats.org/officeDocument/2006/relationships" xmlns:p="http://schemas.openxmlformats.org/presentationml/2006/main">
+  <p:cSld>
+    <p:spTree>
+      <p:nvGrpSpPr>
+        <p:cNvPr id="1" name=""/>
+        <p:cNvGrpSpPr/>
+        <p:nvPr/>
+      </p:nvGrpSpPr>
+      <p:grpSpPr>
+        <a:xfrm>
+          <a:off x="0" y="0"/>
+          <a:ext cx="0" cy="0"/>
+          <a:chOff x="0" y="0"/>
+          <a:chExt cx="0" cy="0"/>
+        </a:xfrm>
+      </p:grpSpPr>
+      <p:sp>
+        <p:nvSpPr>
+          <p:cNvPr id="2" name="Folienbildplatzhalter 1"/>
+          <p:cNvSpPr>
+            <a:spLocks noGrp="1" noRot="1" noChangeAspect="1"/>
+          </p:cNvSpPr>
+          <p:nvPr>
+            <p:ph type="sldImg"/>
+          </p:nvPr>
+        </p:nvSpPr>
+        <p:spPr/>
+      </p:sp>
+      <p:sp>
+        <p:nvSpPr>
+          <p:cNvPr id="3" name="Notizenplatzhalter 2"/>
+          <p:cNvSpPr>
+            <a:spLocks noGrp="1"/>
+          </p:cNvSpPr>
+          <p:nvPr>
+            <p:ph type="body" idx="1"/>
+          </p:nvPr>
+        </p:nvSpPr>
+        <p:spPr/>
+        <p:txBody>
+          <a:bodyPr/>
+          <a:lstStyle/>
+          <a:p>
+            <a:endParaRPr lang="de-DE" dirty="0"/>
+          </a:p>
+        </p:txBody>
+      </p:sp>
+      <p:sp>
+        <p:nvSpPr>
+          <p:cNvPr id="4" name="Foliennummernplatzhalter 3"/>
+          <p:cNvSpPr>
+            <a:spLocks noGrp="1"/>
+          </p:cNvSpPr>
+          <p:nvPr>
+            <p:ph type="sldNum" sz="quarter" idx="5"/>
+          </p:nvPr>
+        </p:nvSpPr>
+        <p:spPr/>
+        <p:txBody>
+          <a:bodyPr/>
+          <a:lstStyle/>
+          <a:p>
+            <a:fld id="{FBCCBC5E-3270-4F5A-BC57-D221939605CD}" type="slidenum">
+              <a:rPr lang="de-DE" smtClean="0"/>
+              <a:t>28</a:t>
+            </a:fld>
+            <a:endParaRPr lang="de-DE"/>
+          </a:p>
+        </p:txBody>
+      </p:sp>
+    </p:spTree>
+    <p:extLst>
+      <p:ext uri="{BB962C8B-B14F-4D97-AF65-F5344CB8AC3E}">
+        <p14:creationId xmlns:p14="http://schemas.microsoft.com/office/powerpoint/2010/main" val="1890359097"/>
+      </p:ext>
+    </p:extLst>
+  </p:cSld>
+  <p:clrMapOvr>
+    <a:masterClrMapping/>
+  </p:clrMapOvr>
+</p:notes>
+</file>
+
+<file path=ppt/notesSlides/notesSlide17.xml><?xml version="1.0" encoding="utf-8"?>
+<p:notes xmlns:a="http://schemas.openxmlformats.org/drawingml/2006/main" xmlns:r="http://schemas.openxmlformats.org/officeDocument/2006/relationships" xmlns:p="http://schemas.openxmlformats.org/presentationml/2006/main">
+  <p:cSld>
+    <p:spTree>
+      <p:nvGrpSpPr>
+        <p:cNvPr id="1" name=""/>
+        <p:cNvGrpSpPr/>
+        <p:nvPr/>
+      </p:nvGrpSpPr>
+      <p:grpSpPr>
+        <a:xfrm>
+          <a:off x="0" y="0"/>
+          <a:ext cx="0" cy="0"/>
+          <a:chOff x="0" y="0"/>
+          <a:chExt cx="0" cy="0"/>
+        </a:xfrm>
+      </p:grpSpPr>
+      <p:sp>
+        <p:nvSpPr>
+          <p:cNvPr id="2" name="Folienbildplatzhalter 1"/>
+          <p:cNvSpPr>
+            <a:spLocks noGrp="1" noRot="1" noChangeAspect="1"/>
+          </p:cNvSpPr>
+          <p:nvPr>
+            <p:ph type="sldImg"/>
+          </p:nvPr>
+        </p:nvSpPr>
+        <p:spPr/>
+      </p:sp>
+      <p:sp>
+        <p:nvSpPr>
+          <p:cNvPr id="3" name="Notizenplatzhalter 2"/>
+          <p:cNvSpPr>
+            <a:spLocks noGrp="1"/>
+          </p:cNvSpPr>
+          <p:nvPr>
+            <p:ph type="body" idx="1"/>
+          </p:nvPr>
+        </p:nvSpPr>
+        <p:spPr/>
+        <p:txBody>
+          <a:bodyPr/>
+          <a:lstStyle/>
+          <a:p>
+            <a:endParaRPr lang="de-DE" dirty="0"/>
+          </a:p>
+        </p:txBody>
+      </p:sp>
+      <p:sp>
+        <p:nvSpPr>
+          <p:cNvPr id="4" name="Foliennummernplatzhalter 3"/>
+          <p:cNvSpPr>
+            <a:spLocks noGrp="1"/>
+          </p:cNvSpPr>
+          <p:nvPr>
+            <p:ph type="sldNum" sz="quarter" idx="5"/>
+          </p:nvPr>
+        </p:nvSpPr>
+        <p:spPr/>
+        <p:txBody>
+          <a:bodyPr/>
+          <a:lstStyle/>
+          <a:p>
+            <a:fld id="{FBCCBC5E-3270-4F5A-BC57-D221939605CD}" type="slidenum">
+              <a:rPr lang="de-DE" smtClean="0"/>
+              <a:t>29</a:t>
+            </a:fld>
+            <a:endParaRPr lang="de-DE"/>
+          </a:p>
+        </p:txBody>
+      </p:sp>
+    </p:spTree>
+    <p:extLst>
+      <p:ext uri="{BB962C8B-B14F-4D97-AF65-F5344CB8AC3E}">
+        <p14:creationId xmlns:p14="http://schemas.microsoft.com/office/powerpoint/2010/main" val="2402869887"/>
+      </p:ext>
+    </p:extLst>
+  </p:cSld>
+  <p:clrMapOvr>
+    <a:masterClrMapping/>
+  </p:clrMapOvr>
+</p:notes>
+</file>
+
+<file path=ppt/notesSlides/notesSlide18.xml><?xml version="1.0" encoding="utf-8"?>
+<p:notes xmlns:a="http://schemas.openxmlformats.org/drawingml/2006/main" xmlns:r="http://schemas.openxmlformats.org/officeDocument/2006/relationships" xmlns:p="http://schemas.openxmlformats.org/presentationml/2006/main">
+  <p:cSld>
+    <p:spTree>
+      <p:nvGrpSpPr>
+        <p:cNvPr id="1" name=""/>
+        <p:cNvGrpSpPr/>
+        <p:nvPr/>
+      </p:nvGrpSpPr>
+      <p:grpSpPr>
+        <a:xfrm>
+          <a:off x="0" y="0"/>
+          <a:ext cx="0" cy="0"/>
+          <a:chOff x="0" y="0"/>
+          <a:chExt cx="0" cy="0"/>
+        </a:xfrm>
+      </p:grpSpPr>
+      <p:sp>
+        <p:nvSpPr>
+          <p:cNvPr id="2" name="Folienbildplatzhalter 1"/>
+          <p:cNvSpPr>
+            <a:spLocks noGrp="1" noRot="1" noChangeAspect="1"/>
+          </p:cNvSpPr>
+          <p:nvPr>
+            <p:ph type="sldImg"/>
+          </p:nvPr>
+        </p:nvSpPr>
+        <p:spPr/>
+      </p:sp>
+      <p:sp>
+        <p:nvSpPr>
+          <p:cNvPr id="3" name="Notizenplatzhalter 2"/>
+          <p:cNvSpPr>
+            <a:spLocks noGrp="1"/>
+          </p:cNvSpPr>
+          <p:nvPr>
+            <p:ph type="body" idx="1"/>
+          </p:nvPr>
+        </p:nvSpPr>
+        <p:spPr/>
+        <p:txBody>
+          <a:bodyPr/>
+          <a:lstStyle/>
+          <a:p>
+            <a:endParaRPr lang="de-DE" dirty="0"/>
+          </a:p>
+        </p:txBody>
+      </p:sp>
+      <p:sp>
+        <p:nvSpPr>
+          <p:cNvPr id="4" name="Foliennummernplatzhalter 3"/>
+          <p:cNvSpPr>
+            <a:spLocks noGrp="1"/>
+          </p:cNvSpPr>
+          <p:nvPr>
+            <p:ph type="sldNum" sz="quarter" idx="5"/>
+          </p:nvPr>
+        </p:nvSpPr>
+        <p:spPr/>
+        <p:txBody>
+          <a:bodyPr/>
+          <a:lstStyle/>
+          <a:p>
+            <a:fld id="{FBCCBC5E-3270-4F5A-BC57-D221939605CD}" type="slidenum">
+              <a:rPr lang="de-DE" smtClean="0"/>
+              <a:t>30</a:t>
+            </a:fld>
+            <a:endParaRPr lang="de-DE"/>
+          </a:p>
+        </p:txBody>
+      </p:sp>
+    </p:spTree>
+    <p:extLst>
+      <p:ext uri="{BB962C8B-B14F-4D97-AF65-F5344CB8AC3E}">
+        <p14:creationId xmlns:p14="http://schemas.microsoft.com/office/powerpoint/2010/main" val="3482496797"/>
+      </p:ext>
+    </p:extLst>
+  </p:cSld>
+  <p:clrMapOvr>
+    <a:masterClrMapping/>
+  </p:clrMapOvr>
+</p:notes>
+</file>
+
+<file path=ppt/notesSlides/notesSlide19.xml><?xml version="1.0" encoding="utf-8"?>
+<p:notes xmlns:a="http://schemas.openxmlformats.org/drawingml/2006/main" xmlns:r="http://schemas.openxmlformats.org/officeDocument/2006/relationships" xmlns:p="http://schemas.openxmlformats.org/presentationml/2006/main">
+  <p:cSld>
+    <p:spTree>
+      <p:nvGrpSpPr>
+        <p:cNvPr id="1" name=""/>
+        <p:cNvGrpSpPr/>
+        <p:nvPr/>
+      </p:nvGrpSpPr>
+      <p:grpSpPr>
+        <a:xfrm>
+          <a:off x="0" y="0"/>
+          <a:ext cx="0" cy="0"/>
+          <a:chOff x="0" y="0"/>
+          <a:chExt cx="0" cy="0"/>
+        </a:xfrm>
+      </p:grpSpPr>
+      <p:sp>
+        <p:nvSpPr>
+          <p:cNvPr id="2" name="Folienbildplatzhalter 1"/>
+          <p:cNvSpPr>
+            <a:spLocks noGrp="1" noRot="1" noChangeAspect="1"/>
+          </p:cNvSpPr>
+          <p:nvPr>
+            <p:ph type="sldImg"/>
+          </p:nvPr>
+        </p:nvSpPr>
+        <p:spPr/>
+      </p:sp>
+      <p:sp>
+        <p:nvSpPr>
+          <p:cNvPr id="3" name="Notizenplatzhalter 2"/>
+          <p:cNvSpPr>
+            <a:spLocks noGrp="1"/>
+          </p:cNvSpPr>
+          <p:nvPr>
+            <p:ph type="body" idx="1"/>
+          </p:nvPr>
+        </p:nvSpPr>
+        <p:spPr/>
+        <p:txBody>
+          <a:bodyPr/>
+          <a:lstStyle/>
+          <a:p>
+            <a:endParaRPr lang="de-DE" dirty="0"/>
+          </a:p>
+        </p:txBody>
+      </p:sp>
+      <p:sp>
+        <p:nvSpPr>
+          <p:cNvPr id="4" name="Foliennummernplatzhalter 3"/>
+          <p:cNvSpPr>
+            <a:spLocks noGrp="1"/>
+          </p:cNvSpPr>
+          <p:nvPr>
+            <p:ph type="sldNum" sz="quarter" idx="5"/>
+          </p:nvPr>
+        </p:nvSpPr>
+        <p:spPr/>
+        <p:txBody>
+          <a:bodyPr/>
+          <a:lstStyle/>
+          <a:p>
+            <a:fld id="{FBCCBC5E-3270-4F5A-BC57-D221939605CD}" type="slidenum">
+              <a:rPr lang="de-DE" smtClean="0"/>
+              <a:t>31</a:t>
+            </a:fld>
+            <a:endParaRPr lang="de-DE"/>
+          </a:p>
+        </p:txBody>
+      </p:sp>
+    </p:spTree>
+    <p:extLst>
+      <p:ext uri="{BB962C8B-B14F-4D97-AF65-F5344CB8AC3E}">
+        <p14:creationId xmlns:p14="http://schemas.microsoft.com/office/powerpoint/2010/main" val="51183519"/>
+      </p:ext>
+    </p:extLst>
+  </p:cSld>
+  <p:clrMapOvr>
+    <a:masterClrMapping/>
+  </p:clrMapOvr>
+</p:notes>
+</file>
+
 <file path=ppt/notesSlides/notesSlide2.xml><?xml version="1.0" encoding="utf-8"?>
 <p:notes xmlns:a="http://schemas.openxmlformats.org/drawingml/2006/main" xmlns:r="http://schemas.openxmlformats.org/officeDocument/2006/relationships" xmlns:p="http://schemas.openxmlformats.org/presentationml/2006/main">
   <p:cSld>
@@ -9847,6 +10721,594 @@
     <p:extLst>
       <p:ext uri="{BB962C8B-B14F-4D97-AF65-F5344CB8AC3E}">
         <p14:creationId xmlns:p14="http://schemas.microsoft.com/office/powerpoint/2010/main" val="3183768408"/>
+      </p:ext>
+    </p:extLst>
+  </p:cSld>
+  <p:clrMapOvr>
+    <a:masterClrMapping/>
+  </p:clrMapOvr>
+</p:notes>
+</file>
+
+<file path=ppt/notesSlides/notesSlide3.xml><?xml version="1.0" encoding="utf-8"?>
+<p:notes xmlns:a="http://schemas.openxmlformats.org/drawingml/2006/main" xmlns:r="http://schemas.openxmlformats.org/officeDocument/2006/relationships" xmlns:p="http://schemas.openxmlformats.org/presentationml/2006/main">
+  <p:cSld>
+    <p:spTree>
+      <p:nvGrpSpPr>
+        <p:cNvPr id="1" name=""/>
+        <p:cNvGrpSpPr/>
+        <p:nvPr/>
+      </p:nvGrpSpPr>
+      <p:grpSpPr>
+        <a:xfrm>
+          <a:off x="0" y="0"/>
+          <a:ext cx="0" cy="0"/>
+          <a:chOff x="0" y="0"/>
+          <a:chExt cx="0" cy="0"/>
+        </a:xfrm>
+      </p:grpSpPr>
+      <p:sp>
+        <p:nvSpPr>
+          <p:cNvPr id="2" name="Folienbildplatzhalter 1"/>
+          <p:cNvSpPr>
+            <a:spLocks noGrp="1" noRot="1" noChangeAspect="1"/>
+          </p:cNvSpPr>
+          <p:nvPr>
+            <p:ph type="sldImg"/>
+          </p:nvPr>
+        </p:nvSpPr>
+        <p:spPr/>
+      </p:sp>
+      <p:sp>
+        <p:nvSpPr>
+          <p:cNvPr id="3" name="Notizenplatzhalter 2"/>
+          <p:cNvSpPr>
+            <a:spLocks noGrp="1"/>
+          </p:cNvSpPr>
+          <p:nvPr>
+            <p:ph type="body" idx="1"/>
+          </p:nvPr>
+        </p:nvSpPr>
+        <p:spPr/>
+        <p:txBody>
+          <a:bodyPr/>
+          <a:lstStyle/>
+          <a:p>
+            <a:endParaRPr lang="de-DE" dirty="0"/>
+          </a:p>
+        </p:txBody>
+      </p:sp>
+      <p:sp>
+        <p:nvSpPr>
+          <p:cNvPr id="4" name="Foliennummernplatzhalter 3"/>
+          <p:cNvSpPr>
+            <a:spLocks noGrp="1"/>
+          </p:cNvSpPr>
+          <p:nvPr>
+            <p:ph type="sldNum" sz="quarter" idx="5"/>
+          </p:nvPr>
+        </p:nvSpPr>
+        <p:spPr/>
+        <p:txBody>
+          <a:bodyPr/>
+          <a:lstStyle/>
+          <a:p>
+            <a:fld id="{FBCCBC5E-3270-4F5A-BC57-D221939605CD}" type="slidenum">
+              <a:rPr lang="de-DE" smtClean="0"/>
+              <a:t>15</a:t>
+            </a:fld>
+            <a:endParaRPr lang="de-DE"/>
+          </a:p>
+        </p:txBody>
+      </p:sp>
+    </p:spTree>
+    <p:extLst>
+      <p:ext uri="{BB962C8B-B14F-4D97-AF65-F5344CB8AC3E}">
+        <p14:creationId xmlns:p14="http://schemas.microsoft.com/office/powerpoint/2010/main" val="360479845"/>
+      </p:ext>
+    </p:extLst>
+  </p:cSld>
+  <p:clrMapOvr>
+    <a:masterClrMapping/>
+  </p:clrMapOvr>
+</p:notes>
+</file>
+
+<file path=ppt/notesSlides/notesSlide4.xml><?xml version="1.0" encoding="utf-8"?>
+<p:notes xmlns:a="http://schemas.openxmlformats.org/drawingml/2006/main" xmlns:r="http://schemas.openxmlformats.org/officeDocument/2006/relationships" xmlns:p="http://schemas.openxmlformats.org/presentationml/2006/main">
+  <p:cSld>
+    <p:spTree>
+      <p:nvGrpSpPr>
+        <p:cNvPr id="1" name=""/>
+        <p:cNvGrpSpPr/>
+        <p:nvPr/>
+      </p:nvGrpSpPr>
+      <p:grpSpPr>
+        <a:xfrm>
+          <a:off x="0" y="0"/>
+          <a:ext cx="0" cy="0"/>
+          <a:chOff x="0" y="0"/>
+          <a:chExt cx="0" cy="0"/>
+        </a:xfrm>
+      </p:grpSpPr>
+      <p:sp>
+        <p:nvSpPr>
+          <p:cNvPr id="2" name="Folienbildplatzhalter 1"/>
+          <p:cNvSpPr>
+            <a:spLocks noGrp="1" noRot="1" noChangeAspect="1"/>
+          </p:cNvSpPr>
+          <p:nvPr>
+            <p:ph type="sldImg"/>
+          </p:nvPr>
+        </p:nvSpPr>
+        <p:spPr/>
+      </p:sp>
+      <p:sp>
+        <p:nvSpPr>
+          <p:cNvPr id="3" name="Notizenplatzhalter 2"/>
+          <p:cNvSpPr>
+            <a:spLocks noGrp="1"/>
+          </p:cNvSpPr>
+          <p:nvPr>
+            <p:ph type="body" idx="1"/>
+          </p:nvPr>
+        </p:nvSpPr>
+        <p:spPr/>
+        <p:txBody>
+          <a:bodyPr/>
+          <a:lstStyle/>
+          <a:p>
+            <a:endParaRPr lang="de-DE" dirty="0"/>
+          </a:p>
+        </p:txBody>
+      </p:sp>
+      <p:sp>
+        <p:nvSpPr>
+          <p:cNvPr id="4" name="Foliennummernplatzhalter 3"/>
+          <p:cNvSpPr>
+            <a:spLocks noGrp="1"/>
+          </p:cNvSpPr>
+          <p:nvPr>
+            <p:ph type="sldNum" sz="quarter" idx="5"/>
+          </p:nvPr>
+        </p:nvSpPr>
+        <p:spPr/>
+        <p:txBody>
+          <a:bodyPr/>
+          <a:lstStyle/>
+          <a:p>
+            <a:fld id="{FBCCBC5E-3270-4F5A-BC57-D221939605CD}" type="slidenum">
+              <a:rPr lang="de-DE" smtClean="0"/>
+              <a:t>16</a:t>
+            </a:fld>
+            <a:endParaRPr lang="de-DE"/>
+          </a:p>
+        </p:txBody>
+      </p:sp>
+    </p:spTree>
+    <p:extLst>
+      <p:ext uri="{BB962C8B-B14F-4D97-AF65-F5344CB8AC3E}">
+        <p14:creationId xmlns:p14="http://schemas.microsoft.com/office/powerpoint/2010/main" val="488020380"/>
+      </p:ext>
+    </p:extLst>
+  </p:cSld>
+  <p:clrMapOvr>
+    <a:masterClrMapping/>
+  </p:clrMapOvr>
+</p:notes>
+</file>
+
+<file path=ppt/notesSlides/notesSlide5.xml><?xml version="1.0" encoding="utf-8"?>
+<p:notes xmlns:a="http://schemas.openxmlformats.org/drawingml/2006/main" xmlns:r="http://schemas.openxmlformats.org/officeDocument/2006/relationships" xmlns:p="http://schemas.openxmlformats.org/presentationml/2006/main">
+  <p:cSld>
+    <p:spTree>
+      <p:nvGrpSpPr>
+        <p:cNvPr id="1" name=""/>
+        <p:cNvGrpSpPr/>
+        <p:nvPr/>
+      </p:nvGrpSpPr>
+      <p:grpSpPr>
+        <a:xfrm>
+          <a:off x="0" y="0"/>
+          <a:ext cx="0" cy="0"/>
+          <a:chOff x="0" y="0"/>
+          <a:chExt cx="0" cy="0"/>
+        </a:xfrm>
+      </p:grpSpPr>
+      <p:sp>
+        <p:nvSpPr>
+          <p:cNvPr id="2" name="Folienbildplatzhalter 1"/>
+          <p:cNvSpPr>
+            <a:spLocks noGrp="1" noRot="1" noChangeAspect="1"/>
+          </p:cNvSpPr>
+          <p:nvPr>
+            <p:ph type="sldImg"/>
+          </p:nvPr>
+        </p:nvSpPr>
+        <p:spPr/>
+      </p:sp>
+      <p:sp>
+        <p:nvSpPr>
+          <p:cNvPr id="3" name="Notizenplatzhalter 2"/>
+          <p:cNvSpPr>
+            <a:spLocks noGrp="1"/>
+          </p:cNvSpPr>
+          <p:nvPr>
+            <p:ph type="body" idx="1"/>
+          </p:nvPr>
+        </p:nvSpPr>
+        <p:spPr/>
+        <p:txBody>
+          <a:bodyPr/>
+          <a:lstStyle/>
+          <a:p>
+            <a:endParaRPr lang="de-DE" dirty="0"/>
+          </a:p>
+        </p:txBody>
+      </p:sp>
+      <p:sp>
+        <p:nvSpPr>
+          <p:cNvPr id="4" name="Foliennummernplatzhalter 3"/>
+          <p:cNvSpPr>
+            <a:spLocks noGrp="1"/>
+          </p:cNvSpPr>
+          <p:nvPr>
+            <p:ph type="sldNum" sz="quarter" idx="5"/>
+          </p:nvPr>
+        </p:nvSpPr>
+        <p:spPr/>
+        <p:txBody>
+          <a:bodyPr/>
+          <a:lstStyle/>
+          <a:p>
+            <a:fld id="{FBCCBC5E-3270-4F5A-BC57-D221939605CD}" type="slidenum">
+              <a:rPr lang="de-DE" smtClean="0"/>
+              <a:t>17</a:t>
+            </a:fld>
+            <a:endParaRPr lang="de-DE"/>
+          </a:p>
+        </p:txBody>
+      </p:sp>
+    </p:spTree>
+    <p:extLst>
+      <p:ext uri="{BB962C8B-B14F-4D97-AF65-F5344CB8AC3E}">
+        <p14:creationId xmlns:p14="http://schemas.microsoft.com/office/powerpoint/2010/main" val="440792642"/>
+      </p:ext>
+    </p:extLst>
+  </p:cSld>
+  <p:clrMapOvr>
+    <a:masterClrMapping/>
+  </p:clrMapOvr>
+</p:notes>
+</file>
+
+<file path=ppt/notesSlides/notesSlide6.xml><?xml version="1.0" encoding="utf-8"?>
+<p:notes xmlns:a="http://schemas.openxmlformats.org/drawingml/2006/main" xmlns:r="http://schemas.openxmlformats.org/officeDocument/2006/relationships" xmlns:p="http://schemas.openxmlformats.org/presentationml/2006/main">
+  <p:cSld>
+    <p:spTree>
+      <p:nvGrpSpPr>
+        <p:cNvPr id="1" name=""/>
+        <p:cNvGrpSpPr/>
+        <p:nvPr/>
+      </p:nvGrpSpPr>
+      <p:grpSpPr>
+        <a:xfrm>
+          <a:off x="0" y="0"/>
+          <a:ext cx="0" cy="0"/>
+          <a:chOff x="0" y="0"/>
+          <a:chExt cx="0" cy="0"/>
+        </a:xfrm>
+      </p:grpSpPr>
+      <p:sp>
+        <p:nvSpPr>
+          <p:cNvPr id="2" name="Folienbildplatzhalter 1"/>
+          <p:cNvSpPr>
+            <a:spLocks noGrp="1" noRot="1" noChangeAspect="1"/>
+          </p:cNvSpPr>
+          <p:nvPr>
+            <p:ph type="sldImg"/>
+          </p:nvPr>
+        </p:nvSpPr>
+        <p:spPr/>
+      </p:sp>
+      <p:sp>
+        <p:nvSpPr>
+          <p:cNvPr id="3" name="Notizenplatzhalter 2"/>
+          <p:cNvSpPr>
+            <a:spLocks noGrp="1"/>
+          </p:cNvSpPr>
+          <p:nvPr>
+            <p:ph type="body" idx="1"/>
+          </p:nvPr>
+        </p:nvSpPr>
+        <p:spPr/>
+        <p:txBody>
+          <a:bodyPr/>
+          <a:lstStyle/>
+          <a:p>
+            <a:endParaRPr lang="de-DE" dirty="0"/>
+          </a:p>
+        </p:txBody>
+      </p:sp>
+      <p:sp>
+        <p:nvSpPr>
+          <p:cNvPr id="4" name="Foliennummernplatzhalter 3"/>
+          <p:cNvSpPr>
+            <a:spLocks noGrp="1"/>
+          </p:cNvSpPr>
+          <p:nvPr>
+            <p:ph type="sldNum" sz="quarter" idx="5"/>
+          </p:nvPr>
+        </p:nvSpPr>
+        <p:spPr/>
+        <p:txBody>
+          <a:bodyPr/>
+          <a:lstStyle/>
+          <a:p>
+            <a:fld id="{FBCCBC5E-3270-4F5A-BC57-D221939605CD}" type="slidenum">
+              <a:rPr lang="de-DE" smtClean="0"/>
+              <a:t>18</a:t>
+            </a:fld>
+            <a:endParaRPr lang="de-DE"/>
+          </a:p>
+        </p:txBody>
+      </p:sp>
+    </p:spTree>
+    <p:extLst>
+      <p:ext uri="{BB962C8B-B14F-4D97-AF65-F5344CB8AC3E}">
+        <p14:creationId xmlns:p14="http://schemas.microsoft.com/office/powerpoint/2010/main" val="3780287047"/>
+      </p:ext>
+    </p:extLst>
+  </p:cSld>
+  <p:clrMapOvr>
+    <a:masterClrMapping/>
+  </p:clrMapOvr>
+</p:notes>
+</file>
+
+<file path=ppt/notesSlides/notesSlide7.xml><?xml version="1.0" encoding="utf-8"?>
+<p:notes xmlns:a="http://schemas.openxmlformats.org/drawingml/2006/main" xmlns:r="http://schemas.openxmlformats.org/officeDocument/2006/relationships" xmlns:p="http://schemas.openxmlformats.org/presentationml/2006/main">
+  <p:cSld>
+    <p:spTree>
+      <p:nvGrpSpPr>
+        <p:cNvPr id="1" name=""/>
+        <p:cNvGrpSpPr/>
+        <p:nvPr/>
+      </p:nvGrpSpPr>
+      <p:grpSpPr>
+        <a:xfrm>
+          <a:off x="0" y="0"/>
+          <a:ext cx="0" cy="0"/>
+          <a:chOff x="0" y="0"/>
+          <a:chExt cx="0" cy="0"/>
+        </a:xfrm>
+      </p:grpSpPr>
+      <p:sp>
+        <p:nvSpPr>
+          <p:cNvPr id="2" name="Folienbildplatzhalter 1"/>
+          <p:cNvSpPr>
+            <a:spLocks noGrp="1" noRot="1" noChangeAspect="1"/>
+          </p:cNvSpPr>
+          <p:nvPr>
+            <p:ph type="sldImg"/>
+          </p:nvPr>
+        </p:nvSpPr>
+        <p:spPr/>
+      </p:sp>
+      <p:sp>
+        <p:nvSpPr>
+          <p:cNvPr id="3" name="Notizenplatzhalter 2"/>
+          <p:cNvSpPr>
+            <a:spLocks noGrp="1"/>
+          </p:cNvSpPr>
+          <p:nvPr>
+            <p:ph type="body" idx="1"/>
+          </p:nvPr>
+        </p:nvSpPr>
+        <p:spPr/>
+        <p:txBody>
+          <a:bodyPr/>
+          <a:lstStyle/>
+          <a:p>
+            <a:endParaRPr lang="de-DE" dirty="0"/>
+          </a:p>
+        </p:txBody>
+      </p:sp>
+      <p:sp>
+        <p:nvSpPr>
+          <p:cNvPr id="4" name="Foliennummernplatzhalter 3"/>
+          <p:cNvSpPr>
+            <a:spLocks noGrp="1"/>
+          </p:cNvSpPr>
+          <p:nvPr>
+            <p:ph type="sldNum" sz="quarter" idx="5"/>
+          </p:nvPr>
+        </p:nvSpPr>
+        <p:spPr/>
+        <p:txBody>
+          <a:bodyPr/>
+          <a:lstStyle/>
+          <a:p>
+            <a:fld id="{FBCCBC5E-3270-4F5A-BC57-D221939605CD}" type="slidenum">
+              <a:rPr lang="de-DE" smtClean="0"/>
+              <a:t>19</a:t>
+            </a:fld>
+            <a:endParaRPr lang="de-DE"/>
+          </a:p>
+        </p:txBody>
+      </p:sp>
+    </p:spTree>
+    <p:extLst>
+      <p:ext uri="{BB962C8B-B14F-4D97-AF65-F5344CB8AC3E}">
+        <p14:creationId xmlns:p14="http://schemas.microsoft.com/office/powerpoint/2010/main" val="16300848"/>
+      </p:ext>
+    </p:extLst>
+  </p:cSld>
+  <p:clrMapOvr>
+    <a:masterClrMapping/>
+  </p:clrMapOvr>
+</p:notes>
+</file>
+
+<file path=ppt/notesSlides/notesSlide8.xml><?xml version="1.0" encoding="utf-8"?>
+<p:notes xmlns:a="http://schemas.openxmlformats.org/drawingml/2006/main" xmlns:r="http://schemas.openxmlformats.org/officeDocument/2006/relationships" xmlns:p="http://schemas.openxmlformats.org/presentationml/2006/main">
+  <p:cSld>
+    <p:spTree>
+      <p:nvGrpSpPr>
+        <p:cNvPr id="1" name=""/>
+        <p:cNvGrpSpPr/>
+        <p:nvPr/>
+      </p:nvGrpSpPr>
+      <p:grpSpPr>
+        <a:xfrm>
+          <a:off x="0" y="0"/>
+          <a:ext cx="0" cy="0"/>
+          <a:chOff x="0" y="0"/>
+          <a:chExt cx="0" cy="0"/>
+        </a:xfrm>
+      </p:grpSpPr>
+      <p:sp>
+        <p:nvSpPr>
+          <p:cNvPr id="2" name="Folienbildplatzhalter 1"/>
+          <p:cNvSpPr>
+            <a:spLocks noGrp="1" noRot="1" noChangeAspect="1"/>
+          </p:cNvSpPr>
+          <p:nvPr>
+            <p:ph type="sldImg"/>
+          </p:nvPr>
+        </p:nvSpPr>
+        <p:spPr/>
+      </p:sp>
+      <p:sp>
+        <p:nvSpPr>
+          <p:cNvPr id="3" name="Notizenplatzhalter 2"/>
+          <p:cNvSpPr>
+            <a:spLocks noGrp="1"/>
+          </p:cNvSpPr>
+          <p:nvPr>
+            <p:ph type="body" idx="1"/>
+          </p:nvPr>
+        </p:nvSpPr>
+        <p:spPr/>
+        <p:txBody>
+          <a:bodyPr/>
+          <a:lstStyle/>
+          <a:p>
+            <a:endParaRPr lang="de-DE" dirty="0"/>
+          </a:p>
+        </p:txBody>
+      </p:sp>
+      <p:sp>
+        <p:nvSpPr>
+          <p:cNvPr id="4" name="Foliennummernplatzhalter 3"/>
+          <p:cNvSpPr>
+            <a:spLocks noGrp="1"/>
+          </p:cNvSpPr>
+          <p:nvPr>
+            <p:ph type="sldNum" sz="quarter" idx="5"/>
+          </p:nvPr>
+        </p:nvSpPr>
+        <p:spPr/>
+        <p:txBody>
+          <a:bodyPr/>
+          <a:lstStyle/>
+          <a:p>
+            <a:fld id="{FBCCBC5E-3270-4F5A-BC57-D221939605CD}" type="slidenum">
+              <a:rPr lang="de-DE" smtClean="0"/>
+              <a:t>20</a:t>
+            </a:fld>
+            <a:endParaRPr lang="de-DE"/>
+          </a:p>
+        </p:txBody>
+      </p:sp>
+    </p:spTree>
+    <p:extLst>
+      <p:ext uri="{BB962C8B-B14F-4D97-AF65-F5344CB8AC3E}">
+        <p14:creationId xmlns:p14="http://schemas.microsoft.com/office/powerpoint/2010/main" val="695729604"/>
+      </p:ext>
+    </p:extLst>
+  </p:cSld>
+  <p:clrMapOvr>
+    <a:masterClrMapping/>
+  </p:clrMapOvr>
+</p:notes>
+</file>
+
+<file path=ppt/notesSlides/notesSlide9.xml><?xml version="1.0" encoding="utf-8"?>
+<p:notes xmlns:a="http://schemas.openxmlformats.org/drawingml/2006/main" xmlns:r="http://schemas.openxmlformats.org/officeDocument/2006/relationships" xmlns:p="http://schemas.openxmlformats.org/presentationml/2006/main">
+  <p:cSld>
+    <p:spTree>
+      <p:nvGrpSpPr>
+        <p:cNvPr id="1" name=""/>
+        <p:cNvGrpSpPr/>
+        <p:nvPr/>
+      </p:nvGrpSpPr>
+      <p:grpSpPr>
+        <a:xfrm>
+          <a:off x="0" y="0"/>
+          <a:ext cx="0" cy="0"/>
+          <a:chOff x="0" y="0"/>
+          <a:chExt cx="0" cy="0"/>
+        </a:xfrm>
+      </p:grpSpPr>
+      <p:sp>
+        <p:nvSpPr>
+          <p:cNvPr id="2" name="Folienbildplatzhalter 1"/>
+          <p:cNvSpPr>
+            <a:spLocks noGrp="1" noRot="1" noChangeAspect="1"/>
+          </p:cNvSpPr>
+          <p:nvPr>
+            <p:ph type="sldImg"/>
+          </p:nvPr>
+        </p:nvSpPr>
+        <p:spPr/>
+      </p:sp>
+      <p:sp>
+        <p:nvSpPr>
+          <p:cNvPr id="3" name="Notizenplatzhalter 2"/>
+          <p:cNvSpPr>
+            <a:spLocks noGrp="1"/>
+          </p:cNvSpPr>
+          <p:nvPr>
+            <p:ph type="body" idx="1"/>
+          </p:nvPr>
+        </p:nvSpPr>
+        <p:spPr/>
+        <p:txBody>
+          <a:bodyPr/>
+          <a:lstStyle/>
+          <a:p>
+            <a:endParaRPr lang="de-DE" dirty="0"/>
+          </a:p>
+        </p:txBody>
+      </p:sp>
+      <p:sp>
+        <p:nvSpPr>
+          <p:cNvPr id="4" name="Foliennummernplatzhalter 3"/>
+          <p:cNvSpPr>
+            <a:spLocks noGrp="1"/>
+          </p:cNvSpPr>
+          <p:nvPr>
+            <p:ph type="sldNum" sz="quarter" idx="5"/>
+          </p:nvPr>
+        </p:nvSpPr>
+        <p:spPr/>
+        <p:txBody>
+          <a:bodyPr/>
+          <a:lstStyle/>
+          <a:p>
+            <a:fld id="{FBCCBC5E-3270-4F5A-BC57-D221939605CD}" type="slidenum">
+              <a:rPr lang="de-DE" smtClean="0"/>
+              <a:t>21</a:t>
+            </a:fld>
+            <a:endParaRPr lang="de-DE"/>
+          </a:p>
+        </p:txBody>
+      </p:sp>
+    </p:spTree>
+    <p:extLst>
+      <p:ext uri="{BB962C8B-B14F-4D97-AF65-F5344CB8AC3E}">
+        <p14:creationId xmlns:p14="http://schemas.microsoft.com/office/powerpoint/2010/main" val="3748778454"/>
       </p:ext>
     </p:extLst>
   </p:cSld>
@@ -10194,7 +11656,7 @@
           <a:p>
             <a:fld id="{FD5332E8-B613-4923-9B82-C04AF66D01B0}" type="datetime1">
               <a:rPr lang="de-DE" smtClean="0"/>
-              <a:t>27.06.2021</a:t>
+              <a:t>30.06.2021</a:t>
             </a:fld>
             <a:endParaRPr lang="de-DE"/>
           </a:p>
@@ -10417,7 +11879,7 @@
           <a:p>
             <a:fld id="{733E855F-06AD-43F9-81A2-496A849F867C}" type="datetime1">
               <a:rPr lang="de-DE" smtClean="0"/>
-              <a:t>27.06.2021</a:t>
+              <a:t>30.06.2021</a:t>
             </a:fld>
             <a:endParaRPr lang="de-DE"/>
           </a:p>
@@ -10650,7 +12112,7 @@
           <a:p>
             <a:fld id="{814228DF-DFAD-4AEC-8949-26FBE059D6DF}" type="datetime1">
               <a:rPr lang="de-DE" smtClean="0"/>
-              <a:t>27.06.2021</a:t>
+              <a:t>30.06.2021</a:t>
             </a:fld>
             <a:endParaRPr lang="de-DE"/>
           </a:p>
@@ -10872,7 +12334,7 @@
           <a:p>
             <a:fld id="{E59088F5-CBD1-44C3-809D-45DB2EE2134D}" type="datetime1">
               <a:rPr lang="de-DE" smtClean="0"/>
-              <a:t>27.06.2021</a:t>
+              <a:t>30.06.2021</a:t>
             </a:fld>
             <a:endParaRPr lang="de-DE"/>
           </a:p>
@@ -11266,7 +12728,7 @@
           <a:p>
             <a:fld id="{A3EDFE8D-444E-4600-A3F4-B9BA664D1AD8}" type="datetime1">
               <a:rPr lang="de-DE" smtClean="0"/>
-              <a:t>27.06.2021</a:t>
+              <a:t>30.06.2021</a:t>
             </a:fld>
             <a:endParaRPr lang="de-DE"/>
           </a:p>
@@ -11553,7 +13015,7 @@
           <a:p>
             <a:fld id="{FB6DBAB9-40E6-4EC7-A3D7-65FFC3231677}" type="datetime1">
               <a:rPr lang="de-DE" smtClean="0"/>
-              <a:t>27.06.2021</a:t>
+              <a:t>30.06.2021</a:t>
             </a:fld>
             <a:endParaRPr lang="de-DE"/>
           </a:p>
@@ -11990,7 +13452,7 @@
           <a:p>
             <a:fld id="{67412E0F-39BC-4C67-AE51-9200C1DAE275}" type="datetime1">
               <a:rPr lang="de-DE" smtClean="0"/>
-              <a:t>27.06.2021</a:t>
+              <a:t>30.06.2021</a:t>
             </a:fld>
             <a:endParaRPr lang="de-DE"/>
           </a:p>
@@ -12156,7 +13618,7 @@
           <a:p>
             <a:fld id="{987F63AA-5109-46E5-BADA-E819FC655CE5}" type="datetime1">
               <a:rPr lang="de-DE" smtClean="0"/>
-              <a:t>27.06.2021</a:t>
+              <a:t>30.06.2021</a:t>
             </a:fld>
             <a:endParaRPr lang="de-DE"/>
           </a:p>
@@ -12282,7 +13744,7 @@
           <a:p>
             <a:fld id="{C465B7F2-313D-4AE4-9F8F-C1AF621F20F1}" type="datetime1">
               <a:rPr lang="de-DE" smtClean="0"/>
-              <a:t>27.06.2021</a:t>
+              <a:t>30.06.2021</a:t>
             </a:fld>
             <a:endParaRPr lang="de-DE"/>
           </a:p>
@@ -12611,7 +14073,7 @@
           <a:p>
             <a:fld id="{C47B1923-7A0F-45E0-A742-1A8B843086F3}" type="datetime1">
               <a:rPr lang="de-DE" smtClean="0"/>
-              <a:t>27.06.2021</a:t>
+              <a:t>30.06.2021</a:t>
             </a:fld>
             <a:endParaRPr lang="de-DE"/>
           </a:p>
@@ -12914,7 +14376,7 @@
           <a:p>
             <a:fld id="{F9458C77-2F51-4EB9-B0EE-4B025C87D7DD}" type="datetime1">
               <a:rPr lang="de-DE" smtClean="0"/>
-              <a:t>27.06.2021</a:t>
+              <a:t>30.06.2021</a:t>
             </a:fld>
             <a:endParaRPr lang="de-DE"/>
           </a:p>
@@ -13168,7 +14630,7 @@
           <a:p>
             <a:fld id="{1B7C79C9-716B-4E3C-86FB-D2E355D3EC67}" type="datetime1">
               <a:rPr lang="de-DE" smtClean="0"/>
-              <a:t>27.06.2021</a:t>
+              <a:t>30.06.2021</a:t>
             </a:fld>
             <a:endParaRPr lang="de-DE"/>
           </a:p>
@@ -13781,7 +15243,7 @@
           <a:p>
             <a:fld id="{FD5332E8-B613-4923-9B82-C04AF66D01B0}" type="datetime1">
               <a:rPr lang="de-DE" smtClean="0"/>
-              <a:t>27.06.2021</a:t>
+              <a:t>30.06.2021</a:t>
             </a:fld>
             <a:endParaRPr lang="de-DE"/>
           </a:p>
@@ -14027,7 +15489,7 @@
           <a:p>
             <a:fld id="{E59088F5-CBD1-44C3-809D-45DB2EE2134D}" type="datetime1">
               <a:rPr lang="de-DE" smtClean="0"/>
-              <a:t>27.06.2021</a:t>
+              <a:t>30.06.2021</a:t>
             </a:fld>
             <a:endParaRPr lang="de-DE"/>
           </a:p>
@@ -14214,7 +15676,7 @@
           <a:p>
             <a:fld id="{E59088F5-CBD1-44C3-809D-45DB2EE2134D}" type="datetime1">
               <a:rPr lang="de-DE" smtClean="0"/>
-              <a:t>27.06.2021</a:t>
+              <a:t>30.06.2021</a:t>
             </a:fld>
             <a:endParaRPr lang="de-DE"/>
           </a:p>
@@ -14401,7 +15863,7 @@
           <a:p>
             <a:fld id="{E59088F5-CBD1-44C3-809D-45DB2EE2134D}" type="datetime1">
               <a:rPr lang="de-DE" smtClean="0"/>
-              <a:t>27.06.2021</a:t>
+              <a:t>30.06.2021</a:t>
             </a:fld>
             <a:endParaRPr lang="de-DE"/>
           </a:p>
@@ -14635,7 +16097,7 @@
           <a:p>
             <a:fld id="{E59088F5-CBD1-44C3-809D-45DB2EE2134D}" type="datetime1">
               <a:rPr lang="de-DE" smtClean="0"/>
-              <a:t>27.06.2021</a:t>
+              <a:t>30.06.2021</a:t>
             </a:fld>
             <a:endParaRPr lang="de-DE"/>
           </a:p>
@@ -15098,7 +16560,7 @@
           <a:p>
             <a:fld id="{E59088F5-CBD1-44C3-809D-45DB2EE2134D}" type="datetime1">
               <a:rPr lang="de-DE" smtClean="0"/>
-              <a:t>27.06.2021</a:t>
+              <a:t>30.06.2021</a:t>
             </a:fld>
             <a:endParaRPr lang="de-DE"/>
           </a:p>
@@ -15204,7 +16666,7 @@
           <p:cNvPr id="2" name="Titel 1">
             <a:extLst>
               <a:ext uri="{FF2B5EF4-FFF2-40B4-BE49-F238E27FC236}">
-                <a16:creationId xmlns:a16="http://schemas.microsoft.com/office/drawing/2014/main" id="{ABD9C354-CB9B-42BC-8181-548A84ECFB93}"/>
+                <a16:creationId xmlns:a16="http://schemas.microsoft.com/office/drawing/2014/main" id="{8AE08546-4656-41A0-91C3-1ABE0805174E}"/>
               </a:ext>
             </a:extLst>
           </p:cNvPr>
@@ -15222,8 +16684,13 @@
           <a:p>
             <a:r>
               <a:rPr lang="de-DE" dirty="0"/>
-              <a:t>Quellen </a:t>
-            </a:r>
+              <a:t>Qualitätssicherung in ITIL - </a:t>
+            </a:r>
+            <a:r>
+              <a:rPr lang="de-DE" dirty="0" err="1"/>
+              <a:t>Testing</a:t>
+            </a:r>
+            <a:endParaRPr lang="de-DE" dirty="0"/>
           </a:p>
         </p:txBody>
       </p:sp>
@@ -15232,7 +16699,7 @@
           <p:cNvPr id="3" name="Inhaltsplatzhalter 2">
             <a:extLst>
               <a:ext uri="{FF2B5EF4-FFF2-40B4-BE49-F238E27FC236}">
-                <a16:creationId xmlns:a16="http://schemas.microsoft.com/office/drawing/2014/main" id="{AE8F722F-FFD7-4991-8F89-2128AE86C8B1}"/>
+                <a16:creationId xmlns:a16="http://schemas.microsoft.com/office/drawing/2014/main" id="{42BFF853-85DA-40F8-A7F0-F9A0A0CD1E24}"/>
               </a:ext>
             </a:extLst>
           </p:cNvPr>
@@ -15245,197 +16712,54 @@
         </p:nvSpPr>
         <p:spPr/>
         <p:txBody>
-          <a:bodyPr/>
+          <a:bodyPr>
+            <a:normAutofit/>
+          </a:bodyPr>
           <a:lstStyle/>
           <a:p>
-            <a:pPr marL="0" indent="0" algn="l">
-              <a:buNone/>
+            <a:r>
+              <a:rPr lang="de-DE" dirty="0"/>
+              <a:t>Stellt Einhaltung des Vertrages über Qualitätsanforderungen sicher</a:t>
+            </a:r>
+          </a:p>
+          <a:p>
+            <a:r>
+              <a:rPr lang="de-DE" dirty="0"/>
+              <a:t>Utility (Nützlichkeit): Services und Funktionalität</a:t>
+            </a:r>
+          </a:p>
+          <a:p>
+            <a:r>
+              <a:rPr lang="de-DE" dirty="0" err="1"/>
+              <a:t>Warranty</a:t>
+            </a:r>
+            <a:r>
+              <a:rPr lang="de-DE" dirty="0"/>
+              <a:t> (Garantie): Verfügbarkeit der Services</a:t>
+            </a:r>
+          </a:p>
+          <a:p>
+            <a:endParaRPr lang="de-DE" dirty="0"/>
+          </a:p>
+          <a:p>
+            <a:pPr>
+              <a:buFont typeface="Symbol" panose="05050102010706020507" pitchFamily="18" charset="2"/>
+              <a:buChar char="Þ"/>
             </a:pPr>
             <a:r>
-              <a:rPr lang="de-DE" sz="1800" dirty="0">
-                <a:latin typeface="LinLibertineT"/>
-              </a:rPr>
-              <a:t>[1] </a:t>
-            </a:r>
-            <a:r>
-              <a:rPr lang="de-DE" sz="1800" b="0" i="0" u="none" strike="noStrike" baseline="0" dirty="0">
-                <a:latin typeface="LinLibertineT"/>
-              </a:rPr>
-              <a:t>https://www.duden.de/rechtschreibung/Qualitaet, Zugriff: 12.06.2021</a:t>
-            </a:r>
-          </a:p>
-          <a:p>
-            <a:pPr marL="0" indent="0" algn="l">
-              <a:buNone/>
+              <a:rPr lang="de-DE" dirty="0"/>
+              <a:t>Produkt selbst muss getestet werden</a:t>
+            </a:r>
+          </a:p>
+          <a:p>
+            <a:pPr>
+              <a:buFont typeface="Symbol" panose="05050102010706020507" pitchFamily="18" charset="2"/>
+              <a:buChar char="Þ"/>
             </a:pPr>
             <a:r>
-              <a:rPr lang="de-DE" sz="1800" dirty="0">
-                <a:latin typeface="LinLibertineT"/>
-              </a:rPr>
-              <a:t>[2] </a:t>
-            </a:r>
-            <a:r>
-              <a:rPr lang="de-DE" sz="1800" b="0" i="0" u="none" strike="noStrike" baseline="0" dirty="0">
-                <a:latin typeface="LinLibertineT"/>
-              </a:rPr>
-              <a:t>http://wirtschaftslexikon24.com/d/qualitaet/qualitaet.htm, Zugriff: 12.06.2021</a:t>
-            </a:r>
-          </a:p>
-          <a:p>
-            <a:pPr marL="0" indent="0">
-              <a:buNone/>
-            </a:pPr>
-            <a:r>
-              <a:rPr lang="de-DE" sz="1800" dirty="0">
-                <a:latin typeface="LinLibertineT"/>
-              </a:rPr>
-              <a:t>[3] </a:t>
-            </a:r>
-            <a:r>
-              <a:rPr lang="de-DE" sz="1800" b="0" i="0" u="none" strike="noStrike" baseline="0" dirty="0">
-                <a:latin typeface="LinLibertineT"/>
-              </a:rPr>
-              <a:t>Martin </a:t>
-            </a:r>
-            <a:r>
-              <a:rPr lang="de-DE" sz="1800" b="0" i="0" u="none" strike="noStrike" baseline="0" dirty="0" err="1">
-                <a:latin typeface="LinLibertineT"/>
-              </a:rPr>
-              <a:t>Beims</a:t>
-            </a:r>
-            <a:r>
-              <a:rPr lang="de-DE" sz="1800" b="0" i="0" u="none" strike="noStrike" baseline="0" dirty="0">
-                <a:latin typeface="LinLibertineT"/>
-              </a:rPr>
-              <a:t> and Michael Ziegenbein. 2015. </a:t>
-            </a:r>
-            <a:r>
-              <a:rPr lang="de-DE" sz="1800" b="0" i="0" u="none" strike="noStrike" baseline="0" dirty="0">
-                <a:latin typeface="LinLibertineTI"/>
-              </a:rPr>
-              <a:t>IT-Service-Management in der Praxis mit ITIL: Der Einsatz von ITIL Edition 2011, ISO/IEC 20000:2011, COBIT 5 und PRINCE2 </a:t>
-            </a:r>
-            <a:r>
-              <a:rPr lang="de-DE" sz="1800" b="0" i="0" u="none" strike="noStrike" baseline="0" dirty="0">
-                <a:latin typeface="LinLibertineT"/>
-              </a:rPr>
-              <a:t>(4., überarbeitete und erweiterte </a:t>
-            </a:r>
-            <a:r>
-              <a:rPr lang="de-DE" sz="1800" b="0" i="0" u="none" strike="noStrike" baseline="0" dirty="0" err="1">
-                <a:latin typeface="LinLibertineT"/>
-              </a:rPr>
-              <a:t>auflage</a:t>
-            </a:r>
-            <a:r>
-              <a:rPr lang="de-DE" sz="1800" b="0" i="0" u="none" strike="noStrike" baseline="0" dirty="0">
-                <a:latin typeface="LinLibertineT"/>
-              </a:rPr>
-              <a:t> </a:t>
-            </a:r>
-            <a:r>
-              <a:rPr lang="de-DE" sz="1800" b="0" i="0" u="none" strike="noStrike" baseline="0" dirty="0" err="1">
-                <a:latin typeface="LinLibertineT"/>
-              </a:rPr>
-              <a:t>ed</a:t>
-            </a:r>
-            <a:r>
-              <a:rPr lang="de-DE" sz="1800" b="0" i="0" u="none" strike="noStrike" baseline="0" dirty="0">
-                <a:latin typeface="LinLibertineT"/>
-              </a:rPr>
-              <a:t>.). Hanser, München.</a:t>
-            </a:r>
-          </a:p>
-          <a:p>
-            <a:pPr marL="0" indent="0" algn="l">
-              <a:buNone/>
-            </a:pPr>
-            <a:r>
-              <a:rPr lang="de-DE" sz="1800" dirty="0">
-                <a:latin typeface="LinLibertineT"/>
-              </a:rPr>
-              <a:t>[4] </a:t>
-            </a:r>
-            <a:r>
-              <a:rPr lang="de-DE" sz="1800" b="0" i="0" u="none" strike="noStrike" baseline="0" dirty="0">
-                <a:latin typeface="LinLibertineT"/>
-              </a:rPr>
-              <a:t>https://www.iso.org/standard/51986.html, Zugriff: 31.05.2021</a:t>
-            </a:r>
-          </a:p>
-          <a:p>
-            <a:pPr marL="0" indent="0" algn="l">
-              <a:buNone/>
-            </a:pPr>
-            <a:r>
-              <a:rPr lang="de-DE" sz="1800" dirty="0">
-                <a:latin typeface="LinLibertineT"/>
-              </a:rPr>
-              <a:t>[5] </a:t>
-            </a:r>
-            <a:r>
-              <a:rPr lang="de-DE" sz="1800" b="0" i="0" u="none" strike="noStrike" baseline="0" dirty="0">
-                <a:latin typeface="LinLibertineT"/>
-              </a:rPr>
-              <a:t>https://www.ibm.com/cloud/learn/it-service-managementtoc-what-is-it-CCWD9gs4, Zugriff: 31.05.2021</a:t>
-            </a:r>
-          </a:p>
-          <a:p>
-            <a:pPr marL="0" indent="0">
-              <a:buNone/>
-            </a:pPr>
-            <a:r>
-              <a:rPr lang="de-DE" sz="1800" dirty="0">
-                <a:latin typeface="LinLibertineT"/>
-              </a:rPr>
-              <a:t>[6] Karl-Michael Gauch. 22.03.2021. IT-Management: Einführung</a:t>
-            </a:r>
-          </a:p>
-          <a:p>
-            <a:pPr marL="0" indent="0">
-              <a:buNone/>
-            </a:pPr>
-            <a:r>
-              <a:rPr lang="de-DE" sz="1800" dirty="0">
-                <a:latin typeface="LinLibertineT"/>
-              </a:rPr>
-              <a:t>[7] </a:t>
-            </a:r>
-            <a:r>
-              <a:rPr lang="en-US" sz="1800" b="0" i="0" u="none" strike="noStrike" baseline="0" dirty="0">
-                <a:latin typeface="LinLibertineT"/>
-              </a:rPr>
-              <a:t>Karl-Michael </a:t>
-            </a:r>
-            <a:r>
-              <a:rPr lang="en-US" sz="1800" b="0" i="0" u="none" strike="noStrike" baseline="0" dirty="0" err="1">
-                <a:latin typeface="LinLibertineT"/>
-              </a:rPr>
-              <a:t>Gauch</a:t>
-            </a:r>
-            <a:r>
-              <a:rPr lang="en-US" sz="1800" b="0" i="0" u="none" strike="noStrike" baseline="0" dirty="0">
-                <a:latin typeface="LinLibertineT"/>
-              </a:rPr>
-              <a:t>. 24.03.2021. IT-Management: Introduction to ITIL.</a:t>
-            </a:r>
-            <a:endParaRPr lang="de-DE" sz="1800" dirty="0">
-              <a:latin typeface="LinLibertineT"/>
-            </a:endParaRPr>
-          </a:p>
-          <a:p>
-            <a:pPr marL="0" indent="0" algn="l">
-              <a:buNone/>
-            </a:pPr>
-            <a:endParaRPr lang="de-DE" sz="1800" b="0" i="0" u="none" strike="noStrike" baseline="0" dirty="0">
-              <a:latin typeface="LinLibertineT"/>
-            </a:endParaRPr>
-          </a:p>
-          <a:p>
-            <a:pPr marL="0" indent="0" algn="l">
-              <a:buNone/>
-            </a:pPr>
-            <a:endParaRPr lang="de-DE" dirty="0"/>
+              <a:rPr lang="de-DE" dirty="0"/>
+              <a:t>Interne Strukturen müssen getestet werden</a:t>
+            </a:r>
           </a:p>
         </p:txBody>
       </p:sp>
@@ -15444,7 +16768,7 @@
           <p:cNvPr id="4" name="Datumsplatzhalter 3">
             <a:extLst>
               <a:ext uri="{FF2B5EF4-FFF2-40B4-BE49-F238E27FC236}">
-                <a16:creationId xmlns:a16="http://schemas.microsoft.com/office/drawing/2014/main" id="{F2C165A7-AC1A-41F2-9717-6DCF639AB481}"/>
+                <a16:creationId xmlns:a16="http://schemas.microsoft.com/office/drawing/2014/main" id="{5BA5B140-6506-452D-B029-BD0BE2AD9052}"/>
               </a:ext>
             </a:extLst>
           </p:cNvPr>
@@ -15462,7 +16786,7 @@
           <a:p>
             <a:fld id="{E59088F5-CBD1-44C3-809D-45DB2EE2134D}" type="datetime1">
               <a:rPr lang="de-DE" smtClean="0"/>
-              <a:t>27.06.2021</a:t>
+              <a:t>30.06.2021</a:t>
             </a:fld>
             <a:endParaRPr lang="de-DE"/>
           </a:p>
@@ -15473,7 +16797,7 @@
           <p:cNvPr id="5" name="Foliennummernplatzhalter 4">
             <a:extLst>
               <a:ext uri="{FF2B5EF4-FFF2-40B4-BE49-F238E27FC236}">
-                <a16:creationId xmlns:a16="http://schemas.microsoft.com/office/drawing/2014/main" id="{678C662F-8E4D-4CE5-BD57-B0DAAEBAE021}"/>
+                <a16:creationId xmlns:a16="http://schemas.microsoft.com/office/drawing/2014/main" id="{8B35FBE7-8B97-4A68-941E-659DD09B7E28}"/>
               </a:ext>
             </a:extLst>
           </p:cNvPr>
@@ -15497,10 +16821,973 @@
           </a:p>
         </p:txBody>
       </p:sp>
+      <p:sp>
+        <p:nvSpPr>
+          <p:cNvPr id="6" name="Textfeld 5">
+            <a:extLst>
+              <a:ext uri="{FF2B5EF4-FFF2-40B4-BE49-F238E27FC236}">
+                <a16:creationId xmlns:a16="http://schemas.microsoft.com/office/drawing/2014/main" id="{F86DFBBD-DC12-4EBD-92C4-F50CF3D78147}"/>
+              </a:ext>
+            </a:extLst>
+          </p:cNvPr>
+          <p:cNvSpPr txBox="1"/>
+          <p:nvPr/>
+        </p:nvSpPr>
+        <p:spPr>
+          <a:xfrm>
+            <a:off x="10352085" y="5622244"/>
+            <a:ext cx="6094428" cy="369332"/>
+          </a:xfrm>
+          <a:prstGeom prst="rect">
+            <a:avLst/>
+          </a:prstGeom>
+          <a:noFill/>
+        </p:spPr>
+        <p:txBody>
+          <a:bodyPr wrap="square">
+            <a:spAutoFit/>
+          </a:bodyPr>
+          <a:lstStyle/>
+          <a:p>
+            <a:r>
+              <a:rPr lang="de-DE" sz="1800" dirty="0"/>
+              <a:t>[3]</a:t>
+            </a:r>
+            <a:endParaRPr lang="de-DE" dirty="0"/>
+          </a:p>
+        </p:txBody>
+      </p:sp>
     </p:spTree>
     <p:extLst>
       <p:ext uri="{BB962C8B-B14F-4D97-AF65-F5344CB8AC3E}">
-        <p14:creationId xmlns:p14="http://schemas.microsoft.com/office/powerpoint/2010/main" val="3538321384"/>
+        <p14:creationId xmlns:p14="http://schemas.microsoft.com/office/powerpoint/2010/main" val="3666963552"/>
+      </p:ext>
+    </p:extLst>
+  </p:cSld>
+  <p:clrMapOvr>
+    <a:masterClrMapping/>
+  </p:clrMapOvr>
+</p:sld>
+</file>
+
+<file path=ppt/slides/slide16.xml><?xml version="1.0" encoding="utf-8"?>
+<p:sld xmlns:a="http://schemas.openxmlformats.org/drawingml/2006/main" xmlns:r="http://schemas.openxmlformats.org/officeDocument/2006/relationships" xmlns:p="http://schemas.openxmlformats.org/presentationml/2006/main">
+  <p:cSld>
+    <p:spTree>
+      <p:nvGrpSpPr>
+        <p:cNvPr id="1" name=""/>
+        <p:cNvGrpSpPr/>
+        <p:nvPr/>
+      </p:nvGrpSpPr>
+      <p:grpSpPr>
+        <a:xfrm>
+          <a:off x="0" y="0"/>
+          <a:ext cx="0" cy="0"/>
+          <a:chOff x="0" y="0"/>
+          <a:chExt cx="0" cy="0"/>
+        </a:xfrm>
+      </p:grpSpPr>
+      <p:sp>
+        <p:nvSpPr>
+          <p:cNvPr id="2" name="Titel 1">
+            <a:extLst>
+              <a:ext uri="{FF2B5EF4-FFF2-40B4-BE49-F238E27FC236}">
+                <a16:creationId xmlns:a16="http://schemas.microsoft.com/office/drawing/2014/main" id="{8AE08546-4656-41A0-91C3-1ABE0805174E}"/>
+              </a:ext>
+            </a:extLst>
+          </p:cNvPr>
+          <p:cNvSpPr>
+            <a:spLocks noGrp="1"/>
+          </p:cNvSpPr>
+          <p:nvPr>
+            <p:ph type="title"/>
+          </p:nvPr>
+        </p:nvSpPr>
+        <p:spPr/>
+        <p:txBody>
+          <a:bodyPr/>
+          <a:lstStyle/>
+          <a:p>
+            <a:r>
+              <a:rPr lang="de-DE" dirty="0"/>
+              <a:t>Qualitätssicherung in ITIL - </a:t>
+            </a:r>
+            <a:r>
+              <a:rPr lang="de-DE" dirty="0" err="1"/>
+              <a:t>Testing</a:t>
+            </a:r>
+            <a:endParaRPr lang="de-DE" dirty="0"/>
+          </a:p>
+        </p:txBody>
+      </p:sp>
+      <p:sp>
+        <p:nvSpPr>
+          <p:cNvPr id="3" name="Inhaltsplatzhalter 2">
+            <a:extLst>
+              <a:ext uri="{FF2B5EF4-FFF2-40B4-BE49-F238E27FC236}">
+                <a16:creationId xmlns:a16="http://schemas.microsoft.com/office/drawing/2014/main" id="{42BFF853-85DA-40F8-A7F0-F9A0A0CD1E24}"/>
+              </a:ext>
+            </a:extLst>
+          </p:cNvPr>
+          <p:cNvSpPr>
+            <a:spLocks noGrp="1"/>
+          </p:cNvSpPr>
+          <p:nvPr>
+            <p:ph idx="1"/>
+          </p:nvPr>
+        </p:nvSpPr>
+        <p:spPr/>
+        <p:txBody>
+          <a:bodyPr>
+            <a:normAutofit/>
+          </a:bodyPr>
+          <a:lstStyle/>
+          <a:p>
+            <a:r>
+              <a:rPr lang="de-DE" dirty="0"/>
+              <a:t>Bewährte Testmodelle können genutzt werden</a:t>
+            </a:r>
+          </a:p>
+          <a:p>
+            <a:r>
+              <a:rPr lang="de-DE" dirty="0"/>
+              <a:t>Zum Beispiel: Wasserfallmodell oder agile Testansätze</a:t>
+            </a:r>
+          </a:p>
+          <a:p>
+            <a:r>
+              <a:rPr lang="de-DE" dirty="0"/>
+              <a:t>Im Projekt: Service V-Modell</a:t>
+            </a:r>
+          </a:p>
+          <a:p>
+            <a:pPr marL="0" indent="0">
+              <a:buNone/>
+            </a:pPr>
+            <a:endParaRPr lang="de-DE" dirty="0"/>
+          </a:p>
+        </p:txBody>
+      </p:sp>
+      <p:sp>
+        <p:nvSpPr>
+          <p:cNvPr id="4" name="Datumsplatzhalter 3">
+            <a:extLst>
+              <a:ext uri="{FF2B5EF4-FFF2-40B4-BE49-F238E27FC236}">
+                <a16:creationId xmlns:a16="http://schemas.microsoft.com/office/drawing/2014/main" id="{5BA5B140-6506-452D-B029-BD0BE2AD9052}"/>
+              </a:ext>
+            </a:extLst>
+          </p:cNvPr>
+          <p:cNvSpPr>
+            <a:spLocks noGrp="1"/>
+          </p:cNvSpPr>
+          <p:nvPr>
+            <p:ph type="dt" sz="half" idx="10"/>
+          </p:nvPr>
+        </p:nvSpPr>
+        <p:spPr/>
+        <p:txBody>
+          <a:bodyPr/>
+          <a:lstStyle/>
+          <a:p>
+            <a:fld id="{E59088F5-CBD1-44C3-809D-45DB2EE2134D}" type="datetime1">
+              <a:rPr lang="de-DE" smtClean="0"/>
+              <a:t>30.06.2021</a:t>
+            </a:fld>
+            <a:endParaRPr lang="de-DE"/>
+          </a:p>
+        </p:txBody>
+      </p:sp>
+      <p:sp>
+        <p:nvSpPr>
+          <p:cNvPr id="5" name="Foliennummernplatzhalter 4">
+            <a:extLst>
+              <a:ext uri="{FF2B5EF4-FFF2-40B4-BE49-F238E27FC236}">
+                <a16:creationId xmlns:a16="http://schemas.microsoft.com/office/drawing/2014/main" id="{8B35FBE7-8B97-4A68-941E-659DD09B7E28}"/>
+              </a:ext>
+            </a:extLst>
+          </p:cNvPr>
+          <p:cNvSpPr>
+            <a:spLocks noGrp="1"/>
+          </p:cNvSpPr>
+          <p:nvPr>
+            <p:ph type="sldNum" sz="quarter" idx="12"/>
+          </p:nvPr>
+        </p:nvSpPr>
+        <p:spPr/>
+        <p:txBody>
+          <a:bodyPr/>
+          <a:lstStyle/>
+          <a:p>
+            <a:fld id="{AE1E1EB3-B919-4771-A43C-7C8BA70B36D7}" type="slidenum">
+              <a:rPr lang="de-DE" smtClean="0"/>
+              <a:t>16</a:t>
+            </a:fld>
+            <a:endParaRPr lang="de-DE"/>
+          </a:p>
+        </p:txBody>
+      </p:sp>
+      <p:sp>
+        <p:nvSpPr>
+          <p:cNvPr id="6" name="Textfeld 5">
+            <a:extLst>
+              <a:ext uri="{FF2B5EF4-FFF2-40B4-BE49-F238E27FC236}">
+                <a16:creationId xmlns:a16="http://schemas.microsoft.com/office/drawing/2014/main" id="{F86DFBBD-DC12-4EBD-92C4-F50CF3D78147}"/>
+              </a:ext>
+            </a:extLst>
+          </p:cNvPr>
+          <p:cNvSpPr txBox="1"/>
+          <p:nvPr/>
+        </p:nvSpPr>
+        <p:spPr>
+          <a:xfrm>
+            <a:off x="10352085" y="5622244"/>
+            <a:ext cx="6094428" cy="369332"/>
+          </a:xfrm>
+          <a:prstGeom prst="rect">
+            <a:avLst/>
+          </a:prstGeom>
+          <a:noFill/>
+        </p:spPr>
+        <p:txBody>
+          <a:bodyPr wrap="square">
+            <a:spAutoFit/>
+          </a:bodyPr>
+          <a:lstStyle/>
+          <a:p>
+            <a:r>
+              <a:rPr lang="de-DE" sz="1800" dirty="0"/>
+              <a:t>[3]</a:t>
+            </a:r>
+            <a:endParaRPr lang="de-DE" dirty="0"/>
+          </a:p>
+        </p:txBody>
+      </p:sp>
+    </p:spTree>
+    <p:extLst>
+      <p:ext uri="{BB962C8B-B14F-4D97-AF65-F5344CB8AC3E}">
+        <p14:creationId xmlns:p14="http://schemas.microsoft.com/office/powerpoint/2010/main" val="2213086878"/>
+      </p:ext>
+    </p:extLst>
+  </p:cSld>
+  <p:clrMapOvr>
+    <a:masterClrMapping/>
+  </p:clrMapOvr>
+</p:sld>
+</file>
+
+<file path=ppt/slides/slide17.xml><?xml version="1.0" encoding="utf-8"?>
+<p:sld xmlns:a="http://schemas.openxmlformats.org/drawingml/2006/main" xmlns:r="http://schemas.openxmlformats.org/officeDocument/2006/relationships" xmlns:p="http://schemas.openxmlformats.org/presentationml/2006/main">
+  <p:cSld>
+    <p:spTree>
+      <p:nvGrpSpPr>
+        <p:cNvPr id="1" name=""/>
+        <p:cNvGrpSpPr/>
+        <p:nvPr/>
+      </p:nvGrpSpPr>
+      <p:grpSpPr>
+        <a:xfrm>
+          <a:off x="0" y="0"/>
+          <a:ext cx="0" cy="0"/>
+          <a:chOff x="0" y="0"/>
+          <a:chExt cx="0" cy="0"/>
+        </a:xfrm>
+      </p:grpSpPr>
+      <p:sp>
+        <p:nvSpPr>
+          <p:cNvPr id="2" name="Titel 1">
+            <a:extLst>
+              <a:ext uri="{FF2B5EF4-FFF2-40B4-BE49-F238E27FC236}">
+                <a16:creationId xmlns:a16="http://schemas.microsoft.com/office/drawing/2014/main" id="{8AE08546-4656-41A0-91C3-1ABE0805174E}"/>
+              </a:ext>
+            </a:extLst>
+          </p:cNvPr>
+          <p:cNvSpPr>
+            <a:spLocks noGrp="1"/>
+          </p:cNvSpPr>
+          <p:nvPr>
+            <p:ph type="title"/>
+          </p:nvPr>
+        </p:nvSpPr>
+        <p:spPr/>
+        <p:txBody>
+          <a:bodyPr/>
+          <a:lstStyle/>
+          <a:p>
+            <a:r>
+              <a:rPr lang="de-DE" dirty="0"/>
+              <a:t>Qualitätssicherung in ITIL – </a:t>
+            </a:r>
+            <a:r>
+              <a:rPr lang="de-DE" dirty="0" err="1"/>
+              <a:t>Testing</a:t>
+            </a:r>
+            <a:br>
+              <a:rPr lang="de-DE" dirty="0"/>
+            </a:br>
+            <a:r>
+              <a:rPr lang="de-DE" sz="3600" dirty="0"/>
+              <a:t>Service V-Modell</a:t>
+            </a:r>
+          </a:p>
+        </p:txBody>
+      </p:sp>
+      <p:pic>
+        <p:nvPicPr>
+          <p:cNvPr id="8" name="Inhaltsplatzhalter 7">
+            <a:extLst>
+              <a:ext uri="{FF2B5EF4-FFF2-40B4-BE49-F238E27FC236}">
+                <a16:creationId xmlns:a16="http://schemas.microsoft.com/office/drawing/2014/main" id="{B342AEEE-7D23-4422-BD42-8E72D1A57247}"/>
+              </a:ext>
+            </a:extLst>
+          </p:cNvPr>
+          <p:cNvPicPr>
+            <a:picLocks noGrp="1" noChangeAspect="1"/>
+          </p:cNvPicPr>
+          <p:nvPr>
+            <p:ph idx="1"/>
+          </p:nvPr>
+        </p:nvPicPr>
+        <p:blipFill>
+          <a:blip r:embed="rId3">
+            <a:extLst>
+              <a:ext uri="{28A0092B-C50C-407E-A947-70E740481C1C}">
+                <a14:useLocalDpi xmlns:a14="http://schemas.microsoft.com/office/drawing/2010/main" val="0"/>
+              </a:ext>
+            </a:extLst>
+          </a:blip>
+          <a:stretch>
+            <a:fillRect/>
+          </a:stretch>
+        </p:blipFill>
+        <p:spPr>
+          <a:xfrm>
+            <a:off x="2664434" y="1654852"/>
+            <a:ext cx="6863132" cy="3967392"/>
+          </a:xfrm>
+        </p:spPr>
+      </p:pic>
+      <p:sp>
+        <p:nvSpPr>
+          <p:cNvPr id="4" name="Datumsplatzhalter 3">
+            <a:extLst>
+              <a:ext uri="{FF2B5EF4-FFF2-40B4-BE49-F238E27FC236}">
+                <a16:creationId xmlns:a16="http://schemas.microsoft.com/office/drawing/2014/main" id="{5BA5B140-6506-452D-B029-BD0BE2AD9052}"/>
+              </a:ext>
+            </a:extLst>
+          </p:cNvPr>
+          <p:cNvSpPr>
+            <a:spLocks noGrp="1"/>
+          </p:cNvSpPr>
+          <p:nvPr>
+            <p:ph type="dt" sz="half" idx="10"/>
+          </p:nvPr>
+        </p:nvSpPr>
+        <p:spPr/>
+        <p:txBody>
+          <a:bodyPr/>
+          <a:lstStyle/>
+          <a:p>
+            <a:fld id="{E59088F5-CBD1-44C3-809D-45DB2EE2134D}" type="datetime1">
+              <a:rPr lang="de-DE" smtClean="0"/>
+              <a:t>30.06.2021</a:t>
+            </a:fld>
+            <a:endParaRPr lang="de-DE"/>
+          </a:p>
+        </p:txBody>
+      </p:sp>
+      <p:sp>
+        <p:nvSpPr>
+          <p:cNvPr id="5" name="Foliennummernplatzhalter 4">
+            <a:extLst>
+              <a:ext uri="{FF2B5EF4-FFF2-40B4-BE49-F238E27FC236}">
+                <a16:creationId xmlns:a16="http://schemas.microsoft.com/office/drawing/2014/main" id="{8B35FBE7-8B97-4A68-941E-659DD09B7E28}"/>
+              </a:ext>
+            </a:extLst>
+          </p:cNvPr>
+          <p:cNvSpPr>
+            <a:spLocks noGrp="1"/>
+          </p:cNvSpPr>
+          <p:nvPr>
+            <p:ph type="sldNum" sz="quarter" idx="12"/>
+          </p:nvPr>
+        </p:nvSpPr>
+        <p:spPr/>
+        <p:txBody>
+          <a:bodyPr/>
+          <a:lstStyle/>
+          <a:p>
+            <a:fld id="{AE1E1EB3-B919-4771-A43C-7C8BA70B36D7}" type="slidenum">
+              <a:rPr lang="de-DE" smtClean="0"/>
+              <a:t>17</a:t>
+            </a:fld>
+            <a:endParaRPr lang="de-DE"/>
+          </a:p>
+        </p:txBody>
+      </p:sp>
+      <p:sp>
+        <p:nvSpPr>
+          <p:cNvPr id="6" name="Textfeld 5">
+            <a:extLst>
+              <a:ext uri="{FF2B5EF4-FFF2-40B4-BE49-F238E27FC236}">
+                <a16:creationId xmlns:a16="http://schemas.microsoft.com/office/drawing/2014/main" id="{F86DFBBD-DC12-4EBD-92C4-F50CF3D78147}"/>
+              </a:ext>
+            </a:extLst>
+          </p:cNvPr>
+          <p:cNvSpPr txBox="1"/>
+          <p:nvPr/>
+        </p:nvSpPr>
+        <p:spPr>
+          <a:xfrm>
+            <a:off x="10352085" y="5622244"/>
+            <a:ext cx="6094428" cy="369332"/>
+          </a:xfrm>
+          <a:prstGeom prst="rect">
+            <a:avLst/>
+          </a:prstGeom>
+          <a:noFill/>
+        </p:spPr>
+        <p:txBody>
+          <a:bodyPr wrap="square">
+            <a:spAutoFit/>
+          </a:bodyPr>
+          <a:lstStyle/>
+          <a:p>
+            <a:r>
+              <a:rPr lang="de-DE" sz="1800" dirty="0"/>
+              <a:t>[3]</a:t>
+            </a:r>
+            <a:endParaRPr lang="de-DE" dirty="0"/>
+          </a:p>
+        </p:txBody>
+      </p:sp>
+    </p:spTree>
+    <p:extLst>
+      <p:ext uri="{BB962C8B-B14F-4D97-AF65-F5344CB8AC3E}">
+        <p14:creationId xmlns:p14="http://schemas.microsoft.com/office/powerpoint/2010/main" val="566491071"/>
+      </p:ext>
+    </p:extLst>
+  </p:cSld>
+  <p:clrMapOvr>
+    <a:masterClrMapping/>
+  </p:clrMapOvr>
+</p:sld>
+</file>
+
+<file path=ppt/slides/slide18.xml><?xml version="1.0" encoding="utf-8"?>
+<p:sld xmlns:a="http://schemas.openxmlformats.org/drawingml/2006/main" xmlns:r="http://schemas.openxmlformats.org/officeDocument/2006/relationships" xmlns:p="http://schemas.openxmlformats.org/presentationml/2006/main">
+  <p:cSld>
+    <p:spTree>
+      <p:nvGrpSpPr>
+        <p:cNvPr id="1" name=""/>
+        <p:cNvGrpSpPr/>
+        <p:nvPr/>
+      </p:nvGrpSpPr>
+      <p:grpSpPr>
+        <a:xfrm>
+          <a:off x="0" y="0"/>
+          <a:ext cx="0" cy="0"/>
+          <a:chOff x="0" y="0"/>
+          <a:chExt cx="0" cy="0"/>
+        </a:xfrm>
+      </p:grpSpPr>
+      <p:sp>
+        <p:nvSpPr>
+          <p:cNvPr id="2" name="Titel 1">
+            <a:extLst>
+              <a:ext uri="{FF2B5EF4-FFF2-40B4-BE49-F238E27FC236}">
+                <a16:creationId xmlns:a16="http://schemas.microsoft.com/office/drawing/2014/main" id="{8AE08546-4656-41A0-91C3-1ABE0805174E}"/>
+              </a:ext>
+            </a:extLst>
+          </p:cNvPr>
+          <p:cNvSpPr>
+            <a:spLocks noGrp="1"/>
+          </p:cNvSpPr>
+          <p:nvPr>
+            <p:ph type="title"/>
+          </p:nvPr>
+        </p:nvSpPr>
+        <p:spPr/>
+        <p:txBody>
+          <a:bodyPr/>
+          <a:lstStyle/>
+          <a:p>
+            <a:r>
+              <a:rPr lang="de-DE" dirty="0"/>
+              <a:t>Qualitätssicherung in ITIL – </a:t>
+            </a:r>
+            <a:r>
+              <a:rPr lang="de-DE" dirty="0" err="1"/>
+              <a:t>Testing</a:t>
+            </a:r>
+            <a:r>
+              <a:rPr lang="de-DE" dirty="0"/>
+              <a:t> </a:t>
+            </a:r>
+            <a:br>
+              <a:rPr lang="de-DE" dirty="0"/>
+            </a:br>
+            <a:r>
+              <a:rPr lang="de-DE" sz="3600" dirty="0"/>
+              <a:t>Service V-Modell</a:t>
+            </a:r>
+          </a:p>
+        </p:txBody>
+      </p:sp>
+      <p:sp>
+        <p:nvSpPr>
+          <p:cNvPr id="4" name="Datumsplatzhalter 3">
+            <a:extLst>
+              <a:ext uri="{FF2B5EF4-FFF2-40B4-BE49-F238E27FC236}">
+                <a16:creationId xmlns:a16="http://schemas.microsoft.com/office/drawing/2014/main" id="{5BA5B140-6506-452D-B029-BD0BE2AD9052}"/>
+              </a:ext>
+            </a:extLst>
+          </p:cNvPr>
+          <p:cNvSpPr>
+            <a:spLocks noGrp="1"/>
+          </p:cNvSpPr>
+          <p:nvPr>
+            <p:ph type="dt" sz="half" idx="10"/>
+          </p:nvPr>
+        </p:nvSpPr>
+        <p:spPr/>
+        <p:txBody>
+          <a:bodyPr/>
+          <a:lstStyle/>
+          <a:p>
+            <a:fld id="{E59088F5-CBD1-44C3-809D-45DB2EE2134D}" type="datetime1">
+              <a:rPr lang="de-DE" smtClean="0"/>
+              <a:t>30.06.2021</a:t>
+            </a:fld>
+            <a:endParaRPr lang="de-DE"/>
+          </a:p>
+        </p:txBody>
+      </p:sp>
+      <p:sp>
+        <p:nvSpPr>
+          <p:cNvPr id="5" name="Foliennummernplatzhalter 4">
+            <a:extLst>
+              <a:ext uri="{FF2B5EF4-FFF2-40B4-BE49-F238E27FC236}">
+                <a16:creationId xmlns:a16="http://schemas.microsoft.com/office/drawing/2014/main" id="{8B35FBE7-8B97-4A68-941E-659DD09B7E28}"/>
+              </a:ext>
+            </a:extLst>
+          </p:cNvPr>
+          <p:cNvSpPr>
+            <a:spLocks noGrp="1"/>
+          </p:cNvSpPr>
+          <p:nvPr>
+            <p:ph type="sldNum" sz="quarter" idx="12"/>
+          </p:nvPr>
+        </p:nvSpPr>
+        <p:spPr/>
+        <p:txBody>
+          <a:bodyPr/>
+          <a:lstStyle/>
+          <a:p>
+            <a:fld id="{AE1E1EB3-B919-4771-A43C-7C8BA70B36D7}" type="slidenum">
+              <a:rPr lang="de-DE" smtClean="0"/>
+              <a:t>18</a:t>
+            </a:fld>
+            <a:endParaRPr lang="de-DE"/>
+          </a:p>
+        </p:txBody>
+      </p:sp>
+      <p:sp>
+        <p:nvSpPr>
+          <p:cNvPr id="6" name="Textfeld 5">
+            <a:extLst>
+              <a:ext uri="{FF2B5EF4-FFF2-40B4-BE49-F238E27FC236}">
+                <a16:creationId xmlns:a16="http://schemas.microsoft.com/office/drawing/2014/main" id="{F86DFBBD-DC12-4EBD-92C4-F50CF3D78147}"/>
+              </a:ext>
+            </a:extLst>
+          </p:cNvPr>
+          <p:cNvSpPr txBox="1"/>
+          <p:nvPr/>
+        </p:nvSpPr>
+        <p:spPr>
+          <a:xfrm>
+            <a:off x="10352085" y="5622244"/>
+            <a:ext cx="6094428" cy="369332"/>
+          </a:xfrm>
+          <a:prstGeom prst="rect">
+            <a:avLst/>
+          </a:prstGeom>
+          <a:noFill/>
+        </p:spPr>
+        <p:txBody>
+          <a:bodyPr wrap="square">
+            <a:spAutoFit/>
+          </a:bodyPr>
+          <a:lstStyle/>
+          <a:p>
+            <a:r>
+              <a:rPr lang="de-DE" sz="1800" dirty="0"/>
+              <a:t>[3]</a:t>
+            </a:r>
+            <a:endParaRPr lang="de-DE" dirty="0"/>
+          </a:p>
+        </p:txBody>
+      </p:sp>
+      <p:sp>
+        <p:nvSpPr>
+          <p:cNvPr id="7" name="Inhaltsplatzhalter 6">
+            <a:extLst>
+              <a:ext uri="{FF2B5EF4-FFF2-40B4-BE49-F238E27FC236}">
+                <a16:creationId xmlns:a16="http://schemas.microsoft.com/office/drawing/2014/main" id="{924001C5-AA38-4524-B14D-DED27E5F6BB0}"/>
+              </a:ext>
+            </a:extLst>
+          </p:cNvPr>
+          <p:cNvSpPr>
+            <a:spLocks noGrp="1"/>
+          </p:cNvSpPr>
+          <p:nvPr>
+            <p:ph idx="1"/>
+          </p:nvPr>
+        </p:nvSpPr>
+        <p:spPr/>
+        <p:txBody>
+          <a:bodyPr/>
+          <a:lstStyle/>
+          <a:p>
+            <a:pPr marL="0" indent="0">
+              <a:buNone/>
+            </a:pPr>
+            <a:r>
+              <a:rPr lang="de-DE" b="1" dirty="0" err="1"/>
+              <a:t>Component</a:t>
+            </a:r>
+            <a:r>
+              <a:rPr lang="de-DE" b="1" dirty="0"/>
+              <a:t> Test: </a:t>
+            </a:r>
+          </a:p>
+          <a:p>
+            <a:pPr marL="0" indent="0">
+              <a:buNone/>
+            </a:pPr>
+            <a:r>
+              <a:rPr lang="de-DE" dirty="0"/>
+              <a:t>Ist die technische Umsetzung korrekt?</a:t>
+            </a:r>
+          </a:p>
+          <a:p>
+            <a:pPr marL="0" indent="0">
+              <a:buNone/>
+            </a:pPr>
+            <a:endParaRPr lang="de-DE" dirty="0"/>
+          </a:p>
+          <a:p>
+            <a:pPr marL="0" indent="0">
+              <a:buNone/>
+            </a:pPr>
+            <a:r>
+              <a:rPr lang="de-DE" b="1" dirty="0"/>
+              <a:t>Release Package Test: </a:t>
+            </a:r>
+          </a:p>
+          <a:p>
+            <a:pPr marL="0" indent="0">
+              <a:buNone/>
+            </a:pPr>
+            <a:r>
+              <a:rPr lang="de-DE" dirty="0"/>
+              <a:t>Können Services bereitgestellt werden? (</a:t>
+            </a:r>
+            <a:r>
+              <a:rPr lang="de-DE" dirty="0" err="1"/>
+              <a:t>Deployment</a:t>
+            </a:r>
+            <a:r>
+              <a:rPr lang="de-DE" dirty="0"/>
+              <a:t>)</a:t>
+            </a:r>
+          </a:p>
+          <a:p>
+            <a:pPr marL="0" indent="0">
+              <a:buNone/>
+            </a:pPr>
+            <a:endParaRPr lang="de-DE" dirty="0"/>
+          </a:p>
+          <a:p>
+            <a:pPr marL="0" indent="0">
+              <a:buNone/>
+            </a:pPr>
+            <a:r>
+              <a:rPr lang="de-DE" b="1" dirty="0"/>
+              <a:t>Operational </a:t>
+            </a:r>
+            <a:r>
+              <a:rPr lang="de-DE" b="1" dirty="0" err="1"/>
+              <a:t>Readiness</a:t>
+            </a:r>
+            <a:r>
+              <a:rPr lang="de-DE" b="1" dirty="0"/>
+              <a:t> Test: </a:t>
+            </a:r>
+          </a:p>
+          <a:p>
+            <a:pPr marL="0" indent="0">
+              <a:buNone/>
+            </a:pPr>
+            <a:r>
+              <a:rPr lang="de-DE" dirty="0"/>
+              <a:t>Sind technische und Humanressource vorhanden?</a:t>
+            </a:r>
+          </a:p>
+          <a:p>
+            <a:pPr marL="0" indent="0">
+              <a:buNone/>
+            </a:pPr>
+            <a:endParaRPr lang="de-DE" dirty="0"/>
+          </a:p>
+        </p:txBody>
+      </p:sp>
+    </p:spTree>
+    <p:extLst>
+      <p:ext uri="{BB962C8B-B14F-4D97-AF65-F5344CB8AC3E}">
+        <p14:creationId xmlns:p14="http://schemas.microsoft.com/office/powerpoint/2010/main" val="3541318460"/>
+      </p:ext>
+    </p:extLst>
+  </p:cSld>
+  <p:clrMapOvr>
+    <a:masterClrMapping/>
+  </p:clrMapOvr>
+</p:sld>
+</file>
+
+<file path=ppt/slides/slide19.xml><?xml version="1.0" encoding="utf-8"?>
+<p:sld xmlns:a="http://schemas.openxmlformats.org/drawingml/2006/main" xmlns:r="http://schemas.openxmlformats.org/officeDocument/2006/relationships" xmlns:p="http://schemas.openxmlformats.org/presentationml/2006/main">
+  <p:cSld>
+    <p:spTree>
+      <p:nvGrpSpPr>
+        <p:cNvPr id="1" name=""/>
+        <p:cNvGrpSpPr/>
+        <p:nvPr/>
+      </p:nvGrpSpPr>
+      <p:grpSpPr>
+        <a:xfrm>
+          <a:off x="0" y="0"/>
+          <a:ext cx="0" cy="0"/>
+          <a:chOff x="0" y="0"/>
+          <a:chExt cx="0" cy="0"/>
+        </a:xfrm>
+      </p:grpSpPr>
+      <p:sp>
+        <p:nvSpPr>
+          <p:cNvPr id="2" name="Titel 1">
+            <a:extLst>
+              <a:ext uri="{FF2B5EF4-FFF2-40B4-BE49-F238E27FC236}">
+                <a16:creationId xmlns:a16="http://schemas.microsoft.com/office/drawing/2014/main" id="{8AE08546-4656-41A0-91C3-1ABE0805174E}"/>
+              </a:ext>
+            </a:extLst>
+          </p:cNvPr>
+          <p:cNvSpPr>
+            <a:spLocks noGrp="1"/>
+          </p:cNvSpPr>
+          <p:nvPr>
+            <p:ph type="title"/>
+          </p:nvPr>
+        </p:nvSpPr>
+        <p:spPr/>
+        <p:txBody>
+          <a:bodyPr/>
+          <a:lstStyle/>
+          <a:p>
+            <a:r>
+              <a:rPr lang="de-DE" dirty="0"/>
+              <a:t>Qualitätssicherung in ITIL – </a:t>
+            </a:r>
+            <a:r>
+              <a:rPr lang="de-DE" dirty="0" err="1"/>
+              <a:t>Testing</a:t>
+            </a:r>
+            <a:r>
+              <a:rPr lang="de-DE" dirty="0"/>
+              <a:t> </a:t>
+            </a:r>
+            <a:br>
+              <a:rPr lang="de-DE" dirty="0"/>
+            </a:br>
+            <a:r>
+              <a:rPr lang="de-DE" sz="3600" dirty="0"/>
+              <a:t>Service V-Modell</a:t>
+            </a:r>
+          </a:p>
+        </p:txBody>
+      </p:sp>
+      <p:sp>
+        <p:nvSpPr>
+          <p:cNvPr id="4" name="Datumsplatzhalter 3">
+            <a:extLst>
+              <a:ext uri="{FF2B5EF4-FFF2-40B4-BE49-F238E27FC236}">
+                <a16:creationId xmlns:a16="http://schemas.microsoft.com/office/drawing/2014/main" id="{5BA5B140-6506-452D-B029-BD0BE2AD9052}"/>
+              </a:ext>
+            </a:extLst>
+          </p:cNvPr>
+          <p:cNvSpPr>
+            <a:spLocks noGrp="1"/>
+          </p:cNvSpPr>
+          <p:nvPr>
+            <p:ph type="dt" sz="half" idx="10"/>
+          </p:nvPr>
+        </p:nvSpPr>
+        <p:spPr/>
+        <p:txBody>
+          <a:bodyPr/>
+          <a:lstStyle/>
+          <a:p>
+            <a:fld id="{E59088F5-CBD1-44C3-809D-45DB2EE2134D}" type="datetime1">
+              <a:rPr lang="de-DE" smtClean="0"/>
+              <a:t>30.06.2021</a:t>
+            </a:fld>
+            <a:endParaRPr lang="de-DE"/>
+          </a:p>
+        </p:txBody>
+      </p:sp>
+      <p:sp>
+        <p:nvSpPr>
+          <p:cNvPr id="5" name="Foliennummernplatzhalter 4">
+            <a:extLst>
+              <a:ext uri="{FF2B5EF4-FFF2-40B4-BE49-F238E27FC236}">
+                <a16:creationId xmlns:a16="http://schemas.microsoft.com/office/drawing/2014/main" id="{8B35FBE7-8B97-4A68-941E-659DD09B7E28}"/>
+              </a:ext>
+            </a:extLst>
+          </p:cNvPr>
+          <p:cNvSpPr>
+            <a:spLocks noGrp="1"/>
+          </p:cNvSpPr>
+          <p:nvPr>
+            <p:ph type="sldNum" sz="quarter" idx="12"/>
+          </p:nvPr>
+        </p:nvSpPr>
+        <p:spPr/>
+        <p:txBody>
+          <a:bodyPr/>
+          <a:lstStyle/>
+          <a:p>
+            <a:fld id="{AE1E1EB3-B919-4771-A43C-7C8BA70B36D7}" type="slidenum">
+              <a:rPr lang="de-DE" smtClean="0"/>
+              <a:t>19</a:t>
+            </a:fld>
+            <a:endParaRPr lang="de-DE"/>
+          </a:p>
+        </p:txBody>
+      </p:sp>
+      <p:sp>
+        <p:nvSpPr>
+          <p:cNvPr id="6" name="Textfeld 5">
+            <a:extLst>
+              <a:ext uri="{FF2B5EF4-FFF2-40B4-BE49-F238E27FC236}">
+                <a16:creationId xmlns:a16="http://schemas.microsoft.com/office/drawing/2014/main" id="{F86DFBBD-DC12-4EBD-92C4-F50CF3D78147}"/>
+              </a:ext>
+            </a:extLst>
+          </p:cNvPr>
+          <p:cNvSpPr txBox="1"/>
+          <p:nvPr/>
+        </p:nvSpPr>
+        <p:spPr>
+          <a:xfrm>
+            <a:off x="10352085" y="5622244"/>
+            <a:ext cx="6094428" cy="369332"/>
+          </a:xfrm>
+          <a:prstGeom prst="rect">
+            <a:avLst/>
+          </a:prstGeom>
+          <a:noFill/>
+        </p:spPr>
+        <p:txBody>
+          <a:bodyPr wrap="square">
+            <a:spAutoFit/>
+          </a:bodyPr>
+          <a:lstStyle/>
+          <a:p>
+            <a:r>
+              <a:rPr lang="de-DE" sz="1800" dirty="0"/>
+              <a:t>[3]</a:t>
+            </a:r>
+            <a:endParaRPr lang="de-DE" dirty="0"/>
+          </a:p>
+        </p:txBody>
+      </p:sp>
+      <p:sp>
+        <p:nvSpPr>
+          <p:cNvPr id="7" name="Inhaltsplatzhalter 6">
+            <a:extLst>
+              <a:ext uri="{FF2B5EF4-FFF2-40B4-BE49-F238E27FC236}">
+                <a16:creationId xmlns:a16="http://schemas.microsoft.com/office/drawing/2014/main" id="{924001C5-AA38-4524-B14D-DED27E5F6BB0}"/>
+              </a:ext>
+            </a:extLst>
+          </p:cNvPr>
+          <p:cNvSpPr>
+            <a:spLocks noGrp="1"/>
+          </p:cNvSpPr>
+          <p:nvPr>
+            <p:ph idx="1"/>
+          </p:nvPr>
+        </p:nvSpPr>
+        <p:spPr/>
+        <p:txBody>
+          <a:bodyPr/>
+          <a:lstStyle/>
+          <a:p>
+            <a:pPr marL="0" indent="0">
+              <a:buNone/>
+            </a:pPr>
+            <a:r>
+              <a:rPr lang="de-DE" b="1" dirty="0"/>
+              <a:t>Acceptance Test: </a:t>
+            </a:r>
+          </a:p>
+          <a:p>
+            <a:pPr marL="0" indent="0">
+              <a:buNone/>
+            </a:pPr>
+            <a:r>
+              <a:rPr lang="de-DE" dirty="0"/>
+              <a:t>Ist die Umsetzung für den Kunden zufriedenstellend?</a:t>
+            </a:r>
+          </a:p>
+          <a:p>
+            <a:pPr marL="0" indent="0">
+              <a:buNone/>
+            </a:pPr>
+            <a:endParaRPr lang="de-DE" dirty="0"/>
+          </a:p>
+          <a:p>
+            <a:pPr marL="0" indent="0">
+              <a:buNone/>
+            </a:pPr>
+            <a:r>
+              <a:rPr lang="de-DE" b="1" dirty="0"/>
+              <a:t>Service Validierung: </a:t>
+            </a:r>
+          </a:p>
+          <a:p>
+            <a:pPr marL="0" indent="0">
+              <a:buNone/>
+            </a:pPr>
+            <a:r>
+              <a:rPr lang="de-DE" dirty="0"/>
+              <a:t>Werden alle mit dem Kunden vereinbarten Verträge eingehalten?</a:t>
+            </a:r>
+          </a:p>
+          <a:p>
+            <a:pPr marL="0" indent="0">
+              <a:buNone/>
+            </a:pPr>
+            <a:endParaRPr lang="de-DE" dirty="0"/>
+          </a:p>
+          <a:p>
+            <a:pPr marL="0" indent="0">
+              <a:buNone/>
+            </a:pPr>
+            <a:endParaRPr lang="de-DE" dirty="0"/>
+          </a:p>
+        </p:txBody>
+      </p:sp>
+    </p:spTree>
+    <p:extLst>
+      <p:ext uri="{BB962C8B-B14F-4D97-AF65-F5344CB8AC3E}">
+        <p14:creationId xmlns:p14="http://schemas.microsoft.com/office/powerpoint/2010/main" val="1803768885"/>
       </p:ext>
     </p:extLst>
   </p:cSld>
@@ -15585,7 +17872,7 @@
           <a:p>
             <a:fld id="{E59088F5-CBD1-44C3-809D-45DB2EE2134D}" type="datetime1">
               <a:rPr lang="de-DE" smtClean="0"/>
-              <a:t>27.06.2021</a:t>
+              <a:t>30.06.2021</a:t>
             </a:fld>
             <a:endParaRPr lang="de-DE"/>
           </a:p>
@@ -15624,6 +17911,1847 @@
     <p:extLst>
       <p:ext uri="{BB962C8B-B14F-4D97-AF65-F5344CB8AC3E}">
         <p14:creationId xmlns:p14="http://schemas.microsoft.com/office/powerpoint/2010/main" val="1718898077"/>
+      </p:ext>
+    </p:extLst>
+  </p:cSld>
+  <p:clrMapOvr>
+    <a:masterClrMapping/>
+  </p:clrMapOvr>
+</p:sld>
+</file>
+
+<file path=ppt/slides/slide20.xml><?xml version="1.0" encoding="utf-8"?>
+<p:sld xmlns:a="http://schemas.openxmlformats.org/drawingml/2006/main" xmlns:r="http://schemas.openxmlformats.org/officeDocument/2006/relationships" xmlns:p="http://schemas.openxmlformats.org/presentationml/2006/main">
+  <p:cSld>
+    <p:spTree>
+      <p:nvGrpSpPr>
+        <p:cNvPr id="1" name=""/>
+        <p:cNvGrpSpPr/>
+        <p:nvPr/>
+      </p:nvGrpSpPr>
+      <p:grpSpPr>
+        <a:xfrm>
+          <a:off x="0" y="0"/>
+          <a:ext cx="0" cy="0"/>
+          <a:chOff x="0" y="0"/>
+          <a:chExt cx="0" cy="0"/>
+        </a:xfrm>
+      </p:grpSpPr>
+      <p:sp>
+        <p:nvSpPr>
+          <p:cNvPr id="2" name="Titel 1">
+            <a:extLst>
+              <a:ext uri="{FF2B5EF4-FFF2-40B4-BE49-F238E27FC236}">
+                <a16:creationId xmlns:a16="http://schemas.microsoft.com/office/drawing/2014/main" id="{8AE08546-4656-41A0-91C3-1ABE0805174E}"/>
+              </a:ext>
+            </a:extLst>
+          </p:cNvPr>
+          <p:cNvSpPr>
+            <a:spLocks noGrp="1"/>
+          </p:cNvSpPr>
+          <p:nvPr>
+            <p:ph type="title"/>
+          </p:nvPr>
+        </p:nvSpPr>
+        <p:spPr/>
+        <p:txBody>
+          <a:bodyPr/>
+          <a:lstStyle/>
+          <a:p>
+            <a:r>
+              <a:rPr lang="de-DE" dirty="0"/>
+              <a:t>Praktische Durchführung – </a:t>
+            </a:r>
+            <a:r>
+              <a:rPr lang="de-DE" dirty="0" err="1"/>
+              <a:t>Testing</a:t>
+            </a:r>
+            <a:r>
+              <a:rPr lang="de-DE" dirty="0"/>
+              <a:t> </a:t>
+            </a:r>
+            <a:br>
+              <a:rPr lang="de-DE" dirty="0"/>
+            </a:br>
+            <a:r>
+              <a:rPr lang="de-DE" sz="3600" dirty="0" err="1"/>
+              <a:t>Component</a:t>
+            </a:r>
+            <a:r>
+              <a:rPr lang="de-DE" sz="3600" dirty="0"/>
+              <a:t> Test</a:t>
+            </a:r>
+          </a:p>
+        </p:txBody>
+      </p:sp>
+      <p:sp>
+        <p:nvSpPr>
+          <p:cNvPr id="4" name="Datumsplatzhalter 3">
+            <a:extLst>
+              <a:ext uri="{FF2B5EF4-FFF2-40B4-BE49-F238E27FC236}">
+                <a16:creationId xmlns:a16="http://schemas.microsoft.com/office/drawing/2014/main" id="{5BA5B140-6506-452D-B029-BD0BE2AD9052}"/>
+              </a:ext>
+            </a:extLst>
+          </p:cNvPr>
+          <p:cNvSpPr>
+            <a:spLocks noGrp="1"/>
+          </p:cNvSpPr>
+          <p:nvPr>
+            <p:ph type="dt" sz="half" idx="10"/>
+          </p:nvPr>
+        </p:nvSpPr>
+        <p:spPr/>
+        <p:txBody>
+          <a:bodyPr/>
+          <a:lstStyle/>
+          <a:p>
+            <a:fld id="{E59088F5-CBD1-44C3-809D-45DB2EE2134D}" type="datetime1">
+              <a:rPr lang="de-DE" smtClean="0"/>
+              <a:t>30.06.2021</a:t>
+            </a:fld>
+            <a:endParaRPr lang="de-DE"/>
+          </a:p>
+        </p:txBody>
+      </p:sp>
+      <p:sp>
+        <p:nvSpPr>
+          <p:cNvPr id="5" name="Foliennummernplatzhalter 4">
+            <a:extLst>
+              <a:ext uri="{FF2B5EF4-FFF2-40B4-BE49-F238E27FC236}">
+                <a16:creationId xmlns:a16="http://schemas.microsoft.com/office/drawing/2014/main" id="{8B35FBE7-8B97-4A68-941E-659DD09B7E28}"/>
+              </a:ext>
+            </a:extLst>
+          </p:cNvPr>
+          <p:cNvSpPr>
+            <a:spLocks noGrp="1"/>
+          </p:cNvSpPr>
+          <p:nvPr>
+            <p:ph type="sldNum" sz="quarter" idx="12"/>
+          </p:nvPr>
+        </p:nvSpPr>
+        <p:spPr/>
+        <p:txBody>
+          <a:bodyPr/>
+          <a:lstStyle/>
+          <a:p>
+            <a:fld id="{AE1E1EB3-B919-4771-A43C-7C8BA70B36D7}" type="slidenum">
+              <a:rPr lang="de-DE" smtClean="0"/>
+              <a:t>20</a:t>
+            </a:fld>
+            <a:endParaRPr lang="de-DE"/>
+          </a:p>
+        </p:txBody>
+      </p:sp>
+      <p:sp>
+        <p:nvSpPr>
+          <p:cNvPr id="7" name="Inhaltsplatzhalter 6">
+            <a:extLst>
+              <a:ext uri="{FF2B5EF4-FFF2-40B4-BE49-F238E27FC236}">
+                <a16:creationId xmlns:a16="http://schemas.microsoft.com/office/drawing/2014/main" id="{924001C5-AA38-4524-B14D-DED27E5F6BB0}"/>
+              </a:ext>
+            </a:extLst>
+          </p:cNvPr>
+          <p:cNvSpPr>
+            <a:spLocks noGrp="1"/>
+          </p:cNvSpPr>
+          <p:nvPr>
+            <p:ph idx="1"/>
+          </p:nvPr>
+        </p:nvSpPr>
+        <p:spPr/>
+        <p:txBody>
+          <a:bodyPr/>
+          <a:lstStyle/>
+          <a:p>
+            <a:pPr marL="514350" indent="-514350">
+              <a:buAutoNum type="arabicPeriod"/>
+            </a:pPr>
+            <a:r>
+              <a:rPr lang="de-DE" dirty="0"/>
+              <a:t>Schwachstellenanalyse einzelner Komponenten</a:t>
+            </a:r>
+          </a:p>
+          <a:p>
+            <a:pPr marL="514350" indent="-514350">
+              <a:buAutoNum type="arabicPeriod"/>
+            </a:pPr>
+            <a:r>
+              <a:rPr lang="de-DE" dirty="0"/>
+              <a:t>Gewichtung mit Risikostatus (Geringfügig, Mittelmäßig, Kritisch, Katastrophal)</a:t>
+            </a:r>
+          </a:p>
+          <a:p>
+            <a:pPr marL="514350" indent="-514350">
+              <a:buAutoNum type="arabicPeriod"/>
+            </a:pPr>
+            <a:r>
+              <a:rPr lang="de-DE" dirty="0"/>
+              <a:t>Definition einer oder mehrerer Annahmekriterien abgeleitet aus Service Portfolio</a:t>
+            </a:r>
+          </a:p>
+          <a:p>
+            <a:pPr marL="514350" indent="-514350">
+              <a:buAutoNum type="arabicPeriod"/>
+            </a:pPr>
+            <a:r>
+              <a:rPr lang="de-DE" dirty="0"/>
+              <a:t>Durchführen der Tests</a:t>
+            </a:r>
+          </a:p>
+          <a:p>
+            <a:pPr marL="514350" indent="-514350">
+              <a:buAutoNum type="arabicPeriod"/>
+            </a:pPr>
+            <a:r>
+              <a:rPr lang="de-DE" dirty="0"/>
+              <a:t>Dokumentation des Testausgangs und zusätzliche Anmerkungen</a:t>
+            </a:r>
+          </a:p>
+          <a:p>
+            <a:pPr marL="514350" indent="-514350">
+              <a:buAutoNum type="arabicPeriod"/>
+            </a:pPr>
+            <a:r>
+              <a:rPr lang="de-DE" dirty="0"/>
+              <a:t>Berechnung der Qualität in % für einzelne Komponenten</a:t>
+            </a:r>
+          </a:p>
+        </p:txBody>
+      </p:sp>
+    </p:spTree>
+    <p:extLst>
+      <p:ext uri="{BB962C8B-B14F-4D97-AF65-F5344CB8AC3E}">
+        <p14:creationId xmlns:p14="http://schemas.microsoft.com/office/powerpoint/2010/main" val="1839992173"/>
+      </p:ext>
+    </p:extLst>
+  </p:cSld>
+  <p:clrMapOvr>
+    <a:masterClrMapping/>
+  </p:clrMapOvr>
+</p:sld>
+</file>
+
+<file path=ppt/slides/slide21.xml><?xml version="1.0" encoding="utf-8"?>
+<p:sld xmlns:a="http://schemas.openxmlformats.org/drawingml/2006/main" xmlns:r="http://schemas.openxmlformats.org/officeDocument/2006/relationships" xmlns:p="http://schemas.openxmlformats.org/presentationml/2006/main">
+  <p:cSld>
+    <p:spTree>
+      <p:nvGrpSpPr>
+        <p:cNvPr id="1" name=""/>
+        <p:cNvGrpSpPr/>
+        <p:nvPr/>
+      </p:nvGrpSpPr>
+      <p:grpSpPr>
+        <a:xfrm>
+          <a:off x="0" y="0"/>
+          <a:ext cx="0" cy="0"/>
+          <a:chOff x="0" y="0"/>
+          <a:chExt cx="0" cy="0"/>
+        </a:xfrm>
+      </p:grpSpPr>
+      <p:sp>
+        <p:nvSpPr>
+          <p:cNvPr id="2" name="Titel 1">
+            <a:extLst>
+              <a:ext uri="{FF2B5EF4-FFF2-40B4-BE49-F238E27FC236}">
+                <a16:creationId xmlns:a16="http://schemas.microsoft.com/office/drawing/2014/main" id="{8AE08546-4656-41A0-91C3-1ABE0805174E}"/>
+              </a:ext>
+            </a:extLst>
+          </p:cNvPr>
+          <p:cNvSpPr>
+            <a:spLocks noGrp="1"/>
+          </p:cNvSpPr>
+          <p:nvPr>
+            <p:ph type="title"/>
+          </p:nvPr>
+        </p:nvSpPr>
+        <p:spPr/>
+        <p:txBody>
+          <a:bodyPr/>
+          <a:lstStyle/>
+          <a:p>
+            <a:r>
+              <a:rPr lang="de-DE" dirty="0"/>
+              <a:t>Praktische Durchführung – </a:t>
+            </a:r>
+            <a:r>
+              <a:rPr lang="de-DE" dirty="0" err="1"/>
+              <a:t>Testing</a:t>
+            </a:r>
+            <a:r>
+              <a:rPr lang="de-DE" dirty="0"/>
+              <a:t> </a:t>
+            </a:r>
+            <a:br>
+              <a:rPr lang="de-DE" dirty="0"/>
+            </a:br>
+            <a:r>
+              <a:rPr lang="de-DE" sz="3600" dirty="0" err="1"/>
+              <a:t>Component</a:t>
+            </a:r>
+            <a:r>
+              <a:rPr lang="de-DE" sz="3600" dirty="0"/>
+              <a:t> Test - Beispiel</a:t>
+            </a:r>
+          </a:p>
+        </p:txBody>
+      </p:sp>
+      <p:sp>
+        <p:nvSpPr>
+          <p:cNvPr id="4" name="Datumsplatzhalter 3">
+            <a:extLst>
+              <a:ext uri="{FF2B5EF4-FFF2-40B4-BE49-F238E27FC236}">
+                <a16:creationId xmlns:a16="http://schemas.microsoft.com/office/drawing/2014/main" id="{5BA5B140-6506-452D-B029-BD0BE2AD9052}"/>
+              </a:ext>
+            </a:extLst>
+          </p:cNvPr>
+          <p:cNvSpPr>
+            <a:spLocks noGrp="1"/>
+          </p:cNvSpPr>
+          <p:nvPr>
+            <p:ph type="dt" sz="half" idx="10"/>
+          </p:nvPr>
+        </p:nvSpPr>
+        <p:spPr/>
+        <p:txBody>
+          <a:bodyPr/>
+          <a:lstStyle/>
+          <a:p>
+            <a:fld id="{E59088F5-CBD1-44C3-809D-45DB2EE2134D}" type="datetime1">
+              <a:rPr lang="de-DE" smtClean="0"/>
+              <a:t>30.06.2021</a:t>
+            </a:fld>
+            <a:endParaRPr lang="de-DE"/>
+          </a:p>
+        </p:txBody>
+      </p:sp>
+      <p:sp>
+        <p:nvSpPr>
+          <p:cNvPr id="5" name="Foliennummernplatzhalter 4">
+            <a:extLst>
+              <a:ext uri="{FF2B5EF4-FFF2-40B4-BE49-F238E27FC236}">
+                <a16:creationId xmlns:a16="http://schemas.microsoft.com/office/drawing/2014/main" id="{8B35FBE7-8B97-4A68-941E-659DD09B7E28}"/>
+              </a:ext>
+            </a:extLst>
+          </p:cNvPr>
+          <p:cNvSpPr>
+            <a:spLocks noGrp="1"/>
+          </p:cNvSpPr>
+          <p:nvPr>
+            <p:ph type="sldNum" sz="quarter" idx="12"/>
+          </p:nvPr>
+        </p:nvSpPr>
+        <p:spPr/>
+        <p:txBody>
+          <a:bodyPr/>
+          <a:lstStyle/>
+          <a:p>
+            <a:fld id="{AE1E1EB3-B919-4771-A43C-7C8BA70B36D7}" type="slidenum">
+              <a:rPr lang="de-DE" smtClean="0"/>
+              <a:t>21</a:t>
+            </a:fld>
+            <a:endParaRPr lang="de-DE"/>
+          </a:p>
+        </p:txBody>
+      </p:sp>
+      <p:pic>
+        <p:nvPicPr>
+          <p:cNvPr id="8" name="Inhaltsplatzhalter 7">
+            <a:extLst>
+              <a:ext uri="{FF2B5EF4-FFF2-40B4-BE49-F238E27FC236}">
+                <a16:creationId xmlns:a16="http://schemas.microsoft.com/office/drawing/2014/main" id="{43E94F95-3218-428C-8794-2869FE3A2705}"/>
+              </a:ext>
+            </a:extLst>
+          </p:cNvPr>
+          <p:cNvPicPr>
+            <a:picLocks noGrp="1" noChangeAspect="1"/>
+          </p:cNvPicPr>
+          <p:nvPr>
+            <p:ph idx="1"/>
+          </p:nvPr>
+        </p:nvPicPr>
+        <p:blipFill>
+          <a:blip r:embed="rId3"/>
+          <a:stretch>
+            <a:fillRect/>
+          </a:stretch>
+        </p:blipFill>
+        <p:spPr>
+          <a:xfrm>
+            <a:off x="1856783" y="2200103"/>
+            <a:ext cx="8478433" cy="2457793"/>
+          </a:xfrm>
+        </p:spPr>
+      </p:pic>
+    </p:spTree>
+    <p:extLst>
+      <p:ext uri="{BB962C8B-B14F-4D97-AF65-F5344CB8AC3E}">
+        <p14:creationId xmlns:p14="http://schemas.microsoft.com/office/powerpoint/2010/main" val="2773490490"/>
+      </p:ext>
+    </p:extLst>
+  </p:cSld>
+  <p:clrMapOvr>
+    <a:masterClrMapping/>
+  </p:clrMapOvr>
+</p:sld>
+</file>
+
+<file path=ppt/slides/slide22.xml><?xml version="1.0" encoding="utf-8"?>
+<p:sld xmlns:a="http://schemas.openxmlformats.org/drawingml/2006/main" xmlns:r="http://schemas.openxmlformats.org/officeDocument/2006/relationships" xmlns:p="http://schemas.openxmlformats.org/presentationml/2006/main">
+  <p:cSld>
+    <p:spTree>
+      <p:nvGrpSpPr>
+        <p:cNvPr id="1" name=""/>
+        <p:cNvGrpSpPr/>
+        <p:nvPr/>
+      </p:nvGrpSpPr>
+      <p:grpSpPr>
+        <a:xfrm>
+          <a:off x="0" y="0"/>
+          <a:ext cx="0" cy="0"/>
+          <a:chOff x="0" y="0"/>
+          <a:chExt cx="0" cy="0"/>
+        </a:xfrm>
+      </p:grpSpPr>
+      <p:sp>
+        <p:nvSpPr>
+          <p:cNvPr id="2" name="Titel 1">
+            <a:extLst>
+              <a:ext uri="{FF2B5EF4-FFF2-40B4-BE49-F238E27FC236}">
+                <a16:creationId xmlns:a16="http://schemas.microsoft.com/office/drawing/2014/main" id="{8AE08546-4656-41A0-91C3-1ABE0805174E}"/>
+              </a:ext>
+            </a:extLst>
+          </p:cNvPr>
+          <p:cNvSpPr>
+            <a:spLocks noGrp="1"/>
+          </p:cNvSpPr>
+          <p:nvPr>
+            <p:ph type="title"/>
+          </p:nvPr>
+        </p:nvSpPr>
+        <p:spPr/>
+        <p:txBody>
+          <a:bodyPr/>
+          <a:lstStyle/>
+          <a:p>
+            <a:r>
+              <a:rPr lang="de-DE" dirty="0"/>
+              <a:t>Praktische Durchführung – </a:t>
+            </a:r>
+            <a:r>
+              <a:rPr lang="de-DE" dirty="0" err="1"/>
+              <a:t>Testing</a:t>
+            </a:r>
+            <a:r>
+              <a:rPr lang="de-DE" dirty="0"/>
+              <a:t> </a:t>
+            </a:r>
+            <a:br>
+              <a:rPr lang="de-DE" dirty="0"/>
+            </a:br>
+            <a:r>
+              <a:rPr lang="de-DE" sz="3600" dirty="0"/>
+              <a:t>Release Package Test</a:t>
+            </a:r>
+          </a:p>
+        </p:txBody>
+      </p:sp>
+      <p:sp>
+        <p:nvSpPr>
+          <p:cNvPr id="4" name="Datumsplatzhalter 3">
+            <a:extLst>
+              <a:ext uri="{FF2B5EF4-FFF2-40B4-BE49-F238E27FC236}">
+                <a16:creationId xmlns:a16="http://schemas.microsoft.com/office/drawing/2014/main" id="{5BA5B140-6506-452D-B029-BD0BE2AD9052}"/>
+              </a:ext>
+            </a:extLst>
+          </p:cNvPr>
+          <p:cNvSpPr>
+            <a:spLocks noGrp="1"/>
+          </p:cNvSpPr>
+          <p:nvPr>
+            <p:ph type="dt" sz="half" idx="10"/>
+          </p:nvPr>
+        </p:nvSpPr>
+        <p:spPr/>
+        <p:txBody>
+          <a:bodyPr/>
+          <a:lstStyle/>
+          <a:p>
+            <a:fld id="{E59088F5-CBD1-44C3-809D-45DB2EE2134D}" type="datetime1">
+              <a:rPr lang="de-DE" smtClean="0"/>
+              <a:t>30.06.2021</a:t>
+            </a:fld>
+            <a:endParaRPr lang="de-DE"/>
+          </a:p>
+        </p:txBody>
+      </p:sp>
+      <p:sp>
+        <p:nvSpPr>
+          <p:cNvPr id="5" name="Foliennummernplatzhalter 4">
+            <a:extLst>
+              <a:ext uri="{FF2B5EF4-FFF2-40B4-BE49-F238E27FC236}">
+                <a16:creationId xmlns:a16="http://schemas.microsoft.com/office/drawing/2014/main" id="{8B35FBE7-8B97-4A68-941E-659DD09B7E28}"/>
+              </a:ext>
+            </a:extLst>
+          </p:cNvPr>
+          <p:cNvSpPr>
+            <a:spLocks noGrp="1"/>
+          </p:cNvSpPr>
+          <p:nvPr>
+            <p:ph type="sldNum" sz="quarter" idx="12"/>
+          </p:nvPr>
+        </p:nvSpPr>
+        <p:spPr/>
+        <p:txBody>
+          <a:bodyPr/>
+          <a:lstStyle/>
+          <a:p>
+            <a:fld id="{AE1E1EB3-B919-4771-A43C-7C8BA70B36D7}" type="slidenum">
+              <a:rPr lang="de-DE" smtClean="0"/>
+              <a:t>22</a:t>
+            </a:fld>
+            <a:endParaRPr lang="de-DE"/>
+          </a:p>
+        </p:txBody>
+      </p:sp>
+      <p:sp>
+        <p:nvSpPr>
+          <p:cNvPr id="7" name="Inhaltsplatzhalter 6">
+            <a:extLst>
+              <a:ext uri="{FF2B5EF4-FFF2-40B4-BE49-F238E27FC236}">
+                <a16:creationId xmlns:a16="http://schemas.microsoft.com/office/drawing/2014/main" id="{F53F9DF3-4A61-4100-8D03-7750B9DCB655}"/>
+              </a:ext>
+            </a:extLst>
+          </p:cNvPr>
+          <p:cNvSpPr>
+            <a:spLocks noGrp="1"/>
+          </p:cNvSpPr>
+          <p:nvPr>
+            <p:ph idx="1"/>
+          </p:nvPr>
+        </p:nvSpPr>
+        <p:spPr/>
+        <p:txBody>
+          <a:bodyPr/>
+          <a:lstStyle/>
+          <a:p>
+            <a:r>
+              <a:rPr lang="de-DE" dirty="0"/>
+              <a:t>Zuständigkeitsbereich: Release- und </a:t>
+            </a:r>
+            <a:r>
+              <a:rPr lang="de-DE" dirty="0" err="1"/>
+              <a:t>Deployment</a:t>
+            </a:r>
+            <a:r>
+              <a:rPr lang="de-DE" dirty="0"/>
+              <a:t> Manager*in</a:t>
+            </a:r>
+          </a:p>
+          <a:p>
+            <a:r>
+              <a:rPr lang="de-DE" dirty="0"/>
+              <a:t>KPIs wurden mithilfe des IT Operation Teams definiert</a:t>
+            </a:r>
+          </a:p>
+          <a:p>
+            <a:r>
+              <a:rPr lang="de-DE" dirty="0"/>
+              <a:t>Anzahl erfolgreicher </a:t>
+            </a:r>
+            <a:r>
+              <a:rPr lang="de-DE" dirty="0" err="1"/>
+              <a:t>Deployments</a:t>
+            </a:r>
+            <a:r>
+              <a:rPr lang="de-DE" dirty="0"/>
+              <a:t> (&gt;95%/95%/&lt;95%)</a:t>
+            </a:r>
+          </a:p>
+          <a:p>
+            <a:r>
+              <a:rPr lang="de-DE" dirty="0"/>
+              <a:t>Dauer der </a:t>
+            </a:r>
+            <a:r>
+              <a:rPr lang="de-DE" dirty="0" err="1"/>
+              <a:t>Deployments</a:t>
+            </a:r>
+            <a:r>
+              <a:rPr lang="de-DE" dirty="0"/>
+              <a:t> in Minuten (&lt; 1:20/1:20/&gt;1:20)</a:t>
+            </a:r>
+          </a:p>
+        </p:txBody>
+      </p:sp>
+    </p:spTree>
+    <p:extLst>
+      <p:ext uri="{BB962C8B-B14F-4D97-AF65-F5344CB8AC3E}">
+        <p14:creationId xmlns:p14="http://schemas.microsoft.com/office/powerpoint/2010/main" val="3325923296"/>
+      </p:ext>
+    </p:extLst>
+  </p:cSld>
+  <p:clrMapOvr>
+    <a:masterClrMapping/>
+  </p:clrMapOvr>
+</p:sld>
+</file>
+
+<file path=ppt/slides/slide23.xml><?xml version="1.0" encoding="utf-8"?>
+<p:sld xmlns:a="http://schemas.openxmlformats.org/drawingml/2006/main" xmlns:r="http://schemas.openxmlformats.org/officeDocument/2006/relationships" xmlns:p="http://schemas.openxmlformats.org/presentationml/2006/main">
+  <p:cSld>
+    <p:spTree>
+      <p:nvGrpSpPr>
+        <p:cNvPr id="1" name=""/>
+        <p:cNvGrpSpPr/>
+        <p:nvPr/>
+      </p:nvGrpSpPr>
+      <p:grpSpPr>
+        <a:xfrm>
+          <a:off x="0" y="0"/>
+          <a:ext cx="0" cy="0"/>
+          <a:chOff x="0" y="0"/>
+          <a:chExt cx="0" cy="0"/>
+        </a:xfrm>
+      </p:grpSpPr>
+      <p:sp>
+        <p:nvSpPr>
+          <p:cNvPr id="2" name="Titel 1">
+            <a:extLst>
+              <a:ext uri="{FF2B5EF4-FFF2-40B4-BE49-F238E27FC236}">
+                <a16:creationId xmlns:a16="http://schemas.microsoft.com/office/drawing/2014/main" id="{8AE08546-4656-41A0-91C3-1ABE0805174E}"/>
+              </a:ext>
+            </a:extLst>
+          </p:cNvPr>
+          <p:cNvSpPr>
+            <a:spLocks noGrp="1"/>
+          </p:cNvSpPr>
+          <p:nvPr>
+            <p:ph type="title"/>
+          </p:nvPr>
+        </p:nvSpPr>
+        <p:spPr/>
+        <p:txBody>
+          <a:bodyPr/>
+          <a:lstStyle/>
+          <a:p>
+            <a:r>
+              <a:rPr lang="de-DE" dirty="0"/>
+              <a:t>Praktische Durchführung – </a:t>
+            </a:r>
+            <a:r>
+              <a:rPr lang="de-DE" dirty="0" err="1"/>
+              <a:t>Testing</a:t>
+            </a:r>
+            <a:r>
+              <a:rPr lang="de-DE" dirty="0"/>
+              <a:t> </a:t>
+            </a:r>
+            <a:br>
+              <a:rPr lang="de-DE" dirty="0"/>
+            </a:br>
+            <a:r>
+              <a:rPr lang="de-DE" sz="3600" dirty="0"/>
+              <a:t>Operational </a:t>
+            </a:r>
+            <a:r>
+              <a:rPr lang="de-DE" sz="3600" dirty="0" err="1"/>
+              <a:t>Readiness</a:t>
+            </a:r>
+            <a:r>
+              <a:rPr lang="de-DE" sz="3600" dirty="0"/>
+              <a:t> Test</a:t>
+            </a:r>
+          </a:p>
+        </p:txBody>
+      </p:sp>
+      <p:sp>
+        <p:nvSpPr>
+          <p:cNvPr id="4" name="Datumsplatzhalter 3">
+            <a:extLst>
+              <a:ext uri="{FF2B5EF4-FFF2-40B4-BE49-F238E27FC236}">
+                <a16:creationId xmlns:a16="http://schemas.microsoft.com/office/drawing/2014/main" id="{5BA5B140-6506-452D-B029-BD0BE2AD9052}"/>
+              </a:ext>
+            </a:extLst>
+          </p:cNvPr>
+          <p:cNvSpPr>
+            <a:spLocks noGrp="1"/>
+          </p:cNvSpPr>
+          <p:nvPr>
+            <p:ph type="dt" sz="half" idx="10"/>
+          </p:nvPr>
+        </p:nvSpPr>
+        <p:spPr/>
+        <p:txBody>
+          <a:bodyPr/>
+          <a:lstStyle/>
+          <a:p>
+            <a:fld id="{E59088F5-CBD1-44C3-809D-45DB2EE2134D}" type="datetime1">
+              <a:rPr lang="de-DE" smtClean="0"/>
+              <a:t>30.06.2021</a:t>
+            </a:fld>
+            <a:endParaRPr lang="de-DE"/>
+          </a:p>
+        </p:txBody>
+      </p:sp>
+      <p:sp>
+        <p:nvSpPr>
+          <p:cNvPr id="5" name="Foliennummernplatzhalter 4">
+            <a:extLst>
+              <a:ext uri="{FF2B5EF4-FFF2-40B4-BE49-F238E27FC236}">
+                <a16:creationId xmlns:a16="http://schemas.microsoft.com/office/drawing/2014/main" id="{8B35FBE7-8B97-4A68-941E-659DD09B7E28}"/>
+              </a:ext>
+            </a:extLst>
+          </p:cNvPr>
+          <p:cNvSpPr>
+            <a:spLocks noGrp="1"/>
+          </p:cNvSpPr>
+          <p:nvPr>
+            <p:ph type="sldNum" sz="quarter" idx="12"/>
+          </p:nvPr>
+        </p:nvSpPr>
+        <p:spPr/>
+        <p:txBody>
+          <a:bodyPr/>
+          <a:lstStyle/>
+          <a:p>
+            <a:fld id="{AE1E1EB3-B919-4771-A43C-7C8BA70B36D7}" type="slidenum">
+              <a:rPr lang="de-DE" smtClean="0"/>
+              <a:t>23</a:t>
+            </a:fld>
+            <a:endParaRPr lang="de-DE"/>
+          </a:p>
+        </p:txBody>
+      </p:sp>
+      <p:sp>
+        <p:nvSpPr>
+          <p:cNvPr id="7" name="Inhaltsplatzhalter 6">
+            <a:extLst>
+              <a:ext uri="{FF2B5EF4-FFF2-40B4-BE49-F238E27FC236}">
+                <a16:creationId xmlns:a16="http://schemas.microsoft.com/office/drawing/2014/main" id="{F53F9DF3-4A61-4100-8D03-7750B9DCB655}"/>
+              </a:ext>
+            </a:extLst>
+          </p:cNvPr>
+          <p:cNvSpPr>
+            <a:spLocks noGrp="1"/>
+          </p:cNvSpPr>
+          <p:nvPr>
+            <p:ph idx="1"/>
+          </p:nvPr>
+        </p:nvSpPr>
+        <p:spPr/>
+        <p:txBody>
+          <a:bodyPr/>
+          <a:lstStyle/>
+          <a:p>
+            <a:r>
+              <a:rPr lang="de-DE" dirty="0"/>
+              <a:t>Richtet sich an Service Desk und IT Operation Team</a:t>
+            </a:r>
+          </a:p>
+          <a:p>
+            <a:r>
+              <a:rPr lang="de-DE" dirty="0"/>
+              <a:t>KPIs wurden definiert</a:t>
+            </a:r>
+          </a:p>
+          <a:p>
+            <a:r>
+              <a:rPr lang="de-DE" dirty="0"/>
+              <a:t>Ist der Support einzelner Services sichergestellt?</a:t>
+            </a:r>
+          </a:p>
+          <a:p>
+            <a:r>
+              <a:rPr lang="de-DE" dirty="0"/>
+              <a:t>Sind die benötigten technischen Ressourcen vorhanden?</a:t>
+            </a:r>
+          </a:p>
+        </p:txBody>
+      </p:sp>
+    </p:spTree>
+    <p:extLst>
+      <p:ext uri="{BB962C8B-B14F-4D97-AF65-F5344CB8AC3E}">
+        <p14:creationId xmlns:p14="http://schemas.microsoft.com/office/powerpoint/2010/main" val="3778434165"/>
+      </p:ext>
+    </p:extLst>
+  </p:cSld>
+  <p:clrMapOvr>
+    <a:masterClrMapping/>
+  </p:clrMapOvr>
+</p:sld>
+</file>
+
+<file path=ppt/slides/slide24.xml><?xml version="1.0" encoding="utf-8"?>
+<p:sld xmlns:a="http://schemas.openxmlformats.org/drawingml/2006/main" xmlns:r="http://schemas.openxmlformats.org/officeDocument/2006/relationships" xmlns:p="http://schemas.openxmlformats.org/presentationml/2006/main">
+  <p:cSld>
+    <p:spTree>
+      <p:nvGrpSpPr>
+        <p:cNvPr id="1" name=""/>
+        <p:cNvGrpSpPr/>
+        <p:nvPr/>
+      </p:nvGrpSpPr>
+      <p:grpSpPr>
+        <a:xfrm>
+          <a:off x="0" y="0"/>
+          <a:ext cx="0" cy="0"/>
+          <a:chOff x="0" y="0"/>
+          <a:chExt cx="0" cy="0"/>
+        </a:xfrm>
+      </p:grpSpPr>
+      <p:sp>
+        <p:nvSpPr>
+          <p:cNvPr id="2" name="Titel 1">
+            <a:extLst>
+              <a:ext uri="{FF2B5EF4-FFF2-40B4-BE49-F238E27FC236}">
+                <a16:creationId xmlns:a16="http://schemas.microsoft.com/office/drawing/2014/main" id="{8AE08546-4656-41A0-91C3-1ABE0805174E}"/>
+              </a:ext>
+            </a:extLst>
+          </p:cNvPr>
+          <p:cNvSpPr>
+            <a:spLocks noGrp="1"/>
+          </p:cNvSpPr>
+          <p:nvPr>
+            <p:ph type="title"/>
+          </p:nvPr>
+        </p:nvSpPr>
+        <p:spPr/>
+        <p:txBody>
+          <a:bodyPr/>
+          <a:lstStyle/>
+          <a:p>
+            <a:r>
+              <a:rPr lang="de-DE" dirty="0"/>
+              <a:t>Praktische Durchführung – </a:t>
+            </a:r>
+            <a:r>
+              <a:rPr lang="de-DE" dirty="0" err="1"/>
+              <a:t>Testing</a:t>
+            </a:r>
+            <a:r>
+              <a:rPr lang="de-DE" dirty="0"/>
+              <a:t> </a:t>
+            </a:r>
+            <a:br>
+              <a:rPr lang="de-DE" dirty="0"/>
+            </a:br>
+            <a:r>
+              <a:rPr lang="de-DE" sz="3600" dirty="0"/>
+              <a:t>Operational </a:t>
+            </a:r>
+            <a:r>
+              <a:rPr lang="de-DE" sz="3600" dirty="0" err="1"/>
+              <a:t>Readiness</a:t>
+            </a:r>
+            <a:r>
+              <a:rPr lang="de-DE" sz="3600" dirty="0"/>
+              <a:t> Test – KPIs Service Desk</a:t>
+            </a:r>
+          </a:p>
+        </p:txBody>
+      </p:sp>
+      <p:sp>
+        <p:nvSpPr>
+          <p:cNvPr id="4" name="Datumsplatzhalter 3">
+            <a:extLst>
+              <a:ext uri="{FF2B5EF4-FFF2-40B4-BE49-F238E27FC236}">
+                <a16:creationId xmlns:a16="http://schemas.microsoft.com/office/drawing/2014/main" id="{5BA5B140-6506-452D-B029-BD0BE2AD9052}"/>
+              </a:ext>
+            </a:extLst>
+          </p:cNvPr>
+          <p:cNvSpPr>
+            <a:spLocks noGrp="1"/>
+          </p:cNvSpPr>
+          <p:nvPr>
+            <p:ph type="dt" sz="half" idx="10"/>
+          </p:nvPr>
+        </p:nvSpPr>
+        <p:spPr/>
+        <p:txBody>
+          <a:bodyPr/>
+          <a:lstStyle/>
+          <a:p>
+            <a:fld id="{E59088F5-CBD1-44C3-809D-45DB2EE2134D}" type="datetime1">
+              <a:rPr lang="de-DE" smtClean="0"/>
+              <a:t>30.06.2021</a:t>
+            </a:fld>
+            <a:endParaRPr lang="de-DE"/>
+          </a:p>
+        </p:txBody>
+      </p:sp>
+      <p:sp>
+        <p:nvSpPr>
+          <p:cNvPr id="5" name="Foliennummernplatzhalter 4">
+            <a:extLst>
+              <a:ext uri="{FF2B5EF4-FFF2-40B4-BE49-F238E27FC236}">
+                <a16:creationId xmlns:a16="http://schemas.microsoft.com/office/drawing/2014/main" id="{8B35FBE7-8B97-4A68-941E-659DD09B7E28}"/>
+              </a:ext>
+            </a:extLst>
+          </p:cNvPr>
+          <p:cNvSpPr>
+            <a:spLocks noGrp="1"/>
+          </p:cNvSpPr>
+          <p:nvPr>
+            <p:ph type="sldNum" sz="quarter" idx="12"/>
+          </p:nvPr>
+        </p:nvSpPr>
+        <p:spPr/>
+        <p:txBody>
+          <a:bodyPr/>
+          <a:lstStyle/>
+          <a:p>
+            <a:fld id="{AE1E1EB3-B919-4771-A43C-7C8BA70B36D7}" type="slidenum">
+              <a:rPr lang="de-DE" smtClean="0"/>
+              <a:t>24</a:t>
+            </a:fld>
+            <a:endParaRPr lang="de-DE"/>
+          </a:p>
+        </p:txBody>
+      </p:sp>
+      <p:pic>
+        <p:nvPicPr>
+          <p:cNvPr id="8" name="Inhaltsplatzhalter 7">
+            <a:extLst>
+              <a:ext uri="{FF2B5EF4-FFF2-40B4-BE49-F238E27FC236}">
+                <a16:creationId xmlns:a16="http://schemas.microsoft.com/office/drawing/2014/main" id="{99C149CB-BAB7-496C-8965-16EDCE728886}"/>
+              </a:ext>
+            </a:extLst>
+          </p:cNvPr>
+          <p:cNvPicPr>
+            <a:picLocks noGrp="1" noChangeAspect="1"/>
+          </p:cNvPicPr>
+          <p:nvPr>
+            <p:ph idx="1"/>
+          </p:nvPr>
+        </p:nvPicPr>
+        <p:blipFill>
+          <a:blip r:embed="rId3"/>
+          <a:stretch>
+            <a:fillRect/>
+          </a:stretch>
+        </p:blipFill>
+        <p:spPr>
+          <a:xfrm>
+            <a:off x="2837300" y="1628434"/>
+            <a:ext cx="6801799" cy="4048690"/>
+          </a:xfrm>
+        </p:spPr>
+      </p:pic>
+    </p:spTree>
+    <p:extLst>
+      <p:ext uri="{BB962C8B-B14F-4D97-AF65-F5344CB8AC3E}">
+        <p14:creationId xmlns:p14="http://schemas.microsoft.com/office/powerpoint/2010/main" val="2599572337"/>
+      </p:ext>
+    </p:extLst>
+  </p:cSld>
+  <p:clrMapOvr>
+    <a:masterClrMapping/>
+  </p:clrMapOvr>
+</p:sld>
+</file>
+
+<file path=ppt/slides/slide25.xml><?xml version="1.0" encoding="utf-8"?>
+<p:sld xmlns:a="http://schemas.openxmlformats.org/drawingml/2006/main" xmlns:r="http://schemas.openxmlformats.org/officeDocument/2006/relationships" xmlns:p="http://schemas.openxmlformats.org/presentationml/2006/main">
+  <p:cSld>
+    <p:spTree>
+      <p:nvGrpSpPr>
+        <p:cNvPr id="1" name=""/>
+        <p:cNvGrpSpPr/>
+        <p:nvPr/>
+      </p:nvGrpSpPr>
+      <p:grpSpPr>
+        <a:xfrm>
+          <a:off x="0" y="0"/>
+          <a:ext cx="0" cy="0"/>
+          <a:chOff x="0" y="0"/>
+          <a:chExt cx="0" cy="0"/>
+        </a:xfrm>
+      </p:grpSpPr>
+      <p:sp>
+        <p:nvSpPr>
+          <p:cNvPr id="2" name="Titel 1">
+            <a:extLst>
+              <a:ext uri="{FF2B5EF4-FFF2-40B4-BE49-F238E27FC236}">
+                <a16:creationId xmlns:a16="http://schemas.microsoft.com/office/drawing/2014/main" id="{8AE08546-4656-41A0-91C3-1ABE0805174E}"/>
+              </a:ext>
+            </a:extLst>
+          </p:cNvPr>
+          <p:cNvSpPr>
+            <a:spLocks noGrp="1"/>
+          </p:cNvSpPr>
+          <p:nvPr>
+            <p:ph type="title"/>
+          </p:nvPr>
+        </p:nvSpPr>
+        <p:spPr/>
+        <p:txBody>
+          <a:bodyPr/>
+          <a:lstStyle/>
+          <a:p>
+            <a:r>
+              <a:rPr lang="de-DE" dirty="0"/>
+              <a:t>Praktische Durchführung – </a:t>
+            </a:r>
+            <a:r>
+              <a:rPr lang="de-DE" dirty="0" err="1"/>
+              <a:t>Testing</a:t>
+            </a:r>
+            <a:r>
+              <a:rPr lang="de-DE" dirty="0"/>
+              <a:t> </a:t>
+            </a:r>
+            <a:br>
+              <a:rPr lang="de-DE" dirty="0"/>
+            </a:br>
+            <a:r>
+              <a:rPr lang="de-DE" sz="3600" dirty="0"/>
+              <a:t>Operational </a:t>
+            </a:r>
+            <a:r>
+              <a:rPr lang="de-DE" sz="3600" dirty="0" err="1"/>
+              <a:t>Readiness</a:t>
+            </a:r>
+            <a:r>
+              <a:rPr lang="de-DE" sz="3600" dirty="0"/>
+              <a:t> Test – KPIs IT </a:t>
+            </a:r>
+            <a:r>
+              <a:rPr lang="de-DE" sz="3600" dirty="0" err="1"/>
+              <a:t>Operations</a:t>
+            </a:r>
+            <a:r>
+              <a:rPr lang="de-DE" sz="3600" dirty="0"/>
+              <a:t> Team</a:t>
+            </a:r>
+          </a:p>
+        </p:txBody>
+      </p:sp>
+      <p:sp>
+        <p:nvSpPr>
+          <p:cNvPr id="4" name="Datumsplatzhalter 3">
+            <a:extLst>
+              <a:ext uri="{FF2B5EF4-FFF2-40B4-BE49-F238E27FC236}">
+                <a16:creationId xmlns:a16="http://schemas.microsoft.com/office/drawing/2014/main" id="{5BA5B140-6506-452D-B029-BD0BE2AD9052}"/>
+              </a:ext>
+            </a:extLst>
+          </p:cNvPr>
+          <p:cNvSpPr>
+            <a:spLocks noGrp="1"/>
+          </p:cNvSpPr>
+          <p:nvPr>
+            <p:ph type="dt" sz="half" idx="10"/>
+          </p:nvPr>
+        </p:nvSpPr>
+        <p:spPr/>
+        <p:txBody>
+          <a:bodyPr/>
+          <a:lstStyle/>
+          <a:p>
+            <a:fld id="{E59088F5-CBD1-44C3-809D-45DB2EE2134D}" type="datetime1">
+              <a:rPr lang="de-DE" smtClean="0"/>
+              <a:t>30.06.2021</a:t>
+            </a:fld>
+            <a:endParaRPr lang="de-DE"/>
+          </a:p>
+        </p:txBody>
+      </p:sp>
+      <p:sp>
+        <p:nvSpPr>
+          <p:cNvPr id="5" name="Foliennummernplatzhalter 4">
+            <a:extLst>
+              <a:ext uri="{FF2B5EF4-FFF2-40B4-BE49-F238E27FC236}">
+                <a16:creationId xmlns:a16="http://schemas.microsoft.com/office/drawing/2014/main" id="{8B35FBE7-8B97-4A68-941E-659DD09B7E28}"/>
+              </a:ext>
+            </a:extLst>
+          </p:cNvPr>
+          <p:cNvSpPr>
+            <a:spLocks noGrp="1"/>
+          </p:cNvSpPr>
+          <p:nvPr>
+            <p:ph type="sldNum" sz="quarter" idx="12"/>
+          </p:nvPr>
+        </p:nvSpPr>
+        <p:spPr/>
+        <p:txBody>
+          <a:bodyPr/>
+          <a:lstStyle/>
+          <a:p>
+            <a:fld id="{AE1E1EB3-B919-4771-A43C-7C8BA70B36D7}" type="slidenum">
+              <a:rPr lang="de-DE" smtClean="0"/>
+              <a:t>25</a:t>
+            </a:fld>
+            <a:endParaRPr lang="de-DE"/>
+          </a:p>
+        </p:txBody>
+      </p:sp>
+      <p:pic>
+        <p:nvPicPr>
+          <p:cNvPr id="8" name="Inhaltsplatzhalter 7">
+            <a:extLst>
+              <a:ext uri="{FF2B5EF4-FFF2-40B4-BE49-F238E27FC236}">
+                <a16:creationId xmlns:a16="http://schemas.microsoft.com/office/drawing/2014/main" id="{3BF68370-3F05-4375-A0CC-F36373139CB7}"/>
+              </a:ext>
+            </a:extLst>
+          </p:cNvPr>
+          <p:cNvPicPr>
+            <a:picLocks noGrp="1" noChangeAspect="1"/>
+          </p:cNvPicPr>
+          <p:nvPr>
+            <p:ph idx="1"/>
+          </p:nvPr>
+        </p:nvPicPr>
+        <p:blipFill>
+          <a:blip r:embed="rId3"/>
+          <a:stretch>
+            <a:fillRect/>
+          </a:stretch>
+        </p:blipFill>
+        <p:spPr>
+          <a:xfrm>
+            <a:off x="2633179" y="1871445"/>
+            <a:ext cx="6925642" cy="3115110"/>
+          </a:xfrm>
+        </p:spPr>
+      </p:pic>
+    </p:spTree>
+    <p:extLst>
+      <p:ext uri="{BB962C8B-B14F-4D97-AF65-F5344CB8AC3E}">
+        <p14:creationId xmlns:p14="http://schemas.microsoft.com/office/powerpoint/2010/main" val="216582287"/>
+      </p:ext>
+    </p:extLst>
+  </p:cSld>
+  <p:clrMapOvr>
+    <a:masterClrMapping/>
+  </p:clrMapOvr>
+</p:sld>
+</file>
+
+<file path=ppt/slides/slide26.xml><?xml version="1.0" encoding="utf-8"?>
+<p:sld xmlns:a="http://schemas.openxmlformats.org/drawingml/2006/main" xmlns:r="http://schemas.openxmlformats.org/officeDocument/2006/relationships" xmlns:p="http://schemas.openxmlformats.org/presentationml/2006/main">
+  <p:cSld>
+    <p:spTree>
+      <p:nvGrpSpPr>
+        <p:cNvPr id="1" name=""/>
+        <p:cNvGrpSpPr/>
+        <p:nvPr/>
+      </p:nvGrpSpPr>
+      <p:grpSpPr>
+        <a:xfrm>
+          <a:off x="0" y="0"/>
+          <a:ext cx="0" cy="0"/>
+          <a:chOff x="0" y="0"/>
+          <a:chExt cx="0" cy="0"/>
+        </a:xfrm>
+      </p:grpSpPr>
+      <p:sp>
+        <p:nvSpPr>
+          <p:cNvPr id="2" name="Titel 1">
+            <a:extLst>
+              <a:ext uri="{FF2B5EF4-FFF2-40B4-BE49-F238E27FC236}">
+                <a16:creationId xmlns:a16="http://schemas.microsoft.com/office/drawing/2014/main" id="{8AE08546-4656-41A0-91C3-1ABE0805174E}"/>
+              </a:ext>
+            </a:extLst>
+          </p:cNvPr>
+          <p:cNvSpPr>
+            <a:spLocks noGrp="1"/>
+          </p:cNvSpPr>
+          <p:nvPr>
+            <p:ph type="title"/>
+          </p:nvPr>
+        </p:nvSpPr>
+        <p:spPr/>
+        <p:txBody>
+          <a:bodyPr/>
+          <a:lstStyle/>
+          <a:p>
+            <a:r>
+              <a:rPr lang="de-DE" dirty="0"/>
+              <a:t>Praktische Durchführung – </a:t>
+            </a:r>
+            <a:r>
+              <a:rPr lang="de-DE" dirty="0" err="1"/>
+              <a:t>Testing</a:t>
+            </a:r>
+            <a:r>
+              <a:rPr lang="de-DE" dirty="0"/>
+              <a:t> </a:t>
+            </a:r>
+            <a:br>
+              <a:rPr lang="de-DE" dirty="0"/>
+            </a:br>
+            <a:r>
+              <a:rPr lang="de-DE" sz="3600" dirty="0"/>
+              <a:t>Acceptance Test</a:t>
+            </a:r>
+          </a:p>
+        </p:txBody>
+      </p:sp>
+      <p:sp>
+        <p:nvSpPr>
+          <p:cNvPr id="4" name="Datumsplatzhalter 3">
+            <a:extLst>
+              <a:ext uri="{FF2B5EF4-FFF2-40B4-BE49-F238E27FC236}">
+                <a16:creationId xmlns:a16="http://schemas.microsoft.com/office/drawing/2014/main" id="{5BA5B140-6506-452D-B029-BD0BE2AD9052}"/>
+              </a:ext>
+            </a:extLst>
+          </p:cNvPr>
+          <p:cNvSpPr>
+            <a:spLocks noGrp="1"/>
+          </p:cNvSpPr>
+          <p:nvPr>
+            <p:ph type="dt" sz="half" idx="10"/>
+          </p:nvPr>
+        </p:nvSpPr>
+        <p:spPr/>
+        <p:txBody>
+          <a:bodyPr/>
+          <a:lstStyle/>
+          <a:p>
+            <a:fld id="{E59088F5-CBD1-44C3-809D-45DB2EE2134D}" type="datetime1">
+              <a:rPr lang="de-DE" smtClean="0"/>
+              <a:t>30.06.2021</a:t>
+            </a:fld>
+            <a:endParaRPr lang="de-DE"/>
+          </a:p>
+        </p:txBody>
+      </p:sp>
+      <p:sp>
+        <p:nvSpPr>
+          <p:cNvPr id="5" name="Foliennummernplatzhalter 4">
+            <a:extLst>
+              <a:ext uri="{FF2B5EF4-FFF2-40B4-BE49-F238E27FC236}">
+                <a16:creationId xmlns:a16="http://schemas.microsoft.com/office/drawing/2014/main" id="{8B35FBE7-8B97-4A68-941E-659DD09B7E28}"/>
+              </a:ext>
+            </a:extLst>
+          </p:cNvPr>
+          <p:cNvSpPr>
+            <a:spLocks noGrp="1"/>
+          </p:cNvSpPr>
+          <p:nvPr>
+            <p:ph type="sldNum" sz="quarter" idx="12"/>
+          </p:nvPr>
+        </p:nvSpPr>
+        <p:spPr/>
+        <p:txBody>
+          <a:bodyPr/>
+          <a:lstStyle/>
+          <a:p>
+            <a:fld id="{AE1E1EB3-B919-4771-A43C-7C8BA70B36D7}" type="slidenum">
+              <a:rPr lang="de-DE" smtClean="0"/>
+              <a:t>26</a:t>
+            </a:fld>
+            <a:endParaRPr lang="de-DE"/>
+          </a:p>
+        </p:txBody>
+      </p:sp>
+      <p:sp>
+        <p:nvSpPr>
+          <p:cNvPr id="7" name="Inhaltsplatzhalter 6">
+            <a:extLst>
+              <a:ext uri="{FF2B5EF4-FFF2-40B4-BE49-F238E27FC236}">
+                <a16:creationId xmlns:a16="http://schemas.microsoft.com/office/drawing/2014/main" id="{B6DCB33D-969A-4BED-9FF1-70973461F802}"/>
+              </a:ext>
+            </a:extLst>
+          </p:cNvPr>
+          <p:cNvSpPr>
+            <a:spLocks noGrp="1"/>
+          </p:cNvSpPr>
+          <p:nvPr>
+            <p:ph idx="1"/>
+          </p:nvPr>
+        </p:nvSpPr>
+        <p:spPr/>
+        <p:txBody>
+          <a:bodyPr/>
+          <a:lstStyle/>
+          <a:p>
+            <a:r>
+              <a:rPr lang="de-DE" dirty="0"/>
+              <a:t>Richtet sich an das Business Team</a:t>
+            </a:r>
+          </a:p>
+          <a:p>
+            <a:r>
+              <a:rPr lang="de-DE" dirty="0"/>
+              <a:t>Wird direkt mit dem Kunden durchgeführt</a:t>
+            </a:r>
+          </a:p>
+          <a:p>
+            <a:r>
+              <a:rPr lang="de-DE" dirty="0"/>
+              <a:t>Service Portfolio und SLAs werden beleuchtet</a:t>
+            </a:r>
+          </a:p>
+          <a:p>
+            <a:r>
+              <a:rPr lang="de-DE" dirty="0"/>
+              <a:t>Kein direkter Einfluss der Qualitätssicherung </a:t>
+            </a:r>
+          </a:p>
+          <a:p>
+            <a:r>
+              <a:rPr lang="de-DE" dirty="0"/>
+              <a:t>Aber: Bei Change Request ist es eventuell nötig KPIs anzupassen</a:t>
+            </a:r>
+          </a:p>
+        </p:txBody>
+      </p:sp>
+    </p:spTree>
+    <p:extLst>
+      <p:ext uri="{BB962C8B-B14F-4D97-AF65-F5344CB8AC3E}">
+        <p14:creationId xmlns:p14="http://schemas.microsoft.com/office/powerpoint/2010/main" val="2918228019"/>
+      </p:ext>
+    </p:extLst>
+  </p:cSld>
+  <p:clrMapOvr>
+    <a:masterClrMapping/>
+  </p:clrMapOvr>
+</p:sld>
+</file>
+
+<file path=ppt/slides/slide27.xml><?xml version="1.0" encoding="utf-8"?>
+<p:sld xmlns:a="http://schemas.openxmlformats.org/drawingml/2006/main" xmlns:r="http://schemas.openxmlformats.org/officeDocument/2006/relationships" xmlns:p="http://schemas.openxmlformats.org/presentationml/2006/main">
+  <p:cSld>
+    <p:spTree>
+      <p:nvGrpSpPr>
+        <p:cNvPr id="1" name=""/>
+        <p:cNvGrpSpPr/>
+        <p:nvPr/>
+      </p:nvGrpSpPr>
+      <p:grpSpPr>
+        <a:xfrm>
+          <a:off x="0" y="0"/>
+          <a:ext cx="0" cy="0"/>
+          <a:chOff x="0" y="0"/>
+          <a:chExt cx="0" cy="0"/>
+        </a:xfrm>
+      </p:grpSpPr>
+      <p:sp>
+        <p:nvSpPr>
+          <p:cNvPr id="2" name="Titel 1">
+            <a:extLst>
+              <a:ext uri="{FF2B5EF4-FFF2-40B4-BE49-F238E27FC236}">
+                <a16:creationId xmlns:a16="http://schemas.microsoft.com/office/drawing/2014/main" id="{8AE08546-4656-41A0-91C3-1ABE0805174E}"/>
+              </a:ext>
+            </a:extLst>
+          </p:cNvPr>
+          <p:cNvSpPr>
+            <a:spLocks noGrp="1"/>
+          </p:cNvSpPr>
+          <p:nvPr>
+            <p:ph type="title"/>
+          </p:nvPr>
+        </p:nvSpPr>
+        <p:spPr/>
+        <p:txBody>
+          <a:bodyPr/>
+          <a:lstStyle/>
+          <a:p>
+            <a:r>
+              <a:rPr lang="de-DE" dirty="0"/>
+              <a:t>Praktische Durchführung – </a:t>
+            </a:r>
+            <a:r>
+              <a:rPr lang="de-DE" dirty="0" err="1"/>
+              <a:t>Testing</a:t>
+            </a:r>
+            <a:r>
+              <a:rPr lang="de-DE" dirty="0"/>
+              <a:t> </a:t>
+            </a:r>
+            <a:br>
+              <a:rPr lang="de-DE" dirty="0"/>
+            </a:br>
+            <a:r>
+              <a:rPr lang="de-DE" sz="3600" dirty="0"/>
+              <a:t>Service Validierung</a:t>
+            </a:r>
+          </a:p>
+        </p:txBody>
+      </p:sp>
+      <p:sp>
+        <p:nvSpPr>
+          <p:cNvPr id="4" name="Datumsplatzhalter 3">
+            <a:extLst>
+              <a:ext uri="{FF2B5EF4-FFF2-40B4-BE49-F238E27FC236}">
+                <a16:creationId xmlns:a16="http://schemas.microsoft.com/office/drawing/2014/main" id="{5BA5B140-6506-452D-B029-BD0BE2AD9052}"/>
+              </a:ext>
+            </a:extLst>
+          </p:cNvPr>
+          <p:cNvSpPr>
+            <a:spLocks noGrp="1"/>
+          </p:cNvSpPr>
+          <p:nvPr>
+            <p:ph type="dt" sz="half" idx="10"/>
+          </p:nvPr>
+        </p:nvSpPr>
+        <p:spPr/>
+        <p:txBody>
+          <a:bodyPr/>
+          <a:lstStyle/>
+          <a:p>
+            <a:fld id="{E59088F5-CBD1-44C3-809D-45DB2EE2134D}" type="datetime1">
+              <a:rPr lang="de-DE" smtClean="0"/>
+              <a:t>30.06.2021</a:t>
+            </a:fld>
+            <a:endParaRPr lang="de-DE"/>
+          </a:p>
+        </p:txBody>
+      </p:sp>
+      <p:sp>
+        <p:nvSpPr>
+          <p:cNvPr id="5" name="Foliennummernplatzhalter 4">
+            <a:extLst>
+              <a:ext uri="{FF2B5EF4-FFF2-40B4-BE49-F238E27FC236}">
+                <a16:creationId xmlns:a16="http://schemas.microsoft.com/office/drawing/2014/main" id="{8B35FBE7-8B97-4A68-941E-659DD09B7E28}"/>
+              </a:ext>
+            </a:extLst>
+          </p:cNvPr>
+          <p:cNvSpPr>
+            <a:spLocks noGrp="1"/>
+          </p:cNvSpPr>
+          <p:nvPr>
+            <p:ph type="sldNum" sz="quarter" idx="12"/>
+          </p:nvPr>
+        </p:nvSpPr>
+        <p:spPr/>
+        <p:txBody>
+          <a:bodyPr/>
+          <a:lstStyle/>
+          <a:p>
+            <a:fld id="{AE1E1EB3-B919-4771-A43C-7C8BA70B36D7}" type="slidenum">
+              <a:rPr lang="de-DE" smtClean="0"/>
+              <a:t>27</a:t>
+            </a:fld>
+            <a:endParaRPr lang="de-DE"/>
+          </a:p>
+        </p:txBody>
+      </p:sp>
+      <p:sp>
+        <p:nvSpPr>
+          <p:cNvPr id="7" name="Inhaltsplatzhalter 6">
+            <a:extLst>
+              <a:ext uri="{FF2B5EF4-FFF2-40B4-BE49-F238E27FC236}">
+                <a16:creationId xmlns:a16="http://schemas.microsoft.com/office/drawing/2014/main" id="{B6DCB33D-969A-4BED-9FF1-70973461F802}"/>
+              </a:ext>
+            </a:extLst>
+          </p:cNvPr>
+          <p:cNvSpPr>
+            <a:spLocks noGrp="1"/>
+          </p:cNvSpPr>
+          <p:nvPr>
+            <p:ph idx="1"/>
+          </p:nvPr>
+        </p:nvSpPr>
+        <p:spPr/>
+        <p:txBody>
+          <a:bodyPr/>
+          <a:lstStyle/>
+          <a:p>
+            <a:r>
+              <a:rPr lang="de-DE" dirty="0"/>
+              <a:t>Richtet sich an das Business Team</a:t>
+            </a:r>
+          </a:p>
+          <a:p>
+            <a:r>
+              <a:rPr lang="de-DE" dirty="0"/>
+              <a:t>Werden alle SLAs vom Service eingehalten?</a:t>
+            </a:r>
+          </a:p>
+          <a:p>
+            <a:r>
+              <a:rPr lang="de-DE" dirty="0"/>
+              <a:t>Falls nicht müssen Änderungen an den SLAs vorgenommen werden</a:t>
+            </a:r>
+          </a:p>
+          <a:p>
+            <a:r>
+              <a:rPr lang="de-DE" dirty="0"/>
+              <a:t>Änderungen an den Services wurden durch alle vorherigen Tests abgedeckt</a:t>
+            </a:r>
+          </a:p>
+        </p:txBody>
+      </p:sp>
+    </p:spTree>
+    <p:extLst>
+      <p:ext uri="{BB962C8B-B14F-4D97-AF65-F5344CB8AC3E}">
+        <p14:creationId xmlns:p14="http://schemas.microsoft.com/office/powerpoint/2010/main" val="4241661600"/>
+      </p:ext>
+    </p:extLst>
+  </p:cSld>
+  <p:clrMapOvr>
+    <a:masterClrMapping/>
+  </p:clrMapOvr>
+</p:sld>
+</file>
+
+<file path=ppt/slides/slide28.xml><?xml version="1.0" encoding="utf-8"?>
+<p:sld xmlns:a="http://schemas.openxmlformats.org/drawingml/2006/main" xmlns:r="http://schemas.openxmlformats.org/officeDocument/2006/relationships" xmlns:p="http://schemas.openxmlformats.org/presentationml/2006/main">
+  <p:cSld>
+    <p:spTree>
+      <p:nvGrpSpPr>
+        <p:cNvPr id="1" name=""/>
+        <p:cNvGrpSpPr/>
+        <p:nvPr/>
+      </p:nvGrpSpPr>
+      <p:grpSpPr>
+        <a:xfrm>
+          <a:off x="0" y="0"/>
+          <a:ext cx="0" cy="0"/>
+          <a:chOff x="0" y="0"/>
+          <a:chExt cx="0" cy="0"/>
+        </a:xfrm>
+      </p:grpSpPr>
+      <p:sp>
+        <p:nvSpPr>
+          <p:cNvPr id="2" name="Titel 1">
+            <a:extLst>
+              <a:ext uri="{FF2B5EF4-FFF2-40B4-BE49-F238E27FC236}">
+                <a16:creationId xmlns:a16="http://schemas.microsoft.com/office/drawing/2014/main" id="{8AE08546-4656-41A0-91C3-1ABE0805174E}"/>
+              </a:ext>
+            </a:extLst>
+          </p:cNvPr>
+          <p:cNvSpPr>
+            <a:spLocks noGrp="1"/>
+          </p:cNvSpPr>
+          <p:nvPr>
+            <p:ph type="title"/>
+          </p:nvPr>
+        </p:nvSpPr>
+        <p:spPr/>
+        <p:txBody>
+          <a:bodyPr/>
+          <a:lstStyle/>
+          <a:p>
+            <a:r>
+              <a:rPr lang="de-DE" dirty="0"/>
+              <a:t>Fazit</a:t>
+            </a:r>
+            <a:endParaRPr lang="de-DE" sz="3600" dirty="0"/>
+          </a:p>
+        </p:txBody>
+      </p:sp>
+      <p:sp>
+        <p:nvSpPr>
+          <p:cNvPr id="4" name="Datumsplatzhalter 3">
+            <a:extLst>
+              <a:ext uri="{FF2B5EF4-FFF2-40B4-BE49-F238E27FC236}">
+                <a16:creationId xmlns:a16="http://schemas.microsoft.com/office/drawing/2014/main" id="{5BA5B140-6506-452D-B029-BD0BE2AD9052}"/>
+              </a:ext>
+            </a:extLst>
+          </p:cNvPr>
+          <p:cNvSpPr>
+            <a:spLocks noGrp="1"/>
+          </p:cNvSpPr>
+          <p:nvPr>
+            <p:ph type="dt" sz="half" idx="10"/>
+          </p:nvPr>
+        </p:nvSpPr>
+        <p:spPr/>
+        <p:txBody>
+          <a:bodyPr/>
+          <a:lstStyle/>
+          <a:p>
+            <a:fld id="{E59088F5-CBD1-44C3-809D-45DB2EE2134D}" type="datetime1">
+              <a:rPr lang="de-DE" smtClean="0"/>
+              <a:t>30.06.2021</a:t>
+            </a:fld>
+            <a:endParaRPr lang="de-DE"/>
+          </a:p>
+        </p:txBody>
+      </p:sp>
+      <p:sp>
+        <p:nvSpPr>
+          <p:cNvPr id="5" name="Foliennummernplatzhalter 4">
+            <a:extLst>
+              <a:ext uri="{FF2B5EF4-FFF2-40B4-BE49-F238E27FC236}">
+                <a16:creationId xmlns:a16="http://schemas.microsoft.com/office/drawing/2014/main" id="{8B35FBE7-8B97-4A68-941E-659DD09B7E28}"/>
+              </a:ext>
+            </a:extLst>
+          </p:cNvPr>
+          <p:cNvSpPr>
+            <a:spLocks noGrp="1"/>
+          </p:cNvSpPr>
+          <p:nvPr>
+            <p:ph type="sldNum" sz="quarter" idx="12"/>
+          </p:nvPr>
+        </p:nvSpPr>
+        <p:spPr/>
+        <p:txBody>
+          <a:bodyPr/>
+          <a:lstStyle/>
+          <a:p>
+            <a:fld id="{AE1E1EB3-B919-4771-A43C-7C8BA70B36D7}" type="slidenum">
+              <a:rPr lang="de-DE" smtClean="0"/>
+              <a:t>28</a:t>
+            </a:fld>
+            <a:endParaRPr lang="de-DE"/>
+          </a:p>
+        </p:txBody>
+      </p:sp>
+      <p:sp>
+        <p:nvSpPr>
+          <p:cNvPr id="7" name="Inhaltsplatzhalter 6">
+            <a:extLst>
+              <a:ext uri="{FF2B5EF4-FFF2-40B4-BE49-F238E27FC236}">
+                <a16:creationId xmlns:a16="http://schemas.microsoft.com/office/drawing/2014/main" id="{B6DCB33D-969A-4BED-9FF1-70973461F802}"/>
+              </a:ext>
+            </a:extLst>
+          </p:cNvPr>
+          <p:cNvSpPr>
+            <a:spLocks noGrp="1"/>
+          </p:cNvSpPr>
+          <p:nvPr>
+            <p:ph idx="1"/>
+          </p:nvPr>
+        </p:nvSpPr>
+        <p:spPr/>
+        <p:txBody>
+          <a:bodyPr/>
+          <a:lstStyle/>
+          <a:p>
+            <a:pPr marL="0" indent="0">
+              <a:buNone/>
+            </a:pPr>
+            <a:r>
+              <a:rPr lang="de-DE" dirty="0"/>
+              <a:t>ITIL hat Vor- und Nachteile</a:t>
+            </a:r>
+          </a:p>
+          <a:p>
+            <a:pPr marL="0" indent="0">
+              <a:buNone/>
+            </a:pPr>
+            <a:endParaRPr lang="de-DE" dirty="0"/>
+          </a:p>
+          <a:p>
+            <a:pPr marL="0" indent="0">
+              <a:buNone/>
+            </a:pPr>
+            <a:r>
+              <a:rPr lang="de-DE" b="1" dirty="0"/>
+              <a:t>Vorteile</a:t>
+            </a:r>
+          </a:p>
+          <a:p>
+            <a:r>
+              <a:rPr lang="de-DE" dirty="0"/>
+              <a:t>Erleichtert </a:t>
+            </a:r>
+            <a:r>
+              <a:rPr lang="de-DE" dirty="0" err="1"/>
+              <a:t>Stukturierung</a:t>
+            </a:r>
+            <a:r>
+              <a:rPr lang="de-DE" dirty="0"/>
+              <a:t> von Prozessen und Vorgehen (Service V-Modell)</a:t>
+            </a:r>
+          </a:p>
+          <a:p>
+            <a:r>
+              <a:rPr lang="de-DE" dirty="0"/>
+              <a:t>Genaue Definition von Ansprechpartnern verschiedener Prozesse</a:t>
+            </a:r>
+          </a:p>
+          <a:p>
+            <a:r>
+              <a:rPr lang="de-DE" dirty="0"/>
+              <a:t>Input für Qualitätsmanagement ist genau definiert (Service Portfolio)</a:t>
+            </a:r>
+          </a:p>
+        </p:txBody>
+      </p:sp>
+    </p:spTree>
+    <p:extLst>
+      <p:ext uri="{BB962C8B-B14F-4D97-AF65-F5344CB8AC3E}">
+        <p14:creationId xmlns:p14="http://schemas.microsoft.com/office/powerpoint/2010/main" val="1853515478"/>
+      </p:ext>
+    </p:extLst>
+  </p:cSld>
+  <p:clrMapOvr>
+    <a:masterClrMapping/>
+  </p:clrMapOvr>
+</p:sld>
+</file>
+
+<file path=ppt/slides/slide29.xml><?xml version="1.0" encoding="utf-8"?>
+<p:sld xmlns:a="http://schemas.openxmlformats.org/drawingml/2006/main" xmlns:r="http://schemas.openxmlformats.org/officeDocument/2006/relationships" xmlns:p="http://schemas.openxmlformats.org/presentationml/2006/main">
+  <p:cSld>
+    <p:spTree>
+      <p:nvGrpSpPr>
+        <p:cNvPr id="1" name=""/>
+        <p:cNvGrpSpPr/>
+        <p:nvPr/>
+      </p:nvGrpSpPr>
+      <p:grpSpPr>
+        <a:xfrm>
+          <a:off x="0" y="0"/>
+          <a:ext cx="0" cy="0"/>
+          <a:chOff x="0" y="0"/>
+          <a:chExt cx="0" cy="0"/>
+        </a:xfrm>
+      </p:grpSpPr>
+      <p:sp>
+        <p:nvSpPr>
+          <p:cNvPr id="2" name="Titel 1">
+            <a:extLst>
+              <a:ext uri="{FF2B5EF4-FFF2-40B4-BE49-F238E27FC236}">
+                <a16:creationId xmlns:a16="http://schemas.microsoft.com/office/drawing/2014/main" id="{8AE08546-4656-41A0-91C3-1ABE0805174E}"/>
+              </a:ext>
+            </a:extLst>
+          </p:cNvPr>
+          <p:cNvSpPr>
+            <a:spLocks noGrp="1"/>
+          </p:cNvSpPr>
+          <p:nvPr>
+            <p:ph type="title"/>
+          </p:nvPr>
+        </p:nvSpPr>
+        <p:spPr/>
+        <p:txBody>
+          <a:bodyPr/>
+          <a:lstStyle/>
+          <a:p>
+            <a:r>
+              <a:rPr lang="de-DE" dirty="0"/>
+              <a:t>Fazit</a:t>
+            </a:r>
+            <a:endParaRPr lang="de-DE" sz="3600" dirty="0"/>
+          </a:p>
+        </p:txBody>
+      </p:sp>
+      <p:sp>
+        <p:nvSpPr>
+          <p:cNvPr id="4" name="Datumsplatzhalter 3">
+            <a:extLst>
+              <a:ext uri="{FF2B5EF4-FFF2-40B4-BE49-F238E27FC236}">
+                <a16:creationId xmlns:a16="http://schemas.microsoft.com/office/drawing/2014/main" id="{5BA5B140-6506-452D-B029-BD0BE2AD9052}"/>
+              </a:ext>
+            </a:extLst>
+          </p:cNvPr>
+          <p:cNvSpPr>
+            <a:spLocks noGrp="1"/>
+          </p:cNvSpPr>
+          <p:nvPr>
+            <p:ph type="dt" sz="half" idx="10"/>
+          </p:nvPr>
+        </p:nvSpPr>
+        <p:spPr/>
+        <p:txBody>
+          <a:bodyPr/>
+          <a:lstStyle/>
+          <a:p>
+            <a:fld id="{E59088F5-CBD1-44C3-809D-45DB2EE2134D}" type="datetime1">
+              <a:rPr lang="de-DE" smtClean="0"/>
+              <a:t>30.06.2021</a:t>
+            </a:fld>
+            <a:endParaRPr lang="de-DE"/>
+          </a:p>
+        </p:txBody>
+      </p:sp>
+      <p:sp>
+        <p:nvSpPr>
+          <p:cNvPr id="5" name="Foliennummernplatzhalter 4">
+            <a:extLst>
+              <a:ext uri="{FF2B5EF4-FFF2-40B4-BE49-F238E27FC236}">
+                <a16:creationId xmlns:a16="http://schemas.microsoft.com/office/drawing/2014/main" id="{8B35FBE7-8B97-4A68-941E-659DD09B7E28}"/>
+              </a:ext>
+            </a:extLst>
+          </p:cNvPr>
+          <p:cNvSpPr>
+            <a:spLocks noGrp="1"/>
+          </p:cNvSpPr>
+          <p:nvPr>
+            <p:ph type="sldNum" sz="quarter" idx="12"/>
+          </p:nvPr>
+        </p:nvSpPr>
+        <p:spPr/>
+        <p:txBody>
+          <a:bodyPr/>
+          <a:lstStyle/>
+          <a:p>
+            <a:fld id="{AE1E1EB3-B919-4771-A43C-7C8BA70B36D7}" type="slidenum">
+              <a:rPr lang="de-DE" smtClean="0"/>
+              <a:t>29</a:t>
+            </a:fld>
+            <a:endParaRPr lang="de-DE"/>
+          </a:p>
+        </p:txBody>
+      </p:sp>
+      <p:sp>
+        <p:nvSpPr>
+          <p:cNvPr id="7" name="Inhaltsplatzhalter 6">
+            <a:extLst>
+              <a:ext uri="{FF2B5EF4-FFF2-40B4-BE49-F238E27FC236}">
+                <a16:creationId xmlns:a16="http://schemas.microsoft.com/office/drawing/2014/main" id="{B6DCB33D-969A-4BED-9FF1-70973461F802}"/>
+              </a:ext>
+            </a:extLst>
+          </p:cNvPr>
+          <p:cNvSpPr>
+            <a:spLocks noGrp="1"/>
+          </p:cNvSpPr>
+          <p:nvPr>
+            <p:ph idx="1"/>
+          </p:nvPr>
+        </p:nvSpPr>
+        <p:spPr/>
+        <p:txBody>
+          <a:bodyPr/>
+          <a:lstStyle/>
+          <a:p>
+            <a:pPr marL="0" indent="0">
+              <a:buNone/>
+            </a:pPr>
+            <a:r>
+              <a:rPr lang="de-DE" b="1" dirty="0"/>
+              <a:t>Nachteile</a:t>
+            </a:r>
+          </a:p>
+          <a:p>
+            <a:r>
+              <a:rPr lang="de-DE" dirty="0"/>
+              <a:t>Fokus anfänglich unklar</a:t>
+            </a:r>
+          </a:p>
+          <a:p>
+            <a:r>
+              <a:rPr lang="de-DE" dirty="0"/>
+              <a:t>Viele Definitionen und Abhängigkeiten</a:t>
+            </a:r>
+          </a:p>
+          <a:p>
+            <a:pPr marL="0" indent="0">
+              <a:buNone/>
+            </a:pPr>
+            <a:endParaRPr lang="de-DE" dirty="0"/>
+          </a:p>
+          <a:p>
+            <a:pPr marL="0" indent="0">
+              <a:buNone/>
+            </a:pPr>
+            <a:r>
+              <a:rPr lang="de-DE" dirty="0"/>
+              <a:t>=&gt;Einführung nicht leicht</a:t>
+            </a:r>
+          </a:p>
+          <a:p>
+            <a:pPr marL="0" indent="0">
+              <a:buNone/>
+            </a:pPr>
+            <a:endParaRPr lang="de-DE" dirty="0"/>
+          </a:p>
+          <a:p>
+            <a:pPr marL="0" indent="0">
+              <a:buNone/>
+            </a:pPr>
+            <a:endParaRPr lang="de-DE" dirty="0"/>
+          </a:p>
+        </p:txBody>
+      </p:sp>
+    </p:spTree>
+    <p:extLst>
+      <p:ext uri="{BB962C8B-B14F-4D97-AF65-F5344CB8AC3E}">
+        <p14:creationId xmlns:p14="http://schemas.microsoft.com/office/powerpoint/2010/main" val="3905710405"/>
       </p:ext>
     </p:extLst>
   </p:cSld>
@@ -15935,7 +20063,7 @@
           <a:p>
             <a:fld id="{E59088F5-CBD1-44C3-809D-45DB2EE2134D}" type="datetime1">
               <a:rPr lang="de-DE" smtClean="0"/>
-              <a:t>27.06.2021</a:t>
+              <a:t>30.06.2021</a:t>
             </a:fld>
             <a:endParaRPr lang="de-DE"/>
           </a:p>
@@ -15974,6 +20102,675 @@
     <p:extLst>
       <p:ext uri="{BB962C8B-B14F-4D97-AF65-F5344CB8AC3E}">
         <p14:creationId xmlns:p14="http://schemas.microsoft.com/office/powerpoint/2010/main" val="4053967708"/>
+      </p:ext>
+    </p:extLst>
+  </p:cSld>
+  <p:clrMapOvr>
+    <a:masterClrMapping/>
+  </p:clrMapOvr>
+</p:sld>
+</file>
+
+<file path=ppt/slides/slide30.xml><?xml version="1.0" encoding="utf-8"?>
+<p:sld xmlns:a="http://schemas.openxmlformats.org/drawingml/2006/main" xmlns:r="http://schemas.openxmlformats.org/officeDocument/2006/relationships" xmlns:p="http://schemas.openxmlformats.org/presentationml/2006/main">
+  <p:cSld>
+    <p:spTree>
+      <p:nvGrpSpPr>
+        <p:cNvPr id="1" name=""/>
+        <p:cNvGrpSpPr/>
+        <p:nvPr/>
+      </p:nvGrpSpPr>
+      <p:grpSpPr>
+        <a:xfrm>
+          <a:off x="0" y="0"/>
+          <a:ext cx="0" cy="0"/>
+          <a:chOff x="0" y="0"/>
+          <a:chExt cx="0" cy="0"/>
+        </a:xfrm>
+      </p:grpSpPr>
+      <p:sp>
+        <p:nvSpPr>
+          <p:cNvPr id="2" name="Titel 1">
+            <a:extLst>
+              <a:ext uri="{FF2B5EF4-FFF2-40B4-BE49-F238E27FC236}">
+                <a16:creationId xmlns:a16="http://schemas.microsoft.com/office/drawing/2014/main" id="{8AE08546-4656-41A0-91C3-1ABE0805174E}"/>
+              </a:ext>
+            </a:extLst>
+          </p:cNvPr>
+          <p:cNvSpPr>
+            <a:spLocks noGrp="1"/>
+          </p:cNvSpPr>
+          <p:nvPr>
+            <p:ph type="title"/>
+          </p:nvPr>
+        </p:nvSpPr>
+        <p:spPr/>
+        <p:txBody>
+          <a:bodyPr/>
+          <a:lstStyle/>
+          <a:p>
+            <a:r>
+              <a:rPr lang="de-DE" dirty="0"/>
+              <a:t>Fazit</a:t>
+            </a:r>
+            <a:endParaRPr lang="de-DE" sz="3600" dirty="0"/>
+          </a:p>
+        </p:txBody>
+      </p:sp>
+      <p:sp>
+        <p:nvSpPr>
+          <p:cNvPr id="4" name="Datumsplatzhalter 3">
+            <a:extLst>
+              <a:ext uri="{FF2B5EF4-FFF2-40B4-BE49-F238E27FC236}">
+                <a16:creationId xmlns:a16="http://schemas.microsoft.com/office/drawing/2014/main" id="{5BA5B140-6506-452D-B029-BD0BE2AD9052}"/>
+              </a:ext>
+            </a:extLst>
+          </p:cNvPr>
+          <p:cNvSpPr>
+            <a:spLocks noGrp="1"/>
+          </p:cNvSpPr>
+          <p:nvPr>
+            <p:ph type="dt" sz="half" idx="10"/>
+          </p:nvPr>
+        </p:nvSpPr>
+        <p:spPr/>
+        <p:txBody>
+          <a:bodyPr/>
+          <a:lstStyle/>
+          <a:p>
+            <a:fld id="{E59088F5-CBD1-44C3-809D-45DB2EE2134D}" type="datetime1">
+              <a:rPr lang="de-DE" smtClean="0"/>
+              <a:t>30.06.2021</a:t>
+            </a:fld>
+            <a:endParaRPr lang="de-DE"/>
+          </a:p>
+        </p:txBody>
+      </p:sp>
+      <p:sp>
+        <p:nvSpPr>
+          <p:cNvPr id="5" name="Foliennummernplatzhalter 4">
+            <a:extLst>
+              <a:ext uri="{FF2B5EF4-FFF2-40B4-BE49-F238E27FC236}">
+                <a16:creationId xmlns:a16="http://schemas.microsoft.com/office/drawing/2014/main" id="{8B35FBE7-8B97-4A68-941E-659DD09B7E28}"/>
+              </a:ext>
+            </a:extLst>
+          </p:cNvPr>
+          <p:cNvSpPr>
+            <a:spLocks noGrp="1"/>
+          </p:cNvSpPr>
+          <p:nvPr>
+            <p:ph type="sldNum" sz="quarter" idx="12"/>
+          </p:nvPr>
+        </p:nvSpPr>
+        <p:spPr/>
+        <p:txBody>
+          <a:bodyPr/>
+          <a:lstStyle/>
+          <a:p>
+            <a:fld id="{AE1E1EB3-B919-4771-A43C-7C8BA70B36D7}" type="slidenum">
+              <a:rPr lang="de-DE" smtClean="0"/>
+              <a:t>30</a:t>
+            </a:fld>
+            <a:endParaRPr lang="de-DE"/>
+          </a:p>
+        </p:txBody>
+      </p:sp>
+      <p:sp>
+        <p:nvSpPr>
+          <p:cNvPr id="7" name="Inhaltsplatzhalter 6">
+            <a:extLst>
+              <a:ext uri="{FF2B5EF4-FFF2-40B4-BE49-F238E27FC236}">
+                <a16:creationId xmlns:a16="http://schemas.microsoft.com/office/drawing/2014/main" id="{B6DCB33D-969A-4BED-9FF1-70973461F802}"/>
+              </a:ext>
+            </a:extLst>
+          </p:cNvPr>
+          <p:cNvSpPr>
+            <a:spLocks noGrp="1"/>
+          </p:cNvSpPr>
+          <p:nvPr>
+            <p:ph idx="1"/>
+          </p:nvPr>
+        </p:nvSpPr>
+        <p:spPr/>
+        <p:txBody>
+          <a:bodyPr/>
+          <a:lstStyle/>
+          <a:p>
+            <a:pPr marL="0" indent="0">
+              <a:buNone/>
+            </a:pPr>
+            <a:endParaRPr lang="de-DE" dirty="0"/>
+          </a:p>
+          <a:p>
+            <a:pPr marL="0" indent="0" algn="ctr">
+              <a:buNone/>
+            </a:pPr>
+            <a:r>
+              <a:rPr lang="de-DE" b="1" dirty="0"/>
+              <a:t>Zusammenfassend</a:t>
+            </a:r>
+          </a:p>
+          <a:p>
+            <a:pPr marL="0" indent="0" algn="ctr">
+              <a:buNone/>
+            </a:pPr>
+            <a:r>
+              <a:rPr lang="de-DE" dirty="0"/>
+              <a:t>ITIL eignet sich gut um Qualitätssicherung in Projekt umzusetzen, aber erfahrene Mitarbeiter sind bei Einführung von Vorteil</a:t>
+            </a:r>
+          </a:p>
+          <a:p>
+            <a:pPr marL="0" indent="0">
+              <a:buNone/>
+            </a:pPr>
+            <a:endParaRPr lang="de-DE" dirty="0"/>
+          </a:p>
+        </p:txBody>
+      </p:sp>
+    </p:spTree>
+    <p:extLst>
+      <p:ext uri="{BB962C8B-B14F-4D97-AF65-F5344CB8AC3E}">
+        <p14:creationId xmlns:p14="http://schemas.microsoft.com/office/powerpoint/2010/main" val="1891996650"/>
+      </p:ext>
+    </p:extLst>
+  </p:cSld>
+  <p:clrMapOvr>
+    <a:masterClrMapping/>
+  </p:clrMapOvr>
+</p:sld>
+</file>
+
+<file path=ppt/slides/slide31.xml><?xml version="1.0" encoding="utf-8"?>
+<p:sld xmlns:a="http://schemas.openxmlformats.org/drawingml/2006/main" xmlns:r="http://schemas.openxmlformats.org/officeDocument/2006/relationships" xmlns:p="http://schemas.openxmlformats.org/presentationml/2006/main">
+  <p:cSld>
+    <p:spTree>
+      <p:nvGrpSpPr>
+        <p:cNvPr id="1" name=""/>
+        <p:cNvGrpSpPr/>
+        <p:nvPr/>
+      </p:nvGrpSpPr>
+      <p:grpSpPr>
+        <a:xfrm>
+          <a:off x="0" y="0"/>
+          <a:ext cx="0" cy="0"/>
+          <a:chOff x="0" y="0"/>
+          <a:chExt cx="0" cy="0"/>
+        </a:xfrm>
+      </p:grpSpPr>
+      <p:sp>
+        <p:nvSpPr>
+          <p:cNvPr id="2" name="Titel 1">
+            <a:extLst>
+              <a:ext uri="{FF2B5EF4-FFF2-40B4-BE49-F238E27FC236}">
+                <a16:creationId xmlns:a16="http://schemas.microsoft.com/office/drawing/2014/main" id="{8AE08546-4656-41A0-91C3-1ABE0805174E}"/>
+              </a:ext>
+            </a:extLst>
+          </p:cNvPr>
+          <p:cNvSpPr>
+            <a:spLocks noGrp="1"/>
+          </p:cNvSpPr>
+          <p:nvPr>
+            <p:ph type="title"/>
+          </p:nvPr>
+        </p:nvSpPr>
+        <p:spPr/>
+        <p:txBody>
+          <a:bodyPr/>
+          <a:lstStyle/>
+          <a:p>
+            <a:r>
+              <a:rPr lang="de-DE" dirty="0"/>
+              <a:t>Zeit für Fragen</a:t>
+            </a:r>
+            <a:endParaRPr lang="de-DE" sz="3600" dirty="0"/>
+          </a:p>
+        </p:txBody>
+      </p:sp>
+      <p:sp>
+        <p:nvSpPr>
+          <p:cNvPr id="4" name="Datumsplatzhalter 3">
+            <a:extLst>
+              <a:ext uri="{FF2B5EF4-FFF2-40B4-BE49-F238E27FC236}">
+                <a16:creationId xmlns:a16="http://schemas.microsoft.com/office/drawing/2014/main" id="{5BA5B140-6506-452D-B029-BD0BE2AD9052}"/>
+              </a:ext>
+            </a:extLst>
+          </p:cNvPr>
+          <p:cNvSpPr>
+            <a:spLocks noGrp="1"/>
+          </p:cNvSpPr>
+          <p:nvPr>
+            <p:ph type="dt" sz="half" idx="10"/>
+          </p:nvPr>
+        </p:nvSpPr>
+        <p:spPr/>
+        <p:txBody>
+          <a:bodyPr/>
+          <a:lstStyle/>
+          <a:p>
+            <a:fld id="{E59088F5-CBD1-44C3-809D-45DB2EE2134D}" type="datetime1">
+              <a:rPr lang="de-DE" smtClean="0"/>
+              <a:t>30.06.2021</a:t>
+            </a:fld>
+            <a:endParaRPr lang="de-DE"/>
+          </a:p>
+        </p:txBody>
+      </p:sp>
+      <p:sp>
+        <p:nvSpPr>
+          <p:cNvPr id="5" name="Foliennummernplatzhalter 4">
+            <a:extLst>
+              <a:ext uri="{FF2B5EF4-FFF2-40B4-BE49-F238E27FC236}">
+                <a16:creationId xmlns:a16="http://schemas.microsoft.com/office/drawing/2014/main" id="{8B35FBE7-8B97-4A68-941E-659DD09B7E28}"/>
+              </a:ext>
+            </a:extLst>
+          </p:cNvPr>
+          <p:cNvSpPr>
+            <a:spLocks noGrp="1"/>
+          </p:cNvSpPr>
+          <p:nvPr>
+            <p:ph type="sldNum" sz="quarter" idx="12"/>
+          </p:nvPr>
+        </p:nvSpPr>
+        <p:spPr/>
+        <p:txBody>
+          <a:bodyPr/>
+          <a:lstStyle/>
+          <a:p>
+            <a:fld id="{AE1E1EB3-B919-4771-A43C-7C8BA70B36D7}" type="slidenum">
+              <a:rPr lang="de-DE" smtClean="0"/>
+              <a:t>31</a:t>
+            </a:fld>
+            <a:endParaRPr lang="de-DE"/>
+          </a:p>
+        </p:txBody>
+      </p:sp>
+      <p:sp>
+        <p:nvSpPr>
+          <p:cNvPr id="7" name="Inhaltsplatzhalter 6">
+            <a:extLst>
+              <a:ext uri="{FF2B5EF4-FFF2-40B4-BE49-F238E27FC236}">
+                <a16:creationId xmlns:a16="http://schemas.microsoft.com/office/drawing/2014/main" id="{B6DCB33D-969A-4BED-9FF1-70973461F802}"/>
+              </a:ext>
+            </a:extLst>
+          </p:cNvPr>
+          <p:cNvSpPr>
+            <a:spLocks noGrp="1"/>
+          </p:cNvSpPr>
+          <p:nvPr>
+            <p:ph idx="1"/>
+          </p:nvPr>
+        </p:nvSpPr>
+        <p:spPr/>
+        <p:txBody>
+          <a:bodyPr/>
+          <a:lstStyle/>
+          <a:p>
+            <a:pPr marL="0" indent="0" algn="ctr">
+              <a:buNone/>
+            </a:pPr>
+            <a:endParaRPr lang="de-DE" b="1" dirty="0"/>
+          </a:p>
+          <a:p>
+            <a:pPr marL="0" indent="0" algn="ctr">
+              <a:buNone/>
+            </a:pPr>
+            <a:endParaRPr lang="de-DE" b="1" dirty="0"/>
+          </a:p>
+          <a:p>
+            <a:pPr marL="0" indent="0" algn="ctr">
+              <a:buNone/>
+            </a:pPr>
+            <a:endParaRPr lang="de-DE" b="1" dirty="0"/>
+          </a:p>
+          <a:p>
+            <a:pPr marL="0" indent="0" algn="ctr">
+              <a:buNone/>
+            </a:pPr>
+            <a:r>
+              <a:rPr lang="de-DE" b="1" dirty="0"/>
+              <a:t>Vielen Dank für Ihre Aufmerksamkeit!</a:t>
+            </a:r>
+          </a:p>
+          <a:p>
+            <a:pPr marL="0" indent="0">
+              <a:buNone/>
+            </a:pPr>
+            <a:endParaRPr lang="de-DE" b="1" dirty="0"/>
+          </a:p>
+        </p:txBody>
+      </p:sp>
+    </p:spTree>
+    <p:extLst>
+      <p:ext uri="{BB962C8B-B14F-4D97-AF65-F5344CB8AC3E}">
+        <p14:creationId xmlns:p14="http://schemas.microsoft.com/office/powerpoint/2010/main" val="459418054"/>
+      </p:ext>
+    </p:extLst>
+  </p:cSld>
+  <p:clrMapOvr>
+    <a:masterClrMapping/>
+  </p:clrMapOvr>
+</p:sld>
+</file>
+
+<file path=ppt/slides/slide32.xml><?xml version="1.0" encoding="utf-8"?>
+<p:sld xmlns:a="http://schemas.openxmlformats.org/drawingml/2006/main" xmlns:r="http://schemas.openxmlformats.org/officeDocument/2006/relationships" xmlns:p="http://schemas.openxmlformats.org/presentationml/2006/main">
+  <p:cSld>
+    <p:spTree>
+      <p:nvGrpSpPr>
+        <p:cNvPr id="1" name=""/>
+        <p:cNvGrpSpPr/>
+        <p:nvPr/>
+      </p:nvGrpSpPr>
+      <p:grpSpPr>
+        <a:xfrm>
+          <a:off x="0" y="0"/>
+          <a:ext cx="0" cy="0"/>
+          <a:chOff x="0" y="0"/>
+          <a:chExt cx="0" cy="0"/>
+        </a:xfrm>
+      </p:grpSpPr>
+      <p:sp>
+        <p:nvSpPr>
+          <p:cNvPr id="2" name="Titel 1">
+            <a:extLst>
+              <a:ext uri="{FF2B5EF4-FFF2-40B4-BE49-F238E27FC236}">
+                <a16:creationId xmlns:a16="http://schemas.microsoft.com/office/drawing/2014/main" id="{ABD9C354-CB9B-42BC-8181-548A84ECFB93}"/>
+              </a:ext>
+            </a:extLst>
+          </p:cNvPr>
+          <p:cNvSpPr>
+            <a:spLocks noGrp="1"/>
+          </p:cNvSpPr>
+          <p:nvPr>
+            <p:ph type="title"/>
+          </p:nvPr>
+        </p:nvSpPr>
+        <p:spPr/>
+        <p:txBody>
+          <a:bodyPr/>
+          <a:lstStyle/>
+          <a:p>
+            <a:r>
+              <a:rPr lang="de-DE" dirty="0"/>
+              <a:t>Quellen </a:t>
+            </a:r>
+          </a:p>
+        </p:txBody>
+      </p:sp>
+      <p:sp>
+        <p:nvSpPr>
+          <p:cNvPr id="3" name="Inhaltsplatzhalter 2">
+            <a:extLst>
+              <a:ext uri="{FF2B5EF4-FFF2-40B4-BE49-F238E27FC236}">
+                <a16:creationId xmlns:a16="http://schemas.microsoft.com/office/drawing/2014/main" id="{AE8F722F-FFD7-4991-8F89-2128AE86C8B1}"/>
+              </a:ext>
+            </a:extLst>
+          </p:cNvPr>
+          <p:cNvSpPr>
+            <a:spLocks noGrp="1"/>
+          </p:cNvSpPr>
+          <p:nvPr>
+            <p:ph idx="1"/>
+          </p:nvPr>
+        </p:nvSpPr>
+        <p:spPr/>
+        <p:txBody>
+          <a:bodyPr/>
+          <a:lstStyle/>
+          <a:p>
+            <a:pPr marL="0" indent="0" algn="l">
+              <a:buNone/>
+            </a:pPr>
+            <a:r>
+              <a:rPr lang="de-DE" sz="1800" dirty="0">
+                <a:latin typeface="LinLibertineT"/>
+              </a:rPr>
+              <a:t>[1] </a:t>
+            </a:r>
+            <a:r>
+              <a:rPr lang="de-DE" sz="1800" b="0" i="0" u="none" strike="noStrike" baseline="0" dirty="0">
+                <a:latin typeface="LinLibertineT"/>
+              </a:rPr>
+              <a:t>https://www.duden.de/rechtschreibung/Qualitaet, Zugriff: 12.06.2021</a:t>
+            </a:r>
+          </a:p>
+          <a:p>
+            <a:pPr marL="0" indent="0" algn="l">
+              <a:buNone/>
+            </a:pPr>
+            <a:r>
+              <a:rPr lang="de-DE" sz="1800" dirty="0">
+                <a:latin typeface="LinLibertineT"/>
+              </a:rPr>
+              <a:t>[2] </a:t>
+            </a:r>
+            <a:r>
+              <a:rPr lang="de-DE" sz="1800" b="0" i="0" u="none" strike="noStrike" baseline="0" dirty="0">
+                <a:latin typeface="LinLibertineT"/>
+              </a:rPr>
+              <a:t>http://wirtschaftslexikon24.com/d/qualitaet/qualitaet.htm, Zugriff: 12.06.2021</a:t>
+            </a:r>
+          </a:p>
+          <a:p>
+            <a:pPr marL="0" indent="0">
+              <a:buNone/>
+            </a:pPr>
+            <a:r>
+              <a:rPr lang="de-DE" sz="1800" dirty="0">
+                <a:latin typeface="LinLibertineT"/>
+              </a:rPr>
+              <a:t>[3] </a:t>
+            </a:r>
+            <a:r>
+              <a:rPr lang="de-DE" sz="1800" b="0" i="0" u="none" strike="noStrike" baseline="0" dirty="0">
+                <a:latin typeface="LinLibertineT"/>
+              </a:rPr>
+              <a:t>Martin </a:t>
+            </a:r>
+            <a:r>
+              <a:rPr lang="de-DE" sz="1800" b="0" i="0" u="none" strike="noStrike" baseline="0" dirty="0" err="1">
+                <a:latin typeface="LinLibertineT"/>
+              </a:rPr>
+              <a:t>Beims</a:t>
+            </a:r>
+            <a:r>
+              <a:rPr lang="de-DE" sz="1800" b="0" i="0" u="none" strike="noStrike" baseline="0" dirty="0">
+                <a:latin typeface="LinLibertineT"/>
+              </a:rPr>
+              <a:t> and Michael Ziegenbein. 2015. </a:t>
+            </a:r>
+            <a:r>
+              <a:rPr lang="de-DE" sz="1800" b="0" i="0" u="none" strike="noStrike" baseline="0" dirty="0">
+                <a:latin typeface="LinLibertineTI"/>
+              </a:rPr>
+              <a:t>IT-Service-Management in der Praxis mit ITIL: Der Einsatz von ITIL Edition 2011, ISO/IEC 20000:2011, COBIT 5 und PRINCE2 </a:t>
+            </a:r>
+            <a:r>
+              <a:rPr lang="de-DE" sz="1800" b="0" i="0" u="none" strike="noStrike" baseline="0" dirty="0">
+                <a:latin typeface="LinLibertineT"/>
+              </a:rPr>
+              <a:t>(4., überarbeitete und erweiterte </a:t>
+            </a:r>
+            <a:r>
+              <a:rPr lang="de-DE" sz="1800" b="0" i="0" u="none" strike="noStrike" baseline="0" dirty="0" err="1">
+                <a:latin typeface="LinLibertineT"/>
+              </a:rPr>
+              <a:t>auflage</a:t>
+            </a:r>
+            <a:r>
+              <a:rPr lang="de-DE" sz="1800" b="0" i="0" u="none" strike="noStrike" baseline="0" dirty="0">
+                <a:latin typeface="LinLibertineT"/>
+              </a:rPr>
+              <a:t> </a:t>
+            </a:r>
+            <a:r>
+              <a:rPr lang="de-DE" sz="1800" b="0" i="0" u="none" strike="noStrike" baseline="0" dirty="0" err="1">
+                <a:latin typeface="LinLibertineT"/>
+              </a:rPr>
+              <a:t>ed</a:t>
+            </a:r>
+            <a:r>
+              <a:rPr lang="de-DE" sz="1800" b="0" i="0" u="none" strike="noStrike" baseline="0" dirty="0">
+                <a:latin typeface="LinLibertineT"/>
+              </a:rPr>
+              <a:t>.). Hanser, München.</a:t>
+            </a:r>
+          </a:p>
+          <a:p>
+            <a:pPr marL="0" indent="0" algn="l">
+              <a:buNone/>
+            </a:pPr>
+            <a:r>
+              <a:rPr lang="de-DE" sz="1800" dirty="0">
+                <a:latin typeface="LinLibertineT"/>
+              </a:rPr>
+              <a:t>[4] </a:t>
+            </a:r>
+            <a:r>
+              <a:rPr lang="de-DE" sz="1800" b="0" i="0" u="none" strike="noStrike" baseline="0" dirty="0">
+                <a:latin typeface="LinLibertineT"/>
+              </a:rPr>
+              <a:t>https://www.iso.org/standard/51986.html, Zugriff: 31.05.2021</a:t>
+            </a:r>
+          </a:p>
+          <a:p>
+            <a:pPr marL="0" indent="0" algn="l">
+              <a:buNone/>
+            </a:pPr>
+            <a:r>
+              <a:rPr lang="de-DE" sz="1800" dirty="0">
+                <a:latin typeface="LinLibertineT"/>
+              </a:rPr>
+              <a:t>[5] </a:t>
+            </a:r>
+            <a:r>
+              <a:rPr lang="de-DE" sz="1800" b="0" i="0" u="none" strike="noStrike" baseline="0" dirty="0">
+                <a:latin typeface="LinLibertineT"/>
+              </a:rPr>
+              <a:t>https://www.ibm.com/cloud/learn/it-service-managementtoc-what-is-it-CCWD9gs4, Zugriff: 31.05.2021</a:t>
+            </a:r>
+          </a:p>
+          <a:p>
+            <a:pPr marL="0" indent="0">
+              <a:buNone/>
+            </a:pPr>
+            <a:r>
+              <a:rPr lang="de-DE" sz="1800" dirty="0">
+                <a:latin typeface="LinLibertineT"/>
+              </a:rPr>
+              <a:t>[6] Karl-Michael Gauch. 22.03.2021. IT-Management: Einführung</a:t>
+            </a:r>
+          </a:p>
+          <a:p>
+            <a:pPr marL="0" indent="0">
+              <a:buNone/>
+            </a:pPr>
+            <a:r>
+              <a:rPr lang="de-DE" sz="1800" dirty="0">
+                <a:latin typeface="LinLibertineT"/>
+              </a:rPr>
+              <a:t>[7] </a:t>
+            </a:r>
+            <a:r>
+              <a:rPr lang="en-US" sz="1800" b="0" i="0" u="none" strike="noStrike" baseline="0" dirty="0">
+                <a:latin typeface="LinLibertineT"/>
+              </a:rPr>
+              <a:t>Karl-Michael </a:t>
+            </a:r>
+            <a:r>
+              <a:rPr lang="en-US" sz="1800" b="0" i="0" u="none" strike="noStrike" baseline="0" dirty="0" err="1">
+                <a:latin typeface="LinLibertineT"/>
+              </a:rPr>
+              <a:t>Gauch</a:t>
+            </a:r>
+            <a:r>
+              <a:rPr lang="en-US" sz="1800" b="0" i="0" u="none" strike="noStrike" baseline="0" dirty="0">
+                <a:latin typeface="LinLibertineT"/>
+              </a:rPr>
+              <a:t>. 24.03.2021. IT-Management: Introduction to ITIL.</a:t>
+            </a:r>
+            <a:endParaRPr lang="de-DE" sz="1800" dirty="0">
+              <a:latin typeface="LinLibertineT"/>
+            </a:endParaRPr>
+          </a:p>
+          <a:p>
+            <a:pPr marL="0" indent="0" algn="l">
+              <a:buNone/>
+            </a:pPr>
+            <a:endParaRPr lang="de-DE" sz="1800" b="0" i="0" u="none" strike="noStrike" baseline="0" dirty="0">
+              <a:latin typeface="LinLibertineT"/>
+            </a:endParaRPr>
+          </a:p>
+          <a:p>
+            <a:pPr marL="0" indent="0" algn="l">
+              <a:buNone/>
+            </a:pPr>
+            <a:endParaRPr lang="de-DE" dirty="0"/>
+          </a:p>
+        </p:txBody>
+      </p:sp>
+      <p:sp>
+        <p:nvSpPr>
+          <p:cNvPr id="4" name="Datumsplatzhalter 3">
+            <a:extLst>
+              <a:ext uri="{FF2B5EF4-FFF2-40B4-BE49-F238E27FC236}">
+                <a16:creationId xmlns:a16="http://schemas.microsoft.com/office/drawing/2014/main" id="{F2C165A7-AC1A-41F2-9717-6DCF639AB481}"/>
+              </a:ext>
+            </a:extLst>
+          </p:cNvPr>
+          <p:cNvSpPr>
+            <a:spLocks noGrp="1"/>
+          </p:cNvSpPr>
+          <p:nvPr>
+            <p:ph type="dt" sz="half" idx="10"/>
+          </p:nvPr>
+        </p:nvSpPr>
+        <p:spPr/>
+        <p:txBody>
+          <a:bodyPr/>
+          <a:lstStyle/>
+          <a:p>
+            <a:fld id="{E59088F5-CBD1-44C3-809D-45DB2EE2134D}" type="datetime1">
+              <a:rPr lang="de-DE" smtClean="0"/>
+              <a:t>30.06.2021</a:t>
+            </a:fld>
+            <a:endParaRPr lang="de-DE"/>
+          </a:p>
+        </p:txBody>
+      </p:sp>
+      <p:sp>
+        <p:nvSpPr>
+          <p:cNvPr id="5" name="Foliennummernplatzhalter 4">
+            <a:extLst>
+              <a:ext uri="{FF2B5EF4-FFF2-40B4-BE49-F238E27FC236}">
+                <a16:creationId xmlns:a16="http://schemas.microsoft.com/office/drawing/2014/main" id="{678C662F-8E4D-4CE5-BD57-B0DAAEBAE021}"/>
+              </a:ext>
+            </a:extLst>
+          </p:cNvPr>
+          <p:cNvSpPr>
+            <a:spLocks noGrp="1"/>
+          </p:cNvSpPr>
+          <p:nvPr>
+            <p:ph type="sldNum" sz="quarter" idx="12"/>
+          </p:nvPr>
+        </p:nvSpPr>
+        <p:spPr/>
+        <p:txBody>
+          <a:bodyPr/>
+          <a:lstStyle/>
+          <a:p>
+            <a:fld id="{AE1E1EB3-B919-4771-A43C-7C8BA70B36D7}" type="slidenum">
+              <a:rPr lang="de-DE" smtClean="0"/>
+              <a:t>32</a:t>
+            </a:fld>
+            <a:endParaRPr lang="de-DE"/>
+          </a:p>
+        </p:txBody>
+      </p:sp>
+    </p:spTree>
+    <p:extLst>
+      <p:ext uri="{BB962C8B-B14F-4D97-AF65-F5344CB8AC3E}">
+        <p14:creationId xmlns:p14="http://schemas.microsoft.com/office/powerpoint/2010/main" val="3538321384"/>
       </p:ext>
     </p:extLst>
   </p:cSld>
@@ -16156,7 +20953,7 @@
           <a:p>
             <a:fld id="{E59088F5-CBD1-44C3-809D-45DB2EE2134D}" type="datetime1">
               <a:rPr lang="de-DE" smtClean="0"/>
-              <a:t>27.06.2021</a:t>
+              <a:t>30.06.2021</a:t>
             </a:fld>
             <a:endParaRPr lang="de-DE"/>
           </a:p>
@@ -16272,7 +21069,7 @@
           <a:p>
             <a:fld id="{E59088F5-CBD1-44C3-809D-45DB2EE2134D}" type="datetime1">
               <a:rPr lang="de-DE" smtClean="0"/>
-              <a:t>27.06.2021</a:t>
+              <a:t>30.06.2021</a:t>
             </a:fld>
             <a:endParaRPr lang="de-DE"/>
           </a:p>
@@ -16452,7 +21249,7 @@
           <a:p>
             <a:fld id="{E59088F5-CBD1-44C3-809D-45DB2EE2134D}" type="datetime1">
               <a:rPr lang="de-DE" smtClean="0"/>
-              <a:t>27.06.2021</a:t>
+              <a:t>30.06.2021</a:t>
             </a:fld>
             <a:endParaRPr lang="de-DE"/>
           </a:p>
@@ -16732,7 +21529,7 @@
           <a:p>
             <a:fld id="{E59088F5-CBD1-44C3-809D-45DB2EE2134D}" type="datetime1">
               <a:rPr lang="de-DE" smtClean="0"/>
-              <a:t>27.06.2021</a:t>
+              <a:t>30.06.2021</a:t>
             </a:fld>
             <a:endParaRPr lang="de-DE"/>
           </a:p>
@@ -16979,7 +21776,7 @@
           <a:p>
             <a:fld id="{E59088F5-CBD1-44C3-809D-45DB2EE2134D}" type="datetime1">
               <a:rPr lang="de-DE" smtClean="0"/>
-              <a:t>27.06.2021</a:t>
+              <a:t>30.06.2021</a:t>
             </a:fld>
             <a:endParaRPr lang="de-DE"/>
           </a:p>
@@ -17162,7 +21959,7 @@
           <a:p>
             <a:fld id="{E59088F5-CBD1-44C3-809D-45DB2EE2134D}" type="datetime1">
               <a:rPr lang="de-DE" smtClean="0"/>
-              <a:t>27.06.2021</a:t>
+              <a:t>30.06.2021</a:t>
             </a:fld>
             <a:endParaRPr lang="de-DE"/>
           </a:p>
